--- a/上大培训：scrum和vs2012 部分.pptx
+++ b/上大培训：scrum和vs2012 部分.pptx
@@ -5,18 +5,22 @@
     <p:sldMasterId id="2147483648" r:id="rId1"/>
   </p:sldMasterIdLst>
   <p:notesMasterIdLst>
-    <p:notesMasterId r:id="rId8"/>
+    <p:notesMasterId r:id="rId12"/>
   </p:notesMasterIdLst>
   <p:handoutMasterIdLst>
-    <p:handoutMasterId r:id="rId9"/>
+    <p:handoutMasterId r:id="rId13"/>
   </p:handoutMasterIdLst>
   <p:sldIdLst>
     <p:sldId id="513" r:id="rId2"/>
     <p:sldId id="515" r:id="rId3"/>
     <p:sldId id="517" r:id="rId4"/>
     <p:sldId id="516" r:id="rId5"/>
-    <p:sldId id="514" r:id="rId6"/>
-    <p:sldId id="503" r:id="rId7"/>
+    <p:sldId id="521" r:id="rId6"/>
+    <p:sldId id="518" r:id="rId7"/>
+    <p:sldId id="519" r:id="rId8"/>
+    <p:sldId id="520" r:id="rId9"/>
+    <p:sldId id="514" r:id="rId10"/>
+    <p:sldId id="503" r:id="rId11"/>
   </p:sldIdLst>
   <p:sldSz cx="9144000" cy="6858000" type="screen4x3"/>
   <p:notesSz cx="6858000" cy="9144000"/>
@@ -148,6 +152,184 @@
 </p:presentation>
 </file>
 
+<file path=ppt/charts/chart1.xml><?xml version="1.0" encoding="utf-8"?>
+<c:chartSpace xmlns:c="http://schemas.openxmlformats.org/drawingml/2006/chart" xmlns:a="http://schemas.openxmlformats.org/drawingml/2006/main" xmlns:r="http://schemas.openxmlformats.org/officeDocument/2006/relationships">
+  <c:date1904 val="0"/>
+  <c:lang val="zh-CN"/>
+  <c:roundedCorners val="0"/>
+  <mc:AlternateContent xmlns:mc="http://schemas.openxmlformats.org/markup-compatibility/2006">
+    <mc:Choice xmlns:c14="http://schemas.microsoft.com/office/drawing/2007/8/2/chart" Requires="c14">
+      <c14:style val="102"/>
+    </mc:Choice>
+    <mc:Fallback>
+      <c:style val="2"/>
+    </mc:Fallback>
+  </mc:AlternateContent>
+  <c:chart>
+    <c:autoTitleDeleted val="1"/>
+    <c:plotArea>
+      <c:layout>
+        <c:manualLayout>
+          <c:layoutTarget val="inner"/>
+          <c:xMode val="edge"/>
+          <c:yMode val="edge"/>
+          <c:x val="1.6975308641975308E-2"/>
+          <c:y val="3.4375000000000003E-2"/>
+          <c:w val="0.66820987654320985"/>
+          <c:h val="0.734375"/>
+        </c:manualLayout>
+      </c:layout>
+      <c:scatterChart>
+        <c:scatterStyle val="smoothMarker"/>
+        <c:varyColors val="0"/>
+        <c:ser>
+          <c:idx val="0"/>
+          <c:order val="0"/>
+          <c:tx>
+            <c:strRef>
+              <c:f>Sheet1!$B$1</c:f>
+              <c:strCache>
+                <c:ptCount val="1"/>
+                <c:pt idx="0">
+                  <c:v>开发进度</c:v>
+                </c:pt>
+              </c:strCache>
+            </c:strRef>
+          </c:tx>
+          <c:marker>
+            <c:symbol val="none"/>
+          </c:marker>
+          <c:xVal>
+            <c:numRef>
+              <c:f>Sheet1!$A$2:$A$9</c:f>
+              <c:numCache>
+                <c:formatCode>General</c:formatCode>
+                <c:ptCount val="8"/>
+                <c:pt idx="0">
+                  <c:v>1</c:v>
+                </c:pt>
+                <c:pt idx="1">
+                  <c:v>1.5</c:v>
+                </c:pt>
+                <c:pt idx="2">
+                  <c:v>2</c:v>
+                </c:pt>
+                <c:pt idx="3">
+                  <c:v>2.2000000000000002</c:v>
+                </c:pt>
+                <c:pt idx="4">
+                  <c:v>2.2999999999999998</c:v>
+                </c:pt>
+                <c:pt idx="5">
+                  <c:v>2.4</c:v>
+                </c:pt>
+                <c:pt idx="6">
+                  <c:v>2.7</c:v>
+                </c:pt>
+                <c:pt idx="7">
+                  <c:v>3.5</c:v>
+                </c:pt>
+              </c:numCache>
+            </c:numRef>
+          </c:xVal>
+          <c:yVal>
+            <c:numRef>
+              <c:f>Sheet1!$B$2:$B$9</c:f>
+              <c:numCache>
+                <c:formatCode>General</c:formatCode>
+                <c:ptCount val="8"/>
+                <c:pt idx="0">
+                  <c:v>0</c:v>
+                </c:pt>
+                <c:pt idx="1">
+                  <c:v>1</c:v>
+                </c:pt>
+                <c:pt idx="2">
+                  <c:v>2.5</c:v>
+                </c:pt>
+                <c:pt idx="3">
+                  <c:v>1.8</c:v>
+                </c:pt>
+                <c:pt idx="4">
+                  <c:v>2</c:v>
+                </c:pt>
+                <c:pt idx="5">
+                  <c:v>2.2000000000000002</c:v>
+                </c:pt>
+                <c:pt idx="6">
+                  <c:v>2.7</c:v>
+                </c:pt>
+                <c:pt idx="7">
+                  <c:v>3</c:v>
+                </c:pt>
+              </c:numCache>
+            </c:numRef>
+          </c:yVal>
+          <c:smooth val="1"/>
+        </c:ser>
+        <c:dLbls>
+          <c:showLegendKey val="0"/>
+          <c:showVal val="0"/>
+          <c:showCatName val="0"/>
+          <c:showSerName val="0"/>
+          <c:showPercent val="0"/>
+          <c:showBubbleSize val="0"/>
+        </c:dLbls>
+        <c:axId val="207327616"/>
+        <c:axId val="207321728"/>
+      </c:scatterChart>
+      <c:valAx>
+        <c:axId val="207327616"/>
+        <c:scaling>
+          <c:orientation val="minMax"/>
+        </c:scaling>
+        <c:delete val="0"/>
+        <c:axPos val="b"/>
+        <c:numFmt formatCode="General" sourceLinked="1"/>
+        <c:majorTickMark val="in"/>
+        <c:minorTickMark val="none"/>
+        <c:tickLblPos val="none"/>
+        <c:crossAx val="207321728"/>
+        <c:crosses val="autoZero"/>
+        <c:crossBetween val="midCat"/>
+      </c:valAx>
+      <c:valAx>
+        <c:axId val="207321728"/>
+        <c:scaling>
+          <c:orientation val="minMax"/>
+        </c:scaling>
+        <c:delete val="0"/>
+        <c:axPos val="l"/>
+        <c:majorGridlines/>
+        <c:numFmt formatCode="General" sourceLinked="1"/>
+        <c:majorTickMark val="in"/>
+        <c:minorTickMark val="none"/>
+        <c:tickLblPos val="none"/>
+        <c:crossAx val="207327616"/>
+        <c:crosses val="autoZero"/>
+        <c:crossBetween val="midCat"/>
+      </c:valAx>
+    </c:plotArea>
+    <c:plotVisOnly val="1"/>
+    <c:dispBlanksAs val="gap"/>
+    <c:showDLblsOverMax val="0"/>
+  </c:chart>
+  <c:txPr>
+    <a:bodyPr/>
+    <a:lstStyle/>
+    <a:p>
+      <a:pPr>
+        <a:defRPr sz="1800"/>
+      </a:pPr>
+      <a:endParaRPr lang="zh-CN"/>
+    </a:p>
+  </c:txPr>
+  <c:externalData r:id="rId1">
+    <c:autoUpdate val="0"/>
+  </c:externalData>
+</c:chartSpace>
+</file>
+
 <file path=ppt/handoutMasters/handoutMaster1.xml><?xml version="1.0" encoding="utf-8"?>
 <p:handoutMaster xmlns:a="http://schemas.openxmlformats.org/drawingml/2006/main" xmlns:r="http://schemas.openxmlformats.org/officeDocument/2006/relationships" xmlns:p="http://schemas.openxmlformats.org/presentationml/2006/main">
   <p:cSld>
@@ -239,7 +421,7 @@
               <a:pPr>
                 <a:defRPr/>
               </a:pPr>
-              <a:t>2014/5/17</a:t>
+              <a:t>2014/5/22</a:t>
             </a:fld>
             <a:endParaRPr lang="zh-CN" altLang="en-US"/>
           </a:p>
@@ -427,7 +609,7 @@
               <a:pPr>
                 <a:defRPr/>
               </a:pPr>
-              <a:t>2014/5/17</a:t>
+              <a:t>2014/5/22</a:t>
             </a:fld>
             <a:endParaRPr lang="zh-CN" altLang="en-US"/>
           </a:p>
@@ -953,7 +1135,7 @@
           <a:p>
             <a:r>
               <a:rPr lang="zh-CN" altLang="en-US" b="1" dirty="0" smtClean="0"/>
-              <a:t>传统软件开发：</a:t>
+              <a:t>瀑布模型（传统）</a:t>
             </a:r>
             <a:endParaRPr lang="en-US" altLang="zh-CN" b="1" dirty="0" smtClean="0"/>
           </a:p>
@@ -962,10 +1144,26 @@
           </a:p>
           <a:p>
             <a:r>
-              <a:rPr lang="zh-CN" altLang="en-US" dirty="0" smtClean="0"/>
-              <a:t>清晰，直观。也是其他模型的基础（如迭代，也是要应用瀑布）</a:t>
-            </a:r>
-            <a:endParaRPr lang="en-US" altLang="zh-CN" dirty="0" smtClean="0"/>
+              <a:rPr lang="zh-CN" altLang="en-US" sz="1200" b="0" i="0" kern="1200" dirty="0" smtClean="0">
+                <a:solidFill>
+                  <a:schemeClr val="tx1"/>
+                </a:solidFill>
+                <a:effectLst/>
+                <a:latin typeface="+mn-lt"/>
+                <a:ea typeface="宋体" pitchFamily="2" charset="-122"/>
+                <a:cs typeface="+mn-cs"/>
+              </a:rPr>
+              <a:t>传统的 软件开发流程是一个文档驱动的流程，它将整个软件开发过程划分为顺序相接的几个阶段，每个阶段都必需完成全部规定的任务（文档）后才能够进入下一个阶段</a:t>
+            </a:r>
+            <a:endParaRPr lang="en-US" altLang="zh-CN" sz="1200" b="0" i="0" kern="1200" dirty="0" smtClean="0">
+              <a:solidFill>
+                <a:schemeClr val="tx1"/>
+              </a:solidFill>
+              <a:effectLst/>
+              <a:latin typeface="+mn-lt"/>
+              <a:ea typeface="宋体" pitchFamily="2" charset="-122"/>
+              <a:cs typeface="+mn-cs"/>
+            </a:endParaRPr>
           </a:p>
           <a:p>
             <a:endParaRPr lang="en-US" altLang="zh-CN" dirty="0" smtClean="0"/>
@@ -1010,6 +1208,29 @@
             <a:r>
               <a:rPr lang="zh-CN" altLang="en-US" baseline="0" dirty="0" smtClean="0"/>
               <a:t>个。可能我们就需要寻找问题了</a:t>
+            </a:r>
+            <a:endParaRPr lang="en-US" altLang="zh-CN" baseline="0" dirty="0" smtClean="0"/>
+          </a:p>
+          <a:p>
+            <a:r>
+              <a:rPr lang="zh-CN" altLang="en-US" baseline="0" dirty="0" smtClean="0"/>
+              <a:t>（</a:t>
+            </a:r>
+            <a:r>
+              <a:rPr lang="en-US" altLang="zh-CN" baseline="0" dirty="0" smtClean="0"/>
+              <a:t>CMMI </a:t>
+            </a:r>
+            <a:r>
+              <a:rPr lang="zh-CN" altLang="en-US" baseline="0" dirty="0" smtClean="0"/>
+              <a:t>最高</a:t>
+            </a:r>
+            <a:r>
+              <a:rPr lang="en-US" altLang="zh-CN" baseline="0" dirty="0" smtClean="0"/>
+              <a:t>2</a:t>
+            </a:r>
+            <a:r>
+              <a:rPr lang="zh-CN" altLang="en-US" baseline="0" dirty="0" smtClean="0"/>
+              <a:t>五级，军工国防）</a:t>
             </a:r>
             <a:endParaRPr lang="en-US" altLang="zh-CN" baseline="0" dirty="0" smtClean="0"/>
           </a:p>
@@ -1114,20 +1335,6 @@
           <a:bodyPr/>
           <a:lstStyle/>
           <a:p>
-            <a:r>
-              <a:rPr lang="zh-CN" altLang="en-US" dirty="0" smtClean="0"/>
-              <a:t>瀑布模型是一种非常完美的解决方案，但在实践中碰到越来越复杂的情况，导致瀑布模型开展很吃力。</a:t>
-            </a:r>
-            <a:endParaRPr lang="en-US" altLang="zh-CN" dirty="0" smtClean="0"/>
-          </a:p>
-          <a:p>
-            <a:endParaRPr lang="en-US" altLang="zh-CN" dirty="0" smtClean="0"/>
-          </a:p>
-          <a:p>
-            <a:r>
-              <a:rPr lang="zh-CN" altLang="en-US" smtClean="0"/>
-              <a:t>最大的问题，是只有在所有的结束时，才能看到结果</a:t>
-            </a:r>
             <a:endParaRPr lang="en-US" altLang="zh-CN" dirty="0" smtClean="0"/>
           </a:p>
         </p:txBody>
@@ -1207,6 +1414,264 @@
 </file>
 
 <file path=ppt/notesSlides/notesSlide5.xml><?xml version="1.0" encoding="utf-8"?>
+<p:notes xmlns:a="http://schemas.openxmlformats.org/drawingml/2006/main" xmlns:r="http://schemas.openxmlformats.org/officeDocument/2006/relationships" xmlns:p="http://schemas.openxmlformats.org/presentationml/2006/main">
+  <p:cSld>
+    <p:spTree>
+      <p:nvGrpSpPr>
+        <p:cNvPr id="1" name=""/>
+        <p:cNvGrpSpPr/>
+        <p:nvPr/>
+      </p:nvGrpSpPr>
+      <p:grpSpPr>
+        <a:xfrm>
+          <a:off x="0" y="0"/>
+          <a:ext cx="0" cy="0"/>
+          <a:chOff x="0" y="0"/>
+          <a:chExt cx="0" cy="0"/>
+        </a:xfrm>
+      </p:grpSpPr>
+      <p:sp>
+        <p:nvSpPr>
+          <p:cNvPr id="2" name="幻灯片图像占位符 1"/>
+          <p:cNvSpPr>
+            <a:spLocks noGrp="1" noRot="1" noChangeAspect="1"/>
+          </p:cNvSpPr>
+          <p:nvPr>
+            <p:ph type="sldImg"/>
+          </p:nvPr>
+        </p:nvSpPr>
+        <p:spPr/>
+      </p:sp>
+      <p:sp>
+        <p:nvSpPr>
+          <p:cNvPr id="3" name="备注占位符 2"/>
+          <p:cNvSpPr>
+            <a:spLocks noGrp="1"/>
+          </p:cNvSpPr>
+          <p:nvPr>
+            <p:ph type="body" idx="1"/>
+          </p:nvPr>
+        </p:nvSpPr>
+        <p:spPr/>
+        <p:txBody>
+          <a:bodyPr/>
+          <a:lstStyle/>
+          <a:p>
+            <a:endParaRPr lang="zh-CN" altLang="en-US" dirty="0"/>
+          </a:p>
+        </p:txBody>
+      </p:sp>
+    </p:spTree>
+    <p:extLst>
+      <p:ext uri="{BB962C8B-B14F-4D97-AF65-F5344CB8AC3E}">
+        <p14:creationId xmlns:p14="http://schemas.microsoft.com/office/powerpoint/2010/main" val="2634176535"/>
+      </p:ext>
+    </p:extLst>
+  </p:cSld>
+  <p:clrMapOvr>
+    <a:masterClrMapping/>
+  </p:clrMapOvr>
+</p:notes>
+</file>
+
+<file path=ppt/notesSlides/notesSlide6.xml><?xml version="1.0" encoding="utf-8"?>
+<p:notes xmlns:a="http://schemas.openxmlformats.org/drawingml/2006/main" xmlns:r="http://schemas.openxmlformats.org/officeDocument/2006/relationships" xmlns:p="http://schemas.openxmlformats.org/presentationml/2006/main">
+  <p:cSld>
+    <p:spTree>
+      <p:nvGrpSpPr>
+        <p:cNvPr id="1" name=""/>
+        <p:cNvGrpSpPr/>
+        <p:nvPr/>
+      </p:nvGrpSpPr>
+      <p:grpSpPr>
+        <a:xfrm>
+          <a:off x="0" y="0"/>
+          <a:ext cx="0" cy="0"/>
+          <a:chOff x="0" y="0"/>
+          <a:chExt cx="0" cy="0"/>
+        </a:xfrm>
+      </p:grpSpPr>
+      <p:sp>
+        <p:nvSpPr>
+          <p:cNvPr id="2" name="幻灯片图像占位符 1"/>
+          <p:cNvSpPr>
+            <a:spLocks noGrp="1" noRot="1" noChangeAspect="1"/>
+          </p:cNvSpPr>
+          <p:nvPr>
+            <p:ph type="sldImg"/>
+          </p:nvPr>
+        </p:nvSpPr>
+        <p:spPr/>
+      </p:sp>
+      <p:sp>
+        <p:nvSpPr>
+          <p:cNvPr id="3" name="备注占位符 2"/>
+          <p:cNvSpPr>
+            <a:spLocks noGrp="1"/>
+          </p:cNvSpPr>
+          <p:nvPr>
+            <p:ph type="body" idx="1"/>
+          </p:nvPr>
+        </p:nvSpPr>
+        <p:spPr/>
+        <p:txBody>
+          <a:bodyPr/>
+          <a:lstStyle/>
+          <a:p>
+            <a:endParaRPr lang="zh-CN" altLang="en-US" dirty="0"/>
+          </a:p>
+        </p:txBody>
+      </p:sp>
+    </p:spTree>
+    <p:extLst>
+      <p:ext uri="{BB962C8B-B14F-4D97-AF65-F5344CB8AC3E}">
+        <p14:creationId xmlns:p14="http://schemas.microsoft.com/office/powerpoint/2010/main" val="2634176535"/>
+      </p:ext>
+    </p:extLst>
+  </p:cSld>
+  <p:clrMapOvr>
+    <a:masterClrMapping/>
+  </p:clrMapOvr>
+</p:notes>
+</file>
+
+<file path=ppt/notesSlides/notesSlide7.xml><?xml version="1.0" encoding="utf-8"?>
+<p:notes xmlns:a="http://schemas.openxmlformats.org/drawingml/2006/main" xmlns:r="http://schemas.openxmlformats.org/officeDocument/2006/relationships" xmlns:p="http://schemas.openxmlformats.org/presentationml/2006/main">
+  <p:cSld>
+    <p:spTree>
+      <p:nvGrpSpPr>
+        <p:cNvPr id="1" name=""/>
+        <p:cNvGrpSpPr/>
+        <p:nvPr/>
+      </p:nvGrpSpPr>
+      <p:grpSpPr>
+        <a:xfrm>
+          <a:off x="0" y="0"/>
+          <a:ext cx="0" cy="0"/>
+          <a:chOff x="0" y="0"/>
+          <a:chExt cx="0" cy="0"/>
+        </a:xfrm>
+      </p:grpSpPr>
+      <p:sp>
+        <p:nvSpPr>
+          <p:cNvPr id="2" name="幻灯片图像占位符 1"/>
+          <p:cNvSpPr>
+            <a:spLocks noGrp="1" noRot="1" noChangeAspect="1"/>
+          </p:cNvSpPr>
+          <p:nvPr>
+            <p:ph type="sldImg"/>
+          </p:nvPr>
+        </p:nvSpPr>
+        <p:spPr/>
+      </p:sp>
+      <p:sp>
+        <p:nvSpPr>
+          <p:cNvPr id="3" name="备注占位符 2"/>
+          <p:cNvSpPr>
+            <a:spLocks noGrp="1"/>
+          </p:cNvSpPr>
+          <p:nvPr>
+            <p:ph type="body" idx="1"/>
+          </p:nvPr>
+        </p:nvSpPr>
+        <p:spPr/>
+        <p:txBody>
+          <a:bodyPr/>
+          <a:lstStyle/>
+          <a:p>
+            <a:endParaRPr lang="zh-CN" altLang="en-US" dirty="0"/>
+          </a:p>
+        </p:txBody>
+      </p:sp>
+    </p:spTree>
+    <p:extLst>
+      <p:ext uri="{BB962C8B-B14F-4D97-AF65-F5344CB8AC3E}">
+        <p14:creationId xmlns:p14="http://schemas.microsoft.com/office/powerpoint/2010/main" val="2634176535"/>
+      </p:ext>
+    </p:extLst>
+  </p:cSld>
+  <p:clrMapOvr>
+    <a:masterClrMapping/>
+  </p:clrMapOvr>
+</p:notes>
+</file>
+
+<file path=ppt/notesSlides/notesSlide8.xml><?xml version="1.0" encoding="utf-8"?>
+<p:notes xmlns:a="http://schemas.openxmlformats.org/drawingml/2006/main" xmlns:r="http://schemas.openxmlformats.org/officeDocument/2006/relationships" xmlns:p="http://schemas.openxmlformats.org/presentationml/2006/main">
+  <p:cSld>
+    <p:spTree>
+      <p:nvGrpSpPr>
+        <p:cNvPr id="1" name=""/>
+        <p:cNvGrpSpPr/>
+        <p:nvPr/>
+      </p:nvGrpSpPr>
+      <p:grpSpPr>
+        <a:xfrm>
+          <a:off x="0" y="0"/>
+          <a:ext cx="0" cy="0"/>
+          <a:chOff x="0" y="0"/>
+          <a:chExt cx="0" cy="0"/>
+        </a:xfrm>
+      </p:grpSpPr>
+      <p:sp>
+        <p:nvSpPr>
+          <p:cNvPr id="2" name="幻灯片图像占位符 1"/>
+          <p:cNvSpPr>
+            <a:spLocks noGrp="1" noRot="1" noChangeAspect="1"/>
+          </p:cNvSpPr>
+          <p:nvPr>
+            <p:ph type="sldImg"/>
+          </p:nvPr>
+        </p:nvSpPr>
+        <p:spPr/>
+      </p:sp>
+      <p:sp>
+        <p:nvSpPr>
+          <p:cNvPr id="3" name="备注占位符 2"/>
+          <p:cNvSpPr>
+            <a:spLocks noGrp="1"/>
+          </p:cNvSpPr>
+          <p:nvPr>
+            <p:ph type="body" idx="1"/>
+          </p:nvPr>
+        </p:nvSpPr>
+        <p:spPr/>
+        <p:txBody>
+          <a:bodyPr/>
+          <a:lstStyle/>
+          <a:p>
+            <a:r>
+              <a:rPr lang="zh-CN" altLang="en-US" dirty="0" smtClean="0"/>
+              <a:t>之前将的是传统开发方法里的一种瀑布模型。</a:t>
+            </a:r>
+            <a:endParaRPr lang="en-US" altLang="zh-CN" dirty="0" smtClean="0"/>
+          </a:p>
+          <a:p>
+            <a:endParaRPr lang="en-US" altLang="zh-CN" dirty="0" smtClean="0"/>
+          </a:p>
+          <a:p>
+            <a:r>
+              <a:rPr lang="zh-CN" altLang="en-US" dirty="0" smtClean="0"/>
+              <a:t>最大的问题</a:t>
+            </a:r>
+            <a:endParaRPr lang="zh-CN" altLang="en-US" dirty="0"/>
+          </a:p>
+        </p:txBody>
+      </p:sp>
+    </p:spTree>
+    <p:extLst>
+      <p:ext uri="{BB962C8B-B14F-4D97-AF65-F5344CB8AC3E}">
+        <p14:creationId xmlns:p14="http://schemas.microsoft.com/office/powerpoint/2010/main" val="2634176535"/>
+      </p:ext>
+    </p:extLst>
+  </p:cSld>
+  <p:clrMapOvr>
+    <a:masterClrMapping/>
+  </p:clrMapOvr>
+</p:notes>
+</file>
+
+<file path=ppt/notesSlides/notesSlide9.xml><?xml version="1.0" encoding="utf-8"?>
 <p:notes xmlns:a="http://schemas.openxmlformats.org/drawingml/2006/main" xmlns:r="http://schemas.openxmlformats.org/officeDocument/2006/relationships" xmlns:p="http://schemas.openxmlformats.org/presentationml/2006/main">
   <p:cSld>
     <p:spTree>
@@ -1630,7 +2095,7 @@
               <a:pPr>
                 <a:defRPr/>
               </a:pPr>
-              <a:t>2014/5/17</a:t>
+              <a:t>2014/5/22</a:t>
             </a:fld>
             <a:endParaRPr lang="en-US" altLang="zh-CN"/>
           </a:p>
@@ -1779,7 +2244,7 @@
               <a:pPr>
                 <a:defRPr/>
               </a:pPr>
-              <a:t>2014/5/17</a:t>
+              <a:t>2014/5/22</a:t>
             </a:fld>
             <a:endParaRPr lang="en-US" altLang="zh-CN"/>
           </a:p>
@@ -1999,7 +2464,7 @@
               <a:pPr>
                 <a:defRPr/>
               </a:pPr>
-              <a:t>2014/5/17</a:t>
+              <a:t>2014/5/22</a:t>
             </a:fld>
             <a:endParaRPr lang="en-US" altLang="zh-CN"/>
           </a:p>
@@ -2261,7 +2726,7 @@
               <a:pPr>
                 <a:defRPr/>
               </a:pPr>
-              <a:t>2014/5/17</a:t>
+              <a:t>2014/5/22</a:t>
             </a:fld>
             <a:endParaRPr lang="en-US" altLang="zh-CN"/>
           </a:p>
@@ -2657,7 +3122,7 @@
               <a:pPr>
                 <a:defRPr/>
               </a:pPr>
-              <a:t>2014/5/17</a:t>
+              <a:t>2014/5/22</a:t>
             </a:fld>
             <a:endParaRPr lang="en-US" altLang="zh-CN"/>
           </a:p>
@@ -2730,7 +3195,7 @@
               <a:pPr>
                 <a:defRPr/>
               </a:pPr>
-              <a:t>2014/5/17</a:t>
+              <a:t>2014/5/22</a:t>
             </a:fld>
             <a:endParaRPr lang="en-US" altLang="zh-CN"/>
           </a:p>
@@ -2981,7 +3446,7 @@
               <a:pPr>
                 <a:defRPr/>
               </a:pPr>
-              <a:t>2014/5/17</a:t>
+              <a:t>2014/5/22</a:t>
             </a:fld>
             <a:endParaRPr lang="en-US" altLang="zh-CN"/>
           </a:p>
@@ -3211,7 +3676,7 @@
               <a:pPr>
                 <a:defRPr/>
               </a:pPr>
-              <a:t>2014/5/17</a:t>
+              <a:t>2014/5/22</a:t>
             </a:fld>
             <a:endParaRPr lang="en-US" altLang="zh-CN"/>
           </a:p>
@@ -3448,7 +3913,7 @@
               <a:pPr>
                 <a:defRPr/>
               </a:pPr>
-              <a:t>2014/5/17</a:t>
+              <a:t>2014/5/22</a:t>
             </a:fld>
             <a:endParaRPr lang="en-US" altLang="zh-CN"/>
           </a:p>
@@ -3934,6 +4399,89 @@
 </p:sld>
 </file>
 
+<file path=ppt/slides/slide10.xml><?xml version="1.0" encoding="utf-8"?>
+<p:sld xmlns:a="http://schemas.openxmlformats.org/drawingml/2006/main" xmlns:r="http://schemas.openxmlformats.org/officeDocument/2006/relationships" xmlns:p="http://schemas.openxmlformats.org/presentationml/2006/main">
+  <p:cSld>
+    <p:spTree>
+      <p:nvGrpSpPr>
+        <p:cNvPr id="1" name=""/>
+        <p:cNvGrpSpPr/>
+        <p:nvPr/>
+      </p:nvGrpSpPr>
+      <p:grpSpPr>
+        <a:xfrm>
+          <a:off x="0" y="0"/>
+          <a:ext cx="0" cy="0"/>
+          <a:chOff x="0" y="0"/>
+          <a:chExt cx="0" cy="0"/>
+        </a:xfrm>
+      </p:grpSpPr>
+      <p:sp>
+        <p:nvSpPr>
+          <p:cNvPr id="6" name="TextBox 5"/>
+          <p:cNvSpPr txBox="1"/>
+          <p:nvPr/>
+        </p:nvSpPr>
+        <p:spPr>
+          <a:xfrm>
+            <a:off x="2209800" y="2286000"/>
+            <a:ext cx="4800600" cy="707886"/>
+          </a:xfrm>
+          <a:prstGeom prst="rect">
+            <a:avLst/>
+          </a:prstGeom>
+          <a:noFill/>
+        </p:spPr>
+        <p:txBody>
+          <a:bodyPr wrap="square" rtlCol="0">
+            <a:spAutoFit/>
+          </a:bodyPr>
+          <a:lstStyle/>
+          <a:p>
+            <a:pPr algn="ctr"/>
+            <a:r>
+              <a:rPr lang="en-US" altLang="zh-CN" sz="4000" dirty="0" smtClean="0">
+                <a:solidFill>
+                  <a:srgbClr val="FF6600"/>
+                </a:solidFill>
+                <a:latin typeface="微软雅黑" pitchFamily="34" charset="-122"/>
+                <a:ea typeface="微软雅黑" pitchFamily="34" charset="-122"/>
+              </a:rPr>
+              <a:t>Thank you</a:t>
+            </a:r>
+            <a:endParaRPr lang="zh-CN" altLang="en-US" sz="4000" dirty="0">
+              <a:solidFill>
+                <a:srgbClr val="FF6600"/>
+              </a:solidFill>
+              <a:latin typeface="微软雅黑" pitchFamily="34" charset="-122"/>
+              <a:ea typeface="微软雅黑" pitchFamily="34" charset="-122"/>
+            </a:endParaRPr>
+          </a:p>
+        </p:txBody>
+      </p:sp>
+    </p:spTree>
+    <p:extLst>
+      <p:ext uri="{BB962C8B-B14F-4D97-AF65-F5344CB8AC3E}">
+        <p14:creationId xmlns:p14="http://schemas.microsoft.com/office/powerpoint/2010/main" val="1050486630"/>
+      </p:ext>
+    </p:extLst>
+  </p:cSld>
+  <p:clrMapOvr>
+    <a:masterClrMapping/>
+  </p:clrMapOvr>
+  <p:transition spd="slow">
+    <p:wipe/>
+  </p:transition>
+  <p:timing>
+    <p:tnLst>
+      <p:par>
+        <p:cTn id="1" dur="indefinite" restart="never" nodeType="tmRoot"/>
+      </p:par>
+    </p:tnLst>
+  </p:timing>
+</p:sld>
+</file>
+
 <file path=ppt/slides/slide2.xml><?xml version="1.0" encoding="utf-8"?>
 <p:sld xmlns:a="http://schemas.openxmlformats.org/drawingml/2006/main" xmlns:r="http://schemas.openxmlformats.org/officeDocument/2006/relationships" xmlns:p="http://schemas.openxmlformats.org/presentationml/2006/main">
   <p:cSld>
@@ -3964,7 +4512,7 @@
         <p:spPr>
           <a:xfrm>
             <a:off x="457200" y="274638"/>
-            <a:ext cx="8229600" cy="868362"/>
+            <a:ext cx="8229600" cy="715962"/>
           </a:xfrm>
         </p:spPr>
         <p:txBody>
@@ -3972,22 +4520,21 @@
           <a:lstStyle/>
           <a:p>
             <a:r>
-              <a:rPr lang="zh-CN" altLang="en-US" dirty="0" smtClean="0">
-                <a:latin typeface="+mj-ea"/>
-                <a:ea typeface="+mj-ea"/>
+              <a:rPr lang="zh-CN" altLang="en-US" sz="3600" dirty="0" smtClean="0">
+                <a:solidFill>
+                  <a:srgbClr val="E46C0A"/>
+                </a:solidFill>
+                <a:latin typeface="微软雅黑" panose="020B0503020204020204" pitchFamily="34" charset="-122"/>
+                <a:ea typeface="微软雅黑" panose="020B0503020204020204" pitchFamily="34" charset="-122"/>
               </a:rPr>
-              <a:t>传统软件开发</a:t>
-            </a:r>
-            <a:r>
-              <a:rPr lang="zh-CN" altLang="en-US" dirty="0" smtClean="0">
-                <a:latin typeface="+mj-ea"/>
-                <a:ea typeface="+mj-ea"/>
-              </a:rPr>
-              <a:t>流程</a:t>
-            </a:r>
-            <a:endParaRPr lang="zh-CN" altLang="en-US" dirty="0">
-              <a:latin typeface="+mj-ea"/>
-              <a:ea typeface="+mj-ea"/>
+              <a:t>开发流程之瀑布模型</a:t>
+            </a:r>
+            <a:endParaRPr lang="zh-CN" altLang="en-US" sz="3600" dirty="0">
+              <a:solidFill>
+                <a:srgbClr val="E46C0A"/>
+              </a:solidFill>
+              <a:latin typeface="微软雅黑" panose="020B0503020204020204" pitchFamily="34" charset="-122"/>
+              <a:ea typeface="微软雅黑" panose="020B0503020204020204" pitchFamily="34" charset="-122"/>
             </a:endParaRPr>
           </a:p>
         </p:txBody>
@@ -4079,7 +4626,7 @@
         </p:blipFill>
         <p:spPr bwMode="auto">
           <a:xfrm>
-            <a:off x="4924425" y="1924050"/>
+            <a:off x="5305425" y="1924050"/>
             <a:ext cx="2543175" cy="3105150"/>
           </a:xfrm>
           <a:prstGeom prst="rect">
@@ -4170,10 +4717,6 @@
               </a:rPr>
               <a:t>过程</a:t>
             </a:r>
-            <a:endParaRPr lang="zh-CN" altLang="en-US" dirty="0" smtClean="0">
-              <a:latin typeface="微软雅黑" pitchFamily="34" charset="-122"/>
-              <a:ea typeface="微软雅黑" pitchFamily="34" charset="-122"/>
-            </a:endParaRPr>
           </a:p>
         </p:txBody>
       </p:sp>
@@ -4185,7 +4728,7 @@
         </p:nvSpPr>
         <p:spPr bwMode="auto">
           <a:xfrm>
-            <a:off x="5410200" y="1271376"/>
+            <a:off x="5791200" y="1271376"/>
             <a:ext cx="1447800" cy="507728"/>
           </a:xfrm>
           <a:prstGeom prst="roundRect">
@@ -4227,10 +4770,6 @@
               </a:rPr>
               <a:t>产物</a:t>
             </a:r>
-            <a:endParaRPr lang="zh-CN" altLang="en-US" dirty="0" smtClean="0">
-              <a:latin typeface="微软雅黑" pitchFamily="34" charset="-122"/>
-              <a:ea typeface="微软雅黑" pitchFamily="34" charset="-122"/>
-            </a:endParaRPr>
           </a:p>
         </p:txBody>
       </p:sp>
@@ -4629,33 +5168,6 @@
       </p:grpSpPr>
       <p:sp>
         <p:nvSpPr>
-          <p:cNvPr id="2" name="标题 1"/>
-          <p:cNvSpPr>
-            <a:spLocks noGrp="1"/>
-          </p:cNvSpPr>
-          <p:nvPr>
-            <p:ph type="title"/>
-          </p:nvPr>
-        </p:nvSpPr>
-        <p:spPr>
-          <a:xfrm>
-            <a:off x="457200" y="274638"/>
-            <a:ext cx="8229600" cy="868362"/>
-          </a:xfrm>
-        </p:spPr>
-        <p:txBody>
-          <a:bodyPr/>
-          <a:lstStyle/>
-          <a:p>
-            <a:endParaRPr lang="zh-CN" altLang="en-US" dirty="0">
-              <a:latin typeface="+mj-ea"/>
-              <a:ea typeface="+mj-ea"/>
-            </a:endParaRPr>
-          </a:p>
-        </p:txBody>
-      </p:sp>
-      <p:sp>
-        <p:nvSpPr>
           <p:cNvPr id="3" name="TextBox 2"/>
           <p:cNvSpPr txBox="1"/>
           <p:nvPr/>
@@ -4708,6 +5220,259 @@
           </a:p>
         </p:txBody>
       </p:sp>
+      <p:sp>
+        <p:nvSpPr>
+          <p:cNvPr id="5" name="标题 1"/>
+          <p:cNvSpPr>
+            <a:spLocks noGrp="1"/>
+          </p:cNvSpPr>
+          <p:nvPr>
+            <p:ph type="title"/>
+          </p:nvPr>
+        </p:nvSpPr>
+        <p:spPr>
+          <a:xfrm>
+            <a:off x="457200" y="274638"/>
+            <a:ext cx="8229600" cy="715962"/>
+          </a:xfrm>
+        </p:spPr>
+        <p:txBody>
+          <a:bodyPr/>
+          <a:lstStyle/>
+          <a:p>
+            <a:r>
+              <a:rPr lang="zh-CN" altLang="en-US" sz="3600" dirty="0" smtClean="0">
+                <a:solidFill>
+                  <a:srgbClr val="E46C0A"/>
+                </a:solidFill>
+                <a:latin typeface="微软雅黑" panose="020B0503020204020204" pitchFamily="34" charset="-122"/>
+                <a:ea typeface="微软雅黑" panose="020B0503020204020204" pitchFamily="34" charset="-122"/>
+              </a:rPr>
+              <a:t>瀑布模型的优点</a:t>
+            </a:r>
+            <a:endParaRPr lang="zh-CN" altLang="en-US" sz="3600" dirty="0">
+              <a:solidFill>
+                <a:srgbClr val="E46C0A"/>
+              </a:solidFill>
+              <a:latin typeface="微软雅黑" panose="020B0503020204020204" pitchFamily="34" charset="-122"/>
+              <a:ea typeface="微软雅黑" panose="020B0503020204020204" pitchFamily="34" charset="-122"/>
+            </a:endParaRPr>
+          </a:p>
+        </p:txBody>
+      </p:sp>
+      <p:pic>
+        <p:nvPicPr>
+          <p:cNvPr id="7" name="Picture 4"/>
+          <p:cNvPicPr>
+            <a:picLocks noChangeAspect="1" noChangeArrowheads="1"/>
+          </p:cNvPicPr>
+          <p:nvPr/>
+        </p:nvPicPr>
+        <p:blipFill>
+          <a:blip r:embed="rId3">
+            <a:extLst>
+              <a:ext uri="{28A0092B-C50C-407E-A947-70E740481C1C}">
+                <a14:useLocalDpi xmlns:a14="http://schemas.microsoft.com/office/drawing/2010/main" val="0"/>
+              </a:ext>
+            </a:extLst>
+          </a:blip>
+          <a:srcRect/>
+          <a:stretch>
+            <a:fillRect/>
+          </a:stretch>
+        </p:blipFill>
+        <p:spPr bwMode="auto">
+          <a:xfrm>
+            <a:off x="2438400" y="1905000"/>
+            <a:ext cx="1104900" cy="3819525"/>
+          </a:xfrm>
+          <a:prstGeom prst="rect">
+            <a:avLst/>
+          </a:prstGeom>
+          <a:noFill/>
+          <a:ln>
+            <a:noFill/>
+          </a:ln>
+          <a:effectLst/>
+          <a:extLst>
+            <a:ext uri="{909E8E84-426E-40DD-AFC4-6F175D3DCCD1}">
+              <a14:hiddenFill xmlns:a14="http://schemas.microsoft.com/office/drawing/2010/main">
+                <a:solidFill>
+                  <a:schemeClr val="accent1"/>
+                </a:solidFill>
+              </a14:hiddenFill>
+            </a:ext>
+            <a:ext uri="{91240B29-F687-4F45-9708-019B960494DF}">
+              <a14:hiddenLine xmlns:a14="http://schemas.microsoft.com/office/drawing/2010/main" w="9525">
+                <a:solidFill>
+                  <a:schemeClr val="tx1"/>
+                </a:solidFill>
+                <a:miter lim="800000"/>
+                <a:headEnd/>
+                <a:tailEnd/>
+              </a14:hiddenLine>
+            </a:ext>
+            <a:ext uri="{AF507438-7753-43E0-B8FC-AC1667EBCBE1}">
+              <a14:hiddenEffects xmlns:a14="http://schemas.microsoft.com/office/drawing/2010/main">
+                <a:effectLst>
+                  <a:outerShdw dist="35921" dir="2700000" algn="ctr" rotWithShape="0">
+                    <a:schemeClr val="bg2"/>
+                  </a:outerShdw>
+                </a:effectLst>
+              </a14:hiddenEffects>
+            </a:ext>
+          </a:extLst>
+        </p:spPr>
+      </p:pic>
+      <p:sp>
+        <p:nvSpPr>
+          <p:cNvPr id="8" name="圆角矩形 7"/>
+          <p:cNvSpPr/>
+          <p:nvPr/>
+        </p:nvSpPr>
+        <p:spPr bwMode="auto">
+          <a:xfrm>
+            <a:off x="2286000" y="1270136"/>
+            <a:ext cx="1447800" cy="507728"/>
+          </a:xfrm>
+          <a:prstGeom prst="roundRect">
+            <a:avLst/>
+          </a:prstGeom>
+          <a:ln/>
+        </p:spPr>
+        <p:style>
+          <a:lnRef idx="2">
+            <a:schemeClr val="accent6">
+              <a:shade val="50000"/>
+            </a:schemeClr>
+          </a:lnRef>
+          <a:fillRef idx="1">
+            <a:schemeClr val="accent6"/>
+          </a:fillRef>
+          <a:effectRef idx="0">
+            <a:schemeClr val="accent6"/>
+          </a:effectRef>
+          <a:fontRef idx="minor">
+            <a:schemeClr val="lt1"/>
+          </a:fontRef>
+        </p:style>
+        <p:txBody>
+          <a:bodyPr wrap="square" rtlCol="0" anchor="ctr">
+            <a:spAutoFit/>
+          </a:bodyPr>
+          <a:lstStyle/>
+          <a:p>
+            <a:pPr algn="ctr">
+              <a:lnSpc>
+                <a:spcPct val="150000"/>
+              </a:lnSpc>
+            </a:pPr>
+            <a:r>
+              <a:rPr lang="zh-CN" altLang="en-US" dirty="0" smtClean="0">
+                <a:latin typeface="微软雅黑" pitchFamily="34" charset="-122"/>
+                <a:ea typeface="微软雅黑" pitchFamily="34" charset="-122"/>
+              </a:rPr>
+              <a:t>过程</a:t>
+            </a:r>
+          </a:p>
+        </p:txBody>
+      </p:sp>
+      <p:sp>
+        <p:nvSpPr>
+          <p:cNvPr id="2" name="TextBox 1"/>
+          <p:cNvSpPr txBox="1"/>
+          <p:nvPr/>
+        </p:nvSpPr>
+        <p:spPr>
+          <a:xfrm>
+            <a:off x="4191000" y="1295400"/>
+            <a:ext cx="4359965" cy="1200329"/>
+          </a:xfrm>
+          <a:prstGeom prst="rect">
+            <a:avLst/>
+          </a:prstGeom>
+          <a:noFill/>
+        </p:spPr>
+        <p:txBody>
+          <a:bodyPr wrap="square" rtlCol="0">
+            <a:spAutoFit/>
+          </a:bodyPr>
+          <a:lstStyle/>
+          <a:p>
+            <a:r>
+              <a:rPr lang="zh-CN" altLang="en-US" dirty="0" smtClean="0">
+                <a:latin typeface="微软雅黑" panose="020B0503020204020204" pitchFamily="34" charset="-122"/>
+                <a:ea typeface="微软雅黑" panose="020B0503020204020204" pitchFamily="34" charset="-122"/>
+              </a:rPr>
+              <a:t>优点：</a:t>
+            </a:r>
+            <a:endParaRPr lang="en-US" altLang="zh-CN" dirty="0" smtClean="0">
+              <a:latin typeface="微软雅黑" panose="020B0503020204020204" pitchFamily="34" charset="-122"/>
+              <a:ea typeface="微软雅黑" panose="020B0503020204020204" pitchFamily="34" charset="-122"/>
+            </a:endParaRPr>
+          </a:p>
+          <a:p>
+            <a:r>
+              <a:rPr lang="en-US" altLang="zh-CN" dirty="0" smtClean="0">
+                <a:latin typeface="微软雅黑" panose="020B0503020204020204" pitchFamily="34" charset="-122"/>
+                <a:ea typeface="微软雅黑" panose="020B0503020204020204" pitchFamily="34" charset="-122"/>
+              </a:rPr>
+              <a:t>1</a:t>
+            </a:r>
+            <a:r>
+              <a:rPr lang="zh-CN" altLang="en-US" dirty="0" smtClean="0">
+                <a:latin typeface="微软雅黑" panose="020B0503020204020204" pitchFamily="34" charset="-122"/>
+                <a:ea typeface="微软雅黑" panose="020B0503020204020204" pitchFamily="34" charset="-122"/>
+              </a:rPr>
+              <a:t>、直观，清晰，易理解</a:t>
+            </a:r>
+            <a:endParaRPr lang="en-US" altLang="zh-CN" dirty="0" smtClean="0">
+              <a:latin typeface="微软雅黑" panose="020B0503020204020204" pitchFamily="34" charset="-122"/>
+              <a:ea typeface="微软雅黑" panose="020B0503020204020204" pitchFamily="34" charset="-122"/>
+            </a:endParaRPr>
+          </a:p>
+          <a:p>
+            <a:r>
+              <a:rPr lang="en-US" altLang="zh-CN" dirty="0" smtClean="0">
+                <a:latin typeface="微软雅黑" panose="020B0503020204020204" pitchFamily="34" charset="-122"/>
+                <a:ea typeface="微软雅黑" panose="020B0503020204020204" pitchFamily="34" charset="-122"/>
+              </a:rPr>
+              <a:t>2</a:t>
+            </a:r>
+            <a:r>
+              <a:rPr lang="zh-CN" altLang="en-US" dirty="0" smtClean="0">
+                <a:latin typeface="微软雅黑" panose="020B0503020204020204" pitchFamily="34" charset="-122"/>
+                <a:ea typeface="微软雅黑" panose="020B0503020204020204" pitchFamily="34" charset="-122"/>
+              </a:rPr>
+              <a:t>、产生很多文档，便于后期更改维护</a:t>
+            </a:r>
+            <a:endParaRPr lang="en-US" altLang="zh-CN" dirty="0" smtClean="0">
+              <a:latin typeface="微软雅黑" panose="020B0503020204020204" pitchFamily="34" charset="-122"/>
+              <a:ea typeface="微软雅黑" panose="020B0503020204020204" pitchFamily="34" charset="-122"/>
+            </a:endParaRPr>
+          </a:p>
+          <a:p>
+            <a:r>
+              <a:rPr lang="en-US" altLang="zh-CN" dirty="0" smtClean="0">
+                <a:latin typeface="微软雅黑" panose="020B0503020204020204" pitchFamily="34" charset="-122"/>
+                <a:ea typeface="微软雅黑" panose="020B0503020204020204" pitchFamily="34" charset="-122"/>
+              </a:rPr>
+              <a:t>3</a:t>
+            </a:r>
+            <a:r>
+              <a:rPr lang="zh-CN" altLang="en-US" dirty="0" smtClean="0">
+                <a:latin typeface="微软雅黑" panose="020B0503020204020204" pitchFamily="34" charset="-122"/>
+                <a:ea typeface="微软雅黑" panose="020B0503020204020204" pitchFamily="34" charset="-122"/>
+              </a:rPr>
+              <a:t>、标准的流程可以帮助规避一些风险</a:t>
+            </a:r>
+            <a:endParaRPr lang="zh-CN" altLang="en-US" dirty="0">
+              <a:latin typeface="微软雅黑" panose="020B0503020204020204" pitchFamily="34" charset="-122"/>
+              <a:ea typeface="微软雅黑" panose="020B0503020204020204" pitchFamily="34" charset="-122"/>
+            </a:endParaRPr>
+          </a:p>
+        </p:txBody>
+      </p:sp>
     </p:spTree>
     <p:extLst>
       <p:ext uri="{BB962C8B-B14F-4D97-AF65-F5344CB8AC3E}">
@@ -4722,9 +5487,557 @@
   <p:timing>
     <p:tnLst>
       <p:par>
-        <p:cTn id="1" dur="indefinite" restart="never" nodeType="tmRoot"/>
+        <p:cTn id="1" dur="indefinite" restart="never" nodeType="tmRoot">
+          <p:childTnLst>
+            <p:seq concurrent="1" nextAc="seek">
+              <p:cTn id="2" dur="indefinite" nodeType="mainSeq">
+                <p:childTnLst>
+                  <p:par>
+                    <p:cTn id="3" fill="hold">
+                      <p:stCondLst>
+                        <p:cond delay="indefinite"/>
+                      </p:stCondLst>
+                      <p:childTnLst>
+                        <p:par>
+                          <p:cTn id="4" fill="hold">
+                            <p:stCondLst>
+                              <p:cond delay="0"/>
+                            </p:stCondLst>
+                            <p:childTnLst>
+                              <p:par>
+                                <p:cTn id="5" presetID="2" presetClass="entr" presetSubtype="4" fill="hold" nodeType="clickEffect">
+                                  <p:stCondLst>
+                                    <p:cond delay="0"/>
+                                  </p:stCondLst>
+                                  <p:childTnLst>
+                                    <p:set>
+                                      <p:cBhvr>
+                                        <p:cTn id="6" dur="1" fill="hold">
+                                          <p:stCondLst>
+                                            <p:cond delay="0"/>
+                                          </p:stCondLst>
+                                        </p:cTn>
+                                        <p:tgtEl>
+                                          <p:spTgt spid="7"/>
+                                        </p:tgtEl>
+                                        <p:attrNameLst>
+                                          <p:attrName>style.visibility</p:attrName>
+                                        </p:attrNameLst>
+                                      </p:cBhvr>
+                                      <p:to>
+                                        <p:strVal val="visible"/>
+                                      </p:to>
+                                    </p:set>
+                                    <p:anim calcmode="lin" valueType="num">
+                                      <p:cBhvr additive="base">
+                                        <p:cTn id="7" dur="500" fill="hold"/>
+                                        <p:tgtEl>
+                                          <p:spTgt spid="7"/>
+                                        </p:tgtEl>
+                                        <p:attrNameLst>
+                                          <p:attrName>ppt_x</p:attrName>
+                                        </p:attrNameLst>
+                                      </p:cBhvr>
+                                      <p:tavLst>
+                                        <p:tav tm="0">
+                                          <p:val>
+                                            <p:strVal val="#ppt_x"/>
+                                          </p:val>
+                                        </p:tav>
+                                        <p:tav tm="100000">
+                                          <p:val>
+                                            <p:strVal val="#ppt_x"/>
+                                          </p:val>
+                                        </p:tav>
+                                      </p:tavLst>
+                                    </p:anim>
+                                    <p:anim calcmode="lin" valueType="num">
+                                      <p:cBhvr additive="base">
+                                        <p:cTn id="8" dur="500" fill="hold"/>
+                                        <p:tgtEl>
+                                          <p:spTgt spid="7"/>
+                                        </p:tgtEl>
+                                        <p:attrNameLst>
+                                          <p:attrName>ppt_y</p:attrName>
+                                        </p:attrNameLst>
+                                      </p:cBhvr>
+                                      <p:tavLst>
+                                        <p:tav tm="0">
+                                          <p:val>
+                                            <p:strVal val="1+#ppt_h/2"/>
+                                          </p:val>
+                                        </p:tav>
+                                        <p:tav tm="100000">
+                                          <p:val>
+                                            <p:strVal val="#ppt_y"/>
+                                          </p:val>
+                                        </p:tav>
+                                      </p:tavLst>
+                                    </p:anim>
+                                  </p:childTnLst>
+                                </p:cTn>
+                              </p:par>
+                              <p:par>
+                                <p:cTn id="9" presetID="2" presetClass="entr" presetSubtype="4" fill="hold" grpId="0" nodeType="withEffect">
+                                  <p:stCondLst>
+                                    <p:cond delay="0"/>
+                                  </p:stCondLst>
+                                  <p:childTnLst>
+                                    <p:set>
+                                      <p:cBhvr>
+                                        <p:cTn id="10" dur="1" fill="hold">
+                                          <p:stCondLst>
+                                            <p:cond delay="0"/>
+                                          </p:stCondLst>
+                                        </p:cTn>
+                                        <p:tgtEl>
+                                          <p:spTgt spid="8"/>
+                                        </p:tgtEl>
+                                        <p:attrNameLst>
+                                          <p:attrName>style.visibility</p:attrName>
+                                        </p:attrNameLst>
+                                      </p:cBhvr>
+                                      <p:to>
+                                        <p:strVal val="visible"/>
+                                      </p:to>
+                                    </p:set>
+                                    <p:anim calcmode="lin" valueType="num">
+                                      <p:cBhvr additive="base">
+                                        <p:cTn id="11" dur="500" fill="hold"/>
+                                        <p:tgtEl>
+                                          <p:spTgt spid="8"/>
+                                        </p:tgtEl>
+                                        <p:attrNameLst>
+                                          <p:attrName>ppt_x</p:attrName>
+                                        </p:attrNameLst>
+                                      </p:cBhvr>
+                                      <p:tavLst>
+                                        <p:tav tm="0">
+                                          <p:val>
+                                            <p:strVal val="#ppt_x"/>
+                                          </p:val>
+                                        </p:tav>
+                                        <p:tav tm="100000">
+                                          <p:val>
+                                            <p:strVal val="#ppt_x"/>
+                                          </p:val>
+                                        </p:tav>
+                                      </p:tavLst>
+                                    </p:anim>
+                                    <p:anim calcmode="lin" valueType="num">
+                                      <p:cBhvr additive="base">
+                                        <p:cTn id="12" dur="500" fill="hold"/>
+                                        <p:tgtEl>
+                                          <p:spTgt spid="8"/>
+                                        </p:tgtEl>
+                                        <p:attrNameLst>
+                                          <p:attrName>ppt_y</p:attrName>
+                                        </p:attrNameLst>
+                                      </p:cBhvr>
+                                      <p:tavLst>
+                                        <p:tav tm="0">
+                                          <p:val>
+                                            <p:strVal val="1+#ppt_h/2"/>
+                                          </p:val>
+                                        </p:tav>
+                                        <p:tav tm="100000">
+                                          <p:val>
+                                            <p:strVal val="#ppt_y"/>
+                                          </p:val>
+                                        </p:tav>
+                                      </p:tavLst>
+                                    </p:anim>
+                                  </p:childTnLst>
+                                </p:cTn>
+                              </p:par>
+                            </p:childTnLst>
+                          </p:cTn>
+                        </p:par>
+                      </p:childTnLst>
+                    </p:cTn>
+                  </p:par>
+                  <p:par>
+                    <p:cTn id="13" fill="hold">
+                      <p:stCondLst>
+                        <p:cond delay="indefinite"/>
+                      </p:stCondLst>
+                      <p:childTnLst>
+                        <p:par>
+                          <p:cTn id="14" fill="hold">
+                            <p:stCondLst>
+                              <p:cond delay="0"/>
+                            </p:stCondLst>
+                            <p:childTnLst>
+                              <p:par>
+                                <p:cTn id="15" presetID="2" presetClass="entr" presetSubtype="4" fill="hold" nodeType="clickEffect">
+                                  <p:stCondLst>
+                                    <p:cond delay="0"/>
+                                  </p:stCondLst>
+                                  <p:childTnLst>
+                                    <p:set>
+                                      <p:cBhvr>
+                                        <p:cTn id="16" dur="1" fill="hold">
+                                          <p:stCondLst>
+                                            <p:cond delay="0"/>
+                                          </p:stCondLst>
+                                        </p:cTn>
+                                        <p:tgtEl>
+                                          <p:spTgt spid="2">
+                                            <p:txEl>
+                                              <p:pRg st="0" end="0"/>
+                                            </p:txEl>
+                                          </p:spTgt>
+                                        </p:tgtEl>
+                                        <p:attrNameLst>
+                                          <p:attrName>style.visibility</p:attrName>
+                                        </p:attrNameLst>
+                                      </p:cBhvr>
+                                      <p:to>
+                                        <p:strVal val="visible"/>
+                                      </p:to>
+                                    </p:set>
+                                    <p:anim calcmode="lin" valueType="num">
+                                      <p:cBhvr additive="base">
+                                        <p:cTn id="17" dur="500" fill="hold"/>
+                                        <p:tgtEl>
+                                          <p:spTgt spid="2">
+                                            <p:txEl>
+                                              <p:pRg st="0" end="0"/>
+                                            </p:txEl>
+                                          </p:spTgt>
+                                        </p:tgtEl>
+                                        <p:attrNameLst>
+                                          <p:attrName>ppt_x</p:attrName>
+                                        </p:attrNameLst>
+                                      </p:cBhvr>
+                                      <p:tavLst>
+                                        <p:tav tm="0">
+                                          <p:val>
+                                            <p:strVal val="#ppt_x"/>
+                                          </p:val>
+                                        </p:tav>
+                                        <p:tav tm="100000">
+                                          <p:val>
+                                            <p:strVal val="#ppt_x"/>
+                                          </p:val>
+                                        </p:tav>
+                                      </p:tavLst>
+                                    </p:anim>
+                                    <p:anim calcmode="lin" valueType="num">
+                                      <p:cBhvr additive="base">
+                                        <p:cTn id="18" dur="500" fill="hold"/>
+                                        <p:tgtEl>
+                                          <p:spTgt spid="2">
+                                            <p:txEl>
+                                              <p:pRg st="0" end="0"/>
+                                            </p:txEl>
+                                          </p:spTgt>
+                                        </p:tgtEl>
+                                        <p:attrNameLst>
+                                          <p:attrName>ppt_y</p:attrName>
+                                        </p:attrNameLst>
+                                      </p:cBhvr>
+                                      <p:tavLst>
+                                        <p:tav tm="0">
+                                          <p:val>
+                                            <p:strVal val="1+#ppt_h/2"/>
+                                          </p:val>
+                                        </p:tav>
+                                        <p:tav tm="100000">
+                                          <p:val>
+                                            <p:strVal val="#ppt_y"/>
+                                          </p:val>
+                                        </p:tav>
+                                      </p:tavLst>
+                                    </p:anim>
+                                  </p:childTnLst>
+                                </p:cTn>
+                              </p:par>
+                              <p:par>
+                                <p:cTn id="19" presetID="2" presetClass="entr" presetSubtype="4" fill="hold" nodeType="withEffect">
+                                  <p:stCondLst>
+                                    <p:cond delay="0"/>
+                                  </p:stCondLst>
+                                  <p:childTnLst>
+                                    <p:set>
+                                      <p:cBhvr>
+                                        <p:cTn id="20" dur="1" fill="hold">
+                                          <p:stCondLst>
+                                            <p:cond delay="0"/>
+                                          </p:stCondLst>
+                                        </p:cTn>
+                                        <p:tgtEl>
+                                          <p:spTgt spid="2">
+                                            <p:txEl>
+                                              <p:pRg st="1" end="1"/>
+                                            </p:txEl>
+                                          </p:spTgt>
+                                        </p:tgtEl>
+                                        <p:attrNameLst>
+                                          <p:attrName>style.visibility</p:attrName>
+                                        </p:attrNameLst>
+                                      </p:cBhvr>
+                                      <p:to>
+                                        <p:strVal val="visible"/>
+                                      </p:to>
+                                    </p:set>
+                                    <p:anim calcmode="lin" valueType="num">
+                                      <p:cBhvr additive="base">
+                                        <p:cTn id="21" dur="500" fill="hold"/>
+                                        <p:tgtEl>
+                                          <p:spTgt spid="2">
+                                            <p:txEl>
+                                              <p:pRg st="1" end="1"/>
+                                            </p:txEl>
+                                          </p:spTgt>
+                                        </p:tgtEl>
+                                        <p:attrNameLst>
+                                          <p:attrName>ppt_x</p:attrName>
+                                        </p:attrNameLst>
+                                      </p:cBhvr>
+                                      <p:tavLst>
+                                        <p:tav tm="0">
+                                          <p:val>
+                                            <p:strVal val="#ppt_x"/>
+                                          </p:val>
+                                        </p:tav>
+                                        <p:tav tm="100000">
+                                          <p:val>
+                                            <p:strVal val="#ppt_x"/>
+                                          </p:val>
+                                        </p:tav>
+                                      </p:tavLst>
+                                    </p:anim>
+                                    <p:anim calcmode="lin" valueType="num">
+                                      <p:cBhvr additive="base">
+                                        <p:cTn id="22" dur="500" fill="hold"/>
+                                        <p:tgtEl>
+                                          <p:spTgt spid="2">
+                                            <p:txEl>
+                                              <p:pRg st="1" end="1"/>
+                                            </p:txEl>
+                                          </p:spTgt>
+                                        </p:tgtEl>
+                                        <p:attrNameLst>
+                                          <p:attrName>ppt_y</p:attrName>
+                                        </p:attrNameLst>
+                                      </p:cBhvr>
+                                      <p:tavLst>
+                                        <p:tav tm="0">
+                                          <p:val>
+                                            <p:strVal val="1+#ppt_h/2"/>
+                                          </p:val>
+                                        </p:tav>
+                                        <p:tav tm="100000">
+                                          <p:val>
+                                            <p:strVal val="#ppt_y"/>
+                                          </p:val>
+                                        </p:tav>
+                                      </p:tavLst>
+                                    </p:anim>
+                                  </p:childTnLst>
+                                </p:cTn>
+                              </p:par>
+                              <p:par>
+                                <p:cTn id="23" presetID="2" presetClass="entr" presetSubtype="4" fill="hold" nodeType="withEffect">
+                                  <p:stCondLst>
+                                    <p:cond delay="0"/>
+                                  </p:stCondLst>
+                                  <p:childTnLst>
+                                    <p:set>
+                                      <p:cBhvr>
+                                        <p:cTn id="24" dur="1" fill="hold">
+                                          <p:stCondLst>
+                                            <p:cond delay="0"/>
+                                          </p:stCondLst>
+                                        </p:cTn>
+                                        <p:tgtEl>
+                                          <p:spTgt spid="2">
+                                            <p:txEl>
+                                              <p:pRg st="2" end="2"/>
+                                            </p:txEl>
+                                          </p:spTgt>
+                                        </p:tgtEl>
+                                        <p:attrNameLst>
+                                          <p:attrName>style.visibility</p:attrName>
+                                        </p:attrNameLst>
+                                      </p:cBhvr>
+                                      <p:to>
+                                        <p:strVal val="visible"/>
+                                      </p:to>
+                                    </p:set>
+                                    <p:anim calcmode="lin" valueType="num">
+                                      <p:cBhvr additive="base">
+                                        <p:cTn id="25" dur="500" fill="hold"/>
+                                        <p:tgtEl>
+                                          <p:spTgt spid="2">
+                                            <p:txEl>
+                                              <p:pRg st="2" end="2"/>
+                                            </p:txEl>
+                                          </p:spTgt>
+                                        </p:tgtEl>
+                                        <p:attrNameLst>
+                                          <p:attrName>ppt_x</p:attrName>
+                                        </p:attrNameLst>
+                                      </p:cBhvr>
+                                      <p:tavLst>
+                                        <p:tav tm="0">
+                                          <p:val>
+                                            <p:strVal val="#ppt_x"/>
+                                          </p:val>
+                                        </p:tav>
+                                        <p:tav tm="100000">
+                                          <p:val>
+                                            <p:strVal val="#ppt_x"/>
+                                          </p:val>
+                                        </p:tav>
+                                      </p:tavLst>
+                                    </p:anim>
+                                    <p:anim calcmode="lin" valueType="num">
+                                      <p:cBhvr additive="base">
+                                        <p:cTn id="26" dur="500" fill="hold"/>
+                                        <p:tgtEl>
+                                          <p:spTgt spid="2">
+                                            <p:txEl>
+                                              <p:pRg st="2" end="2"/>
+                                            </p:txEl>
+                                          </p:spTgt>
+                                        </p:tgtEl>
+                                        <p:attrNameLst>
+                                          <p:attrName>ppt_y</p:attrName>
+                                        </p:attrNameLst>
+                                      </p:cBhvr>
+                                      <p:tavLst>
+                                        <p:tav tm="0">
+                                          <p:val>
+                                            <p:strVal val="1+#ppt_h/2"/>
+                                          </p:val>
+                                        </p:tav>
+                                        <p:tav tm="100000">
+                                          <p:val>
+                                            <p:strVal val="#ppt_y"/>
+                                          </p:val>
+                                        </p:tav>
+                                      </p:tavLst>
+                                    </p:anim>
+                                  </p:childTnLst>
+                                </p:cTn>
+                              </p:par>
+                              <p:par>
+                                <p:cTn id="27" presetID="2" presetClass="entr" presetSubtype="4" fill="hold" nodeType="withEffect">
+                                  <p:stCondLst>
+                                    <p:cond delay="0"/>
+                                  </p:stCondLst>
+                                  <p:childTnLst>
+                                    <p:set>
+                                      <p:cBhvr>
+                                        <p:cTn id="28" dur="1" fill="hold">
+                                          <p:stCondLst>
+                                            <p:cond delay="0"/>
+                                          </p:stCondLst>
+                                        </p:cTn>
+                                        <p:tgtEl>
+                                          <p:spTgt spid="2">
+                                            <p:txEl>
+                                              <p:pRg st="3" end="3"/>
+                                            </p:txEl>
+                                          </p:spTgt>
+                                        </p:tgtEl>
+                                        <p:attrNameLst>
+                                          <p:attrName>style.visibility</p:attrName>
+                                        </p:attrNameLst>
+                                      </p:cBhvr>
+                                      <p:to>
+                                        <p:strVal val="visible"/>
+                                      </p:to>
+                                    </p:set>
+                                    <p:anim calcmode="lin" valueType="num">
+                                      <p:cBhvr additive="base">
+                                        <p:cTn id="29" dur="500" fill="hold"/>
+                                        <p:tgtEl>
+                                          <p:spTgt spid="2">
+                                            <p:txEl>
+                                              <p:pRg st="3" end="3"/>
+                                            </p:txEl>
+                                          </p:spTgt>
+                                        </p:tgtEl>
+                                        <p:attrNameLst>
+                                          <p:attrName>ppt_x</p:attrName>
+                                        </p:attrNameLst>
+                                      </p:cBhvr>
+                                      <p:tavLst>
+                                        <p:tav tm="0">
+                                          <p:val>
+                                            <p:strVal val="#ppt_x"/>
+                                          </p:val>
+                                        </p:tav>
+                                        <p:tav tm="100000">
+                                          <p:val>
+                                            <p:strVal val="#ppt_x"/>
+                                          </p:val>
+                                        </p:tav>
+                                      </p:tavLst>
+                                    </p:anim>
+                                    <p:anim calcmode="lin" valueType="num">
+                                      <p:cBhvr additive="base">
+                                        <p:cTn id="30" dur="500" fill="hold"/>
+                                        <p:tgtEl>
+                                          <p:spTgt spid="2">
+                                            <p:txEl>
+                                              <p:pRg st="3" end="3"/>
+                                            </p:txEl>
+                                          </p:spTgt>
+                                        </p:tgtEl>
+                                        <p:attrNameLst>
+                                          <p:attrName>ppt_y</p:attrName>
+                                        </p:attrNameLst>
+                                      </p:cBhvr>
+                                      <p:tavLst>
+                                        <p:tav tm="0">
+                                          <p:val>
+                                            <p:strVal val="1+#ppt_h/2"/>
+                                          </p:val>
+                                        </p:tav>
+                                        <p:tav tm="100000">
+                                          <p:val>
+                                            <p:strVal val="#ppt_y"/>
+                                          </p:val>
+                                        </p:tav>
+                                      </p:tavLst>
+                                    </p:anim>
+                                  </p:childTnLst>
+                                </p:cTn>
+                              </p:par>
+                            </p:childTnLst>
+                          </p:cTn>
+                        </p:par>
+                      </p:childTnLst>
+                    </p:cTn>
+                  </p:par>
+                </p:childTnLst>
+              </p:cTn>
+              <p:prevCondLst>
+                <p:cond evt="onPrev" delay="0">
+                  <p:tgtEl>
+                    <p:sldTgt/>
+                  </p:tgtEl>
+                </p:cond>
+              </p:prevCondLst>
+              <p:nextCondLst>
+                <p:cond evt="onNext" delay="0">
+                  <p:tgtEl>
+                    <p:sldTgt/>
+                  </p:tgtEl>
+                </p:cond>
+              </p:nextCondLst>
+            </p:seq>
+          </p:childTnLst>
+        </p:cTn>
       </p:par>
     </p:tnLst>
+    <p:bldLst>
+      <p:bldP spid="8" grpId="0" animBg="1"/>
+    </p:bldLst>
   </p:timing>
 </p:sld>
 </file>
@@ -4748,7 +6061,7 @@
       </p:grpSpPr>
       <p:sp>
         <p:nvSpPr>
-          <p:cNvPr id="2" name="标题 1"/>
+          <p:cNvPr id="3" name="标题 1"/>
           <p:cNvSpPr>
             <a:spLocks noGrp="1"/>
           </p:cNvSpPr>
@@ -4756,14 +6069,610 @@
             <p:ph type="title"/>
           </p:nvPr>
         </p:nvSpPr>
-        <p:spPr/>
+        <p:spPr>
+          <a:xfrm>
+            <a:off x="457200" y="274638"/>
+            <a:ext cx="8229600" cy="715962"/>
+          </a:xfrm>
+        </p:spPr>
         <p:txBody>
           <a:bodyPr/>
           <a:lstStyle/>
           <a:p>
-            <a:endParaRPr lang="zh-CN" altLang="en-US" dirty="0">
-              <a:latin typeface="+mj-ea"/>
-              <a:ea typeface="+mj-ea"/>
+            <a:r>
+              <a:rPr lang="zh-CN" altLang="en-US" sz="3600" dirty="0" smtClean="0">
+                <a:solidFill>
+                  <a:srgbClr val="E46C0A"/>
+                </a:solidFill>
+                <a:latin typeface="微软雅黑" panose="020B0503020204020204" pitchFamily="34" charset="-122"/>
+                <a:ea typeface="微软雅黑" panose="020B0503020204020204" pitchFamily="34" charset="-122"/>
+              </a:rPr>
+              <a:t>瀑布模型风险</a:t>
+            </a:r>
+            <a:endParaRPr lang="zh-CN" altLang="en-US" sz="3600" dirty="0">
+              <a:solidFill>
+                <a:srgbClr val="E46C0A"/>
+              </a:solidFill>
+              <a:latin typeface="微软雅黑" panose="020B0503020204020204" pitchFamily="34" charset="-122"/>
+              <a:ea typeface="微软雅黑" panose="020B0503020204020204" pitchFamily="34" charset="-122"/>
+            </a:endParaRPr>
+          </a:p>
+        </p:txBody>
+      </p:sp>
+      <p:graphicFrame>
+        <p:nvGraphicFramePr>
+          <p:cNvPr id="4" name="图表 3"/>
+          <p:cNvGraphicFramePr/>
+          <p:nvPr>
+            <p:extLst>
+              <p:ext uri="{D42A27DB-BD31-4B8C-83A1-F6EECF244321}">
+                <p14:modId xmlns:p14="http://schemas.microsoft.com/office/powerpoint/2010/main" val="3486751499"/>
+              </p:ext>
+            </p:extLst>
+          </p:nvPr>
+        </p:nvGraphicFramePr>
+        <p:xfrm>
+          <a:off x="457200" y="1066800"/>
+          <a:ext cx="8229600" cy="4064000"/>
+        </p:xfrm>
+        <a:graphic>
+          <a:graphicData uri="http://schemas.openxmlformats.org/drawingml/2006/chart">
+            <c:chart xmlns:c="http://schemas.openxmlformats.org/drawingml/2006/chart" xmlns:r="http://schemas.openxmlformats.org/officeDocument/2006/relationships" r:id="rId3"/>
+          </a:graphicData>
+        </a:graphic>
+      </p:graphicFrame>
+      <p:sp>
+        <p:nvSpPr>
+          <p:cNvPr id="5" name="TextBox 4"/>
+          <p:cNvSpPr txBox="1"/>
+          <p:nvPr/>
+        </p:nvSpPr>
+        <p:spPr>
+          <a:xfrm>
+            <a:off x="180944" y="2286000"/>
+            <a:ext cx="430887" cy="1066800"/>
+          </a:xfrm>
+          <a:prstGeom prst="rect">
+            <a:avLst/>
+          </a:prstGeom>
+          <a:noFill/>
+        </p:spPr>
+        <p:txBody>
+          <a:bodyPr vert="eaVert" wrap="square" rtlCol="0">
+            <a:spAutoFit/>
+          </a:bodyPr>
+          <a:lstStyle/>
+          <a:p>
+            <a:r>
+              <a:rPr lang="zh-CN" altLang="en-US" sz="1600" dirty="0" smtClean="0">
+                <a:solidFill>
+                  <a:srgbClr val="E46C0A"/>
+                </a:solidFill>
+                <a:latin typeface="微软雅黑" panose="020B0503020204020204" pitchFamily="34" charset="-122"/>
+                <a:ea typeface="微软雅黑" panose="020B0503020204020204" pitchFamily="34" charset="-122"/>
+              </a:rPr>
+              <a:t>开发进度</a:t>
+            </a:r>
+            <a:endParaRPr lang="zh-CN" altLang="en-US" sz="1600" dirty="0">
+              <a:solidFill>
+                <a:srgbClr val="E46C0A"/>
+              </a:solidFill>
+              <a:latin typeface="微软雅黑" panose="020B0503020204020204" pitchFamily="34" charset="-122"/>
+              <a:ea typeface="微软雅黑" panose="020B0503020204020204" pitchFamily="34" charset="-122"/>
+            </a:endParaRPr>
+          </a:p>
+        </p:txBody>
+      </p:sp>
+      <p:sp>
+        <p:nvSpPr>
+          <p:cNvPr id="6" name="TextBox 5"/>
+          <p:cNvSpPr txBox="1"/>
+          <p:nvPr/>
+        </p:nvSpPr>
+        <p:spPr>
+          <a:xfrm>
+            <a:off x="1977887" y="4267200"/>
+            <a:ext cx="1371600" cy="338554"/>
+          </a:xfrm>
+          <a:prstGeom prst="rect">
+            <a:avLst/>
+          </a:prstGeom>
+          <a:noFill/>
+        </p:spPr>
+        <p:txBody>
+          <a:bodyPr wrap="square" rtlCol="0">
+            <a:spAutoFit/>
+          </a:bodyPr>
+          <a:lstStyle/>
+          <a:p>
+            <a:r>
+              <a:rPr lang="zh-CN" altLang="en-US" sz="1600" dirty="0" smtClean="0">
+                <a:solidFill>
+                  <a:srgbClr val="E46C0A"/>
+                </a:solidFill>
+                <a:latin typeface="微软雅黑" panose="020B0503020204020204" pitchFamily="34" charset="-122"/>
+                <a:ea typeface="微软雅黑" panose="020B0503020204020204" pitchFamily="34" charset="-122"/>
+              </a:rPr>
+              <a:t>项目进度</a:t>
+            </a:r>
+            <a:endParaRPr lang="zh-CN" altLang="en-US" sz="1600" dirty="0">
+              <a:solidFill>
+                <a:srgbClr val="E46C0A"/>
+              </a:solidFill>
+              <a:latin typeface="微软雅黑" panose="020B0503020204020204" pitchFamily="34" charset="-122"/>
+              <a:ea typeface="微软雅黑" panose="020B0503020204020204" pitchFamily="34" charset="-122"/>
+            </a:endParaRPr>
+          </a:p>
+        </p:txBody>
+      </p:sp>
+      <p:sp>
+        <p:nvSpPr>
+          <p:cNvPr id="7" name="等腰三角形 6"/>
+          <p:cNvSpPr/>
+          <p:nvPr/>
+        </p:nvSpPr>
+        <p:spPr bwMode="auto">
+          <a:xfrm>
+            <a:off x="3962400" y="3810000"/>
+            <a:ext cx="114300" cy="355600"/>
+          </a:xfrm>
+          <a:prstGeom prst="triangle">
+            <a:avLst/>
+          </a:prstGeom>
+          <a:ln/>
+        </p:spPr>
+        <p:style>
+          <a:lnRef idx="2">
+            <a:schemeClr val="accent1"/>
+          </a:lnRef>
+          <a:fillRef idx="1">
+            <a:schemeClr val="lt1"/>
+          </a:fillRef>
+          <a:effectRef idx="0">
+            <a:schemeClr val="accent1"/>
+          </a:effectRef>
+          <a:fontRef idx="minor">
+            <a:schemeClr val="dk1"/>
+          </a:fontRef>
+        </p:style>
+        <p:txBody>
+          <a:bodyPr wrap="square" rtlCol="0" anchor="ctr">
+            <a:spAutoFit/>
+          </a:bodyPr>
+          <a:lstStyle/>
+          <a:p>
+            <a:pPr algn="ctr">
+              <a:lnSpc>
+                <a:spcPct val="150000"/>
+              </a:lnSpc>
+              <a:buFont typeface="Wingdings" pitchFamily="2" charset="2"/>
+              <a:buBlip>
+                <a:blip r:embed="rId4"/>
+              </a:buBlip>
+            </a:pPr>
+            <a:endParaRPr lang="zh-CN" altLang="en-US" dirty="0" smtClean="0">
+              <a:latin typeface="微软雅黑" pitchFamily="34" charset="-122"/>
+              <a:ea typeface="微软雅黑" pitchFamily="34" charset="-122"/>
+            </a:endParaRPr>
+          </a:p>
+        </p:txBody>
+      </p:sp>
+      <p:sp>
+        <p:nvSpPr>
+          <p:cNvPr id="8" name="等腰三角形 7"/>
+          <p:cNvSpPr/>
+          <p:nvPr/>
+        </p:nvSpPr>
+        <p:spPr bwMode="auto">
+          <a:xfrm>
+            <a:off x="6438900" y="1244600"/>
+            <a:ext cx="114300" cy="268020"/>
+          </a:xfrm>
+          <a:prstGeom prst="triangle">
+            <a:avLst/>
+          </a:prstGeom>
+          <a:ln/>
+        </p:spPr>
+        <p:style>
+          <a:lnRef idx="2">
+            <a:schemeClr val="accent1"/>
+          </a:lnRef>
+          <a:fillRef idx="1">
+            <a:schemeClr val="lt1"/>
+          </a:fillRef>
+          <a:effectRef idx="0">
+            <a:schemeClr val="accent1"/>
+          </a:effectRef>
+          <a:fontRef idx="minor">
+            <a:schemeClr val="dk1"/>
+          </a:fontRef>
+        </p:style>
+        <p:txBody>
+          <a:bodyPr wrap="square" rtlCol="0" anchor="ctr">
+            <a:spAutoFit/>
+          </a:bodyPr>
+          <a:lstStyle/>
+          <a:p>
+            <a:pPr algn="ctr">
+              <a:lnSpc>
+                <a:spcPct val="150000"/>
+              </a:lnSpc>
+              <a:buFont typeface="Wingdings" pitchFamily="2" charset="2"/>
+              <a:buBlip>
+                <a:blip r:embed="rId4"/>
+              </a:buBlip>
+            </a:pPr>
+            <a:endParaRPr lang="zh-CN" altLang="en-US" dirty="0" smtClean="0">
+              <a:latin typeface="微软雅黑" pitchFamily="34" charset="-122"/>
+              <a:ea typeface="微软雅黑" pitchFamily="34" charset="-122"/>
+            </a:endParaRPr>
+          </a:p>
+        </p:txBody>
+      </p:sp>
+      <p:sp>
+        <p:nvSpPr>
+          <p:cNvPr id="11" name="TextBox 10"/>
+          <p:cNvSpPr txBox="1"/>
+          <p:nvPr/>
+        </p:nvSpPr>
+        <p:spPr>
+          <a:xfrm>
+            <a:off x="6629400" y="1219200"/>
+            <a:ext cx="1943100" cy="307777"/>
+          </a:xfrm>
+          <a:prstGeom prst="rect">
+            <a:avLst/>
+          </a:prstGeom>
+          <a:noFill/>
+        </p:spPr>
+        <p:txBody>
+          <a:bodyPr wrap="square" rtlCol="0">
+            <a:spAutoFit/>
+          </a:bodyPr>
+          <a:lstStyle/>
+          <a:p>
+            <a:r>
+              <a:rPr lang="zh-CN" altLang="en-US" sz="1400" dirty="0" smtClean="0">
+                <a:latin typeface="微软雅黑" panose="020B0503020204020204" pitchFamily="34" charset="-122"/>
+                <a:ea typeface="微软雅黑" panose="020B0503020204020204" pitchFamily="34" charset="-122"/>
+              </a:rPr>
+              <a:t>原计划交付日期</a:t>
+            </a:r>
+            <a:endParaRPr lang="zh-CN" altLang="en-US" sz="1400" dirty="0">
+              <a:latin typeface="微软雅黑" panose="020B0503020204020204" pitchFamily="34" charset="-122"/>
+              <a:ea typeface="微软雅黑" panose="020B0503020204020204" pitchFamily="34" charset="-122"/>
+            </a:endParaRPr>
+          </a:p>
+        </p:txBody>
+      </p:sp>
+      <p:sp>
+        <p:nvSpPr>
+          <p:cNvPr id="13" name="等腰三角形 12"/>
+          <p:cNvSpPr/>
+          <p:nvPr/>
+        </p:nvSpPr>
+        <p:spPr bwMode="auto">
+          <a:xfrm>
+            <a:off x="5105400" y="3843755"/>
+            <a:ext cx="114300" cy="355600"/>
+          </a:xfrm>
+          <a:prstGeom prst="triangle">
+            <a:avLst/>
+          </a:prstGeom>
+          <a:ln/>
+        </p:spPr>
+        <p:style>
+          <a:lnRef idx="2">
+            <a:schemeClr val="accent6">
+              <a:shade val="50000"/>
+            </a:schemeClr>
+          </a:lnRef>
+          <a:fillRef idx="1">
+            <a:schemeClr val="accent6"/>
+          </a:fillRef>
+          <a:effectRef idx="0">
+            <a:schemeClr val="accent6"/>
+          </a:effectRef>
+          <a:fontRef idx="minor">
+            <a:schemeClr val="lt1"/>
+          </a:fontRef>
+        </p:style>
+        <p:txBody>
+          <a:bodyPr wrap="square" rtlCol="0" anchor="ctr">
+            <a:spAutoFit/>
+          </a:bodyPr>
+          <a:lstStyle/>
+          <a:p>
+            <a:pPr algn="ctr">
+              <a:lnSpc>
+                <a:spcPct val="150000"/>
+              </a:lnSpc>
+              <a:buFont typeface="Wingdings" pitchFamily="2" charset="2"/>
+              <a:buBlip>
+                <a:blip r:embed="rId4"/>
+              </a:buBlip>
+            </a:pPr>
+            <a:endParaRPr lang="zh-CN" altLang="en-US" dirty="0" smtClean="0">
+              <a:latin typeface="微软雅黑" pitchFamily="34" charset="-122"/>
+              <a:ea typeface="微软雅黑" pitchFamily="34" charset="-122"/>
+            </a:endParaRPr>
+          </a:p>
+        </p:txBody>
+      </p:sp>
+      <p:sp>
+        <p:nvSpPr>
+          <p:cNvPr id="14" name="TextBox 13"/>
+          <p:cNvSpPr txBox="1"/>
+          <p:nvPr/>
+        </p:nvSpPr>
+        <p:spPr>
+          <a:xfrm>
+            <a:off x="6629400" y="1724559"/>
+            <a:ext cx="1943100" cy="307777"/>
+          </a:xfrm>
+          <a:prstGeom prst="rect">
+            <a:avLst/>
+          </a:prstGeom>
+          <a:noFill/>
+        </p:spPr>
+        <p:txBody>
+          <a:bodyPr wrap="square" rtlCol="0">
+            <a:spAutoFit/>
+          </a:bodyPr>
+          <a:lstStyle/>
+          <a:p>
+            <a:r>
+              <a:rPr lang="zh-CN" altLang="en-US" sz="1400" dirty="0" smtClean="0">
+                <a:latin typeface="微软雅黑" panose="020B0503020204020204" pitchFamily="34" charset="-122"/>
+                <a:ea typeface="微软雅黑" panose="020B0503020204020204" pitchFamily="34" charset="-122"/>
+              </a:rPr>
+              <a:t>实际交付日期</a:t>
+            </a:r>
+            <a:endParaRPr lang="zh-CN" altLang="en-US" sz="1400" dirty="0">
+              <a:latin typeface="微软雅黑" panose="020B0503020204020204" pitchFamily="34" charset="-122"/>
+              <a:ea typeface="微软雅黑" panose="020B0503020204020204" pitchFamily="34" charset="-122"/>
+            </a:endParaRPr>
+          </a:p>
+        </p:txBody>
+      </p:sp>
+      <p:sp>
+        <p:nvSpPr>
+          <p:cNvPr id="15" name="等腰三角形 14"/>
+          <p:cNvSpPr/>
+          <p:nvPr/>
+        </p:nvSpPr>
+        <p:spPr bwMode="auto">
+          <a:xfrm>
+            <a:off x="6456293" y="1676400"/>
+            <a:ext cx="114300" cy="355600"/>
+          </a:xfrm>
+          <a:prstGeom prst="triangle">
+            <a:avLst/>
+          </a:prstGeom>
+          <a:ln/>
+        </p:spPr>
+        <p:style>
+          <a:lnRef idx="2">
+            <a:schemeClr val="accent6">
+              <a:shade val="50000"/>
+            </a:schemeClr>
+          </a:lnRef>
+          <a:fillRef idx="1">
+            <a:schemeClr val="accent6"/>
+          </a:fillRef>
+          <a:effectRef idx="0">
+            <a:schemeClr val="accent6"/>
+          </a:effectRef>
+          <a:fontRef idx="minor">
+            <a:schemeClr val="lt1"/>
+          </a:fontRef>
+        </p:style>
+        <p:txBody>
+          <a:bodyPr wrap="square" rtlCol="0" anchor="ctr">
+            <a:spAutoFit/>
+          </a:bodyPr>
+          <a:lstStyle/>
+          <a:p>
+            <a:pPr algn="ctr">
+              <a:lnSpc>
+                <a:spcPct val="150000"/>
+              </a:lnSpc>
+              <a:buFont typeface="Wingdings" pitchFamily="2" charset="2"/>
+              <a:buBlip>
+                <a:blip r:embed="rId4"/>
+              </a:buBlip>
+            </a:pPr>
+            <a:endParaRPr lang="zh-CN" altLang="en-US" dirty="0" smtClean="0">
+              <a:latin typeface="微软雅黑" pitchFamily="34" charset="-122"/>
+              <a:ea typeface="微软雅黑" pitchFamily="34" charset="-122"/>
+            </a:endParaRPr>
+          </a:p>
+        </p:txBody>
+      </p:sp>
+      <p:sp>
+        <p:nvSpPr>
+          <p:cNvPr id="16" name="TextBox 15"/>
+          <p:cNvSpPr txBox="1"/>
+          <p:nvPr/>
+        </p:nvSpPr>
+        <p:spPr>
+          <a:xfrm>
+            <a:off x="762000" y="1279316"/>
+            <a:ext cx="2819400" cy="338554"/>
+          </a:xfrm>
+          <a:prstGeom prst="rect">
+            <a:avLst/>
+          </a:prstGeom>
+          <a:noFill/>
+        </p:spPr>
+        <p:txBody>
+          <a:bodyPr wrap="square" rtlCol="0">
+            <a:spAutoFit/>
+          </a:bodyPr>
+          <a:lstStyle/>
+          <a:p>
+            <a:r>
+              <a:rPr lang="zh-CN" altLang="en-US" sz="1600" dirty="0" smtClean="0">
+                <a:latin typeface="微软雅黑" panose="020B0503020204020204" pitchFamily="34" charset="-122"/>
+                <a:ea typeface="微软雅黑" panose="020B0503020204020204" pitchFamily="34" charset="-122"/>
+              </a:rPr>
+              <a:t>集成测试时发现方案缺陷</a:t>
+            </a:r>
+            <a:endParaRPr lang="zh-CN" altLang="en-US" sz="1600" dirty="0">
+              <a:latin typeface="微软雅黑" panose="020B0503020204020204" pitchFamily="34" charset="-122"/>
+              <a:ea typeface="微软雅黑" panose="020B0503020204020204" pitchFamily="34" charset="-122"/>
+            </a:endParaRPr>
+          </a:p>
+        </p:txBody>
+      </p:sp>
+      <p:cxnSp>
+        <p:nvCxnSpPr>
+          <p:cNvPr id="18" name="直接箭头连接符 17"/>
+          <p:cNvCxnSpPr/>
+          <p:nvPr/>
+        </p:nvCxnSpPr>
+        <p:spPr>
+          <a:xfrm>
+            <a:off x="2247900" y="1651000"/>
+            <a:ext cx="1066800" cy="381000"/>
+          </a:xfrm>
+          <a:prstGeom prst="straightConnector1">
+            <a:avLst/>
+          </a:prstGeom>
+          <a:ln>
+            <a:tailEnd type="arrow"/>
+          </a:ln>
+        </p:spPr>
+        <p:style>
+          <a:lnRef idx="2">
+            <a:schemeClr val="accent1"/>
+          </a:lnRef>
+          <a:fillRef idx="0">
+            <a:schemeClr val="accent1"/>
+          </a:fillRef>
+          <a:effectRef idx="1">
+            <a:schemeClr val="accent1"/>
+          </a:effectRef>
+          <a:fontRef idx="minor">
+            <a:schemeClr val="tx1"/>
+          </a:fontRef>
+        </p:style>
+      </p:cxnSp>
+      <p:sp>
+        <p:nvSpPr>
+          <p:cNvPr id="19" name="TextBox 18"/>
+          <p:cNvSpPr txBox="1"/>
+          <p:nvPr/>
+        </p:nvSpPr>
+        <p:spPr>
+          <a:xfrm>
+            <a:off x="6172200" y="2590800"/>
+            <a:ext cx="2857500" cy="830997"/>
+          </a:xfrm>
+          <a:prstGeom prst="rect">
+            <a:avLst/>
+          </a:prstGeom>
+          <a:noFill/>
+        </p:spPr>
+        <p:txBody>
+          <a:bodyPr wrap="square" rtlCol="0">
+            <a:spAutoFit/>
+          </a:bodyPr>
+          <a:lstStyle/>
+          <a:p>
+            <a:r>
+              <a:rPr lang="zh-CN" altLang="en-US" sz="1600" dirty="0" smtClean="0">
+                <a:latin typeface="微软雅黑" panose="020B0503020204020204" pitchFamily="34" charset="-122"/>
+                <a:ea typeface="微软雅黑" panose="020B0503020204020204" pitchFamily="34" charset="-122"/>
+              </a:rPr>
+              <a:t>瀑布模型的风险：</a:t>
+            </a:r>
+            <a:endParaRPr lang="en-US" altLang="zh-CN" sz="1600" dirty="0" smtClean="0">
+              <a:latin typeface="微软雅黑" panose="020B0503020204020204" pitchFamily="34" charset="-122"/>
+              <a:ea typeface="微软雅黑" panose="020B0503020204020204" pitchFamily="34" charset="-122"/>
+            </a:endParaRPr>
+          </a:p>
+          <a:p>
+            <a:r>
+              <a:rPr lang="en-US" altLang="zh-CN" sz="1600" dirty="0" smtClean="0">
+                <a:latin typeface="+mn-ea"/>
+                <a:ea typeface="+mn-ea"/>
+              </a:rPr>
+              <a:t>1</a:t>
+            </a:r>
+            <a:r>
+              <a:rPr lang="zh-CN" altLang="en-US" sz="1600" dirty="0" smtClean="0">
+                <a:latin typeface="+mn-ea"/>
+                <a:ea typeface="+mn-ea"/>
+              </a:rPr>
+              <a:t>、设计方案不稳定</a:t>
+            </a:r>
+            <a:endParaRPr lang="en-US" altLang="zh-CN" sz="1600" dirty="0" smtClean="0">
+              <a:latin typeface="+mn-ea"/>
+              <a:ea typeface="+mn-ea"/>
+            </a:endParaRPr>
+          </a:p>
+          <a:p>
+            <a:r>
+              <a:rPr lang="en-US" altLang="zh-CN" sz="1600" dirty="0" smtClean="0">
+                <a:latin typeface="+mn-ea"/>
+                <a:ea typeface="+mn-ea"/>
+              </a:rPr>
+              <a:t>2</a:t>
+            </a:r>
+            <a:r>
+              <a:rPr lang="zh-CN" altLang="en-US" sz="1600" dirty="0" smtClean="0">
+                <a:latin typeface="+mn-ea"/>
+                <a:ea typeface="+mn-ea"/>
+              </a:rPr>
+              <a:t>、需求变更时</a:t>
+            </a:r>
+            <a:endParaRPr lang="en-US" altLang="zh-CN" sz="1600" dirty="0" smtClean="0">
+              <a:latin typeface="+mn-ea"/>
+              <a:ea typeface="+mn-ea"/>
+            </a:endParaRPr>
+          </a:p>
+        </p:txBody>
+      </p:sp>
+      <p:sp>
+        <p:nvSpPr>
+          <p:cNvPr id="20" name="TextBox 19"/>
+          <p:cNvSpPr txBox="1"/>
+          <p:nvPr/>
+        </p:nvSpPr>
+        <p:spPr>
+          <a:xfrm>
+            <a:off x="6172200" y="3352800"/>
+            <a:ext cx="2857500" cy="338554"/>
+          </a:xfrm>
+          <a:prstGeom prst="rect">
+            <a:avLst/>
+          </a:prstGeom>
+          <a:noFill/>
+        </p:spPr>
+        <p:txBody>
+          <a:bodyPr wrap="square" rtlCol="0">
+            <a:spAutoFit/>
+          </a:bodyPr>
+          <a:lstStyle/>
+          <a:p>
+            <a:r>
+              <a:rPr lang="en-US" altLang="zh-CN" sz="1600" dirty="0" smtClean="0">
+                <a:latin typeface="+mn-ea"/>
+                <a:ea typeface="+mn-ea"/>
+              </a:rPr>
+              <a:t>3</a:t>
+            </a:r>
+            <a:r>
+              <a:rPr lang="zh-CN" altLang="en-US" sz="1600" dirty="0" smtClean="0">
+                <a:latin typeface="+mn-ea"/>
+                <a:ea typeface="+mn-ea"/>
+              </a:rPr>
+              <a:t>、潜在的需求未被发现</a:t>
+            </a:r>
+            <a:endParaRPr lang="en-US" altLang="zh-CN" sz="1600" dirty="0" smtClean="0">
+              <a:latin typeface="+mn-ea"/>
+              <a:ea typeface="+mn-ea"/>
             </a:endParaRPr>
           </a:p>
         </p:txBody>
@@ -4772,6 +6681,943 @@
     <p:extLst>
       <p:ext uri="{BB962C8B-B14F-4D97-AF65-F5344CB8AC3E}">
         <p14:creationId xmlns:p14="http://schemas.microsoft.com/office/powerpoint/2010/main" val="2953226590"/>
+      </p:ext>
+    </p:extLst>
+  </p:cSld>
+  <p:clrMapOvr>
+    <a:masterClrMapping/>
+  </p:clrMapOvr>
+  <p:transition/>
+  <p:timing>
+    <p:tnLst>
+      <p:par>
+        <p:cTn id="1" dur="indefinite" restart="never" nodeType="tmRoot">
+          <p:childTnLst>
+            <p:seq concurrent="1" nextAc="seek">
+              <p:cTn id="2" dur="indefinite" nodeType="mainSeq">
+                <p:childTnLst>
+                  <p:par>
+                    <p:cTn id="3" fill="hold">
+                      <p:stCondLst>
+                        <p:cond delay="indefinite"/>
+                      </p:stCondLst>
+                      <p:childTnLst>
+                        <p:par>
+                          <p:cTn id="4" fill="hold">
+                            <p:stCondLst>
+                              <p:cond delay="0"/>
+                            </p:stCondLst>
+                            <p:childTnLst>
+                              <p:par>
+                                <p:cTn id="5" presetID="2" presetClass="entr" presetSubtype="4" fill="hold" nodeType="clickEffect">
+                                  <p:stCondLst>
+                                    <p:cond delay="0"/>
+                                  </p:stCondLst>
+                                  <p:childTnLst>
+                                    <p:set>
+                                      <p:cBhvr>
+                                        <p:cTn id="6" dur="1" fill="hold">
+                                          <p:stCondLst>
+                                            <p:cond delay="0"/>
+                                          </p:stCondLst>
+                                        </p:cTn>
+                                        <p:tgtEl>
+                                          <p:spTgt spid="18"/>
+                                        </p:tgtEl>
+                                        <p:attrNameLst>
+                                          <p:attrName>style.visibility</p:attrName>
+                                        </p:attrNameLst>
+                                      </p:cBhvr>
+                                      <p:to>
+                                        <p:strVal val="visible"/>
+                                      </p:to>
+                                    </p:set>
+                                    <p:anim calcmode="lin" valueType="num">
+                                      <p:cBhvr additive="base">
+                                        <p:cTn id="7" dur="500" fill="hold"/>
+                                        <p:tgtEl>
+                                          <p:spTgt spid="18"/>
+                                        </p:tgtEl>
+                                        <p:attrNameLst>
+                                          <p:attrName>ppt_x</p:attrName>
+                                        </p:attrNameLst>
+                                      </p:cBhvr>
+                                      <p:tavLst>
+                                        <p:tav tm="0">
+                                          <p:val>
+                                            <p:strVal val="#ppt_x"/>
+                                          </p:val>
+                                        </p:tav>
+                                        <p:tav tm="100000">
+                                          <p:val>
+                                            <p:strVal val="#ppt_x"/>
+                                          </p:val>
+                                        </p:tav>
+                                      </p:tavLst>
+                                    </p:anim>
+                                    <p:anim calcmode="lin" valueType="num">
+                                      <p:cBhvr additive="base">
+                                        <p:cTn id="8" dur="500" fill="hold"/>
+                                        <p:tgtEl>
+                                          <p:spTgt spid="18"/>
+                                        </p:tgtEl>
+                                        <p:attrNameLst>
+                                          <p:attrName>ppt_y</p:attrName>
+                                        </p:attrNameLst>
+                                      </p:cBhvr>
+                                      <p:tavLst>
+                                        <p:tav tm="0">
+                                          <p:val>
+                                            <p:strVal val="1+#ppt_h/2"/>
+                                          </p:val>
+                                        </p:tav>
+                                        <p:tav tm="100000">
+                                          <p:val>
+                                            <p:strVal val="#ppt_y"/>
+                                          </p:val>
+                                        </p:tav>
+                                      </p:tavLst>
+                                    </p:anim>
+                                  </p:childTnLst>
+                                </p:cTn>
+                              </p:par>
+                              <p:par>
+                                <p:cTn id="9" presetID="2" presetClass="entr" presetSubtype="4" fill="hold" grpId="0" nodeType="withEffect">
+                                  <p:stCondLst>
+                                    <p:cond delay="0"/>
+                                  </p:stCondLst>
+                                  <p:childTnLst>
+                                    <p:set>
+                                      <p:cBhvr>
+                                        <p:cTn id="10" dur="1" fill="hold">
+                                          <p:stCondLst>
+                                            <p:cond delay="0"/>
+                                          </p:stCondLst>
+                                        </p:cTn>
+                                        <p:tgtEl>
+                                          <p:spTgt spid="16"/>
+                                        </p:tgtEl>
+                                        <p:attrNameLst>
+                                          <p:attrName>style.visibility</p:attrName>
+                                        </p:attrNameLst>
+                                      </p:cBhvr>
+                                      <p:to>
+                                        <p:strVal val="visible"/>
+                                      </p:to>
+                                    </p:set>
+                                    <p:anim calcmode="lin" valueType="num">
+                                      <p:cBhvr additive="base">
+                                        <p:cTn id="11" dur="500" fill="hold"/>
+                                        <p:tgtEl>
+                                          <p:spTgt spid="16"/>
+                                        </p:tgtEl>
+                                        <p:attrNameLst>
+                                          <p:attrName>ppt_x</p:attrName>
+                                        </p:attrNameLst>
+                                      </p:cBhvr>
+                                      <p:tavLst>
+                                        <p:tav tm="0">
+                                          <p:val>
+                                            <p:strVal val="#ppt_x"/>
+                                          </p:val>
+                                        </p:tav>
+                                        <p:tav tm="100000">
+                                          <p:val>
+                                            <p:strVal val="#ppt_x"/>
+                                          </p:val>
+                                        </p:tav>
+                                      </p:tavLst>
+                                    </p:anim>
+                                    <p:anim calcmode="lin" valueType="num">
+                                      <p:cBhvr additive="base">
+                                        <p:cTn id="12" dur="500" fill="hold"/>
+                                        <p:tgtEl>
+                                          <p:spTgt spid="16"/>
+                                        </p:tgtEl>
+                                        <p:attrNameLst>
+                                          <p:attrName>ppt_y</p:attrName>
+                                        </p:attrNameLst>
+                                      </p:cBhvr>
+                                      <p:tavLst>
+                                        <p:tav tm="0">
+                                          <p:val>
+                                            <p:strVal val="1+#ppt_h/2"/>
+                                          </p:val>
+                                        </p:tav>
+                                        <p:tav tm="100000">
+                                          <p:val>
+                                            <p:strVal val="#ppt_y"/>
+                                          </p:val>
+                                        </p:tav>
+                                      </p:tavLst>
+                                    </p:anim>
+                                  </p:childTnLst>
+                                </p:cTn>
+                              </p:par>
+                            </p:childTnLst>
+                          </p:cTn>
+                        </p:par>
+                      </p:childTnLst>
+                    </p:cTn>
+                  </p:par>
+                  <p:par>
+                    <p:cTn id="13" fill="hold">
+                      <p:stCondLst>
+                        <p:cond delay="indefinite"/>
+                      </p:stCondLst>
+                      <p:childTnLst>
+                        <p:par>
+                          <p:cTn id="14" fill="hold">
+                            <p:stCondLst>
+                              <p:cond delay="0"/>
+                            </p:stCondLst>
+                            <p:childTnLst>
+                              <p:par>
+                                <p:cTn id="15" presetID="2" presetClass="entr" presetSubtype="4" fill="hold" grpId="0" nodeType="clickEffect">
+                                  <p:stCondLst>
+                                    <p:cond delay="0"/>
+                                  </p:stCondLst>
+                                  <p:childTnLst>
+                                    <p:set>
+                                      <p:cBhvr>
+                                        <p:cTn id="16" dur="1" fill="hold">
+                                          <p:stCondLst>
+                                            <p:cond delay="0"/>
+                                          </p:stCondLst>
+                                        </p:cTn>
+                                        <p:tgtEl>
+                                          <p:spTgt spid="15"/>
+                                        </p:tgtEl>
+                                        <p:attrNameLst>
+                                          <p:attrName>style.visibility</p:attrName>
+                                        </p:attrNameLst>
+                                      </p:cBhvr>
+                                      <p:to>
+                                        <p:strVal val="visible"/>
+                                      </p:to>
+                                    </p:set>
+                                    <p:anim calcmode="lin" valueType="num">
+                                      <p:cBhvr additive="base">
+                                        <p:cTn id="17" dur="500" fill="hold"/>
+                                        <p:tgtEl>
+                                          <p:spTgt spid="15"/>
+                                        </p:tgtEl>
+                                        <p:attrNameLst>
+                                          <p:attrName>ppt_x</p:attrName>
+                                        </p:attrNameLst>
+                                      </p:cBhvr>
+                                      <p:tavLst>
+                                        <p:tav tm="0">
+                                          <p:val>
+                                            <p:strVal val="#ppt_x"/>
+                                          </p:val>
+                                        </p:tav>
+                                        <p:tav tm="100000">
+                                          <p:val>
+                                            <p:strVal val="#ppt_x"/>
+                                          </p:val>
+                                        </p:tav>
+                                      </p:tavLst>
+                                    </p:anim>
+                                    <p:anim calcmode="lin" valueType="num">
+                                      <p:cBhvr additive="base">
+                                        <p:cTn id="18" dur="500" fill="hold"/>
+                                        <p:tgtEl>
+                                          <p:spTgt spid="15"/>
+                                        </p:tgtEl>
+                                        <p:attrNameLst>
+                                          <p:attrName>ppt_y</p:attrName>
+                                        </p:attrNameLst>
+                                      </p:cBhvr>
+                                      <p:tavLst>
+                                        <p:tav tm="0">
+                                          <p:val>
+                                            <p:strVal val="1+#ppt_h/2"/>
+                                          </p:val>
+                                        </p:tav>
+                                        <p:tav tm="100000">
+                                          <p:val>
+                                            <p:strVal val="#ppt_y"/>
+                                          </p:val>
+                                        </p:tav>
+                                      </p:tavLst>
+                                    </p:anim>
+                                  </p:childTnLst>
+                                </p:cTn>
+                              </p:par>
+                              <p:par>
+                                <p:cTn id="19" presetID="2" presetClass="entr" presetSubtype="4" fill="hold" grpId="0" nodeType="withEffect">
+                                  <p:stCondLst>
+                                    <p:cond delay="0"/>
+                                  </p:stCondLst>
+                                  <p:childTnLst>
+                                    <p:set>
+                                      <p:cBhvr>
+                                        <p:cTn id="20" dur="1" fill="hold">
+                                          <p:stCondLst>
+                                            <p:cond delay="0"/>
+                                          </p:stCondLst>
+                                        </p:cTn>
+                                        <p:tgtEl>
+                                          <p:spTgt spid="14"/>
+                                        </p:tgtEl>
+                                        <p:attrNameLst>
+                                          <p:attrName>style.visibility</p:attrName>
+                                        </p:attrNameLst>
+                                      </p:cBhvr>
+                                      <p:to>
+                                        <p:strVal val="visible"/>
+                                      </p:to>
+                                    </p:set>
+                                    <p:anim calcmode="lin" valueType="num">
+                                      <p:cBhvr additive="base">
+                                        <p:cTn id="21" dur="500" fill="hold"/>
+                                        <p:tgtEl>
+                                          <p:spTgt spid="14"/>
+                                        </p:tgtEl>
+                                        <p:attrNameLst>
+                                          <p:attrName>ppt_x</p:attrName>
+                                        </p:attrNameLst>
+                                      </p:cBhvr>
+                                      <p:tavLst>
+                                        <p:tav tm="0">
+                                          <p:val>
+                                            <p:strVal val="#ppt_x"/>
+                                          </p:val>
+                                        </p:tav>
+                                        <p:tav tm="100000">
+                                          <p:val>
+                                            <p:strVal val="#ppt_x"/>
+                                          </p:val>
+                                        </p:tav>
+                                      </p:tavLst>
+                                    </p:anim>
+                                    <p:anim calcmode="lin" valueType="num">
+                                      <p:cBhvr additive="base">
+                                        <p:cTn id="22" dur="500" fill="hold"/>
+                                        <p:tgtEl>
+                                          <p:spTgt spid="14"/>
+                                        </p:tgtEl>
+                                        <p:attrNameLst>
+                                          <p:attrName>ppt_y</p:attrName>
+                                        </p:attrNameLst>
+                                      </p:cBhvr>
+                                      <p:tavLst>
+                                        <p:tav tm="0">
+                                          <p:val>
+                                            <p:strVal val="1+#ppt_h/2"/>
+                                          </p:val>
+                                        </p:tav>
+                                        <p:tav tm="100000">
+                                          <p:val>
+                                            <p:strVal val="#ppt_y"/>
+                                          </p:val>
+                                        </p:tav>
+                                      </p:tavLst>
+                                    </p:anim>
+                                  </p:childTnLst>
+                                </p:cTn>
+                              </p:par>
+                              <p:par>
+                                <p:cTn id="23" presetID="2" presetClass="entr" presetSubtype="4" fill="hold" grpId="0" nodeType="withEffect">
+                                  <p:stCondLst>
+                                    <p:cond delay="0"/>
+                                  </p:stCondLst>
+                                  <p:childTnLst>
+                                    <p:set>
+                                      <p:cBhvr>
+                                        <p:cTn id="24" dur="1" fill="hold">
+                                          <p:stCondLst>
+                                            <p:cond delay="0"/>
+                                          </p:stCondLst>
+                                        </p:cTn>
+                                        <p:tgtEl>
+                                          <p:spTgt spid="8"/>
+                                        </p:tgtEl>
+                                        <p:attrNameLst>
+                                          <p:attrName>style.visibility</p:attrName>
+                                        </p:attrNameLst>
+                                      </p:cBhvr>
+                                      <p:to>
+                                        <p:strVal val="visible"/>
+                                      </p:to>
+                                    </p:set>
+                                    <p:anim calcmode="lin" valueType="num">
+                                      <p:cBhvr additive="base">
+                                        <p:cTn id="25" dur="500" fill="hold"/>
+                                        <p:tgtEl>
+                                          <p:spTgt spid="8"/>
+                                        </p:tgtEl>
+                                        <p:attrNameLst>
+                                          <p:attrName>ppt_x</p:attrName>
+                                        </p:attrNameLst>
+                                      </p:cBhvr>
+                                      <p:tavLst>
+                                        <p:tav tm="0">
+                                          <p:val>
+                                            <p:strVal val="#ppt_x"/>
+                                          </p:val>
+                                        </p:tav>
+                                        <p:tav tm="100000">
+                                          <p:val>
+                                            <p:strVal val="#ppt_x"/>
+                                          </p:val>
+                                        </p:tav>
+                                      </p:tavLst>
+                                    </p:anim>
+                                    <p:anim calcmode="lin" valueType="num">
+                                      <p:cBhvr additive="base">
+                                        <p:cTn id="26" dur="500" fill="hold"/>
+                                        <p:tgtEl>
+                                          <p:spTgt spid="8"/>
+                                        </p:tgtEl>
+                                        <p:attrNameLst>
+                                          <p:attrName>ppt_y</p:attrName>
+                                        </p:attrNameLst>
+                                      </p:cBhvr>
+                                      <p:tavLst>
+                                        <p:tav tm="0">
+                                          <p:val>
+                                            <p:strVal val="1+#ppt_h/2"/>
+                                          </p:val>
+                                        </p:tav>
+                                        <p:tav tm="100000">
+                                          <p:val>
+                                            <p:strVal val="#ppt_y"/>
+                                          </p:val>
+                                        </p:tav>
+                                      </p:tavLst>
+                                    </p:anim>
+                                  </p:childTnLst>
+                                </p:cTn>
+                              </p:par>
+                              <p:par>
+                                <p:cTn id="27" presetID="2" presetClass="entr" presetSubtype="4" fill="hold" grpId="0" nodeType="withEffect">
+                                  <p:stCondLst>
+                                    <p:cond delay="0"/>
+                                  </p:stCondLst>
+                                  <p:childTnLst>
+                                    <p:set>
+                                      <p:cBhvr>
+                                        <p:cTn id="28" dur="1" fill="hold">
+                                          <p:stCondLst>
+                                            <p:cond delay="0"/>
+                                          </p:stCondLst>
+                                        </p:cTn>
+                                        <p:tgtEl>
+                                          <p:spTgt spid="11"/>
+                                        </p:tgtEl>
+                                        <p:attrNameLst>
+                                          <p:attrName>style.visibility</p:attrName>
+                                        </p:attrNameLst>
+                                      </p:cBhvr>
+                                      <p:to>
+                                        <p:strVal val="visible"/>
+                                      </p:to>
+                                    </p:set>
+                                    <p:anim calcmode="lin" valueType="num">
+                                      <p:cBhvr additive="base">
+                                        <p:cTn id="29" dur="500" fill="hold"/>
+                                        <p:tgtEl>
+                                          <p:spTgt spid="11"/>
+                                        </p:tgtEl>
+                                        <p:attrNameLst>
+                                          <p:attrName>ppt_x</p:attrName>
+                                        </p:attrNameLst>
+                                      </p:cBhvr>
+                                      <p:tavLst>
+                                        <p:tav tm="0">
+                                          <p:val>
+                                            <p:strVal val="#ppt_x"/>
+                                          </p:val>
+                                        </p:tav>
+                                        <p:tav tm="100000">
+                                          <p:val>
+                                            <p:strVal val="#ppt_x"/>
+                                          </p:val>
+                                        </p:tav>
+                                      </p:tavLst>
+                                    </p:anim>
+                                    <p:anim calcmode="lin" valueType="num">
+                                      <p:cBhvr additive="base">
+                                        <p:cTn id="30" dur="500" fill="hold"/>
+                                        <p:tgtEl>
+                                          <p:spTgt spid="11"/>
+                                        </p:tgtEl>
+                                        <p:attrNameLst>
+                                          <p:attrName>ppt_y</p:attrName>
+                                        </p:attrNameLst>
+                                      </p:cBhvr>
+                                      <p:tavLst>
+                                        <p:tav tm="0">
+                                          <p:val>
+                                            <p:strVal val="1+#ppt_h/2"/>
+                                          </p:val>
+                                        </p:tav>
+                                        <p:tav tm="100000">
+                                          <p:val>
+                                            <p:strVal val="#ppt_y"/>
+                                          </p:val>
+                                        </p:tav>
+                                      </p:tavLst>
+                                    </p:anim>
+                                  </p:childTnLst>
+                                </p:cTn>
+                              </p:par>
+                              <p:par>
+                                <p:cTn id="31" presetID="2" presetClass="entr" presetSubtype="4" fill="hold" grpId="0" nodeType="withEffect">
+                                  <p:stCondLst>
+                                    <p:cond delay="0"/>
+                                  </p:stCondLst>
+                                  <p:childTnLst>
+                                    <p:set>
+                                      <p:cBhvr>
+                                        <p:cTn id="32" dur="1" fill="hold">
+                                          <p:stCondLst>
+                                            <p:cond delay="0"/>
+                                          </p:stCondLst>
+                                        </p:cTn>
+                                        <p:tgtEl>
+                                          <p:spTgt spid="13"/>
+                                        </p:tgtEl>
+                                        <p:attrNameLst>
+                                          <p:attrName>style.visibility</p:attrName>
+                                        </p:attrNameLst>
+                                      </p:cBhvr>
+                                      <p:to>
+                                        <p:strVal val="visible"/>
+                                      </p:to>
+                                    </p:set>
+                                    <p:anim calcmode="lin" valueType="num">
+                                      <p:cBhvr additive="base">
+                                        <p:cTn id="33" dur="500" fill="hold"/>
+                                        <p:tgtEl>
+                                          <p:spTgt spid="13"/>
+                                        </p:tgtEl>
+                                        <p:attrNameLst>
+                                          <p:attrName>ppt_x</p:attrName>
+                                        </p:attrNameLst>
+                                      </p:cBhvr>
+                                      <p:tavLst>
+                                        <p:tav tm="0">
+                                          <p:val>
+                                            <p:strVal val="#ppt_x"/>
+                                          </p:val>
+                                        </p:tav>
+                                        <p:tav tm="100000">
+                                          <p:val>
+                                            <p:strVal val="#ppt_x"/>
+                                          </p:val>
+                                        </p:tav>
+                                      </p:tavLst>
+                                    </p:anim>
+                                    <p:anim calcmode="lin" valueType="num">
+                                      <p:cBhvr additive="base">
+                                        <p:cTn id="34" dur="500" fill="hold"/>
+                                        <p:tgtEl>
+                                          <p:spTgt spid="13"/>
+                                        </p:tgtEl>
+                                        <p:attrNameLst>
+                                          <p:attrName>ppt_y</p:attrName>
+                                        </p:attrNameLst>
+                                      </p:cBhvr>
+                                      <p:tavLst>
+                                        <p:tav tm="0">
+                                          <p:val>
+                                            <p:strVal val="1+#ppt_h/2"/>
+                                          </p:val>
+                                        </p:tav>
+                                        <p:tav tm="100000">
+                                          <p:val>
+                                            <p:strVal val="#ppt_y"/>
+                                          </p:val>
+                                        </p:tav>
+                                      </p:tavLst>
+                                    </p:anim>
+                                  </p:childTnLst>
+                                </p:cTn>
+                              </p:par>
+                              <p:par>
+                                <p:cTn id="35" presetID="2" presetClass="entr" presetSubtype="4" fill="hold" grpId="0" nodeType="withEffect">
+                                  <p:stCondLst>
+                                    <p:cond delay="0"/>
+                                  </p:stCondLst>
+                                  <p:childTnLst>
+                                    <p:set>
+                                      <p:cBhvr>
+                                        <p:cTn id="36" dur="1" fill="hold">
+                                          <p:stCondLst>
+                                            <p:cond delay="0"/>
+                                          </p:stCondLst>
+                                        </p:cTn>
+                                        <p:tgtEl>
+                                          <p:spTgt spid="7"/>
+                                        </p:tgtEl>
+                                        <p:attrNameLst>
+                                          <p:attrName>style.visibility</p:attrName>
+                                        </p:attrNameLst>
+                                      </p:cBhvr>
+                                      <p:to>
+                                        <p:strVal val="visible"/>
+                                      </p:to>
+                                    </p:set>
+                                    <p:anim calcmode="lin" valueType="num">
+                                      <p:cBhvr additive="base">
+                                        <p:cTn id="37" dur="500" fill="hold"/>
+                                        <p:tgtEl>
+                                          <p:spTgt spid="7"/>
+                                        </p:tgtEl>
+                                        <p:attrNameLst>
+                                          <p:attrName>ppt_x</p:attrName>
+                                        </p:attrNameLst>
+                                      </p:cBhvr>
+                                      <p:tavLst>
+                                        <p:tav tm="0">
+                                          <p:val>
+                                            <p:strVal val="#ppt_x"/>
+                                          </p:val>
+                                        </p:tav>
+                                        <p:tav tm="100000">
+                                          <p:val>
+                                            <p:strVal val="#ppt_x"/>
+                                          </p:val>
+                                        </p:tav>
+                                      </p:tavLst>
+                                    </p:anim>
+                                    <p:anim calcmode="lin" valueType="num">
+                                      <p:cBhvr additive="base">
+                                        <p:cTn id="38" dur="500" fill="hold"/>
+                                        <p:tgtEl>
+                                          <p:spTgt spid="7"/>
+                                        </p:tgtEl>
+                                        <p:attrNameLst>
+                                          <p:attrName>ppt_y</p:attrName>
+                                        </p:attrNameLst>
+                                      </p:cBhvr>
+                                      <p:tavLst>
+                                        <p:tav tm="0">
+                                          <p:val>
+                                            <p:strVal val="1+#ppt_h/2"/>
+                                          </p:val>
+                                        </p:tav>
+                                        <p:tav tm="100000">
+                                          <p:val>
+                                            <p:strVal val="#ppt_y"/>
+                                          </p:val>
+                                        </p:tav>
+                                      </p:tavLst>
+                                    </p:anim>
+                                  </p:childTnLst>
+                                </p:cTn>
+                              </p:par>
+                            </p:childTnLst>
+                          </p:cTn>
+                        </p:par>
+                      </p:childTnLst>
+                    </p:cTn>
+                  </p:par>
+                  <p:par>
+                    <p:cTn id="39" fill="hold">
+                      <p:stCondLst>
+                        <p:cond delay="indefinite"/>
+                      </p:stCondLst>
+                      <p:childTnLst>
+                        <p:par>
+                          <p:cTn id="40" fill="hold">
+                            <p:stCondLst>
+                              <p:cond delay="0"/>
+                            </p:stCondLst>
+                            <p:childTnLst>
+                              <p:par>
+                                <p:cTn id="41" presetID="2" presetClass="entr" presetSubtype="4" fill="hold" grpId="0" nodeType="clickEffect">
+                                  <p:stCondLst>
+                                    <p:cond delay="0"/>
+                                  </p:stCondLst>
+                                  <p:childTnLst>
+                                    <p:set>
+                                      <p:cBhvr>
+                                        <p:cTn id="42" dur="1" fill="hold">
+                                          <p:stCondLst>
+                                            <p:cond delay="0"/>
+                                          </p:stCondLst>
+                                        </p:cTn>
+                                        <p:tgtEl>
+                                          <p:spTgt spid="19"/>
+                                        </p:tgtEl>
+                                        <p:attrNameLst>
+                                          <p:attrName>style.visibility</p:attrName>
+                                        </p:attrNameLst>
+                                      </p:cBhvr>
+                                      <p:to>
+                                        <p:strVal val="visible"/>
+                                      </p:to>
+                                    </p:set>
+                                    <p:anim calcmode="lin" valueType="num">
+                                      <p:cBhvr additive="base">
+                                        <p:cTn id="43" dur="500" fill="hold"/>
+                                        <p:tgtEl>
+                                          <p:spTgt spid="19"/>
+                                        </p:tgtEl>
+                                        <p:attrNameLst>
+                                          <p:attrName>ppt_x</p:attrName>
+                                        </p:attrNameLst>
+                                      </p:cBhvr>
+                                      <p:tavLst>
+                                        <p:tav tm="0">
+                                          <p:val>
+                                            <p:strVal val="#ppt_x"/>
+                                          </p:val>
+                                        </p:tav>
+                                        <p:tav tm="100000">
+                                          <p:val>
+                                            <p:strVal val="#ppt_x"/>
+                                          </p:val>
+                                        </p:tav>
+                                      </p:tavLst>
+                                    </p:anim>
+                                    <p:anim calcmode="lin" valueType="num">
+                                      <p:cBhvr additive="base">
+                                        <p:cTn id="44" dur="500" fill="hold"/>
+                                        <p:tgtEl>
+                                          <p:spTgt spid="19"/>
+                                        </p:tgtEl>
+                                        <p:attrNameLst>
+                                          <p:attrName>ppt_y</p:attrName>
+                                        </p:attrNameLst>
+                                      </p:cBhvr>
+                                      <p:tavLst>
+                                        <p:tav tm="0">
+                                          <p:val>
+                                            <p:strVal val="1+#ppt_h/2"/>
+                                          </p:val>
+                                        </p:tav>
+                                        <p:tav tm="100000">
+                                          <p:val>
+                                            <p:strVal val="#ppt_y"/>
+                                          </p:val>
+                                        </p:tav>
+                                      </p:tavLst>
+                                    </p:anim>
+                                  </p:childTnLst>
+                                </p:cTn>
+                              </p:par>
+                            </p:childTnLst>
+                          </p:cTn>
+                        </p:par>
+                      </p:childTnLst>
+                    </p:cTn>
+                  </p:par>
+                  <p:par>
+                    <p:cTn id="45" fill="hold">
+                      <p:stCondLst>
+                        <p:cond delay="indefinite"/>
+                      </p:stCondLst>
+                      <p:childTnLst>
+                        <p:par>
+                          <p:cTn id="46" fill="hold">
+                            <p:stCondLst>
+                              <p:cond delay="0"/>
+                            </p:stCondLst>
+                            <p:childTnLst>
+                              <p:par>
+                                <p:cTn id="47" presetID="42" presetClass="entr" presetSubtype="0" fill="hold" nodeType="clickEffect">
+                                  <p:stCondLst>
+                                    <p:cond delay="0"/>
+                                  </p:stCondLst>
+                                  <p:childTnLst>
+                                    <p:set>
+                                      <p:cBhvr>
+                                        <p:cTn id="48" dur="1" fill="hold">
+                                          <p:stCondLst>
+                                            <p:cond delay="0"/>
+                                          </p:stCondLst>
+                                        </p:cTn>
+                                        <p:tgtEl>
+                                          <p:spTgt spid="20">
+                                            <p:txEl>
+                                              <p:pRg st="0" end="0"/>
+                                            </p:txEl>
+                                          </p:spTgt>
+                                        </p:tgtEl>
+                                        <p:attrNameLst>
+                                          <p:attrName>style.visibility</p:attrName>
+                                        </p:attrNameLst>
+                                      </p:cBhvr>
+                                      <p:to>
+                                        <p:strVal val="visible"/>
+                                      </p:to>
+                                    </p:set>
+                                    <p:animEffect transition="in" filter="fade">
+                                      <p:cBhvr>
+                                        <p:cTn id="49" dur="1000"/>
+                                        <p:tgtEl>
+                                          <p:spTgt spid="20">
+                                            <p:txEl>
+                                              <p:pRg st="0" end="0"/>
+                                            </p:txEl>
+                                          </p:spTgt>
+                                        </p:tgtEl>
+                                      </p:cBhvr>
+                                    </p:animEffect>
+                                    <p:anim calcmode="lin" valueType="num">
+                                      <p:cBhvr>
+                                        <p:cTn id="50" dur="1000" fill="hold"/>
+                                        <p:tgtEl>
+                                          <p:spTgt spid="20">
+                                            <p:txEl>
+                                              <p:pRg st="0" end="0"/>
+                                            </p:txEl>
+                                          </p:spTgt>
+                                        </p:tgtEl>
+                                        <p:attrNameLst>
+                                          <p:attrName>ppt_x</p:attrName>
+                                        </p:attrNameLst>
+                                      </p:cBhvr>
+                                      <p:tavLst>
+                                        <p:tav tm="0">
+                                          <p:val>
+                                            <p:strVal val="#ppt_x"/>
+                                          </p:val>
+                                        </p:tav>
+                                        <p:tav tm="100000">
+                                          <p:val>
+                                            <p:strVal val="#ppt_x"/>
+                                          </p:val>
+                                        </p:tav>
+                                      </p:tavLst>
+                                    </p:anim>
+                                    <p:anim calcmode="lin" valueType="num">
+                                      <p:cBhvr>
+                                        <p:cTn id="51" dur="1000" fill="hold"/>
+                                        <p:tgtEl>
+                                          <p:spTgt spid="20">
+                                            <p:txEl>
+                                              <p:pRg st="0" end="0"/>
+                                            </p:txEl>
+                                          </p:spTgt>
+                                        </p:tgtEl>
+                                        <p:attrNameLst>
+                                          <p:attrName>ppt_y</p:attrName>
+                                        </p:attrNameLst>
+                                      </p:cBhvr>
+                                      <p:tavLst>
+                                        <p:tav tm="0">
+                                          <p:val>
+                                            <p:strVal val="#ppt_y+.1"/>
+                                          </p:val>
+                                        </p:tav>
+                                        <p:tav tm="100000">
+                                          <p:val>
+                                            <p:strVal val="#ppt_y"/>
+                                          </p:val>
+                                        </p:tav>
+                                      </p:tavLst>
+                                    </p:anim>
+                                  </p:childTnLst>
+                                </p:cTn>
+                              </p:par>
+                            </p:childTnLst>
+                          </p:cTn>
+                        </p:par>
+                      </p:childTnLst>
+                    </p:cTn>
+                  </p:par>
+                </p:childTnLst>
+              </p:cTn>
+              <p:prevCondLst>
+                <p:cond evt="onPrev" delay="0">
+                  <p:tgtEl>
+                    <p:sldTgt/>
+                  </p:tgtEl>
+                </p:cond>
+              </p:prevCondLst>
+              <p:nextCondLst>
+                <p:cond evt="onNext" delay="0">
+                  <p:tgtEl>
+                    <p:sldTgt/>
+                  </p:tgtEl>
+                </p:cond>
+              </p:nextCondLst>
+            </p:seq>
+          </p:childTnLst>
+        </p:cTn>
+      </p:par>
+    </p:tnLst>
+    <p:bldLst>
+      <p:bldP spid="7" grpId="0" animBg="1"/>
+      <p:bldP spid="8" grpId="0" animBg="1"/>
+      <p:bldP spid="11" grpId="0"/>
+      <p:bldP spid="13" grpId="0" animBg="1"/>
+      <p:bldP spid="14" grpId="0"/>
+      <p:bldP spid="15" grpId="0" animBg="1"/>
+      <p:bldP spid="16" grpId="0"/>
+      <p:bldP spid="19" grpId="0"/>
+    </p:bldLst>
+  </p:timing>
+</p:sld>
+</file>
+
+<file path=ppt/slides/slide5.xml><?xml version="1.0" encoding="utf-8"?>
+<p:sld xmlns:a="http://schemas.openxmlformats.org/drawingml/2006/main" xmlns:r="http://schemas.openxmlformats.org/officeDocument/2006/relationships" xmlns:p="http://schemas.openxmlformats.org/presentationml/2006/main">
+  <p:cSld>
+    <p:spTree>
+      <p:nvGrpSpPr>
+        <p:cNvPr id="1" name=""/>
+        <p:cNvGrpSpPr/>
+        <p:nvPr/>
+      </p:nvGrpSpPr>
+      <p:grpSpPr>
+        <a:xfrm>
+          <a:off x="0" y="0"/>
+          <a:ext cx="0" cy="0"/>
+          <a:chOff x="0" y="0"/>
+          <a:chExt cx="0" cy="0"/>
+        </a:xfrm>
+      </p:grpSpPr>
+      <p:sp>
+        <p:nvSpPr>
+          <p:cNvPr id="3" name="标题 1"/>
+          <p:cNvSpPr>
+            <a:spLocks noGrp="1"/>
+          </p:cNvSpPr>
+          <p:nvPr>
+            <p:ph type="title"/>
+          </p:nvPr>
+        </p:nvSpPr>
+        <p:spPr>
+          <a:xfrm>
+            <a:off x="457200" y="274638"/>
+            <a:ext cx="8229600" cy="715962"/>
+          </a:xfrm>
+        </p:spPr>
+        <p:txBody>
+          <a:bodyPr/>
+          <a:lstStyle/>
+          <a:p>
+            <a:r>
+              <a:rPr lang="zh-CN" altLang="en-US" sz="3600" dirty="0" smtClean="0">
+                <a:solidFill>
+                  <a:srgbClr val="E46C0A"/>
+                </a:solidFill>
+                <a:latin typeface="微软雅黑" panose="020B0503020204020204" pitchFamily="34" charset="-122"/>
+                <a:ea typeface="微软雅黑" panose="020B0503020204020204" pitchFamily="34" charset="-122"/>
+              </a:rPr>
+              <a:t>案例：最好的交通工具</a:t>
+            </a:r>
+            <a:endParaRPr lang="zh-CN" altLang="en-US" sz="3600" dirty="0">
+              <a:solidFill>
+                <a:srgbClr val="E46C0A"/>
+              </a:solidFill>
+              <a:latin typeface="微软雅黑" panose="020B0503020204020204" pitchFamily="34" charset="-122"/>
+              <a:ea typeface="微软雅黑" panose="020B0503020204020204" pitchFamily="34" charset="-122"/>
+            </a:endParaRPr>
+          </a:p>
+        </p:txBody>
+      </p:sp>
+    </p:spTree>
+    <p:extLst>
+      <p:ext uri="{BB962C8B-B14F-4D97-AF65-F5344CB8AC3E}">
+        <p14:creationId xmlns:p14="http://schemas.microsoft.com/office/powerpoint/2010/main" val="795236271"/>
       </p:ext>
     </p:extLst>
   </p:cSld>
@@ -4789,7 +7635,731 @@
 </p:sld>
 </file>
 
-<file path=ppt/slides/slide5.xml><?xml version="1.0" encoding="utf-8"?>
+<file path=ppt/slides/slide6.xml><?xml version="1.0" encoding="utf-8"?>
+<p:sld xmlns:a="http://schemas.openxmlformats.org/drawingml/2006/main" xmlns:r="http://schemas.openxmlformats.org/officeDocument/2006/relationships" xmlns:p="http://schemas.openxmlformats.org/presentationml/2006/main">
+  <p:cSld>
+    <p:spTree>
+      <p:nvGrpSpPr>
+        <p:cNvPr id="1" name=""/>
+        <p:cNvGrpSpPr/>
+        <p:nvPr/>
+      </p:nvGrpSpPr>
+      <p:grpSpPr>
+        <a:xfrm>
+          <a:off x="0" y="0"/>
+          <a:ext cx="0" cy="0"/>
+          <a:chOff x="0" y="0"/>
+          <a:chExt cx="0" cy="0"/>
+        </a:xfrm>
+      </p:grpSpPr>
+      <p:sp>
+        <p:nvSpPr>
+          <p:cNvPr id="3" name="标题 1"/>
+          <p:cNvSpPr>
+            <a:spLocks noGrp="1"/>
+          </p:cNvSpPr>
+          <p:nvPr>
+            <p:ph type="title"/>
+          </p:nvPr>
+        </p:nvSpPr>
+        <p:spPr>
+          <a:xfrm>
+            <a:off x="457200" y="274638"/>
+            <a:ext cx="8229600" cy="715962"/>
+          </a:xfrm>
+        </p:spPr>
+        <p:txBody>
+          <a:bodyPr/>
+          <a:lstStyle/>
+          <a:p>
+            <a:r>
+              <a:rPr lang="zh-CN" altLang="en-US" sz="3600" dirty="0" smtClean="0">
+                <a:solidFill>
+                  <a:srgbClr val="E46C0A"/>
+                </a:solidFill>
+                <a:latin typeface="微软雅黑" panose="020B0503020204020204" pitchFamily="34" charset="-122"/>
+                <a:ea typeface="微软雅黑" panose="020B0503020204020204" pitchFamily="34" charset="-122"/>
+              </a:rPr>
+              <a:t>总结</a:t>
+            </a:r>
+            <a:endParaRPr lang="zh-CN" altLang="en-US" sz="3600" dirty="0">
+              <a:solidFill>
+                <a:srgbClr val="E46C0A"/>
+              </a:solidFill>
+              <a:latin typeface="微软雅黑" panose="020B0503020204020204" pitchFamily="34" charset="-122"/>
+              <a:ea typeface="微软雅黑" panose="020B0503020204020204" pitchFamily="34" charset="-122"/>
+            </a:endParaRPr>
+          </a:p>
+        </p:txBody>
+      </p:sp>
+      <p:graphicFrame>
+        <p:nvGraphicFramePr>
+          <p:cNvPr id="2" name="表格 1"/>
+          <p:cNvGraphicFramePr>
+            <a:graphicFrameLocks noGrp="1"/>
+          </p:cNvGraphicFramePr>
+          <p:nvPr>
+            <p:extLst>
+              <p:ext uri="{D42A27DB-BD31-4B8C-83A1-F6EECF244321}">
+                <p14:modId xmlns:p14="http://schemas.microsoft.com/office/powerpoint/2010/main" val="940138828"/>
+              </p:ext>
+            </p:extLst>
+          </p:nvPr>
+        </p:nvGraphicFramePr>
+        <p:xfrm>
+          <a:off x="152400" y="1415627"/>
+          <a:ext cx="8686800" cy="2834640"/>
+        </p:xfrm>
+        <a:graphic>
+          <a:graphicData uri="http://schemas.openxmlformats.org/drawingml/2006/table">
+            <a:tbl>
+              <a:tblPr firstRow="1" bandRow="1">
+                <a:tableStyleId>{5C22544A-7EE6-4342-B048-85BDC9FD1C3A}</a:tableStyleId>
+              </a:tblPr>
+              <a:tblGrid>
+                <a:gridCol w="2057400"/>
+                <a:gridCol w="3402874"/>
+                <a:gridCol w="3226526"/>
+              </a:tblGrid>
+              <a:tr h="0">
+                <a:tc>
+                  <a:txBody>
+                    <a:bodyPr/>
+                    <a:lstStyle/>
+                    <a:p>
+                      <a:pPr algn="ctr"/>
+                      <a:r>
+                        <a:rPr lang="zh-CN" altLang="en-US" dirty="0" smtClean="0"/>
+                        <a:t>特点</a:t>
+                      </a:r>
+                      <a:endParaRPr lang="zh-CN" altLang="en-US" dirty="0"/>
+                    </a:p>
+                  </a:txBody>
+                  <a:tcPr/>
+                </a:tc>
+                <a:tc>
+                  <a:txBody>
+                    <a:bodyPr/>
+                    <a:lstStyle/>
+                    <a:p>
+                      <a:pPr algn="ctr"/>
+                      <a:r>
+                        <a:rPr lang="zh-CN" altLang="en-US" dirty="0" smtClean="0"/>
+                        <a:t>优点</a:t>
+                      </a:r>
+                      <a:endParaRPr lang="zh-CN" altLang="en-US" dirty="0"/>
+                    </a:p>
+                  </a:txBody>
+                  <a:tcPr/>
+                </a:tc>
+                <a:tc>
+                  <a:txBody>
+                    <a:bodyPr/>
+                    <a:lstStyle/>
+                    <a:p>
+                      <a:pPr algn="ctr"/>
+                      <a:r>
+                        <a:rPr lang="zh-CN" altLang="en-US" dirty="0" smtClean="0"/>
+                        <a:t>不足</a:t>
+                      </a:r>
+                      <a:endParaRPr lang="zh-CN" altLang="en-US" dirty="0"/>
+                    </a:p>
+                  </a:txBody>
+                  <a:tcPr/>
+                </a:tc>
+              </a:tr>
+              <a:tr h="465667">
+                <a:tc>
+                  <a:txBody>
+                    <a:bodyPr/>
+                    <a:lstStyle/>
+                    <a:p>
+                      <a:r>
+                        <a:rPr lang="zh-CN" altLang="en-US" dirty="0" smtClean="0"/>
+                        <a:t>重视文档</a:t>
+                      </a:r>
+                      <a:endParaRPr lang="zh-CN" altLang="en-US" dirty="0"/>
+                    </a:p>
+                  </a:txBody>
+                  <a:tcPr/>
+                </a:tc>
+                <a:tc>
+                  <a:txBody>
+                    <a:bodyPr/>
+                    <a:lstStyle/>
+                    <a:p>
+                      <a:r>
+                        <a:rPr lang="zh-CN" altLang="en-US" dirty="0" smtClean="0"/>
+                        <a:t>便于后续维护</a:t>
+                      </a:r>
+                      <a:endParaRPr lang="zh-CN" altLang="en-US" dirty="0"/>
+                    </a:p>
+                  </a:txBody>
+                  <a:tcPr/>
+                </a:tc>
+                <a:tc>
+                  <a:txBody>
+                    <a:bodyPr/>
+                    <a:lstStyle/>
+                    <a:p>
+                      <a:r>
+                        <a:rPr lang="zh-CN" altLang="en-US" dirty="0" smtClean="0"/>
+                        <a:t>更改软件，意味着文档也要随着更新，带来时间成本上的消耗。</a:t>
+                      </a:r>
+                      <a:endParaRPr lang="zh-CN" altLang="en-US" dirty="0"/>
+                    </a:p>
+                  </a:txBody>
+                  <a:tcPr/>
+                </a:tc>
+              </a:tr>
+              <a:tr h="465667">
+                <a:tc>
+                  <a:txBody>
+                    <a:bodyPr/>
+                    <a:lstStyle/>
+                    <a:p>
+                      <a:pPr marL="0" marR="0" indent="0" algn="l" defTabSz="457200" rtl="0" eaLnBrk="1" fontAlgn="auto" latinLnBrk="0" hangingPunct="1">
+                        <a:lnSpc>
+                          <a:spcPct val="100000"/>
+                        </a:lnSpc>
+                        <a:spcBef>
+                          <a:spcPts val="0"/>
+                        </a:spcBef>
+                        <a:spcAft>
+                          <a:spcPts val="0"/>
+                        </a:spcAft>
+                        <a:buClrTx/>
+                        <a:buSzTx/>
+                        <a:buFontTx/>
+                        <a:buNone/>
+                        <a:tabLst/>
+                        <a:defRPr/>
+                      </a:pPr>
+                      <a:r>
+                        <a:rPr lang="zh-CN" altLang="en-US" dirty="0" smtClean="0"/>
+                        <a:t>规范，清晰的流程</a:t>
+                      </a:r>
+                    </a:p>
+                  </a:txBody>
+                  <a:tcPr/>
+                </a:tc>
+                <a:tc>
+                  <a:txBody>
+                    <a:bodyPr/>
+                    <a:lstStyle/>
+                    <a:p>
+                      <a:r>
+                        <a:rPr lang="zh-CN" altLang="en-US" dirty="0" smtClean="0"/>
+                        <a:t>角色分工明确，便于管理</a:t>
+                      </a:r>
+                      <a:endParaRPr lang="zh-CN" altLang="en-US" dirty="0"/>
+                    </a:p>
+                  </a:txBody>
+                  <a:tcPr/>
+                </a:tc>
+                <a:tc>
+                  <a:txBody>
+                    <a:bodyPr/>
+                    <a:lstStyle/>
+                    <a:p>
+                      <a:r>
+                        <a:rPr lang="zh-CN" altLang="en-US" dirty="0" smtClean="0"/>
+                        <a:t>积极主动性不高，各自完成自己的部分。</a:t>
+                      </a:r>
+                      <a:endParaRPr lang="zh-CN" altLang="en-US" dirty="0"/>
+                    </a:p>
+                  </a:txBody>
+                  <a:tcPr/>
+                </a:tc>
+              </a:tr>
+              <a:tr h="465667">
+                <a:tc>
+                  <a:txBody>
+                    <a:bodyPr/>
+                    <a:lstStyle/>
+                    <a:p>
+                      <a:pPr marL="0" marR="0" indent="0" algn="l" defTabSz="457200" rtl="0" eaLnBrk="1" fontAlgn="auto" latinLnBrk="0" hangingPunct="1">
+                        <a:lnSpc>
+                          <a:spcPct val="100000"/>
+                        </a:lnSpc>
+                        <a:spcBef>
+                          <a:spcPts val="0"/>
+                        </a:spcBef>
+                        <a:spcAft>
+                          <a:spcPts val="0"/>
+                        </a:spcAft>
+                        <a:buClrTx/>
+                        <a:buSzTx/>
+                        <a:buFontTx/>
+                        <a:buNone/>
+                        <a:tabLst/>
+                        <a:defRPr/>
+                      </a:pPr>
+                      <a:endParaRPr lang="zh-CN" altLang="en-US" dirty="0" smtClean="0"/>
+                    </a:p>
+                  </a:txBody>
+                  <a:tcPr/>
+                </a:tc>
+                <a:tc>
+                  <a:txBody>
+                    <a:bodyPr/>
+                    <a:lstStyle/>
+                    <a:p>
+                      <a:r>
+                        <a:rPr lang="zh-CN" altLang="en-US" dirty="0" smtClean="0"/>
+                        <a:t>设计，需求稳定时就像一台有条不紊运行的机器，效率，质量都非常高</a:t>
+                      </a:r>
+                      <a:endParaRPr lang="zh-CN" altLang="en-US" dirty="0"/>
+                    </a:p>
+                  </a:txBody>
+                  <a:tcPr/>
+                </a:tc>
+                <a:tc>
+                  <a:txBody>
+                    <a:bodyPr/>
+                    <a:lstStyle/>
+                    <a:p>
+                      <a:r>
+                        <a:rPr lang="zh-CN" altLang="en-US" dirty="0" smtClean="0"/>
+                        <a:t>由于其不可回溯特点，很难应付需求的变更，对设计者的要求较高。</a:t>
+                      </a:r>
+                      <a:endParaRPr lang="zh-CN" altLang="en-US" dirty="0"/>
+                    </a:p>
+                  </a:txBody>
+                  <a:tcPr/>
+                </a:tc>
+              </a:tr>
+            </a:tbl>
+          </a:graphicData>
+        </a:graphic>
+      </p:graphicFrame>
+    </p:spTree>
+    <p:extLst>
+      <p:ext uri="{BB962C8B-B14F-4D97-AF65-F5344CB8AC3E}">
+        <p14:creationId xmlns:p14="http://schemas.microsoft.com/office/powerpoint/2010/main" val="2694905177"/>
+      </p:ext>
+    </p:extLst>
+  </p:cSld>
+  <p:clrMapOvr>
+    <a:masterClrMapping/>
+  </p:clrMapOvr>
+  <p:transition/>
+  <p:timing>
+    <p:tnLst>
+      <p:par>
+        <p:cTn id="1" dur="indefinite" restart="never" nodeType="tmRoot"/>
+      </p:par>
+    </p:tnLst>
+  </p:timing>
+</p:sld>
+</file>
+
+<file path=ppt/slides/slide7.xml><?xml version="1.0" encoding="utf-8"?>
+<p:sld xmlns:a="http://schemas.openxmlformats.org/drawingml/2006/main" xmlns:r="http://schemas.openxmlformats.org/officeDocument/2006/relationships" xmlns:p="http://schemas.openxmlformats.org/presentationml/2006/main">
+  <p:cSld>
+    <p:spTree>
+      <p:nvGrpSpPr>
+        <p:cNvPr id="1" name=""/>
+        <p:cNvGrpSpPr/>
+        <p:nvPr/>
+      </p:nvGrpSpPr>
+      <p:grpSpPr>
+        <a:xfrm>
+          <a:off x="0" y="0"/>
+          <a:ext cx="0" cy="0"/>
+          <a:chOff x="0" y="0"/>
+          <a:chExt cx="0" cy="0"/>
+        </a:xfrm>
+      </p:grpSpPr>
+      <p:sp>
+        <p:nvSpPr>
+          <p:cNvPr id="3" name="标题 1"/>
+          <p:cNvSpPr>
+            <a:spLocks noGrp="1"/>
+          </p:cNvSpPr>
+          <p:nvPr>
+            <p:ph type="title"/>
+          </p:nvPr>
+        </p:nvSpPr>
+        <p:spPr>
+          <a:xfrm>
+            <a:off x="457200" y="274638"/>
+            <a:ext cx="8229600" cy="715962"/>
+          </a:xfrm>
+        </p:spPr>
+        <p:txBody>
+          <a:bodyPr/>
+          <a:lstStyle/>
+          <a:p>
+            <a:r>
+              <a:rPr lang="zh-CN" altLang="en-US" sz="3600" dirty="0" smtClean="0">
+                <a:solidFill>
+                  <a:srgbClr val="E46C0A"/>
+                </a:solidFill>
+                <a:latin typeface="微软雅黑" panose="020B0503020204020204" pitchFamily="34" charset="-122"/>
+                <a:ea typeface="微软雅黑" panose="020B0503020204020204" pitchFamily="34" charset="-122"/>
+              </a:rPr>
+              <a:t>总结</a:t>
+            </a:r>
+            <a:endParaRPr lang="zh-CN" altLang="en-US" sz="3600" dirty="0">
+              <a:solidFill>
+                <a:srgbClr val="E46C0A"/>
+              </a:solidFill>
+              <a:latin typeface="微软雅黑" panose="020B0503020204020204" pitchFamily="34" charset="-122"/>
+              <a:ea typeface="微软雅黑" panose="020B0503020204020204" pitchFamily="34" charset="-122"/>
+            </a:endParaRPr>
+          </a:p>
+        </p:txBody>
+      </p:sp>
+      <p:graphicFrame>
+        <p:nvGraphicFramePr>
+          <p:cNvPr id="2" name="表格 1"/>
+          <p:cNvGraphicFramePr>
+            <a:graphicFrameLocks noGrp="1"/>
+          </p:cNvGraphicFramePr>
+          <p:nvPr>
+            <p:extLst>
+              <p:ext uri="{D42A27DB-BD31-4B8C-83A1-F6EECF244321}">
+                <p14:modId xmlns:p14="http://schemas.microsoft.com/office/powerpoint/2010/main" val="1199547275"/>
+              </p:ext>
+            </p:extLst>
+          </p:nvPr>
+        </p:nvGraphicFramePr>
+        <p:xfrm>
+          <a:off x="152400" y="1415627"/>
+          <a:ext cx="8686800" cy="2834640"/>
+        </p:xfrm>
+        <a:graphic>
+          <a:graphicData uri="http://schemas.openxmlformats.org/drawingml/2006/table">
+            <a:tbl>
+              <a:tblPr firstRow="1" bandRow="1">
+                <a:tableStyleId>{5C22544A-7EE6-4342-B048-85BDC9FD1C3A}</a:tableStyleId>
+              </a:tblPr>
+              <a:tblGrid>
+                <a:gridCol w="2057400"/>
+                <a:gridCol w="3402874"/>
+                <a:gridCol w="3226526"/>
+              </a:tblGrid>
+              <a:tr h="0">
+                <a:tc>
+                  <a:txBody>
+                    <a:bodyPr/>
+                    <a:lstStyle/>
+                    <a:p>
+                      <a:pPr algn="ctr"/>
+                      <a:r>
+                        <a:rPr lang="zh-CN" altLang="en-US" dirty="0" smtClean="0"/>
+                        <a:t>特点</a:t>
+                      </a:r>
+                      <a:endParaRPr lang="zh-CN" altLang="en-US" dirty="0"/>
+                    </a:p>
+                  </a:txBody>
+                  <a:tcPr/>
+                </a:tc>
+                <a:tc>
+                  <a:txBody>
+                    <a:bodyPr/>
+                    <a:lstStyle/>
+                    <a:p>
+                      <a:pPr algn="ctr"/>
+                      <a:r>
+                        <a:rPr lang="zh-CN" altLang="en-US" dirty="0" smtClean="0"/>
+                        <a:t>优点</a:t>
+                      </a:r>
+                      <a:endParaRPr lang="zh-CN" altLang="en-US" dirty="0"/>
+                    </a:p>
+                  </a:txBody>
+                  <a:tcPr/>
+                </a:tc>
+                <a:tc>
+                  <a:txBody>
+                    <a:bodyPr/>
+                    <a:lstStyle/>
+                    <a:p>
+                      <a:pPr algn="ctr"/>
+                      <a:r>
+                        <a:rPr lang="zh-CN" altLang="en-US" dirty="0" smtClean="0"/>
+                        <a:t>不足</a:t>
+                      </a:r>
+                      <a:endParaRPr lang="zh-CN" altLang="en-US" dirty="0"/>
+                    </a:p>
+                  </a:txBody>
+                  <a:tcPr/>
+                </a:tc>
+              </a:tr>
+              <a:tr h="465667">
+                <a:tc>
+                  <a:txBody>
+                    <a:bodyPr/>
+                    <a:lstStyle/>
+                    <a:p>
+                      <a:r>
+                        <a:rPr lang="zh-CN" altLang="en-US" dirty="0" smtClean="0"/>
+                        <a:t>重视文档</a:t>
+                      </a:r>
+                      <a:endParaRPr lang="zh-CN" altLang="en-US" dirty="0"/>
+                    </a:p>
+                  </a:txBody>
+                  <a:tcPr/>
+                </a:tc>
+                <a:tc>
+                  <a:txBody>
+                    <a:bodyPr/>
+                    <a:lstStyle/>
+                    <a:p>
+                      <a:r>
+                        <a:rPr lang="zh-CN" altLang="en-US" dirty="0" smtClean="0"/>
+                        <a:t>便于后续维护</a:t>
+                      </a:r>
+                      <a:endParaRPr lang="zh-CN" altLang="en-US" dirty="0"/>
+                    </a:p>
+                  </a:txBody>
+                  <a:tcPr/>
+                </a:tc>
+                <a:tc>
+                  <a:txBody>
+                    <a:bodyPr/>
+                    <a:lstStyle/>
+                    <a:p>
+                      <a:r>
+                        <a:rPr lang="zh-CN" altLang="en-US" dirty="0" smtClean="0"/>
+                        <a:t>更改软件，意味着文档也要随着更新，带来时间成本上的消耗。</a:t>
+                      </a:r>
+                      <a:endParaRPr lang="zh-CN" altLang="en-US" dirty="0"/>
+                    </a:p>
+                  </a:txBody>
+                  <a:tcPr/>
+                </a:tc>
+              </a:tr>
+              <a:tr h="465667">
+                <a:tc>
+                  <a:txBody>
+                    <a:bodyPr/>
+                    <a:lstStyle/>
+                    <a:p>
+                      <a:pPr marL="0" marR="0" indent="0" algn="l" defTabSz="457200" rtl="0" eaLnBrk="1" fontAlgn="auto" latinLnBrk="0" hangingPunct="1">
+                        <a:lnSpc>
+                          <a:spcPct val="100000"/>
+                        </a:lnSpc>
+                        <a:spcBef>
+                          <a:spcPts val="0"/>
+                        </a:spcBef>
+                        <a:spcAft>
+                          <a:spcPts val="0"/>
+                        </a:spcAft>
+                        <a:buClrTx/>
+                        <a:buSzTx/>
+                        <a:buFontTx/>
+                        <a:buNone/>
+                        <a:tabLst/>
+                        <a:defRPr/>
+                      </a:pPr>
+                      <a:r>
+                        <a:rPr lang="zh-CN" altLang="en-US" dirty="0" smtClean="0"/>
+                        <a:t>规范，清晰的流程</a:t>
+                      </a:r>
+                    </a:p>
+                  </a:txBody>
+                  <a:tcPr/>
+                </a:tc>
+                <a:tc>
+                  <a:txBody>
+                    <a:bodyPr/>
+                    <a:lstStyle/>
+                    <a:p>
+                      <a:r>
+                        <a:rPr lang="zh-CN" altLang="en-US" dirty="0" smtClean="0"/>
+                        <a:t>角色分工明确，便于管理</a:t>
+                      </a:r>
+                      <a:endParaRPr lang="zh-CN" altLang="en-US" dirty="0"/>
+                    </a:p>
+                  </a:txBody>
+                  <a:tcPr/>
+                </a:tc>
+                <a:tc>
+                  <a:txBody>
+                    <a:bodyPr/>
+                    <a:lstStyle/>
+                    <a:p>
+                      <a:r>
+                        <a:rPr lang="zh-CN" altLang="en-US" dirty="0" smtClean="0"/>
+                        <a:t>积极主动性不高，各自完成自己的部分。</a:t>
+                      </a:r>
+                      <a:endParaRPr lang="zh-CN" altLang="en-US" dirty="0"/>
+                    </a:p>
+                  </a:txBody>
+                  <a:tcPr/>
+                </a:tc>
+              </a:tr>
+              <a:tr h="465667">
+                <a:tc>
+                  <a:txBody>
+                    <a:bodyPr/>
+                    <a:lstStyle/>
+                    <a:p>
+                      <a:pPr marL="0" marR="0" indent="0" algn="l" defTabSz="457200" rtl="0" eaLnBrk="1" fontAlgn="auto" latinLnBrk="0" hangingPunct="1">
+                        <a:lnSpc>
+                          <a:spcPct val="100000"/>
+                        </a:lnSpc>
+                        <a:spcBef>
+                          <a:spcPts val="0"/>
+                        </a:spcBef>
+                        <a:spcAft>
+                          <a:spcPts val="0"/>
+                        </a:spcAft>
+                        <a:buClrTx/>
+                        <a:buSzTx/>
+                        <a:buFontTx/>
+                        <a:buNone/>
+                        <a:tabLst/>
+                        <a:defRPr/>
+                      </a:pPr>
+                      <a:endParaRPr lang="zh-CN" altLang="en-US" dirty="0" smtClean="0"/>
+                    </a:p>
+                  </a:txBody>
+                  <a:tcPr/>
+                </a:tc>
+                <a:tc>
+                  <a:txBody>
+                    <a:bodyPr/>
+                    <a:lstStyle/>
+                    <a:p>
+                      <a:r>
+                        <a:rPr lang="zh-CN" altLang="en-US" b="0" dirty="0" smtClean="0">
+                          <a:solidFill>
+                            <a:srgbClr val="C00000"/>
+                          </a:solidFill>
+                        </a:rPr>
+                        <a:t>设计，需求稳定时就像一台有条不紊运行的机器，效率，质量都非常高</a:t>
+                      </a:r>
+                      <a:endParaRPr lang="zh-CN" altLang="en-US" b="0" dirty="0">
+                        <a:solidFill>
+                          <a:srgbClr val="C00000"/>
+                        </a:solidFill>
+                      </a:endParaRPr>
+                    </a:p>
+                  </a:txBody>
+                  <a:tcPr/>
+                </a:tc>
+                <a:tc>
+                  <a:txBody>
+                    <a:bodyPr/>
+                    <a:lstStyle/>
+                    <a:p>
+                      <a:r>
+                        <a:rPr lang="zh-CN" altLang="en-US" dirty="0" smtClean="0"/>
+                        <a:t>由于其不可回溯特点，很难应付需求的变更，对设计者的要求较高。</a:t>
+                      </a:r>
+                      <a:endParaRPr lang="zh-CN" altLang="en-US" dirty="0"/>
+                    </a:p>
+                  </a:txBody>
+                  <a:tcPr/>
+                </a:tc>
+              </a:tr>
+            </a:tbl>
+          </a:graphicData>
+        </a:graphic>
+      </p:graphicFrame>
+    </p:spTree>
+    <p:extLst>
+      <p:ext uri="{BB962C8B-B14F-4D97-AF65-F5344CB8AC3E}">
+        <p14:creationId xmlns:p14="http://schemas.microsoft.com/office/powerpoint/2010/main" val="985163904"/>
+      </p:ext>
+    </p:extLst>
+  </p:cSld>
+  <p:clrMapOvr>
+    <a:masterClrMapping/>
+  </p:clrMapOvr>
+  <p:transition/>
+  <p:timing>
+    <p:tnLst>
+      <p:par>
+        <p:cTn id="1" dur="indefinite" restart="never" nodeType="tmRoot"/>
+      </p:par>
+    </p:tnLst>
+  </p:timing>
+</p:sld>
+</file>
+
+<file path=ppt/slides/slide8.xml><?xml version="1.0" encoding="utf-8"?>
+<p:sld xmlns:a="http://schemas.openxmlformats.org/drawingml/2006/main" xmlns:r="http://schemas.openxmlformats.org/officeDocument/2006/relationships" xmlns:p="http://schemas.openxmlformats.org/presentationml/2006/main">
+  <p:cSld>
+    <p:spTree>
+      <p:nvGrpSpPr>
+        <p:cNvPr id="1" name=""/>
+        <p:cNvGrpSpPr/>
+        <p:nvPr/>
+      </p:nvGrpSpPr>
+      <p:grpSpPr>
+        <a:xfrm>
+          <a:off x="0" y="0"/>
+          <a:ext cx="0" cy="0"/>
+          <a:chOff x="0" y="0"/>
+          <a:chExt cx="0" cy="0"/>
+        </a:xfrm>
+      </p:grpSpPr>
+      <p:sp>
+        <p:nvSpPr>
+          <p:cNvPr id="3" name="标题 1"/>
+          <p:cNvSpPr>
+            <a:spLocks noGrp="1"/>
+          </p:cNvSpPr>
+          <p:nvPr>
+            <p:ph type="title"/>
+          </p:nvPr>
+        </p:nvSpPr>
+        <p:spPr>
+          <a:xfrm>
+            <a:off x="457200" y="274638"/>
+            <a:ext cx="8229600" cy="715962"/>
+          </a:xfrm>
+        </p:spPr>
+        <p:txBody>
+          <a:bodyPr/>
+          <a:lstStyle/>
+          <a:p>
+            <a:r>
+              <a:rPr lang="zh-CN" altLang="en-US" sz="3600" dirty="0" smtClean="0">
+                <a:solidFill>
+                  <a:srgbClr val="E46C0A"/>
+                </a:solidFill>
+                <a:latin typeface="微软雅黑" panose="020B0503020204020204" pitchFamily="34" charset="-122"/>
+                <a:ea typeface="微软雅黑" panose="020B0503020204020204" pitchFamily="34" charset="-122"/>
+              </a:rPr>
+              <a:t>敏捷开发方法</a:t>
+            </a:r>
+            <a:endParaRPr lang="zh-CN" altLang="en-US" sz="3600" dirty="0">
+              <a:solidFill>
+                <a:srgbClr val="E46C0A"/>
+              </a:solidFill>
+              <a:latin typeface="微软雅黑" panose="020B0503020204020204" pitchFamily="34" charset="-122"/>
+              <a:ea typeface="微软雅黑" panose="020B0503020204020204" pitchFamily="34" charset="-122"/>
+            </a:endParaRPr>
+          </a:p>
+        </p:txBody>
+      </p:sp>
+    </p:spTree>
+    <p:extLst>
+      <p:ext uri="{BB962C8B-B14F-4D97-AF65-F5344CB8AC3E}">
+        <p14:creationId xmlns:p14="http://schemas.microsoft.com/office/powerpoint/2010/main" val="3523283011"/>
+      </p:ext>
+    </p:extLst>
+  </p:cSld>
+  <p:clrMapOvr>
+    <a:masterClrMapping/>
+  </p:clrMapOvr>
+  <p:transition/>
+  <p:timing>
+    <p:tnLst>
+      <p:par>
+        <p:cTn id="1" dur="indefinite" restart="never" nodeType="tmRoot"/>
+      </p:par>
+    </p:tnLst>
+  </p:timing>
+</p:sld>
+</file>
+
+<file path=ppt/slides/slide9.xml><?xml version="1.0" encoding="utf-8"?>
 <p:sld xmlns:a="http://schemas.openxmlformats.org/drawingml/2006/main" xmlns:r="http://schemas.openxmlformats.org/officeDocument/2006/relationships" xmlns:p="http://schemas.openxmlformats.org/presentationml/2006/main">
   <p:cSld>
     <p:spTree>
@@ -4829,7 +8399,7 @@
         </p:blipFill>
         <p:spPr bwMode="auto">
           <a:xfrm>
-            <a:off x="1504950" y="1905000"/>
+            <a:off x="1600200" y="1905000"/>
             <a:ext cx="6134100" cy="1485900"/>
           </a:xfrm>
           <a:prstGeom prst="rect">
@@ -4881,89 +8451,6 @@
     <a:masterClrMapping/>
   </p:clrMapOvr>
   <p:transition/>
-  <p:timing>
-    <p:tnLst>
-      <p:par>
-        <p:cTn id="1" dur="indefinite" restart="never" nodeType="tmRoot"/>
-      </p:par>
-    </p:tnLst>
-  </p:timing>
-</p:sld>
-</file>
-
-<file path=ppt/slides/slide6.xml><?xml version="1.0" encoding="utf-8"?>
-<p:sld xmlns:a="http://schemas.openxmlformats.org/drawingml/2006/main" xmlns:r="http://schemas.openxmlformats.org/officeDocument/2006/relationships" xmlns:p="http://schemas.openxmlformats.org/presentationml/2006/main">
-  <p:cSld>
-    <p:spTree>
-      <p:nvGrpSpPr>
-        <p:cNvPr id="1" name=""/>
-        <p:cNvGrpSpPr/>
-        <p:nvPr/>
-      </p:nvGrpSpPr>
-      <p:grpSpPr>
-        <a:xfrm>
-          <a:off x="0" y="0"/>
-          <a:ext cx="0" cy="0"/>
-          <a:chOff x="0" y="0"/>
-          <a:chExt cx="0" cy="0"/>
-        </a:xfrm>
-      </p:grpSpPr>
-      <p:sp>
-        <p:nvSpPr>
-          <p:cNvPr id="6" name="TextBox 5"/>
-          <p:cNvSpPr txBox="1"/>
-          <p:nvPr/>
-        </p:nvSpPr>
-        <p:spPr>
-          <a:xfrm>
-            <a:off x="2209800" y="2286000"/>
-            <a:ext cx="4800600" cy="707886"/>
-          </a:xfrm>
-          <a:prstGeom prst="rect">
-            <a:avLst/>
-          </a:prstGeom>
-          <a:noFill/>
-        </p:spPr>
-        <p:txBody>
-          <a:bodyPr wrap="square" rtlCol="0">
-            <a:spAutoFit/>
-          </a:bodyPr>
-          <a:lstStyle/>
-          <a:p>
-            <a:pPr algn="ctr"/>
-            <a:r>
-              <a:rPr lang="en-US" altLang="zh-CN" sz="4000" dirty="0" smtClean="0">
-                <a:solidFill>
-                  <a:srgbClr val="FF6600"/>
-                </a:solidFill>
-                <a:latin typeface="微软雅黑" pitchFamily="34" charset="-122"/>
-                <a:ea typeface="微软雅黑" pitchFamily="34" charset="-122"/>
-              </a:rPr>
-              <a:t>Thank you</a:t>
-            </a:r>
-            <a:endParaRPr lang="zh-CN" altLang="en-US" sz="4000" dirty="0">
-              <a:solidFill>
-                <a:srgbClr val="FF6600"/>
-              </a:solidFill>
-              <a:latin typeface="微软雅黑" pitchFamily="34" charset="-122"/>
-              <a:ea typeface="微软雅黑" pitchFamily="34" charset="-122"/>
-            </a:endParaRPr>
-          </a:p>
-        </p:txBody>
-      </p:sp>
-    </p:spTree>
-    <p:extLst>
-      <p:ext uri="{BB962C8B-B14F-4D97-AF65-F5344CB8AC3E}">
-        <p14:creationId xmlns:p14="http://schemas.microsoft.com/office/powerpoint/2010/main" val="1050486630"/>
-      </p:ext>
-    </p:extLst>
-  </p:cSld>
-  <p:clrMapOvr>
-    <a:masterClrMapping/>
-  </p:clrMapOvr>
-  <p:transition spd="slow">
-    <p:wipe/>
-  </p:transition>
   <p:timing>
     <p:tnLst>
       <p:par>

--- a/上大培训：scrum和vs2012 部分.pptx
+++ b/上大培训：scrum和vs2012 部分.pptx
@@ -5,10 +5,10 @@
     <p:sldMasterId id="2147483648" r:id="rId1"/>
   </p:sldMasterIdLst>
   <p:notesMasterIdLst>
-    <p:notesMasterId r:id="rId12"/>
+    <p:notesMasterId r:id="rId16"/>
   </p:notesMasterIdLst>
   <p:handoutMasterIdLst>
-    <p:handoutMasterId r:id="rId13"/>
+    <p:handoutMasterId r:id="rId17"/>
   </p:handoutMasterIdLst>
   <p:sldIdLst>
     <p:sldId id="513" r:id="rId2"/>
@@ -19,8 +19,12 @@
     <p:sldId id="518" r:id="rId7"/>
     <p:sldId id="519" r:id="rId8"/>
     <p:sldId id="520" r:id="rId9"/>
-    <p:sldId id="514" r:id="rId10"/>
-    <p:sldId id="503" r:id="rId11"/>
+    <p:sldId id="522" r:id="rId10"/>
+    <p:sldId id="514" r:id="rId11"/>
+    <p:sldId id="524" r:id="rId12"/>
+    <p:sldId id="525" r:id="rId13"/>
+    <p:sldId id="523" r:id="rId14"/>
+    <p:sldId id="503" r:id="rId15"/>
   </p:sldIdLst>
   <p:sldSz cx="9144000" cy="6858000" type="screen4x3"/>
   <p:notesSz cx="6858000" cy="9144000"/>
@@ -1089,6 +1093,227 @@
 </p:notes>
 </file>
 
+<file path=ppt/notesSlides/notesSlide10.xml><?xml version="1.0" encoding="utf-8"?>
+<p:notes xmlns:a="http://schemas.openxmlformats.org/drawingml/2006/main" xmlns:r="http://schemas.openxmlformats.org/officeDocument/2006/relationships" xmlns:p="http://schemas.openxmlformats.org/presentationml/2006/main">
+  <p:cSld>
+    <p:spTree>
+      <p:nvGrpSpPr>
+        <p:cNvPr id="1" name=""/>
+        <p:cNvGrpSpPr/>
+        <p:nvPr/>
+      </p:nvGrpSpPr>
+      <p:grpSpPr>
+        <a:xfrm>
+          <a:off x="0" y="0"/>
+          <a:ext cx="0" cy="0"/>
+          <a:chOff x="0" y="0"/>
+          <a:chExt cx="0" cy="0"/>
+        </a:xfrm>
+      </p:grpSpPr>
+      <p:sp>
+        <p:nvSpPr>
+          <p:cNvPr id="2" name="幻灯片图像占位符 1"/>
+          <p:cNvSpPr>
+            <a:spLocks noGrp="1" noRot="1" noChangeAspect="1"/>
+          </p:cNvSpPr>
+          <p:nvPr>
+            <p:ph type="sldImg"/>
+          </p:nvPr>
+        </p:nvSpPr>
+        <p:spPr/>
+      </p:sp>
+      <p:sp>
+        <p:nvSpPr>
+          <p:cNvPr id="3" name="备注占位符 2"/>
+          <p:cNvSpPr>
+            <a:spLocks noGrp="1"/>
+          </p:cNvSpPr>
+          <p:nvPr>
+            <p:ph type="body" idx="1"/>
+          </p:nvPr>
+        </p:nvSpPr>
+        <p:spPr/>
+        <p:txBody>
+          <a:bodyPr/>
+          <a:lstStyle/>
+          <a:p>
+            <a:pPr lvl="1" eaLnBrk="1" hangingPunct="1">
+              <a:lnSpc>
+                <a:spcPct val="120000"/>
+              </a:lnSpc>
+              <a:buFontTx/>
+              <a:buBlip>
+                <a:blip r:embed="rId3"/>
+              </a:buBlip>
+              <a:defRPr/>
+            </a:pPr>
+            <a:r>
+              <a:rPr lang="zh-CN" altLang="en-US" sz="2000" dirty="0" smtClean="0">
+                <a:ea typeface="微软雅黑" pitchFamily="34" charset="-122"/>
+                <a:cs typeface="Tahoma" pitchFamily="34" charset="0"/>
+              </a:rPr>
+              <a:t>学习先进的技术</a:t>
+            </a:r>
+            <a:endParaRPr lang="en-US" altLang="zh-CN" sz="2000" dirty="0" smtClean="0">
+              <a:ea typeface="微软雅黑" pitchFamily="34" charset="-122"/>
+              <a:cs typeface="Tahoma" pitchFamily="34" charset="0"/>
+            </a:endParaRPr>
+          </a:p>
+          <a:p>
+            <a:pPr lvl="1" eaLnBrk="1" hangingPunct="1">
+              <a:lnSpc>
+                <a:spcPct val="120000"/>
+              </a:lnSpc>
+              <a:buFontTx/>
+              <a:buBlip>
+                <a:blip r:embed="rId3"/>
+              </a:buBlip>
+              <a:defRPr/>
+            </a:pPr>
+            <a:r>
+              <a:rPr lang="zh-CN" altLang="en-US" sz="2000" dirty="0" smtClean="0">
+                <a:ea typeface="微软雅黑" pitchFamily="34" charset="-122"/>
+                <a:cs typeface="Tahoma" pitchFamily="34" charset="0"/>
+              </a:rPr>
+              <a:t>了解完善的项目流程</a:t>
+            </a:r>
+            <a:endParaRPr lang="en-US" altLang="zh-CN" sz="2000" dirty="0" smtClean="0">
+              <a:ea typeface="微软雅黑" pitchFamily="34" charset="-122"/>
+              <a:cs typeface="Tahoma" pitchFamily="34" charset="0"/>
+            </a:endParaRPr>
+          </a:p>
+          <a:p>
+            <a:pPr lvl="2" eaLnBrk="1" hangingPunct="1">
+              <a:lnSpc>
+                <a:spcPct val="120000"/>
+              </a:lnSpc>
+              <a:buFontTx/>
+              <a:buBlip>
+                <a:blip r:embed="rId3"/>
+              </a:buBlip>
+              <a:defRPr/>
+            </a:pPr>
+            <a:r>
+              <a:rPr lang="en-US" altLang="zh-CN" sz="1600" dirty="0" smtClean="0">
+                <a:ea typeface="微软雅黑" pitchFamily="34" charset="-122"/>
+                <a:cs typeface="Tahoma" pitchFamily="34" charset="0"/>
+              </a:rPr>
+              <a:t>CMMI 4</a:t>
+            </a:r>
+          </a:p>
+          <a:p>
+            <a:pPr lvl="2" eaLnBrk="1" hangingPunct="1">
+              <a:lnSpc>
+                <a:spcPct val="120000"/>
+              </a:lnSpc>
+              <a:buFontTx/>
+              <a:buBlip>
+                <a:blip r:embed="rId3"/>
+              </a:buBlip>
+              <a:defRPr/>
+            </a:pPr>
+            <a:r>
+              <a:rPr lang="zh-CN" altLang="en-US" sz="1600" dirty="0" smtClean="0">
+                <a:ea typeface="微软雅黑" pitchFamily="34" charset="-122"/>
+                <a:cs typeface="Tahoma" pitchFamily="34" charset="0"/>
+              </a:rPr>
+              <a:t>敏捷开发</a:t>
+            </a:r>
+            <a:endParaRPr lang="en-US" altLang="zh-CN" sz="1600" dirty="0" smtClean="0">
+              <a:ea typeface="微软雅黑" pitchFamily="34" charset="-122"/>
+              <a:cs typeface="Tahoma" pitchFamily="34" charset="0"/>
+            </a:endParaRPr>
+          </a:p>
+          <a:p>
+            <a:pPr lvl="2" eaLnBrk="1" hangingPunct="1">
+              <a:lnSpc>
+                <a:spcPct val="120000"/>
+              </a:lnSpc>
+              <a:buFontTx/>
+              <a:buBlip>
+                <a:blip r:embed="rId3"/>
+              </a:buBlip>
+              <a:defRPr/>
+            </a:pPr>
+            <a:endParaRPr lang="en-US" altLang="zh-CN" sz="1600" dirty="0" smtClean="0">
+              <a:ea typeface="微软雅黑" pitchFamily="34" charset="-122"/>
+              <a:cs typeface="Tahoma" pitchFamily="34" charset="0"/>
+            </a:endParaRPr>
+          </a:p>
+          <a:p>
+            <a:pPr lvl="1" eaLnBrk="1" hangingPunct="1">
+              <a:lnSpc>
+                <a:spcPct val="120000"/>
+              </a:lnSpc>
+              <a:buBlip>
+                <a:blip r:embed="rId3"/>
+              </a:buBlip>
+              <a:defRPr/>
+            </a:pPr>
+            <a:r>
+              <a:rPr lang="zh-CN" altLang="en-US" sz="2000" dirty="0" smtClean="0">
+                <a:ea typeface="微软雅黑" pitchFamily="34" charset="-122"/>
+                <a:cs typeface="Tahoma" pitchFamily="34" charset="0"/>
+              </a:rPr>
+              <a:t>获得资深专家的悉心指导</a:t>
+            </a:r>
+            <a:endParaRPr lang="en-US" altLang="zh-CN" sz="2000" dirty="0" smtClean="0">
+              <a:ea typeface="微软雅黑" pitchFamily="34" charset="-122"/>
+              <a:cs typeface="Tahoma" pitchFamily="34" charset="0"/>
+            </a:endParaRPr>
+          </a:p>
+          <a:p>
+            <a:pPr lvl="1" eaLnBrk="1" hangingPunct="1">
+              <a:lnSpc>
+                <a:spcPct val="120000"/>
+              </a:lnSpc>
+              <a:buBlip>
+                <a:blip r:embed="rId3"/>
+              </a:buBlip>
+              <a:defRPr/>
+            </a:pPr>
+            <a:endParaRPr lang="en-US" altLang="zh-CN" sz="2000" dirty="0" smtClean="0">
+              <a:ea typeface="微软雅黑" pitchFamily="34" charset="-122"/>
+              <a:cs typeface="Tahoma" pitchFamily="34" charset="0"/>
+            </a:endParaRPr>
+          </a:p>
+          <a:p>
+            <a:pPr lvl="1" eaLnBrk="1" hangingPunct="1">
+              <a:lnSpc>
+                <a:spcPct val="120000"/>
+              </a:lnSpc>
+              <a:buBlip>
+                <a:blip r:embed="rId3"/>
+              </a:buBlip>
+              <a:defRPr/>
+            </a:pPr>
+            <a:r>
+              <a:rPr lang="zh-CN" altLang="en-US" sz="2000" dirty="0" smtClean="0">
+                <a:ea typeface="微软雅黑" pitchFamily="34" charset="-122"/>
+                <a:cs typeface="Tahoma" pitchFamily="34" charset="0"/>
+              </a:rPr>
+              <a:t>收获丰富的项目开发经验</a:t>
+            </a:r>
+            <a:endParaRPr lang="en-US" altLang="zh-CN" sz="2000" dirty="0">
+              <a:ea typeface="微软雅黑" pitchFamily="34" charset="-122"/>
+              <a:cs typeface="Tahoma" pitchFamily="34" charset="0"/>
+            </a:endParaRPr>
+          </a:p>
+        </p:txBody>
+      </p:sp>
+    </p:spTree>
+    <p:extLst>
+      <p:ext uri="{BB962C8B-B14F-4D97-AF65-F5344CB8AC3E}">
+        <p14:creationId xmlns:p14="http://schemas.microsoft.com/office/powerpoint/2010/main" val="1874906411"/>
+      </p:ext>
+    </p:extLst>
+  </p:cSld>
+  <p:clrMapOvr>
+    <a:masterClrMapping/>
+  </p:clrMapOvr>
+</p:notes>
+</file>
+
 <file path=ppt/notesSlides/notesSlide2.xml><?xml version="1.0" encoding="utf-8"?>
 <p:notes xmlns:a="http://schemas.openxmlformats.org/drawingml/2006/main" xmlns:r="http://schemas.openxmlformats.org/officeDocument/2006/relationships" xmlns:p="http://schemas.openxmlformats.org/presentationml/2006/main">
   <p:cSld>
@@ -1457,6 +1682,28 @@
           <a:bodyPr/>
           <a:lstStyle/>
           <a:p>
+            <a:r>
+              <a:rPr lang="zh-CN" altLang="en-US" dirty="0" smtClean="0"/>
+              <a:t>这是</a:t>
+            </a:r>
+            <a:r>
+              <a:rPr lang="en-US" altLang="zh-CN" dirty="0" smtClean="0"/>
+              <a:t>100</a:t>
+            </a:r>
+            <a:r>
+              <a:rPr lang="zh-CN" altLang="en-US" dirty="0" smtClean="0"/>
+              <a:t>年前的故事了，和互联网在当下的处境很像。</a:t>
+            </a:r>
+            <a:endParaRPr lang="en-US" altLang="zh-CN" dirty="0" smtClean="0"/>
+          </a:p>
+          <a:p>
+            <a:endParaRPr lang="en-US" altLang="zh-CN" dirty="0" smtClean="0"/>
+          </a:p>
+          <a:p>
+            <a:r>
+              <a:rPr lang="zh-CN" altLang="en-US" dirty="0" smtClean="0"/>
+              <a:t>这些模型，方法论，可以脱离软件，扩散到生活去</a:t>
+            </a:r>
             <a:endParaRPr lang="zh-CN" altLang="en-US" dirty="0"/>
           </a:p>
         </p:txBody>
@@ -1518,6 +1765,10 @@
           <a:bodyPr/>
           <a:lstStyle/>
           <a:p>
+            <a:r>
+              <a:rPr lang="zh-CN" altLang="en-US" dirty="0" smtClean="0"/>
+              <a:t>重视文档，需求说明书，设计书，测试书等等</a:t>
+            </a:r>
             <a:endParaRPr lang="zh-CN" altLang="en-US" dirty="0"/>
           </a:p>
         </p:txBody>
@@ -1652,9 +1903,49 @@
           <a:p>
             <a:r>
               <a:rPr lang="zh-CN" altLang="en-US" dirty="0" smtClean="0"/>
-              <a:t>最大的问题</a:t>
-            </a:r>
-            <a:endParaRPr lang="zh-CN" altLang="en-US" dirty="0"/>
+              <a:t>敏捷思想是针对传统的开发方法，沉重的机器， 创新出来的一种思想。</a:t>
+            </a:r>
+            <a:endParaRPr lang="en-US" altLang="zh-CN" dirty="0" smtClean="0"/>
+          </a:p>
+          <a:p>
+            <a:endParaRPr lang="en-US" altLang="zh-CN" dirty="0" smtClean="0"/>
+          </a:p>
+          <a:p>
+            <a:r>
+              <a:rPr lang="zh-CN" altLang="en-US" dirty="0" smtClean="0"/>
+              <a:t>主张倡导</a:t>
+            </a:r>
+            <a:r>
+              <a:rPr lang="zh-CN" altLang="en-US" baseline="0" dirty="0" smtClean="0"/>
+              <a:t> 拥抱变化</a:t>
+            </a:r>
+            <a:r>
+              <a:rPr lang="en-US" altLang="zh-CN" baseline="0" dirty="0" smtClean="0"/>
+              <a:t>.</a:t>
+            </a:r>
+          </a:p>
+          <a:p>
+            <a:r>
+              <a:rPr lang="en-US" altLang="zh-CN" baseline="0" dirty="0" smtClean="0"/>
+              <a:t>===================================</a:t>
+            </a:r>
+          </a:p>
+          <a:p>
+            <a:r>
+              <a:rPr lang="zh-CN" altLang="en-US" dirty="0" smtClean="0"/>
+              <a:t>对人的要求会比较高。</a:t>
+            </a:r>
+            <a:endParaRPr lang="en-US" altLang="zh-CN" dirty="0" smtClean="0"/>
+          </a:p>
+          <a:p>
+            <a:r>
+              <a:rPr lang="zh-CN" altLang="en-US" dirty="0" smtClean="0"/>
+              <a:t>尽可能早的交付一个软件</a:t>
+            </a:r>
+            <a:endParaRPr lang="en-US" altLang="zh-CN" dirty="0" smtClean="0"/>
+          </a:p>
+          <a:p>
+            <a:endParaRPr lang="en-US" altLang="zh-CN" dirty="0" smtClean="0"/>
           </a:p>
         </p:txBody>
       </p:sp>
@@ -1715,174 +2006,60 @@
           <a:bodyPr/>
           <a:lstStyle/>
           <a:p>
-            <a:pPr lvl="1" eaLnBrk="1" hangingPunct="1">
-              <a:lnSpc>
-                <a:spcPct val="120000"/>
-              </a:lnSpc>
-              <a:buFontTx/>
-              <a:buBlip>
-                <a:blip r:embed="rId3"/>
-              </a:buBlip>
-              <a:defRPr/>
-            </a:pPr>
-            <a:r>
-              <a:rPr lang="zh-CN" altLang="en-US" sz="2000" dirty="0" smtClean="0">
-                <a:ea typeface="微软雅黑" pitchFamily="34" charset="-122"/>
-                <a:cs typeface="Tahoma" pitchFamily="34" charset="0"/>
-              </a:rPr>
-              <a:t>学习先进的技术</a:t>
-            </a:r>
-            <a:endParaRPr lang="en-US" altLang="zh-CN" sz="2000" dirty="0" smtClean="0">
-              <a:ea typeface="微软雅黑" pitchFamily="34" charset="-122"/>
-              <a:cs typeface="Tahoma" pitchFamily="34" charset="0"/>
-            </a:endParaRPr>
-          </a:p>
-          <a:p>
-            <a:pPr lvl="1" eaLnBrk="1" hangingPunct="1">
-              <a:lnSpc>
-                <a:spcPct val="120000"/>
-              </a:lnSpc>
-              <a:buFontTx/>
-              <a:buBlip>
-                <a:blip r:embed="rId3"/>
-              </a:buBlip>
-              <a:defRPr/>
-            </a:pPr>
-            <a:r>
-              <a:rPr lang="zh-CN" altLang="en-US" sz="2000" dirty="0" smtClean="0">
-                <a:ea typeface="微软雅黑" pitchFamily="34" charset="-122"/>
-                <a:cs typeface="Tahoma" pitchFamily="34" charset="0"/>
-              </a:rPr>
-              <a:t>了解完善的项目流程</a:t>
-            </a:r>
-            <a:endParaRPr lang="en-US" altLang="zh-CN" sz="2000" dirty="0" smtClean="0">
-              <a:ea typeface="微软雅黑" pitchFamily="34" charset="-122"/>
-              <a:cs typeface="Tahoma" pitchFamily="34" charset="0"/>
-            </a:endParaRPr>
-          </a:p>
-          <a:p>
-            <a:pPr lvl="2" eaLnBrk="1" hangingPunct="1">
-              <a:lnSpc>
-                <a:spcPct val="120000"/>
-              </a:lnSpc>
-              <a:buFontTx/>
-              <a:buBlip>
-                <a:blip r:embed="rId3"/>
-              </a:buBlip>
-              <a:defRPr/>
-            </a:pPr>
-            <a:r>
-              <a:rPr lang="en-US" altLang="zh-CN" sz="1600" dirty="0" smtClean="0">
-                <a:ea typeface="微软雅黑" pitchFamily="34" charset="-122"/>
-                <a:cs typeface="Tahoma" pitchFamily="34" charset="0"/>
-              </a:rPr>
-              <a:t>CMMI 4</a:t>
-            </a:r>
-          </a:p>
-          <a:p>
-            <a:pPr lvl="2" eaLnBrk="1" hangingPunct="1">
-              <a:lnSpc>
-                <a:spcPct val="120000"/>
-              </a:lnSpc>
-              <a:buFontTx/>
-              <a:buBlip>
-                <a:blip r:embed="rId3"/>
-              </a:buBlip>
-              <a:defRPr/>
-            </a:pPr>
-            <a:r>
-              <a:rPr lang="zh-CN" altLang="en-US" sz="1600" dirty="0" smtClean="0">
-                <a:ea typeface="微软雅黑" pitchFamily="34" charset="-122"/>
-                <a:cs typeface="Tahoma" pitchFamily="34" charset="0"/>
-              </a:rPr>
-              <a:t>敏捷开发</a:t>
-            </a:r>
-            <a:endParaRPr lang="en-US" altLang="zh-CN" sz="1600" dirty="0" smtClean="0">
-              <a:ea typeface="微软雅黑" pitchFamily="34" charset="-122"/>
-              <a:cs typeface="Tahoma" pitchFamily="34" charset="0"/>
-            </a:endParaRPr>
-          </a:p>
-          <a:p>
-            <a:pPr lvl="2" eaLnBrk="1" hangingPunct="1">
-              <a:lnSpc>
-                <a:spcPct val="120000"/>
-              </a:lnSpc>
-              <a:buFontTx/>
-              <a:buBlip>
-                <a:blip r:embed="rId3"/>
-              </a:buBlip>
-              <a:defRPr/>
-            </a:pPr>
-            <a:endParaRPr lang="en-US" altLang="zh-CN" sz="1600" dirty="0" smtClean="0">
-              <a:ea typeface="微软雅黑" pitchFamily="34" charset="-122"/>
-              <a:cs typeface="Tahoma" pitchFamily="34" charset="0"/>
-            </a:endParaRPr>
-          </a:p>
-          <a:p>
-            <a:pPr lvl="1" eaLnBrk="1" hangingPunct="1">
-              <a:lnSpc>
-                <a:spcPct val="120000"/>
-              </a:lnSpc>
-              <a:buBlip>
-                <a:blip r:embed="rId3"/>
-              </a:buBlip>
-              <a:defRPr/>
-            </a:pPr>
-            <a:r>
-              <a:rPr lang="zh-CN" altLang="en-US" sz="2000" dirty="0" smtClean="0">
-                <a:ea typeface="微软雅黑" pitchFamily="34" charset="-122"/>
-                <a:cs typeface="Tahoma" pitchFamily="34" charset="0"/>
-              </a:rPr>
-              <a:t>获得资深专家的悉心指导</a:t>
-            </a:r>
-            <a:endParaRPr lang="en-US" altLang="zh-CN" sz="2000" dirty="0" smtClean="0">
-              <a:ea typeface="微软雅黑" pitchFamily="34" charset="-122"/>
-              <a:cs typeface="Tahoma" pitchFamily="34" charset="0"/>
-            </a:endParaRPr>
-          </a:p>
-          <a:p>
-            <a:pPr lvl="1" eaLnBrk="1" hangingPunct="1">
-              <a:lnSpc>
-                <a:spcPct val="120000"/>
-              </a:lnSpc>
-              <a:buBlip>
-                <a:blip r:embed="rId3"/>
-              </a:buBlip>
-              <a:defRPr/>
-            </a:pPr>
-            <a:endParaRPr lang="en-US" altLang="zh-CN" sz="2000" dirty="0" smtClean="0">
-              <a:ea typeface="微软雅黑" pitchFamily="34" charset="-122"/>
-              <a:cs typeface="Tahoma" pitchFamily="34" charset="0"/>
-            </a:endParaRPr>
-          </a:p>
-          <a:p>
-            <a:pPr lvl="1" eaLnBrk="1" hangingPunct="1">
-              <a:lnSpc>
-                <a:spcPct val="120000"/>
-              </a:lnSpc>
-              <a:buBlip>
-                <a:blip r:embed="rId3"/>
-              </a:buBlip>
-              <a:defRPr/>
-            </a:pPr>
-            <a:r>
-              <a:rPr lang="zh-CN" altLang="en-US" sz="2000" dirty="0" smtClean="0">
-                <a:ea typeface="微软雅黑" pitchFamily="34" charset="-122"/>
-                <a:cs typeface="Tahoma" pitchFamily="34" charset="0"/>
-              </a:rPr>
-              <a:t>收获丰富的项目开发经验</a:t>
-            </a:r>
-            <a:endParaRPr lang="en-US" altLang="zh-CN" sz="2000" dirty="0">
-              <a:ea typeface="微软雅黑" pitchFamily="34" charset="-122"/>
-              <a:cs typeface="Tahoma" pitchFamily="34" charset="0"/>
-            </a:endParaRPr>
+            <a:r>
+              <a:rPr lang="en-US" altLang="zh-CN" dirty="0" smtClean="0"/>
+              <a:t>Scrum </a:t>
+            </a:r>
+            <a:r>
+              <a:rPr lang="zh-CN" altLang="en-US" dirty="0" smtClean="0"/>
+              <a:t>实施的重点是团队领导和需求管理，强调对客户需求的快速反应以及团队的共同协作和自我管理。</a:t>
+            </a:r>
+          </a:p>
+          <a:p>
+            <a:endParaRPr lang="zh-CN" altLang="en-US" dirty="0" smtClean="0"/>
+          </a:p>
+          <a:p>
+            <a:r>
+              <a:rPr lang="en-US" altLang="zh-CN" dirty="0" smtClean="0"/>
+              <a:t>Scrum </a:t>
+            </a:r>
+            <a:r>
+              <a:rPr lang="zh-CN" altLang="en-US" dirty="0" smtClean="0"/>
+              <a:t>方法通过将整个开发过程划分为若干个固定时间长度的 </a:t>
+            </a:r>
+            <a:r>
+              <a:rPr lang="en-US" altLang="zh-CN" dirty="0" smtClean="0"/>
+              <a:t>Sprint</a:t>
+            </a:r>
+            <a:r>
+              <a:rPr lang="zh-CN" altLang="en-US" dirty="0" smtClean="0"/>
+              <a:t>，</a:t>
+            </a:r>
+          </a:p>
+          <a:p>
+            <a:endParaRPr lang="zh-CN" altLang="en-US" dirty="0" smtClean="0"/>
+          </a:p>
+          <a:p>
+            <a:r>
+              <a:rPr lang="zh-CN" altLang="en-US" dirty="0" smtClean="0"/>
+              <a:t>在每个 </a:t>
+            </a:r>
+            <a:r>
+              <a:rPr lang="en-US" altLang="zh-CN" dirty="0" smtClean="0"/>
+              <a:t>Sprint </a:t>
+            </a:r>
+            <a:r>
+              <a:rPr lang="zh-CN" altLang="en-US" dirty="0" smtClean="0"/>
+              <a:t>结束时得到一个可以执行并演示的产品的增量版本，来推动产品的不断演进，直到最终发布。 </a:t>
+            </a:r>
+            <a:endParaRPr lang="en-US" altLang="zh-CN" dirty="0" smtClean="0"/>
           </a:p>
         </p:txBody>
       </p:sp>
     </p:spTree>
     <p:extLst>
       <p:ext uri="{BB962C8B-B14F-4D97-AF65-F5344CB8AC3E}">
-        <p14:creationId xmlns:p14="http://schemas.microsoft.com/office/powerpoint/2010/main" val="1874906411"/>
+        <p14:creationId xmlns:p14="http://schemas.microsoft.com/office/powerpoint/2010/main" val="2634176535"/>
       </p:ext>
     </p:extLst>
   </p:cSld>
@@ -4400,6 +4577,759 @@
 </file>
 
 <file path=ppt/slides/slide10.xml><?xml version="1.0" encoding="utf-8"?>
+<p:sld xmlns:a="http://schemas.openxmlformats.org/drawingml/2006/main" xmlns:r="http://schemas.openxmlformats.org/officeDocument/2006/relationships" xmlns:p="http://schemas.openxmlformats.org/presentationml/2006/main">
+  <p:cSld>
+    <p:spTree>
+      <p:nvGrpSpPr>
+        <p:cNvPr id="1" name=""/>
+        <p:cNvGrpSpPr/>
+        <p:nvPr/>
+      </p:nvGrpSpPr>
+      <p:grpSpPr>
+        <a:xfrm>
+          <a:off x="0" y="0"/>
+          <a:ext cx="0" cy="0"/>
+          <a:chOff x="0" y="0"/>
+          <a:chExt cx="0" cy="0"/>
+        </a:xfrm>
+      </p:grpSpPr>
+      <p:sp>
+        <p:nvSpPr>
+          <p:cNvPr id="2" name="TextBox 1"/>
+          <p:cNvSpPr txBox="1"/>
+          <p:nvPr/>
+        </p:nvSpPr>
+        <p:spPr>
+          <a:xfrm>
+            <a:off x="609600" y="457200"/>
+            <a:ext cx="7772400" cy="1354217"/>
+          </a:xfrm>
+          <a:prstGeom prst="rect">
+            <a:avLst/>
+          </a:prstGeom>
+          <a:noFill/>
+        </p:spPr>
+        <p:txBody>
+          <a:bodyPr wrap="square" rtlCol="0">
+            <a:spAutoFit/>
+          </a:bodyPr>
+          <a:lstStyle/>
+          <a:p>
+            <a:r>
+              <a:rPr lang="zh-CN" altLang="en-US" dirty="0" smtClean="0">
+                <a:latin typeface="微软雅黑" panose="020B0503020204020204" pitchFamily="34" charset="-122"/>
+                <a:ea typeface="微软雅黑" panose="020B0503020204020204" pitchFamily="34" charset="-122"/>
+              </a:rPr>
+              <a:t>名词：</a:t>
+            </a:r>
+            <a:endParaRPr lang="en-US" altLang="zh-CN" dirty="0" smtClean="0">
+              <a:latin typeface="微软雅黑" panose="020B0503020204020204" pitchFamily="34" charset="-122"/>
+              <a:ea typeface="微软雅黑" panose="020B0503020204020204" pitchFamily="34" charset="-122"/>
+            </a:endParaRPr>
+          </a:p>
+          <a:p>
+            <a:pPr marL="285750" indent="-285750">
+              <a:buFont typeface="Wingdings" panose="05000000000000000000" pitchFamily="2" charset="2"/>
+              <a:buChar char="Ø"/>
+            </a:pPr>
+            <a:r>
+              <a:rPr lang="en-US" altLang="zh-CN" sz="1600" dirty="0" smtClean="0">
+                <a:latin typeface="微软雅黑" panose="020B0503020204020204" pitchFamily="34" charset="-122"/>
+                <a:ea typeface="微软雅黑" panose="020B0503020204020204" pitchFamily="34" charset="-122"/>
+              </a:rPr>
+              <a:t>Sprint</a:t>
+            </a:r>
+            <a:r>
+              <a:rPr lang="zh-CN" altLang="en-US" sz="1600" dirty="0" smtClean="0">
+                <a:latin typeface="微软雅黑" panose="020B0503020204020204" pitchFamily="34" charset="-122"/>
+                <a:ea typeface="微软雅黑" panose="020B0503020204020204" pitchFamily="34" charset="-122"/>
+              </a:rPr>
+              <a:t>（迭代，</a:t>
+            </a:r>
+            <a:r>
+              <a:rPr lang="en-US" altLang="zh-CN" sz="1600" dirty="0" smtClean="0">
+                <a:latin typeface="微软雅黑" panose="020B0503020204020204" pitchFamily="34" charset="-122"/>
+                <a:ea typeface="微软雅黑" panose="020B0503020204020204" pitchFamily="34" charset="-122"/>
+              </a:rPr>
+              <a:t>scrum</a:t>
+            </a:r>
+            <a:r>
+              <a:rPr lang="zh-CN" altLang="en-US" sz="1600" dirty="0" smtClean="0">
+                <a:latin typeface="微软雅黑" panose="020B0503020204020204" pitchFamily="34" charset="-122"/>
+                <a:ea typeface="微软雅黑" panose="020B0503020204020204" pitchFamily="34" charset="-122"/>
+              </a:rPr>
+              <a:t>的基本运行单位）</a:t>
+            </a:r>
+            <a:endParaRPr lang="en-US" altLang="zh-CN" sz="1600" dirty="0" smtClean="0">
+              <a:latin typeface="微软雅黑" panose="020B0503020204020204" pitchFamily="34" charset="-122"/>
+              <a:ea typeface="微软雅黑" panose="020B0503020204020204" pitchFamily="34" charset="-122"/>
+            </a:endParaRPr>
+          </a:p>
+          <a:p>
+            <a:pPr marL="285750" indent="-285750">
+              <a:buFont typeface="Wingdings" panose="05000000000000000000" pitchFamily="2" charset="2"/>
+              <a:buChar char="Ø"/>
+            </a:pPr>
+            <a:r>
+              <a:rPr lang="en-US" altLang="zh-CN" sz="1600" dirty="0" smtClean="0">
+                <a:latin typeface="微软雅黑" panose="020B0503020204020204" pitchFamily="34" charset="-122"/>
+                <a:ea typeface="微软雅黑" panose="020B0503020204020204" pitchFamily="34" charset="-122"/>
+              </a:rPr>
+              <a:t>PB</a:t>
+            </a:r>
+            <a:r>
+              <a:rPr lang="zh-CN" altLang="en-US" sz="1600" dirty="0" smtClean="0">
+                <a:latin typeface="微软雅黑" panose="020B0503020204020204" pitchFamily="34" charset="-122"/>
+                <a:ea typeface="微软雅黑" panose="020B0503020204020204" pitchFamily="34" charset="-122"/>
+              </a:rPr>
+              <a:t>（</a:t>
+            </a:r>
+            <a:r>
+              <a:rPr lang="en-US" altLang="zh-CN" sz="1600" dirty="0" smtClean="0">
+                <a:latin typeface="微软雅黑" panose="020B0503020204020204" pitchFamily="34" charset="-122"/>
+                <a:ea typeface="微软雅黑" panose="020B0503020204020204" pitchFamily="34" charset="-122"/>
+              </a:rPr>
+              <a:t>Product Backlog</a:t>
+            </a:r>
+            <a:r>
+              <a:rPr lang="zh-CN" altLang="en-US" sz="1600" dirty="0" smtClean="0">
+                <a:latin typeface="微软雅黑" panose="020B0503020204020204" pitchFamily="34" charset="-122"/>
+                <a:ea typeface="微软雅黑" panose="020B0503020204020204" pitchFamily="34" charset="-122"/>
+              </a:rPr>
+              <a:t>，待完成产品）</a:t>
+            </a:r>
+            <a:endParaRPr lang="en-US" altLang="zh-CN" sz="1600" dirty="0" smtClean="0">
+              <a:latin typeface="微软雅黑" panose="020B0503020204020204" pitchFamily="34" charset="-122"/>
+              <a:ea typeface="微软雅黑" panose="020B0503020204020204" pitchFamily="34" charset="-122"/>
+            </a:endParaRPr>
+          </a:p>
+          <a:p>
+            <a:pPr marL="285750" indent="-285750">
+              <a:buFont typeface="Wingdings" panose="05000000000000000000" pitchFamily="2" charset="2"/>
+              <a:buChar char="Ø"/>
+            </a:pPr>
+            <a:r>
+              <a:rPr lang="en-US" altLang="zh-CN" sz="1600" dirty="0" smtClean="0">
+                <a:latin typeface="微软雅黑" panose="020B0503020204020204" pitchFamily="34" charset="-122"/>
+                <a:ea typeface="微软雅黑" panose="020B0503020204020204" pitchFamily="34" charset="-122"/>
+              </a:rPr>
+              <a:t>Burn-Down Chat</a:t>
+            </a:r>
+            <a:r>
+              <a:rPr lang="zh-CN" altLang="en-US" sz="1600" dirty="0" smtClean="0">
+                <a:latin typeface="微软雅黑" panose="020B0503020204020204" pitchFamily="34" charset="-122"/>
+                <a:ea typeface="微软雅黑" panose="020B0503020204020204" pitchFamily="34" charset="-122"/>
+              </a:rPr>
+              <a:t>（燃尽图，统计任务完成情况）</a:t>
+            </a:r>
+            <a:endParaRPr lang="en-US" altLang="zh-CN" sz="1600" dirty="0" smtClean="0">
+              <a:latin typeface="微软雅黑" panose="020B0503020204020204" pitchFamily="34" charset="-122"/>
+              <a:ea typeface="微软雅黑" panose="020B0503020204020204" pitchFamily="34" charset="-122"/>
+            </a:endParaRPr>
+          </a:p>
+          <a:p>
+            <a:pPr marL="285750" indent="-285750">
+              <a:buFont typeface="Wingdings" panose="05000000000000000000" pitchFamily="2" charset="2"/>
+              <a:buChar char="Ø"/>
+            </a:pPr>
+            <a:endParaRPr lang="en-US" altLang="zh-CN" sz="1600" dirty="0" smtClean="0">
+              <a:latin typeface="微软雅黑" panose="020B0503020204020204" pitchFamily="34" charset="-122"/>
+              <a:ea typeface="微软雅黑" panose="020B0503020204020204" pitchFamily="34" charset="-122"/>
+            </a:endParaRPr>
+          </a:p>
+        </p:txBody>
+      </p:sp>
+    </p:spTree>
+    <p:extLst>
+      <p:ext uri="{BB962C8B-B14F-4D97-AF65-F5344CB8AC3E}">
+        <p14:creationId xmlns:p14="http://schemas.microsoft.com/office/powerpoint/2010/main" val="268147641"/>
+      </p:ext>
+    </p:extLst>
+  </p:cSld>
+  <p:clrMapOvr>
+    <a:masterClrMapping/>
+  </p:clrMapOvr>
+  <p:transition/>
+  <p:timing>
+    <p:tnLst>
+      <p:par>
+        <p:cTn id="1" dur="indefinite" restart="never" nodeType="tmRoot"/>
+      </p:par>
+    </p:tnLst>
+  </p:timing>
+</p:sld>
+</file>
+
+<file path=ppt/slides/slide11.xml><?xml version="1.0" encoding="utf-8"?>
+<p:sld xmlns:a="http://schemas.openxmlformats.org/drawingml/2006/main" xmlns:r="http://schemas.openxmlformats.org/officeDocument/2006/relationships" xmlns:p="http://schemas.openxmlformats.org/presentationml/2006/main">
+  <p:cSld>
+    <p:spTree>
+      <p:nvGrpSpPr>
+        <p:cNvPr id="1" name=""/>
+        <p:cNvGrpSpPr/>
+        <p:nvPr/>
+      </p:nvGrpSpPr>
+      <p:grpSpPr>
+        <a:xfrm>
+          <a:off x="0" y="0"/>
+          <a:ext cx="0" cy="0"/>
+          <a:chOff x="0" y="0"/>
+          <a:chExt cx="0" cy="0"/>
+        </a:xfrm>
+      </p:grpSpPr>
+      <p:sp>
+        <p:nvSpPr>
+          <p:cNvPr id="2" name="TextBox 1"/>
+          <p:cNvSpPr txBox="1"/>
+          <p:nvPr/>
+        </p:nvSpPr>
+        <p:spPr>
+          <a:xfrm>
+            <a:off x="609600" y="457200"/>
+            <a:ext cx="7772400" cy="1354217"/>
+          </a:xfrm>
+          <a:prstGeom prst="rect">
+            <a:avLst/>
+          </a:prstGeom>
+          <a:noFill/>
+        </p:spPr>
+        <p:txBody>
+          <a:bodyPr wrap="square" rtlCol="0">
+            <a:spAutoFit/>
+          </a:bodyPr>
+          <a:lstStyle/>
+          <a:p>
+            <a:r>
+              <a:rPr lang="zh-CN" altLang="en-US" dirty="0">
+                <a:latin typeface="微软雅黑" panose="020B0503020204020204" pitchFamily="34" charset="-122"/>
+                <a:ea typeface="微软雅黑" panose="020B0503020204020204" pitchFamily="34" charset="-122"/>
+              </a:rPr>
+              <a:t>三</a:t>
+            </a:r>
+            <a:r>
+              <a:rPr lang="zh-CN" altLang="en-US" dirty="0" smtClean="0">
+                <a:latin typeface="微软雅黑" panose="020B0503020204020204" pitchFamily="34" charset="-122"/>
+                <a:ea typeface="微软雅黑" panose="020B0503020204020204" pitchFamily="34" charset="-122"/>
+              </a:rPr>
+              <a:t>个会议（</a:t>
+            </a:r>
+            <a:r>
+              <a:rPr lang="en-US" altLang="zh-CN" dirty="0" smtClean="0">
+                <a:latin typeface="微软雅黑" panose="020B0503020204020204" pitchFamily="34" charset="-122"/>
+                <a:ea typeface="微软雅黑" panose="020B0503020204020204" pitchFamily="34" charset="-122"/>
+              </a:rPr>
+              <a:t>Meeting</a:t>
+            </a:r>
+            <a:r>
+              <a:rPr lang="zh-CN" altLang="en-US" dirty="0" smtClean="0">
+                <a:latin typeface="微软雅黑" panose="020B0503020204020204" pitchFamily="34" charset="-122"/>
+                <a:ea typeface="微软雅黑" panose="020B0503020204020204" pitchFamily="34" charset="-122"/>
+              </a:rPr>
+              <a:t>）：</a:t>
+            </a:r>
+            <a:endParaRPr lang="en-US" altLang="zh-CN" dirty="0" smtClean="0">
+              <a:latin typeface="微软雅黑" panose="020B0503020204020204" pitchFamily="34" charset="-122"/>
+              <a:ea typeface="微软雅黑" panose="020B0503020204020204" pitchFamily="34" charset="-122"/>
+            </a:endParaRPr>
+          </a:p>
+          <a:p>
+            <a:pPr marL="285750" indent="-285750">
+              <a:buFont typeface="Wingdings" panose="05000000000000000000" pitchFamily="2" charset="2"/>
+              <a:buChar char="Ø"/>
+            </a:pPr>
+            <a:r>
+              <a:rPr lang="en-US" altLang="zh-CN" sz="1600" dirty="0" smtClean="0">
+                <a:latin typeface="微软雅黑" panose="020B0503020204020204" pitchFamily="34" charset="-122"/>
+                <a:ea typeface="微软雅黑" panose="020B0503020204020204" pitchFamily="34" charset="-122"/>
+              </a:rPr>
+              <a:t>Sprint</a:t>
+            </a:r>
+            <a:r>
+              <a:rPr lang="zh-CN" altLang="en-US" sz="1600" dirty="0" smtClean="0">
+                <a:latin typeface="微软雅黑" panose="020B0503020204020204" pitchFamily="34" charset="-122"/>
+                <a:ea typeface="微软雅黑" panose="020B0503020204020204" pitchFamily="34" charset="-122"/>
+              </a:rPr>
+              <a:t>（迭代，</a:t>
+            </a:r>
+            <a:r>
+              <a:rPr lang="en-US" altLang="zh-CN" sz="1600" dirty="0" smtClean="0">
+                <a:latin typeface="微软雅黑" panose="020B0503020204020204" pitchFamily="34" charset="-122"/>
+                <a:ea typeface="微软雅黑" panose="020B0503020204020204" pitchFamily="34" charset="-122"/>
+              </a:rPr>
+              <a:t>scrum</a:t>
+            </a:r>
+            <a:r>
+              <a:rPr lang="zh-CN" altLang="en-US" sz="1600" dirty="0" smtClean="0">
+                <a:latin typeface="微软雅黑" panose="020B0503020204020204" pitchFamily="34" charset="-122"/>
+                <a:ea typeface="微软雅黑" panose="020B0503020204020204" pitchFamily="34" charset="-122"/>
+              </a:rPr>
+              <a:t>的基本运行单位）</a:t>
+            </a:r>
+            <a:endParaRPr lang="en-US" altLang="zh-CN" sz="1600" dirty="0" smtClean="0">
+              <a:latin typeface="微软雅黑" panose="020B0503020204020204" pitchFamily="34" charset="-122"/>
+              <a:ea typeface="微软雅黑" panose="020B0503020204020204" pitchFamily="34" charset="-122"/>
+            </a:endParaRPr>
+          </a:p>
+          <a:p>
+            <a:pPr marL="285750" indent="-285750">
+              <a:buFont typeface="Wingdings" panose="05000000000000000000" pitchFamily="2" charset="2"/>
+              <a:buChar char="Ø"/>
+            </a:pPr>
+            <a:r>
+              <a:rPr lang="en-US" altLang="zh-CN" sz="1600" dirty="0" smtClean="0">
+                <a:latin typeface="微软雅黑" panose="020B0503020204020204" pitchFamily="34" charset="-122"/>
+                <a:ea typeface="微软雅黑" panose="020B0503020204020204" pitchFamily="34" charset="-122"/>
+              </a:rPr>
+              <a:t>PB</a:t>
+            </a:r>
+            <a:r>
+              <a:rPr lang="zh-CN" altLang="en-US" sz="1600" dirty="0" smtClean="0">
+                <a:latin typeface="微软雅黑" panose="020B0503020204020204" pitchFamily="34" charset="-122"/>
+                <a:ea typeface="微软雅黑" panose="020B0503020204020204" pitchFamily="34" charset="-122"/>
+              </a:rPr>
+              <a:t>（</a:t>
+            </a:r>
+            <a:r>
+              <a:rPr lang="en-US" altLang="zh-CN" sz="1600" dirty="0" smtClean="0">
+                <a:latin typeface="微软雅黑" panose="020B0503020204020204" pitchFamily="34" charset="-122"/>
+                <a:ea typeface="微软雅黑" panose="020B0503020204020204" pitchFamily="34" charset="-122"/>
+              </a:rPr>
+              <a:t>Product Backlog</a:t>
+            </a:r>
+            <a:r>
+              <a:rPr lang="zh-CN" altLang="en-US" sz="1600" dirty="0" smtClean="0">
+                <a:latin typeface="微软雅黑" panose="020B0503020204020204" pitchFamily="34" charset="-122"/>
+                <a:ea typeface="微软雅黑" panose="020B0503020204020204" pitchFamily="34" charset="-122"/>
+              </a:rPr>
+              <a:t>，待完成产品）</a:t>
+            </a:r>
+            <a:endParaRPr lang="en-US" altLang="zh-CN" sz="1600" dirty="0" smtClean="0">
+              <a:latin typeface="微软雅黑" panose="020B0503020204020204" pitchFamily="34" charset="-122"/>
+              <a:ea typeface="微软雅黑" panose="020B0503020204020204" pitchFamily="34" charset="-122"/>
+            </a:endParaRPr>
+          </a:p>
+          <a:p>
+            <a:pPr marL="285750" indent="-285750">
+              <a:buFont typeface="Wingdings" panose="05000000000000000000" pitchFamily="2" charset="2"/>
+              <a:buChar char="Ø"/>
+            </a:pPr>
+            <a:r>
+              <a:rPr lang="en-US" altLang="zh-CN" sz="1600" dirty="0" err="1" smtClean="0">
+                <a:latin typeface="微软雅黑" panose="020B0503020204020204" pitchFamily="34" charset="-122"/>
+                <a:ea typeface="微软雅黑" panose="020B0503020204020204" pitchFamily="34" charset="-122"/>
+              </a:rPr>
+              <a:t>BurnDown</a:t>
+            </a:r>
+            <a:r>
+              <a:rPr lang="en-US" altLang="zh-CN" sz="1600" dirty="0" smtClean="0">
+                <a:latin typeface="微软雅黑" panose="020B0503020204020204" pitchFamily="34" charset="-122"/>
+                <a:ea typeface="微软雅黑" panose="020B0503020204020204" pitchFamily="34" charset="-122"/>
+              </a:rPr>
+              <a:t> Chat</a:t>
+            </a:r>
+            <a:r>
+              <a:rPr lang="zh-CN" altLang="en-US" sz="1600" dirty="0" smtClean="0">
+                <a:latin typeface="微软雅黑" panose="020B0503020204020204" pitchFamily="34" charset="-122"/>
+                <a:ea typeface="微软雅黑" panose="020B0503020204020204" pitchFamily="34" charset="-122"/>
+              </a:rPr>
+              <a:t>（燃尽图，查看任务完成情况）</a:t>
+            </a:r>
+            <a:endParaRPr lang="en-US" altLang="zh-CN" sz="1600" dirty="0" smtClean="0">
+              <a:latin typeface="微软雅黑" panose="020B0503020204020204" pitchFamily="34" charset="-122"/>
+              <a:ea typeface="微软雅黑" panose="020B0503020204020204" pitchFamily="34" charset="-122"/>
+            </a:endParaRPr>
+          </a:p>
+          <a:p>
+            <a:pPr marL="285750" indent="-285750">
+              <a:buFont typeface="Wingdings" panose="05000000000000000000" pitchFamily="2" charset="2"/>
+              <a:buChar char="Ø"/>
+            </a:pPr>
+            <a:endParaRPr lang="en-US" altLang="zh-CN" sz="1600" dirty="0" smtClean="0">
+              <a:latin typeface="微软雅黑" panose="020B0503020204020204" pitchFamily="34" charset="-122"/>
+              <a:ea typeface="微软雅黑" panose="020B0503020204020204" pitchFamily="34" charset="-122"/>
+            </a:endParaRPr>
+          </a:p>
+        </p:txBody>
+      </p:sp>
+    </p:spTree>
+    <p:extLst>
+      <p:ext uri="{BB962C8B-B14F-4D97-AF65-F5344CB8AC3E}">
+        <p14:creationId xmlns:p14="http://schemas.microsoft.com/office/powerpoint/2010/main" val="4072774200"/>
+      </p:ext>
+    </p:extLst>
+  </p:cSld>
+  <p:clrMapOvr>
+    <a:masterClrMapping/>
+  </p:clrMapOvr>
+  <p:transition/>
+  <p:timing>
+    <p:tnLst>
+      <p:par>
+        <p:cTn id="1" dur="indefinite" restart="never" nodeType="tmRoot"/>
+      </p:par>
+    </p:tnLst>
+  </p:timing>
+</p:sld>
+</file>
+
+<file path=ppt/slides/slide12.xml><?xml version="1.0" encoding="utf-8"?>
+<p:sld xmlns:a="http://schemas.openxmlformats.org/drawingml/2006/main" xmlns:r="http://schemas.openxmlformats.org/officeDocument/2006/relationships" xmlns:p="http://schemas.openxmlformats.org/presentationml/2006/main">
+  <p:cSld>
+    <p:spTree>
+      <p:nvGrpSpPr>
+        <p:cNvPr id="1" name=""/>
+        <p:cNvGrpSpPr/>
+        <p:nvPr/>
+      </p:nvGrpSpPr>
+      <p:grpSpPr>
+        <a:xfrm>
+          <a:off x="0" y="0"/>
+          <a:ext cx="0" cy="0"/>
+          <a:chOff x="0" y="0"/>
+          <a:chExt cx="0" cy="0"/>
+        </a:xfrm>
+      </p:grpSpPr>
+      <p:sp>
+        <p:nvSpPr>
+          <p:cNvPr id="2" name="TextBox 1"/>
+          <p:cNvSpPr txBox="1"/>
+          <p:nvPr/>
+        </p:nvSpPr>
+        <p:spPr>
+          <a:xfrm>
+            <a:off x="609600" y="457200"/>
+            <a:ext cx="7772400" cy="2708434"/>
+          </a:xfrm>
+          <a:prstGeom prst="rect">
+            <a:avLst/>
+          </a:prstGeom>
+          <a:noFill/>
+        </p:spPr>
+        <p:txBody>
+          <a:bodyPr wrap="square" rtlCol="0">
+            <a:spAutoFit/>
+          </a:bodyPr>
+          <a:lstStyle/>
+          <a:p>
+            <a:r>
+              <a:rPr lang="zh-CN" altLang="en-US" dirty="0" smtClean="0">
+                <a:latin typeface="微软雅黑" panose="020B0503020204020204" pitchFamily="34" charset="-122"/>
+                <a:ea typeface="微软雅黑" panose="020B0503020204020204" pitchFamily="34" charset="-122"/>
+              </a:rPr>
+              <a:t>三个基本角色（</a:t>
+            </a:r>
+            <a:r>
+              <a:rPr lang="en-US" altLang="zh-CN" dirty="0" smtClean="0">
+                <a:latin typeface="微软雅黑" panose="020B0503020204020204" pitchFamily="34" charset="-122"/>
+                <a:ea typeface="微软雅黑" panose="020B0503020204020204" pitchFamily="34" charset="-122"/>
+              </a:rPr>
+              <a:t>Role</a:t>
+            </a:r>
+            <a:r>
+              <a:rPr lang="zh-CN" altLang="en-US" dirty="0" smtClean="0">
+                <a:latin typeface="微软雅黑" panose="020B0503020204020204" pitchFamily="34" charset="-122"/>
+                <a:ea typeface="微软雅黑" panose="020B0503020204020204" pitchFamily="34" charset="-122"/>
+              </a:rPr>
+              <a:t>）：</a:t>
+            </a:r>
+            <a:endParaRPr lang="en-US" altLang="zh-CN" dirty="0" smtClean="0">
+              <a:latin typeface="微软雅黑" panose="020B0503020204020204" pitchFamily="34" charset="-122"/>
+              <a:ea typeface="微软雅黑" panose="020B0503020204020204" pitchFamily="34" charset="-122"/>
+            </a:endParaRPr>
+          </a:p>
+          <a:p>
+            <a:pPr marL="285750" indent="-285750">
+              <a:buFont typeface="Wingdings" panose="05000000000000000000" pitchFamily="2" charset="2"/>
+              <a:buChar char="Ø"/>
+            </a:pPr>
+            <a:r>
+              <a:rPr lang="en-US" altLang="zh-CN" sz="1600" dirty="0" smtClean="0">
+                <a:latin typeface="微软雅黑" panose="020B0503020204020204" pitchFamily="34" charset="-122"/>
+                <a:ea typeface="微软雅黑" panose="020B0503020204020204" pitchFamily="34" charset="-122"/>
+              </a:rPr>
+              <a:t>Product Owner</a:t>
+            </a:r>
+            <a:r>
+              <a:rPr lang="zh-CN" altLang="en-US" sz="1600" dirty="0" smtClean="0">
+                <a:latin typeface="微软雅黑" panose="020B0503020204020204" pitchFamily="34" charset="-122"/>
+                <a:ea typeface="微软雅黑" panose="020B0503020204020204" pitchFamily="34" charset="-122"/>
+              </a:rPr>
+              <a:t>：</a:t>
+            </a:r>
+            <a:r>
+              <a:rPr lang="en-US" altLang="zh-CN" sz="1600" dirty="0" smtClean="0">
+                <a:latin typeface="微软雅黑" panose="020B0503020204020204" pitchFamily="34" charset="-122"/>
+                <a:ea typeface="微软雅黑" panose="020B0503020204020204" pitchFamily="34" charset="-122"/>
+              </a:rPr>
+              <a:t>(</a:t>
+            </a:r>
+            <a:r>
+              <a:rPr lang="zh-CN" altLang="en-US" sz="1600" dirty="0" smtClean="0">
+                <a:latin typeface="微软雅黑" panose="020B0503020204020204" pitchFamily="34" charset="-122"/>
+                <a:ea typeface="微软雅黑" panose="020B0503020204020204" pitchFamily="34" charset="-122"/>
+              </a:rPr>
+              <a:t>产品负责人）</a:t>
+            </a:r>
+            <a:endParaRPr lang="en-US" altLang="zh-CN" sz="1600" dirty="0">
+              <a:latin typeface="微软雅黑" panose="020B0503020204020204" pitchFamily="34" charset="-122"/>
+              <a:ea typeface="微软雅黑" panose="020B0503020204020204" pitchFamily="34" charset="-122"/>
+            </a:endParaRPr>
+          </a:p>
+          <a:p>
+            <a:r>
+              <a:rPr lang="zh-CN" altLang="en-US" sz="1400" dirty="0" smtClean="0">
+                <a:latin typeface="微软雅黑" panose="020B0503020204020204" pitchFamily="34" charset="-122"/>
+                <a:ea typeface="微软雅黑" panose="020B0503020204020204" pitchFamily="34" charset="-122"/>
+              </a:rPr>
+              <a:t>职责：</a:t>
+            </a:r>
+            <a:endParaRPr lang="en-US" altLang="zh-CN" sz="1400" dirty="0" smtClean="0">
+              <a:latin typeface="微软雅黑" panose="020B0503020204020204" pitchFamily="34" charset="-122"/>
+              <a:ea typeface="微软雅黑" panose="020B0503020204020204" pitchFamily="34" charset="-122"/>
+            </a:endParaRPr>
+          </a:p>
+          <a:p>
+            <a:pPr marL="285750" indent="-285750">
+              <a:buFont typeface="Wingdings" panose="05000000000000000000" pitchFamily="2" charset="2"/>
+              <a:buChar char="l"/>
+            </a:pPr>
+            <a:r>
+              <a:rPr lang="zh-CN" altLang="en-US" sz="1400" dirty="0" smtClean="0">
+                <a:latin typeface="微软雅黑" panose="020B0503020204020204" pitchFamily="34" charset="-122"/>
+                <a:ea typeface="微软雅黑" panose="020B0503020204020204" pitchFamily="34" charset="-122"/>
+              </a:rPr>
+              <a:t>决定发布日期和发布内容</a:t>
+            </a:r>
+            <a:endParaRPr lang="en-US" altLang="zh-CN" sz="1400" dirty="0" smtClean="0">
+              <a:latin typeface="微软雅黑" panose="020B0503020204020204" pitchFamily="34" charset="-122"/>
+              <a:ea typeface="微软雅黑" panose="020B0503020204020204" pitchFamily="34" charset="-122"/>
+            </a:endParaRPr>
+          </a:p>
+          <a:p>
+            <a:pPr marL="285750" indent="-285750">
+              <a:buFont typeface="Wingdings" panose="05000000000000000000" pitchFamily="2" charset="2"/>
+              <a:buChar char="l"/>
+            </a:pPr>
+            <a:r>
+              <a:rPr lang="zh-CN" altLang="en-US" sz="1400" dirty="0" smtClean="0">
+                <a:latin typeface="微软雅黑" panose="020B0503020204020204" pitchFamily="34" charset="-122"/>
+                <a:ea typeface="微软雅黑" panose="020B0503020204020204" pitchFamily="34" charset="-122"/>
+              </a:rPr>
+              <a:t>维护</a:t>
+            </a:r>
+            <a:r>
+              <a:rPr lang="en-US" altLang="zh-CN" sz="1400" dirty="0" smtClean="0">
+                <a:latin typeface="微软雅黑" panose="020B0503020204020204" pitchFamily="34" charset="-122"/>
+                <a:ea typeface="微软雅黑" panose="020B0503020204020204" pitchFamily="34" charset="-122"/>
+              </a:rPr>
+              <a:t>PB List</a:t>
+            </a:r>
+            <a:r>
+              <a:rPr lang="zh-CN" altLang="en-US" sz="1400" dirty="0" smtClean="0">
+                <a:latin typeface="微软雅黑" panose="020B0503020204020204" pitchFamily="34" charset="-122"/>
+                <a:ea typeface="微软雅黑" panose="020B0503020204020204" pitchFamily="34" charset="-122"/>
+              </a:rPr>
+              <a:t>（产品列表），并调整优先级</a:t>
+            </a:r>
+            <a:endParaRPr lang="en-US" altLang="zh-CN" sz="1400" dirty="0" smtClean="0">
+              <a:latin typeface="微软雅黑" panose="020B0503020204020204" pitchFamily="34" charset="-122"/>
+              <a:ea typeface="微软雅黑" panose="020B0503020204020204" pitchFamily="34" charset="-122"/>
+            </a:endParaRPr>
+          </a:p>
+          <a:p>
+            <a:pPr marL="285750" indent="-285750">
+              <a:buFont typeface="Wingdings" panose="05000000000000000000" pitchFamily="2" charset="2"/>
+              <a:buChar char="l"/>
+            </a:pPr>
+            <a:r>
+              <a:rPr lang="zh-CN" altLang="en-US" sz="1400" dirty="0" smtClean="0">
+                <a:latin typeface="微软雅黑" panose="020B0503020204020204" pitchFamily="34" charset="-122"/>
+                <a:ea typeface="微软雅黑" panose="020B0503020204020204" pitchFamily="34" charset="-122"/>
+              </a:rPr>
+              <a:t>接受或者拒绝开发团队的工作成果</a:t>
+            </a:r>
+            <a:endParaRPr lang="en-US" altLang="zh-CN" sz="1400" dirty="0" smtClean="0">
+              <a:latin typeface="微软雅黑" panose="020B0503020204020204" pitchFamily="34" charset="-122"/>
+              <a:ea typeface="微软雅黑" panose="020B0503020204020204" pitchFamily="34" charset="-122"/>
+            </a:endParaRPr>
+          </a:p>
+          <a:p>
+            <a:endParaRPr lang="en-US" altLang="zh-CN" sz="1600" dirty="0" smtClean="0">
+              <a:latin typeface="微软雅黑" panose="020B0503020204020204" pitchFamily="34" charset="-122"/>
+              <a:ea typeface="微软雅黑" panose="020B0503020204020204" pitchFamily="34" charset="-122"/>
+            </a:endParaRPr>
+          </a:p>
+          <a:p>
+            <a:pPr marL="285750" indent="-285750">
+              <a:buFont typeface="Wingdings" panose="05000000000000000000" pitchFamily="2" charset="2"/>
+              <a:buChar char="Ø"/>
+            </a:pPr>
+            <a:r>
+              <a:rPr lang="en-US" altLang="zh-CN" sz="1600" dirty="0" smtClean="0">
+                <a:latin typeface="微软雅黑" panose="020B0503020204020204" pitchFamily="34" charset="-122"/>
+                <a:ea typeface="微软雅黑" panose="020B0503020204020204" pitchFamily="34" charset="-122"/>
+              </a:rPr>
+              <a:t>Scrum Master</a:t>
+            </a:r>
+          </a:p>
+          <a:p>
+            <a:r>
+              <a:rPr lang="zh-CN" altLang="en-US" sz="1600" dirty="0" smtClean="0">
+                <a:latin typeface="微软雅黑" panose="020B0503020204020204" pitchFamily="34" charset="-122"/>
+                <a:ea typeface="微软雅黑" panose="020B0503020204020204" pitchFamily="34" charset="-122"/>
+              </a:rPr>
+              <a:t>职责：</a:t>
+            </a:r>
+            <a:endParaRPr lang="en-US" altLang="zh-CN" sz="1600" dirty="0">
+              <a:latin typeface="微软雅黑" panose="020B0503020204020204" pitchFamily="34" charset="-122"/>
+              <a:ea typeface="微软雅黑" panose="020B0503020204020204" pitchFamily="34" charset="-122"/>
+            </a:endParaRPr>
+          </a:p>
+          <a:p>
+            <a:endParaRPr lang="en-US" altLang="zh-CN" sz="1600" dirty="0" smtClean="0">
+              <a:latin typeface="微软雅黑" panose="020B0503020204020204" pitchFamily="34" charset="-122"/>
+              <a:ea typeface="微软雅黑" panose="020B0503020204020204" pitchFamily="34" charset="-122"/>
+            </a:endParaRPr>
+          </a:p>
+          <a:p>
+            <a:pPr marL="285750" indent="-285750">
+              <a:buFont typeface="Wingdings" panose="05000000000000000000" pitchFamily="2" charset="2"/>
+              <a:buChar char="Ø"/>
+            </a:pPr>
+            <a:r>
+              <a:rPr lang="en-US" altLang="zh-CN" sz="1600" dirty="0" smtClean="0">
+                <a:latin typeface="微软雅黑" panose="020B0503020204020204" pitchFamily="34" charset="-122"/>
+                <a:ea typeface="微软雅黑" panose="020B0503020204020204" pitchFamily="34" charset="-122"/>
+              </a:rPr>
+              <a:t>Scrum Team</a:t>
+            </a:r>
+          </a:p>
+        </p:txBody>
+      </p:sp>
+    </p:spTree>
+    <p:extLst>
+      <p:ext uri="{BB962C8B-B14F-4D97-AF65-F5344CB8AC3E}">
+        <p14:creationId xmlns:p14="http://schemas.microsoft.com/office/powerpoint/2010/main" val="4072774200"/>
+      </p:ext>
+    </p:extLst>
+  </p:cSld>
+  <p:clrMapOvr>
+    <a:masterClrMapping/>
+  </p:clrMapOvr>
+  <p:transition/>
+  <p:timing>
+    <p:tnLst>
+      <p:par>
+        <p:cTn id="1" dur="indefinite" restart="never" nodeType="tmRoot"/>
+      </p:par>
+    </p:tnLst>
+  </p:timing>
+</p:sld>
+</file>
+
+<file path=ppt/slides/slide13.xml><?xml version="1.0" encoding="utf-8"?>
+<p:sld xmlns:a="http://schemas.openxmlformats.org/drawingml/2006/main" xmlns:r="http://schemas.openxmlformats.org/officeDocument/2006/relationships" xmlns:p="http://schemas.openxmlformats.org/presentationml/2006/main">
+  <p:cSld>
+    <p:spTree>
+      <p:nvGrpSpPr>
+        <p:cNvPr id="1" name=""/>
+        <p:cNvGrpSpPr/>
+        <p:nvPr/>
+      </p:nvGrpSpPr>
+      <p:grpSpPr>
+        <a:xfrm>
+          <a:off x="0" y="0"/>
+          <a:ext cx="0" cy="0"/>
+          <a:chOff x="0" y="0"/>
+          <a:chExt cx="0" cy="0"/>
+        </a:xfrm>
+      </p:grpSpPr>
+      <p:pic>
+        <p:nvPicPr>
+          <p:cNvPr id="1026" name="Picture 2"/>
+          <p:cNvPicPr>
+            <a:picLocks noChangeAspect="1" noChangeArrowheads="1"/>
+          </p:cNvPicPr>
+          <p:nvPr/>
+        </p:nvPicPr>
+        <p:blipFill>
+          <a:blip r:embed="rId2">
+            <a:extLst>
+              <a:ext uri="{28A0092B-C50C-407E-A947-70E740481C1C}">
+                <a14:useLocalDpi xmlns:a14="http://schemas.microsoft.com/office/drawing/2010/main" val="0"/>
+              </a:ext>
+            </a:extLst>
+          </a:blip>
+          <a:srcRect/>
+          <a:stretch>
+            <a:fillRect/>
+          </a:stretch>
+        </p:blipFill>
+        <p:spPr bwMode="auto">
+          <a:xfrm>
+            <a:off x="1600200" y="1905000"/>
+            <a:ext cx="6134100" cy="1485900"/>
+          </a:xfrm>
+          <a:prstGeom prst="rect">
+            <a:avLst/>
+          </a:prstGeom>
+          <a:noFill/>
+          <a:ln>
+            <a:noFill/>
+          </a:ln>
+          <a:effectLst/>
+          <a:extLst>
+            <a:ext uri="{909E8E84-426E-40DD-AFC4-6F175D3DCCD1}">
+              <a14:hiddenFill xmlns:a14="http://schemas.microsoft.com/office/drawing/2010/main">
+                <a:solidFill>
+                  <a:schemeClr val="accent1"/>
+                </a:solidFill>
+              </a14:hiddenFill>
+            </a:ext>
+            <a:ext uri="{91240B29-F687-4F45-9708-019B960494DF}">
+              <a14:hiddenLine xmlns:a14="http://schemas.microsoft.com/office/drawing/2010/main" w="9525">
+                <a:solidFill>
+                  <a:schemeClr val="tx1"/>
+                </a:solidFill>
+                <a:miter lim="800000"/>
+                <a:headEnd/>
+                <a:tailEnd/>
+              </a14:hiddenLine>
+            </a:ext>
+            <a:ext uri="{AF507438-7753-43E0-B8FC-AC1667EBCBE1}">
+              <a14:hiddenEffects xmlns:a14="http://schemas.microsoft.com/office/drawing/2010/main">
+                <a:effectLst>
+                  <a:outerShdw dist="35921" dir="2700000" algn="ctr" rotWithShape="0">
+                    <a:schemeClr val="bg2"/>
+                  </a:outerShdw>
+                </a:effectLst>
+              </a14:hiddenEffects>
+            </a:ext>
+          </a:extLst>
+        </p:spPr>
+      </p:pic>
+    </p:spTree>
+    <p:extLst>
+      <p:ext uri="{BB962C8B-B14F-4D97-AF65-F5344CB8AC3E}">
+        <p14:creationId xmlns:p14="http://schemas.microsoft.com/office/powerpoint/2010/main" val="1623504350"/>
+      </p:ext>
+    </p:extLst>
+  </p:cSld>
+  <p:clrMapOvr>
+    <a:masterClrMapping/>
+  </p:clrMapOvr>
+  <p:transition/>
+  <p:timing>
+    <p:tnLst>
+      <p:par>
+        <p:cTn id="1" dur="indefinite" restart="never" nodeType="tmRoot"/>
+      </p:par>
+    </p:tnLst>
+  </p:timing>
+</p:sld>
+</file>
+
+<file path=ppt/slides/slide14.xml><?xml version="1.0" encoding="utf-8"?>
 <p:sld xmlns:a="http://schemas.openxmlformats.org/drawingml/2006/main" xmlns:r="http://schemas.openxmlformats.org/officeDocument/2006/relationships" xmlns:p="http://schemas.openxmlformats.org/presentationml/2006/main">
   <p:cSld>
     <p:spTree>
@@ -7614,6 +8544,83 @@
           </a:p>
         </p:txBody>
       </p:sp>
+      <p:sp>
+        <p:nvSpPr>
+          <p:cNvPr id="2" name="矩形 1"/>
+          <p:cNvSpPr/>
+          <p:nvPr/>
+        </p:nvSpPr>
+        <p:spPr>
+          <a:xfrm>
+            <a:off x="838200" y="1219200"/>
+            <a:ext cx="7696200" cy="923330"/>
+          </a:xfrm>
+          <a:prstGeom prst="rect">
+            <a:avLst/>
+          </a:prstGeom>
+        </p:spPr>
+        <p:txBody>
+          <a:bodyPr wrap="square">
+            <a:spAutoFit/>
+          </a:bodyPr>
+          <a:lstStyle/>
+          <a:p>
+            <a:r>
+              <a:rPr lang="en-US" altLang="zh-CN" dirty="0" smtClean="0">
+                <a:latin typeface="微软雅黑" panose="020B0503020204020204" pitchFamily="34" charset="-122"/>
+                <a:ea typeface="微软雅黑" panose="020B0503020204020204" pitchFamily="34" charset="-122"/>
+              </a:rPr>
+              <a:t>	</a:t>
+            </a:r>
+            <a:r>
+              <a:rPr lang="zh-CN" altLang="en-US" dirty="0" smtClean="0">
+                <a:latin typeface="微软雅黑" panose="020B0503020204020204" pitchFamily="34" charset="-122"/>
+                <a:ea typeface="微软雅黑" panose="020B0503020204020204" pitchFamily="34" charset="-122"/>
+              </a:rPr>
+              <a:t>福特</a:t>
+            </a:r>
+            <a:r>
+              <a:rPr lang="zh-CN" altLang="en-US" dirty="0">
+                <a:latin typeface="微软雅黑" panose="020B0503020204020204" pitchFamily="34" charset="-122"/>
+                <a:ea typeface="微软雅黑" panose="020B0503020204020204" pitchFamily="34" charset="-122"/>
+              </a:rPr>
+              <a:t>公司的</a:t>
+            </a:r>
+            <a:r>
+              <a:rPr lang="zh-CN" altLang="en-US" dirty="0" smtClean="0">
+                <a:latin typeface="微软雅黑" panose="020B0503020204020204" pitchFamily="34" charset="-122"/>
+                <a:ea typeface="微软雅黑" panose="020B0503020204020204" pitchFamily="34" charset="-122"/>
+              </a:rPr>
+              <a:t>创始人</a:t>
+            </a:r>
+            <a:r>
+              <a:rPr lang="en-US" altLang="zh-CN" dirty="0" smtClean="0">
+                <a:latin typeface="微软雅黑" panose="020B0503020204020204" pitchFamily="34" charset="-122"/>
+                <a:ea typeface="微软雅黑" panose="020B0503020204020204" pitchFamily="34" charset="-122"/>
+              </a:rPr>
+              <a:t>Henry Ford</a:t>
+            </a:r>
+            <a:r>
+              <a:rPr lang="zh-CN" altLang="en-US" dirty="0" smtClean="0">
+                <a:latin typeface="微软雅黑" panose="020B0503020204020204" pitchFamily="34" charset="-122"/>
+                <a:ea typeface="微软雅黑" panose="020B0503020204020204" pitchFamily="34" charset="-122"/>
+              </a:rPr>
+              <a:t>先生</a:t>
+            </a:r>
+            <a:r>
+              <a:rPr lang="zh-CN" altLang="en-US" dirty="0">
+                <a:latin typeface="微软雅黑" panose="020B0503020204020204" pitchFamily="34" charset="-122"/>
+                <a:ea typeface="微软雅黑" panose="020B0503020204020204" pitchFamily="34" charset="-122"/>
+              </a:rPr>
+              <a:t>到处跑去问客户：“您需要一个什么样的更好的交通工具？”几乎所有人的答案都是：“我要一匹更快的马”。</a:t>
+            </a:r>
+            <a:endParaRPr lang="zh-CN" altLang="en-US" dirty="0">
+              <a:latin typeface="微软雅黑" panose="020B0503020204020204" pitchFamily="34" charset="-122"/>
+              <a:ea typeface="微软雅黑" panose="020B0503020204020204" pitchFamily="34" charset="-122"/>
+            </a:endParaRPr>
+          </a:p>
+        </p:txBody>
+      </p:sp>
     </p:spTree>
     <p:extLst>
       <p:ext uri="{BB962C8B-B14F-4D97-AF65-F5344CB8AC3E}">
@@ -8338,6 +9345,616 @@
           </a:p>
         </p:txBody>
       </p:sp>
+      <p:sp>
+        <p:nvSpPr>
+          <p:cNvPr id="4" name="TextBox 3"/>
+          <p:cNvSpPr txBox="1"/>
+          <p:nvPr/>
+        </p:nvSpPr>
+        <p:spPr>
+          <a:xfrm>
+            <a:off x="457200" y="1295400"/>
+            <a:ext cx="3276600" cy="892552"/>
+          </a:xfrm>
+          <a:prstGeom prst="rect">
+            <a:avLst/>
+          </a:prstGeom>
+          <a:noFill/>
+        </p:spPr>
+        <p:txBody>
+          <a:bodyPr wrap="square" rtlCol="0">
+            <a:spAutoFit/>
+          </a:bodyPr>
+          <a:lstStyle/>
+          <a:p>
+            <a:r>
+              <a:rPr lang="zh-CN" altLang="en-US" b="1" dirty="0" smtClean="0">
+                <a:latin typeface="微软雅黑" panose="020B0503020204020204" pitchFamily="34" charset="-122"/>
+                <a:ea typeface="微软雅黑" panose="020B0503020204020204" pitchFamily="34" charset="-122"/>
+              </a:rPr>
+              <a:t>倡导：</a:t>
+            </a:r>
+            <a:r>
+              <a:rPr lang="zh-CN" altLang="en-US" sz="1600" dirty="0" smtClean="0">
+                <a:latin typeface="微软雅黑" panose="020B0503020204020204" pitchFamily="34" charset="-122"/>
+                <a:ea typeface="微软雅黑" panose="020B0503020204020204" pitchFamily="34" charset="-122"/>
+              </a:rPr>
+              <a:t>拥抱变化</a:t>
+            </a:r>
+            <a:endParaRPr lang="en-US" altLang="zh-CN" sz="1600" dirty="0" smtClean="0">
+              <a:latin typeface="微软雅黑" panose="020B0503020204020204" pitchFamily="34" charset="-122"/>
+              <a:ea typeface="微软雅黑" panose="020B0503020204020204" pitchFamily="34" charset="-122"/>
+            </a:endParaRPr>
+          </a:p>
+          <a:p>
+            <a:endParaRPr lang="en-US" altLang="zh-CN" sz="1600" dirty="0">
+              <a:latin typeface="微软雅黑" panose="020B0503020204020204" pitchFamily="34" charset="-122"/>
+              <a:ea typeface="微软雅黑" panose="020B0503020204020204" pitchFamily="34" charset="-122"/>
+            </a:endParaRPr>
+          </a:p>
+          <a:p>
+            <a:r>
+              <a:rPr lang="zh-CN" altLang="en-US" b="1" dirty="0" smtClean="0">
+                <a:latin typeface="微软雅黑" panose="020B0503020204020204" pitchFamily="34" charset="-122"/>
+                <a:ea typeface="微软雅黑" panose="020B0503020204020204" pitchFamily="34" charset="-122"/>
+              </a:rPr>
+              <a:t>敏捷宣言：</a:t>
+            </a:r>
+            <a:endParaRPr lang="zh-CN" altLang="en-US" b="1" dirty="0">
+              <a:latin typeface="微软雅黑" panose="020B0503020204020204" pitchFamily="34" charset="-122"/>
+              <a:ea typeface="微软雅黑" panose="020B0503020204020204" pitchFamily="34" charset="-122"/>
+            </a:endParaRPr>
+          </a:p>
+        </p:txBody>
+      </p:sp>
+      <p:sp>
+        <p:nvSpPr>
+          <p:cNvPr id="6" name="圆角矩形 5"/>
+          <p:cNvSpPr/>
+          <p:nvPr/>
+        </p:nvSpPr>
+        <p:spPr bwMode="auto">
+          <a:xfrm>
+            <a:off x="1447800" y="2414351"/>
+            <a:ext cx="1905000" cy="510778"/>
+          </a:xfrm>
+          <a:prstGeom prst="roundRect">
+            <a:avLst/>
+          </a:prstGeom>
+          <a:ln/>
+        </p:spPr>
+        <p:style>
+          <a:lnRef idx="2">
+            <a:schemeClr val="accent6">
+              <a:shade val="50000"/>
+            </a:schemeClr>
+          </a:lnRef>
+          <a:fillRef idx="1">
+            <a:schemeClr val="accent6"/>
+          </a:fillRef>
+          <a:effectRef idx="0">
+            <a:schemeClr val="accent6"/>
+          </a:effectRef>
+          <a:fontRef idx="minor">
+            <a:schemeClr val="lt1"/>
+          </a:fontRef>
+        </p:style>
+        <p:txBody>
+          <a:bodyPr wrap="square" rtlCol="0" anchor="ctr">
+            <a:spAutoFit/>
+          </a:bodyPr>
+          <a:lstStyle/>
+          <a:p>
+            <a:pPr algn="ctr">
+              <a:lnSpc>
+                <a:spcPct val="150000"/>
+              </a:lnSpc>
+            </a:pPr>
+            <a:r>
+              <a:rPr lang="zh-CN" altLang="en-US" sz="1600" dirty="0" smtClean="0">
+                <a:latin typeface="微软雅黑" pitchFamily="34" charset="-122"/>
+                <a:ea typeface="微软雅黑" pitchFamily="34" charset="-122"/>
+              </a:rPr>
+              <a:t>人与交互</a:t>
+            </a:r>
+            <a:endParaRPr lang="zh-CN" altLang="en-US" sz="1600" dirty="0" smtClean="0">
+              <a:latin typeface="微软雅黑" pitchFamily="34" charset="-122"/>
+              <a:ea typeface="微软雅黑" pitchFamily="34" charset="-122"/>
+            </a:endParaRPr>
+          </a:p>
+        </p:txBody>
+      </p:sp>
+      <p:sp>
+        <p:nvSpPr>
+          <p:cNvPr id="7" name="圆角矩形 6"/>
+          <p:cNvSpPr/>
+          <p:nvPr/>
+        </p:nvSpPr>
+        <p:spPr bwMode="auto">
+          <a:xfrm>
+            <a:off x="1447800" y="3124200"/>
+            <a:ext cx="1905000" cy="462680"/>
+          </a:xfrm>
+          <a:prstGeom prst="roundRect">
+            <a:avLst/>
+          </a:prstGeom>
+          <a:ln/>
+        </p:spPr>
+        <p:style>
+          <a:lnRef idx="2">
+            <a:schemeClr val="accent6">
+              <a:shade val="50000"/>
+            </a:schemeClr>
+          </a:lnRef>
+          <a:fillRef idx="1">
+            <a:schemeClr val="accent6"/>
+          </a:fillRef>
+          <a:effectRef idx="0">
+            <a:schemeClr val="accent6"/>
+          </a:effectRef>
+          <a:fontRef idx="minor">
+            <a:schemeClr val="lt1"/>
+          </a:fontRef>
+        </p:style>
+        <p:txBody>
+          <a:bodyPr wrap="square" rtlCol="0" anchor="ctr">
+            <a:spAutoFit/>
+          </a:bodyPr>
+          <a:lstStyle/>
+          <a:p>
+            <a:pPr algn="ctr">
+              <a:lnSpc>
+                <a:spcPct val="150000"/>
+              </a:lnSpc>
+            </a:pPr>
+            <a:r>
+              <a:rPr lang="zh-CN" altLang="en-US" sz="1600" dirty="0" smtClean="0">
+                <a:latin typeface="微软雅黑" pitchFamily="34" charset="-122"/>
+                <a:ea typeface="微软雅黑" pitchFamily="34" charset="-122"/>
+              </a:rPr>
+              <a:t>可工作的软件</a:t>
+            </a:r>
+            <a:endParaRPr lang="zh-CN" altLang="en-US" sz="1600" dirty="0" smtClean="0">
+              <a:latin typeface="微软雅黑" pitchFamily="34" charset="-122"/>
+              <a:ea typeface="微软雅黑" pitchFamily="34" charset="-122"/>
+            </a:endParaRPr>
+          </a:p>
+        </p:txBody>
+      </p:sp>
+      <p:sp>
+        <p:nvSpPr>
+          <p:cNvPr id="8" name="圆角矩形 7"/>
+          <p:cNvSpPr/>
+          <p:nvPr/>
+        </p:nvSpPr>
+        <p:spPr bwMode="auto">
+          <a:xfrm>
+            <a:off x="1447800" y="3810000"/>
+            <a:ext cx="1905000" cy="462680"/>
+          </a:xfrm>
+          <a:prstGeom prst="roundRect">
+            <a:avLst/>
+          </a:prstGeom>
+          <a:ln/>
+        </p:spPr>
+        <p:style>
+          <a:lnRef idx="2">
+            <a:schemeClr val="accent6">
+              <a:shade val="50000"/>
+            </a:schemeClr>
+          </a:lnRef>
+          <a:fillRef idx="1">
+            <a:schemeClr val="accent6"/>
+          </a:fillRef>
+          <a:effectRef idx="0">
+            <a:schemeClr val="accent6"/>
+          </a:effectRef>
+          <a:fontRef idx="minor">
+            <a:schemeClr val="lt1"/>
+          </a:fontRef>
+        </p:style>
+        <p:txBody>
+          <a:bodyPr wrap="square" rtlCol="0" anchor="ctr">
+            <a:spAutoFit/>
+          </a:bodyPr>
+          <a:lstStyle/>
+          <a:p>
+            <a:pPr algn="ctr">
+              <a:lnSpc>
+                <a:spcPct val="150000"/>
+              </a:lnSpc>
+            </a:pPr>
+            <a:r>
+              <a:rPr lang="zh-CN" altLang="en-US" sz="1600" dirty="0" smtClean="0">
+                <a:latin typeface="微软雅黑" pitchFamily="34" charset="-122"/>
+                <a:ea typeface="微软雅黑" pitchFamily="34" charset="-122"/>
+              </a:rPr>
+              <a:t>客户协作</a:t>
+            </a:r>
+            <a:endParaRPr lang="zh-CN" altLang="en-US" sz="1600" dirty="0" smtClean="0">
+              <a:latin typeface="微软雅黑" pitchFamily="34" charset="-122"/>
+              <a:ea typeface="微软雅黑" pitchFamily="34" charset="-122"/>
+            </a:endParaRPr>
+          </a:p>
+        </p:txBody>
+      </p:sp>
+      <p:sp>
+        <p:nvSpPr>
+          <p:cNvPr id="9" name="圆角矩形 8"/>
+          <p:cNvSpPr/>
+          <p:nvPr/>
+        </p:nvSpPr>
+        <p:spPr bwMode="auto">
+          <a:xfrm>
+            <a:off x="1447800" y="4495800"/>
+            <a:ext cx="1905000" cy="462680"/>
+          </a:xfrm>
+          <a:prstGeom prst="roundRect">
+            <a:avLst/>
+          </a:prstGeom>
+          <a:ln/>
+        </p:spPr>
+        <p:style>
+          <a:lnRef idx="2">
+            <a:schemeClr val="accent6">
+              <a:shade val="50000"/>
+            </a:schemeClr>
+          </a:lnRef>
+          <a:fillRef idx="1">
+            <a:schemeClr val="accent6"/>
+          </a:fillRef>
+          <a:effectRef idx="0">
+            <a:schemeClr val="accent6"/>
+          </a:effectRef>
+          <a:fontRef idx="minor">
+            <a:schemeClr val="lt1"/>
+          </a:fontRef>
+        </p:style>
+        <p:txBody>
+          <a:bodyPr wrap="square" rtlCol="0" anchor="ctr">
+            <a:spAutoFit/>
+          </a:bodyPr>
+          <a:lstStyle/>
+          <a:p>
+            <a:pPr algn="ctr">
+              <a:lnSpc>
+                <a:spcPct val="150000"/>
+              </a:lnSpc>
+            </a:pPr>
+            <a:r>
+              <a:rPr lang="zh-CN" altLang="en-US" sz="1600" dirty="0" smtClean="0">
+                <a:latin typeface="微软雅黑" pitchFamily="34" charset="-122"/>
+                <a:ea typeface="微软雅黑" pitchFamily="34" charset="-122"/>
+              </a:rPr>
+              <a:t>相应变化</a:t>
+            </a:r>
+            <a:endParaRPr lang="zh-CN" altLang="en-US" sz="1600" dirty="0" smtClean="0">
+              <a:latin typeface="微软雅黑" pitchFamily="34" charset="-122"/>
+              <a:ea typeface="微软雅黑" pitchFamily="34" charset="-122"/>
+            </a:endParaRPr>
+          </a:p>
+        </p:txBody>
+      </p:sp>
+      <p:sp>
+        <p:nvSpPr>
+          <p:cNvPr id="10" name="右箭头 9"/>
+          <p:cNvSpPr/>
+          <p:nvPr/>
+        </p:nvSpPr>
+        <p:spPr bwMode="auto">
+          <a:xfrm>
+            <a:off x="3810000" y="3352800"/>
+            <a:ext cx="914400" cy="762000"/>
+          </a:xfrm>
+          <a:prstGeom prst="rightArrow">
+            <a:avLst>
+              <a:gd name="adj1" fmla="val 50000"/>
+              <a:gd name="adj2" fmla="val 53913"/>
+            </a:avLst>
+          </a:prstGeom>
+          <a:ln/>
+        </p:spPr>
+        <p:style>
+          <a:lnRef idx="2">
+            <a:schemeClr val="accent6">
+              <a:shade val="50000"/>
+            </a:schemeClr>
+          </a:lnRef>
+          <a:fillRef idx="1">
+            <a:schemeClr val="accent6"/>
+          </a:fillRef>
+          <a:effectRef idx="0">
+            <a:schemeClr val="accent6"/>
+          </a:effectRef>
+          <a:fontRef idx="minor">
+            <a:schemeClr val="lt1"/>
+          </a:fontRef>
+        </p:style>
+        <p:txBody>
+          <a:bodyPr wrap="square" rtlCol="0" anchor="ctr">
+            <a:spAutoFit/>
+          </a:bodyPr>
+          <a:lstStyle/>
+          <a:p>
+            <a:pPr algn="ctr">
+              <a:lnSpc>
+                <a:spcPct val="150000"/>
+              </a:lnSpc>
+              <a:buFont typeface="Wingdings" pitchFamily="2" charset="2"/>
+              <a:buBlip>
+                <a:blip r:embed="rId3"/>
+              </a:buBlip>
+            </a:pPr>
+            <a:endParaRPr lang="zh-CN" altLang="en-US" dirty="0" smtClean="0">
+              <a:latin typeface="微软雅黑" pitchFamily="34" charset="-122"/>
+              <a:ea typeface="微软雅黑" pitchFamily="34" charset="-122"/>
+            </a:endParaRPr>
+          </a:p>
+        </p:txBody>
+      </p:sp>
+      <p:sp>
+        <p:nvSpPr>
+          <p:cNvPr id="11" name="TextBox 10"/>
+          <p:cNvSpPr txBox="1"/>
+          <p:nvPr/>
+        </p:nvSpPr>
+        <p:spPr>
+          <a:xfrm>
+            <a:off x="3886200" y="3581400"/>
+            <a:ext cx="685800" cy="338554"/>
+          </a:xfrm>
+          <a:prstGeom prst="rect">
+            <a:avLst/>
+          </a:prstGeom>
+          <a:noFill/>
+        </p:spPr>
+        <p:txBody>
+          <a:bodyPr wrap="square" rtlCol="0">
+            <a:spAutoFit/>
+          </a:bodyPr>
+          <a:lstStyle/>
+          <a:p>
+            <a:r>
+              <a:rPr lang="zh-CN" altLang="en-US" sz="1600" dirty="0">
+                <a:solidFill>
+                  <a:schemeClr val="bg1"/>
+                </a:solidFill>
+                <a:latin typeface="微软雅黑" panose="020B0503020204020204" pitchFamily="34" charset="-122"/>
+                <a:ea typeface="微软雅黑" panose="020B0503020204020204" pitchFamily="34" charset="-122"/>
+              </a:rPr>
+              <a:t>重于</a:t>
+            </a:r>
+          </a:p>
+        </p:txBody>
+      </p:sp>
+      <p:sp>
+        <p:nvSpPr>
+          <p:cNvPr id="13" name="圆角矩形 12"/>
+          <p:cNvSpPr/>
+          <p:nvPr/>
+        </p:nvSpPr>
+        <p:spPr bwMode="auto">
+          <a:xfrm>
+            <a:off x="5105400" y="2450794"/>
+            <a:ext cx="1905000" cy="462680"/>
+          </a:xfrm>
+          <a:prstGeom prst="roundRect">
+            <a:avLst/>
+          </a:prstGeom>
+          <a:ln/>
+        </p:spPr>
+        <p:style>
+          <a:lnRef idx="2">
+            <a:schemeClr val="accent1">
+              <a:shade val="50000"/>
+            </a:schemeClr>
+          </a:lnRef>
+          <a:fillRef idx="1">
+            <a:schemeClr val="accent1"/>
+          </a:fillRef>
+          <a:effectRef idx="0">
+            <a:schemeClr val="accent1"/>
+          </a:effectRef>
+          <a:fontRef idx="minor">
+            <a:schemeClr val="lt1"/>
+          </a:fontRef>
+        </p:style>
+        <p:txBody>
+          <a:bodyPr wrap="square" rtlCol="0" anchor="ctr">
+            <a:spAutoFit/>
+          </a:bodyPr>
+          <a:lstStyle/>
+          <a:p>
+            <a:pPr algn="ctr">
+              <a:lnSpc>
+                <a:spcPct val="150000"/>
+              </a:lnSpc>
+            </a:pPr>
+            <a:r>
+              <a:rPr lang="zh-CN" altLang="en-US" sz="1600" dirty="0" smtClean="0">
+                <a:latin typeface="微软雅黑" pitchFamily="34" charset="-122"/>
+                <a:ea typeface="微软雅黑" pitchFamily="34" charset="-122"/>
+              </a:rPr>
+              <a:t>过程与工具</a:t>
+            </a:r>
+            <a:endParaRPr lang="zh-CN" altLang="en-US" sz="1600" dirty="0" smtClean="0">
+              <a:latin typeface="微软雅黑" pitchFamily="34" charset="-122"/>
+              <a:ea typeface="微软雅黑" pitchFamily="34" charset="-122"/>
+            </a:endParaRPr>
+          </a:p>
+        </p:txBody>
+      </p:sp>
+      <p:sp>
+        <p:nvSpPr>
+          <p:cNvPr id="14" name="圆角矩形 13"/>
+          <p:cNvSpPr/>
+          <p:nvPr/>
+        </p:nvSpPr>
+        <p:spPr bwMode="auto">
+          <a:xfrm>
+            <a:off x="5105400" y="3118720"/>
+            <a:ext cx="1905000" cy="462680"/>
+          </a:xfrm>
+          <a:prstGeom prst="roundRect">
+            <a:avLst/>
+          </a:prstGeom>
+          <a:ln/>
+        </p:spPr>
+        <p:style>
+          <a:lnRef idx="2">
+            <a:schemeClr val="accent1">
+              <a:shade val="50000"/>
+            </a:schemeClr>
+          </a:lnRef>
+          <a:fillRef idx="1">
+            <a:schemeClr val="accent1"/>
+          </a:fillRef>
+          <a:effectRef idx="0">
+            <a:schemeClr val="accent1"/>
+          </a:effectRef>
+          <a:fontRef idx="minor">
+            <a:schemeClr val="lt1"/>
+          </a:fontRef>
+        </p:style>
+        <p:txBody>
+          <a:bodyPr wrap="square" rtlCol="0" anchor="ctr">
+            <a:spAutoFit/>
+          </a:bodyPr>
+          <a:lstStyle/>
+          <a:p>
+            <a:pPr algn="ctr">
+              <a:lnSpc>
+                <a:spcPct val="150000"/>
+              </a:lnSpc>
+            </a:pPr>
+            <a:r>
+              <a:rPr lang="zh-CN" altLang="en-US" sz="1600" dirty="0" smtClean="0">
+                <a:latin typeface="微软雅黑" pitchFamily="34" charset="-122"/>
+                <a:ea typeface="微软雅黑" pitchFamily="34" charset="-122"/>
+              </a:rPr>
+              <a:t>全面的文档</a:t>
+            </a:r>
+            <a:endParaRPr lang="zh-CN" altLang="en-US" sz="1600" dirty="0" smtClean="0">
+              <a:latin typeface="微软雅黑" pitchFamily="34" charset="-122"/>
+              <a:ea typeface="微软雅黑" pitchFamily="34" charset="-122"/>
+            </a:endParaRPr>
+          </a:p>
+        </p:txBody>
+      </p:sp>
+      <p:sp>
+        <p:nvSpPr>
+          <p:cNvPr id="15" name="圆角矩形 14"/>
+          <p:cNvSpPr/>
+          <p:nvPr/>
+        </p:nvSpPr>
+        <p:spPr bwMode="auto">
+          <a:xfrm>
+            <a:off x="5105400" y="3804520"/>
+            <a:ext cx="1905000" cy="462680"/>
+          </a:xfrm>
+          <a:prstGeom prst="roundRect">
+            <a:avLst/>
+          </a:prstGeom>
+          <a:ln/>
+        </p:spPr>
+        <p:style>
+          <a:lnRef idx="2">
+            <a:schemeClr val="accent1">
+              <a:shade val="50000"/>
+            </a:schemeClr>
+          </a:lnRef>
+          <a:fillRef idx="1">
+            <a:schemeClr val="accent1"/>
+          </a:fillRef>
+          <a:effectRef idx="0">
+            <a:schemeClr val="accent1"/>
+          </a:effectRef>
+          <a:fontRef idx="minor">
+            <a:schemeClr val="lt1"/>
+          </a:fontRef>
+        </p:style>
+        <p:txBody>
+          <a:bodyPr wrap="square" rtlCol="0" anchor="ctr">
+            <a:spAutoFit/>
+          </a:bodyPr>
+          <a:lstStyle/>
+          <a:p>
+            <a:pPr algn="ctr">
+              <a:lnSpc>
+                <a:spcPct val="150000"/>
+              </a:lnSpc>
+            </a:pPr>
+            <a:r>
+              <a:rPr lang="zh-CN" altLang="en-US" sz="1600" dirty="0" smtClean="0">
+                <a:latin typeface="微软雅黑" pitchFamily="34" charset="-122"/>
+                <a:ea typeface="微软雅黑" pitchFamily="34" charset="-122"/>
+              </a:rPr>
+              <a:t>合同谈判</a:t>
+            </a:r>
+            <a:endParaRPr lang="zh-CN" altLang="en-US" sz="1600" dirty="0" smtClean="0">
+              <a:latin typeface="微软雅黑" pitchFamily="34" charset="-122"/>
+              <a:ea typeface="微软雅黑" pitchFamily="34" charset="-122"/>
+            </a:endParaRPr>
+          </a:p>
+        </p:txBody>
+      </p:sp>
+      <p:sp>
+        <p:nvSpPr>
+          <p:cNvPr id="16" name="圆角矩形 15"/>
+          <p:cNvSpPr/>
+          <p:nvPr/>
+        </p:nvSpPr>
+        <p:spPr bwMode="auto">
+          <a:xfrm>
+            <a:off x="5105400" y="4490320"/>
+            <a:ext cx="1905000" cy="462680"/>
+          </a:xfrm>
+          <a:prstGeom prst="roundRect">
+            <a:avLst/>
+          </a:prstGeom>
+          <a:ln/>
+        </p:spPr>
+        <p:style>
+          <a:lnRef idx="2">
+            <a:schemeClr val="accent1">
+              <a:shade val="50000"/>
+            </a:schemeClr>
+          </a:lnRef>
+          <a:fillRef idx="1">
+            <a:schemeClr val="accent1"/>
+          </a:fillRef>
+          <a:effectRef idx="0">
+            <a:schemeClr val="accent1"/>
+          </a:effectRef>
+          <a:fontRef idx="minor">
+            <a:schemeClr val="lt1"/>
+          </a:fontRef>
+        </p:style>
+        <p:txBody>
+          <a:bodyPr wrap="square" rtlCol="0" anchor="ctr">
+            <a:spAutoFit/>
+          </a:bodyPr>
+          <a:lstStyle/>
+          <a:p>
+            <a:pPr algn="ctr">
+              <a:lnSpc>
+                <a:spcPct val="150000"/>
+              </a:lnSpc>
+            </a:pPr>
+            <a:r>
+              <a:rPr lang="zh-CN" altLang="en-US" sz="1600" dirty="0" smtClean="0">
+                <a:latin typeface="微软雅黑" pitchFamily="34" charset="-122"/>
+                <a:ea typeface="微软雅黑" pitchFamily="34" charset="-122"/>
+              </a:rPr>
+              <a:t>遵循计划</a:t>
+            </a:r>
+            <a:endParaRPr lang="zh-CN" altLang="en-US" sz="1600" dirty="0" smtClean="0">
+              <a:latin typeface="微软雅黑" pitchFamily="34" charset="-122"/>
+              <a:ea typeface="微软雅黑" pitchFamily="34" charset="-122"/>
+            </a:endParaRPr>
+          </a:p>
+        </p:txBody>
+      </p:sp>
     </p:spTree>
     <p:extLst>
       <p:ext uri="{BB962C8B-B14F-4D97-AF65-F5344CB8AC3E}">
@@ -8376,16 +9993,115 @@
           <a:chExt cx="0" cy="0"/>
         </a:xfrm>
       </p:grpSpPr>
+      <p:sp>
+        <p:nvSpPr>
+          <p:cNvPr id="3" name="标题 1"/>
+          <p:cNvSpPr>
+            <a:spLocks noGrp="1"/>
+          </p:cNvSpPr>
+          <p:nvPr>
+            <p:ph type="title"/>
+          </p:nvPr>
+        </p:nvSpPr>
+        <p:spPr>
+          <a:xfrm>
+            <a:off x="457200" y="274638"/>
+            <a:ext cx="8229600" cy="715962"/>
+          </a:xfrm>
+        </p:spPr>
+        <p:txBody>
+          <a:bodyPr/>
+          <a:lstStyle/>
+          <a:p>
+            <a:r>
+              <a:rPr lang="en-US" altLang="zh-CN" sz="3600" dirty="0" smtClean="0">
+                <a:solidFill>
+                  <a:srgbClr val="E46C0A"/>
+                </a:solidFill>
+                <a:latin typeface="微软雅黑" panose="020B0503020204020204" pitchFamily="34" charset="-122"/>
+                <a:ea typeface="微软雅黑" panose="020B0503020204020204" pitchFamily="34" charset="-122"/>
+              </a:rPr>
+              <a:t>Scrum </a:t>
+            </a:r>
+            <a:r>
+              <a:rPr lang="zh-CN" altLang="en-US" sz="3600" dirty="0" smtClean="0">
+                <a:solidFill>
+                  <a:srgbClr val="E46C0A"/>
+                </a:solidFill>
+                <a:latin typeface="微软雅黑" panose="020B0503020204020204" pitchFamily="34" charset="-122"/>
+                <a:ea typeface="微软雅黑" panose="020B0503020204020204" pitchFamily="34" charset="-122"/>
+              </a:rPr>
+              <a:t>框架</a:t>
+            </a:r>
+            <a:endParaRPr lang="zh-CN" altLang="en-US" sz="3600" dirty="0">
+              <a:solidFill>
+                <a:srgbClr val="E46C0A"/>
+              </a:solidFill>
+              <a:latin typeface="微软雅黑" panose="020B0503020204020204" pitchFamily="34" charset="-122"/>
+              <a:ea typeface="微软雅黑" panose="020B0503020204020204" pitchFamily="34" charset="-122"/>
+            </a:endParaRPr>
+          </a:p>
+        </p:txBody>
+      </p:sp>
+      <p:sp>
+        <p:nvSpPr>
+          <p:cNvPr id="17" name="TextBox 16"/>
+          <p:cNvSpPr txBox="1"/>
+          <p:nvPr/>
+        </p:nvSpPr>
+        <p:spPr>
+          <a:xfrm>
+            <a:off x="457200" y="1295400"/>
+            <a:ext cx="8153400" cy="584775"/>
+          </a:xfrm>
+          <a:prstGeom prst="rect">
+            <a:avLst/>
+          </a:prstGeom>
+          <a:noFill/>
+        </p:spPr>
+        <p:txBody>
+          <a:bodyPr wrap="square" rtlCol="0">
+            <a:spAutoFit/>
+          </a:bodyPr>
+          <a:lstStyle/>
+          <a:p>
+            <a:r>
+              <a:rPr lang="zh-CN" altLang="en-US" sz="1600" b="1" dirty="0" smtClean="0">
+                <a:latin typeface="微软雅黑" panose="020B0503020204020204" pitchFamily="34" charset="-122"/>
+                <a:ea typeface="微软雅黑" panose="020B0503020204020204" pitchFamily="34" charset="-122"/>
+              </a:rPr>
+              <a:t>简介：</a:t>
+            </a:r>
+            <a:r>
+              <a:rPr lang="zh-CN" altLang="en-US" sz="1600" dirty="0" smtClean="0">
+                <a:latin typeface="微软雅黑" panose="020B0503020204020204" pitchFamily="34" charset="-122"/>
+                <a:ea typeface="微软雅黑" panose="020B0503020204020204" pitchFamily="34" charset="-122"/>
+              </a:rPr>
+              <a:t>目前比较流行的一种敏捷思想的实践框架，简单易用</a:t>
+            </a:r>
+            <a:endParaRPr lang="en-US" altLang="zh-CN" sz="1600" dirty="0" smtClean="0">
+              <a:latin typeface="微软雅黑" panose="020B0503020204020204" pitchFamily="34" charset="-122"/>
+              <a:ea typeface="微软雅黑" panose="020B0503020204020204" pitchFamily="34" charset="-122"/>
+            </a:endParaRPr>
+          </a:p>
+          <a:p>
+            <a:endParaRPr lang="en-US" altLang="zh-CN" sz="1600" dirty="0">
+              <a:latin typeface="微软雅黑" panose="020B0503020204020204" pitchFamily="34" charset="-122"/>
+              <a:ea typeface="微软雅黑" panose="020B0503020204020204" pitchFamily="34" charset="-122"/>
+            </a:endParaRPr>
+          </a:p>
+        </p:txBody>
+      </p:sp>
       <p:pic>
         <p:nvPicPr>
-          <p:cNvPr id="1026" name="Picture 2"/>
+          <p:cNvPr id="1026" name="Picture 2" descr="E:\16.培训PPT\图片\122411_2gqn_175925.jpg"/>
           <p:cNvPicPr>
             <a:picLocks noChangeAspect="1" noChangeArrowheads="1"/>
           </p:cNvPicPr>
           <p:nvPr/>
         </p:nvPicPr>
         <p:blipFill>
-          <a:blip r:embed="rId2">
+          <a:blip r:embed="rId3">
             <a:extLst>
               <a:ext uri="{28A0092B-C50C-407E-A947-70E740481C1C}">
                 <a14:useLocalDpi xmlns:a14="http://schemas.microsoft.com/office/drawing/2010/main" val="0"/>
@@ -8399,43 +10115,28 @@
         </p:blipFill>
         <p:spPr bwMode="auto">
           <a:xfrm>
-            <a:off x="1600200" y="1905000"/>
-            <a:ext cx="6134100" cy="1485900"/>
+            <a:off x="1143000" y="1971675"/>
+            <a:ext cx="7048500" cy="3057525"/>
           </a:xfrm>
           <a:prstGeom prst="rect">
             <a:avLst/>
           </a:prstGeom>
           <a:noFill/>
           <a:ln>
-            <a:noFill/>
+            <a:solidFill>
+              <a:schemeClr val="tx1">
+                <a:lumMod val="95000"/>
+                <a:lumOff val="5000"/>
+              </a:schemeClr>
+            </a:solidFill>
           </a:ln>
-          <a:effectLst/>
           <a:extLst>
             <a:ext uri="{909E8E84-426E-40DD-AFC4-6F175D3DCCD1}">
               <a14:hiddenFill xmlns:a14="http://schemas.microsoft.com/office/drawing/2010/main">
                 <a:solidFill>
-                  <a:schemeClr val="accent1"/>
+                  <a:srgbClr val="FFFFFF"/>
                 </a:solidFill>
               </a14:hiddenFill>
-            </a:ext>
-            <a:ext uri="{91240B29-F687-4F45-9708-019B960494DF}">
-              <a14:hiddenLine xmlns:a14="http://schemas.microsoft.com/office/drawing/2010/main" w="9525">
-                <a:solidFill>
-                  <a:schemeClr val="tx1"/>
-                </a:solidFill>
-                <a:miter lim="800000"/>
-                <a:headEnd/>
-                <a:tailEnd/>
-              </a14:hiddenLine>
-            </a:ext>
-            <a:ext uri="{AF507438-7753-43E0-B8FC-AC1667EBCBE1}">
-              <a14:hiddenEffects xmlns:a14="http://schemas.microsoft.com/office/drawing/2010/main">
-                <a:effectLst>
-                  <a:outerShdw dist="35921" dir="2700000" algn="ctr" rotWithShape="0">
-                    <a:schemeClr val="bg2"/>
-                  </a:outerShdw>
-                </a:effectLst>
-              </a14:hiddenEffects>
             </a:ext>
           </a:extLst>
         </p:spPr>
@@ -8443,7 +10144,7 @@
     </p:spTree>
     <p:extLst>
       <p:ext uri="{BB962C8B-B14F-4D97-AF65-F5344CB8AC3E}">
-        <p14:creationId xmlns:p14="http://schemas.microsoft.com/office/powerpoint/2010/main" val="268147641"/>
+        <p14:creationId xmlns:p14="http://schemas.microsoft.com/office/powerpoint/2010/main" val="4155299180"/>
       </p:ext>
     </p:extLst>
   </p:cSld>

--- a/上大培训：scrum和vs2012 部分.pptx
+++ b/上大培训：scrum和vs2012 部分.pptx
@@ -280,11 +280,11 @@
           <c:showPercent val="0"/>
           <c:showBubbleSize val="0"/>
         </c:dLbls>
-        <c:axId val="40232064"/>
-        <c:axId val="40231296"/>
+        <c:axId val="199148672"/>
+        <c:axId val="199150208"/>
       </c:scatterChart>
       <c:valAx>
-        <c:axId val="40232064"/>
+        <c:axId val="199148672"/>
         <c:scaling>
           <c:orientation val="minMax"/>
         </c:scaling>
@@ -294,12 +294,12 @@
         <c:majorTickMark val="in"/>
         <c:minorTickMark val="none"/>
         <c:tickLblPos val="none"/>
-        <c:crossAx val="40231296"/>
+        <c:crossAx val="199150208"/>
         <c:crosses val="autoZero"/>
         <c:crossBetween val="midCat"/>
       </c:valAx>
       <c:valAx>
-        <c:axId val="40231296"/>
+        <c:axId val="199150208"/>
         <c:scaling>
           <c:orientation val="minMax"/>
         </c:scaling>
@@ -310,7 +310,7 @@
         <c:majorTickMark val="in"/>
         <c:minorTickMark val="none"/>
         <c:tickLblPos val="none"/>
-        <c:crossAx val="40232064"/>
+        <c:crossAx val="199148672"/>
         <c:crosses val="autoZero"/>
         <c:crossBetween val="midCat"/>
       </c:valAx>
@@ -4354,6 +4354,13 @@
         </dgm:presLayoutVars>
       </dgm:prSet>
       <dgm:spPr/>
+      <dgm:t>
+        <a:bodyPr/>
+        <a:lstStyle/>
+        <a:p>
+          <a:endParaRPr lang="zh-CN" altLang="en-US"/>
+        </a:p>
+      </dgm:t>
     </dgm:pt>
     <dgm:pt modelId="{77462533-3D04-4899-BC15-9C87FD5B0CA1}" type="pres">
       <dgm:prSet presAssocID="{D1DE6548-7EC7-4662-A12C-A13E0DF16AB3}" presName="parentText" presStyleLbl="node1" presStyleIdx="0" presStyleCnt="1">
@@ -4363,6 +4370,13 @@
         </dgm:presLayoutVars>
       </dgm:prSet>
       <dgm:spPr/>
+      <dgm:t>
+        <a:bodyPr/>
+        <a:lstStyle/>
+        <a:p>
+          <a:endParaRPr lang="zh-CN" altLang="en-US"/>
+        </a:p>
+      </dgm:t>
     </dgm:pt>
     <dgm:pt modelId="{A660F71A-5F27-4F18-B0AC-E320F847C26A}" type="pres">
       <dgm:prSet presAssocID="{D1DE6548-7EC7-4662-A12C-A13E0DF16AB3}" presName="childText" presStyleLbl="revTx" presStyleIdx="0" presStyleCnt="1">
@@ -9394,7 +9408,7 @@
               <a:pPr>
                 <a:defRPr/>
               </a:pPr>
-              <a:t>2014/6/4</a:t>
+              <a:t>2014/6/10</a:t>
             </a:fld>
             <a:endParaRPr lang="zh-CN" altLang="en-US"/>
           </a:p>
@@ -9582,7 +9596,7 @@
               <a:pPr>
                 <a:defRPr/>
               </a:pPr>
-              <a:t>2014/6/4</a:t>
+              <a:t>2014/6/10</a:t>
             </a:fld>
             <a:endParaRPr lang="zh-CN" altLang="en-US"/>
           </a:p>
@@ -9944,8 +9958,20 @@
           <a:lstStyle/>
           <a:p>
             <a:r>
+              <a:rPr lang="en-US" altLang="zh-CN" dirty="0" smtClean="0"/>
+              <a:t>Web developer: </a:t>
+            </a:r>
+            <a:r>
               <a:rPr lang="zh-CN" altLang="en-US" dirty="0" smtClean="0"/>
-              <a:t>自我介绍完成后的过渡：</a:t>
+              <a:t>关注</a:t>
+            </a:r>
+            <a:r>
+              <a:rPr lang="en-US" altLang="zh-CN" dirty="0" smtClean="0"/>
+              <a:t>web</a:t>
+            </a:r>
+            <a:r>
+              <a:rPr lang="zh-CN" altLang="en-US" dirty="0" smtClean="0"/>
+              <a:t>可行性研究，提高用户体验</a:t>
             </a:r>
             <a:endParaRPr lang="en-US" altLang="zh-CN" dirty="0" smtClean="0"/>
           </a:p>
@@ -9954,12 +9980,44 @@
           </a:p>
           <a:p>
             <a:r>
-              <a:rPr lang="zh-CN" altLang="en-US" dirty="0" smtClean="0"/>
-              <a:t>相信大家都学过软件工程这门课，但没有实际应用经验，你们无法体会到软件工程</a:t>
+              <a:rPr lang="en-US" altLang="zh-CN" dirty="0" smtClean="0"/>
+              <a:t>Project</a:t>
+            </a:r>
+            <a:r>
+              <a:rPr lang="en-US" altLang="zh-CN" baseline="0" dirty="0" smtClean="0"/>
+              <a:t> Manager</a:t>
             </a:r>
             <a:r>
               <a:rPr lang="zh-CN" altLang="en-US" baseline="0" dirty="0" smtClean="0"/>
-              <a:t> 对于软件开发的重要意义</a:t>
+              <a:t>：了解软件工程对于项目的重要性</a:t>
+            </a:r>
+            <a:endParaRPr lang="en-US" altLang="zh-CN" baseline="0" dirty="0" smtClean="0"/>
+          </a:p>
+          <a:p>
+            <a:endParaRPr lang="en-US" altLang="zh-CN" baseline="0" dirty="0" smtClean="0"/>
+          </a:p>
+          <a:p>
+            <a:r>
+              <a:rPr lang="en-US" altLang="zh-CN" baseline="0" dirty="0" smtClean="0"/>
+              <a:t>Scrum Master</a:t>
+            </a:r>
+            <a:r>
+              <a:rPr lang="zh-CN" altLang="en-US" baseline="0" dirty="0" smtClean="0"/>
+              <a:t>：</a:t>
+            </a:r>
+            <a:endParaRPr lang="en-US" altLang="zh-CN" baseline="0" dirty="0" smtClean="0"/>
+          </a:p>
+          <a:p>
+            <a:endParaRPr lang="en-US" altLang="zh-CN" baseline="0" dirty="0" smtClean="0"/>
+          </a:p>
+          <a:p>
+            <a:r>
+              <a:rPr lang="en-US" altLang="zh-CN" baseline="0" dirty="0" smtClean="0"/>
+              <a:t>Trainer</a:t>
+            </a:r>
+            <a:r>
+              <a:rPr lang="zh-CN" altLang="en-US" baseline="0" dirty="0" smtClean="0"/>
+              <a:t>：程序员 除了写代码，其实还有更有趣的事情可以做。</a:t>
             </a:r>
             <a:endParaRPr lang="en-US" altLang="zh-CN" dirty="0" smtClean="0"/>
           </a:p>
@@ -9967,9 +10025,12 @@
             <a:endParaRPr lang="en-US" altLang="zh-CN" dirty="0" smtClean="0"/>
           </a:p>
           <a:p>
+            <a:endParaRPr lang="en-US" altLang="zh-CN" dirty="0" smtClean="0"/>
+          </a:p>
+          <a:p>
             <a:r>
               <a:rPr lang="zh-CN" altLang="en-US" dirty="0" smtClean="0"/>
-              <a:t>接下去我会在尽可能短的时间内，把我所了解的告诉大家：软件工程是如何在企业中应用的，以及我们的团队工作是怎样的。</a:t>
+              <a:t>自我介绍完成后的过渡：</a:t>
             </a:r>
             <a:endParaRPr lang="en-US" altLang="zh-CN" dirty="0" smtClean="0"/>
           </a:p>
@@ -9978,72 +10039,26 @@
           </a:p>
           <a:p>
             <a:r>
-              <a:rPr lang="zh-CN" altLang="en-US" b="1" dirty="0" smtClean="0"/>
-              <a:t>介绍下</a:t>
-            </a:r>
-            <a:r>
-              <a:rPr lang="en-US" altLang="zh-CN" b="1" dirty="0" smtClean="0"/>
-              <a:t>NEWEGG</a:t>
-            </a:r>
-            <a:r>
-              <a:rPr lang="zh-CN" altLang="en-US" b="1" dirty="0" smtClean="0"/>
-              <a:t>（</a:t>
-            </a:r>
-            <a:r>
-              <a:rPr lang="en-US" altLang="zh-CN" b="1" dirty="0" smtClean="0"/>
-              <a:t>CMMI 4</a:t>
-            </a:r>
-            <a:r>
-              <a:rPr lang="zh-CN" altLang="en-US" b="1" dirty="0" smtClean="0"/>
-              <a:t>），</a:t>
-            </a:r>
-            <a:r>
-              <a:rPr lang="en-US" altLang="zh-CN" dirty="0" smtClean="0"/>
-              <a:t>CMMI </a:t>
-            </a:r>
-            <a:r>
               <a:rPr lang="zh-CN" altLang="en-US" dirty="0" smtClean="0"/>
-              <a:t>是一个过程改进框架。最高级别是</a:t>
-            </a:r>
-            <a:r>
-              <a:rPr lang="en-US" altLang="zh-CN" dirty="0" smtClean="0"/>
-              <a:t>5</a:t>
-            </a:r>
+              <a:t>相信大家都学过软件工程这门课，但没有实际应用经验，你们无法体会到软件工程</a:t>
+            </a:r>
+            <a:r>
+              <a:rPr lang="zh-CN" altLang="en-US" baseline="0" dirty="0" smtClean="0"/>
+              <a:t> 对于软件开发的重要意义</a:t>
+            </a:r>
+            <a:endParaRPr lang="en-US" altLang="zh-CN" dirty="0" smtClean="0"/>
+          </a:p>
+          <a:p>
+            <a:endParaRPr lang="en-US" altLang="zh-CN" dirty="0" smtClean="0"/>
+          </a:p>
+          <a:p>
             <a:r>
               <a:rPr lang="zh-CN" altLang="en-US" dirty="0" smtClean="0"/>
-              <a:t>（军工，国防应用），</a:t>
-            </a:r>
-            <a:r>
-              <a:rPr lang="en-US" altLang="zh-CN" dirty="0" smtClean="0"/>
-              <a:t>NEWEGG</a:t>
-            </a:r>
-            <a:r>
-              <a:rPr lang="en-US" altLang="zh-CN" baseline="0" dirty="0" smtClean="0"/>
-              <a:t> </a:t>
-            </a:r>
-            <a:r>
-              <a:rPr lang="zh-CN" altLang="en-US" baseline="0" dirty="0" smtClean="0"/>
-              <a:t>早在</a:t>
-            </a:r>
-            <a:r>
-              <a:rPr lang="en-US" altLang="zh-CN" baseline="0" dirty="0" smtClean="0"/>
-              <a:t>10</a:t>
-            </a:r>
-            <a:r>
-              <a:rPr lang="zh-CN" altLang="en-US" baseline="0" dirty="0" smtClean="0"/>
-              <a:t>年就达到了</a:t>
-            </a:r>
-            <a:r>
-              <a:rPr lang="en-US" altLang="zh-CN" baseline="0" dirty="0" smtClean="0"/>
-              <a:t>4</a:t>
-            </a:r>
-            <a:r>
-              <a:rPr lang="zh-CN" altLang="en-US" baseline="0" dirty="0" smtClean="0"/>
-              <a:t>的</a:t>
-            </a:r>
-            <a:r>
-              <a:rPr lang="en-US" altLang="zh-CN" baseline="0" dirty="0" smtClean="0"/>
-              <a:t>level</a:t>
+              <a:t>接下去我会在尽可能短的时间内，把我所了解的告诉大家：软件工程是如何在企业中应用的，以及我们的团队工作是怎样的</a:t>
+            </a:r>
+            <a:r>
+              <a:rPr lang="zh-CN" altLang="en-US" dirty="0" smtClean="0"/>
+              <a:t>。</a:t>
             </a:r>
             <a:endParaRPr lang="en-US" altLang="zh-CN" dirty="0" smtClean="0"/>
           </a:p>
@@ -10854,11 +10869,7 @@
           <a:p>
             <a:r>
               <a:rPr lang="zh-CN" altLang="en-US" dirty="0" smtClean="0"/>
-              <a:t>不断完善，不断</a:t>
-            </a:r>
-            <a:r>
-              <a:rPr lang="zh-CN" altLang="en-US" dirty="0" smtClean="0"/>
-              <a:t>改进</a:t>
+              <a:t>不断完善，不断改进</a:t>
             </a:r>
             <a:endParaRPr lang="en-US" altLang="zh-CN" dirty="0" smtClean="0"/>
           </a:p>
@@ -11062,6 +11073,16 @@
           <a:p>
             <a:r>
               <a:rPr lang="zh-CN" altLang="en-US" b="1" dirty="0" smtClean="0"/>
+              <a:t>业内目前有两个非常火的大阵营：传统和敏捷。</a:t>
+            </a:r>
+            <a:endParaRPr lang="en-US" altLang="zh-CN" b="1" dirty="0" smtClean="0"/>
+          </a:p>
+          <a:p>
+            <a:endParaRPr lang="en-US" altLang="zh-CN" b="1" dirty="0" smtClean="0"/>
+          </a:p>
+          <a:p>
+            <a:r>
+              <a:rPr lang="zh-CN" altLang="en-US" b="1" dirty="0" smtClean="0"/>
               <a:t>瀑布模型（传统）</a:t>
             </a:r>
             <a:endParaRPr lang="en-US" altLang="zh-CN" b="1" dirty="0" smtClean="0"/>
@@ -11101,19 +11122,7 @@
                 <a:ea typeface="宋体" pitchFamily="2" charset="-122"/>
                 <a:cs typeface="+mn-cs"/>
               </a:rPr>
-              <a:t>传统</a:t>
-            </a:r>
-            <a:r>
-              <a:rPr lang="zh-CN" altLang="en-US" sz="1200" b="0" i="0" kern="1200" dirty="0" smtClean="0">
-                <a:solidFill>
-                  <a:schemeClr val="tx1"/>
-                </a:solidFill>
-                <a:effectLst/>
-                <a:latin typeface="+mn-lt"/>
-                <a:ea typeface="宋体" pitchFamily="2" charset="-122"/>
-                <a:cs typeface="+mn-cs"/>
-              </a:rPr>
-              <a:t>的 软件开发流程是一个文档驱动的流程，它将整个软件开发过程划分为顺序相接的几个阶段，每个阶段都必需完成全部规定的任务（文档）后才能够进入下一个阶段</a:t>
+              <a:t>传统的 软件开发流程是一个文档驱动的流程，它将整个软件开发过程划分为顺序相接的几个阶段，每个阶段都必需完成全部规定的任务（文档）后才能够进入下一个阶段</a:t>
             </a:r>
             <a:endParaRPr lang="en-US" altLang="zh-CN" sz="1200" b="0" i="0" kern="1200" dirty="0" smtClean="0">
               <a:solidFill>
@@ -11124,114 +11133,6 @@
               <a:ea typeface="宋体" pitchFamily="2" charset="-122"/>
               <a:cs typeface="+mn-cs"/>
             </a:endParaRPr>
-          </a:p>
-          <a:p>
-            <a:endParaRPr lang="en-US" altLang="zh-CN" dirty="0" smtClean="0"/>
-          </a:p>
-          <a:p>
-            <a:r>
-              <a:rPr lang="en-US" altLang="zh-CN" b="1" dirty="0" smtClean="0"/>
-              <a:t>CMMI</a:t>
-            </a:r>
-            <a:r>
-              <a:rPr lang="en-US" altLang="zh-CN" b="1" baseline="0" dirty="0" smtClean="0"/>
-              <a:t> </a:t>
-            </a:r>
-            <a:r>
-              <a:rPr lang="zh-CN" altLang="en-US" b="1" baseline="0" dirty="0" smtClean="0"/>
-              <a:t>介入</a:t>
-            </a:r>
-            <a:r>
-              <a:rPr lang="zh-CN" altLang="en-US" baseline="0" dirty="0" smtClean="0"/>
-              <a:t>：</a:t>
-            </a:r>
-            <a:r>
-              <a:rPr lang="en-US" altLang="zh-CN" baseline="0" dirty="0" smtClean="0"/>
-              <a:t>CMMI</a:t>
-            </a:r>
-            <a:r>
-              <a:rPr lang="zh-CN" altLang="en-US" baseline="0" dirty="0" smtClean="0"/>
-              <a:t> 在每个阶段 都会有一些数据分析，举个例子：同样复杂程度的项目，我们之前平均的需求问题数是</a:t>
-            </a:r>
-            <a:r>
-              <a:rPr lang="en-US" altLang="zh-CN" baseline="0" dirty="0" smtClean="0"/>
-              <a:t>8</a:t>
-            </a:r>
-            <a:r>
-              <a:rPr lang="zh-CN" altLang="en-US" baseline="0" dirty="0" smtClean="0"/>
-              <a:t>个，但这个项目就有</a:t>
-            </a:r>
-            <a:r>
-              <a:rPr lang="en-US" altLang="zh-CN" baseline="0" dirty="0" smtClean="0"/>
-              <a:t>20</a:t>
-            </a:r>
-            <a:r>
-              <a:rPr lang="zh-CN" altLang="en-US" baseline="0" dirty="0" smtClean="0"/>
-              <a:t>个。可能我们就需要寻找问题了</a:t>
-            </a:r>
-            <a:endParaRPr lang="en-US" altLang="zh-CN" baseline="0" dirty="0" smtClean="0"/>
-          </a:p>
-          <a:p>
-            <a:r>
-              <a:rPr lang="zh-CN" altLang="en-US" baseline="0" dirty="0" smtClean="0"/>
-              <a:t>（</a:t>
-            </a:r>
-            <a:r>
-              <a:rPr lang="en-US" altLang="zh-CN" baseline="0" dirty="0" smtClean="0"/>
-              <a:t>CMMI </a:t>
-            </a:r>
-            <a:r>
-              <a:rPr lang="zh-CN" altLang="en-US" baseline="0" dirty="0" smtClean="0"/>
-              <a:t>最高</a:t>
-            </a:r>
-            <a:r>
-              <a:rPr lang="en-US" altLang="zh-CN" baseline="0" dirty="0" smtClean="0"/>
-              <a:t>2</a:t>
-            </a:r>
-            <a:r>
-              <a:rPr lang="zh-CN" altLang="en-US" baseline="0" dirty="0" smtClean="0"/>
-              <a:t>五级，军工国防）</a:t>
-            </a:r>
-            <a:endParaRPr lang="en-US" altLang="zh-CN" baseline="0" dirty="0" smtClean="0"/>
-          </a:p>
-          <a:p>
-            <a:endParaRPr lang="en-US" altLang="zh-CN" baseline="0" dirty="0" smtClean="0"/>
-          </a:p>
-          <a:p>
-            <a:pPr marL="0" marR="0" indent="0" algn="l" defTabSz="914400" rtl="0" eaLnBrk="0" fontAlgn="base" latinLnBrk="0" hangingPunct="0">
-              <a:lnSpc>
-                <a:spcPct val="100000"/>
-              </a:lnSpc>
-              <a:spcBef>
-                <a:spcPct val="30000"/>
-              </a:spcBef>
-              <a:spcAft>
-                <a:spcPct val="0"/>
-              </a:spcAft>
-              <a:buClrTx/>
-              <a:buSzTx/>
-              <a:buFontTx/>
-              <a:buNone/>
-              <a:tabLst/>
-              <a:defRPr/>
-            </a:pPr>
-            <a:r>
-              <a:rPr lang="zh-CN" altLang="en-US" b="1" dirty="0" smtClean="0"/>
-              <a:t>过程产生的职位</a:t>
-            </a:r>
-            <a:r>
-              <a:rPr lang="zh-CN" altLang="en-US" dirty="0" smtClean="0"/>
-              <a:t>：项目经理，开发，测试，需求分析人（</a:t>
-            </a:r>
-            <a:r>
-              <a:rPr lang="en-US" altLang="zh-CN" dirty="0" smtClean="0"/>
-              <a:t>BSA</a:t>
-            </a:r>
-            <a:r>
-              <a:rPr lang="zh-CN" altLang="en-US" dirty="0" smtClean="0"/>
-              <a:t>），配置版本库管理员，质量工程师。</a:t>
-            </a:r>
-            <a:endParaRPr lang="en-US" altLang="zh-CN" dirty="0" smtClean="0"/>
           </a:p>
           <a:p>
             <a:endParaRPr lang="en-US" altLang="zh-CN" baseline="0" dirty="0" smtClean="0"/>
@@ -11294,6 +11195,102 @@
         <p:txBody>
           <a:bodyPr/>
           <a:lstStyle/>
+          <a:p>
+            <a:endParaRPr lang="en-US" altLang="zh-CN" dirty="0" smtClean="0"/>
+          </a:p>
+          <a:p>
+            <a:r>
+              <a:rPr lang="en-US" altLang="zh-CN" b="1" dirty="0" smtClean="0"/>
+              <a:t>CMMI</a:t>
+            </a:r>
+            <a:r>
+              <a:rPr lang="en-US" altLang="zh-CN" b="1" baseline="0" dirty="0" smtClean="0"/>
+              <a:t> </a:t>
+            </a:r>
+            <a:r>
+              <a:rPr lang="zh-CN" altLang="en-US" b="1" baseline="0" dirty="0" smtClean="0"/>
+              <a:t>介入</a:t>
+            </a:r>
+            <a:r>
+              <a:rPr lang="zh-CN" altLang="en-US" baseline="0" dirty="0" smtClean="0"/>
+              <a:t>：</a:t>
+            </a:r>
+            <a:r>
+              <a:rPr lang="en-US" altLang="zh-CN" baseline="0" dirty="0" smtClean="0"/>
+              <a:t>CMMI</a:t>
+            </a:r>
+            <a:r>
+              <a:rPr lang="zh-CN" altLang="en-US" baseline="0" dirty="0" smtClean="0"/>
+              <a:t> 在每个阶段 都会有一些数据分析，举个例子：同样复杂程度的项目，我们之前平均的需求问题数是</a:t>
+            </a:r>
+            <a:r>
+              <a:rPr lang="en-US" altLang="zh-CN" baseline="0" dirty="0" smtClean="0"/>
+              <a:t>8</a:t>
+            </a:r>
+            <a:r>
+              <a:rPr lang="zh-CN" altLang="en-US" baseline="0" dirty="0" smtClean="0"/>
+              <a:t>个，但这个项目就有</a:t>
+            </a:r>
+            <a:r>
+              <a:rPr lang="en-US" altLang="zh-CN" baseline="0" dirty="0" smtClean="0"/>
+              <a:t>20</a:t>
+            </a:r>
+            <a:r>
+              <a:rPr lang="zh-CN" altLang="en-US" baseline="0" dirty="0" smtClean="0"/>
+              <a:t>个。可能我们就需要寻找问题了</a:t>
+            </a:r>
+            <a:endParaRPr lang="en-US" altLang="zh-CN" baseline="0" dirty="0" smtClean="0"/>
+          </a:p>
+          <a:p>
+            <a:r>
+              <a:rPr lang="zh-CN" altLang="en-US" baseline="0" dirty="0" smtClean="0"/>
+              <a:t>（</a:t>
+            </a:r>
+            <a:r>
+              <a:rPr lang="en-US" altLang="zh-CN" baseline="0" dirty="0" smtClean="0"/>
+              <a:t>CMMI </a:t>
+            </a:r>
+            <a:r>
+              <a:rPr lang="zh-CN" altLang="en-US" baseline="0" dirty="0" smtClean="0"/>
+              <a:t>最高</a:t>
+            </a:r>
+            <a:r>
+              <a:rPr lang="en-US" altLang="zh-CN" baseline="0" dirty="0" smtClean="0"/>
+              <a:t>2</a:t>
+            </a:r>
+            <a:r>
+              <a:rPr lang="zh-CN" altLang="en-US" baseline="0" dirty="0" smtClean="0"/>
+              <a:t>五级，军工国防，</a:t>
+            </a:r>
+            <a:r>
+              <a:rPr lang="en-US" altLang="zh-CN" baseline="0" dirty="0" smtClean="0"/>
+              <a:t>Newegg </a:t>
+            </a:r>
+            <a:r>
+              <a:rPr lang="zh-CN" altLang="en-US" baseline="0" dirty="0" smtClean="0"/>
+              <a:t>在</a:t>
+            </a:r>
+            <a:r>
+              <a:rPr lang="en-US" altLang="zh-CN" baseline="0" dirty="0" smtClean="0"/>
+              <a:t>10</a:t>
+            </a:r>
+            <a:r>
+              <a:rPr lang="zh-CN" altLang="en-US" baseline="0" dirty="0" smtClean="0"/>
+              <a:t>年达到了</a:t>
+            </a:r>
+            <a:r>
+              <a:rPr lang="en-US" altLang="zh-CN" baseline="0" dirty="0" smtClean="0"/>
+              <a:t>Level 4</a:t>
+            </a:r>
+            <a:r>
+              <a:rPr lang="zh-CN" altLang="en-US" baseline="0" dirty="0" smtClean="0"/>
+              <a:t>）</a:t>
+            </a:r>
+            <a:endParaRPr lang="en-US" altLang="zh-CN" baseline="0" dirty="0" smtClean="0"/>
+          </a:p>
+          <a:p>
+            <a:endParaRPr lang="en-US" altLang="zh-CN" dirty="0" smtClean="0"/>
+          </a:p>
           <a:p>
             <a:endParaRPr lang="en-US" altLang="zh-CN" dirty="0" smtClean="0"/>
           </a:p>
@@ -12007,7 +12004,7 @@
               <a:pPr>
                 <a:defRPr/>
               </a:pPr>
-              <a:t>2014/6/4</a:t>
+              <a:t>2014/6/10</a:t>
             </a:fld>
             <a:endParaRPr lang="en-US" altLang="zh-CN"/>
           </a:p>
@@ -12156,7 +12153,7 @@
               <a:pPr>
                 <a:defRPr/>
               </a:pPr>
-              <a:t>2014/6/4</a:t>
+              <a:t>2014/6/10</a:t>
             </a:fld>
             <a:endParaRPr lang="en-US" altLang="zh-CN"/>
           </a:p>
@@ -12376,7 +12373,7 @@
               <a:pPr>
                 <a:defRPr/>
               </a:pPr>
-              <a:t>2014/6/4</a:t>
+              <a:t>2014/6/10</a:t>
             </a:fld>
             <a:endParaRPr lang="en-US" altLang="zh-CN"/>
           </a:p>
@@ -12638,7 +12635,7 @@
               <a:pPr>
                 <a:defRPr/>
               </a:pPr>
-              <a:t>2014/6/4</a:t>
+              <a:t>2014/6/10</a:t>
             </a:fld>
             <a:endParaRPr lang="en-US" altLang="zh-CN"/>
           </a:p>
@@ -13034,7 +13031,7 @@
               <a:pPr>
                 <a:defRPr/>
               </a:pPr>
-              <a:t>2014/6/4</a:t>
+              <a:t>2014/6/10</a:t>
             </a:fld>
             <a:endParaRPr lang="en-US" altLang="zh-CN"/>
           </a:p>
@@ -13107,7 +13104,7 @@
               <a:pPr>
                 <a:defRPr/>
               </a:pPr>
-              <a:t>2014/6/4</a:t>
+              <a:t>2014/6/10</a:t>
             </a:fld>
             <a:endParaRPr lang="en-US" altLang="zh-CN"/>
           </a:p>
@@ -13358,7 +13355,7 @@
               <a:pPr>
                 <a:defRPr/>
               </a:pPr>
-              <a:t>2014/6/4</a:t>
+              <a:t>2014/6/10</a:t>
             </a:fld>
             <a:endParaRPr lang="en-US" altLang="zh-CN"/>
           </a:p>
@@ -13588,7 +13585,7 @@
               <a:pPr>
                 <a:defRPr/>
               </a:pPr>
-              <a:t>2014/6/4</a:t>
+              <a:t>2014/6/10</a:t>
             </a:fld>
             <a:endParaRPr lang="en-US" altLang="zh-CN"/>
           </a:p>
@@ -13825,7 +13822,7 @@
               <a:pPr>
                 <a:defRPr/>
               </a:pPr>
-              <a:t>2014/6/4</a:t>
+              <a:t>2014/6/10</a:t>
             </a:fld>
             <a:endParaRPr lang="en-US" altLang="zh-CN"/>
           </a:p>
@@ -14263,7 +14260,7 @@
       </p:grpSpPr>
       <p:sp>
         <p:nvSpPr>
-          <p:cNvPr id="2" name="标题 1"/>
+          <p:cNvPr id="3" name="标题 1"/>
           <p:cNvSpPr>
             <a:spLocks noGrp="1"/>
           </p:cNvSpPr>
@@ -14271,21 +14268,412 @@
             <p:ph type="title"/>
           </p:nvPr>
         </p:nvSpPr>
-        <p:spPr/>
+        <p:spPr>
+          <a:xfrm>
+            <a:off x="457200" y="274638"/>
+            <a:ext cx="8229600" cy="715962"/>
+          </a:xfrm>
+        </p:spPr>
         <p:txBody>
           <a:bodyPr/>
           <a:lstStyle/>
           <a:p>
             <a:r>
-              <a:rPr lang="zh-CN" altLang="en-US" dirty="0" smtClean="0">
-                <a:latin typeface="+mj-ea"/>
-                <a:ea typeface="+mj-ea"/>
+              <a:rPr lang="zh-CN" altLang="en-US" sz="3600" dirty="0" smtClean="0">
+                <a:solidFill>
+                  <a:srgbClr val="E46C0A"/>
+                </a:solidFill>
+                <a:latin typeface="微软雅黑" panose="020B0503020204020204" pitchFamily="34" charset="-122"/>
+                <a:ea typeface="微软雅黑" panose="020B0503020204020204" pitchFamily="34" charset="-122"/>
               </a:rPr>
-              <a:t>自我介绍，巴拉巴拉</a:t>
-            </a:r>
-            <a:endParaRPr lang="zh-CN" altLang="en-US" dirty="0">
-              <a:latin typeface="+mj-ea"/>
-              <a:ea typeface="+mj-ea"/>
+              <a:t>自我介绍</a:t>
+            </a:r>
+            <a:endParaRPr lang="zh-CN" altLang="en-US" sz="3600" dirty="0">
+              <a:solidFill>
+                <a:srgbClr val="E46C0A"/>
+              </a:solidFill>
+              <a:latin typeface="微软雅黑" panose="020B0503020204020204" pitchFamily="34" charset="-122"/>
+              <a:ea typeface="微软雅黑" panose="020B0503020204020204" pitchFamily="34" charset="-122"/>
+            </a:endParaRPr>
+          </a:p>
+        </p:txBody>
+      </p:sp>
+      <p:pic>
+        <p:nvPicPr>
+          <p:cNvPr id="1026" name="Picture 2" descr="E:\05.Work\Git\Document\ATT89669.JPG"/>
+          <p:cNvPicPr>
+            <a:picLocks noChangeAspect="1" noChangeArrowheads="1"/>
+          </p:cNvPicPr>
+          <p:nvPr/>
+        </p:nvPicPr>
+        <p:blipFill>
+          <a:blip r:embed="rId3">
+            <a:extLst>
+              <a:ext uri="{28A0092B-C50C-407E-A947-70E740481C1C}">
+                <a14:useLocalDpi xmlns:a14="http://schemas.microsoft.com/office/drawing/2010/main" val="0"/>
+              </a:ext>
+            </a:extLst>
+          </a:blip>
+          <a:srcRect/>
+          <a:stretch>
+            <a:fillRect/>
+          </a:stretch>
+        </p:blipFill>
+        <p:spPr bwMode="auto">
+          <a:xfrm>
+            <a:off x="838200" y="1066800"/>
+            <a:ext cx="2514600" cy="2514600"/>
+          </a:xfrm>
+          <a:prstGeom prst="rect">
+            <a:avLst/>
+          </a:prstGeom>
+          <a:noFill/>
+          <a:ln>
+            <a:solidFill>
+              <a:schemeClr val="tx1">
+                <a:lumMod val="95000"/>
+                <a:lumOff val="5000"/>
+              </a:schemeClr>
+            </a:solidFill>
+          </a:ln>
+          <a:extLst>
+            <a:ext uri="{909E8E84-426E-40DD-AFC4-6F175D3DCCD1}">
+              <a14:hiddenFill xmlns:a14="http://schemas.microsoft.com/office/drawing/2010/main">
+                <a:solidFill>
+                  <a:srgbClr val="FFFFFF"/>
+                </a:solidFill>
+              </a14:hiddenFill>
+            </a:ext>
+          </a:extLst>
+        </p:spPr>
+      </p:pic>
+      <p:sp>
+        <p:nvSpPr>
+          <p:cNvPr id="14" name="矩形 13"/>
+          <p:cNvSpPr/>
+          <p:nvPr/>
+        </p:nvSpPr>
+        <p:spPr>
+          <a:xfrm>
+            <a:off x="3276600" y="1087270"/>
+            <a:ext cx="4108176" cy="535531"/>
+          </a:xfrm>
+          <a:prstGeom prst="rect">
+            <a:avLst/>
+          </a:prstGeom>
+        </p:spPr>
+        <p:txBody>
+          <a:bodyPr wrap="none">
+            <a:spAutoFit/>
+          </a:bodyPr>
+          <a:lstStyle/>
+          <a:p>
+            <a:pPr lvl="1" eaLnBrk="1" hangingPunct="1">
+              <a:lnSpc>
+                <a:spcPct val="120000"/>
+              </a:lnSpc>
+              <a:buFontTx/>
+              <a:buBlip>
+                <a:blip r:embed="rId4"/>
+              </a:buBlip>
+              <a:defRPr/>
+            </a:pPr>
+            <a:r>
+              <a:rPr lang="zh-CN" altLang="en-US" sz="2400" dirty="0" smtClean="0">
+                <a:ea typeface="微软雅黑" pitchFamily="34" charset="-122"/>
+                <a:cs typeface="Tahoma" pitchFamily="34" charset="0"/>
+              </a:rPr>
+              <a:t>姓名：</a:t>
+            </a:r>
+            <a:r>
+              <a:rPr lang="en-US" altLang="zh-CN" sz="2400" dirty="0" smtClean="0">
+                <a:ea typeface="微软雅黑" pitchFamily="34" charset="-122"/>
+                <a:cs typeface="Tahoma" pitchFamily="34" charset="0"/>
+              </a:rPr>
+              <a:t>Ben </a:t>
+            </a:r>
+            <a:r>
+              <a:rPr lang="en-US" altLang="zh-CN" sz="2400" dirty="0">
+                <a:ea typeface="微软雅黑" pitchFamily="34" charset="-122"/>
+                <a:cs typeface="Tahoma" pitchFamily="34" charset="0"/>
+              </a:rPr>
+              <a:t>Guan </a:t>
+            </a:r>
+            <a:r>
+              <a:rPr lang="zh-CN" altLang="en-US" sz="2400" dirty="0">
+                <a:ea typeface="微软雅黑" pitchFamily="34" charset="-122"/>
+                <a:cs typeface="Tahoma" pitchFamily="34" charset="0"/>
+              </a:rPr>
+              <a:t>管秉昌</a:t>
+            </a:r>
+            <a:endParaRPr lang="en-US" altLang="zh-CN" sz="2400" dirty="0">
+              <a:ea typeface="微软雅黑" pitchFamily="34" charset="-122"/>
+              <a:cs typeface="Tahoma" pitchFamily="34" charset="0"/>
+            </a:endParaRPr>
+          </a:p>
+        </p:txBody>
+      </p:sp>
+      <p:sp>
+        <p:nvSpPr>
+          <p:cNvPr id="15" name="矩形 14"/>
+          <p:cNvSpPr/>
+          <p:nvPr/>
+        </p:nvSpPr>
+        <p:spPr>
+          <a:xfrm>
+            <a:off x="3276600" y="1653210"/>
+            <a:ext cx="1713290" cy="497316"/>
+          </a:xfrm>
+          <a:prstGeom prst="rect">
+            <a:avLst/>
+          </a:prstGeom>
+        </p:spPr>
+        <p:txBody>
+          <a:bodyPr wrap="none">
+            <a:spAutoFit/>
+          </a:bodyPr>
+          <a:lstStyle/>
+          <a:p>
+            <a:pPr lvl="1" eaLnBrk="1" hangingPunct="1">
+              <a:lnSpc>
+                <a:spcPct val="120000"/>
+              </a:lnSpc>
+              <a:buFontTx/>
+              <a:buBlip>
+                <a:blip r:embed="rId4"/>
+              </a:buBlip>
+              <a:defRPr/>
+            </a:pPr>
+            <a:r>
+              <a:rPr lang="zh-CN" altLang="en-US" sz="2400" dirty="0" smtClean="0">
+                <a:ea typeface="微软雅黑" pitchFamily="34" charset="-122"/>
+                <a:cs typeface="Tahoma" pitchFamily="34" charset="0"/>
+              </a:rPr>
+              <a:t>标签：</a:t>
+            </a:r>
+            <a:endParaRPr lang="en-US" altLang="zh-CN" sz="2400" dirty="0">
+              <a:ea typeface="微软雅黑" pitchFamily="34" charset="-122"/>
+              <a:cs typeface="Tahoma" pitchFamily="34" charset="0"/>
+            </a:endParaRPr>
+          </a:p>
+        </p:txBody>
+      </p:sp>
+      <p:sp>
+        <p:nvSpPr>
+          <p:cNvPr id="16" name="爆炸形 1 15"/>
+          <p:cNvSpPr/>
+          <p:nvPr/>
+        </p:nvSpPr>
+        <p:spPr bwMode="auto">
+          <a:xfrm>
+            <a:off x="3848100" y="2209800"/>
+            <a:ext cx="2819400" cy="1166932"/>
+          </a:xfrm>
+          <a:prstGeom prst="irregularSeal1">
+            <a:avLst/>
+          </a:prstGeom>
+          <a:ln/>
+        </p:spPr>
+        <p:style>
+          <a:lnRef idx="1">
+            <a:schemeClr val="accent1"/>
+          </a:lnRef>
+          <a:fillRef idx="2">
+            <a:schemeClr val="accent1"/>
+          </a:fillRef>
+          <a:effectRef idx="1">
+            <a:schemeClr val="accent1"/>
+          </a:effectRef>
+          <a:fontRef idx="minor">
+            <a:schemeClr val="dk1"/>
+          </a:fontRef>
+        </p:style>
+        <p:txBody>
+          <a:bodyPr wrap="square" rtlCol="0" anchor="ctr">
+            <a:spAutoFit/>
+          </a:bodyPr>
+          <a:lstStyle/>
+          <a:p>
+            <a:pPr algn="ctr">
+              <a:lnSpc>
+                <a:spcPct val="150000"/>
+              </a:lnSpc>
+            </a:pPr>
+            <a:r>
+              <a:rPr lang="en-US" altLang="zh-CN" sz="1400" dirty="0" smtClean="0">
+                <a:latin typeface="微软雅黑" pitchFamily="34" charset="-122"/>
+                <a:ea typeface="微软雅黑" pitchFamily="34" charset="-122"/>
+              </a:rPr>
+              <a:t>Web Developer</a:t>
+            </a:r>
+            <a:endParaRPr lang="zh-CN" altLang="en-US" sz="1400" dirty="0" smtClean="0">
+              <a:latin typeface="微软雅黑" pitchFamily="34" charset="-122"/>
+              <a:ea typeface="微软雅黑" pitchFamily="34" charset="-122"/>
+            </a:endParaRPr>
+          </a:p>
+        </p:txBody>
+      </p:sp>
+      <p:sp>
+        <p:nvSpPr>
+          <p:cNvPr id="18" name="爆炸形 1 17"/>
+          <p:cNvSpPr/>
+          <p:nvPr/>
+        </p:nvSpPr>
+        <p:spPr bwMode="auto">
+          <a:xfrm>
+            <a:off x="6172200" y="2971800"/>
+            <a:ext cx="2819400" cy="1059963"/>
+          </a:xfrm>
+          <a:prstGeom prst="irregularSeal1">
+            <a:avLst/>
+          </a:prstGeom>
+          <a:ln/>
+        </p:spPr>
+        <p:style>
+          <a:lnRef idx="1">
+            <a:schemeClr val="accent1"/>
+          </a:lnRef>
+          <a:fillRef idx="2">
+            <a:schemeClr val="accent1"/>
+          </a:fillRef>
+          <a:effectRef idx="1">
+            <a:schemeClr val="accent1"/>
+          </a:effectRef>
+          <a:fontRef idx="minor">
+            <a:schemeClr val="dk1"/>
+          </a:fontRef>
+        </p:style>
+        <p:txBody>
+          <a:bodyPr wrap="square" rtlCol="0" anchor="ctr">
+            <a:spAutoFit/>
+          </a:bodyPr>
+          <a:lstStyle/>
+          <a:p>
+            <a:pPr algn="ctr">
+              <a:lnSpc>
+                <a:spcPct val="150000"/>
+              </a:lnSpc>
+            </a:pPr>
+            <a:r>
+              <a:rPr lang="en-US" altLang="zh-CN" sz="1400" dirty="0" smtClean="0">
+                <a:latin typeface="微软雅黑" pitchFamily="34" charset="-122"/>
+                <a:ea typeface="微软雅黑" pitchFamily="34" charset="-122"/>
+              </a:rPr>
+              <a:t>PM</a:t>
+            </a:r>
+            <a:endParaRPr lang="zh-CN" altLang="en-US" sz="1400" dirty="0" smtClean="0">
+              <a:latin typeface="微软雅黑" pitchFamily="34" charset="-122"/>
+              <a:ea typeface="微软雅黑" pitchFamily="34" charset="-122"/>
+            </a:endParaRPr>
+          </a:p>
+        </p:txBody>
+      </p:sp>
+      <p:sp>
+        <p:nvSpPr>
+          <p:cNvPr id="19" name="爆炸形 1 18"/>
+          <p:cNvSpPr/>
+          <p:nvPr/>
+        </p:nvSpPr>
+        <p:spPr bwMode="auto">
+          <a:xfrm>
+            <a:off x="3580190" y="3528180"/>
+            <a:ext cx="2819400" cy="1059963"/>
+          </a:xfrm>
+          <a:prstGeom prst="irregularSeal1">
+            <a:avLst/>
+          </a:prstGeom>
+          <a:ln/>
+        </p:spPr>
+        <p:style>
+          <a:lnRef idx="1">
+            <a:schemeClr val="accent1"/>
+          </a:lnRef>
+          <a:fillRef idx="2">
+            <a:schemeClr val="accent1"/>
+          </a:fillRef>
+          <a:effectRef idx="1">
+            <a:schemeClr val="accent1"/>
+          </a:effectRef>
+          <a:fontRef idx="minor">
+            <a:schemeClr val="dk1"/>
+          </a:fontRef>
+        </p:style>
+        <p:txBody>
+          <a:bodyPr wrap="square" rtlCol="0" anchor="ctr">
+            <a:spAutoFit/>
+          </a:bodyPr>
+          <a:lstStyle/>
+          <a:p>
+            <a:pPr algn="ctr">
+              <a:lnSpc>
+                <a:spcPct val="150000"/>
+              </a:lnSpc>
+            </a:pPr>
+            <a:r>
+              <a:rPr lang="en-US" altLang="zh-CN" sz="1400" dirty="0" smtClean="0">
+                <a:latin typeface="微软雅黑" pitchFamily="34" charset="-122"/>
+                <a:ea typeface="微软雅黑" pitchFamily="34" charset="-122"/>
+              </a:rPr>
+              <a:t>Scrum Master</a:t>
+            </a:r>
+            <a:endParaRPr lang="zh-CN" altLang="en-US" sz="1400" dirty="0" smtClean="0">
+              <a:latin typeface="微软雅黑" pitchFamily="34" charset="-122"/>
+              <a:ea typeface="微软雅黑" pitchFamily="34" charset="-122"/>
+            </a:endParaRPr>
+          </a:p>
+        </p:txBody>
+      </p:sp>
+      <p:sp>
+        <p:nvSpPr>
+          <p:cNvPr id="20" name="爆炸形 1 19"/>
+          <p:cNvSpPr/>
+          <p:nvPr/>
+        </p:nvSpPr>
+        <p:spPr bwMode="auto">
+          <a:xfrm>
+            <a:off x="5562600" y="4601395"/>
+            <a:ext cx="2819400" cy="1059963"/>
+          </a:xfrm>
+          <a:prstGeom prst="irregularSeal1">
+            <a:avLst/>
+          </a:prstGeom>
+          <a:ln/>
+        </p:spPr>
+        <p:style>
+          <a:lnRef idx="1">
+            <a:schemeClr val="accent1"/>
+          </a:lnRef>
+          <a:fillRef idx="2">
+            <a:schemeClr val="accent1"/>
+          </a:fillRef>
+          <a:effectRef idx="1">
+            <a:schemeClr val="accent1"/>
+          </a:effectRef>
+          <a:fontRef idx="minor">
+            <a:schemeClr val="dk1"/>
+          </a:fontRef>
+        </p:style>
+        <p:txBody>
+          <a:bodyPr wrap="square" rtlCol="0" anchor="ctr">
+            <a:spAutoFit/>
+          </a:bodyPr>
+          <a:lstStyle/>
+          <a:p>
+            <a:pPr algn="ctr">
+              <a:lnSpc>
+                <a:spcPct val="150000"/>
+              </a:lnSpc>
+            </a:pPr>
+            <a:r>
+              <a:rPr lang="en-US" altLang="zh-CN" sz="1400" dirty="0" smtClean="0">
+                <a:latin typeface="微软雅黑" pitchFamily="34" charset="-122"/>
+                <a:ea typeface="微软雅黑" pitchFamily="34" charset="-122"/>
+              </a:rPr>
+              <a:t>Trainer</a:t>
+            </a:r>
+            <a:endParaRPr lang="zh-CN" altLang="en-US" sz="1400" dirty="0" smtClean="0">
+              <a:latin typeface="微软雅黑" pitchFamily="34" charset="-122"/>
+              <a:ea typeface="微软雅黑" pitchFamily="34" charset="-122"/>
             </a:endParaRPr>
           </a:p>
         </p:txBody>
@@ -14304,9 +14692,527 @@
   <p:timing>
     <p:tnLst>
       <p:par>
-        <p:cTn id="1" dur="indefinite" restart="never" nodeType="tmRoot"/>
+        <p:cTn id="1" dur="indefinite" restart="never" nodeType="tmRoot">
+          <p:childTnLst>
+            <p:seq concurrent="1" nextAc="seek">
+              <p:cTn id="2" dur="indefinite" nodeType="mainSeq">
+                <p:childTnLst>
+                  <p:par>
+                    <p:cTn id="3" fill="hold">
+                      <p:stCondLst>
+                        <p:cond delay="indefinite"/>
+                      </p:stCondLst>
+                      <p:childTnLst>
+                        <p:par>
+                          <p:cTn id="4" fill="hold">
+                            <p:stCondLst>
+                              <p:cond delay="0"/>
+                            </p:stCondLst>
+                            <p:childTnLst>
+                              <p:par>
+                                <p:cTn id="5" presetID="2" presetClass="entr" presetSubtype="4" fill="hold" grpId="0" nodeType="clickEffect">
+                                  <p:stCondLst>
+                                    <p:cond delay="0"/>
+                                  </p:stCondLst>
+                                  <p:childTnLst>
+                                    <p:set>
+                                      <p:cBhvr>
+                                        <p:cTn id="6" dur="1" fill="hold">
+                                          <p:stCondLst>
+                                            <p:cond delay="0"/>
+                                          </p:stCondLst>
+                                        </p:cTn>
+                                        <p:tgtEl>
+                                          <p:spTgt spid="14"/>
+                                        </p:tgtEl>
+                                        <p:attrNameLst>
+                                          <p:attrName>style.visibility</p:attrName>
+                                        </p:attrNameLst>
+                                      </p:cBhvr>
+                                      <p:to>
+                                        <p:strVal val="visible"/>
+                                      </p:to>
+                                    </p:set>
+                                    <p:anim calcmode="lin" valueType="num">
+                                      <p:cBhvr additive="base">
+                                        <p:cTn id="7" dur="500" fill="hold"/>
+                                        <p:tgtEl>
+                                          <p:spTgt spid="14"/>
+                                        </p:tgtEl>
+                                        <p:attrNameLst>
+                                          <p:attrName>ppt_x</p:attrName>
+                                        </p:attrNameLst>
+                                      </p:cBhvr>
+                                      <p:tavLst>
+                                        <p:tav tm="0">
+                                          <p:val>
+                                            <p:strVal val="#ppt_x"/>
+                                          </p:val>
+                                        </p:tav>
+                                        <p:tav tm="100000">
+                                          <p:val>
+                                            <p:strVal val="#ppt_x"/>
+                                          </p:val>
+                                        </p:tav>
+                                      </p:tavLst>
+                                    </p:anim>
+                                    <p:anim calcmode="lin" valueType="num">
+                                      <p:cBhvr additive="base">
+                                        <p:cTn id="8" dur="500" fill="hold"/>
+                                        <p:tgtEl>
+                                          <p:spTgt spid="14"/>
+                                        </p:tgtEl>
+                                        <p:attrNameLst>
+                                          <p:attrName>ppt_y</p:attrName>
+                                        </p:attrNameLst>
+                                      </p:cBhvr>
+                                      <p:tavLst>
+                                        <p:tav tm="0">
+                                          <p:val>
+                                            <p:strVal val="1+#ppt_h/2"/>
+                                          </p:val>
+                                        </p:tav>
+                                        <p:tav tm="100000">
+                                          <p:val>
+                                            <p:strVal val="#ppt_y"/>
+                                          </p:val>
+                                        </p:tav>
+                                      </p:tavLst>
+                                    </p:anim>
+                                  </p:childTnLst>
+                                </p:cTn>
+                              </p:par>
+                              <p:par>
+                                <p:cTn id="9" presetID="2" presetClass="entr" presetSubtype="4" fill="hold" nodeType="withEffect">
+                                  <p:stCondLst>
+                                    <p:cond delay="0"/>
+                                  </p:stCondLst>
+                                  <p:childTnLst>
+                                    <p:set>
+                                      <p:cBhvr>
+                                        <p:cTn id="10" dur="1" fill="hold">
+                                          <p:stCondLst>
+                                            <p:cond delay="0"/>
+                                          </p:stCondLst>
+                                        </p:cTn>
+                                        <p:tgtEl>
+                                          <p:spTgt spid="1026"/>
+                                        </p:tgtEl>
+                                        <p:attrNameLst>
+                                          <p:attrName>style.visibility</p:attrName>
+                                        </p:attrNameLst>
+                                      </p:cBhvr>
+                                      <p:to>
+                                        <p:strVal val="visible"/>
+                                      </p:to>
+                                    </p:set>
+                                    <p:anim calcmode="lin" valueType="num">
+                                      <p:cBhvr additive="base">
+                                        <p:cTn id="11" dur="500" fill="hold"/>
+                                        <p:tgtEl>
+                                          <p:spTgt spid="1026"/>
+                                        </p:tgtEl>
+                                        <p:attrNameLst>
+                                          <p:attrName>ppt_x</p:attrName>
+                                        </p:attrNameLst>
+                                      </p:cBhvr>
+                                      <p:tavLst>
+                                        <p:tav tm="0">
+                                          <p:val>
+                                            <p:strVal val="#ppt_x"/>
+                                          </p:val>
+                                        </p:tav>
+                                        <p:tav tm="100000">
+                                          <p:val>
+                                            <p:strVal val="#ppt_x"/>
+                                          </p:val>
+                                        </p:tav>
+                                      </p:tavLst>
+                                    </p:anim>
+                                    <p:anim calcmode="lin" valueType="num">
+                                      <p:cBhvr additive="base">
+                                        <p:cTn id="12" dur="500" fill="hold"/>
+                                        <p:tgtEl>
+                                          <p:spTgt spid="1026"/>
+                                        </p:tgtEl>
+                                        <p:attrNameLst>
+                                          <p:attrName>ppt_y</p:attrName>
+                                        </p:attrNameLst>
+                                      </p:cBhvr>
+                                      <p:tavLst>
+                                        <p:tav tm="0">
+                                          <p:val>
+                                            <p:strVal val="1+#ppt_h/2"/>
+                                          </p:val>
+                                        </p:tav>
+                                        <p:tav tm="100000">
+                                          <p:val>
+                                            <p:strVal val="#ppt_y"/>
+                                          </p:val>
+                                        </p:tav>
+                                      </p:tavLst>
+                                    </p:anim>
+                                  </p:childTnLst>
+                                </p:cTn>
+                              </p:par>
+                            </p:childTnLst>
+                          </p:cTn>
+                        </p:par>
+                      </p:childTnLst>
+                    </p:cTn>
+                  </p:par>
+                  <p:par>
+                    <p:cTn id="13" fill="hold">
+                      <p:stCondLst>
+                        <p:cond delay="indefinite"/>
+                      </p:stCondLst>
+                      <p:childTnLst>
+                        <p:par>
+                          <p:cTn id="14" fill="hold">
+                            <p:stCondLst>
+                              <p:cond delay="0"/>
+                            </p:stCondLst>
+                            <p:childTnLst>
+                              <p:par>
+                                <p:cTn id="15" presetID="2" presetClass="entr" presetSubtype="4" fill="hold" grpId="0" nodeType="clickEffect">
+                                  <p:stCondLst>
+                                    <p:cond delay="0"/>
+                                  </p:stCondLst>
+                                  <p:childTnLst>
+                                    <p:set>
+                                      <p:cBhvr>
+                                        <p:cTn id="16" dur="1" fill="hold">
+                                          <p:stCondLst>
+                                            <p:cond delay="0"/>
+                                          </p:stCondLst>
+                                        </p:cTn>
+                                        <p:tgtEl>
+                                          <p:spTgt spid="15"/>
+                                        </p:tgtEl>
+                                        <p:attrNameLst>
+                                          <p:attrName>style.visibility</p:attrName>
+                                        </p:attrNameLst>
+                                      </p:cBhvr>
+                                      <p:to>
+                                        <p:strVal val="visible"/>
+                                      </p:to>
+                                    </p:set>
+                                    <p:anim calcmode="lin" valueType="num">
+                                      <p:cBhvr additive="base">
+                                        <p:cTn id="17" dur="500" fill="hold"/>
+                                        <p:tgtEl>
+                                          <p:spTgt spid="15"/>
+                                        </p:tgtEl>
+                                        <p:attrNameLst>
+                                          <p:attrName>ppt_x</p:attrName>
+                                        </p:attrNameLst>
+                                      </p:cBhvr>
+                                      <p:tavLst>
+                                        <p:tav tm="0">
+                                          <p:val>
+                                            <p:strVal val="#ppt_x"/>
+                                          </p:val>
+                                        </p:tav>
+                                        <p:tav tm="100000">
+                                          <p:val>
+                                            <p:strVal val="#ppt_x"/>
+                                          </p:val>
+                                        </p:tav>
+                                      </p:tavLst>
+                                    </p:anim>
+                                    <p:anim calcmode="lin" valueType="num">
+                                      <p:cBhvr additive="base">
+                                        <p:cTn id="18" dur="500" fill="hold"/>
+                                        <p:tgtEl>
+                                          <p:spTgt spid="15"/>
+                                        </p:tgtEl>
+                                        <p:attrNameLst>
+                                          <p:attrName>ppt_y</p:attrName>
+                                        </p:attrNameLst>
+                                      </p:cBhvr>
+                                      <p:tavLst>
+                                        <p:tav tm="0">
+                                          <p:val>
+                                            <p:strVal val="1+#ppt_h/2"/>
+                                          </p:val>
+                                        </p:tav>
+                                        <p:tav tm="100000">
+                                          <p:val>
+                                            <p:strVal val="#ppt_y"/>
+                                          </p:val>
+                                        </p:tav>
+                                      </p:tavLst>
+                                    </p:anim>
+                                  </p:childTnLst>
+                                </p:cTn>
+                              </p:par>
+                              <p:par>
+                                <p:cTn id="19" presetID="2" presetClass="entr" presetSubtype="4" fill="hold" grpId="0" nodeType="withEffect">
+                                  <p:stCondLst>
+                                    <p:cond delay="0"/>
+                                  </p:stCondLst>
+                                  <p:childTnLst>
+                                    <p:set>
+                                      <p:cBhvr>
+                                        <p:cTn id="20" dur="1" fill="hold">
+                                          <p:stCondLst>
+                                            <p:cond delay="0"/>
+                                          </p:stCondLst>
+                                        </p:cTn>
+                                        <p:tgtEl>
+                                          <p:spTgt spid="16"/>
+                                        </p:tgtEl>
+                                        <p:attrNameLst>
+                                          <p:attrName>style.visibility</p:attrName>
+                                        </p:attrNameLst>
+                                      </p:cBhvr>
+                                      <p:to>
+                                        <p:strVal val="visible"/>
+                                      </p:to>
+                                    </p:set>
+                                    <p:anim calcmode="lin" valueType="num">
+                                      <p:cBhvr additive="base">
+                                        <p:cTn id="21" dur="500" fill="hold"/>
+                                        <p:tgtEl>
+                                          <p:spTgt spid="16"/>
+                                        </p:tgtEl>
+                                        <p:attrNameLst>
+                                          <p:attrName>ppt_x</p:attrName>
+                                        </p:attrNameLst>
+                                      </p:cBhvr>
+                                      <p:tavLst>
+                                        <p:tav tm="0">
+                                          <p:val>
+                                            <p:strVal val="#ppt_x"/>
+                                          </p:val>
+                                        </p:tav>
+                                        <p:tav tm="100000">
+                                          <p:val>
+                                            <p:strVal val="#ppt_x"/>
+                                          </p:val>
+                                        </p:tav>
+                                      </p:tavLst>
+                                    </p:anim>
+                                    <p:anim calcmode="lin" valueType="num">
+                                      <p:cBhvr additive="base">
+                                        <p:cTn id="22" dur="500" fill="hold"/>
+                                        <p:tgtEl>
+                                          <p:spTgt spid="16"/>
+                                        </p:tgtEl>
+                                        <p:attrNameLst>
+                                          <p:attrName>ppt_y</p:attrName>
+                                        </p:attrNameLst>
+                                      </p:cBhvr>
+                                      <p:tavLst>
+                                        <p:tav tm="0">
+                                          <p:val>
+                                            <p:strVal val="1+#ppt_h/2"/>
+                                          </p:val>
+                                        </p:tav>
+                                        <p:tav tm="100000">
+                                          <p:val>
+                                            <p:strVal val="#ppt_y"/>
+                                          </p:val>
+                                        </p:tav>
+                                      </p:tavLst>
+                                    </p:anim>
+                                  </p:childTnLst>
+                                </p:cTn>
+                              </p:par>
+                            </p:childTnLst>
+                          </p:cTn>
+                        </p:par>
+                      </p:childTnLst>
+                    </p:cTn>
+                  </p:par>
+                  <p:par>
+                    <p:cTn id="23" fill="hold">
+                      <p:stCondLst>
+                        <p:cond delay="indefinite"/>
+                      </p:stCondLst>
+                      <p:childTnLst>
+                        <p:par>
+                          <p:cTn id="24" fill="hold">
+                            <p:stCondLst>
+                              <p:cond delay="0"/>
+                            </p:stCondLst>
+                            <p:childTnLst>
+                              <p:par>
+                                <p:cTn id="25" presetID="14" presetClass="entr" presetSubtype="10" fill="hold" grpId="0" nodeType="clickEffect">
+                                  <p:stCondLst>
+                                    <p:cond delay="0"/>
+                                  </p:stCondLst>
+                                  <p:childTnLst>
+                                    <p:set>
+                                      <p:cBhvr>
+                                        <p:cTn id="26" dur="1" fill="hold">
+                                          <p:stCondLst>
+                                            <p:cond delay="0"/>
+                                          </p:stCondLst>
+                                        </p:cTn>
+                                        <p:tgtEl>
+                                          <p:spTgt spid="18"/>
+                                        </p:tgtEl>
+                                        <p:attrNameLst>
+                                          <p:attrName>style.visibility</p:attrName>
+                                        </p:attrNameLst>
+                                      </p:cBhvr>
+                                      <p:to>
+                                        <p:strVal val="visible"/>
+                                      </p:to>
+                                    </p:set>
+                                    <p:animEffect transition="in" filter="randombar(horizontal)">
+                                      <p:cBhvr>
+                                        <p:cTn id="27" dur="500"/>
+                                        <p:tgtEl>
+                                          <p:spTgt spid="18"/>
+                                        </p:tgtEl>
+                                      </p:cBhvr>
+                                    </p:animEffect>
+                                  </p:childTnLst>
+                                </p:cTn>
+                              </p:par>
+                            </p:childTnLst>
+                          </p:cTn>
+                        </p:par>
+                      </p:childTnLst>
+                    </p:cTn>
+                  </p:par>
+                  <p:par>
+                    <p:cTn id="28" fill="hold">
+                      <p:stCondLst>
+                        <p:cond delay="indefinite"/>
+                      </p:stCondLst>
+                      <p:childTnLst>
+                        <p:par>
+                          <p:cTn id="29" fill="hold">
+                            <p:stCondLst>
+                              <p:cond delay="0"/>
+                            </p:stCondLst>
+                            <p:childTnLst>
+                              <p:par>
+                                <p:cTn id="30" presetID="14" presetClass="entr" presetSubtype="10" fill="hold" grpId="0" nodeType="clickEffect">
+                                  <p:stCondLst>
+                                    <p:cond delay="0"/>
+                                  </p:stCondLst>
+                                  <p:childTnLst>
+                                    <p:set>
+                                      <p:cBhvr>
+                                        <p:cTn id="31" dur="1" fill="hold">
+                                          <p:stCondLst>
+                                            <p:cond delay="0"/>
+                                          </p:stCondLst>
+                                        </p:cTn>
+                                        <p:tgtEl>
+                                          <p:spTgt spid="19"/>
+                                        </p:tgtEl>
+                                        <p:attrNameLst>
+                                          <p:attrName>style.visibility</p:attrName>
+                                        </p:attrNameLst>
+                                      </p:cBhvr>
+                                      <p:to>
+                                        <p:strVal val="visible"/>
+                                      </p:to>
+                                    </p:set>
+                                    <p:animEffect transition="in" filter="randombar(horizontal)">
+                                      <p:cBhvr>
+                                        <p:cTn id="32" dur="500"/>
+                                        <p:tgtEl>
+                                          <p:spTgt spid="19"/>
+                                        </p:tgtEl>
+                                      </p:cBhvr>
+                                    </p:animEffect>
+                                  </p:childTnLst>
+                                </p:cTn>
+                              </p:par>
+                            </p:childTnLst>
+                          </p:cTn>
+                        </p:par>
+                      </p:childTnLst>
+                    </p:cTn>
+                  </p:par>
+                  <p:par>
+                    <p:cTn id="33" fill="hold">
+                      <p:stCondLst>
+                        <p:cond delay="indefinite"/>
+                      </p:stCondLst>
+                      <p:childTnLst>
+                        <p:par>
+                          <p:cTn id="34" fill="hold">
+                            <p:stCondLst>
+                              <p:cond delay="0"/>
+                            </p:stCondLst>
+                            <p:childTnLst>
+                              <p:par>
+                                <p:cTn id="35" presetID="14" presetClass="entr" presetSubtype="10" fill="hold" grpId="0" nodeType="clickEffect">
+                                  <p:stCondLst>
+                                    <p:cond delay="0"/>
+                                  </p:stCondLst>
+                                  <p:childTnLst>
+                                    <p:set>
+                                      <p:cBhvr>
+                                        <p:cTn id="36" dur="1" fill="hold">
+                                          <p:stCondLst>
+                                            <p:cond delay="0"/>
+                                          </p:stCondLst>
+                                        </p:cTn>
+                                        <p:tgtEl>
+                                          <p:spTgt spid="20"/>
+                                        </p:tgtEl>
+                                        <p:attrNameLst>
+                                          <p:attrName>style.visibility</p:attrName>
+                                        </p:attrNameLst>
+                                      </p:cBhvr>
+                                      <p:to>
+                                        <p:strVal val="visible"/>
+                                      </p:to>
+                                    </p:set>
+                                    <p:animEffect transition="in" filter="randombar(horizontal)">
+                                      <p:cBhvr>
+                                        <p:cTn id="37" dur="500"/>
+                                        <p:tgtEl>
+                                          <p:spTgt spid="20"/>
+                                        </p:tgtEl>
+                                      </p:cBhvr>
+                                    </p:animEffect>
+                                  </p:childTnLst>
+                                </p:cTn>
+                              </p:par>
+                            </p:childTnLst>
+                          </p:cTn>
+                        </p:par>
+                      </p:childTnLst>
+                    </p:cTn>
+                  </p:par>
+                </p:childTnLst>
+              </p:cTn>
+              <p:prevCondLst>
+                <p:cond evt="onPrev" delay="0">
+                  <p:tgtEl>
+                    <p:sldTgt/>
+                  </p:tgtEl>
+                </p:cond>
+              </p:prevCondLst>
+              <p:nextCondLst>
+                <p:cond evt="onNext" delay="0">
+                  <p:tgtEl>
+                    <p:sldTgt/>
+                  </p:tgtEl>
+                </p:cond>
+              </p:nextCondLst>
+            </p:seq>
+          </p:childTnLst>
+        </p:cTn>
       </p:par>
     </p:tnLst>
+    <p:bldLst>
+      <p:bldP spid="14" grpId="0"/>
+      <p:bldP spid="15" grpId="0"/>
+      <p:bldP spid="16" grpId="0" animBg="1"/>
+      <p:bldP spid="18" grpId="0" animBg="1"/>
+      <p:bldP spid="19" grpId="0" animBg="1"/>
+      <p:bldP spid="20" grpId="0" animBg="1"/>
+    </p:bldLst>
   </p:timing>
 </p:sld>
 </file>
@@ -14758,13 +15664,6 @@
               </a:rPr>
               <a:t>回顾</a:t>
             </a:r>
-            <a:endParaRPr lang="zh-CN" altLang="en-US" sz="3600" dirty="0">
-              <a:solidFill>
-                <a:srgbClr val="E46C0A"/>
-              </a:solidFill>
-              <a:latin typeface="微软雅黑" panose="020B0503020204020204" pitchFamily="34" charset="-122"/>
-              <a:ea typeface="微软雅黑" panose="020B0503020204020204" pitchFamily="34" charset="-122"/>
-            </a:endParaRPr>
           </a:p>
         </p:txBody>
       </p:sp>
@@ -15054,7 +15953,27 @@
                 <a:latin typeface="微软雅黑" panose="020B0503020204020204" pitchFamily="34" charset="-122"/>
                 <a:ea typeface="微软雅黑" panose="020B0503020204020204" pitchFamily="34" charset="-122"/>
               </a:rPr>
-              <a:t>开发流程之瀑布模型</a:t>
+              <a:t>开发流程</a:t>
+            </a:r>
+            <a:r>
+              <a:rPr lang="en-US" altLang="zh-CN" sz="3600" dirty="0" smtClean="0">
+                <a:solidFill>
+                  <a:srgbClr val="E46C0A"/>
+                </a:solidFill>
+                <a:latin typeface="微软雅黑" panose="020B0503020204020204" pitchFamily="34" charset="-122"/>
+                <a:ea typeface="微软雅黑" panose="020B0503020204020204" pitchFamily="34" charset="-122"/>
+              </a:rPr>
+              <a:t>-</a:t>
+            </a:r>
+            <a:r>
+              <a:rPr lang="zh-CN" altLang="en-US" sz="3600" dirty="0" smtClean="0">
+                <a:solidFill>
+                  <a:srgbClr val="E46C0A"/>
+                </a:solidFill>
+                <a:latin typeface="微软雅黑" panose="020B0503020204020204" pitchFamily="34" charset="-122"/>
+                <a:ea typeface="微软雅黑" panose="020B0503020204020204" pitchFamily="34" charset="-122"/>
+              </a:rPr>
+              <a:t>瀑布模型</a:t>
             </a:r>
             <a:endParaRPr lang="zh-CN" altLang="en-US" sz="3600" dirty="0">
               <a:solidFill>
@@ -15993,10 +16912,62 @@
               </a:rPr>
               <a:t>、标准的流程可以帮助规避一些风险</a:t>
             </a:r>
-            <a:endParaRPr lang="zh-CN" altLang="en-US" dirty="0">
+            <a:endParaRPr lang="en-US" altLang="zh-CN" dirty="0" smtClean="0">
               <a:latin typeface="微软雅黑" panose="020B0503020204020204" pitchFamily="34" charset="-122"/>
               <a:ea typeface="微软雅黑" panose="020B0503020204020204" pitchFamily="34" charset="-122"/>
             </a:endParaRPr>
+          </a:p>
+        </p:txBody>
+      </p:sp>
+      <p:sp>
+        <p:nvSpPr>
+          <p:cNvPr id="4" name="矩形 3"/>
+          <p:cNvSpPr/>
+          <p:nvPr/>
+        </p:nvSpPr>
+        <p:spPr>
+          <a:xfrm>
+            <a:off x="4194313" y="2484209"/>
+            <a:ext cx="4572000" cy="646331"/>
+          </a:xfrm>
+          <a:prstGeom prst="rect">
+            <a:avLst/>
+          </a:prstGeom>
+        </p:spPr>
+        <p:txBody>
+          <a:bodyPr>
+            <a:spAutoFit/>
+          </a:bodyPr>
+          <a:lstStyle/>
+          <a:p>
+            <a:r>
+              <a:rPr lang="en-US" altLang="zh-CN" dirty="0">
+                <a:latin typeface="微软雅黑" panose="020B0503020204020204" pitchFamily="34" charset="-122"/>
+                <a:ea typeface="微软雅黑" panose="020B0503020204020204" pitchFamily="34" charset="-122"/>
+              </a:rPr>
+              <a:t>4</a:t>
+            </a:r>
+            <a:r>
+              <a:rPr lang="zh-CN" altLang="en-US" dirty="0">
+                <a:latin typeface="微软雅黑" panose="020B0503020204020204" pitchFamily="34" charset="-122"/>
+                <a:ea typeface="微软雅黑" panose="020B0503020204020204" pitchFamily="34" charset="-122"/>
+              </a:rPr>
+              <a:t>、已经有成熟的过程改进体系辅助提升质量，降低成本（</a:t>
+            </a:r>
+            <a:r>
+              <a:rPr lang="en-US" altLang="zh-CN" dirty="0">
+                <a:latin typeface="微软雅黑" panose="020B0503020204020204" pitchFamily="34" charset="-122"/>
+                <a:ea typeface="微软雅黑" panose="020B0503020204020204" pitchFamily="34" charset="-122"/>
+              </a:rPr>
+              <a:t>CMMI</a:t>
+            </a:r>
+            <a:r>
+              <a:rPr lang="zh-CN" altLang="en-US" dirty="0">
+                <a:latin typeface="微软雅黑" panose="020B0503020204020204" pitchFamily="34" charset="-122"/>
+                <a:ea typeface="微软雅黑" panose="020B0503020204020204" pitchFamily="34" charset="-122"/>
+              </a:rPr>
+              <a:t>）</a:t>
+            </a:r>
           </a:p>
         </p:txBody>
       </p:sp>
@@ -16180,30 +17151,21 @@
                             </p:childTnLst>
                           </p:cTn>
                         </p:par>
-                      </p:childTnLst>
-                    </p:cTn>
-                  </p:par>
-                  <p:par>
-                    <p:cTn id="13" fill="hold">
-                      <p:stCondLst>
-                        <p:cond delay="indefinite"/>
-                      </p:stCondLst>
-                      <p:childTnLst>
                         <p:par>
-                          <p:cTn id="14" fill="hold">
+                          <p:cTn id="13" fill="hold">
                             <p:stCondLst>
-                              <p:cond delay="0"/>
+                              <p:cond delay="500"/>
                             </p:stCondLst>
                             <p:childTnLst>
                               <p:par>
-                                <p:cTn id="15" presetID="2" presetClass="entr" presetSubtype="4" fill="hold" nodeType="clickEffect">
+                                <p:cTn id="14" presetID="2" presetClass="entr" presetSubtype="4" fill="hold" nodeType="afterEffect">
                                   <p:stCondLst>
                                     <p:cond delay="0"/>
                                   </p:stCondLst>
                                   <p:childTnLst>
                                     <p:set>
                                       <p:cBhvr>
-                                        <p:cTn id="16" dur="1" fill="hold">
+                                        <p:cTn id="15" dur="1" fill="hold">
                                           <p:stCondLst>
                                             <p:cond delay="0"/>
                                           </p:stCondLst>
@@ -16225,7 +17187,7 @@
                                     </p:set>
                                     <p:anim calcmode="lin" valueType="num">
                                       <p:cBhvr additive="base">
-                                        <p:cTn id="17" dur="500" fill="hold"/>
+                                        <p:cTn id="16" dur="500" fill="hold"/>
                                         <p:tgtEl>
                                           <p:spTgt spid="2">
                                             <p:txEl>
@@ -16252,7 +17214,7 @@
                                     </p:anim>
                                     <p:anim calcmode="lin" valueType="num">
                                       <p:cBhvr additive="base">
-                                        <p:cTn id="18" dur="500" fill="hold"/>
+                                        <p:cTn id="17" dur="500" fill="hold"/>
                                         <p:tgtEl>
                                           <p:spTgt spid="2">
                                             <p:txEl>
@@ -16281,14 +17243,14 @@
                                 </p:cTn>
                               </p:par>
                               <p:par>
-                                <p:cTn id="19" presetID="2" presetClass="entr" presetSubtype="4" fill="hold" nodeType="withEffect">
+                                <p:cTn id="18" presetID="2" presetClass="entr" presetSubtype="4" fill="hold" nodeType="withEffect">
                                   <p:stCondLst>
                                     <p:cond delay="0"/>
                                   </p:stCondLst>
                                   <p:childTnLst>
                                     <p:set>
                                       <p:cBhvr>
-                                        <p:cTn id="20" dur="1" fill="hold">
+                                        <p:cTn id="19" dur="1" fill="hold">
                                           <p:stCondLst>
                                             <p:cond delay="0"/>
                                           </p:stCondLst>
@@ -16310,7 +17272,7 @@
                                     </p:set>
                                     <p:anim calcmode="lin" valueType="num">
                                       <p:cBhvr additive="base">
-                                        <p:cTn id="21" dur="500" fill="hold"/>
+                                        <p:cTn id="20" dur="500" fill="hold"/>
                                         <p:tgtEl>
                                           <p:spTgt spid="2">
                                             <p:txEl>
@@ -16337,7 +17299,7 @@
                                     </p:anim>
                                     <p:anim calcmode="lin" valueType="num">
                                       <p:cBhvr additive="base">
-                                        <p:cTn id="22" dur="500" fill="hold"/>
+                                        <p:cTn id="21" dur="500" fill="hold"/>
                                         <p:tgtEl>
                                           <p:spTgt spid="2">
                                             <p:txEl>
@@ -16366,14 +17328,14 @@
                                 </p:cTn>
                               </p:par>
                               <p:par>
-                                <p:cTn id="23" presetID="2" presetClass="entr" presetSubtype="4" fill="hold" nodeType="withEffect">
+                                <p:cTn id="22" presetID="2" presetClass="entr" presetSubtype="4" fill="hold" nodeType="withEffect">
                                   <p:stCondLst>
                                     <p:cond delay="0"/>
                                   </p:stCondLst>
                                   <p:childTnLst>
                                     <p:set>
                                       <p:cBhvr>
-                                        <p:cTn id="24" dur="1" fill="hold">
+                                        <p:cTn id="23" dur="1" fill="hold">
                                           <p:stCondLst>
                                             <p:cond delay="0"/>
                                           </p:stCondLst>
@@ -16395,7 +17357,7 @@
                                     </p:set>
                                     <p:anim calcmode="lin" valueType="num">
                                       <p:cBhvr additive="base">
-                                        <p:cTn id="25" dur="500" fill="hold"/>
+                                        <p:cTn id="24" dur="500" fill="hold"/>
                                         <p:tgtEl>
                                           <p:spTgt spid="2">
                                             <p:txEl>
@@ -16422,7 +17384,7 @@
                                     </p:anim>
                                     <p:anim calcmode="lin" valueType="num">
                                       <p:cBhvr additive="base">
-                                        <p:cTn id="26" dur="500" fill="hold"/>
+                                        <p:cTn id="25" dur="500" fill="hold"/>
                                         <p:tgtEl>
                                           <p:spTgt spid="2">
                                             <p:txEl>
@@ -16451,14 +17413,14 @@
                                 </p:cTn>
                               </p:par>
                               <p:par>
-                                <p:cTn id="27" presetID="2" presetClass="entr" presetSubtype="4" fill="hold" nodeType="withEffect">
+                                <p:cTn id="26" presetID="2" presetClass="entr" presetSubtype="4" fill="hold" nodeType="withEffect">
                                   <p:stCondLst>
                                     <p:cond delay="0"/>
                                   </p:stCondLst>
                                   <p:childTnLst>
                                     <p:set>
                                       <p:cBhvr>
-                                        <p:cTn id="28" dur="1" fill="hold">
+                                        <p:cTn id="27" dur="1" fill="hold">
                                           <p:stCondLst>
                                             <p:cond delay="0"/>
                                           </p:stCondLst>
@@ -16480,7 +17442,7 @@
                                     </p:set>
                                     <p:anim calcmode="lin" valueType="num">
                                       <p:cBhvr additive="base">
-                                        <p:cTn id="29" dur="500" fill="hold"/>
+                                        <p:cTn id="28" dur="500" fill="hold"/>
                                         <p:tgtEl>
                                           <p:spTgt spid="2">
                                             <p:txEl>
@@ -16507,13 +17469,104 @@
                                     </p:anim>
                                     <p:anim calcmode="lin" valueType="num">
                                       <p:cBhvr additive="base">
-                                        <p:cTn id="30" dur="500" fill="hold"/>
+                                        <p:cTn id="29" dur="500" fill="hold"/>
                                         <p:tgtEl>
                                           <p:spTgt spid="2">
                                             <p:txEl>
                                               <p:pRg st="3" end="3"/>
                                             </p:txEl>
                                           </p:spTgt>
+                                        </p:tgtEl>
+                                        <p:attrNameLst>
+                                          <p:attrName>ppt_y</p:attrName>
+                                        </p:attrNameLst>
+                                      </p:cBhvr>
+                                      <p:tavLst>
+                                        <p:tav tm="0">
+                                          <p:val>
+                                            <p:strVal val="1+#ppt_h/2"/>
+                                          </p:val>
+                                        </p:tav>
+                                        <p:tav tm="100000">
+                                          <p:val>
+                                            <p:strVal val="#ppt_y"/>
+                                          </p:val>
+                                        </p:tav>
+                                      </p:tavLst>
+                                    </p:anim>
+                                  </p:childTnLst>
+                                </p:cTn>
+                              </p:par>
+                            </p:childTnLst>
+                          </p:cTn>
+                        </p:par>
+                      </p:childTnLst>
+                    </p:cTn>
+                  </p:par>
+                  <p:par>
+                    <p:cTn id="30" fill="hold">
+                      <p:stCondLst>
+                        <p:cond delay="indefinite"/>
+                      </p:stCondLst>
+                      <p:childTnLst>
+                        <p:par>
+                          <p:cTn id="31" fill="hold">
+                            <p:stCondLst>
+                              <p:cond delay="0"/>
+                            </p:stCondLst>
+                            <p:childTnLst>
+                              <p:par>
+                                <p:cTn id="32" presetID="2" presetClass="entr" presetSubtype="4" fill="hold" grpId="0" nodeType="clickEffect">
+                                  <p:stCondLst>
+                                    <p:cond delay="0"/>
+                                  </p:stCondLst>
+                                  <p:childTnLst>
+                                    <p:set>
+                                      <p:cBhvr>
+                                        <p:cTn id="33" dur="1" fill="hold">
+                                          <p:stCondLst>
+                                            <p:cond delay="0"/>
+                                          </p:stCondLst>
+                                        </p:cTn>
+                                        <p:tgtEl>
+                                          <p:spTgt spid="4"/>
+                                        </p:tgtEl>
+                                        <p:attrNameLst>
+                                          <p:attrName>style.visibility</p:attrName>
+                                        </p:attrNameLst>
+                                      </p:cBhvr>
+                                      <p:to>
+                                        <p:strVal val="visible"/>
+                                      </p:to>
+                                    </p:set>
+                                    <p:anim calcmode="lin" valueType="num">
+                                      <p:cBhvr additive="base">
+                                        <p:cTn id="34" dur="500" fill="hold"/>
+                                        <p:tgtEl>
+                                          <p:spTgt spid="4"/>
+                                        </p:tgtEl>
+                                        <p:attrNameLst>
+                                          <p:attrName>ppt_x</p:attrName>
+                                        </p:attrNameLst>
+                                      </p:cBhvr>
+                                      <p:tavLst>
+                                        <p:tav tm="0">
+                                          <p:val>
+                                            <p:strVal val="#ppt_x"/>
+                                          </p:val>
+                                        </p:tav>
+                                        <p:tav tm="100000">
+                                          <p:val>
+                                            <p:strVal val="#ppt_x"/>
+                                          </p:val>
+                                        </p:tav>
+                                      </p:tavLst>
+                                    </p:anim>
+                                    <p:anim calcmode="lin" valueType="num">
+                                      <p:cBhvr additive="base">
+                                        <p:cTn id="35" dur="500" fill="hold"/>
+                                        <p:tgtEl>
+                                          <p:spTgt spid="4"/>
                                         </p:tgtEl>
                                         <p:attrNameLst>
                                           <p:attrName>ppt_y</p:attrName>
@@ -16564,6 +17617,7 @@
     </p:tnLst>
     <p:bldLst>
       <p:bldP spid="8" grpId="0" animBg="1"/>
+      <p:bldP spid="4" grpId="0"/>
     </p:bldLst>
   </p:timing>
 </p:sld>

--- a/上大培训：scrum和vs2012 部分.pptx
+++ b/上大培训：scrum和vs2012 部分.pptx
@@ -5,27 +5,32 @@
     <p:sldMasterId id="2147483648" r:id="rId1"/>
   </p:sldMasterIdLst>
   <p:notesMasterIdLst>
-    <p:notesMasterId r:id="rId17"/>
+    <p:notesMasterId r:id="rId22"/>
   </p:notesMasterIdLst>
   <p:handoutMasterIdLst>
-    <p:handoutMasterId r:id="rId18"/>
+    <p:handoutMasterId r:id="rId23"/>
   </p:handoutMasterIdLst>
   <p:sldIdLst>
-    <p:sldId id="513" r:id="rId2"/>
-    <p:sldId id="515" r:id="rId3"/>
-    <p:sldId id="517" r:id="rId4"/>
-    <p:sldId id="516" r:id="rId5"/>
-    <p:sldId id="521" r:id="rId6"/>
-    <p:sldId id="518" r:id="rId7"/>
-    <p:sldId id="519" r:id="rId8"/>
-    <p:sldId id="520" r:id="rId9"/>
-    <p:sldId id="522" r:id="rId10"/>
-    <p:sldId id="514" r:id="rId11"/>
-    <p:sldId id="524" r:id="rId12"/>
-    <p:sldId id="525" r:id="rId13"/>
-    <p:sldId id="526" r:id="rId14"/>
-    <p:sldId id="523" r:id="rId15"/>
-    <p:sldId id="503" r:id="rId16"/>
+    <p:sldId id="527" r:id="rId2"/>
+    <p:sldId id="513" r:id="rId3"/>
+    <p:sldId id="515" r:id="rId4"/>
+    <p:sldId id="517" r:id="rId5"/>
+    <p:sldId id="529" r:id="rId6"/>
+    <p:sldId id="530" r:id="rId7"/>
+    <p:sldId id="531" r:id="rId8"/>
+    <p:sldId id="516" r:id="rId9"/>
+    <p:sldId id="521" r:id="rId10"/>
+    <p:sldId id="518" r:id="rId11"/>
+    <p:sldId id="519" r:id="rId12"/>
+    <p:sldId id="520" r:id="rId13"/>
+    <p:sldId id="522" r:id="rId14"/>
+    <p:sldId id="514" r:id="rId15"/>
+    <p:sldId id="524" r:id="rId16"/>
+    <p:sldId id="525" r:id="rId17"/>
+    <p:sldId id="526" r:id="rId18"/>
+    <p:sldId id="532" r:id="rId19"/>
+    <p:sldId id="523" r:id="rId20"/>
+    <p:sldId id="503" r:id="rId21"/>
   </p:sldIdLst>
   <p:sldSz cx="9144000" cy="6858000" type="screen4x3"/>
   <p:notesSz cx="6858000" cy="9144000"/>
@@ -280,11 +285,11 @@
           <c:showPercent val="0"/>
           <c:showBubbleSize val="0"/>
         </c:dLbls>
-        <c:axId val="199148672"/>
-        <c:axId val="199150208"/>
+        <c:axId val="8444160"/>
+        <c:axId val="8445312"/>
       </c:scatterChart>
       <c:valAx>
-        <c:axId val="199148672"/>
+        <c:axId val="8444160"/>
         <c:scaling>
           <c:orientation val="minMax"/>
         </c:scaling>
@@ -294,12 +299,12 @@
         <c:majorTickMark val="in"/>
         <c:minorTickMark val="none"/>
         <c:tickLblPos val="none"/>
-        <c:crossAx val="199150208"/>
+        <c:crossAx val="8445312"/>
         <c:crosses val="autoZero"/>
         <c:crossBetween val="midCat"/>
       </c:valAx>
       <c:valAx>
-        <c:axId val="199150208"/>
+        <c:axId val="8445312"/>
         <c:scaling>
           <c:orientation val="minMax"/>
         </c:scaling>
@@ -310,7 +315,7 @@
         <c:majorTickMark val="in"/>
         <c:minorTickMark val="none"/>
         <c:tickLblPos val="none"/>
-        <c:crossAx val="199148672"/>
+        <c:crossAx val="8444160"/>
         <c:crosses val="autoZero"/>
         <c:crossBetween val="midCat"/>
       </c:valAx>
@@ -3701,9 +3706,9 @@
     <dgm:cxn modelId="{A4DE9BF5-29C5-4AF3-BCB8-EDED232AAA69}" srcId="{62C930CF-1192-4760-AC39-867A5EFBB010}" destId="{ED91EC43-CF56-4EC9-82CF-334019FD544F}" srcOrd="1" destOrd="0" parTransId="{5CF05329-A702-48D8-8009-0213E92E3F7B}" sibTransId="{10C8343B-50A3-4612-9518-474D1D6F5419}"/>
     <dgm:cxn modelId="{62F0B5AD-51A6-4806-B0C6-1E6B8E9BC9EB}" type="presOf" srcId="{5BC6A234-78DF-48CC-9473-1DB2B9D19FE2}" destId="{CFCAE085-31A4-4F9E-AE57-D34F0AA7AB17}" srcOrd="0" destOrd="4" presId="urn:microsoft.com/office/officeart/2005/8/layout/vList2"/>
     <dgm:cxn modelId="{69427BD0-353B-4B85-841F-9A2680584E6B}" srcId="{83CB12BE-77D0-43A4-9309-AF09C9F3E2F1}" destId="{62C930CF-1192-4760-AC39-867A5EFBB010}" srcOrd="2" destOrd="0" parTransId="{F353CD17-29EC-4E7D-BBEB-7D6C686B368E}" sibTransId="{3FEF2155-CB90-4D58-8D3E-2DA1083C17F7}"/>
+    <dgm:cxn modelId="{47164A0E-A453-48E8-B45D-372E2E1ACA30}" type="presOf" srcId="{ED91EC43-CF56-4EC9-82CF-334019FD544F}" destId="{CFCAE085-31A4-4F9E-AE57-D34F0AA7AB17}" srcOrd="0" destOrd="8" presId="urn:microsoft.com/office/officeart/2005/8/layout/vList2"/>
+    <dgm:cxn modelId="{0BCCA28F-A247-4385-AD86-5C4D254FA2A2}" srcId="{83CB12BE-77D0-43A4-9309-AF09C9F3E2F1}" destId="{0014ADDE-2E3C-4694-BC18-34D399029FAA}" srcOrd="0" destOrd="0" parTransId="{5C936429-97DD-4B0F-BB27-E5DDCF49FE58}" sibTransId="{54C433B9-01DE-43E1-A72A-DB8BBE9AF1DE}"/>
     <dgm:cxn modelId="{3A40A2B0-7638-4AE2-B66D-24996ECBDEB2}" srcId="{618BBBE3-9E60-4517-ACDE-148D3FD93753}" destId="{3C43E2E6-6137-464E-A2AC-B21F07C7717A}" srcOrd="0" destOrd="0" parTransId="{5F4055EB-0DA1-4CA0-91F3-30359B8C175E}" sibTransId="{8FA97814-6A9E-4C40-BFE7-69CE390790EA}"/>
-    <dgm:cxn modelId="{0BCCA28F-A247-4385-AD86-5C4D254FA2A2}" srcId="{83CB12BE-77D0-43A4-9309-AF09C9F3E2F1}" destId="{0014ADDE-2E3C-4694-BC18-34D399029FAA}" srcOrd="0" destOrd="0" parTransId="{5C936429-97DD-4B0F-BB27-E5DDCF49FE58}" sibTransId="{54C433B9-01DE-43E1-A72A-DB8BBE9AF1DE}"/>
-    <dgm:cxn modelId="{47164A0E-A453-48E8-B45D-372E2E1ACA30}" type="presOf" srcId="{ED91EC43-CF56-4EC9-82CF-334019FD544F}" destId="{CFCAE085-31A4-4F9E-AE57-D34F0AA7AB17}" srcOrd="0" destOrd="8" presId="urn:microsoft.com/office/officeart/2005/8/layout/vList2"/>
     <dgm:cxn modelId="{944A2BBD-9478-43AF-8029-FC774C03A4E3}" type="presOf" srcId="{EC82B3CE-3723-4100-BA2E-8865EDDA0F20}" destId="{CFCAE085-31A4-4F9E-AE57-D34F0AA7AB17}" srcOrd="0" destOrd="1" presId="urn:microsoft.com/office/officeart/2005/8/layout/vList2"/>
     <dgm:cxn modelId="{7FD42E23-BC3F-478D-918E-67DFEB038880}" srcId="{0014ADDE-2E3C-4694-BC18-34D399029FAA}" destId="{EC82B3CE-3723-4100-BA2E-8865EDDA0F20}" srcOrd="0" destOrd="0" parTransId="{092FA16D-E482-4789-B57F-B62F118FA169}" sibTransId="{5B8867DC-08E2-41D4-9D5B-72F09DD7E36C}"/>
     <dgm:cxn modelId="{376F71AA-3B27-4F85-A9BA-C2A5F6F6C5DC}" srcId="{62C930CF-1192-4760-AC39-867A5EFBB010}" destId="{C92608F4-2465-4DD8-951F-AAD169F85267}" srcOrd="2" destOrd="0" parTransId="{1D229681-BB90-48FE-B132-E7243999C47D}" sibTransId="{B2EB1F89-2013-4B04-8A41-4B488E339EC3}"/>
@@ -3711,8 +3716,8 @@
     <dgm:cxn modelId="{DC0AB7BC-392A-4181-98C1-B721AD79EDAB}" srcId="{8A63C6D0-F473-4D0A-9FA4-2EA7E37B987D}" destId="{83CB12BE-77D0-43A4-9309-AF09C9F3E2F1}" srcOrd="0" destOrd="0" parTransId="{F3864630-D720-4FEB-992E-BB6F73326637}" sibTransId="{4124ABD0-3C54-4B9D-AF7F-12A948128025}"/>
     <dgm:cxn modelId="{7B95D7A7-4C32-4F37-B80E-D38688343B1A}" type="presOf" srcId="{3C43E2E6-6137-464E-A2AC-B21F07C7717A}" destId="{CFCAE085-31A4-4F9E-AE57-D34F0AA7AB17}" srcOrd="0" destOrd="11" presId="urn:microsoft.com/office/officeart/2005/8/layout/vList2"/>
     <dgm:cxn modelId="{FB864236-0CD2-4FC7-8D4B-0413B82A5ED8}" srcId="{83CB12BE-77D0-43A4-9309-AF09C9F3E2F1}" destId="{8BB829D9-B0B4-4800-B110-F849A71E23C5}" srcOrd="1" destOrd="0" parTransId="{808E5169-575C-418A-9A86-6452A535C8C6}" sibTransId="{2477F82D-EB62-40D5-BCA5-BBE97FD0F508}"/>
+    <dgm:cxn modelId="{01476FCA-6342-4979-9F05-3B91B4DB7A61}" type="presOf" srcId="{C92608F4-2465-4DD8-951F-AAD169F85267}" destId="{CFCAE085-31A4-4F9E-AE57-D34F0AA7AB17}" srcOrd="0" destOrd="9" presId="urn:microsoft.com/office/officeart/2005/8/layout/vList2"/>
     <dgm:cxn modelId="{8188D0AB-61E8-4BD4-8796-4BA4ECDE2A99}" type="presOf" srcId="{0014ADDE-2E3C-4694-BC18-34D399029FAA}" destId="{CFCAE085-31A4-4F9E-AE57-D34F0AA7AB17}" srcOrd="0" destOrd="0" presId="urn:microsoft.com/office/officeart/2005/8/layout/vList2"/>
-    <dgm:cxn modelId="{01476FCA-6342-4979-9F05-3B91B4DB7A61}" type="presOf" srcId="{C92608F4-2465-4DD8-951F-AAD169F85267}" destId="{CFCAE085-31A4-4F9E-AE57-D34F0AA7AB17}" srcOrd="0" destOrd="9" presId="urn:microsoft.com/office/officeart/2005/8/layout/vList2"/>
     <dgm:cxn modelId="{C9C2BA32-1086-45B4-A25F-A7396923FB18}" type="presParOf" srcId="{21D8F7A8-2AA5-4DE5-A3C6-0E8C7AF08142}" destId="{AE2C0C01-084F-48BF-A7DE-522EC85C547D}" srcOrd="0" destOrd="0" presId="urn:microsoft.com/office/officeart/2005/8/layout/vList2"/>
     <dgm:cxn modelId="{C8F4950F-52AF-4DC1-9478-24053ACC9800}" type="presParOf" srcId="{21D8F7A8-2AA5-4DE5-A3C6-0E8C7AF08142}" destId="{CFCAE085-31A4-4F9E-AE57-D34F0AA7AB17}" srcOrd="1" destOrd="0" presId="urn:microsoft.com/office/officeart/2005/8/layout/vList2"/>
   </dgm:cxnLst>
@@ -4406,8 +4411,8 @@
     <dgm:cxn modelId="{1F1D41C3-BD5D-4BA9-89FB-C93C96D8612F}" srcId="{6C7771B5-7E4C-4D81-BF50-8CDE598F59C5}" destId="{AD1D13D1-86E1-410D-A10F-B671DB82DCDE}" srcOrd="1" destOrd="0" parTransId="{5367220C-0BEB-4D96-AE99-C21B6C283638}" sibTransId="{6B815FA5-962B-4142-9556-B6B3393E865A}"/>
     <dgm:cxn modelId="{3782B023-0C7F-4284-9BC5-BCF1D3C3F739}" srcId="{D1DE6548-7EC7-4662-A12C-A13E0DF16AB3}" destId="{59F2E7FE-CCD9-4885-813B-2FE442DBB5B2}" srcOrd="2" destOrd="0" parTransId="{7C9EC238-E01C-4E11-A123-530636CAE869}" sibTransId="{2BBC689E-530A-423E-8F94-ECF6B238F1E2}"/>
     <dgm:cxn modelId="{EE9492FA-A1A9-41AC-B1BE-B7FB54379F83}" srcId="{F8B14AC4-2270-4B40-8512-C6BE73CA72D4}" destId="{D2651AD4-8805-4A59-BC5E-56192B2975FB}" srcOrd="0" destOrd="0" parTransId="{B96394ED-FB01-4ED5-AD4C-B3A11FA6DF85}" sibTransId="{28C69A18-A003-4F2A-8EFF-1332C51188AA}"/>
+    <dgm:cxn modelId="{430C0860-AE38-43EC-818A-613913115DD3}" srcId="{D1DE6548-7EC7-4662-A12C-A13E0DF16AB3}" destId="{AC531724-388E-4F19-BAE7-4EA8D22D7BA5}" srcOrd="1" destOrd="0" parTransId="{A0DDF586-3433-4D75-9235-12F5B95C7929}" sibTransId="{EA56C1FE-C4B1-4177-A438-D6388F79F5D3}"/>
     <dgm:cxn modelId="{CE435F01-B56B-4A57-A020-5BADB80D0C2F}" type="presOf" srcId="{C4AC354C-D1C7-47DB-B456-74D649B8B930}" destId="{A660F71A-5F27-4F18-B0AC-E320F847C26A}" srcOrd="0" destOrd="7" presId="urn:microsoft.com/office/officeart/2005/8/layout/vList2"/>
-    <dgm:cxn modelId="{430C0860-AE38-43EC-818A-613913115DD3}" srcId="{D1DE6548-7EC7-4662-A12C-A13E0DF16AB3}" destId="{AC531724-388E-4F19-BAE7-4EA8D22D7BA5}" srcOrd="1" destOrd="0" parTransId="{A0DDF586-3433-4D75-9235-12F5B95C7929}" sibTransId="{EA56C1FE-C4B1-4177-A438-D6388F79F5D3}"/>
     <dgm:cxn modelId="{E721255E-E7B9-4B59-9E70-8D3A4AD07523}" type="presOf" srcId="{8632C060-5FB5-4565-A56F-262D0E402AC2}" destId="{A660F71A-5F27-4F18-B0AC-E320F847C26A}" srcOrd="0" destOrd="12" presId="urn:microsoft.com/office/officeart/2005/8/layout/vList2"/>
     <dgm:cxn modelId="{267E9F38-F794-4D24-BD0F-90C8FF127569}" srcId="{59F2E7FE-CCD9-4885-813B-2FE442DBB5B2}" destId="{F8B14AC4-2270-4B40-8512-C6BE73CA72D4}" srcOrd="0" destOrd="0" parTransId="{839957D7-EECB-41D4-AFF6-45975E8FDF20}" sibTransId="{AB47DC82-F327-4647-9058-92A3F7097A33}"/>
     <dgm:cxn modelId="{639FA9AF-6915-4A75-8DE1-88322945B58D}" type="presOf" srcId="{02C62F1B-A025-4918-8931-19737B77BCDE}" destId="{B2A35462-3CE8-41B4-8EDF-C5C1FEA6B9B7}" srcOrd="0" destOrd="0" presId="urn:microsoft.com/office/officeart/2005/8/layout/vList2"/>
@@ -4419,13 +4424,13 @@
     <dgm:cxn modelId="{87467046-004A-4CAC-B6C9-807DD8247B1A}" type="presOf" srcId="{0948A92F-3D0E-4BC8-9EFA-FA87E7F3A993}" destId="{A660F71A-5F27-4F18-B0AC-E320F847C26A}" srcOrd="0" destOrd="2" presId="urn:microsoft.com/office/officeart/2005/8/layout/vList2"/>
     <dgm:cxn modelId="{2BD5FA73-32CE-4B76-B574-91015FCF08F4}" type="presOf" srcId="{AD1D13D1-86E1-410D-A10F-B671DB82DCDE}" destId="{A660F71A-5F27-4F18-B0AC-E320F847C26A}" srcOrd="0" destOrd="8" presId="urn:microsoft.com/office/officeart/2005/8/layout/vList2"/>
     <dgm:cxn modelId="{911BC56E-9BF5-4A79-9AB7-993261030848}" srcId="{6C7771B5-7E4C-4D81-BF50-8CDE598F59C5}" destId="{C4AC354C-D1C7-47DB-B456-74D649B8B930}" srcOrd="0" destOrd="0" parTransId="{791FA6DE-2869-46D7-AA2B-A23F0F2B9FE3}" sibTransId="{56892E70-2C9E-4569-8997-1AFD13756DF2}"/>
+    <dgm:cxn modelId="{E5DEC4AC-C462-46DE-806E-86A778C9828D}" srcId="{86CABE63-EEEE-494B-B0AE-5ED644AB8BEB}" destId="{71B9800D-E43D-4D2D-B66C-1BF04766D97C}" srcOrd="2" destOrd="0" parTransId="{4F2F15B8-4118-42A2-97AA-B7D45CAC1003}" sibTransId="{E7F7E1E9-77AA-4D59-A94D-15E5286AD758}"/>
+    <dgm:cxn modelId="{49CF9E45-F4F7-47B6-B954-26F04627CBF8}" srcId="{F8B14AC4-2270-4B40-8512-C6BE73CA72D4}" destId="{8632C060-5FB5-4565-A56F-262D0E402AC2}" srcOrd="1" destOrd="0" parTransId="{7E25BD5E-9948-4235-BD94-CF2F727A834D}" sibTransId="{4D9C2EF0-301D-4F9A-B063-FCBB81B271E6}"/>
     <dgm:cxn modelId="{9B76D9FD-59C1-4A31-BA1B-D0B28D4EC80D}" type="presOf" srcId="{08603CA6-6D07-4CEE-AA68-187B73FA8EC4}" destId="{A660F71A-5F27-4F18-B0AC-E320F847C26A}" srcOrd="0" destOrd="13" presId="urn:microsoft.com/office/officeart/2005/8/layout/vList2"/>
-    <dgm:cxn modelId="{49CF9E45-F4F7-47B6-B954-26F04627CBF8}" srcId="{F8B14AC4-2270-4B40-8512-C6BE73CA72D4}" destId="{8632C060-5FB5-4565-A56F-262D0E402AC2}" srcOrd="1" destOrd="0" parTransId="{7E25BD5E-9948-4235-BD94-CF2F727A834D}" sibTransId="{4D9C2EF0-301D-4F9A-B063-FCBB81B271E6}"/>
-    <dgm:cxn modelId="{E5DEC4AC-C462-46DE-806E-86A778C9828D}" srcId="{86CABE63-EEEE-494B-B0AE-5ED644AB8BEB}" destId="{71B9800D-E43D-4D2D-B66C-1BF04766D97C}" srcOrd="2" destOrd="0" parTransId="{4F2F15B8-4118-42A2-97AA-B7D45CAC1003}" sibTransId="{E7F7E1E9-77AA-4D59-A94D-15E5286AD758}"/>
     <dgm:cxn modelId="{CD2BEAAB-8B97-47D3-B9AC-F408737A7076}" srcId="{86CABE63-EEEE-494B-B0AE-5ED644AB8BEB}" destId="{0948A92F-3D0E-4BC8-9EFA-FA87E7F3A993}" srcOrd="0" destOrd="0" parTransId="{17079C52-2289-4238-85C4-372BEFF56C0C}" sibTransId="{CBC0C721-5911-43E6-B3B7-16E98576F2C3}"/>
+    <dgm:cxn modelId="{617BC49E-E46F-4D77-9DA2-A981CEAA25D8}" type="presOf" srcId="{D1DE6548-7EC7-4662-A12C-A13E0DF16AB3}" destId="{77462533-3D04-4899-BC15-9C87FD5B0CA1}" srcOrd="0" destOrd="0" presId="urn:microsoft.com/office/officeart/2005/8/layout/vList2"/>
+    <dgm:cxn modelId="{60ADB5DD-B4D5-4811-91B3-D1420B6129F7}" type="presOf" srcId="{71B9800D-E43D-4D2D-B66C-1BF04766D97C}" destId="{A660F71A-5F27-4F18-B0AC-E320F847C26A}" srcOrd="0" destOrd="4" presId="urn:microsoft.com/office/officeart/2005/8/layout/vList2"/>
     <dgm:cxn modelId="{6A7BDD16-46BD-47C7-878C-CAEF466AF819}" type="presOf" srcId="{6C7771B5-7E4C-4D81-BF50-8CDE598F59C5}" destId="{A660F71A-5F27-4F18-B0AC-E320F847C26A}" srcOrd="0" destOrd="6" presId="urn:microsoft.com/office/officeart/2005/8/layout/vList2"/>
-    <dgm:cxn modelId="{60ADB5DD-B4D5-4811-91B3-D1420B6129F7}" type="presOf" srcId="{71B9800D-E43D-4D2D-B66C-1BF04766D97C}" destId="{A660F71A-5F27-4F18-B0AC-E320F847C26A}" srcOrd="0" destOrd="4" presId="urn:microsoft.com/office/officeart/2005/8/layout/vList2"/>
-    <dgm:cxn modelId="{617BC49E-E46F-4D77-9DA2-A981CEAA25D8}" type="presOf" srcId="{D1DE6548-7EC7-4662-A12C-A13E0DF16AB3}" destId="{77462533-3D04-4899-BC15-9C87FD5B0CA1}" srcOrd="0" destOrd="0" presId="urn:microsoft.com/office/officeart/2005/8/layout/vList2"/>
     <dgm:cxn modelId="{DBDE58CC-9A2F-4D6A-B0AD-4D51405D6406}" type="presParOf" srcId="{B2A35462-3CE8-41B4-8EDF-C5C1FEA6B9B7}" destId="{77462533-3D04-4899-BC15-9C87FD5B0CA1}" srcOrd="0" destOrd="0" presId="urn:microsoft.com/office/officeart/2005/8/layout/vList2"/>
     <dgm:cxn modelId="{D9529118-D370-4CD0-A0F3-DBADF2053C7F}" type="presParOf" srcId="{B2A35462-3CE8-41B4-8EDF-C5C1FEA6B9B7}" destId="{A660F71A-5F27-4F18-B0AC-E320F847C26A}" srcOrd="1" destOrd="0" presId="urn:microsoft.com/office/officeart/2005/8/layout/vList2"/>
   </dgm:cxnLst>
@@ -9408,7 +9413,7 @@
               <a:pPr>
                 <a:defRPr/>
               </a:pPr>
-              <a:t>2014/6/10</a:t>
+              <a:t>2014/6/11</a:t>
             </a:fld>
             <a:endParaRPr lang="zh-CN" altLang="en-US"/>
           </a:p>
@@ -9596,7 +9601,7 @@
               <a:pPr>
                 <a:defRPr/>
               </a:pPr>
-              <a:t>2014/6/10</a:t>
+              <a:t>2014/6/11</a:t>
             </a:fld>
             <a:endParaRPr lang="zh-CN" altLang="en-US"/>
           </a:p>
@@ -10029,38 +10034,50 @@
           </a:p>
           <a:p>
             <a:r>
+              <a:rPr lang="zh-CN" altLang="en-US" b="1" dirty="0" smtClean="0"/>
+              <a:t>一天的课程介绍：两位讲师</a:t>
+            </a:r>
+            <a:r>
+              <a:rPr lang="zh-CN" altLang="en-US" b="1" baseline="0" dirty="0" smtClean="0"/>
+              <a:t> 两天课程，上午概念，下午实践</a:t>
+            </a:r>
+            <a:endParaRPr lang="en-US" altLang="zh-CN" b="1" dirty="0" smtClean="0"/>
+          </a:p>
+          <a:p>
+            <a:endParaRPr lang="en-US" altLang="zh-CN" dirty="0" smtClean="0"/>
+          </a:p>
+          <a:p>
+            <a:endParaRPr lang="en-US" altLang="zh-CN" dirty="0" smtClean="0"/>
+          </a:p>
+          <a:p>
+            <a:r>
+              <a:rPr lang="en-US" altLang="zh-CN" dirty="0" smtClean="0"/>
+              <a:t>Ben </a:t>
+            </a:r>
+            <a:r>
               <a:rPr lang="zh-CN" altLang="en-US" dirty="0" smtClean="0"/>
-              <a:t>自我介绍完成后的过渡：</a:t>
+              <a:t>部分过度：</a:t>
             </a:r>
             <a:endParaRPr lang="en-US" altLang="zh-CN" dirty="0" smtClean="0"/>
           </a:p>
           <a:p>
-            <a:endParaRPr lang="en-US" altLang="zh-CN" dirty="0" smtClean="0"/>
-          </a:p>
-          <a:p>
-            <a:r>
-              <a:rPr lang="zh-CN" altLang="en-US" dirty="0" smtClean="0"/>
-              <a:t>相信大家都学过软件工程这门课，但没有实际应用经验，你们无法体会到软件工程</a:t>
+            <a:r>
+              <a:rPr lang="en-US" altLang="zh-CN" baseline="0" dirty="0" smtClean="0"/>
+              <a:t>scrum</a:t>
             </a:r>
             <a:r>
               <a:rPr lang="zh-CN" altLang="en-US" baseline="0" dirty="0" smtClean="0"/>
-              <a:t> 对于软件开发的重要意义</a:t>
-            </a:r>
-            <a:endParaRPr lang="en-US" altLang="zh-CN" dirty="0" smtClean="0"/>
-          </a:p>
-          <a:p>
-            <a:endParaRPr lang="en-US" altLang="zh-CN" dirty="0" smtClean="0"/>
-          </a:p>
-          <a:p>
-            <a:r>
-              <a:rPr lang="zh-CN" altLang="en-US" dirty="0" smtClean="0"/>
-              <a:t>接下去我会在尽可能短的时间内，把我所了解的告诉大家：软件工程是如何在企业中应用的，以及我们的团队工作是怎样的</a:t>
-            </a:r>
-            <a:r>
-              <a:rPr lang="zh-CN" altLang="en-US" dirty="0" smtClean="0"/>
-              <a:t>。</a:t>
-            </a:r>
-            <a:endParaRPr lang="en-US" altLang="zh-CN" dirty="0" smtClean="0"/>
+              <a:t>在企业中的实践，</a:t>
+            </a:r>
+            <a:r>
+              <a:rPr lang="en-US" altLang="zh-CN" baseline="0" dirty="0" smtClean="0"/>
+              <a:t> </a:t>
+            </a:r>
+            <a:r>
+              <a:rPr lang="zh-CN" altLang="en-US" baseline="0" dirty="0" smtClean="0"/>
+              <a:t>不得不提 传统软件开发流程。</a:t>
+            </a:r>
+            <a:endParaRPr lang="en-US" altLang="zh-CN" baseline="0" dirty="0" smtClean="0"/>
           </a:p>
         </p:txBody>
       </p:sp>
@@ -10121,491 +10138,14 @@
           <a:bodyPr/>
           <a:lstStyle/>
           <a:p>
-            <a:pPr marL="0" marR="0" indent="0" algn="l" defTabSz="914400" rtl="0" eaLnBrk="0" fontAlgn="base" latinLnBrk="0" hangingPunct="0">
-              <a:lnSpc>
-                <a:spcPct val="100000"/>
-              </a:lnSpc>
-              <a:spcBef>
-                <a:spcPct val="30000"/>
-              </a:spcBef>
-              <a:spcAft>
-                <a:spcPct val="0"/>
-              </a:spcAft>
-              <a:buClrTx/>
-              <a:buSzTx/>
-              <a:buFontTx/>
-              <a:buNone/>
-              <a:tabLst/>
-              <a:defRPr/>
-            </a:pPr>
-            <a:r>
-              <a:rPr lang="zh-CN" altLang="en-US" sz="1200" dirty="0" smtClean="0">
-                <a:latin typeface="微软雅黑" panose="020B0503020204020204" pitchFamily="34" charset="-122"/>
-                <a:ea typeface="微软雅黑" panose="020B0503020204020204" pitchFamily="34" charset="-122"/>
-              </a:rPr>
-              <a:t>细化当前迭代的开发计划</a:t>
-            </a:r>
-            <a:r>
-              <a:rPr lang="zh-CN" altLang="en-US" sz="1200" dirty="0" smtClean="0">
-                <a:latin typeface="+mn-lt"/>
-                <a:ea typeface="宋体" pitchFamily="2" charset="-122"/>
-              </a:rPr>
-              <a:t>（通过估算</a:t>
-            </a:r>
-            <a:r>
-              <a:rPr lang="en-US" altLang="zh-CN" sz="1200" dirty="0" smtClean="0">
-                <a:latin typeface="+mn-lt"/>
-                <a:ea typeface="宋体" pitchFamily="2" charset="-122"/>
-              </a:rPr>
-              <a:t>PB</a:t>
-            </a:r>
-            <a:r>
-              <a:rPr lang="en-US" altLang="zh-CN" sz="1200" baseline="0" dirty="0" smtClean="0">
-                <a:latin typeface="+mn-lt"/>
-                <a:ea typeface="宋体" pitchFamily="2" charset="-122"/>
-              </a:rPr>
-              <a:t> story point</a:t>
-            </a:r>
-            <a:r>
-              <a:rPr lang="zh-CN" altLang="en-US" sz="1200" baseline="0" dirty="0" smtClean="0">
-                <a:latin typeface="+mn-lt"/>
-                <a:ea typeface="宋体" pitchFamily="2" charset="-122"/>
-              </a:rPr>
-              <a:t>，来确认此次</a:t>
-            </a:r>
-            <a:r>
-              <a:rPr lang="en-US" altLang="zh-CN" sz="1200" baseline="0" dirty="0" smtClean="0">
-                <a:latin typeface="+mn-lt"/>
-                <a:ea typeface="宋体" pitchFamily="2" charset="-122"/>
-              </a:rPr>
-              <a:t>sprint </a:t>
-            </a:r>
-            <a:r>
-              <a:rPr lang="zh-CN" altLang="en-US" sz="1200" baseline="0" dirty="0" smtClean="0">
-                <a:latin typeface="+mn-lt"/>
-                <a:ea typeface="宋体" pitchFamily="2" charset="-122"/>
-              </a:rPr>
-              <a:t>能领取的任务</a:t>
-            </a:r>
-            <a:r>
-              <a:rPr lang="en-US" altLang="zh-CN" sz="1200" baseline="0" dirty="0" smtClean="0">
-                <a:latin typeface="微软雅黑" panose="020B0503020204020204" pitchFamily="34" charset="-122"/>
-                <a:ea typeface="微软雅黑" panose="020B0503020204020204" pitchFamily="34" charset="-122"/>
-              </a:rPr>
-              <a:t>)</a:t>
-            </a:r>
-          </a:p>
-          <a:p>
-            <a:pPr marL="0" marR="0" indent="0" algn="l" defTabSz="914400" rtl="0" eaLnBrk="0" fontAlgn="base" latinLnBrk="0" hangingPunct="0">
-              <a:lnSpc>
-                <a:spcPct val="100000"/>
-              </a:lnSpc>
-              <a:spcBef>
-                <a:spcPct val="30000"/>
-              </a:spcBef>
-              <a:spcAft>
-                <a:spcPct val="0"/>
-              </a:spcAft>
-              <a:buClrTx/>
-              <a:buSzTx/>
-              <a:buFontTx/>
-              <a:buNone/>
-              <a:tabLst/>
-              <a:defRPr/>
-            </a:pPr>
-            <a:endParaRPr lang="en-US" altLang="zh-CN" sz="1200" baseline="0" dirty="0" smtClean="0">
-              <a:latin typeface="+mn-lt"/>
-              <a:ea typeface="宋体" pitchFamily="2" charset="-122"/>
-            </a:endParaRPr>
-          </a:p>
-          <a:p>
-            <a:pPr marL="0" marR="0" indent="0" algn="l" defTabSz="914400" rtl="0" eaLnBrk="0" fontAlgn="base" latinLnBrk="0" hangingPunct="0">
-              <a:lnSpc>
-                <a:spcPct val="100000"/>
-              </a:lnSpc>
-              <a:spcBef>
-                <a:spcPct val="30000"/>
-              </a:spcBef>
-              <a:spcAft>
-                <a:spcPct val="0"/>
-              </a:spcAft>
-              <a:buClrTx/>
-              <a:buSzTx/>
-              <a:buFontTx/>
-              <a:buNone/>
-              <a:tabLst/>
-              <a:defRPr/>
-            </a:pPr>
-            <a:r>
-              <a:rPr lang="zh-CN" altLang="en-US" sz="1200" baseline="0" dirty="0" smtClean="0">
-                <a:latin typeface="+mn-lt"/>
-                <a:ea typeface="宋体" pitchFamily="2" charset="-122"/>
-              </a:rPr>
-              <a:t>四个会议贯穿着整个</a:t>
-            </a:r>
-            <a:r>
-              <a:rPr lang="en-US" altLang="zh-CN" sz="1200" baseline="0" dirty="0" smtClean="0">
-                <a:latin typeface="+mn-lt"/>
-                <a:ea typeface="宋体" pitchFamily="2" charset="-122"/>
-              </a:rPr>
-              <a:t>scrum</a:t>
-            </a:r>
-          </a:p>
-          <a:p>
-            <a:pPr marL="0" marR="0" indent="0" algn="l" defTabSz="914400" rtl="0" eaLnBrk="0" fontAlgn="base" latinLnBrk="0" hangingPunct="0">
-              <a:lnSpc>
-                <a:spcPct val="100000"/>
-              </a:lnSpc>
-              <a:spcBef>
-                <a:spcPct val="30000"/>
-              </a:spcBef>
-              <a:spcAft>
-                <a:spcPct val="0"/>
-              </a:spcAft>
-              <a:buClrTx/>
-              <a:buSzTx/>
-              <a:buFontTx/>
-              <a:buNone/>
-              <a:tabLst/>
-              <a:defRPr/>
-            </a:pPr>
-            <a:endParaRPr lang="en-US" altLang="zh-CN" sz="1200" baseline="0" dirty="0" smtClean="0">
-              <a:latin typeface="+mn-lt"/>
-              <a:ea typeface="宋体" pitchFamily="2" charset="-122"/>
-            </a:endParaRPr>
-          </a:p>
-          <a:p>
-            <a:pPr marL="0" marR="0" indent="0" algn="l" defTabSz="914400" rtl="0" eaLnBrk="0" fontAlgn="base" latinLnBrk="0" hangingPunct="0">
-              <a:lnSpc>
-                <a:spcPct val="100000"/>
-              </a:lnSpc>
-              <a:spcBef>
-                <a:spcPct val="30000"/>
-              </a:spcBef>
-              <a:spcAft>
-                <a:spcPct val="0"/>
-              </a:spcAft>
-              <a:buClrTx/>
-              <a:buSzTx/>
-              <a:buFontTx/>
-              <a:buNone/>
-              <a:tabLst/>
-              <a:defRPr/>
-            </a:pPr>
-            <a:r>
-              <a:rPr lang="en-US" altLang="zh-CN" sz="1200" b="1" dirty="0" smtClean="0">
-                <a:latin typeface="微软雅黑" panose="020B0503020204020204" pitchFamily="34" charset="-122"/>
-                <a:ea typeface="微软雅黑" panose="020B0503020204020204" pitchFamily="34" charset="-122"/>
-              </a:rPr>
-              <a:t>Daily Meeting</a:t>
-            </a:r>
-            <a:r>
-              <a:rPr lang="zh-CN" altLang="en-US" sz="1200" b="1" dirty="0" smtClean="0">
-                <a:latin typeface="微软雅黑" panose="020B0503020204020204" pitchFamily="34" charset="-122"/>
-                <a:ea typeface="微软雅黑" panose="020B0503020204020204" pitchFamily="34" charset="-122"/>
-              </a:rPr>
-              <a:t>（每日站立会议）</a:t>
-            </a:r>
-            <a:endParaRPr lang="en-US" altLang="zh-CN" sz="1200" b="1" dirty="0" smtClean="0">
-              <a:latin typeface="微软雅黑" panose="020B0503020204020204" pitchFamily="34" charset="-122"/>
-              <a:ea typeface="微软雅黑" panose="020B0503020204020204" pitchFamily="34" charset="-122"/>
-            </a:endParaRPr>
-          </a:p>
-          <a:p>
-            <a:pPr marL="0" marR="0" indent="0" algn="l" defTabSz="914400" rtl="0" eaLnBrk="0" fontAlgn="base" latinLnBrk="0" hangingPunct="0">
-              <a:lnSpc>
-                <a:spcPct val="100000"/>
-              </a:lnSpc>
-              <a:spcBef>
-                <a:spcPct val="30000"/>
-              </a:spcBef>
-              <a:spcAft>
-                <a:spcPct val="0"/>
-              </a:spcAft>
-              <a:buClrTx/>
-              <a:buSzTx/>
-              <a:buFontTx/>
-              <a:buNone/>
-              <a:tabLst/>
-              <a:defRPr/>
-            </a:pPr>
-            <a:r>
-              <a:rPr lang="zh-CN" altLang="en-US" sz="1200" dirty="0" smtClean="0">
-                <a:latin typeface="微软雅黑" panose="020B0503020204020204" pitchFamily="34" charset="-122"/>
-                <a:ea typeface="微软雅黑" panose="020B0503020204020204" pitchFamily="34" charset="-122"/>
-              </a:rPr>
-              <a:t>完成了什么工作，即将完成什么工作，有什么困难</a:t>
-            </a:r>
-            <a:endParaRPr lang="en-US" altLang="zh-CN" sz="1200" baseline="0" dirty="0" smtClean="0">
-              <a:latin typeface="+mn-lt"/>
-              <a:ea typeface="宋体" pitchFamily="2" charset="-122"/>
-            </a:endParaRPr>
-          </a:p>
-          <a:p>
-            <a:pPr marL="0" marR="0" indent="0" algn="l" defTabSz="914400" rtl="0" eaLnBrk="0" fontAlgn="base" latinLnBrk="0" hangingPunct="0">
-              <a:lnSpc>
-                <a:spcPct val="100000"/>
-              </a:lnSpc>
-              <a:spcBef>
-                <a:spcPct val="30000"/>
-              </a:spcBef>
-              <a:spcAft>
-                <a:spcPct val="0"/>
-              </a:spcAft>
-              <a:buClrTx/>
-              <a:buSzTx/>
-              <a:buFontTx/>
-              <a:buNone/>
-              <a:tabLst/>
-              <a:defRPr/>
-            </a:pPr>
-            <a:endParaRPr lang="en-US" altLang="zh-CN" sz="1200" baseline="0" dirty="0" smtClean="0">
-              <a:latin typeface="+mn-lt"/>
-              <a:ea typeface="宋体" pitchFamily="2" charset="-122"/>
-            </a:endParaRPr>
-          </a:p>
-          <a:p>
-            <a:pPr marL="0" marR="0" indent="0" algn="l" defTabSz="914400" rtl="0" eaLnBrk="0" fontAlgn="base" latinLnBrk="0" hangingPunct="0">
-              <a:lnSpc>
-                <a:spcPct val="100000"/>
-              </a:lnSpc>
-              <a:spcBef>
-                <a:spcPct val="30000"/>
-              </a:spcBef>
-              <a:spcAft>
-                <a:spcPct val="0"/>
-              </a:spcAft>
-              <a:buClrTx/>
-              <a:buSzTx/>
-              <a:buFontTx/>
-              <a:buNone/>
-              <a:tabLst/>
-              <a:defRPr/>
-            </a:pPr>
-            <a:r>
-              <a:rPr lang="en-US" altLang="zh-CN" sz="1200" b="1" dirty="0" smtClean="0">
-                <a:latin typeface="微软雅黑" panose="020B0503020204020204" pitchFamily="34" charset="-122"/>
-                <a:ea typeface="微软雅黑" panose="020B0503020204020204" pitchFamily="34" charset="-122"/>
-              </a:rPr>
-              <a:t>Review Meeting</a:t>
-            </a:r>
-            <a:r>
-              <a:rPr lang="zh-CN" altLang="en-US" sz="1200" b="1" dirty="0" smtClean="0">
-                <a:latin typeface="微软雅黑" panose="020B0503020204020204" pitchFamily="34" charset="-122"/>
-                <a:ea typeface="微软雅黑" panose="020B0503020204020204" pitchFamily="34" charset="-122"/>
-              </a:rPr>
-              <a:t>（评审会议）</a:t>
-            </a:r>
-            <a:endParaRPr lang="en-US" altLang="zh-CN" sz="1200" baseline="0" dirty="0" smtClean="0">
-              <a:latin typeface="+mn-lt"/>
-              <a:ea typeface="宋体" pitchFamily="2" charset="-122"/>
-            </a:endParaRPr>
-          </a:p>
-          <a:p>
-            <a:pPr marL="0" marR="0" indent="0" algn="l" defTabSz="914400" rtl="0" eaLnBrk="0" fontAlgn="base" latinLnBrk="0" hangingPunct="0">
-              <a:lnSpc>
-                <a:spcPct val="100000"/>
-              </a:lnSpc>
-              <a:spcBef>
-                <a:spcPct val="30000"/>
-              </a:spcBef>
-              <a:spcAft>
-                <a:spcPct val="0"/>
-              </a:spcAft>
-              <a:buClrTx/>
-              <a:buSzTx/>
-              <a:buFontTx/>
-              <a:buNone/>
-              <a:tabLst/>
-              <a:defRPr/>
-            </a:pPr>
-            <a:r>
-              <a:rPr lang="en-US" altLang="zh-CN" sz="1200" dirty="0" smtClean="0">
-                <a:latin typeface="微软雅黑" panose="020B0503020204020204" pitchFamily="34" charset="-122"/>
-                <a:ea typeface="微软雅黑" panose="020B0503020204020204" pitchFamily="34" charset="-122"/>
-              </a:rPr>
-              <a:t>1.</a:t>
-            </a:r>
-            <a:r>
-              <a:rPr lang="zh-CN" altLang="en-US" sz="1200" dirty="0" smtClean="0">
-                <a:latin typeface="微软雅黑" panose="020B0503020204020204" pitchFamily="34" charset="-122"/>
-                <a:ea typeface="微软雅黑" panose="020B0503020204020204" pitchFamily="34" charset="-122"/>
-              </a:rPr>
-              <a:t>由</a:t>
-            </a:r>
-            <a:r>
-              <a:rPr lang="en-US" altLang="zh-CN" sz="1200" dirty="0" smtClean="0">
-                <a:latin typeface="微软雅黑" panose="020B0503020204020204" pitchFamily="34" charset="-122"/>
-                <a:ea typeface="微软雅黑" panose="020B0503020204020204" pitchFamily="34" charset="-122"/>
-              </a:rPr>
-              <a:t>product</a:t>
-            </a:r>
-            <a:r>
-              <a:rPr lang="en-US" altLang="zh-CN" sz="1200" baseline="0" dirty="0" smtClean="0">
-                <a:latin typeface="微软雅黑" panose="020B0503020204020204" pitchFamily="34" charset="-122"/>
-                <a:ea typeface="微软雅黑" panose="020B0503020204020204" pitchFamily="34" charset="-122"/>
-              </a:rPr>
-              <a:t> owner </a:t>
-            </a:r>
-            <a:r>
-              <a:rPr lang="zh-CN" altLang="en-US" sz="1200" baseline="0" dirty="0" smtClean="0">
-                <a:latin typeface="微软雅黑" panose="020B0503020204020204" pitchFamily="34" charset="-122"/>
-                <a:ea typeface="微软雅黑" panose="020B0503020204020204" pitchFamily="34" charset="-122"/>
-              </a:rPr>
-              <a:t>邀请一些利益相关者。</a:t>
-            </a:r>
-            <a:endParaRPr lang="en-US" altLang="zh-CN" sz="1200" dirty="0" smtClean="0">
-              <a:latin typeface="微软雅黑" panose="020B0503020204020204" pitchFamily="34" charset="-122"/>
-              <a:ea typeface="微软雅黑" panose="020B0503020204020204" pitchFamily="34" charset="-122"/>
-            </a:endParaRPr>
-          </a:p>
-          <a:p>
-            <a:pPr marL="0" marR="0" indent="0" algn="l" defTabSz="914400" rtl="0" eaLnBrk="0" fontAlgn="base" latinLnBrk="0" hangingPunct="0">
-              <a:lnSpc>
-                <a:spcPct val="100000"/>
-              </a:lnSpc>
-              <a:spcBef>
-                <a:spcPct val="30000"/>
-              </a:spcBef>
-              <a:spcAft>
-                <a:spcPct val="0"/>
-              </a:spcAft>
-              <a:buClrTx/>
-              <a:buSzTx/>
-              <a:buFontTx/>
-              <a:buNone/>
-              <a:tabLst/>
-              <a:defRPr/>
-            </a:pPr>
-            <a:r>
-              <a:rPr lang="en-US" altLang="zh-CN" sz="1200" dirty="0" smtClean="0">
-                <a:latin typeface="微软雅黑" panose="020B0503020204020204" pitchFamily="34" charset="-122"/>
-                <a:ea typeface="微软雅黑" panose="020B0503020204020204" pitchFamily="34" charset="-122"/>
-              </a:rPr>
-              <a:t>1.</a:t>
-            </a:r>
-            <a:r>
-              <a:rPr lang="zh-CN" altLang="en-US" sz="1200" dirty="0" smtClean="0">
-                <a:latin typeface="微软雅黑" panose="020B0503020204020204" pitchFamily="34" charset="-122"/>
-                <a:ea typeface="微软雅黑" panose="020B0503020204020204" pitchFamily="34" charset="-122"/>
-              </a:rPr>
-              <a:t>确定哪些工作完成了，哪些工作没有完成</a:t>
-            </a:r>
-            <a:endParaRPr lang="en-US" altLang="zh-CN" sz="1200" dirty="0" smtClean="0">
-              <a:latin typeface="微软雅黑" panose="020B0503020204020204" pitchFamily="34" charset="-122"/>
-              <a:ea typeface="微软雅黑" panose="020B0503020204020204" pitchFamily="34" charset="-122"/>
-            </a:endParaRPr>
-          </a:p>
-          <a:p>
-            <a:pPr marL="0" marR="0" indent="0" algn="l" defTabSz="914400" rtl="0" eaLnBrk="0" fontAlgn="base" latinLnBrk="0" hangingPunct="0">
-              <a:lnSpc>
-                <a:spcPct val="100000"/>
-              </a:lnSpc>
-              <a:spcBef>
-                <a:spcPct val="30000"/>
-              </a:spcBef>
-              <a:spcAft>
-                <a:spcPct val="0"/>
-              </a:spcAft>
-              <a:buClrTx/>
-              <a:buSzTx/>
-              <a:buFontTx/>
-              <a:buNone/>
-              <a:tabLst/>
-              <a:defRPr/>
-            </a:pPr>
-            <a:endParaRPr lang="en-US" altLang="zh-CN" sz="1200" baseline="0" dirty="0" smtClean="0">
-              <a:latin typeface="+mn-lt"/>
-              <a:ea typeface="宋体" pitchFamily="2" charset="-122"/>
-            </a:endParaRPr>
-          </a:p>
-          <a:p>
-            <a:pPr marL="0" indent="0">
-              <a:buFont typeface="Wingdings" panose="05000000000000000000" pitchFamily="2" charset="2"/>
-              <a:buNone/>
-            </a:pPr>
-            <a:r>
-              <a:rPr lang="en-US" altLang="zh-CN" sz="1200" b="1" dirty="0" smtClean="0">
-                <a:latin typeface="微软雅黑" panose="020B0503020204020204" pitchFamily="34" charset="-122"/>
-                <a:ea typeface="微软雅黑" panose="020B0503020204020204" pitchFamily="34" charset="-122"/>
-              </a:rPr>
-              <a:t>Daily Meeting</a:t>
-            </a:r>
-            <a:r>
-              <a:rPr lang="zh-CN" altLang="en-US" sz="1200" b="1" dirty="0" smtClean="0">
-                <a:latin typeface="微软雅黑" panose="020B0503020204020204" pitchFamily="34" charset="-122"/>
-                <a:ea typeface="微软雅黑" panose="020B0503020204020204" pitchFamily="34" charset="-122"/>
-              </a:rPr>
-              <a:t>（回顾会议）</a:t>
-            </a:r>
-            <a:endParaRPr lang="en-US" altLang="zh-CN" sz="1200" b="1" dirty="0" smtClean="0">
-              <a:latin typeface="微软雅黑" panose="020B0503020204020204" pitchFamily="34" charset="-122"/>
-              <a:ea typeface="微软雅黑" panose="020B0503020204020204" pitchFamily="34" charset="-122"/>
-            </a:endParaRPr>
-          </a:p>
-          <a:p>
-            <a:r>
-              <a:rPr lang="zh-CN" altLang="en-US" sz="1200" dirty="0" smtClean="0">
-                <a:latin typeface="微软雅黑" panose="020B0503020204020204" pitchFamily="34" charset="-122"/>
-                <a:ea typeface="微软雅黑" panose="020B0503020204020204" pitchFamily="34" charset="-122"/>
-              </a:rPr>
-              <a:t>检验前一个</a:t>
-            </a:r>
-            <a:r>
-              <a:rPr lang="en-US" altLang="zh-CN" sz="1200" dirty="0" smtClean="0">
-                <a:latin typeface="微软雅黑" panose="020B0503020204020204" pitchFamily="34" charset="-122"/>
-                <a:ea typeface="微软雅黑" panose="020B0503020204020204" pitchFamily="34" charset="-122"/>
-              </a:rPr>
-              <a:t>sprint</a:t>
-            </a:r>
-            <a:r>
-              <a:rPr lang="en-US" altLang="zh-CN" sz="1200" baseline="0" dirty="0" smtClean="0">
-                <a:latin typeface="微软雅黑" panose="020B0503020204020204" pitchFamily="34" charset="-122"/>
-                <a:ea typeface="微软雅黑" panose="020B0503020204020204" pitchFamily="34" charset="-122"/>
-              </a:rPr>
-              <a:t> </a:t>
-            </a:r>
-            <a:r>
-              <a:rPr lang="zh-CN" altLang="en-US" sz="1200" baseline="0" dirty="0" smtClean="0">
-                <a:latin typeface="微软雅黑" panose="020B0503020204020204" pitchFamily="34" charset="-122"/>
-                <a:ea typeface="微软雅黑" panose="020B0503020204020204" pitchFamily="34" charset="-122"/>
-              </a:rPr>
-              <a:t>人，关系，过程</a:t>
-            </a:r>
-            <a:endParaRPr lang="en-US" altLang="zh-CN" sz="1200" dirty="0" smtClean="0">
-              <a:latin typeface="微软雅黑" panose="020B0503020204020204" pitchFamily="34" charset="-122"/>
-              <a:ea typeface="微软雅黑" panose="020B0503020204020204" pitchFamily="34" charset="-122"/>
-            </a:endParaRPr>
-          </a:p>
-          <a:p>
-            <a:pPr marL="0" marR="0" indent="0" algn="l" defTabSz="914400" rtl="0" eaLnBrk="0" fontAlgn="base" latinLnBrk="0" hangingPunct="0">
-              <a:lnSpc>
-                <a:spcPct val="100000"/>
-              </a:lnSpc>
-              <a:spcBef>
-                <a:spcPct val="30000"/>
-              </a:spcBef>
-              <a:spcAft>
-                <a:spcPct val="0"/>
-              </a:spcAft>
-              <a:buClrTx/>
-              <a:buSzTx/>
-              <a:buFontTx/>
-              <a:buNone/>
-              <a:tabLst/>
-              <a:defRPr/>
-            </a:pPr>
-            <a:endParaRPr lang="en-US" altLang="zh-CN" sz="1200" baseline="0" dirty="0" smtClean="0">
-              <a:latin typeface="+mn-lt"/>
-              <a:ea typeface="宋体" pitchFamily="2" charset="-122"/>
-            </a:endParaRPr>
+            <a:endParaRPr lang="zh-CN" altLang="en-US" dirty="0"/>
           </a:p>
         </p:txBody>
       </p:sp>
     </p:spTree>
     <p:extLst>
       <p:ext uri="{BB962C8B-B14F-4D97-AF65-F5344CB8AC3E}">
-        <p14:creationId xmlns:p14="http://schemas.microsoft.com/office/powerpoint/2010/main" val="3961045542"/>
+        <p14:creationId xmlns:p14="http://schemas.microsoft.com/office/powerpoint/2010/main" val="2634176535"/>
       </p:ext>
     </p:extLst>
   </p:cSld>
@@ -10659,161 +10199,82 @@
           <a:bodyPr/>
           <a:lstStyle/>
           <a:p>
+            <a:r>
+              <a:rPr lang="zh-CN" altLang="en-US" dirty="0" smtClean="0"/>
+              <a:t>我们前面说了瀑布流程，是一台有条不紊</a:t>
+            </a:r>
+            <a:r>
+              <a:rPr lang="zh-CN" altLang="en-US" baseline="0" dirty="0" smtClean="0"/>
+              <a:t> 但沉重拖沓的机器，在需求稳定的时候，工作质量很好。</a:t>
+            </a:r>
+            <a:endParaRPr lang="en-US" altLang="zh-CN" baseline="0" dirty="0" smtClean="0"/>
+          </a:p>
+          <a:p>
+            <a:endParaRPr lang="en-US" altLang="zh-CN" baseline="0" dirty="0" smtClean="0"/>
+          </a:p>
+          <a:p>
+            <a:r>
+              <a:rPr lang="zh-CN" altLang="en-US" baseline="0" dirty="0" smtClean="0"/>
+              <a:t>但是现在需求复杂的环境</a:t>
+            </a:r>
+            <a:endParaRPr lang="en-US" altLang="zh-CN" baseline="0" dirty="0" smtClean="0"/>
+          </a:p>
+          <a:p>
+            <a:endParaRPr lang="en-US" altLang="zh-CN" baseline="0" dirty="0" smtClean="0"/>
+          </a:p>
+          <a:p>
+            <a:r>
+              <a:rPr lang="zh-CN" altLang="en-US" baseline="0" dirty="0" smtClean="0"/>
+              <a:t>那么敏捷就是</a:t>
+            </a:r>
             <a:endParaRPr lang="en-US" altLang="zh-CN" dirty="0" smtClean="0"/>
           </a:p>
           <a:p>
-            <a:pPr marL="0" marR="0" indent="0" algn="l" defTabSz="914400" rtl="0" eaLnBrk="0" fontAlgn="base" latinLnBrk="0" hangingPunct="0">
-              <a:lnSpc>
-                <a:spcPct val="100000"/>
-              </a:lnSpc>
-              <a:spcBef>
-                <a:spcPct val="30000"/>
-              </a:spcBef>
-              <a:spcAft>
-                <a:spcPct val="0"/>
-              </a:spcAft>
-              <a:buClrTx/>
-              <a:buSzTx/>
-              <a:buFontTx/>
-              <a:buNone/>
-              <a:tabLst/>
-              <a:defRPr/>
-            </a:pPr>
-            <a:r>
-              <a:rPr lang="en-US" altLang="zh-CN" sz="1200" b="1" dirty="0" smtClean="0">
-                <a:latin typeface="微软雅黑" panose="020B0503020204020204" pitchFamily="34" charset="-122"/>
-                <a:ea typeface="微软雅黑" panose="020B0503020204020204" pitchFamily="34" charset="-122"/>
-              </a:rPr>
-              <a:t>Scrum Master</a:t>
-            </a:r>
-            <a:r>
-              <a:rPr lang="zh-CN" altLang="en-US" sz="1200" b="1" dirty="0" smtClean="0">
-                <a:latin typeface="微软雅黑" panose="020B0503020204020204" pitchFamily="34" charset="-122"/>
-                <a:ea typeface="微软雅黑" panose="020B0503020204020204" pitchFamily="34" charset="-122"/>
-              </a:rPr>
-              <a:t>：教队员如何合理地使用技术，工具。而非代替</a:t>
-            </a:r>
             <a:endParaRPr lang="en-US" altLang="zh-CN" dirty="0" smtClean="0"/>
           </a:p>
           <a:p>
             <a:r>
-              <a:rPr lang="en-US" altLang="zh-CN" dirty="0" smtClean="0"/>
-              <a:t>1.Scrum master</a:t>
-            </a:r>
-            <a:r>
               <a:rPr lang="zh-CN" altLang="en-US" dirty="0" smtClean="0"/>
-              <a:t>作为</a:t>
-            </a:r>
-            <a:r>
-              <a:rPr lang="en-US" altLang="zh-CN" dirty="0" smtClean="0"/>
-              <a:t>team</a:t>
-            </a:r>
+              <a:t>主张倡导</a:t>
+            </a:r>
+            <a:r>
+              <a:rPr lang="zh-CN" altLang="en-US" baseline="0" dirty="0" smtClean="0"/>
+              <a:t> 拥抱变化</a:t>
+            </a:r>
+            <a:r>
+              <a:rPr lang="en-US" altLang="zh-CN" baseline="0" dirty="0" smtClean="0"/>
+              <a:t>.</a:t>
+            </a:r>
+          </a:p>
+          <a:p>
+            <a:r>
+              <a:rPr lang="en-US" altLang="zh-CN" baseline="0" dirty="0" smtClean="0"/>
+              <a:t>===================================</a:t>
+            </a:r>
+          </a:p>
+          <a:p>
             <a:r>
               <a:rPr lang="zh-CN" altLang="en-US" dirty="0" smtClean="0"/>
-              <a:t>的精神领袖</a:t>
-            </a:r>
-            <a:r>
-              <a:rPr lang="zh-CN" altLang="en-US" baseline="0" dirty="0" smtClean="0"/>
-              <a:t> 和</a:t>
-            </a:r>
-            <a:r>
-              <a:rPr lang="en-US" altLang="zh-CN" baseline="0" dirty="0" smtClean="0"/>
-              <a:t>product owner </a:t>
-            </a:r>
-            <a:r>
-              <a:rPr lang="zh-CN" altLang="en-US" baseline="0" dirty="0" smtClean="0"/>
-              <a:t>紧密工作在一起，他们可以及时为团队成员提供帮助。</a:t>
-            </a:r>
-            <a:endParaRPr lang="en-US" altLang="zh-CN" baseline="0" dirty="0" smtClean="0"/>
-          </a:p>
-          <a:p>
-            <a:r>
-              <a:rPr lang="en-US" altLang="zh-CN" baseline="0" dirty="0" smtClean="0"/>
-              <a:t>2.</a:t>
-            </a:r>
-            <a:r>
-              <a:rPr lang="zh-CN" altLang="en-US" baseline="0" dirty="0" smtClean="0"/>
-              <a:t>主持</a:t>
-            </a:r>
-            <a:r>
-              <a:rPr lang="en-US" altLang="zh-CN" baseline="0" dirty="0" smtClean="0"/>
-              <a:t>scrum </a:t>
-            </a:r>
-            <a:r>
-              <a:rPr lang="zh-CN" altLang="en-US" baseline="0" dirty="0" smtClean="0"/>
-              <a:t>三个会议</a:t>
-            </a:r>
-            <a:endParaRPr lang="en-US" altLang="zh-CN" baseline="0" dirty="0" smtClean="0"/>
-          </a:p>
-          <a:p>
-            <a:r>
-              <a:rPr lang="en-US" altLang="zh-CN" baseline="0" dirty="0" smtClean="0"/>
-              <a:t>3.</a:t>
-            </a:r>
-            <a:r>
-              <a:rPr lang="zh-CN" altLang="en-US" baseline="0" dirty="0" smtClean="0"/>
-              <a:t>需要关注</a:t>
-            </a:r>
-            <a:r>
-              <a:rPr lang="en-US" altLang="zh-CN" baseline="0" dirty="0" smtClean="0"/>
-              <a:t>scrum</a:t>
-            </a:r>
-            <a:r>
-              <a:rPr lang="zh-CN" altLang="en-US" baseline="0" dirty="0" smtClean="0"/>
-              <a:t>，哪些任务开始了，哪些完成了，哪些发生了变化。 </a:t>
-            </a:r>
-            <a:endParaRPr lang="en-US" altLang="zh-CN" baseline="0" dirty="0" smtClean="0"/>
-          </a:p>
-          <a:p>
-            <a:r>
-              <a:rPr lang="en-US" altLang="zh-CN" baseline="0" dirty="0" smtClean="0"/>
-              <a:t>4.Burn down</a:t>
-            </a:r>
-            <a:r>
-              <a:rPr lang="zh-CN" altLang="en-US" baseline="0" dirty="0" smtClean="0"/>
-              <a:t>图需要</a:t>
-            </a:r>
-            <a:r>
-              <a:rPr lang="en-US" altLang="zh-CN" baseline="0" dirty="0" smtClean="0"/>
-              <a:t>master </a:t>
-            </a:r>
-          </a:p>
-          <a:p>
-            <a:r>
-              <a:rPr lang="en-US" altLang="zh-CN" baseline="0" dirty="0" smtClean="0"/>
-              <a:t>5.</a:t>
-            </a:r>
-            <a:r>
-              <a:rPr lang="zh-CN" altLang="en-US" baseline="0" dirty="0" smtClean="0"/>
-              <a:t>建立团队良好的机制（沟通，协作等等）</a:t>
-            </a:r>
-            <a:endParaRPr lang="en-US" altLang="zh-CN" baseline="0" dirty="0" smtClean="0"/>
-          </a:p>
-          <a:p>
+              <a:t>对人的要求会比较高。</a:t>
+            </a:r>
             <a:endParaRPr lang="en-US" altLang="zh-CN" dirty="0" smtClean="0"/>
           </a:p>
           <a:p>
+            <a:r>
+              <a:rPr lang="zh-CN" altLang="en-US" dirty="0" smtClean="0"/>
+              <a:t>尽可能早的交付一个软件</a:t>
+            </a:r>
             <a:endParaRPr lang="en-US" altLang="zh-CN" dirty="0" smtClean="0"/>
           </a:p>
           <a:p>
-            <a:r>
-              <a:rPr lang="en-US" altLang="zh-CN" b="1" dirty="0" smtClean="0"/>
-              <a:t>Scrum Team</a:t>
-            </a:r>
-          </a:p>
-          <a:p>
-            <a:r>
-              <a:rPr lang="zh-CN" altLang="en-US" baseline="0" dirty="0" smtClean="0"/>
-              <a:t>自律</a:t>
-            </a:r>
-            <a:endParaRPr lang="zh-CN" altLang="en-US" b="1" dirty="0"/>
+            <a:endParaRPr lang="en-US" altLang="zh-CN" dirty="0" smtClean="0"/>
           </a:p>
         </p:txBody>
       </p:sp>
     </p:spTree>
     <p:extLst>
       <p:ext uri="{BB962C8B-B14F-4D97-AF65-F5344CB8AC3E}">
-        <p14:creationId xmlns:p14="http://schemas.microsoft.com/office/powerpoint/2010/main" val="3189190967"/>
+        <p14:creationId xmlns:p14="http://schemas.microsoft.com/office/powerpoint/2010/main" val="2634176535"/>
       </p:ext>
     </p:extLst>
   </p:cSld>
@@ -10868,6 +10329,980 @@
           <a:lstStyle/>
           <a:p>
             <a:r>
+              <a:rPr lang="en-US" altLang="zh-CN" dirty="0" smtClean="0"/>
+              <a:t>Scrum </a:t>
+            </a:r>
+            <a:r>
+              <a:rPr lang="zh-CN" altLang="en-US" dirty="0" smtClean="0"/>
+              <a:t>实施的重点是团队领导和需求管理，强调对客户需求的快速反应以及团队的共同协作和自我管理。</a:t>
+            </a:r>
+          </a:p>
+          <a:p>
+            <a:endParaRPr lang="zh-CN" altLang="en-US" dirty="0" smtClean="0"/>
+          </a:p>
+          <a:p>
+            <a:r>
+              <a:rPr lang="en-US" altLang="zh-CN" dirty="0" smtClean="0"/>
+              <a:t>Scrum </a:t>
+            </a:r>
+            <a:r>
+              <a:rPr lang="zh-CN" altLang="en-US" dirty="0" smtClean="0"/>
+              <a:t>方法通过将整个开发过程划分为若干个固定时间长度的 </a:t>
+            </a:r>
+            <a:r>
+              <a:rPr lang="en-US" altLang="zh-CN" dirty="0" smtClean="0"/>
+              <a:t>Sprint</a:t>
+            </a:r>
+            <a:r>
+              <a:rPr lang="zh-CN" altLang="en-US" dirty="0" smtClean="0"/>
+              <a:t>，</a:t>
+            </a:r>
+          </a:p>
+          <a:p>
+            <a:endParaRPr lang="zh-CN" altLang="en-US" dirty="0" smtClean="0"/>
+          </a:p>
+          <a:p>
+            <a:r>
+              <a:rPr lang="zh-CN" altLang="en-US" dirty="0" smtClean="0"/>
+              <a:t>在每个 </a:t>
+            </a:r>
+            <a:r>
+              <a:rPr lang="en-US" altLang="zh-CN" dirty="0" smtClean="0"/>
+              <a:t>Sprint </a:t>
+            </a:r>
+            <a:r>
+              <a:rPr lang="zh-CN" altLang="en-US" dirty="0" smtClean="0"/>
+              <a:t>结束时得到一个可以执行并演示的产品的</a:t>
+            </a:r>
+            <a:r>
+              <a:rPr lang="zh-CN" altLang="en-US" dirty="0" smtClean="0"/>
+              <a:t>增量版本，来推动产品的不断演进，直到最终发布。 </a:t>
+            </a:r>
+            <a:endParaRPr lang="en-US" altLang="zh-CN" dirty="0" smtClean="0"/>
+          </a:p>
+          <a:p>
+            <a:endParaRPr lang="en-US" altLang="zh-CN" dirty="0" smtClean="0"/>
+          </a:p>
+          <a:p>
+            <a:endParaRPr lang="en-US" altLang="zh-CN" dirty="0" smtClean="0"/>
+          </a:p>
+          <a:p>
+            <a:pPr lvl="0" rtl="0"/>
+            <a:r>
+              <a:rPr lang="en-US" altLang="zh-CN" dirty="0" smtClean="0"/>
+              <a:t>Sprint</a:t>
+            </a:r>
+            <a:r>
+              <a:rPr lang="zh-CN" altLang="zh-CN" i="1" dirty="0" smtClean="0">
+                <a:solidFill>
+                  <a:schemeClr val="bg1">
+                    <a:lumMod val="50000"/>
+                  </a:schemeClr>
+                </a:solidFill>
+              </a:rPr>
+              <a:t>（迭代，</a:t>
+            </a:r>
+            <a:r>
+              <a:rPr lang="en-US" altLang="zh-CN" i="1" dirty="0" smtClean="0">
+                <a:solidFill>
+                  <a:schemeClr val="bg1">
+                    <a:lumMod val="50000"/>
+                  </a:schemeClr>
+                </a:solidFill>
+              </a:rPr>
+              <a:t>scrum</a:t>
+            </a:r>
+            <a:r>
+              <a:rPr lang="zh-CN" altLang="zh-CN" i="1" dirty="0" smtClean="0">
+                <a:solidFill>
+                  <a:schemeClr val="bg1">
+                    <a:lumMod val="50000"/>
+                  </a:schemeClr>
+                </a:solidFill>
+              </a:rPr>
+              <a:t>的基本运行单位）</a:t>
+            </a:r>
+          </a:p>
+          <a:p>
+            <a:pPr lvl="0" rtl="0"/>
+            <a:r>
+              <a:rPr lang="en-US" altLang="zh-CN" dirty="0" smtClean="0"/>
+              <a:t>PB</a:t>
+            </a:r>
+            <a:r>
+              <a:rPr lang="zh-CN" altLang="zh-CN" i="1" dirty="0" smtClean="0">
+                <a:solidFill>
+                  <a:schemeClr val="bg1">
+                    <a:lumMod val="50000"/>
+                  </a:schemeClr>
+                </a:solidFill>
+              </a:rPr>
+              <a:t>（</a:t>
+            </a:r>
+            <a:r>
+              <a:rPr lang="en-US" altLang="zh-CN" i="1" dirty="0" smtClean="0">
+                <a:solidFill>
+                  <a:schemeClr val="bg1">
+                    <a:lumMod val="50000"/>
+                  </a:schemeClr>
+                </a:solidFill>
+              </a:rPr>
+              <a:t>Product Backlog</a:t>
+            </a:r>
+            <a:r>
+              <a:rPr lang="zh-CN" altLang="zh-CN" i="1" dirty="0" smtClean="0">
+                <a:solidFill>
+                  <a:schemeClr val="bg1">
+                    <a:lumMod val="50000"/>
+                  </a:schemeClr>
+                </a:solidFill>
+              </a:rPr>
+              <a:t>，待完成产品）</a:t>
+            </a:r>
+          </a:p>
+          <a:p>
+            <a:pPr lvl="0" rtl="0"/>
+            <a:r>
+              <a:rPr lang="en-US" altLang="zh-CN" dirty="0" smtClean="0"/>
+              <a:t>Story Point</a:t>
+            </a:r>
+            <a:r>
+              <a:rPr lang="zh-CN" altLang="zh-CN" i="1" dirty="0" smtClean="0">
+                <a:solidFill>
+                  <a:schemeClr val="bg1">
+                    <a:lumMod val="50000"/>
+                  </a:schemeClr>
+                </a:solidFill>
+              </a:rPr>
+              <a:t>（故事点，一个估算基本单位）</a:t>
+            </a:r>
+          </a:p>
+          <a:p>
+            <a:pPr lvl="0" rtl="0"/>
+            <a:r>
+              <a:rPr lang="en-US" altLang="zh-CN" dirty="0" smtClean="0"/>
+              <a:t>Burn-Down Chat</a:t>
+            </a:r>
+            <a:r>
+              <a:rPr lang="zh-CN" altLang="zh-CN" i="1" dirty="0" smtClean="0">
+                <a:solidFill>
+                  <a:schemeClr val="bg1">
+                    <a:lumMod val="50000"/>
+                  </a:schemeClr>
+                </a:solidFill>
+              </a:rPr>
+              <a:t>（燃尽图，统计任务完成情况）</a:t>
+            </a:r>
+          </a:p>
+          <a:p>
+            <a:endParaRPr lang="en-US" altLang="zh-CN" dirty="0" smtClean="0"/>
+          </a:p>
+        </p:txBody>
+      </p:sp>
+    </p:spTree>
+    <p:extLst>
+      <p:ext uri="{BB962C8B-B14F-4D97-AF65-F5344CB8AC3E}">
+        <p14:creationId xmlns:p14="http://schemas.microsoft.com/office/powerpoint/2010/main" val="2634176535"/>
+      </p:ext>
+    </p:extLst>
+  </p:cSld>
+  <p:clrMapOvr>
+    <a:masterClrMapping/>
+  </p:clrMapOvr>
+</p:notes>
+</file>
+
+<file path=ppt/notesSlides/notesSlide13.xml><?xml version="1.0" encoding="utf-8"?>
+<p:notes xmlns:a="http://schemas.openxmlformats.org/drawingml/2006/main" xmlns:r="http://schemas.openxmlformats.org/officeDocument/2006/relationships" xmlns:p="http://schemas.openxmlformats.org/presentationml/2006/main">
+  <p:cSld>
+    <p:spTree>
+      <p:nvGrpSpPr>
+        <p:cNvPr id="1" name=""/>
+        <p:cNvGrpSpPr/>
+        <p:nvPr/>
+      </p:nvGrpSpPr>
+      <p:grpSpPr>
+        <a:xfrm>
+          <a:off x="0" y="0"/>
+          <a:ext cx="0" cy="0"/>
+          <a:chOff x="0" y="0"/>
+          <a:chExt cx="0" cy="0"/>
+        </a:xfrm>
+      </p:grpSpPr>
+      <p:sp>
+        <p:nvSpPr>
+          <p:cNvPr id="2" name="幻灯片图像占位符 1"/>
+          <p:cNvSpPr>
+            <a:spLocks noGrp="1" noRot="1" noChangeAspect="1"/>
+          </p:cNvSpPr>
+          <p:nvPr>
+            <p:ph type="sldImg"/>
+          </p:nvPr>
+        </p:nvSpPr>
+        <p:spPr/>
+      </p:sp>
+      <p:sp>
+        <p:nvSpPr>
+          <p:cNvPr id="3" name="备注占位符 2"/>
+          <p:cNvSpPr>
+            <a:spLocks noGrp="1"/>
+          </p:cNvSpPr>
+          <p:nvPr>
+            <p:ph type="body" idx="1"/>
+          </p:nvPr>
+        </p:nvSpPr>
+        <p:spPr/>
+        <p:txBody>
+          <a:bodyPr/>
+          <a:lstStyle/>
+          <a:p>
+            <a:pPr marL="0" marR="0" indent="0" algn="l" defTabSz="914400" rtl="0" eaLnBrk="0" fontAlgn="base" latinLnBrk="0" hangingPunct="0">
+              <a:lnSpc>
+                <a:spcPct val="100000"/>
+              </a:lnSpc>
+              <a:spcBef>
+                <a:spcPct val="30000"/>
+              </a:spcBef>
+              <a:spcAft>
+                <a:spcPct val="0"/>
+              </a:spcAft>
+              <a:buClrTx/>
+              <a:buSzTx/>
+              <a:buFontTx/>
+              <a:buNone/>
+              <a:tabLst/>
+              <a:defRPr/>
+            </a:pPr>
+            <a:r>
+              <a:rPr lang="zh-CN" altLang="en-US" sz="1200" dirty="0" smtClean="0">
+                <a:latin typeface="微软雅黑" panose="020B0503020204020204" pitchFamily="34" charset="-122"/>
+                <a:ea typeface="微软雅黑" panose="020B0503020204020204" pitchFamily="34" charset="-122"/>
+              </a:rPr>
+              <a:t>细化当前迭代的开发计划</a:t>
+            </a:r>
+            <a:r>
+              <a:rPr lang="zh-CN" altLang="en-US" sz="1200" dirty="0" smtClean="0">
+                <a:latin typeface="+mn-lt"/>
+                <a:ea typeface="宋体" pitchFamily="2" charset="-122"/>
+              </a:rPr>
+              <a:t>（通过估算</a:t>
+            </a:r>
+            <a:r>
+              <a:rPr lang="en-US" altLang="zh-CN" sz="1200" dirty="0" smtClean="0">
+                <a:latin typeface="+mn-lt"/>
+                <a:ea typeface="宋体" pitchFamily="2" charset="-122"/>
+              </a:rPr>
+              <a:t>PB</a:t>
+            </a:r>
+            <a:r>
+              <a:rPr lang="en-US" altLang="zh-CN" sz="1200" baseline="0" dirty="0" smtClean="0">
+                <a:latin typeface="+mn-lt"/>
+                <a:ea typeface="宋体" pitchFamily="2" charset="-122"/>
+              </a:rPr>
+              <a:t> story point</a:t>
+            </a:r>
+            <a:r>
+              <a:rPr lang="zh-CN" altLang="en-US" sz="1200" baseline="0" dirty="0" smtClean="0">
+                <a:latin typeface="+mn-lt"/>
+                <a:ea typeface="宋体" pitchFamily="2" charset="-122"/>
+              </a:rPr>
+              <a:t>，来确认此次</a:t>
+            </a:r>
+            <a:r>
+              <a:rPr lang="en-US" altLang="zh-CN" sz="1200" baseline="0" dirty="0" smtClean="0">
+                <a:latin typeface="+mn-lt"/>
+                <a:ea typeface="宋体" pitchFamily="2" charset="-122"/>
+              </a:rPr>
+              <a:t>sprint </a:t>
+            </a:r>
+            <a:r>
+              <a:rPr lang="zh-CN" altLang="en-US" sz="1200" baseline="0" dirty="0" smtClean="0">
+                <a:latin typeface="+mn-lt"/>
+                <a:ea typeface="宋体" pitchFamily="2" charset="-122"/>
+              </a:rPr>
+              <a:t>能领取的任务</a:t>
+            </a:r>
+            <a:r>
+              <a:rPr lang="en-US" altLang="zh-CN" sz="1200" baseline="0" dirty="0" smtClean="0">
+                <a:latin typeface="微软雅黑" panose="020B0503020204020204" pitchFamily="34" charset="-122"/>
+                <a:ea typeface="微软雅黑" panose="020B0503020204020204" pitchFamily="34" charset="-122"/>
+              </a:rPr>
+              <a:t>)</a:t>
+            </a:r>
+          </a:p>
+          <a:p>
+            <a:pPr marL="0" marR="0" indent="0" algn="l" defTabSz="914400" rtl="0" eaLnBrk="0" fontAlgn="base" latinLnBrk="0" hangingPunct="0">
+              <a:lnSpc>
+                <a:spcPct val="100000"/>
+              </a:lnSpc>
+              <a:spcBef>
+                <a:spcPct val="30000"/>
+              </a:spcBef>
+              <a:spcAft>
+                <a:spcPct val="0"/>
+              </a:spcAft>
+              <a:buClrTx/>
+              <a:buSzTx/>
+              <a:buFontTx/>
+              <a:buNone/>
+              <a:tabLst/>
+              <a:defRPr/>
+            </a:pPr>
+            <a:endParaRPr lang="en-US" altLang="zh-CN" sz="1200" baseline="0" dirty="0" smtClean="0">
+              <a:latin typeface="+mn-lt"/>
+              <a:ea typeface="宋体" pitchFamily="2" charset="-122"/>
+            </a:endParaRPr>
+          </a:p>
+          <a:p>
+            <a:pPr marL="0" marR="0" indent="0" algn="l" defTabSz="914400" rtl="0" eaLnBrk="0" fontAlgn="base" latinLnBrk="0" hangingPunct="0">
+              <a:lnSpc>
+                <a:spcPct val="100000"/>
+              </a:lnSpc>
+              <a:spcBef>
+                <a:spcPct val="30000"/>
+              </a:spcBef>
+              <a:spcAft>
+                <a:spcPct val="0"/>
+              </a:spcAft>
+              <a:buClrTx/>
+              <a:buSzTx/>
+              <a:buFontTx/>
+              <a:buNone/>
+              <a:tabLst/>
+              <a:defRPr/>
+            </a:pPr>
+            <a:r>
+              <a:rPr lang="zh-CN" altLang="en-US" sz="1200" baseline="0" dirty="0" smtClean="0">
+                <a:latin typeface="+mn-lt"/>
+                <a:ea typeface="宋体" pitchFamily="2" charset="-122"/>
+              </a:rPr>
+              <a:t>四个会议贯穿着整个</a:t>
+            </a:r>
+            <a:r>
+              <a:rPr lang="en-US" altLang="zh-CN" sz="1200" baseline="0" dirty="0" smtClean="0">
+                <a:latin typeface="+mn-lt"/>
+                <a:ea typeface="宋体" pitchFamily="2" charset="-122"/>
+              </a:rPr>
+              <a:t>scrum</a:t>
+            </a:r>
+          </a:p>
+          <a:p>
+            <a:pPr marL="0" marR="0" indent="0" algn="l" defTabSz="914400" rtl="0" eaLnBrk="0" fontAlgn="base" latinLnBrk="0" hangingPunct="0">
+              <a:lnSpc>
+                <a:spcPct val="100000"/>
+              </a:lnSpc>
+              <a:spcBef>
+                <a:spcPct val="30000"/>
+              </a:spcBef>
+              <a:spcAft>
+                <a:spcPct val="0"/>
+              </a:spcAft>
+              <a:buClrTx/>
+              <a:buSzTx/>
+              <a:buFontTx/>
+              <a:buNone/>
+              <a:tabLst/>
+              <a:defRPr/>
+            </a:pPr>
+            <a:endParaRPr lang="en-US" altLang="zh-CN" sz="1200" baseline="0" dirty="0" smtClean="0">
+              <a:latin typeface="+mn-lt"/>
+              <a:ea typeface="宋体" pitchFamily="2" charset="-122"/>
+            </a:endParaRPr>
+          </a:p>
+          <a:p>
+            <a:pPr marL="0" marR="0" indent="0" algn="l" defTabSz="914400" rtl="0" eaLnBrk="0" fontAlgn="base" latinLnBrk="0" hangingPunct="0">
+              <a:lnSpc>
+                <a:spcPct val="100000"/>
+              </a:lnSpc>
+              <a:spcBef>
+                <a:spcPct val="30000"/>
+              </a:spcBef>
+              <a:spcAft>
+                <a:spcPct val="0"/>
+              </a:spcAft>
+              <a:buClrTx/>
+              <a:buSzTx/>
+              <a:buFontTx/>
+              <a:buNone/>
+              <a:tabLst/>
+              <a:defRPr/>
+            </a:pPr>
+            <a:r>
+              <a:rPr lang="en-US" altLang="zh-CN" sz="1200" b="1" dirty="0" smtClean="0">
+                <a:latin typeface="微软雅黑" panose="020B0503020204020204" pitchFamily="34" charset="-122"/>
+                <a:ea typeface="微软雅黑" panose="020B0503020204020204" pitchFamily="34" charset="-122"/>
+              </a:rPr>
+              <a:t>Daily Meeting</a:t>
+            </a:r>
+            <a:r>
+              <a:rPr lang="zh-CN" altLang="en-US" sz="1200" b="1" dirty="0" smtClean="0">
+                <a:latin typeface="微软雅黑" panose="020B0503020204020204" pitchFamily="34" charset="-122"/>
+                <a:ea typeface="微软雅黑" panose="020B0503020204020204" pitchFamily="34" charset="-122"/>
+              </a:rPr>
+              <a:t>（每日站立会议）</a:t>
+            </a:r>
+            <a:endParaRPr lang="en-US" altLang="zh-CN" sz="1200" b="1" dirty="0" smtClean="0">
+              <a:latin typeface="微软雅黑" panose="020B0503020204020204" pitchFamily="34" charset="-122"/>
+              <a:ea typeface="微软雅黑" panose="020B0503020204020204" pitchFamily="34" charset="-122"/>
+            </a:endParaRPr>
+          </a:p>
+          <a:p>
+            <a:pPr marL="0" marR="0" indent="0" algn="l" defTabSz="914400" rtl="0" eaLnBrk="0" fontAlgn="base" latinLnBrk="0" hangingPunct="0">
+              <a:lnSpc>
+                <a:spcPct val="100000"/>
+              </a:lnSpc>
+              <a:spcBef>
+                <a:spcPct val="30000"/>
+              </a:spcBef>
+              <a:spcAft>
+                <a:spcPct val="0"/>
+              </a:spcAft>
+              <a:buClrTx/>
+              <a:buSzTx/>
+              <a:buFontTx/>
+              <a:buNone/>
+              <a:tabLst/>
+              <a:defRPr/>
+            </a:pPr>
+            <a:r>
+              <a:rPr lang="zh-CN" altLang="en-US" sz="1200" dirty="0" smtClean="0">
+                <a:latin typeface="微软雅黑" panose="020B0503020204020204" pitchFamily="34" charset="-122"/>
+                <a:ea typeface="微软雅黑" panose="020B0503020204020204" pitchFamily="34" charset="-122"/>
+              </a:rPr>
+              <a:t>完成了什么工作，即将完成什么工作，有什么困难</a:t>
+            </a:r>
+            <a:endParaRPr lang="en-US" altLang="zh-CN" sz="1200" baseline="0" dirty="0" smtClean="0">
+              <a:latin typeface="+mn-lt"/>
+              <a:ea typeface="宋体" pitchFamily="2" charset="-122"/>
+            </a:endParaRPr>
+          </a:p>
+          <a:p>
+            <a:pPr marL="0" marR="0" indent="0" algn="l" defTabSz="914400" rtl="0" eaLnBrk="0" fontAlgn="base" latinLnBrk="0" hangingPunct="0">
+              <a:lnSpc>
+                <a:spcPct val="100000"/>
+              </a:lnSpc>
+              <a:spcBef>
+                <a:spcPct val="30000"/>
+              </a:spcBef>
+              <a:spcAft>
+                <a:spcPct val="0"/>
+              </a:spcAft>
+              <a:buClrTx/>
+              <a:buSzTx/>
+              <a:buFontTx/>
+              <a:buNone/>
+              <a:tabLst/>
+              <a:defRPr/>
+            </a:pPr>
+            <a:endParaRPr lang="en-US" altLang="zh-CN" sz="1200" baseline="0" dirty="0" smtClean="0">
+              <a:latin typeface="+mn-lt"/>
+              <a:ea typeface="宋体" pitchFamily="2" charset="-122"/>
+            </a:endParaRPr>
+          </a:p>
+          <a:p>
+            <a:pPr marL="0" marR="0" indent="0" algn="l" defTabSz="914400" rtl="0" eaLnBrk="0" fontAlgn="base" latinLnBrk="0" hangingPunct="0">
+              <a:lnSpc>
+                <a:spcPct val="100000"/>
+              </a:lnSpc>
+              <a:spcBef>
+                <a:spcPct val="30000"/>
+              </a:spcBef>
+              <a:spcAft>
+                <a:spcPct val="0"/>
+              </a:spcAft>
+              <a:buClrTx/>
+              <a:buSzTx/>
+              <a:buFontTx/>
+              <a:buNone/>
+              <a:tabLst/>
+              <a:defRPr/>
+            </a:pPr>
+            <a:r>
+              <a:rPr lang="en-US" altLang="zh-CN" sz="1200" b="1" dirty="0" smtClean="0">
+                <a:latin typeface="微软雅黑" panose="020B0503020204020204" pitchFamily="34" charset="-122"/>
+                <a:ea typeface="微软雅黑" panose="020B0503020204020204" pitchFamily="34" charset="-122"/>
+              </a:rPr>
+              <a:t>Review Meeting</a:t>
+            </a:r>
+            <a:r>
+              <a:rPr lang="zh-CN" altLang="en-US" sz="1200" b="1" dirty="0" smtClean="0">
+                <a:latin typeface="微软雅黑" panose="020B0503020204020204" pitchFamily="34" charset="-122"/>
+                <a:ea typeface="微软雅黑" panose="020B0503020204020204" pitchFamily="34" charset="-122"/>
+              </a:rPr>
+              <a:t>（评审会议）</a:t>
+            </a:r>
+            <a:endParaRPr lang="en-US" altLang="zh-CN" sz="1200" baseline="0" dirty="0" smtClean="0">
+              <a:latin typeface="+mn-lt"/>
+              <a:ea typeface="宋体" pitchFamily="2" charset="-122"/>
+            </a:endParaRPr>
+          </a:p>
+          <a:p>
+            <a:pPr marL="0" marR="0" indent="0" algn="l" defTabSz="914400" rtl="0" eaLnBrk="0" fontAlgn="base" latinLnBrk="0" hangingPunct="0">
+              <a:lnSpc>
+                <a:spcPct val="100000"/>
+              </a:lnSpc>
+              <a:spcBef>
+                <a:spcPct val="30000"/>
+              </a:spcBef>
+              <a:spcAft>
+                <a:spcPct val="0"/>
+              </a:spcAft>
+              <a:buClrTx/>
+              <a:buSzTx/>
+              <a:buFontTx/>
+              <a:buNone/>
+              <a:tabLst/>
+              <a:defRPr/>
+            </a:pPr>
+            <a:r>
+              <a:rPr lang="en-US" altLang="zh-CN" sz="1200" dirty="0" smtClean="0">
+                <a:latin typeface="微软雅黑" panose="020B0503020204020204" pitchFamily="34" charset="-122"/>
+                <a:ea typeface="微软雅黑" panose="020B0503020204020204" pitchFamily="34" charset="-122"/>
+              </a:rPr>
+              <a:t>1.</a:t>
+            </a:r>
+            <a:r>
+              <a:rPr lang="zh-CN" altLang="en-US" sz="1200" dirty="0" smtClean="0">
+                <a:latin typeface="微软雅黑" panose="020B0503020204020204" pitchFamily="34" charset="-122"/>
+                <a:ea typeface="微软雅黑" panose="020B0503020204020204" pitchFamily="34" charset="-122"/>
+              </a:rPr>
+              <a:t>由</a:t>
+            </a:r>
+            <a:r>
+              <a:rPr lang="en-US" altLang="zh-CN" sz="1200" dirty="0" smtClean="0">
+                <a:latin typeface="微软雅黑" panose="020B0503020204020204" pitchFamily="34" charset="-122"/>
+                <a:ea typeface="微软雅黑" panose="020B0503020204020204" pitchFamily="34" charset="-122"/>
+              </a:rPr>
+              <a:t>product</a:t>
+            </a:r>
+            <a:r>
+              <a:rPr lang="en-US" altLang="zh-CN" sz="1200" baseline="0" dirty="0" smtClean="0">
+                <a:latin typeface="微软雅黑" panose="020B0503020204020204" pitchFamily="34" charset="-122"/>
+                <a:ea typeface="微软雅黑" panose="020B0503020204020204" pitchFamily="34" charset="-122"/>
+              </a:rPr>
+              <a:t> owner </a:t>
+            </a:r>
+            <a:r>
+              <a:rPr lang="zh-CN" altLang="en-US" sz="1200" baseline="0" dirty="0" smtClean="0">
+                <a:latin typeface="微软雅黑" panose="020B0503020204020204" pitchFamily="34" charset="-122"/>
+                <a:ea typeface="微软雅黑" panose="020B0503020204020204" pitchFamily="34" charset="-122"/>
+              </a:rPr>
+              <a:t>邀请一些利益相关者。</a:t>
+            </a:r>
+            <a:endParaRPr lang="en-US" altLang="zh-CN" sz="1200" dirty="0" smtClean="0">
+              <a:latin typeface="微软雅黑" panose="020B0503020204020204" pitchFamily="34" charset="-122"/>
+              <a:ea typeface="微软雅黑" panose="020B0503020204020204" pitchFamily="34" charset="-122"/>
+            </a:endParaRPr>
+          </a:p>
+          <a:p>
+            <a:pPr marL="0" marR="0" indent="0" algn="l" defTabSz="914400" rtl="0" eaLnBrk="0" fontAlgn="base" latinLnBrk="0" hangingPunct="0">
+              <a:lnSpc>
+                <a:spcPct val="100000"/>
+              </a:lnSpc>
+              <a:spcBef>
+                <a:spcPct val="30000"/>
+              </a:spcBef>
+              <a:spcAft>
+                <a:spcPct val="0"/>
+              </a:spcAft>
+              <a:buClrTx/>
+              <a:buSzTx/>
+              <a:buFontTx/>
+              <a:buNone/>
+              <a:tabLst/>
+              <a:defRPr/>
+            </a:pPr>
+            <a:r>
+              <a:rPr lang="en-US" altLang="zh-CN" sz="1200" dirty="0" smtClean="0">
+                <a:latin typeface="微软雅黑" panose="020B0503020204020204" pitchFamily="34" charset="-122"/>
+                <a:ea typeface="微软雅黑" panose="020B0503020204020204" pitchFamily="34" charset="-122"/>
+              </a:rPr>
+              <a:t>1.</a:t>
+            </a:r>
+            <a:r>
+              <a:rPr lang="zh-CN" altLang="en-US" sz="1200" dirty="0" smtClean="0">
+                <a:latin typeface="微软雅黑" panose="020B0503020204020204" pitchFamily="34" charset="-122"/>
+                <a:ea typeface="微软雅黑" panose="020B0503020204020204" pitchFamily="34" charset="-122"/>
+              </a:rPr>
+              <a:t>确定哪些工作完成了，哪些工作没有完成</a:t>
+            </a:r>
+            <a:endParaRPr lang="en-US" altLang="zh-CN" sz="1200" dirty="0" smtClean="0">
+              <a:latin typeface="微软雅黑" panose="020B0503020204020204" pitchFamily="34" charset="-122"/>
+              <a:ea typeface="微软雅黑" panose="020B0503020204020204" pitchFamily="34" charset="-122"/>
+            </a:endParaRPr>
+          </a:p>
+          <a:p>
+            <a:pPr marL="0" marR="0" indent="0" algn="l" defTabSz="914400" rtl="0" eaLnBrk="0" fontAlgn="base" latinLnBrk="0" hangingPunct="0">
+              <a:lnSpc>
+                <a:spcPct val="100000"/>
+              </a:lnSpc>
+              <a:spcBef>
+                <a:spcPct val="30000"/>
+              </a:spcBef>
+              <a:spcAft>
+                <a:spcPct val="0"/>
+              </a:spcAft>
+              <a:buClrTx/>
+              <a:buSzTx/>
+              <a:buFontTx/>
+              <a:buNone/>
+              <a:tabLst/>
+              <a:defRPr/>
+            </a:pPr>
+            <a:endParaRPr lang="en-US" altLang="zh-CN" sz="1200" baseline="0" dirty="0" smtClean="0">
+              <a:latin typeface="+mn-lt"/>
+              <a:ea typeface="宋体" pitchFamily="2" charset="-122"/>
+            </a:endParaRPr>
+          </a:p>
+          <a:p>
+            <a:pPr marL="0" indent="0">
+              <a:buFont typeface="Wingdings" panose="05000000000000000000" pitchFamily="2" charset="2"/>
+              <a:buNone/>
+            </a:pPr>
+            <a:r>
+              <a:rPr lang="en-US" altLang="zh-CN" sz="1200" b="1" dirty="0" smtClean="0">
+                <a:latin typeface="微软雅黑" panose="020B0503020204020204" pitchFamily="34" charset="-122"/>
+                <a:ea typeface="微软雅黑" panose="020B0503020204020204" pitchFamily="34" charset="-122"/>
+              </a:rPr>
+              <a:t>Daily Meeting</a:t>
+            </a:r>
+            <a:r>
+              <a:rPr lang="zh-CN" altLang="en-US" sz="1200" b="1" dirty="0" smtClean="0">
+                <a:latin typeface="微软雅黑" panose="020B0503020204020204" pitchFamily="34" charset="-122"/>
+                <a:ea typeface="微软雅黑" panose="020B0503020204020204" pitchFamily="34" charset="-122"/>
+              </a:rPr>
+              <a:t>（回顾会议）</a:t>
+            </a:r>
+            <a:endParaRPr lang="en-US" altLang="zh-CN" sz="1200" b="1" dirty="0" smtClean="0">
+              <a:latin typeface="微软雅黑" panose="020B0503020204020204" pitchFamily="34" charset="-122"/>
+              <a:ea typeface="微软雅黑" panose="020B0503020204020204" pitchFamily="34" charset="-122"/>
+            </a:endParaRPr>
+          </a:p>
+          <a:p>
+            <a:r>
+              <a:rPr lang="zh-CN" altLang="en-US" sz="1200" dirty="0" smtClean="0">
+                <a:latin typeface="微软雅黑" panose="020B0503020204020204" pitchFamily="34" charset="-122"/>
+                <a:ea typeface="微软雅黑" panose="020B0503020204020204" pitchFamily="34" charset="-122"/>
+              </a:rPr>
+              <a:t>检验前一个</a:t>
+            </a:r>
+            <a:r>
+              <a:rPr lang="en-US" altLang="zh-CN" sz="1200" dirty="0" smtClean="0">
+                <a:latin typeface="微软雅黑" panose="020B0503020204020204" pitchFamily="34" charset="-122"/>
+                <a:ea typeface="微软雅黑" panose="020B0503020204020204" pitchFamily="34" charset="-122"/>
+              </a:rPr>
+              <a:t>sprint</a:t>
+            </a:r>
+            <a:r>
+              <a:rPr lang="en-US" altLang="zh-CN" sz="1200" baseline="0" dirty="0" smtClean="0">
+                <a:latin typeface="微软雅黑" panose="020B0503020204020204" pitchFamily="34" charset="-122"/>
+                <a:ea typeface="微软雅黑" panose="020B0503020204020204" pitchFamily="34" charset="-122"/>
+              </a:rPr>
+              <a:t> </a:t>
+            </a:r>
+            <a:r>
+              <a:rPr lang="zh-CN" altLang="en-US" sz="1200" baseline="0" dirty="0" smtClean="0">
+                <a:latin typeface="微软雅黑" panose="020B0503020204020204" pitchFamily="34" charset="-122"/>
+                <a:ea typeface="微软雅黑" panose="020B0503020204020204" pitchFamily="34" charset="-122"/>
+              </a:rPr>
+              <a:t>人，关系，过程</a:t>
+            </a:r>
+            <a:endParaRPr lang="en-US" altLang="zh-CN" sz="1200" dirty="0" smtClean="0">
+              <a:latin typeface="微软雅黑" panose="020B0503020204020204" pitchFamily="34" charset="-122"/>
+              <a:ea typeface="微软雅黑" panose="020B0503020204020204" pitchFamily="34" charset="-122"/>
+            </a:endParaRPr>
+          </a:p>
+          <a:p>
+            <a:pPr marL="0" marR="0" indent="0" algn="l" defTabSz="914400" rtl="0" eaLnBrk="0" fontAlgn="base" latinLnBrk="0" hangingPunct="0">
+              <a:lnSpc>
+                <a:spcPct val="100000"/>
+              </a:lnSpc>
+              <a:spcBef>
+                <a:spcPct val="30000"/>
+              </a:spcBef>
+              <a:spcAft>
+                <a:spcPct val="0"/>
+              </a:spcAft>
+              <a:buClrTx/>
+              <a:buSzTx/>
+              <a:buFontTx/>
+              <a:buNone/>
+              <a:tabLst/>
+              <a:defRPr/>
+            </a:pPr>
+            <a:endParaRPr lang="en-US" altLang="zh-CN" sz="1200" baseline="0" dirty="0" smtClean="0">
+              <a:latin typeface="+mn-lt"/>
+              <a:ea typeface="宋体" pitchFamily="2" charset="-122"/>
+            </a:endParaRPr>
+          </a:p>
+        </p:txBody>
+      </p:sp>
+    </p:spTree>
+    <p:extLst>
+      <p:ext uri="{BB962C8B-B14F-4D97-AF65-F5344CB8AC3E}">
+        <p14:creationId xmlns:p14="http://schemas.microsoft.com/office/powerpoint/2010/main" val="3961045542"/>
+      </p:ext>
+    </p:extLst>
+  </p:cSld>
+  <p:clrMapOvr>
+    <a:masterClrMapping/>
+  </p:clrMapOvr>
+</p:notes>
+</file>
+
+<file path=ppt/notesSlides/notesSlide14.xml><?xml version="1.0" encoding="utf-8"?>
+<p:notes xmlns:a="http://schemas.openxmlformats.org/drawingml/2006/main" xmlns:r="http://schemas.openxmlformats.org/officeDocument/2006/relationships" xmlns:p="http://schemas.openxmlformats.org/presentationml/2006/main">
+  <p:cSld>
+    <p:spTree>
+      <p:nvGrpSpPr>
+        <p:cNvPr id="1" name=""/>
+        <p:cNvGrpSpPr/>
+        <p:nvPr/>
+      </p:nvGrpSpPr>
+      <p:grpSpPr>
+        <a:xfrm>
+          <a:off x="0" y="0"/>
+          <a:ext cx="0" cy="0"/>
+          <a:chOff x="0" y="0"/>
+          <a:chExt cx="0" cy="0"/>
+        </a:xfrm>
+      </p:grpSpPr>
+      <p:sp>
+        <p:nvSpPr>
+          <p:cNvPr id="2" name="幻灯片图像占位符 1"/>
+          <p:cNvSpPr>
+            <a:spLocks noGrp="1" noRot="1" noChangeAspect="1"/>
+          </p:cNvSpPr>
+          <p:nvPr>
+            <p:ph type="sldImg"/>
+          </p:nvPr>
+        </p:nvSpPr>
+        <p:spPr/>
+      </p:sp>
+      <p:sp>
+        <p:nvSpPr>
+          <p:cNvPr id="3" name="备注占位符 2"/>
+          <p:cNvSpPr>
+            <a:spLocks noGrp="1"/>
+          </p:cNvSpPr>
+          <p:nvPr>
+            <p:ph type="body" idx="1"/>
+          </p:nvPr>
+        </p:nvSpPr>
+        <p:spPr/>
+        <p:txBody>
+          <a:bodyPr/>
+          <a:lstStyle/>
+          <a:p>
+            <a:endParaRPr lang="en-US" altLang="zh-CN" dirty="0" smtClean="0"/>
+          </a:p>
+          <a:p>
+            <a:pPr marL="0" marR="0" indent="0" algn="l" defTabSz="914400" rtl="0" eaLnBrk="0" fontAlgn="base" latinLnBrk="0" hangingPunct="0">
+              <a:lnSpc>
+                <a:spcPct val="100000"/>
+              </a:lnSpc>
+              <a:spcBef>
+                <a:spcPct val="30000"/>
+              </a:spcBef>
+              <a:spcAft>
+                <a:spcPct val="0"/>
+              </a:spcAft>
+              <a:buClrTx/>
+              <a:buSzTx/>
+              <a:buFontTx/>
+              <a:buNone/>
+              <a:tabLst/>
+              <a:defRPr/>
+            </a:pPr>
+            <a:r>
+              <a:rPr lang="en-US" altLang="zh-CN" sz="1200" b="1" dirty="0" smtClean="0">
+                <a:latin typeface="微软雅黑" panose="020B0503020204020204" pitchFamily="34" charset="-122"/>
+                <a:ea typeface="微软雅黑" panose="020B0503020204020204" pitchFamily="34" charset="-122"/>
+              </a:rPr>
+              <a:t>Scrum Master</a:t>
+            </a:r>
+            <a:r>
+              <a:rPr lang="zh-CN" altLang="en-US" sz="1200" b="1" dirty="0" smtClean="0">
+                <a:latin typeface="微软雅黑" panose="020B0503020204020204" pitchFamily="34" charset="-122"/>
+                <a:ea typeface="微软雅黑" panose="020B0503020204020204" pitchFamily="34" charset="-122"/>
+              </a:rPr>
+              <a:t>：教队员如何合理地使用技术，工具。而非代替</a:t>
+            </a:r>
+            <a:endParaRPr lang="en-US" altLang="zh-CN" dirty="0" smtClean="0"/>
+          </a:p>
+          <a:p>
+            <a:r>
+              <a:rPr lang="en-US" altLang="zh-CN" dirty="0" smtClean="0"/>
+              <a:t>1.Scrum master</a:t>
+            </a:r>
+            <a:r>
+              <a:rPr lang="zh-CN" altLang="en-US" dirty="0" smtClean="0"/>
+              <a:t>作为</a:t>
+            </a:r>
+            <a:r>
+              <a:rPr lang="en-US" altLang="zh-CN" dirty="0" smtClean="0"/>
+              <a:t>team</a:t>
+            </a:r>
+            <a:r>
+              <a:rPr lang="zh-CN" altLang="en-US" dirty="0" smtClean="0"/>
+              <a:t>的精神领袖</a:t>
+            </a:r>
+            <a:r>
+              <a:rPr lang="zh-CN" altLang="en-US" baseline="0" dirty="0" smtClean="0"/>
+              <a:t> 和</a:t>
+            </a:r>
+            <a:r>
+              <a:rPr lang="en-US" altLang="zh-CN" baseline="0" dirty="0" smtClean="0"/>
+              <a:t>product owner </a:t>
+            </a:r>
+            <a:r>
+              <a:rPr lang="zh-CN" altLang="en-US" baseline="0" dirty="0" smtClean="0"/>
+              <a:t>紧密工作在一起，他们可以及时为团队成员提供帮助。</a:t>
+            </a:r>
+            <a:endParaRPr lang="en-US" altLang="zh-CN" baseline="0" dirty="0" smtClean="0"/>
+          </a:p>
+          <a:p>
+            <a:r>
+              <a:rPr lang="en-US" altLang="zh-CN" baseline="0" dirty="0" smtClean="0"/>
+              <a:t>2.</a:t>
+            </a:r>
+            <a:r>
+              <a:rPr lang="zh-CN" altLang="en-US" baseline="0" dirty="0" smtClean="0"/>
+              <a:t>主持</a:t>
+            </a:r>
+            <a:r>
+              <a:rPr lang="en-US" altLang="zh-CN" baseline="0" dirty="0" smtClean="0"/>
+              <a:t>scrum </a:t>
+            </a:r>
+            <a:r>
+              <a:rPr lang="zh-CN" altLang="en-US" baseline="0" dirty="0" smtClean="0"/>
+              <a:t>三个会议</a:t>
+            </a:r>
+            <a:endParaRPr lang="en-US" altLang="zh-CN" baseline="0" dirty="0" smtClean="0"/>
+          </a:p>
+          <a:p>
+            <a:r>
+              <a:rPr lang="en-US" altLang="zh-CN" baseline="0" dirty="0" smtClean="0"/>
+              <a:t>3.</a:t>
+            </a:r>
+            <a:r>
+              <a:rPr lang="zh-CN" altLang="en-US" baseline="0" dirty="0" smtClean="0"/>
+              <a:t>需要关注</a:t>
+            </a:r>
+            <a:r>
+              <a:rPr lang="en-US" altLang="zh-CN" baseline="0" dirty="0" smtClean="0"/>
+              <a:t>scrum</a:t>
+            </a:r>
+            <a:r>
+              <a:rPr lang="zh-CN" altLang="en-US" baseline="0" dirty="0" smtClean="0"/>
+              <a:t>，哪些任务开始了，哪些完成了，哪些发生了变化。 </a:t>
+            </a:r>
+            <a:endParaRPr lang="en-US" altLang="zh-CN" baseline="0" dirty="0" smtClean="0"/>
+          </a:p>
+          <a:p>
+            <a:r>
+              <a:rPr lang="en-US" altLang="zh-CN" baseline="0" dirty="0" smtClean="0"/>
+              <a:t>4.Burn down</a:t>
+            </a:r>
+            <a:r>
+              <a:rPr lang="zh-CN" altLang="en-US" baseline="0" dirty="0" smtClean="0"/>
+              <a:t>图需要</a:t>
+            </a:r>
+            <a:r>
+              <a:rPr lang="en-US" altLang="zh-CN" baseline="0" dirty="0" smtClean="0"/>
+              <a:t>master </a:t>
+            </a:r>
+          </a:p>
+          <a:p>
+            <a:r>
+              <a:rPr lang="en-US" altLang="zh-CN" baseline="0" dirty="0" smtClean="0"/>
+              <a:t>5.</a:t>
+            </a:r>
+            <a:r>
+              <a:rPr lang="zh-CN" altLang="en-US" baseline="0" dirty="0" smtClean="0"/>
+              <a:t>建立团队良好的机制（沟通，协作等等）</a:t>
+            </a:r>
+            <a:endParaRPr lang="en-US" altLang="zh-CN" baseline="0" dirty="0" smtClean="0"/>
+          </a:p>
+          <a:p>
+            <a:endParaRPr lang="en-US" altLang="zh-CN" dirty="0" smtClean="0"/>
+          </a:p>
+          <a:p>
+            <a:endParaRPr lang="en-US" altLang="zh-CN" dirty="0" smtClean="0"/>
+          </a:p>
+          <a:p>
+            <a:r>
+              <a:rPr lang="en-US" altLang="zh-CN" b="1" dirty="0" smtClean="0"/>
+              <a:t>Scrum Team</a:t>
+            </a:r>
+          </a:p>
+          <a:p>
+            <a:r>
+              <a:rPr lang="zh-CN" altLang="en-US" baseline="0" dirty="0" smtClean="0"/>
+              <a:t>自律</a:t>
+            </a:r>
+            <a:endParaRPr lang="zh-CN" altLang="en-US" b="1" dirty="0"/>
+          </a:p>
+        </p:txBody>
+      </p:sp>
+    </p:spTree>
+    <p:extLst>
+      <p:ext uri="{BB962C8B-B14F-4D97-AF65-F5344CB8AC3E}">
+        <p14:creationId xmlns:p14="http://schemas.microsoft.com/office/powerpoint/2010/main" val="3189190967"/>
+      </p:ext>
+    </p:extLst>
+  </p:cSld>
+  <p:clrMapOvr>
+    <a:masterClrMapping/>
+  </p:clrMapOvr>
+</p:notes>
+</file>
+
+<file path=ppt/notesSlides/notesSlide15.xml><?xml version="1.0" encoding="utf-8"?>
+<p:notes xmlns:a="http://schemas.openxmlformats.org/drawingml/2006/main" xmlns:r="http://schemas.openxmlformats.org/officeDocument/2006/relationships" xmlns:p="http://schemas.openxmlformats.org/presentationml/2006/main">
+  <p:cSld>
+    <p:spTree>
+      <p:nvGrpSpPr>
+        <p:cNvPr id="1" name=""/>
+        <p:cNvGrpSpPr/>
+        <p:nvPr/>
+      </p:nvGrpSpPr>
+      <p:grpSpPr>
+        <a:xfrm>
+          <a:off x="0" y="0"/>
+          <a:ext cx="0" cy="0"/>
+          <a:chOff x="0" y="0"/>
+          <a:chExt cx="0" cy="0"/>
+        </a:xfrm>
+      </p:grpSpPr>
+      <p:sp>
+        <p:nvSpPr>
+          <p:cNvPr id="2" name="幻灯片图像占位符 1"/>
+          <p:cNvSpPr>
+            <a:spLocks noGrp="1" noRot="1" noChangeAspect="1"/>
+          </p:cNvSpPr>
+          <p:nvPr>
+            <p:ph type="sldImg"/>
+          </p:nvPr>
+        </p:nvSpPr>
+        <p:spPr/>
+      </p:sp>
+      <p:sp>
+        <p:nvSpPr>
+          <p:cNvPr id="3" name="备注占位符 2"/>
+          <p:cNvSpPr>
+            <a:spLocks noGrp="1"/>
+          </p:cNvSpPr>
+          <p:nvPr>
+            <p:ph type="body" idx="1"/>
+          </p:nvPr>
+        </p:nvSpPr>
+        <p:spPr/>
+        <p:txBody>
+          <a:bodyPr/>
+          <a:lstStyle/>
+          <a:p>
+            <a:r>
               <a:rPr lang="zh-CN" altLang="en-US" dirty="0" smtClean="0"/>
               <a:t>不断完善，不断改进</a:t>
             </a:r>
@@ -10936,6 +11371,20 @@
             </a:r>
           </a:p>
           <a:p>
+            <a:endParaRPr lang="en-US" altLang="zh-CN" dirty="0" smtClean="0"/>
+          </a:p>
+          <a:p>
+            <a:endParaRPr lang="en-US" altLang="zh-CN" dirty="0" smtClean="0"/>
+          </a:p>
+          <a:p>
+            <a:r>
+              <a:rPr lang="zh-CN" altLang="en-US" dirty="0" smtClean="0"/>
+              <a:t>敏捷是</a:t>
+            </a:r>
+            <a:r>
+              <a:rPr lang="zh-CN" altLang="en-US" smtClean="0"/>
+              <a:t>一种</a:t>
+            </a:r>
             <a:endParaRPr lang="en-US" altLang="zh-CN" dirty="0" smtClean="0"/>
           </a:p>
         </p:txBody>
@@ -10953,7 +11402,151 @@
 </p:notes>
 </file>
 
-<file path=ppt/notesSlides/notesSlide13.xml><?xml version="1.0" encoding="utf-8"?>
+<file path=ppt/notesSlides/notesSlide16.xml><?xml version="1.0" encoding="utf-8"?>
+<p:notes xmlns:a="http://schemas.openxmlformats.org/drawingml/2006/main" xmlns:r="http://schemas.openxmlformats.org/officeDocument/2006/relationships" xmlns:p="http://schemas.openxmlformats.org/presentationml/2006/main">
+  <p:cSld>
+    <p:spTree>
+      <p:nvGrpSpPr>
+        <p:cNvPr id="1" name=""/>
+        <p:cNvGrpSpPr/>
+        <p:nvPr/>
+      </p:nvGrpSpPr>
+      <p:grpSpPr>
+        <a:xfrm>
+          <a:off x="0" y="0"/>
+          <a:ext cx="0" cy="0"/>
+          <a:chOff x="0" y="0"/>
+          <a:chExt cx="0" cy="0"/>
+        </a:xfrm>
+      </p:grpSpPr>
+      <p:sp>
+        <p:nvSpPr>
+          <p:cNvPr id="2" name="幻灯片图像占位符 1"/>
+          <p:cNvSpPr>
+            <a:spLocks noGrp="1" noRot="1" noChangeAspect="1"/>
+          </p:cNvSpPr>
+          <p:nvPr>
+            <p:ph type="sldImg"/>
+          </p:nvPr>
+        </p:nvSpPr>
+        <p:spPr/>
+      </p:sp>
+      <p:sp>
+        <p:nvSpPr>
+          <p:cNvPr id="3" name="备注占位符 2"/>
+          <p:cNvSpPr>
+            <a:spLocks noGrp="1"/>
+          </p:cNvSpPr>
+          <p:nvPr>
+            <p:ph type="body" idx="1"/>
+          </p:nvPr>
+        </p:nvSpPr>
+        <p:spPr/>
+        <p:txBody>
+          <a:bodyPr/>
+          <a:lstStyle/>
+          <a:p>
+            <a:r>
+              <a:rPr lang="zh-CN" altLang="en-US" dirty="0" smtClean="0"/>
+              <a:t>不断完善，不断改进</a:t>
+            </a:r>
+            <a:endParaRPr lang="en-US" altLang="zh-CN" dirty="0" smtClean="0"/>
+          </a:p>
+          <a:p>
+            <a:endParaRPr lang="en-US" altLang="zh-CN" dirty="0" smtClean="0"/>
+          </a:p>
+          <a:p>
+            <a:r>
+              <a:rPr lang="en-US" altLang="zh-CN" dirty="0" smtClean="0"/>
+              <a:t>1.</a:t>
+            </a:r>
+            <a:r>
+              <a:rPr lang="zh-CN" altLang="en-US" dirty="0" smtClean="0"/>
+              <a:t>在迭代过程中，</a:t>
+            </a:r>
+            <a:r>
+              <a:rPr lang="en-US" altLang="zh-CN" dirty="0" smtClean="0"/>
+              <a:t>scrum</a:t>
+            </a:r>
+            <a:r>
+              <a:rPr lang="zh-CN" altLang="en-US" baseline="0" dirty="0" smtClean="0"/>
+              <a:t> </a:t>
+            </a:r>
+            <a:r>
+              <a:rPr lang="en-US" altLang="zh-CN" baseline="0" dirty="0" smtClean="0"/>
+              <a:t>team </a:t>
+            </a:r>
+            <a:r>
+              <a:rPr lang="zh-CN" altLang="en-US" baseline="0" dirty="0" smtClean="0"/>
+              <a:t>一直是核心。（没有领导，</a:t>
+            </a:r>
+            <a:r>
+              <a:rPr lang="en-US" altLang="zh-CN" baseline="0" dirty="0" smtClean="0"/>
+              <a:t>PO</a:t>
+            </a:r>
+            <a:r>
+              <a:rPr lang="zh-CN" altLang="en-US" baseline="0" dirty="0" smtClean="0"/>
+              <a:t>也不会关注的太细）</a:t>
+            </a:r>
+            <a:endParaRPr lang="en-US" altLang="zh-CN" dirty="0" smtClean="0"/>
+          </a:p>
+          <a:p>
+            <a:r>
+              <a:rPr lang="en-US" altLang="zh-CN" dirty="0" smtClean="0"/>
+              <a:t>2.Scrum</a:t>
+            </a:r>
+            <a:r>
+              <a:rPr lang="en-US" altLang="zh-CN" baseline="0" dirty="0" smtClean="0"/>
+              <a:t> master </a:t>
+            </a:r>
+            <a:r>
+              <a:rPr lang="zh-CN" altLang="en-US" baseline="0" dirty="0" smtClean="0"/>
+              <a:t>游离在外，又时时刻刻关注着</a:t>
+            </a:r>
+            <a:r>
+              <a:rPr lang="en-US" altLang="zh-CN" baseline="0" dirty="0" smtClean="0"/>
+              <a:t>scrum</a:t>
+            </a:r>
+          </a:p>
+          <a:p>
+            <a:r>
+              <a:rPr lang="en-US" altLang="zh-CN" baseline="0" dirty="0" smtClean="0"/>
+              <a:t>3.</a:t>
+            </a:r>
+          </a:p>
+          <a:p>
+            <a:endParaRPr lang="en-US" altLang="zh-CN" dirty="0" smtClean="0"/>
+          </a:p>
+          <a:p>
+            <a:endParaRPr lang="en-US" altLang="zh-CN" dirty="0" smtClean="0"/>
+          </a:p>
+          <a:p>
+            <a:r>
+              <a:rPr lang="zh-CN" altLang="en-US" dirty="0" smtClean="0"/>
+              <a:t>敏捷是</a:t>
+            </a:r>
+            <a:r>
+              <a:rPr lang="zh-CN" altLang="en-US" smtClean="0"/>
+              <a:t>一种</a:t>
+            </a:r>
+            <a:endParaRPr lang="en-US" altLang="zh-CN" dirty="0" smtClean="0"/>
+          </a:p>
+        </p:txBody>
+      </p:sp>
+    </p:spTree>
+    <p:extLst>
+      <p:ext uri="{BB962C8B-B14F-4D97-AF65-F5344CB8AC3E}">
+        <p14:creationId xmlns:p14="http://schemas.microsoft.com/office/powerpoint/2010/main" val="2669294562"/>
+      </p:ext>
+    </p:extLst>
+  </p:cSld>
+  <p:clrMapOvr>
+    <a:masterClrMapping/>
+  </p:clrMapOvr>
+</p:notes>
+</file>
+
+<file path=ppt/notesSlides/notesSlide17.xml><?xml version="1.0" encoding="utf-8"?>
 <p:notes xmlns:a="http://schemas.openxmlformats.org/drawingml/2006/main" xmlns:r="http://schemas.openxmlformats.org/officeDocument/2006/relationships" xmlns:p="http://schemas.openxmlformats.org/presentationml/2006/main">
   <p:cSld>
     <p:spTree>
@@ -11353,6 +11946,10 @@
           <a:bodyPr/>
           <a:lstStyle/>
           <a:p>
+            <a:r>
+              <a:rPr lang="zh-CN" altLang="en-US" dirty="0" smtClean="0"/>
+              <a:t>设计流程图</a:t>
+            </a:r>
             <a:endParaRPr lang="zh-CN" altLang="en-US" dirty="0"/>
           </a:p>
         </p:txBody>
@@ -11360,7 +11957,7 @@
     </p:spTree>
     <p:extLst>
       <p:ext uri="{BB962C8B-B14F-4D97-AF65-F5344CB8AC3E}">
-        <p14:creationId xmlns:p14="http://schemas.microsoft.com/office/powerpoint/2010/main" val="2634176535"/>
+        <p14:creationId xmlns:p14="http://schemas.microsoft.com/office/powerpoint/2010/main" val="3169414503"/>
       </p:ext>
     </p:extLst>
   </p:cSld>
@@ -11416,25 +12013,7 @@
           <a:p>
             <a:r>
               <a:rPr lang="zh-CN" altLang="en-US" dirty="0" smtClean="0"/>
-              <a:t>这是</a:t>
-            </a:r>
-            <a:r>
-              <a:rPr lang="en-US" altLang="zh-CN" dirty="0" smtClean="0"/>
-              <a:t>100</a:t>
-            </a:r>
-            <a:r>
-              <a:rPr lang="zh-CN" altLang="en-US" dirty="0" smtClean="0"/>
-              <a:t>年前的故事了，和互联网在当下的处境很像。</a:t>
-            </a:r>
-            <a:endParaRPr lang="en-US" altLang="zh-CN" dirty="0" smtClean="0"/>
-          </a:p>
-          <a:p>
-            <a:endParaRPr lang="en-US" altLang="zh-CN" dirty="0" smtClean="0"/>
-          </a:p>
-          <a:p>
-            <a:r>
-              <a:rPr lang="zh-CN" altLang="en-US" dirty="0" smtClean="0"/>
-              <a:t>这些模型，方法论，可以脱离软件，扩散到生活去</a:t>
+              <a:t>编码流程图</a:t>
             </a:r>
             <a:endParaRPr lang="zh-CN" altLang="en-US" dirty="0"/>
           </a:p>
@@ -11443,7 +12022,7 @@
     </p:spTree>
     <p:extLst>
       <p:ext uri="{BB962C8B-B14F-4D97-AF65-F5344CB8AC3E}">
-        <p14:creationId xmlns:p14="http://schemas.microsoft.com/office/powerpoint/2010/main" val="2634176535"/>
+        <p14:creationId xmlns:p14="http://schemas.microsoft.com/office/powerpoint/2010/main" val="3397358649"/>
       </p:ext>
     </p:extLst>
   </p:cSld>
@@ -11499,7 +12078,7 @@
           <a:p>
             <a:r>
               <a:rPr lang="zh-CN" altLang="en-US" dirty="0" smtClean="0"/>
-              <a:t>重视文档，需求说明书，设计书，测试书等等</a:t>
+              <a:t>测试流程图</a:t>
             </a:r>
             <a:endParaRPr lang="zh-CN" altLang="en-US" dirty="0"/>
           </a:p>
@@ -11508,7 +12087,7 @@
     </p:spTree>
     <p:extLst>
       <p:ext uri="{BB962C8B-B14F-4D97-AF65-F5344CB8AC3E}">
-        <p14:creationId xmlns:p14="http://schemas.microsoft.com/office/powerpoint/2010/main" val="2634176535"/>
+        <p14:creationId xmlns:p14="http://schemas.microsoft.com/office/powerpoint/2010/main" val="3397358649"/>
       </p:ext>
     </p:extLst>
   </p:cSld>
@@ -11625,7 +12204,15 @@
           <a:p>
             <a:r>
               <a:rPr lang="zh-CN" altLang="en-US" dirty="0" smtClean="0"/>
-              <a:t>之前将的是传统开发方法里的一种瀑布模型。</a:t>
+              <a:t>这是</a:t>
+            </a:r>
+            <a:r>
+              <a:rPr lang="en-US" altLang="zh-CN" dirty="0" smtClean="0"/>
+              <a:t>100</a:t>
+            </a:r>
+            <a:r>
+              <a:rPr lang="zh-CN" altLang="en-US" dirty="0" smtClean="0"/>
+              <a:t>年前的故事了，和互联网在当下的处境很像。</a:t>
             </a:r>
             <a:endParaRPr lang="en-US" altLang="zh-CN" dirty="0" smtClean="0"/>
           </a:p>
@@ -11635,49 +12222,9 @@
           <a:p>
             <a:r>
               <a:rPr lang="zh-CN" altLang="en-US" dirty="0" smtClean="0"/>
-              <a:t>敏捷思想是针对传统的开发方法，沉重的机器， 创新出来的一种思想。</a:t>
-            </a:r>
-            <a:endParaRPr lang="en-US" altLang="zh-CN" dirty="0" smtClean="0"/>
-          </a:p>
-          <a:p>
-            <a:endParaRPr lang="en-US" altLang="zh-CN" dirty="0" smtClean="0"/>
-          </a:p>
-          <a:p>
-            <a:r>
-              <a:rPr lang="zh-CN" altLang="en-US" dirty="0" smtClean="0"/>
-              <a:t>主张倡导</a:t>
-            </a:r>
-            <a:r>
-              <a:rPr lang="zh-CN" altLang="en-US" baseline="0" dirty="0" smtClean="0"/>
-              <a:t> 拥抱变化</a:t>
-            </a:r>
-            <a:r>
-              <a:rPr lang="en-US" altLang="zh-CN" baseline="0" dirty="0" smtClean="0"/>
-              <a:t>.</a:t>
-            </a:r>
-          </a:p>
-          <a:p>
-            <a:r>
-              <a:rPr lang="en-US" altLang="zh-CN" baseline="0" dirty="0" smtClean="0"/>
-              <a:t>===================================</a:t>
-            </a:r>
-          </a:p>
-          <a:p>
-            <a:r>
-              <a:rPr lang="zh-CN" altLang="en-US" dirty="0" smtClean="0"/>
-              <a:t>对人的要求会比较高。</a:t>
-            </a:r>
-            <a:endParaRPr lang="en-US" altLang="zh-CN" dirty="0" smtClean="0"/>
-          </a:p>
-          <a:p>
-            <a:r>
-              <a:rPr lang="zh-CN" altLang="en-US" dirty="0" smtClean="0"/>
-              <a:t>尽可能早的交付一个软件</a:t>
-            </a:r>
-            <a:endParaRPr lang="en-US" altLang="zh-CN" dirty="0" smtClean="0"/>
-          </a:p>
-          <a:p>
-            <a:endParaRPr lang="en-US" altLang="zh-CN" dirty="0" smtClean="0"/>
+              <a:t>这些模型，方法论，可以脱离软件，扩散到生活去</a:t>
+            </a:r>
+            <a:endParaRPr lang="zh-CN" altLang="en-US" dirty="0"/>
           </a:p>
         </p:txBody>
       </p:sp>
@@ -11739,52 +12286,10 @@
           <a:lstStyle/>
           <a:p>
             <a:r>
-              <a:rPr lang="en-US" altLang="zh-CN" dirty="0" smtClean="0"/>
-              <a:t>Scrum </a:t>
-            </a:r>
-            <a:r>
               <a:rPr lang="zh-CN" altLang="en-US" dirty="0" smtClean="0"/>
-              <a:t>实施的重点是团队领导和需求管理，强调对客户需求的快速反应以及团队的共同协作和自我管理。</a:t>
-            </a:r>
-          </a:p>
-          <a:p>
-            <a:endParaRPr lang="zh-CN" altLang="en-US" dirty="0" smtClean="0"/>
-          </a:p>
-          <a:p>
-            <a:r>
-              <a:rPr lang="en-US" altLang="zh-CN" dirty="0" smtClean="0"/>
-              <a:t>Scrum </a:t>
-            </a:r>
-            <a:r>
-              <a:rPr lang="zh-CN" altLang="en-US" dirty="0" smtClean="0"/>
-              <a:t>方法通过将整个开发过程划分为若干个固定时间长度的 </a:t>
-            </a:r>
-            <a:r>
-              <a:rPr lang="en-US" altLang="zh-CN" dirty="0" smtClean="0"/>
-              <a:t>Sprint</a:t>
-            </a:r>
-            <a:r>
-              <a:rPr lang="zh-CN" altLang="en-US" dirty="0" smtClean="0"/>
-              <a:t>，</a:t>
-            </a:r>
-          </a:p>
-          <a:p>
-            <a:endParaRPr lang="zh-CN" altLang="en-US" dirty="0" smtClean="0"/>
-          </a:p>
-          <a:p>
-            <a:r>
-              <a:rPr lang="zh-CN" altLang="en-US" dirty="0" smtClean="0"/>
-              <a:t>在每个 </a:t>
-            </a:r>
-            <a:r>
-              <a:rPr lang="en-US" altLang="zh-CN" dirty="0" smtClean="0"/>
-              <a:t>Sprint </a:t>
-            </a:r>
-            <a:r>
-              <a:rPr lang="zh-CN" altLang="en-US" dirty="0" smtClean="0"/>
-              <a:t>结束时得到一个可以执行并演示的产品的增量版本，来推动产品的不断演进，直到最终发布。 </a:t>
-            </a:r>
-            <a:endParaRPr lang="en-US" altLang="zh-CN" dirty="0" smtClean="0"/>
+              <a:t>重视文档，需求说明书，设计书，测试书等等</a:t>
+            </a:r>
+            <a:endParaRPr lang="zh-CN" altLang="en-US" dirty="0"/>
           </a:p>
         </p:txBody>
       </p:sp>
@@ -12004,7 +12509,7 @@
               <a:pPr>
                 <a:defRPr/>
               </a:pPr>
-              <a:t>2014/6/10</a:t>
+              <a:t>2014/6/11</a:t>
             </a:fld>
             <a:endParaRPr lang="en-US" altLang="zh-CN"/>
           </a:p>
@@ -12153,7 +12658,7 @@
               <a:pPr>
                 <a:defRPr/>
               </a:pPr>
-              <a:t>2014/6/10</a:t>
+              <a:t>2014/6/11</a:t>
             </a:fld>
             <a:endParaRPr lang="en-US" altLang="zh-CN"/>
           </a:p>
@@ -12373,7 +12878,7 @@
               <a:pPr>
                 <a:defRPr/>
               </a:pPr>
-              <a:t>2014/6/10</a:t>
+              <a:t>2014/6/11</a:t>
             </a:fld>
             <a:endParaRPr lang="en-US" altLang="zh-CN"/>
           </a:p>
@@ -12635,7 +13140,7 @@
               <a:pPr>
                 <a:defRPr/>
               </a:pPr>
-              <a:t>2014/6/10</a:t>
+              <a:t>2014/6/11</a:t>
             </a:fld>
             <a:endParaRPr lang="en-US" altLang="zh-CN"/>
           </a:p>
@@ -13031,7 +13536,7 @@
               <a:pPr>
                 <a:defRPr/>
               </a:pPr>
-              <a:t>2014/6/10</a:t>
+              <a:t>2014/6/11</a:t>
             </a:fld>
             <a:endParaRPr lang="en-US" altLang="zh-CN"/>
           </a:p>
@@ -13104,7 +13609,7 @@
               <a:pPr>
                 <a:defRPr/>
               </a:pPr>
-              <a:t>2014/6/10</a:t>
+              <a:t>2014/6/11</a:t>
             </a:fld>
             <a:endParaRPr lang="en-US" altLang="zh-CN"/>
           </a:p>
@@ -13355,7 +13860,7 @@
               <a:pPr>
                 <a:defRPr/>
               </a:pPr>
-              <a:t>2014/6/10</a:t>
+              <a:t>2014/6/11</a:t>
             </a:fld>
             <a:endParaRPr lang="en-US" altLang="zh-CN"/>
           </a:p>
@@ -13585,7 +14090,7 @@
               <a:pPr>
                 <a:defRPr/>
               </a:pPr>
-              <a:t>2014/6/10</a:t>
+              <a:t>2014/6/11</a:t>
             </a:fld>
             <a:endParaRPr lang="en-US" altLang="zh-CN"/>
           </a:p>
@@ -13822,7 +14327,7 @@
               <a:pPr>
                 <a:defRPr/>
               </a:pPr>
-              <a:t>2014/6/10</a:t>
+              <a:t>2014/6/11</a:t>
             </a:fld>
             <a:endParaRPr lang="en-US" altLang="zh-CN"/>
           </a:p>
@@ -14260,6 +14765,2311 @@
       </p:grpSpPr>
       <p:sp>
         <p:nvSpPr>
+          <p:cNvPr id="5" name="标题 1"/>
+          <p:cNvSpPr>
+            <a:spLocks noGrp="1"/>
+          </p:cNvSpPr>
+          <p:nvPr>
+            <p:ph type="title"/>
+          </p:nvPr>
+        </p:nvSpPr>
+        <p:spPr>
+          <a:xfrm>
+            <a:off x="457200" y="274638"/>
+            <a:ext cx="8229600" cy="715962"/>
+          </a:xfrm>
+        </p:spPr>
+        <p:txBody>
+          <a:bodyPr/>
+          <a:lstStyle/>
+          <a:p>
+            <a:r>
+              <a:rPr lang="zh-CN" altLang="en-US" sz="3600" dirty="0" smtClean="0">
+                <a:solidFill>
+                  <a:srgbClr val="E46C0A"/>
+                </a:solidFill>
+                <a:latin typeface="微软雅黑" panose="020B0503020204020204" pitchFamily="34" charset="-122"/>
+                <a:ea typeface="微软雅黑" panose="020B0503020204020204" pitchFamily="34" charset="-122"/>
+              </a:rPr>
+              <a:t>首页</a:t>
+            </a:r>
+            <a:endParaRPr lang="zh-CN" altLang="en-US" sz="3600" dirty="0">
+              <a:solidFill>
+                <a:srgbClr val="E46C0A"/>
+              </a:solidFill>
+              <a:latin typeface="微软雅黑" panose="020B0503020204020204" pitchFamily="34" charset="-122"/>
+              <a:ea typeface="微软雅黑" panose="020B0503020204020204" pitchFamily="34" charset="-122"/>
+            </a:endParaRPr>
+          </a:p>
+        </p:txBody>
+      </p:sp>
+    </p:spTree>
+    <p:extLst>
+      <p:ext uri="{BB962C8B-B14F-4D97-AF65-F5344CB8AC3E}">
+        <p14:creationId xmlns:p14="http://schemas.microsoft.com/office/powerpoint/2010/main" val="2913046131"/>
+      </p:ext>
+    </p:extLst>
+  </p:cSld>
+  <p:clrMapOvr>
+    <a:masterClrMapping/>
+  </p:clrMapOvr>
+  <p:transition/>
+  <p:timing>
+    <p:tnLst>
+      <p:par>
+        <p:cTn id="1" dur="indefinite" restart="never" nodeType="tmRoot"/>
+      </p:par>
+    </p:tnLst>
+  </p:timing>
+</p:sld>
+</file>
+
+<file path=ppt/slides/slide10.xml><?xml version="1.0" encoding="utf-8"?>
+<p:sld xmlns:a="http://schemas.openxmlformats.org/drawingml/2006/main" xmlns:r="http://schemas.openxmlformats.org/officeDocument/2006/relationships" xmlns:p="http://schemas.openxmlformats.org/presentationml/2006/main">
+  <p:cSld>
+    <p:spTree>
+      <p:nvGrpSpPr>
+        <p:cNvPr id="1" name=""/>
+        <p:cNvGrpSpPr/>
+        <p:nvPr/>
+      </p:nvGrpSpPr>
+      <p:grpSpPr>
+        <a:xfrm>
+          <a:off x="0" y="0"/>
+          <a:ext cx="0" cy="0"/>
+          <a:chOff x="0" y="0"/>
+          <a:chExt cx="0" cy="0"/>
+        </a:xfrm>
+      </p:grpSpPr>
+      <p:sp>
+        <p:nvSpPr>
+          <p:cNvPr id="3" name="标题 1"/>
+          <p:cNvSpPr>
+            <a:spLocks noGrp="1"/>
+          </p:cNvSpPr>
+          <p:nvPr>
+            <p:ph type="title"/>
+          </p:nvPr>
+        </p:nvSpPr>
+        <p:spPr>
+          <a:xfrm>
+            <a:off x="457200" y="274638"/>
+            <a:ext cx="8229600" cy="715962"/>
+          </a:xfrm>
+        </p:spPr>
+        <p:txBody>
+          <a:bodyPr/>
+          <a:lstStyle/>
+          <a:p>
+            <a:r>
+              <a:rPr lang="zh-CN" altLang="en-US" sz="3600" dirty="0" smtClean="0">
+                <a:solidFill>
+                  <a:srgbClr val="E46C0A"/>
+                </a:solidFill>
+                <a:latin typeface="微软雅黑" panose="020B0503020204020204" pitchFamily="34" charset="-122"/>
+                <a:ea typeface="微软雅黑" panose="020B0503020204020204" pitchFamily="34" charset="-122"/>
+              </a:rPr>
+              <a:t>总结</a:t>
+            </a:r>
+            <a:endParaRPr lang="zh-CN" altLang="en-US" sz="3600" dirty="0">
+              <a:solidFill>
+                <a:srgbClr val="E46C0A"/>
+              </a:solidFill>
+              <a:latin typeface="微软雅黑" panose="020B0503020204020204" pitchFamily="34" charset="-122"/>
+              <a:ea typeface="微软雅黑" panose="020B0503020204020204" pitchFamily="34" charset="-122"/>
+            </a:endParaRPr>
+          </a:p>
+        </p:txBody>
+      </p:sp>
+      <p:graphicFrame>
+        <p:nvGraphicFramePr>
+          <p:cNvPr id="2" name="表格 1"/>
+          <p:cNvGraphicFramePr>
+            <a:graphicFrameLocks noGrp="1"/>
+          </p:cNvGraphicFramePr>
+          <p:nvPr>
+            <p:extLst>
+              <p:ext uri="{D42A27DB-BD31-4B8C-83A1-F6EECF244321}">
+                <p14:modId xmlns:p14="http://schemas.microsoft.com/office/powerpoint/2010/main" val="940138828"/>
+              </p:ext>
+            </p:extLst>
+          </p:nvPr>
+        </p:nvGraphicFramePr>
+        <p:xfrm>
+          <a:off x="152400" y="1415627"/>
+          <a:ext cx="8686800" cy="2834640"/>
+        </p:xfrm>
+        <a:graphic>
+          <a:graphicData uri="http://schemas.openxmlformats.org/drawingml/2006/table">
+            <a:tbl>
+              <a:tblPr firstRow="1" bandRow="1">
+                <a:tableStyleId>{5C22544A-7EE6-4342-B048-85BDC9FD1C3A}</a:tableStyleId>
+              </a:tblPr>
+              <a:tblGrid>
+                <a:gridCol w="2057400"/>
+                <a:gridCol w="3402874"/>
+                <a:gridCol w="3226526"/>
+              </a:tblGrid>
+              <a:tr h="0">
+                <a:tc>
+                  <a:txBody>
+                    <a:bodyPr/>
+                    <a:lstStyle/>
+                    <a:p>
+                      <a:pPr algn="ctr"/>
+                      <a:r>
+                        <a:rPr lang="zh-CN" altLang="en-US" dirty="0" smtClean="0"/>
+                        <a:t>特点</a:t>
+                      </a:r>
+                      <a:endParaRPr lang="zh-CN" altLang="en-US" dirty="0"/>
+                    </a:p>
+                  </a:txBody>
+                  <a:tcPr/>
+                </a:tc>
+                <a:tc>
+                  <a:txBody>
+                    <a:bodyPr/>
+                    <a:lstStyle/>
+                    <a:p>
+                      <a:pPr algn="ctr"/>
+                      <a:r>
+                        <a:rPr lang="zh-CN" altLang="en-US" dirty="0" smtClean="0"/>
+                        <a:t>优点</a:t>
+                      </a:r>
+                      <a:endParaRPr lang="zh-CN" altLang="en-US" dirty="0"/>
+                    </a:p>
+                  </a:txBody>
+                  <a:tcPr/>
+                </a:tc>
+                <a:tc>
+                  <a:txBody>
+                    <a:bodyPr/>
+                    <a:lstStyle/>
+                    <a:p>
+                      <a:pPr algn="ctr"/>
+                      <a:r>
+                        <a:rPr lang="zh-CN" altLang="en-US" dirty="0" smtClean="0"/>
+                        <a:t>不足</a:t>
+                      </a:r>
+                      <a:endParaRPr lang="zh-CN" altLang="en-US" dirty="0"/>
+                    </a:p>
+                  </a:txBody>
+                  <a:tcPr/>
+                </a:tc>
+              </a:tr>
+              <a:tr h="465667">
+                <a:tc>
+                  <a:txBody>
+                    <a:bodyPr/>
+                    <a:lstStyle/>
+                    <a:p>
+                      <a:r>
+                        <a:rPr lang="zh-CN" altLang="en-US" dirty="0" smtClean="0"/>
+                        <a:t>重视文档</a:t>
+                      </a:r>
+                      <a:endParaRPr lang="zh-CN" altLang="en-US" dirty="0"/>
+                    </a:p>
+                  </a:txBody>
+                  <a:tcPr/>
+                </a:tc>
+                <a:tc>
+                  <a:txBody>
+                    <a:bodyPr/>
+                    <a:lstStyle/>
+                    <a:p>
+                      <a:r>
+                        <a:rPr lang="zh-CN" altLang="en-US" dirty="0" smtClean="0"/>
+                        <a:t>便于后续维护</a:t>
+                      </a:r>
+                      <a:endParaRPr lang="zh-CN" altLang="en-US" dirty="0"/>
+                    </a:p>
+                  </a:txBody>
+                  <a:tcPr/>
+                </a:tc>
+                <a:tc>
+                  <a:txBody>
+                    <a:bodyPr/>
+                    <a:lstStyle/>
+                    <a:p>
+                      <a:r>
+                        <a:rPr lang="zh-CN" altLang="en-US" dirty="0" smtClean="0"/>
+                        <a:t>更改软件，意味着文档也要随着更新，带来时间成本上的消耗。</a:t>
+                      </a:r>
+                      <a:endParaRPr lang="zh-CN" altLang="en-US" dirty="0"/>
+                    </a:p>
+                  </a:txBody>
+                  <a:tcPr/>
+                </a:tc>
+              </a:tr>
+              <a:tr h="465667">
+                <a:tc>
+                  <a:txBody>
+                    <a:bodyPr/>
+                    <a:lstStyle/>
+                    <a:p>
+                      <a:pPr marL="0" marR="0" indent="0" algn="l" defTabSz="457200" rtl="0" eaLnBrk="1" fontAlgn="auto" latinLnBrk="0" hangingPunct="1">
+                        <a:lnSpc>
+                          <a:spcPct val="100000"/>
+                        </a:lnSpc>
+                        <a:spcBef>
+                          <a:spcPts val="0"/>
+                        </a:spcBef>
+                        <a:spcAft>
+                          <a:spcPts val="0"/>
+                        </a:spcAft>
+                        <a:buClrTx/>
+                        <a:buSzTx/>
+                        <a:buFontTx/>
+                        <a:buNone/>
+                        <a:tabLst/>
+                        <a:defRPr/>
+                      </a:pPr>
+                      <a:r>
+                        <a:rPr lang="zh-CN" altLang="en-US" dirty="0" smtClean="0"/>
+                        <a:t>规范，清晰的流程</a:t>
+                      </a:r>
+                    </a:p>
+                  </a:txBody>
+                  <a:tcPr/>
+                </a:tc>
+                <a:tc>
+                  <a:txBody>
+                    <a:bodyPr/>
+                    <a:lstStyle/>
+                    <a:p>
+                      <a:r>
+                        <a:rPr lang="zh-CN" altLang="en-US" dirty="0" smtClean="0"/>
+                        <a:t>角色分工明确，便于管理</a:t>
+                      </a:r>
+                      <a:endParaRPr lang="zh-CN" altLang="en-US" dirty="0"/>
+                    </a:p>
+                  </a:txBody>
+                  <a:tcPr/>
+                </a:tc>
+                <a:tc>
+                  <a:txBody>
+                    <a:bodyPr/>
+                    <a:lstStyle/>
+                    <a:p>
+                      <a:r>
+                        <a:rPr lang="zh-CN" altLang="en-US" dirty="0" smtClean="0"/>
+                        <a:t>积极主动性不高，各自完成自己的部分。</a:t>
+                      </a:r>
+                      <a:endParaRPr lang="zh-CN" altLang="en-US" dirty="0"/>
+                    </a:p>
+                  </a:txBody>
+                  <a:tcPr/>
+                </a:tc>
+              </a:tr>
+              <a:tr h="465667">
+                <a:tc>
+                  <a:txBody>
+                    <a:bodyPr/>
+                    <a:lstStyle/>
+                    <a:p>
+                      <a:pPr marL="0" marR="0" indent="0" algn="l" defTabSz="457200" rtl="0" eaLnBrk="1" fontAlgn="auto" latinLnBrk="0" hangingPunct="1">
+                        <a:lnSpc>
+                          <a:spcPct val="100000"/>
+                        </a:lnSpc>
+                        <a:spcBef>
+                          <a:spcPts val="0"/>
+                        </a:spcBef>
+                        <a:spcAft>
+                          <a:spcPts val="0"/>
+                        </a:spcAft>
+                        <a:buClrTx/>
+                        <a:buSzTx/>
+                        <a:buFontTx/>
+                        <a:buNone/>
+                        <a:tabLst/>
+                        <a:defRPr/>
+                      </a:pPr>
+                      <a:endParaRPr lang="zh-CN" altLang="en-US" dirty="0" smtClean="0"/>
+                    </a:p>
+                  </a:txBody>
+                  <a:tcPr/>
+                </a:tc>
+                <a:tc>
+                  <a:txBody>
+                    <a:bodyPr/>
+                    <a:lstStyle/>
+                    <a:p>
+                      <a:r>
+                        <a:rPr lang="zh-CN" altLang="en-US" dirty="0" smtClean="0"/>
+                        <a:t>设计，需求稳定时就像一台有条不紊运行的机器，效率，质量都非常高</a:t>
+                      </a:r>
+                      <a:endParaRPr lang="zh-CN" altLang="en-US" dirty="0"/>
+                    </a:p>
+                  </a:txBody>
+                  <a:tcPr/>
+                </a:tc>
+                <a:tc>
+                  <a:txBody>
+                    <a:bodyPr/>
+                    <a:lstStyle/>
+                    <a:p>
+                      <a:r>
+                        <a:rPr lang="zh-CN" altLang="en-US" dirty="0" smtClean="0"/>
+                        <a:t>由于其不可回溯特点，很难应付需求的变更，对设计者的要求较高。</a:t>
+                      </a:r>
+                      <a:endParaRPr lang="zh-CN" altLang="en-US" dirty="0"/>
+                    </a:p>
+                  </a:txBody>
+                  <a:tcPr/>
+                </a:tc>
+              </a:tr>
+            </a:tbl>
+          </a:graphicData>
+        </a:graphic>
+      </p:graphicFrame>
+    </p:spTree>
+    <p:extLst>
+      <p:ext uri="{BB962C8B-B14F-4D97-AF65-F5344CB8AC3E}">
+        <p14:creationId xmlns:p14="http://schemas.microsoft.com/office/powerpoint/2010/main" val="2694905177"/>
+      </p:ext>
+    </p:extLst>
+  </p:cSld>
+  <p:clrMapOvr>
+    <a:masterClrMapping/>
+  </p:clrMapOvr>
+  <p:transition/>
+  <p:timing>
+    <p:tnLst>
+      <p:par>
+        <p:cTn id="1" dur="indefinite" restart="never" nodeType="tmRoot"/>
+      </p:par>
+    </p:tnLst>
+  </p:timing>
+</p:sld>
+</file>
+
+<file path=ppt/slides/slide11.xml><?xml version="1.0" encoding="utf-8"?>
+<p:sld xmlns:a="http://schemas.openxmlformats.org/drawingml/2006/main" xmlns:r="http://schemas.openxmlformats.org/officeDocument/2006/relationships" xmlns:p="http://schemas.openxmlformats.org/presentationml/2006/main">
+  <p:cSld>
+    <p:spTree>
+      <p:nvGrpSpPr>
+        <p:cNvPr id="1" name=""/>
+        <p:cNvGrpSpPr/>
+        <p:nvPr/>
+      </p:nvGrpSpPr>
+      <p:grpSpPr>
+        <a:xfrm>
+          <a:off x="0" y="0"/>
+          <a:ext cx="0" cy="0"/>
+          <a:chOff x="0" y="0"/>
+          <a:chExt cx="0" cy="0"/>
+        </a:xfrm>
+      </p:grpSpPr>
+      <p:sp>
+        <p:nvSpPr>
+          <p:cNvPr id="3" name="标题 1"/>
+          <p:cNvSpPr>
+            <a:spLocks noGrp="1"/>
+          </p:cNvSpPr>
+          <p:nvPr>
+            <p:ph type="title"/>
+          </p:nvPr>
+        </p:nvSpPr>
+        <p:spPr>
+          <a:xfrm>
+            <a:off x="457200" y="274638"/>
+            <a:ext cx="8229600" cy="715962"/>
+          </a:xfrm>
+        </p:spPr>
+        <p:txBody>
+          <a:bodyPr/>
+          <a:lstStyle/>
+          <a:p>
+            <a:r>
+              <a:rPr lang="zh-CN" altLang="en-US" sz="3600" dirty="0" smtClean="0">
+                <a:solidFill>
+                  <a:srgbClr val="E46C0A"/>
+                </a:solidFill>
+                <a:latin typeface="微软雅黑" panose="020B0503020204020204" pitchFamily="34" charset="-122"/>
+                <a:ea typeface="微软雅黑" panose="020B0503020204020204" pitchFamily="34" charset="-122"/>
+              </a:rPr>
+              <a:t>总结</a:t>
+            </a:r>
+            <a:endParaRPr lang="zh-CN" altLang="en-US" sz="3600" dirty="0">
+              <a:solidFill>
+                <a:srgbClr val="E46C0A"/>
+              </a:solidFill>
+              <a:latin typeface="微软雅黑" panose="020B0503020204020204" pitchFamily="34" charset="-122"/>
+              <a:ea typeface="微软雅黑" panose="020B0503020204020204" pitchFamily="34" charset="-122"/>
+            </a:endParaRPr>
+          </a:p>
+        </p:txBody>
+      </p:sp>
+      <p:graphicFrame>
+        <p:nvGraphicFramePr>
+          <p:cNvPr id="2" name="表格 1"/>
+          <p:cNvGraphicFramePr>
+            <a:graphicFrameLocks noGrp="1"/>
+          </p:cNvGraphicFramePr>
+          <p:nvPr>
+            <p:extLst>
+              <p:ext uri="{D42A27DB-BD31-4B8C-83A1-F6EECF244321}">
+                <p14:modId xmlns:p14="http://schemas.microsoft.com/office/powerpoint/2010/main" val="1199547275"/>
+              </p:ext>
+            </p:extLst>
+          </p:nvPr>
+        </p:nvGraphicFramePr>
+        <p:xfrm>
+          <a:off x="152400" y="1415627"/>
+          <a:ext cx="8686800" cy="2834640"/>
+        </p:xfrm>
+        <a:graphic>
+          <a:graphicData uri="http://schemas.openxmlformats.org/drawingml/2006/table">
+            <a:tbl>
+              <a:tblPr firstRow="1" bandRow="1">
+                <a:tableStyleId>{5C22544A-7EE6-4342-B048-85BDC9FD1C3A}</a:tableStyleId>
+              </a:tblPr>
+              <a:tblGrid>
+                <a:gridCol w="2057400"/>
+                <a:gridCol w="3402874"/>
+                <a:gridCol w="3226526"/>
+              </a:tblGrid>
+              <a:tr h="0">
+                <a:tc>
+                  <a:txBody>
+                    <a:bodyPr/>
+                    <a:lstStyle/>
+                    <a:p>
+                      <a:pPr algn="ctr"/>
+                      <a:r>
+                        <a:rPr lang="zh-CN" altLang="en-US" dirty="0" smtClean="0"/>
+                        <a:t>特点</a:t>
+                      </a:r>
+                      <a:endParaRPr lang="zh-CN" altLang="en-US" dirty="0"/>
+                    </a:p>
+                  </a:txBody>
+                  <a:tcPr/>
+                </a:tc>
+                <a:tc>
+                  <a:txBody>
+                    <a:bodyPr/>
+                    <a:lstStyle/>
+                    <a:p>
+                      <a:pPr algn="ctr"/>
+                      <a:r>
+                        <a:rPr lang="zh-CN" altLang="en-US" dirty="0" smtClean="0"/>
+                        <a:t>优点</a:t>
+                      </a:r>
+                      <a:endParaRPr lang="zh-CN" altLang="en-US" dirty="0"/>
+                    </a:p>
+                  </a:txBody>
+                  <a:tcPr/>
+                </a:tc>
+                <a:tc>
+                  <a:txBody>
+                    <a:bodyPr/>
+                    <a:lstStyle/>
+                    <a:p>
+                      <a:pPr algn="ctr"/>
+                      <a:r>
+                        <a:rPr lang="zh-CN" altLang="en-US" dirty="0" smtClean="0"/>
+                        <a:t>不足</a:t>
+                      </a:r>
+                      <a:endParaRPr lang="zh-CN" altLang="en-US" dirty="0"/>
+                    </a:p>
+                  </a:txBody>
+                  <a:tcPr/>
+                </a:tc>
+              </a:tr>
+              <a:tr h="465667">
+                <a:tc>
+                  <a:txBody>
+                    <a:bodyPr/>
+                    <a:lstStyle/>
+                    <a:p>
+                      <a:r>
+                        <a:rPr lang="zh-CN" altLang="en-US" dirty="0" smtClean="0"/>
+                        <a:t>重视文档</a:t>
+                      </a:r>
+                      <a:endParaRPr lang="zh-CN" altLang="en-US" dirty="0"/>
+                    </a:p>
+                  </a:txBody>
+                  <a:tcPr/>
+                </a:tc>
+                <a:tc>
+                  <a:txBody>
+                    <a:bodyPr/>
+                    <a:lstStyle/>
+                    <a:p>
+                      <a:r>
+                        <a:rPr lang="zh-CN" altLang="en-US" dirty="0" smtClean="0"/>
+                        <a:t>便于后续维护</a:t>
+                      </a:r>
+                      <a:endParaRPr lang="zh-CN" altLang="en-US" dirty="0"/>
+                    </a:p>
+                  </a:txBody>
+                  <a:tcPr/>
+                </a:tc>
+                <a:tc>
+                  <a:txBody>
+                    <a:bodyPr/>
+                    <a:lstStyle/>
+                    <a:p>
+                      <a:r>
+                        <a:rPr lang="zh-CN" altLang="en-US" dirty="0" smtClean="0"/>
+                        <a:t>更改软件，意味着文档也要随着更新，带来时间成本上的消耗。</a:t>
+                      </a:r>
+                      <a:endParaRPr lang="zh-CN" altLang="en-US" dirty="0"/>
+                    </a:p>
+                  </a:txBody>
+                  <a:tcPr/>
+                </a:tc>
+              </a:tr>
+              <a:tr h="465667">
+                <a:tc>
+                  <a:txBody>
+                    <a:bodyPr/>
+                    <a:lstStyle/>
+                    <a:p>
+                      <a:pPr marL="0" marR="0" indent="0" algn="l" defTabSz="457200" rtl="0" eaLnBrk="1" fontAlgn="auto" latinLnBrk="0" hangingPunct="1">
+                        <a:lnSpc>
+                          <a:spcPct val="100000"/>
+                        </a:lnSpc>
+                        <a:spcBef>
+                          <a:spcPts val="0"/>
+                        </a:spcBef>
+                        <a:spcAft>
+                          <a:spcPts val="0"/>
+                        </a:spcAft>
+                        <a:buClrTx/>
+                        <a:buSzTx/>
+                        <a:buFontTx/>
+                        <a:buNone/>
+                        <a:tabLst/>
+                        <a:defRPr/>
+                      </a:pPr>
+                      <a:r>
+                        <a:rPr lang="zh-CN" altLang="en-US" dirty="0" smtClean="0"/>
+                        <a:t>规范，清晰的流程</a:t>
+                      </a:r>
+                    </a:p>
+                  </a:txBody>
+                  <a:tcPr/>
+                </a:tc>
+                <a:tc>
+                  <a:txBody>
+                    <a:bodyPr/>
+                    <a:lstStyle/>
+                    <a:p>
+                      <a:r>
+                        <a:rPr lang="zh-CN" altLang="en-US" dirty="0" smtClean="0"/>
+                        <a:t>角色分工明确，便于管理</a:t>
+                      </a:r>
+                      <a:endParaRPr lang="zh-CN" altLang="en-US" dirty="0"/>
+                    </a:p>
+                  </a:txBody>
+                  <a:tcPr/>
+                </a:tc>
+                <a:tc>
+                  <a:txBody>
+                    <a:bodyPr/>
+                    <a:lstStyle/>
+                    <a:p>
+                      <a:r>
+                        <a:rPr lang="zh-CN" altLang="en-US" dirty="0" smtClean="0"/>
+                        <a:t>积极主动性不高，各自完成自己的部分。</a:t>
+                      </a:r>
+                      <a:endParaRPr lang="zh-CN" altLang="en-US" dirty="0"/>
+                    </a:p>
+                  </a:txBody>
+                  <a:tcPr/>
+                </a:tc>
+              </a:tr>
+              <a:tr h="465667">
+                <a:tc>
+                  <a:txBody>
+                    <a:bodyPr/>
+                    <a:lstStyle/>
+                    <a:p>
+                      <a:pPr marL="0" marR="0" indent="0" algn="l" defTabSz="457200" rtl="0" eaLnBrk="1" fontAlgn="auto" latinLnBrk="0" hangingPunct="1">
+                        <a:lnSpc>
+                          <a:spcPct val="100000"/>
+                        </a:lnSpc>
+                        <a:spcBef>
+                          <a:spcPts val="0"/>
+                        </a:spcBef>
+                        <a:spcAft>
+                          <a:spcPts val="0"/>
+                        </a:spcAft>
+                        <a:buClrTx/>
+                        <a:buSzTx/>
+                        <a:buFontTx/>
+                        <a:buNone/>
+                        <a:tabLst/>
+                        <a:defRPr/>
+                      </a:pPr>
+                      <a:endParaRPr lang="zh-CN" altLang="en-US" dirty="0" smtClean="0"/>
+                    </a:p>
+                  </a:txBody>
+                  <a:tcPr/>
+                </a:tc>
+                <a:tc>
+                  <a:txBody>
+                    <a:bodyPr/>
+                    <a:lstStyle/>
+                    <a:p>
+                      <a:r>
+                        <a:rPr lang="zh-CN" altLang="en-US" b="0" dirty="0" smtClean="0">
+                          <a:solidFill>
+                            <a:srgbClr val="C00000"/>
+                          </a:solidFill>
+                        </a:rPr>
+                        <a:t>设计，需求稳定时就像一台有条不紊运行的机器，效率，质量都非常高</a:t>
+                      </a:r>
+                      <a:endParaRPr lang="zh-CN" altLang="en-US" b="0" dirty="0">
+                        <a:solidFill>
+                          <a:srgbClr val="C00000"/>
+                        </a:solidFill>
+                      </a:endParaRPr>
+                    </a:p>
+                  </a:txBody>
+                  <a:tcPr/>
+                </a:tc>
+                <a:tc>
+                  <a:txBody>
+                    <a:bodyPr/>
+                    <a:lstStyle/>
+                    <a:p>
+                      <a:r>
+                        <a:rPr lang="zh-CN" altLang="en-US" dirty="0" smtClean="0"/>
+                        <a:t>由于其不可回溯特点，很难应付需求的变更，对设计者的要求较高。</a:t>
+                      </a:r>
+                      <a:endParaRPr lang="zh-CN" altLang="en-US" dirty="0"/>
+                    </a:p>
+                  </a:txBody>
+                  <a:tcPr/>
+                </a:tc>
+              </a:tr>
+            </a:tbl>
+          </a:graphicData>
+        </a:graphic>
+      </p:graphicFrame>
+    </p:spTree>
+    <p:extLst>
+      <p:ext uri="{BB962C8B-B14F-4D97-AF65-F5344CB8AC3E}">
+        <p14:creationId xmlns:p14="http://schemas.microsoft.com/office/powerpoint/2010/main" val="985163904"/>
+      </p:ext>
+    </p:extLst>
+  </p:cSld>
+  <p:clrMapOvr>
+    <a:masterClrMapping/>
+  </p:clrMapOvr>
+  <p:transition/>
+  <p:timing>
+    <p:tnLst>
+      <p:par>
+        <p:cTn id="1" dur="indefinite" restart="never" nodeType="tmRoot"/>
+      </p:par>
+    </p:tnLst>
+  </p:timing>
+</p:sld>
+</file>
+
+<file path=ppt/slides/slide12.xml><?xml version="1.0" encoding="utf-8"?>
+<p:sld xmlns:a="http://schemas.openxmlformats.org/drawingml/2006/main" xmlns:r="http://schemas.openxmlformats.org/officeDocument/2006/relationships" xmlns:p="http://schemas.openxmlformats.org/presentationml/2006/main">
+  <p:cSld>
+    <p:spTree>
+      <p:nvGrpSpPr>
+        <p:cNvPr id="1" name=""/>
+        <p:cNvGrpSpPr/>
+        <p:nvPr/>
+      </p:nvGrpSpPr>
+      <p:grpSpPr>
+        <a:xfrm>
+          <a:off x="0" y="0"/>
+          <a:ext cx="0" cy="0"/>
+          <a:chOff x="0" y="0"/>
+          <a:chExt cx="0" cy="0"/>
+        </a:xfrm>
+      </p:grpSpPr>
+      <p:sp>
+        <p:nvSpPr>
+          <p:cNvPr id="3" name="标题 1"/>
+          <p:cNvSpPr>
+            <a:spLocks noGrp="1"/>
+          </p:cNvSpPr>
+          <p:nvPr>
+            <p:ph type="title"/>
+          </p:nvPr>
+        </p:nvSpPr>
+        <p:spPr>
+          <a:xfrm>
+            <a:off x="457200" y="274638"/>
+            <a:ext cx="8229600" cy="715962"/>
+          </a:xfrm>
+        </p:spPr>
+        <p:txBody>
+          <a:bodyPr/>
+          <a:lstStyle/>
+          <a:p>
+            <a:r>
+              <a:rPr lang="zh-CN" altLang="en-US" sz="3600" dirty="0" smtClean="0">
+                <a:solidFill>
+                  <a:srgbClr val="E46C0A"/>
+                </a:solidFill>
+                <a:latin typeface="微软雅黑" panose="020B0503020204020204" pitchFamily="34" charset="-122"/>
+                <a:ea typeface="微软雅黑" panose="020B0503020204020204" pitchFamily="34" charset="-122"/>
+              </a:rPr>
+              <a:t>敏捷开发方法</a:t>
+            </a:r>
+            <a:endParaRPr lang="zh-CN" altLang="en-US" sz="3600" dirty="0">
+              <a:solidFill>
+                <a:srgbClr val="E46C0A"/>
+              </a:solidFill>
+              <a:latin typeface="微软雅黑" panose="020B0503020204020204" pitchFamily="34" charset="-122"/>
+              <a:ea typeface="微软雅黑" panose="020B0503020204020204" pitchFamily="34" charset="-122"/>
+            </a:endParaRPr>
+          </a:p>
+        </p:txBody>
+      </p:sp>
+      <p:sp>
+        <p:nvSpPr>
+          <p:cNvPr id="4" name="TextBox 3"/>
+          <p:cNvSpPr txBox="1"/>
+          <p:nvPr/>
+        </p:nvSpPr>
+        <p:spPr>
+          <a:xfrm>
+            <a:off x="457200" y="1295400"/>
+            <a:ext cx="3276600" cy="892552"/>
+          </a:xfrm>
+          <a:prstGeom prst="rect">
+            <a:avLst/>
+          </a:prstGeom>
+          <a:noFill/>
+        </p:spPr>
+        <p:txBody>
+          <a:bodyPr wrap="square" rtlCol="0">
+            <a:spAutoFit/>
+          </a:bodyPr>
+          <a:lstStyle/>
+          <a:p>
+            <a:r>
+              <a:rPr lang="zh-CN" altLang="en-US" b="1" dirty="0" smtClean="0">
+                <a:latin typeface="微软雅黑" panose="020B0503020204020204" pitchFamily="34" charset="-122"/>
+                <a:ea typeface="微软雅黑" panose="020B0503020204020204" pitchFamily="34" charset="-122"/>
+              </a:rPr>
+              <a:t>倡导：</a:t>
+            </a:r>
+            <a:r>
+              <a:rPr lang="zh-CN" altLang="en-US" sz="1600" dirty="0" smtClean="0">
+                <a:latin typeface="微软雅黑" panose="020B0503020204020204" pitchFamily="34" charset="-122"/>
+                <a:ea typeface="微软雅黑" panose="020B0503020204020204" pitchFamily="34" charset="-122"/>
+              </a:rPr>
+              <a:t>拥抱变化</a:t>
+            </a:r>
+            <a:endParaRPr lang="en-US" altLang="zh-CN" sz="1600" dirty="0" smtClean="0">
+              <a:latin typeface="微软雅黑" panose="020B0503020204020204" pitchFamily="34" charset="-122"/>
+              <a:ea typeface="微软雅黑" panose="020B0503020204020204" pitchFamily="34" charset="-122"/>
+            </a:endParaRPr>
+          </a:p>
+          <a:p>
+            <a:endParaRPr lang="en-US" altLang="zh-CN" sz="1600" dirty="0">
+              <a:latin typeface="微软雅黑" panose="020B0503020204020204" pitchFamily="34" charset="-122"/>
+              <a:ea typeface="微软雅黑" panose="020B0503020204020204" pitchFamily="34" charset="-122"/>
+            </a:endParaRPr>
+          </a:p>
+          <a:p>
+            <a:r>
+              <a:rPr lang="zh-CN" altLang="en-US" b="1" dirty="0" smtClean="0">
+                <a:latin typeface="微软雅黑" panose="020B0503020204020204" pitchFamily="34" charset="-122"/>
+                <a:ea typeface="微软雅黑" panose="020B0503020204020204" pitchFamily="34" charset="-122"/>
+              </a:rPr>
+              <a:t>敏捷宣言：</a:t>
+            </a:r>
+            <a:endParaRPr lang="zh-CN" altLang="en-US" b="1" dirty="0">
+              <a:latin typeface="微软雅黑" panose="020B0503020204020204" pitchFamily="34" charset="-122"/>
+              <a:ea typeface="微软雅黑" panose="020B0503020204020204" pitchFamily="34" charset="-122"/>
+            </a:endParaRPr>
+          </a:p>
+        </p:txBody>
+      </p:sp>
+      <p:sp>
+        <p:nvSpPr>
+          <p:cNvPr id="6" name="圆角矩形 5"/>
+          <p:cNvSpPr/>
+          <p:nvPr/>
+        </p:nvSpPr>
+        <p:spPr bwMode="auto">
+          <a:xfrm>
+            <a:off x="1447800" y="2414351"/>
+            <a:ext cx="1905000" cy="510778"/>
+          </a:xfrm>
+          <a:prstGeom prst="roundRect">
+            <a:avLst/>
+          </a:prstGeom>
+          <a:ln/>
+        </p:spPr>
+        <p:style>
+          <a:lnRef idx="2">
+            <a:schemeClr val="accent6">
+              <a:shade val="50000"/>
+            </a:schemeClr>
+          </a:lnRef>
+          <a:fillRef idx="1">
+            <a:schemeClr val="accent6"/>
+          </a:fillRef>
+          <a:effectRef idx="0">
+            <a:schemeClr val="accent6"/>
+          </a:effectRef>
+          <a:fontRef idx="minor">
+            <a:schemeClr val="lt1"/>
+          </a:fontRef>
+        </p:style>
+        <p:txBody>
+          <a:bodyPr wrap="square" rtlCol="0" anchor="ctr">
+            <a:spAutoFit/>
+          </a:bodyPr>
+          <a:lstStyle/>
+          <a:p>
+            <a:pPr algn="ctr">
+              <a:lnSpc>
+                <a:spcPct val="150000"/>
+              </a:lnSpc>
+            </a:pPr>
+            <a:r>
+              <a:rPr lang="zh-CN" altLang="en-US" sz="1600" dirty="0" smtClean="0">
+                <a:latin typeface="微软雅黑" pitchFamily="34" charset="-122"/>
+                <a:ea typeface="微软雅黑" pitchFamily="34" charset="-122"/>
+              </a:rPr>
+              <a:t>人与交互</a:t>
+            </a:r>
+          </a:p>
+        </p:txBody>
+      </p:sp>
+      <p:sp>
+        <p:nvSpPr>
+          <p:cNvPr id="7" name="圆角矩形 6"/>
+          <p:cNvSpPr/>
+          <p:nvPr/>
+        </p:nvSpPr>
+        <p:spPr bwMode="auto">
+          <a:xfrm>
+            <a:off x="1447800" y="3124200"/>
+            <a:ext cx="1905000" cy="462680"/>
+          </a:xfrm>
+          <a:prstGeom prst="roundRect">
+            <a:avLst/>
+          </a:prstGeom>
+          <a:ln/>
+        </p:spPr>
+        <p:style>
+          <a:lnRef idx="2">
+            <a:schemeClr val="accent6">
+              <a:shade val="50000"/>
+            </a:schemeClr>
+          </a:lnRef>
+          <a:fillRef idx="1">
+            <a:schemeClr val="accent6"/>
+          </a:fillRef>
+          <a:effectRef idx="0">
+            <a:schemeClr val="accent6"/>
+          </a:effectRef>
+          <a:fontRef idx="minor">
+            <a:schemeClr val="lt1"/>
+          </a:fontRef>
+        </p:style>
+        <p:txBody>
+          <a:bodyPr wrap="square" rtlCol="0" anchor="ctr">
+            <a:spAutoFit/>
+          </a:bodyPr>
+          <a:lstStyle/>
+          <a:p>
+            <a:pPr algn="ctr">
+              <a:lnSpc>
+                <a:spcPct val="150000"/>
+              </a:lnSpc>
+            </a:pPr>
+            <a:r>
+              <a:rPr lang="zh-CN" altLang="en-US" sz="1600" dirty="0" smtClean="0">
+                <a:latin typeface="微软雅黑" pitchFamily="34" charset="-122"/>
+                <a:ea typeface="微软雅黑" pitchFamily="34" charset="-122"/>
+              </a:rPr>
+              <a:t>可工作的软件</a:t>
+            </a:r>
+          </a:p>
+        </p:txBody>
+      </p:sp>
+      <p:sp>
+        <p:nvSpPr>
+          <p:cNvPr id="8" name="圆角矩形 7"/>
+          <p:cNvSpPr/>
+          <p:nvPr/>
+        </p:nvSpPr>
+        <p:spPr bwMode="auto">
+          <a:xfrm>
+            <a:off x="1447800" y="3810000"/>
+            <a:ext cx="1905000" cy="462680"/>
+          </a:xfrm>
+          <a:prstGeom prst="roundRect">
+            <a:avLst/>
+          </a:prstGeom>
+          <a:ln/>
+        </p:spPr>
+        <p:style>
+          <a:lnRef idx="2">
+            <a:schemeClr val="accent6">
+              <a:shade val="50000"/>
+            </a:schemeClr>
+          </a:lnRef>
+          <a:fillRef idx="1">
+            <a:schemeClr val="accent6"/>
+          </a:fillRef>
+          <a:effectRef idx="0">
+            <a:schemeClr val="accent6"/>
+          </a:effectRef>
+          <a:fontRef idx="minor">
+            <a:schemeClr val="lt1"/>
+          </a:fontRef>
+        </p:style>
+        <p:txBody>
+          <a:bodyPr wrap="square" rtlCol="0" anchor="ctr">
+            <a:spAutoFit/>
+          </a:bodyPr>
+          <a:lstStyle/>
+          <a:p>
+            <a:pPr algn="ctr">
+              <a:lnSpc>
+                <a:spcPct val="150000"/>
+              </a:lnSpc>
+            </a:pPr>
+            <a:r>
+              <a:rPr lang="zh-CN" altLang="en-US" sz="1600" dirty="0" smtClean="0">
+                <a:latin typeface="微软雅黑" pitchFamily="34" charset="-122"/>
+                <a:ea typeface="微软雅黑" pitchFamily="34" charset="-122"/>
+              </a:rPr>
+              <a:t>客户协作</a:t>
+            </a:r>
+          </a:p>
+        </p:txBody>
+      </p:sp>
+      <p:sp>
+        <p:nvSpPr>
+          <p:cNvPr id="9" name="圆角矩形 8"/>
+          <p:cNvSpPr/>
+          <p:nvPr/>
+        </p:nvSpPr>
+        <p:spPr bwMode="auto">
+          <a:xfrm>
+            <a:off x="1447800" y="4495800"/>
+            <a:ext cx="1905000" cy="462680"/>
+          </a:xfrm>
+          <a:prstGeom prst="roundRect">
+            <a:avLst/>
+          </a:prstGeom>
+          <a:ln/>
+        </p:spPr>
+        <p:style>
+          <a:lnRef idx="2">
+            <a:schemeClr val="accent6">
+              <a:shade val="50000"/>
+            </a:schemeClr>
+          </a:lnRef>
+          <a:fillRef idx="1">
+            <a:schemeClr val="accent6"/>
+          </a:fillRef>
+          <a:effectRef idx="0">
+            <a:schemeClr val="accent6"/>
+          </a:effectRef>
+          <a:fontRef idx="minor">
+            <a:schemeClr val="lt1"/>
+          </a:fontRef>
+        </p:style>
+        <p:txBody>
+          <a:bodyPr wrap="square" rtlCol="0" anchor="ctr">
+            <a:spAutoFit/>
+          </a:bodyPr>
+          <a:lstStyle/>
+          <a:p>
+            <a:pPr algn="ctr">
+              <a:lnSpc>
+                <a:spcPct val="150000"/>
+              </a:lnSpc>
+            </a:pPr>
+            <a:r>
+              <a:rPr lang="zh-CN" altLang="en-US" sz="1600" dirty="0">
+                <a:latin typeface="微软雅黑" pitchFamily="34" charset="-122"/>
+                <a:ea typeface="微软雅黑" pitchFamily="34" charset="-122"/>
+              </a:rPr>
+              <a:t>响应</a:t>
+            </a:r>
+            <a:r>
+              <a:rPr lang="zh-CN" altLang="en-US" sz="1600" dirty="0" smtClean="0">
+                <a:latin typeface="微软雅黑" pitchFamily="34" charset="-122"/>
+                <a:ea typeface="微软雅黑" pitchFamily="34" charset="-122"/>
+              </a:rPr>
+              <a:t>变化</a:t>
+            </a:r>
+            <a:endParaRPr lang="zh-CN" altLang="en-US" sz="1600" dirty="0" smtClean="0">
+              <a:latin typeface="微软雅黑" pitchFamily="34" charset="-122"/>
+              <a:ea typeface="微软雅黑" pitchFamily="34" charset="-122"/>
+            </a:endParaRPr>
+          </a:p>
+        </p:txBody>
+      </p:sp>
+      <p:sp>
+        <p:nvSpPr>
+          <p:cNvPr id="10" name="右箭头 9"/>
+          <p:cNvSpPr/>
+          <p:nvPr/>
+        </p:nvSpPr>
+        <p:spPr bwMode="auto">
+          <a:xfrm>
+            <a:off x="3810000" y="3352800"/>
+            <a:ext cx="914400" cy="762000"/>
+          </a:xfrm>
+          <a:prstGeom prst="rightArrow">
+            <a:avLst>
+              <a:gd name="adj1" fmla="val 50000"/>
+              <a:gd name="adj2" fmla="val 53913"/>
+            </a:avLst>
+          </a:prstGeom>
+          <a:ln/>
+        </p:spPr>
+        <p:style>
+          <a:lnRef idx="2">
+            <a:schemeClr val="accent6">
+              <a:shade val="50000"/>
+            </a:schemeClr>
+          </a:lnRef>
+          <a:fillRef idx="1">
+            <a:schemeClr val="accent6"/>
+          </a:fillRef>
+          <a:effectRef idx="0">
+            <a:schemeClr val="accent6"/>
+          </a:effectRef>
+          <a:fontRef idx="minor">
+            <a:schemeClr val="lt1"/>
+          </a:fontRef>
+        </p:style>
+        <p:txBody>
+          <a:bodyPr wrap="square" rtlCol="0" anchor="ctr">
+            <a:spAutoFit/>
+          </a:bodyPr>
+          <a:lstStyle/>
+          <a:p>
+            <a:pPr algn="ctr">
+              <a:lnSpc>
+                <a:spcPct val="150000"/>
+              </a:lnSpc>
+              <a:buFont typeface="Wingdings" pitchFamily="2" charset="2"/>
+              <a:buBlip>
+                <a:blip r:embed="rId3"/>
+              </a:buBlip>
+            </a:pPr>
+            <a:endParaRPr lang="zh-CN" altLang="en-US" dirty="0" smtClean="0">
+              <a:latin typeface="微软雅黑" pitchFamily="34" charset="-122"/>
+              <a:ea typeface="微软雅黑" pitchFamily="34" charset="-122"/>
+            </a:endParaRPr>
+          </a:p>
+        </p:txBody>
+      </p:sp>
+      <p:sp>
+        <p:nvSpPr>
+          <p:cNvPr id="11" name="TextBox 10"/>
+          <p:cNvSpPr txBox="1"/>
+          <p:nvPr/>
+        </p:nvSpPr>
+        <p:spPr>
+          <a:xfrm>
+            <a:off x="3886200" y="3581400"/>
+            <a:ext cx="685800" cy="338554"/>
+          </a:xfrm>
+          <a:prstGeom prst="rect">
+            <a:avLst/>
+          </a:prstGeom>
+          <a:noFill/>
+        </p:spPr>
+        <p:txBody>
+          <a:bodyPr wrap="square" rtlCol="0">
+            <a:spAutoFit/>
+          </a:bodyPr>
+          <a:lstStyle/>
+          <a:p>
+            <a:r>
+              <a:rPr lang="zh-CN" altLang="en-US" sz="1600" dirty="0">
+                <a:solidFill>
+                  <a:schemeClr val="bg1"/>
+                </a:solidFill>
+                <a:latin typeface="微软雅黑" panose="020B0503020204020204" pitchFamily="34" charset="-122"/>
+                <a:ea typeface="微软雅黑" panose="020B0503020204020204" pitchFamily="34" charset="-122"/>
+              </a:rPr>
+              <a:t>重于</a:t>
+            </a:r>
+          </a:p>
+        </p:txBody>
+      </p:sp>
+      <p:sp>
+        <p:nvSpPr>
+          <p:cNvPr id="13" name="圆角矩形 12"/>
+          <p:cNvSpPr/>
+          <p:nvPr/>
+        </p:nvSpPr>
+        <p:spPr bwMode="auto">
+          <a:xfrm>
+            <a:off x="5105400" y="2450794"/>
+            <a:ext cx="1905000" cy="462680"/>
+          </a:xfrm>
+          <a:prstGeom prst="roundRect">
+            <a:avLst/>
+          </a:prstGeom>
+          <a:ln/>
+        </p:spPr>
+        <p:style>
+          <a:lnRef idx="2">
+            <a:schemeClr val="accent1">
+              <a:shade val="50000"/>
+            </a:schemeClr>
+          </a:lnRef>
+          <a:fillRef idx="1">
+            <a:schemeClr val="accent1"/>
+          </a:fillRef>
+          <a:effectRef idx="0">
+            <a:schemeClr val="accent1"/>
+          </a:effectRef>
+          <a:fontRef idx="minor">
+            <a:schemeClr val="lt1"/>
+          </a:fontRef>
+        </p:style>
+        <p:txBody>
+          <a:bodyPr wrap="square" rtlCol="0" anchor="ctr">
+            <a:spAutoFit/>
+          </a:bodyPr>
+          <a:lstStyle/>
+          <a:p>
+            <a:pPr algn="ctr">
+              <a:lnSpc>
+                <a:spcPct val="150000"/>
+              </a:lnSpc>
+            </a:pPr>
+            <a:r>
+              <a:rPr lang="zh-CN" altLang="en-US" sz="1600" dirty="0" smtClean="0">
+                <a:latin typeface="微软雅黑" pitchFamily="34" charset="-122"/>
+                <a:ea typeface="微软雅黑" pitchFamily="34" charset="-122"/>
+              </a:rPr>
+              <a:t>过程与工具</a:t>
+            </a:r>
+          </a:p>
+        </p:txBody>
+      </p:sp>
+      <p:sp>
+        <p:nvSpPr>
+          <p:cNvPr id="14" name="圆角矩形 13"/>
+          <p:cNvSpPr/>
+          <p:nvPr/>
+        </p:nvSpPr>
+        <p:spPr bwMode="auto">
+          <a:xfrm>
+            <a:off x="5105400" y="3118720"/>
+            <a:ext cx="1905000" cy="462680"/>
+          </a:xfrm>
+          <a:prstGeom prst="roundRect">
+            <a:avLst/>
+          </a:prstGeom>
+          <a:ln/>
+        </p:spPr>
+        <p:style>
+          <a:lnRef idx="2">
+            <a:schemeClr val="accent1">
+              <a:shade val="50000"/>
+            </a:schemeClr>
+          </a:lnRef>
+          <a:fillRef idx="1">
+            <a:schemeClr val="accent1"/>
+          </a:fillRef>
+          <a:effectRef idx="0">
+            <a:schemeClr val="accent1"/>
+          </a:effectRef>
+          <a:fontRef idx="minor">
+            <a:schemeClr val="lt1"/>
+          </a:fontRef>
+        </p:style>
+        <p:txBody>
+          <a:bodyPr wrap="square" rtlCol="0" anchor="ctr">
+            <a:spAutoFit/>
+          </a:bodyPr>
+          <a:lstStyle/>
+          <a:p>
+            <a:pPr algn="ctr">
+              <a:lnSpc>
+                <a:spcPct val="150000"/>
+              </a:lnSpc>
+            </a:pPr>
+            <a:r>
+              <a:rPr lang="zh-CN" altLang="en-US" sz="1600" dirty="0" smtClean="0">
+                <a:latin typeface="微软雅黑" pitchFamily="34" charset="-122"/>
+                <a:ea typeface="微软雅黑" pitchFamily="34" charset="-122"/>
+              </a:rPr>
+              <a:t>全面的文档</a:t>
+            </a:r>
+          </a:p>
+        </p:txBody>
+      </p:sp>
+      <p:sp>
+        <p:nvSpPr>
+          <p:cNvPr id="15" name="圆角矩形 14"/>
+          <p:cNvSpPr/>
+          <p:nvPr/>
+        </p:nvSpPr>
+        <p:spPr bwMode="auto">
+          <a:xfrm>
+            <a:off x="5105400" y="3804520"/>
+            <a:ext cx="1905000" cy="462680"/>
+          </a:xfrm>
+          <a:prstGeom prst="roundRect">
+            <a:avLst/>
+          </a:prstGeom>
+          <a:ln/>
+        </p:spPr>
+        <p:style>
+          <a:lnRef idx="2">
+            <a:schemeClr val="accent1">
+              <a:shade val="50000"/>
+            </a:schemeClr>
+          </a:lnRef>
+          <a:fillRef idx="1">
+            <a:schemeClr val="accent1"/>
+          </a:fillRef>
+          <a:effectRef idx="0">
+            <a:schemeClr val="accent1"/>
+          </a:effectRef>
+          <a:fontRef idx="minor">
+            <a:schemeClr val="lt1"/>
+          </a:fontRef>
+        </p:style>
+        <p:txBody>
+          <a:bodyPr wrap="square" rtlCol="0" anchor="ctr">
+            <a:spAutoFit/>
+          </a:bodyPr>
+          <a:lstStyle/>
+          <a:p>
+            <a:pPr algn="ctr">
+              <a:lnSpc>
+                <a:spcPct val="150000"/>
+              </a:lnSpc>
+            </a:pPr>
+            <a:r>
+              <a:rPr lang="zh-CN" altLang="en-US" sz="1600" dirty="0" smtClean="0">
+                <a:latin typeface="微软雅黑" pitchFamily="34" charset="-122"/>
+                <a:ea typeface="微软雅黑" pitchFamily="34" charset="-122"/>
+              </a:rPr>
+              <a:t>合同谈判</a:t>
+            </a:r>
+          </a:p>
+        </p:txBody>
+      </p:sp>
+      <p:sp>
+        <p:nvSpPr>
+          <p:cNvPr id="16" name="圆角矩形 15"/>
+          <p:cNvSpPr/>
+          <p:nvPr/>
+        </p:nvSpPr>
+        <p:spPr bwMode="auto">
+          <a:xfrm>
+            <a:off x="5105400" y="4490320"/>
+            <a:ext cx="1905000" cy="462680"/>
+          </a:xfrm>
+          <a:prstGeom prst="roundRect">
+            <a:avLst/>
+          </a:prstGeom>
+          <a:ln/>
+        </p:spPr>
+        <p:style>
+          <a:lnRef idx="2">
+            <a:schemeClr val="accent1">
+              <a:shade val="50000"/>
+            </a:schemeClr>
+          </a:lnRef>
+          <a:fillRef idx="1">
+            <a:schemeClr val="accent1"/>
+          </a:fillRef>
+          <a:effectRef idx="0">
+            <a:schemeClr val="accent1"/>
+          </a:effectRef>
+          <a:fontRef idx="minor">
+            <a:schemeClr val="lt1"/>
+          </a:fontRef>
+        </p:style>
+        <p:txBody>
+          <a:bodyPr wrap="square" rtlCol="0" anchor="ctr">
+            <a:spAutoFit/>
+          </a:bodyPr>
+          <a:lstStyle/>
+          <a:p>
+            <a:pPr algn="ctr">
+              <a:lnSpc>
+                <a:spcPct val="150000"/>
+              </a:lnSpc>
+            </a:pPr>
+            <a:r>
+              <a:rPr lang="zh-CN" altLang="en-US" sz="1600" dirty="0" smtClean="0">
+                <a:latin typeface="微软雅黑" pitchFamily="34" charset="-122"/>
+                <a:ea typeface="微软雅黑" pitchFamily="34" charset="-122"/>
+              </a:rPr>
+              <a:t>遵循计划</a:t>
+            </a:r>
+          </a:p>
+        </p:txBody>
+      </p:sp>
+    </p:spTree>
+    <p:extLst>
+      <p:ext uri="{BB962C8B-B14F-4D97-AF65-F5344CB8AC3E}">
+        <p14:creationId xmlns:p14="http://schemas.microsoft.com/office/powerpoint/2010/main" val="3523283011"/>
+      </p:ext>
+    </p:extLst>
+  </p:cSld>
+  <p:clrMapOvr>
+    <a:masterClrMapping/>
+  </p:clrMapOvr>
+  <p:transition/>
+  <p:timing>
+    <p:tnLst>
+      <p:par>
+        <p:cTn id="1" dur="indefinite" restart="never" nodeType="tmRoot"/>
+      </p:par>
+    </p:tnLst>
+  </p:timing>
+</p:sld>
+</file>
+
+<file path=ppt/slides/slide13.xml><?xml version="1.0" encoding="utf-8"?>
+<p:sld xmlns:a="http://schemas.openxmlformats.org/drawingml/2006/main" xmlns:r="http://schemas.openxmlformats.org/officeDocument/2006/relationships" xmlns:p="http://schemas.openxmlformats.org/presentationml/2006/main">
+  <p:cSld>
+    <p:spTree>
+      <p:nvGrpSpPr>
+        <p:cNvPr id="1" name=""/>
+        <p:cNvGrpSpPr/>
+        <p:nvPr/>
+      </p:nvGrpSpPr>
+      <p:grpSpPr>
+        <a:xfrm>
+          <a:off x="0" y="0"/>
+          <a:ext cx="0" cy="0"/>
+          <a:chOff x="0" y="0"/>
+          <a:chExt cx="0" cy="0"/>
+        </a:xfrm>
+      </p:grpSpPr>
+      <p:sp>
+        <p:nvSpPr>
+          <p:cNvPr id="3" name="标题 1"/>
+          <p:cNvSpPr>
+            <a:spLocks noGrp="1"/>
+          </p:cNvSpPr>
+          <p:nvPr>
+            <p:ph type="title"/>
+          </p:nvPr>
+        </p:nvSpPr>
+        <p:spPr>
+          <a:xfrm>
+            <a:off x="457200" y="274638"/>
+            <a:ext cx="8229600" cy="715962"/>
+          </a:xfrm>
+        </p:spPr>
+        <p:txBody>
+          <a:bodyPr/>
+          <a:lstStyle/>
+          <a:p>
+            <a:r>
+              <a:rPr lang="en-US" altLang="zh-CN" sz="3600" dirty="0" smtClean="0">
+                <a:solidFill>
+                  <a:srgbClr val="E46C0A"/>
+                </a:solidFill>
+                <a:latin typeface="微软雅黑" panose="020B0503020204020204" pitchFamily="34" charset="-122"/>
+                <a:ea typeface="微软雅黑" panose="020B0503020204020204" pitchFamily="34" charset="-122"/>
+              </a:rPr>
+              <a:t>Scrum </a:t>
+            </a:r>
+            <a:r>
+              <a:rPr lang="zh-CN" altLang="en-US" sz="3600" dirty="0" smtClean="0">
+                <a:solidFill>
+                  <a:srgbClr val="E46C0A"/>
+                </a:solidFill>
+                <a:latin typeface="微软雅黑" panose="020B0503020204020204" pitchFamily="34" charset="-122"/>
+                <a:ea typeface="微软雅黑" panose="020B0503020204020204" pitchFamily="34" charset="-122"/>
+              </a:rPr>
+              <a:t>框架</a:t>
+            </a:r>
+            <a:endParaRPr lang="zh-CN" altLang="en-US" sz="3600" dirty="0">
+              <a:solidFill>
+                <a:srgbClr val="E46C0A"/>
+              </a:solidFill>
+              <a:latin typeface="微软雅黑" panose="020B0503020204020204" pitchFamily="34" charset="-122"/>
+              <a:ea typeface="微软雅黑" panose="020B0503020204020204" pitchFamily="34" charset="-122"/>
+            </a:endParaRPr>
+          </a:p>
+        </p:txBody>
+      </p:sp>
+      <p:sp>
+        <p:nvSpPr>
+          <p:cNvPr id="17" name="TextBox 16"/>
+          <p:cNvSpPr txBox="1"/>
+          <p:nvPr/>
+        </p:nvSpPr>
+        <p:spPr>
+          <a:xfrm>
+            <a:off x="457200" y="1295400"/>
+            <a:ext cx="8153400" cy="584775"/>
+          </a:xfrm>
+          <a:prstGeom prst="rect">
+            <a:avLst/>
+          </a:prstGeom>
+          <a:noFill/>
+        </p:spPr>
+        <p:txBody>
+          <a:bodyPr wrap="square" rtlCol="0">
+            <a:spAutoFit/>
+          </a:bodyPr>
+          <a:lstStyle/>
+          <a:p>
+            <a:r>
+              <a:rPr lang="zh-CN" altLang="en-US" sz="1600" b="1" dirty="0" smtClean="0">
+                <a:latin typeface="微软雅黑" panose="020B0503020204020204" pitchFamily="34" charset="-122"/>
+                <a:ea typeface="微软雅黑" panose="020B0503020204020204" pitchFamily="34" charset="-122"/>
+              </a:rPr>
+              <a:t>简介：</a:t>
+            </a:r>
+            <a:r>
+              <a:rPr lang="zh-CN" altLang="en-US" sz="1600" dirty="0" smtClean="0">
+                <a:latin typeface="微软雅黑" panose="020B0503020204020204" pitchFamily="34" charset="-122"/>
+                <a:ea typeface="微软雅黑" panose="020B0503020204020204" pitchFamily="34" charset="-122"/>
+              </a:rPr>
+              <a:t>目前比较流行的一种敏捷思想的实践框架，简单易用</a:t>
+            </a:r>
+            <a:endParaRPr lang="en-US" altLang="zh-CN" sz="1600" dirty="0" smtClean="0">
+              <a:latin typeface="微软雅黑" panose="020B0503020204020204" pitchFamily="34" charset="-122"/>
+              <a:ea typeface="微软雅黑" panose="020B0503020204020204" pitchFamily="34" charset="-122"/>
+            </a:endParaRPr>
+          </a:p>
+          <a:p>
+            <a:endParaRPr lang="en-US" altLang="zh-CN" sz="1600" dirty="0">
+              <a:latin typeface="微软雅黑" panose="020B0503020204020204" pitchFamily="34" charset="-122"/>
+              <a:ea typeface="微软雅黑" panose="020B0503020204020204" pitchFamily="34" charset="-122"/>
+            </a:endParaRPr>
+          </a:p>
+        </p:txBody>
+      </p:sp>
+      <p:pic>
+        <p:nvPicPr>
+          <p:cNvPr id="1026" name="Picture 2" descr="E:\16.培训PPT\图片\122411_2gqn_175925.jpg"/>
+          <p:cNvPicPr>
+            <a:picLocks noChangeAspect="1" noChangeArrowheads="1"/>
+          </p:cNvPicPr>
+          <p:nvPr/>
+        </p:nvPicPr>
+        <p:blipFill>
+          <a:blip r:embed="rId3">
+            <a:extLst>
+              <a:ext uri="{28A0092B-C50C-407E-A947-70E740481C1C}">
+                <a14:useLocalDpi xmlns:a14="http://schemas.microsoft.com/office/drawing/2010/main" val="0"/>
+              </a:ext>
+            </a:extLst>
+          </a:blip>
+          <a:srcRect/>
+          <a:stretch>
+            <a:fillRect/>
+          </a:stretch>
+        </p:blipFill>
+        <p:spPr bwMode="auto">
+          <a:xfrm>
+            <a:off x="1143000" y="1971675"/>
+            <a:ext cx="7048500" cy="3057525"/>
+          </a:xfrm>
+          <a:prstGeom prst="rect">
+            <a:avLst/>
+          </a:prstGeom>
+          <a:noFill/>
+          <a:ln>
+            <a:solidFill>
+              <a:schemeClr val="tx1">
+                <a:lumMod val="95000"/>
+                <a:lumOff val="5000"/>
+              </a:schemeClr>
+            </a:solidFill>
+          </a:ln>
+          <a:extLst>
+            <a:ext uri="{909E8E84-426E-40DD-AFC4-6F175D3DCCD1}">
+              <a14:hiddenFill xmlns:a14="http://schemas.microsoft.com/office/drawing/2010/main">
+                <a:solidFill>
+                  <a:srgbClr val="FFFFFF"/>
+                </a:solidFill>
+              </a14:hiddenFill>
+            </a:ext>
+          </a:extLst>
+        </p:spPr>
+      </p:pic>
+    </p:spTree>
+    <p:extLst>
+      <p:ext uri="{BB962C8B-B14F-4D97-AF65-F5344CB8AC3E}">
+        <p14:creationId xmlns:p14="http://schemas.microsoft.com/office/powerpoint/2010/main" val="4155299180"/>
+      </p:ext>
+    </p:extLst>
+  </p:cSld>
+  <p:clrMapOvr>
+    <a:masterClrMapping/>
+  </p:clrMapOvr>
+  <p:transition/>
+  <p:timing>
+    <p:tnLst>
+      <p:par>
+        <p:cTn id="1" dur="indefinite" restart="never" nodeType="tmRoot"/>
+      </p:par>
+    </p:tnLst>
+  </p:timing>
+</p:sld>
+</file>
+
+<file path=ppt/slides/slide14.xml><?xml version="1.0" encoding="utf-8"?>
+<p:sld xmlns:a="http://schemas.openxmlformats.org/drawingml/2006/main" xmlns:r="http://schemas.openxmlformats.org/officeDocument/2006/relationships" xmlns:p="http://schemas.openxmlformats.org/presentationml/2006/main">
+  <p:cSld>
+    <p:spTree>
+      <p:nvGrpSpPr>
+        <p:cNvPr id="1" name=""/>
+        <p:cNvGrpSpPr/>
+        <p:nvPr/>
+      </p:nvGrpSpPr>
+      <p:grpSpPr>
+        <a:xfrm>
+          <a:off x="0" y="0"/>
+          <a:ext cx="0" cy="0"/>
+          <a:chOff x="0" y="0"/>
+          <a:chExt cx="0" cy="0"/>
+        </a:xfrm>
+      </p:grpSpPr>
+      <p:graphicFrame>
+        <p:nvGraphicFramePr>
+          <p:cNvPr id="3" name="图示 2"/>
+          <p:cNvGraphicFramePr/>
+          <p:nvPr>
+            <p:extLst>
+              <p:ext uri="{D42A27DB-BD31-4B8C-83A1-F6EECF244321}">
+                <p14:modId xmlns:p14="http://schemas.microsoft.com/office/powerpoint/2010/main" val="1298662506"/>
+              </p:ext>
+            </p:extLst>
+          </p:nvPr>
+        </p:nvGraphicFramePr>
+        <p:xfrm>
+          <a:off x="609600" y="304800"/>
+          <a:ext cx="7772400" cy="1600438"/>
+        </p:xfrm>
+        <a:graphic>
+          <a:graphicData uri="http://schemas.openxmlformats.org/drawingml/2006/diagram">
+            <dgm:relIds xmlns:dgm="http://schemas.openxmlformats.org/drawingml/2006/diagram" xmlns:r="http://schemas.openxmlformats.org/officeDocument/2006/relationships" r:dm="rId2" r:lo="rId3" r:qs="rId4" r:cs="rId5"/>
+          </a:graphicData>
+        </a:graphic>
+      </p:graphicFrame>
+    </p:spTree>
+    <p:extLst>
+      <p:ext uri="{BB962C8B-B14F-4D97-AF65-F5344CB8AC3E}">
+        <p14:creationId xmlns:p14="http://schemas.microsoft.com/office/powerpoint/2010/main" val="268147641"/>
+      </p:ext>
+    </p:extLst>
+  </p:cSld>
+  <p:clrMapOvr>
+    <a:masterClrMapping/>
+  </p:clrMapOvr>
+  <p:transition/>
+  <p:timing>
+    <p:tnLst>
+      <p:par>
+        <p:cTn id="1" dur="indefinite" restart="never" nodeType="tmRoot"/>
+      </p:par>
+    </p:tnLst>
+  </p:timing>
+</p:sld>
+</file>
+
+<file path=ppt/slides/slide15.xml><?xml version="1.0" encoding="utf-8"?>
+<p:sld xmlns:a="http://schemas.openxmlformats.org/drawingml/2006/main" xmlns:r="http://schemas.openxmlformats.org/officeDocument/2006/relationships" xmlns:p="http://schemas.openxmlformats.org/presentationml/2006/main">
+  <p:cSld>
+    <p:spTree>
+      <p:nvGrpSpPr>
+        <p:cNvPr id="1" name=""/>
+        <p:cNvGrpSpPr/>
+        <p:nvPr/>
+      </p:nvGrpSpPr>
+      <p:grpSpPr>
+        <a:xfrm>
+          <a:off x="0" y="0"/>
+          <a:ext cx="0" cy="0"/>
+          <a:chOff x="0" y="0"/>
+          <a:chExt cx="0" cy="0"/>
+        </a:xfrm>
+      </p:grpSpPr>
+      <p:graphicFrame>
+        <p:nvGraphicFramePr>
+          <p:cNvPr id="5" name="图示 4"/>
+          <p:cNvGraphicFramePr/>
+          <p:nvPr>
+            <p:extLst>
+              <p:ext uri="{D42A27DB-BD31-4B8C-83A1-F6EECF244321}">
+                <p14:modId xmlns:p14="http://schemas.microsoft.com/office/powerpoint/2010/main" val="111665507"/>
+              </p:ext>
+            </p:extLst>
+          </p:nvPr>
+        </p:nvGraphicFramePr>
+        <p:xfrm>
+          <a:off x="609600" y="310039"/>
+          <a:ext cx="7772400" cy="4185761"/>
+        </p:xfrm>
+        <a:graphic>
+          <a:graphicData uri="http://schemas.openxmlformats.org/drawingml/2006/diagram">
+            <dgm:relIds xmlns:dgm="http://schemas.openxmlformats.org/drawingml/2006/diagram" xmlns:r="http://schemas.openxmlformats.org/officeDocument/2006/relationships" r:dm="rId3" r:lo="rId4" r:qs="rId5" r:cs="rId6"/>
+          </a:graphicData>
+        </a:graphic>
+      </p:graphicFrame>
+      <p:pic>
+        <p:nvPicPr>
+          <p:cNvPr id="4" name="Picture 3" descr="E:\16.培训PPT\图片\194915561.png"/>
+          <p:cNvPicPr>
+            <a:picLocks noChangeAspect="1" noChangeArrowheads="1"/>
+          </p:cNvPicPr>
+          <p:nvPr/>
+        </p:nvPicPr>
+        <p:blipFill>
+          <a:blip r:embed="rId8">
+            <a:extLst>
+              <a:ext uri="{28A0092B-C50C-407E-A947-70E740481C1C}">
+                <a14:useLocalDpi xmlns:a14="http://schemas.microsoft.com/office/drawing/2010/main" val="0"/>
+              </a:ext>
+            </a:extLst>
+          </a:blip>
+          <a:srcRect/>
+          <a:stretch>
+            <a:fillRect/>
+          </a:stretch>
+        </p:blipFill>
+        <p:spPr bwMode="auto">
+          <a:xfrm>
+            <a:off x="5105400" y="2168320"/>
+            <a:ext cx="3752850" cy="3490858"/>
+          </a:xfrm>
+          <a:prstGeom prst="rect">
+            <a:avLst/>
+          </a:prstGeom>
+          <a:noFill/>
+          <a:ln>
+            <a:solidFill>
+              <a:schemeClr val="tx1">
+                <a:lumMod val="95000"/>
+                <a:lumOff val="5000"/>
+              </a:schemeClr>
+            </a:solidFill>
+          </a:ln>
+          <a:extLst>
+            <a:ext uri="{909E8E84-426E-40DD-AFC4-6F175D3DCCD1}">
+              <a14:hiddenFill xmlns:a14="http://schemas.microsoft.com/office/drawing/2010/main">
+                <a:solidFill>
+                  <a:srgbClr val="FFFFFF"/>
+                </a:solidFill>
+              </a14:hiddenFill>
+            </a:ext>
+          </a:extLst>
+        </p:spPr>
+      </p:pic>
+    </p:spTree>
+    <p:extLst>
+      <p:ext uri="{BB962C8B-B14F-4D97-AF65-F5344CB8AC3E}">
+        <p14:creationId xmlns:p14="http://schemas.microsoft.com/office/powerpoint/2010/main" val="4072774200"/>
+      </p:ext>
+    </p:extLst>
+  </p:cSld>
+  <p:clrMapOvr>
+    <a:masterClrMapping/>
+  </p:clrMapOvr>
+  <p:transition/>
+  <p:timing>
+    <p:tnLst>
+      <p:par>
+        <p:cTn id="1" dur="indefinite" restart="never" nodeType="tmRoot">
+          <p:childTnLst>
+            <p:seq concurrent="1" nextAc="seek">
+              <p:cTn id="2" dur="indefinite" nodeType="mainSeq">
+                <p:childTnLst>
+                  <p:par>
+                    <p:cTn id="3" fill="hold">
+                      <p:stCondLst>
+                        <p:cond delay="indefinite"/>
+                      </p:stCondLst>
+                      <p:childTnLst>
+                        <p:par>
+                          <p:cTn id="4" fill="hold">
+                            <p:stCondLst>
+                              <p:cond delay="0"/>
+                            </p:stCondLst>
+                            <p:childTnLst>
+                              <p:par>
+                                <p:cTn id="5" presetID="42" presetClass="entr" presetSubtype="0" fill="hold" nodeType="clickEffect">
+                                  <p:stCondLst>
+                                    <p:cond delay="0"/>
+                                  </p:stCondLst>
+                                  <p:childTnLst>
+                                    <p:set>
+                                      <p:cBhvr>
+                                        <p:cTn id="6" dur="1" fill="hold">
+                                          <p:stCondLst>
+                                            <p:cond delay="0"/>
+                                          </p:stCondLst>
+                                        </p:cTn>
+                                        <p:tgtEl>
+                                          <p:spTgt spid="4"/>
+                                        </p:tgtEl>
+                                        <p:attrNameLst>
+                                          <p:attrName>style.visibility</p:attrName>
+                                        </p:attrNameLst>
+                                      </p:cBhvr>
+                                      <p:to>
+                                        <p:strVal val="visible"/>
+                                      </p:to>
+                                    </p:set>
+                                    <p:animEffect transition="in" filter="fade">
+                                      <p:cBhvr>
+                                        <p:cTn id="7" dur="1000"/>
+                                        <p:tgtEl>
+                                          <p:spTgt spid="4"/>
+                                        </p:tgtEl>
+                                      </p:cBhvr>
+                                    </p:animEffect>
+                                    <p:anim calcmode="lin" valueType="num">
+                                      <p:cBhvr>
+                                        <p:cTn id="8" dur="1000" fill="hold"/>
+                                        <p:tgtEl>
+                                          <p:spTgt spid="4"/>
+                                        </p:tgtEl>
+                                        <p:attrNameLst>
+                                          <p:attrName>ppt_x</p:attrName>
+                                        </p:attrNameLst>
+                                      </p:cBhvr>
+                                      <p:tavLst>
+                                        <p:tav tm="0">
+                                          <p:val>
+                                            <p:strVal val="#ppt_x"/>
+                                          </p:val>
+                                        </p:tav>
+                                        <p:tav tm="100000">
+                                          <p:val>
+                                            <p:strVal val="#ppt_x"/>
+                                          </p:val>
+                                        </p:tav>
+                                      </p:tavLst>
+                                    </p:anim>
+                                    <p:anim calcmode="lin" valueType="num">
+                                      <p:cBhvr>
+                                        <p:cTn id="9" dur="1000" fill="hold"/>
+                                        <p:tgtEl>
+                                          <p:spTgt spid="4"/>
+                                        </p:tgtEl>
+                                        <p:attrNameLst>
+                                          <p:attrName>ppt_y</p:attrName>
+                                        </p:attrNameLst>
+                                      </p:cBhvr>
+                                      <p:tavLst>
+                                        <p:tav tm="0">
+                                          <p:val>
+                                            <p:strVal val="#ppt_y+.1"/>
+                                          </p:val>
+                                        </p:tav>
+                                        <p:tav tm="100000">
+                                          <p:val>
+                                            <p:strVal val="#ppt_y"/>
+                                          </p:val>
+                                        </p:tav>
+                                      </p:tavLst>
+                                    </p:anim>
+                                  </p:childTnLst>
+                                </p:cTn>
+                              </p:par>
+                            </p:childTnLst>
+                          </p:cTn>
+                        </p:par>
+                      </p:childTnLst>
+                    </p:cTn>
+                  </p:par>
+                </p:childTnLst>
+              </p:cTn>
+              <p:prevCondLst>
+                <p:cond evt="onPrev" delay="0">
+                  <p:tgtEl>
+                    <p:sldTgt/>
+                  </p:tgtEl>
+                </p:cond>
+              </p:prevCondLst>
+              <p:nextCondLst>
+                <p:cond evt="onNext" delay="0">
+                  <p:tgtEl>
+                    <p:sldTgt/>
+                  </p:tgtEl>
+                </p:cond>
+              </p:nextCondLst>
+            </p:seq>
+          </p:childTnLst>
+        </p:cTn>
+      </p:par>
+    </p:tnLst>
+  </p:timing>
+</p:sld>
+</file>
+
+<file path=ppt/slides/slide16.xml><?xml version="1.0" encoding="utf-8"?>
+<p:sld xmlns:a="http://schemas.openxmlformats.org/drawingml/2006/main" xmlns:r="http://schemas.openxmlformats.org/officeDocument/2006/relationships" xmlns:p="http://schemas.openxmlformats.org/presentationml/2006/main">
+  <p:cSld>
+    <p:spTree>
+      <p:nvGrpSpPr>
+        <p:cNvPr id="1" name=""/>
+        <p:cNvGrpSpPr/>
+        <p:nvPr/>
+      </p:nvGrpSpPr>
+      <p:grpSpPr>
+        <a:xfrm>
+          <a:off x="0" y="0"/>
+          <a:ext cx="0" cy="0"/>
+          <a:chOff x="0" y="0"/>
+          <a:chExt cx="0" cy="0"/>
+        </a:xfrm>
+      </p:grpSpPr>
+      <p:graphicFrame>
+        <p:nvGraphicFramePr>
+          <p:cNvPr id="3" name="图示 2"/>
+          <p:cNvGraphicFramePr/>
+          <p:nvPr>
+            <p:extLst>
+              <p:ext uri="{D42A27DB-BD31-4B8C-83A1-F6EECF244321}">
+                <p14:modId xmlns:p14="http://schemas.microsoft.com/office/powerpoint/2010/main" val="1011427966"/>
+              </p:ext>
+            </p:extLst>
+          </p:nvPr>
+        </p:nvGraphicFramePr>
+        <p:xfrm>
+          <a:off x="609600" y="304800"/>
+          <a:ext cx="7772400" cy="4062651"/>
+        </p:xfrm>
+        <a:graphic>
+          <a:graphicData uri="http://schemas.openxmlformats.org/drawingml/2006/diagram">
+            <dgm:relIds xmlns:dgm="http://schemas.openxmlformats.org/drawingml/2006/diagram" xmlns:r="http://schemas.openxmlformats.org/officeDocument/2006/relationships" r:dm="rId3" r:lo="rId4" r:qs="rId5" r:cs="rId6"/>
+          </a:graphicData>
+        </a:graphic>
+      </p:graphicFrame>
+    </p:spTree>
+    <p:extLst>
+      <p:ext uri="{BB962C8B-B14F-4D97-AF65-F5344CB8AC3E}">
+        <p14:creationId xmlns:p14="http://schemas.microsoft.com/office/powerpoint/2010/main" val="4072774200"/>
+      </p:ext>
+    </p:extLst>
+  </p:cSld>
+  <p:clrMapOvr>
+    <a:masterClrMapping/>
+  </p:clrMapOvr>
+  <p:transition/>
+  <p:timing>
+    <p:tnLst>
+      <p:par>
+        <p:cTn id="1" dur="indefinite" restart="never" nodeType="tmRoot"/>
+      </p:par>
+    </p:tnLst>
+  </p:timing>
+</p:sld>
+</file>
+
+<file path=ppt/slides/slide17.xml><?xml version="1.0" encoding="utf-8"?>
+<p:sld xmlns:a="http://schemas.openxmlformats.org/drawingml/2006/main" xmlns:r="http://schemas.openxmlformats.org/officeDocument/2006/relationships" xmlns:p="http://schemas.openxmlformats.org/presentationml/2006/main">
+  <p:cSld>
+    <p:spTree>
+      <p:nvGrpSpPr>
+        <p:cNvPr id="1" name=""/>
+        <p:cNvGrpSpPr/>
+        <p:nvPr/>
+      </p:nvGrpSpPr>
+      <p:grpSpPr>
+        <a:xfrm>
+          <a:off x="0" y="0"/>
+          <a:ext cx="0" cy="0"/>
+          <a:chOff x="0" y="0"/>
+          <a:chExt cx="0" cy="0"/>
+        </a:xfrm>
+      </p:grpSpPr>
+      <p:pic>
+        <p:nvPicPr>
+          <p:cNvPr id="3" name="Picture 2" descr="E:\16.培训PPT\图片\122411_2gqn_175925.jpg"/>
+          <p:cNvPicPr>
+            <a:picLocks noChangeAspect="1" noChangeArrowheads="1"/>
+          </p:cNvPicPr>
+          <p:nvPr/>
+        </p:nvPicPr>
+        <p:blipFill>
+          <a:blip r:embed="rId3">
+            <a:extLst>
+              <a:ext uri="{28A0092B-C50C-407E-A947-70E740481C1C}">
+                <a14:useLocalDpi xmlns:a14="http://schemas.microsoft.com/office/drawing/2010/main" val="0"/>
+              </a:ext>
+            </a:extLst>
+          </a:blip>
+          <a:srcRect/>
+          <a:stretch>
+            <a:fillRect/>
+          </a:stretch>
+        </p:blipFill>
+        <p:spPr bwMode="auto">
+          <a:xfrm>
+            <a:off x="1143000" y="1524000"/>
+            <a:ext cx="7048500" cy="3057525"/>
+          </a:xfrm>
+          <a:prstGeom prst="rect">
+            <a:avLst/>
+          </a:prstGeom>
+          <a:noFill/>
+          <a:ln>
+            <a:solidFill>
+              <a:schemeClr val="tx1">
+                <a:lumMod val="95000"/>
+                <a:lumOff val="5000"/>
+              </a:schemeClr>
+            </a:solidFill>
+          </a:ln>
+          <a:extLst>
+            <a:ext uri="{909E8E84-426E-40DD-AFC4-6F175D3DCCD1}">
+              <a14:hiddenFill xmlns:a14="http://schemas.microsoft.com/office/drawing/2010/main">
+                <a:solidFill>
+                  <a:srgbClr val="FFFFFF"/>
+                </a:solidFill>
+              </a14:hiddenFill>
+            </a:ext>
+          </a:extLst>
+        </p:spPr>
+      </p:pic>
+      <p:sp>
+        <p:nvSpPr>
+          <p:cNvPr id="6" name="标题 1"/>
+          <p:cNvSpPr>
+            <a:spLocks noGrp="1"/>
+          </p:cNvSpPr>
+          <p:nvPr>
+            <p:ph type="title"/>
+          </p:nvPr>
+        </p:nvSpPr>
+        <p:spPr>
+          <a:xfrm>
+            <a:off x="457200" y="274638"/>
+            <a:ext cx="8229600" cy="715962"/>
+          </a:xfrm>
+        </p:spPr>
+        <p:txBody>
+          <a:bodyPr/>
+          <a:lstStyle/>
+          <a:p>
+            <a:r>
+              <a:rPr lang="zh-CN" altLang="en-US" sz="3600" dirty="0">
+                <a:solidFill>
+                  <a:srgbClr val="E46C0A"/>
+                </a:solidFill>
+                <a:latin typeface="微软雅黑" panose="020B0503020204020204" pitchFamily="34" charset="-122"/>
+                <a:ea typeface="微软雅黑" panose="020B0503020204020204" pitchFamily="34" charset="-122"/>
+              </a:rPr>
+              <a:t>回顾</a:t>
+            </a:r>
+          </a:p>
+        </p:txBody>
+      </p:sp>
+    </p:spTree>
+    <p:extLst>
+      <p:ext uri="{BB962C8B-B14F-4D97-AF65-F5344CB8AC3E}">
+        <p14:creationId xmlns:p14="http://schemas.microsoft.com/office/powerpoint/2010/main" val="1584662295"/>
+      </p:ext>
+    </p:extLst>
+  </p:cSld>
+  <p:clrMapOvr>
+    <a:masterClrMapping/>
+  </p:clrMapOvr>
+  <p:transition/>
+  <p:timing>
+    <p:tnLst>
+      <p:par>
+        <p:cTn id="1" dur="indefinite" restart="never" nodeType="tmRoot"/>
+      </p:par>
+    </p:tnLst>
+  </p:timing>
+</p:sld>
+</file>
+
+<file path=ppt/slides/slide18.xml><?xml version="1.0" encoding="utf-8"?>
+<p:sld xmlns:a="http://schemas.openxmlformats.org/drawingml/2006/main" xmlns:r="http://schemas.openxmlformats.org/officeDocument/2006/relationships" xmlns:p="http://schemas.openxmlformats.org/presentationml/2006/main">
+  <p:cSld>
+    <p:spTree>
+      <p:nvGrpSpPr>
+        <p:cNvPr id="1" name=""/>
+        <p:cNvGrpSpPr/>
+        <p:nvPr/>
+      </p:nvGrpSpPr>
+      <p:grpSpPr>
+        <a:xfrm>
+          <a:off x="0" y="0"/>
+          <a:ext cx="0" cy="0"/>
+          <a:chOff x="0" y="0"/>
+          <a:chExt cx="0" cy="0"/>
+        </a:xfrm>
+      </p:grpSpPr>
+      <p:pic>
+        <p:nvPicPr>
+          <p:cNvPr id="3" name="Picture 2" descr="E:\16.培训PPT\图片\122411_2gqn_175925.jpg"/>
+          <p:cNvPicPr>
+            <a:picLocks noChangeAspect="1" noChangeArrowheads="1"/>
+          </p:cNvPicPr>
+          <p:nvPr/>
+        </p:nvPicPr>
+        <p:blipFill>
+          <a:blip r:embed="rId3">
+            <a:extLst>
+              <a:ext uri="{28A0092B-C50C-407E-A947-70E740481C1C}">
+                <a14:useLocalDpi xmlns:a14="http://schemas.microsoft.com/office/drawing/2010/main" val="0"/>
+              </a:ext>
+            </a:extLst>
+          </a:blip>
+          <a:srcRect/>
+          <a:stretch>
+            <a:fillRect/>
+          </a:stretch>
+        </p:blipFill>
+        <p:spPr bwMode="auto">
+          <a:xfrm>
+            <a:off x="1143000" y="1524000"/>
+            <a:ext cx="7048500" cy="3057525"/>
+          </a:xfrm>
+          <a:prstGeom prst="rect">
+            <a:avLst/>
+          </a:prstGeom>
+          <a:noFill/>
+          <a:ln>
+            <a:solidFill>
+              <a:schemeClr val="tx1">
+                <a:lumMod val="95000"/>
+                <a:lumOff val="5000"/>
+              </a:schemeClr>
+            </a:solidFill>
+          </a:ln>
+          <a:extLst>
+            <a:ext uri="{909E8E84-426E-40DD-AFC4-6F175D3DCCD1}">
+              <a14:hiddenFill xmlns:a14="http://schemas.microsoft.com/office/drawing/2010/main">
+                <a:solidFill>
+                  <a:srgbClr val="FFFFFF"/>
+                </a:solidFill>
+              </a14:hiddenFill>
+            </a:ext>
+          </a:extLst>
+        </p:spPr>
+      </p:pic>
+      <p:sp>
+        <p:nvSpPr>
+          <p:cNvPr id="6" name="标题 1"/>
+          <p:cNvSpPr>
+            <a:spLocks noGrp="1"/>
+          </p:cNvSpPr>
+          <p:nvPr>
+            <p:ph type="title"/>
+          </p:nvPr>
+        </p:nvSpPr>
+        <p:spPr>
+          <a:xfrm>
+            <a:off x="457200" y="274638"/>
+            <a:ext cx="8229600" cy="715962"/>
+          </a:xfrm>
+        </p:spPr>
+        <p:txBody>
+          <a:bodyPr/>
+          <a:lstStyle/>
+          <a:p>
+            <a:r>
+              <a:rPr lang="zh-CN" altLang="en-US" sz="3600" dirty="0">
+                <a:solidFill>
+                  <a:srgbClr val="E46C0A"/>
+                </a:solidFill>
+                <a:latin typeface="微软雅黑" panose="020B0503020204020204" pitchFamily="34" charset="-122"/>
+                <a:ea typeface="微软雅黑" panose="020B0503020204020204" pitchFamily="34" charset="-122"/>
+              </a:rPr>
+              <a:t>回顾</a:t>
+            </a:r>
+          </a:p>
+        </p:txBody>
+      </p:sp>
+    </p:spTree>
+    <p:extLst>
+      <p:ext uri="{BB962C8B-B14F-4D97-AF65-F5344CB8AC3E}">
+        <p14:creationId xmlns:p14="http://schemas.microsoft.com/office/powerpoint/2010/main" val="3152901969"/>
+      </p:ext>
+    </p:extLst>
+  </p:cSld>
+  <p:clrMapOvr>
+    <a:masterClrMapping/>
+  </p:clrMapOvr>
+  <p:transition/>
+  <p:timing>
+    <p:tnLst>
+      <p:par>
+        <p:cTn id="1" dur="indefinite" restart="never" nodeType="tmRoot"/>
+      </p:par>
+    </p:tnLst>
+  </p:timing>
+</p:sld>
+</file>
+
+<file path=ppt/slides/slide19.xml><?xml version="1.0" encoding="utf-8"?>
+<p:sld xmlns:a="http://schemas.openxmlformats.org/drawingml/2006/main" xmlns:r="http://schemas.openxmlformats.org/officeDocument/2006/relationships" xmlns:p="http://schemas.openxmlformats.org/presentationml/2006/main">
+  <p:cSld>
+    <p:spTree>
+      <p:nvGrpSpPr>
+        <p:cNvPr id="1" name=""/>
+        <p:cNvGrpSpPr/>
+        <p:nvPr/>
+      </p:nvGrpSpPr>
+      <p:grpSpPr>
+        <a:xfrm>
+          <a:off x="0" y="0"/>
+          <a:ext cx="0" cy="0"/>
+          <a:chOff x="0" y="0"/>
+          <a:chExt cx="0" cy="0"/>
+        </a:xfrm>
+      </p:grpSpPr>
+      <p:pic>
+        <p:nvPicPr>
+          <p:cNvPr id="1026" name="Picture 2"/>
+          <p:cNvPicPr>
+            <a:picLocks noChangeAspect="1" noChangeArrowheads="1"/>
+          </p:cNvPicPr>
+          <p:nvPr/>
+        </p:nvPicPr>
+        <p:blipFill>
+          <a:blip r:embed="rId2">
+            <a:extLst>
+              <a:ext uri="{28A0092B-C50C-407E-A947-70E740481C1C}">
+                <a14:useLocalDpi xmlns:a14="http://schemas.microsoft.com/office/drawing/2010/main" val="0"/>
+              </a:ext>
+            </a:extLst>
+          </a:blip>
+          <a:srcRect/>
+          <a:stretch>
+            <a:fillRect/>
+          </a:stretch>
+        </p:blipFill>
+        <p:spPr bwMode="auto">
+          <a:xfrm>
+            <a:off x="1600200" y="1905000"/>
+            <a:ext cx="6134100" cy="1485900"/>
+          </a:xfrm>
+          <a:prstGeom prst="rect">
+            <a:avLst/>
+          </a:prstGeom>
+          <a:noFill/>
+          <a:ln w="9525">
+            <a:solidFill>
+              <a:schemeClr val="tx1"/>
+            </a:solidFill>
+            <a:miter lim="800000"/>
+            <a:headEnd/>
+            <a:tailEnd/>
+          </a:ln>
+          <a:effectLst/>
+          <a:extLst>
+            <a:ext uri="{909E8E84-426E-40DD-AFC4-6F175D3DCCD1}">
+              <a14:hiddenFill xmlns:a14="http://schemas.microsoft.com/office/drawing/2010/main">
+                <a:solidFill>
+                  <a:schemeClr val="accent1"/>
+                </a:solidFill>
+              </a14:hiddenFill>
+            </a:ext>
+            <a:ext uri="{AF507438-7753-43E0-B8FC-AC1667EBCBE1}">
+              <a14:hiddenEffects xmlns:a14="http://schemas.microsoft.com/office/drawing/2010/main">
+                <a:effectLst>
+                  <a:outerShdw dist="35921" dir="2700000" algn="ctr" rotWithShape="0">
+                    <a:schemeClr val="bg2"/>
+                  </a:outerShdw>
+                </a:effectLst>
+              </a14:hiddenEffects>
+            </a:ext>
+          </a:extLst>
+        </p:spPr>
+      </p:pic>
+      <p:sp>
+        <p:nvSpPr>
+          <p:cNvPr id="3" name="标题 1"/>
+          <p:cNvSpPr>
+            <a:spLocks noGrp="1"/>
+          </p:cNvSpPr>
+          <p:nvPr>
+            <p:ph type="title"/>
+          </p:nvPr>
+        </p:nvSpPr>
+        <p:spPr>
+          <a:xfrm>
+            <a:off x="457200" y="274638"/>
+            <a:ext cx="8229600" cy="715962"/>
+          </a:xfrm>
+        </p:spPr>
+        <p:txBody>
+          <a:bodyPr/>
+          <a:lstStyle/>
+          <a:p>
+            <a:r>
+              <a:rPr lang="zh-CN" altLang="en-US" sz="3600" dirty="0" smtClean="0">
+                <a:solidFill>
+                  <a:srgbClr val="E46C0A"/>
+                </a:solidFill>
+                <a:latin typeface="微软雅黑" panose="020B0503020204020204" pitchFamily="34" charset="-122"/>
+                <a:ea typeface="微软雅黑" panose="020B0503020204020204" pitchFamily="34" charset="-122"/>
+              </a:rPr>
+              <a:t>敏捷是一种思想</a:t>
+            </a:r>
+            <a:endParaRPr lang="zh-CN" altLang="en-US" sz="3600" dirty="0">
+              <a:solidFill>
+                <a:srgbClr val="E46C0A"/>
+              </a:solidFill>
+              <a:latin typeface="微软雅黑" panose="020B0503020204020204" pitchFamily="34" charset="-122"/>
+              <a:ea typeface="微软雅黑" panose="020B0503020204020204" pitchFamily="34" charset="-122"/>
+            </a:endParaRPr>
+          </a:p>
+        </p:txBody>
+      </p:sp>
+    </p:spTree>
+    <p:extLst>
+      <p:ext uri="{BB962C8B-B14F-4D97-AF65-F5344CB8AC3E}">
+        <p14:creationId xmlns:p14="http://schemas.microsoft.com/office/powerpoint/2010/main" val="1623504350"/>
+      </p:ext>
+    </p:extLst>
+  </p:cSld>
+  <p:clrMapOvr>
+    <a:masterClrMapping/>
+  </p:clrMapOvr>
+  <p:transition/>
+  <p:timing>
+    <p:tnLst>
+      <p:par>
+        <p:cTn id="1" dur="indefinite" restart="never" nodeType="tmRoot"/>
+      </p:par>
+    </p:tnLst>
+  </p:timing>
+</p:sld>
+</file>
+
+<file path=ppt/slides/slide2.xml><?xml version="1.0" encoding="utf-8"?>
+<p:sld xmlns:a="http://schemas.openxmlformats.org/drawingml/2006/main" xmlns:r="http://schemas.openxmlformats.org/officeDocument/2006/relationships" xmlns:p="http://schemas.openxmlformats.org/presentationml/2006/main">
+  <p:cSld>
+    <p:spTree>
+      <p:nvGrpSpPr>
+        <p:cNvPr id="1" name=""/>
+        <p:cNvGrpSpPr/>
+        <p:nvPr/>
+      </p:nvGrpSpPr>
+      <p:grpSpPr>
+        <a:xfrm>
+          <a:off x="0" y="0"/>
+          <a:ext cx="0" cy="0"/>
+          <a:chOff x="0" y="0"/>
+          <a:chExt cx="0" cy="0"/>
+        </a:xfrm>
+      </p:grpSpPr>
+      <p:sp>
+        <p:nvSpPr>
           <p:cNvPr id="3" name="标题 1"/>
           <p:cNvSpPr>
             <a:spLocks noGrp="1"/>
@@ -14415,58 +17225,13 @@
       </p:sp>
       <p:sp>
         <p:nvSpPr>
-          <p:cNvPr id="15" name="矩形 14"/>
-          <p:cNvSpPr/>
-          <p:nvPr/>
-        </p:nvSpPr>
-        <p:spPr>
-          <a:xfrm>
-            <a:off x="3276600" y="1653210"/>
-            <a:ext cx="1713290" cy="497316"/>
-          </a:xfrm>
-          <a:prstGeom prst="rect">
-            <a:avLst/>
-          </a:prstGeom>
-        </p:spPr>
-        <p:txBody>
-          <a:bodyPr wrap="none">
-            <a:spAutoFit/>
-          </a:bodyPr>
-          <a:lstStyle/>
-          <a:p>
-            <a:pPr lvl="1" eaLnBrk="1" hangingPunct="1">
-              <a:lnSpc>
-                <a:spcPct val="120000"/>
-              </a:lnSpc>
-              <a:buFontTx/>
-              <a:buBlip>
-                <a:blip r:embed="rId4"/>
-              </a:buBlip>
-              <a:defRPr/>
-            </a:pPr>
-            <a:r>
-              <a:rPr lang="zh-CN" altLang="en-US" sz="2400" dirty="0" smtClean="0">
-                <a:ea typeface="微软雅黑" pitchFamily="34" charset="-122"/>
-                <a:cs typeface="Tahoma" pitchFamily="34" charset="0"/>
-              </a:rPr>
-              <a:t>标签：</a:t>
-            </a:r>
-            <a:endParaRPr lang="en-US" altLang="zh-CN" sz="2400" dirty="0">
-              <a:ea typeface="微软雅黑" pitchFamily="34" charset="-122"/>
-              <a:cs typeface="Tahoma" pitchFamily="34" charset="0"/>
-            </a:endParaRPr>
-          </a:p>
-        </p:txBody>
-      </p:sp>
-      <p:sp>
-        <p:nvSpPr>
           <p:cNvPr id="16" name="爆炸形 1 15"/>
           <p:cNvSpPr/>
           <p:nvPr/>
         </p:nvSpPr>
         <p:spPr bwMode="auto">
           <a:xfrm>
-            <a:off x="3848100" y="2209800"/>
+            <a:off x="3549926" y="1740634"/>
             <a:ext cx="2819400" cy="1166932"/>
           </a:xfrm>
           <a:prstGeom prst="irregularSeal1">
@@ -14476,13 +17241,13 @@
         </p:spPr>
         <p:style>
           <a:lnRef idx="1">
-            <a:schemeClr val="accent1"/>
+            <a:schemeClr val="accent6"/>
           </a:lnRef>
           <a:fillRef idx="2">
-            <a:schemeClr val="accent1"/>
+            <a:schemeClr val="accent6"/>
           </a:fillRef>
           <a:effectRef idx="1">
-            <a:schemeClr val="accent1"/>
+            <a:schemeClr val="accent6"/>
           </a:effectRef>
           <a:fontRef idx="minor">
             <a:schemeClr val="dk1"/>
@@ -14521,7 +17286,7 @@
         </p:nvSpPr>
         <p:spPr bwMode="auto">
           <a:xfrm>
-            <a:off x="6172200" y="2971800"/>
+            <a:off x="5988328" y="2934070"/>
             <a:ext cx="2819400" cy="1059963"/>
           </a:xfrm>
           <a:prstGeom prst="irregularSeal1">
@@ -14531,13 +17296,13 @@
         </p:spPr>
         <p:style>
           <a:lnRef idx="1">
-            <a:schemeClr val="accent1"/>
+            <a:schemeClr val="accent6"/>
           </a:lnRef>
           <a:fillRef idx="2">
-            <a:schemeClr val="accent1"/>
+            <a:schemeClr val="accent6"/>
           </a:fillRef>
           <a:effectRef idx="1">
-            <a:schemeClr val="accent1"/>
+            <a:schemeClr val="accent6"/>
           </a:effectRef>
           <a:fontRef idx="minor">
             <a:schemeClr val="dk1"/>
@@ -14576,7 +17341,7 @@
         </p:nvSpPr>
         <p:spPr bwMode="auto">
           <a:xfrm>
-            <a:off x="3580190" y="3528180"/>
+            <a:off x="3352800" y="3512037"/>
             <a:ext cx="2819400" cy="1059963"/>
           </a:xfrm>
           <a:prstGeom prst="irregularSeal1">
@@ -14586,13 +17351,13 @@
         </p:spPr>
         <p:style>
           <a:lnRef idx="1">
-            <a:schemeClr val="accent1"/>
+            <a:schemeClr val="accent6"/>
           </a:lnRef>
           <a:fillRef idx="2">
-            <a:schemeClr val="accent1"/>
+            <a:schemeClr val="accent6"/>
           </a:fillRef>
           <a:effectRef idx="1">
-            <a:schemeClr val="accent1"/>
+            <a:schemeClr val="accent6"/>
           </a:effectRef>
           <a:fontRef idx="minor">
             <a:schemeClr val="dk1"/>
@@ -14631,7 +17396,7 @@
         </p:nvSpPr>
         <p:spPr bwMode="auto">
           <a:xfrm>
-            <a:off x="5562600" y="4601395"/>
+            <a:off x="5840896" y="4611545"/>
             <a:ext cx="2819400" cy="1059963"/>
           </a:xfrm>
           <a:prstGeom prst="irregularSeal1">
@@ -14641,13 +17406,13 @@
         </p:spPr>
         <p:style>
           <a:lnRef idx="1">
-            <a:schemeClr val="accent1"/>
+            <a:schemeClr val="accent6"/>
           </a:lnRef>
           <a:fillRef idx="2">
-            <a:schemeClr val="accent1"/>
+            <a:schemeClr val="accent6"/>
           </a:fillRef>
           <a:effectRef idx="1">
-            <a:schemeClr val="accent1"/>
+            <a:schemeClr val="accent6"/>
           </a:effectRef>
           <a:fontRef idx="minor">
             <a:schemeClr val="dk1"/>
@@ -14874,7 +17639,7 @@
                             </p:stCondLst>
                             <p:childTnLst>
                               <p:par>
-                                <p:cTn id="15" presetID="2" presetClass="entr" presetSubtype="4" fill="hold" grpId="0" nodeType="clickEffect">
+                                <p:cTn id="15" presetID="14" presetClass="entr" presetSubtype="10" fill="hold" grpId="0" nodeType="clickEffect">
                                   <p:stCondLst>
                                     <p:cond delay="0"/>
                                   </p:stCondLst>
@@ -14882,79 +17647,6 @@
                                     <p:set>
                                       <p:cBhvr>
                                         <p:cTn id="16" dur="1" fill="hold">
-                                          <p:stCondLst>
-                                            <p:cond delay="0"/>
-                                          </p:stCondLst>
-                                        </p:cTn>
-                                        <p:tgtEl>
-                                          <p:spTgt spid="15"/>
-                                        </p:tgtEl>
-                                        <p:attrNameLst>
-                                          <p:attrName>style.visibility</p:attrName>
-                                        </p:attrNameLst>
-                                      </p:cBhvr>
-                                      <p:to>
-                                        <p:strVal val="visible"/>
-                                      </p:to>
-                                    </p:set>
-                                    <p:anim calcmode="lin" valueType="num">
-                                      <p:cBhvr additive="base">
-                                        <p:cTn id="17" dur="500" fill="hold"/>
-                                        <p:tgtEl>
-                                          <p:spTgt spid="15"/>
-                                        </p:tgtEl>
-                                        <p:attrNameLst>
-                                          <p:attrName>ppt_x</p:attrName>
-                                        </p:attrNameLst>
-                                      </p:cBhvr>
-                                      <p:tavLst>
-                                        <p:tav tm="0">
-                                          <p:val>
-                                            <p:strVal val="#ppt_x"/>
-                                          </p:val>
-                                        </p:tav>
-                                        <p:tav tm="100000">
-                                          <p:val>
-                                            <p:strVal val="#ppt_x"/>
-                                          </p:val>
-                                        </p:tav>
-                                      </p:tavLst>
-                                    </p:anim>
-                                    <p:anim calcmode="lin" valueType="num">
-                                      <p:cBhvr additive="base">
-                                        <p:cTn id="18" dur="500" fill="hold"/>
-                                        <p:tgtEl>
-                                          <p:spTgt spid="15"/>
-                                        </p:tgtEl>
-                                        <p:attrNameLst>
-                                          <p:attrName>ppt_y</p:attrName>
-                                        </p:attrNameLst>
-                                      </p:cBhvr>
-                                      <p:tavLst>
-                                        <p:tav tm="0">
-                                          <p:val>
-                                            <p:strVal val="1+#ppt_h/2"/>
-                                          </p:val>
-                                        </p:tav>
-                                        <p:tav tm="100000">
-                                          <p:val>
-                                            <p:strVal val="#ppt_y"/>
-                                          </p:val>
-                                        </p:tav>
-                                      </p:tavLst>
-                                    </p:anim>
-                                  </p:childTnLst>
-                                </p:cTn>
-                              </p:par>
-                              <p:par>
-                                <p:cTn id="19" presetID="2" presetClass="entr" presetSubtype="4" fill="hold" grpId="0" nodeType="withEffect">
-                                  <p:stCondLst>
-                                    <p:cond delay="0"/>
-                                  </p:stCondLst>
-                                  <p:childTnLst>
-                                    <p:set>
-                                      <p:cBhvr>
-                                        <p:cTn id="20" dur="1" fill="hold">
                                           <p:stCondLst>
                                             <p:cond delay="0"/>
                                           </p:stCondLst>
@@ -14970,52 +17662,67 @@
                                         <p:strVal val="visible"/>
                                       </p:to>
                                     </p:set>
-                                    <p:anim calcmode="lin" valueType="num">
-                                      <p:cBhvr additive="base">
-                                        <p:cTn id="21" dur="500" fill="hold"/>
+                                    <p:animEffect transition="in" filter="randombar(horizontal)">
+                                      <p:cBhvr>
+                                        <p:cTn id="17" dur="500"/>
                                         <p:tgtEl>
                                           <p:spTgt spid="16"/>
                                         </p:tgtEl>
+                                      </p:cBhvr>
+                                    </p:animEffect>
+                                  </p:childTnLst>
+                                </p:cTn>
+                              </p:par>
+                            </p:childTnLst>
+                          </p:cTn>
+                        </p:par>
+                      </p:childTnLst>
+                    </p:cTn>
+                  </p:par>
+                  <p:par>
+                    <p:cTn id="18" fill="hold">
+                      <p:stCondLst>
+                        <p:cond delay="indefinite"/>
+                      </p:stCondLst>
+                      <p:childTnLst>
+                        <p:par>
+                          <p:cTn id="19" fill="hold">
+                            <p:stCondLst>
+                              <p:cond delay="0"/>
+                            </p:stCondLst>
+                            <p:childTnLst>
+                              <p:par>
+                                <p:cTn id="20" presetID="14" presetClass="entr" presetSubtype="10" fill="hold" grpId="0" nodeType="clickEffect">
+                                  <p:stCondLst>
+                                    <p:cond delay="0"/>
+                                  </p:stCondLst>
+                                  <p:childTnLst>
+                                    <p:set>
+                                      <p:cBhvr>
+                                        <p:cTn id="21" dur="1" fill="hold">
+                                          <p:stCondLst>
+                                            <p:cond delay="0"/>
+                                          </p:stCondLst>
+                                        </p:cTn>
+                                        <p:tgtEl>
+                                          <p:spTgt spid="18"/>
+                                        </p:tgtEl>
                                         <p:attrNameLst>
-                                          <p:attrName>ppt_x</p:attrName>
+                                          <p:attrName>style.visibility</p:attrName>
                                         </p:attrNameLst>
                                       </p:cBhvr>
-                                      <p:tavLst>
-                                        <p:tav tm="0">
-                                          <p:val>
-                                            <p:strVal val="#ppt_x"/>
-                                          </p:val>
-                                        </p:tav>
-                                        <p:tav tm="100000">
-                                          <p:val>
-                                            <p:strVal val="#ppt_x"/>
-                                          </p:val>
-                                        </p:tav>
-                                      </p:tavLst>
-                                    </p:anim>
-                                    <p:anim calcmode="lin" valueType="num">
-                                      <p:cBhvr additive="base">
-                                        <p:cTn id="22" dur="500" fill="hold"/>
+                                      <p:to>
+                                        <p:strVal val="visible"/>
+                                      </p:to>
+                                    </p:set>
+                                    <p:animEffect transition="in" filter="randombar(horizontal)">
+                                      <p:cBhvr>
+                                        <p:cTn id="22" dur="500"/>
                                         <p:tgtEl>
-                                          <p:spTgt spid="16"/>
+                                          <p:spTgt spid="18"/>
                                         </p:tgtEl>
-                                        <p:attrNameLst>
-                                          <p:attrName>ppt_y</p:attrName>
-                                        </p:attrNameLst>
                                       </p:cBhvr>
-                                      <p:tavLst>
-                                        <p:tav tm="0">
-                                          <p:val>
-                                            <p:strVal val="1+#ppt_h/2"/>
-                                          </p:val>
-                                        </p:tav>
-                                        <p:tav tm="100000">
-                                          <p:val>
-                                            <p:strVal val="#ppt_y"/>
-                                          </p:val>
-                                        </p:tav>
-                                      </p:tavLst>
-                                    </p:anim>
+                                    </p:animEffect>
                                   </p:childTnLst>
                                 </p:cTn>
                               </p:par>
@@ -15051,7 +17758,7 @@
                                           </p:stCondLst>
                                         </p:cTn>
                                         <p:tgtEl>
-                                          <p:spTgt spid="18"/>
+                                          <p:spTgt spid="19"/>
                                         </p:tgtEl>
                                         <p:attrNameLst>
                                           <p:attrName>style.visibility</p:attrName>
@@ -15065,7 +17772,7 @@
                                       <p:cBhvr>
                                         <p:cTn id="27" dur="500"/>
                                         <p:tgtEl>
-                                          <p:spTgt spid="18"/>
+                                          <p:spTgt spid="19"/>
                                         </p:tgtEl>
                                       </p:cBhvr>
                                     </p:animEffect>
@@ -15104,7 +17811,7 @@
                                           </p:stCondLst>
                                         </p:cTn>
                                         <p:tgtEl>
-                                          <p:spTgt spid="19"/>
+                                          <p:spTgt spid="20"/>
                                         </p:tgtEl>
                                         <p:attrNameLst>
                                           <p:attrName>style.visibility</p:attrName>
@@ -15117,59 +17824,6 @@
                                     <p:animEffect transition="in" filter="randombar(horizontal)">
                                       <p:cBhvr>
                                         <p:cTn id="32" dur="500"/>
-                                        <p:tgtEl>
-                                          <p:spTgt spid="19"/>
-                                        </p:tgtEl>
-                                      </p:cBhvr>
-                                    </p:animEffect>
-                                  </p:childTnLst>
-                                </p:cTn>
-                              </p:par>
-                            </p:childTnLst>
-                          </p:cTn>
-                        </p:par>
-                      </p:childTnLst>
-                    </p:cTn>
-                  </p:par>
-                  <p:par>
-                    <p:cTn id="33" fill="hold">
-                      <p:stCondLst>
-                        <p:cond delay="indefinite"/>
-                      </p:stCondLst>
-                      <p:childTnLst>
-                        <p:par>
-                          <p:cTn id="34" fill="hold">
-                            <p:stCondLst>
-                              <p:cond delay="0"/>
-                            </p:stCondLst>
-                            <p:childTnLst>
-                              <p:par>
-                                <p:cTn id="35" presetID="14" presetClass="entr" presetSubtype="10" fill="hold" grpId="0" nodeType="clickEffect">
-                                  <p:stCondLst>
-                                    <p:cond delay="0"/>
-                                  </p:stCondLst>
-                                  <p:childTnLst>
-                                    <p:set>
-                                      <p:cBhvr>
-                                        <p:cTn id="36" dur="1" fill="hold">
-                                          <p:stCondLst>
-                                            <p:cond delay="0"/>
-                                          </p:stCondLst>
-                                        </p:cTn>
-                                        <p:tgtEl>
-                                          <p:spTgt spid="20"/>
-                                        </p:tgtEl>
-                                        <p:attrNameLst>
-                                          <p:attrName>style.visibility</p:attrName>
-                                        </p:attrNameLst>
-                                      </p:cBhvr>
-                                      <p:to>
-                                        <p:strVal val="visible"/>
-                                      </p:to>
-                                    </p:set>
-                                    <p:animEffect transition="in" filter="randombar(horizontal)">
-                                      <p:cBhvr>
-                                        <p:cTn id="37" dur="500"/>
                                         <p:tgtEl>
                                           <p:spTgt spid="20"/>
                                         </p:tgtEl>
@@ -15207,7 +17861,6 @@
     </p:tnLst>
     <p:bldLst>
       <p:bldP spid="14" grpId="0"/>
-      <p:bldP spid="15" grpId="0"/>
       <p:bldP spid="16" grpId="0" animBg="1"/>
       <p:bldP spid="18" grpId="0" animBg="1"/>
       <p:bldP spid="19" grpId="0" animBg="1"/>
@@ -15217,615 +17870,7 @@
 </p:sld>
 </file>
 
-<file path=ppt/slides/slide10.xml><?xml version="1.0" encoding="utf-8"?>
-<p:sld xmlns:a="http://schemas.openxmlformats.org/drawingml/2006/main" xmlns:r="http://schemas.openxmlformats.org/officeDocument/2006/relationships" xmlns:p="http://schemas.openxmlformats.org/presentationml/2006/main">
-  <p:cSld>
-    <p:spTree>
-      <p:nvGrpSpPr>
-        <p:cNvPr id="1" name=""/>
-        <p:cNvGrpSpPr/>
-        <p:nvPr/>
-      </p:nvGrpSpPr>
-      <p:grpSpPr>
-        <a:xfrm>
-          <a:off x="0" y="0"/>
-          <a:ext cx="0" cy="0"/>
-          <a:chOff x="0" y="0"/>
-          <a:chExt cx="0" cy="0"/>
-        </a:xfrm>
-      </p:grpSpPr>
-      <p:graphicFrame>
-        <p:nvGraphicFramePr>
-          <p:cNvPr id="3" name="图示 2"/>
-          <p:cNvGraphicFramePr/>
-          <p:nvPr>
-            <p:extLst>
-              <p:ext uri="{D42A27DB-BD31-4B8C-83A1-F6EECF244321}">
-                <p14:modId xmlns:p14="http://schemas.microsoft.com/office/powerpoint/2010/main" val="1298662506"/>
-              </p:ext>
-            </p:extLst>
-          </p:nvPr>
-        </p:nvGraphicFramePr>
-        <p:xfrm>
-          <a:off x="609600" y="304800"/>
-          <a:ext cx="7772400" cy="1600438"/>
-        </p:xfrm>
-        <a:graphic>
-          <a:graphicData uri="http://schemas.openxmlformats.org/drawingml/2006/diagram">
-            <dgm:relIds xmlns:dgm="http://schemas.openxmlformats.org/drawingml/2006/diagram" xmlns:r="http://schemas.openxmlformats.org/officeDocument/2006/relationships" r:dm="rId2" r:lo="rId3" r:qs="rId4" r:cs="rId5"/>
-          </a:graphicData>
-        </a:graphic>
-      </p:graphicFrame>
-    </p:spTree>
-    <p:extLst>
-      <p:ext uri="{BB962C8B-B14F-4D97-AF65-F5344CB8AC3E}">
-        <p14:creationId xmlns:p14="http://schemas.microsoft.com/office/powerpoint/2010/main" val="268147641"/>
-      </p:ext>
-    </p:extLst>
-  </p:cSld>
-  <p:clrMapOvr>
-    <a:masterClrMapping/>
-  </p:clrMapOvr>
-  <p:transition/>
-  <p:timing>
-    <p:tnLst>
-      <p:par>
-        <p:cTn id="1" dur="indefinite" restart="never" nodeType="tmRoot"/>
-      </p:par>
-    </p:tnLst>
-  </p:timing>
-</p:sld>
-</file>
-
-<file path=ppt/slides/slide11.xml><?xml version="1.0" encoding="utf-8"?>
-<p:sld xmlns:a="http://schemas.openxmlformats.org/drawingml/2006/main" xmlns:r="http://schemas.openxmlformats.org/officeDocument/2006/relationships" xmlns:p="http://schemas.openxmlformats.org/presentationml/2006/main">
-  <p:cSld>
-    <p:spTree>
-      <p:nvGrpSpPr>
-        <p:cNvPr id="1" name=""/>
-        <p:cNvGrpSpPr/>
-        <p:nvPr/>
-      </p:nvGrpSpPr>
-      <p:grpSpPr>
-        <a:xfrm>
-          <a:off x="0" y="0"/>
-          <a:ext cx="0" cy="0"/>
-          <a:chOff x="0" y="0"/>
-          <a:chExt cx="0" cy="0"/>
-        </a:xfrm>
-      </p:grpSpPr>
-      <p:graphicFrame>
-        <p:nvGraphicFramePr>
-          <p:cNvPr id="5" name="图示 4"/>
-          <p:cNvGraphicFramePr/>
-          <p:nvPr>
-            <p:extLst>
-              <p:ext uri="{D42A27DB-BD31-4B8C-83A1-F6EECF244321}">
-                <p14:modId xmlns:p14="http://schemas.microsoft.com/office/powerpoint/2010/main" val="3116215382"/>
-              </p:ext>
-            </p:extLst>
-          </p:nvPr>
-        </p:nvGraphicFramePr>
-        <p:xfrm>
-          <a:off x="609600" y="310039"/>
-          <a:ext cx="7772400" cy="4185761"/>
-        </p:xfrm>
-        <a:graphic>
-          <a:graphicData uri="http://schemas.openxmlformats.org/drawingml/2006/diagram">
-            <dgm:relIds xmlns:dgm="http://schemas.openxmlformats.org/drawingml/2006/diagram" xmlns:r="http://schemas.openxmlformats.org/officeDocument/2006/relationships" r:dm="rId3" r:lo="rId4" r:qs="rId5" r:cs="rId6"/>
-          </a:graphicData>
-        </a:graphic>
-      </p:graphicFrame>
-      <p:pic>
-        <p:nvPicPr>
-          <p:cNvPr id="3" name="Picture 3" descr="E:\16.培训PPT\图片\194915561.png"/>
-          <p:cNvPicPr>
-            <a:picLocks noChangeAspect="1" noChangeArrowheads="1"/>
-          </p:cNvPicPr>
-          <p:nvPr/>
-        </p:nvPicPr>
-        <p:blipFill>
-          <a:blip r:embed="rId8">
-            <a:extLst>
-              <a:ext uri="{28A0092B-C50C-407E-A947-70E740481C1C}">
-                <a14:useLocalDpi xmlns:a14="http://schemas.microsoft.com/office/drawing/2010/main" val="0"/>
-              </a:ext>
-            </a:extLst>
-          </a:blip>
-          <a:srcRect/>
-          <a:stretch>
-            <a:fillRect/>
-          </a:stretch>
-        </p:blipFill>
-        <p:spPr bwMode="auto">
-          <a:xfrm>
-            <a:off x="5105400" y="2168320"/>
-            <a:ext cx="3752850" cy="3490858"/>
-          </a:xfrm>
-          <a:prstGeom prst="rect">
-            <a:avLst/>
-          </a:prstGeom>
-          <a:noFill/>
-          <a:ln>
-            <a:solidFill>
-              <a:schemeClr val="tx1">
-                <a:lumMod val="95000"/>
-                <a:lumOff val="5000"/>
-              </a:schemeClr>
-            </a:solidFill>
-          </a:ln>
-          <a:extLst>
-            <a:ext uri="{909E8E84-426E-40DD-AFC4-6F175D3DCCD1}">
-              <a14:hiddenFill xmlns:a14="http://schemas.microsoft.com/office/drawing/2010/main">
-                <a:solidFill>
-                  <a:srgbClr val="FFFFFF"/>
-                </a:solidFill>
-              </a14:hiddenFill>
-            </a:ext>
-          </a:extLst>
-        </p:spPr>
-      </p:pic>
-    </p:spTree>
-    <p:extLst>
-      <p:ext uri="{BB962C8B-B14F-4D97-AF65-F5344CB8AC3E}">
-        <p14:creationId xmlns:p14="http://schemas.microsoft.com/office/powerpoint/2010/main" val="4072774200"/>
-      </p:ext>
-    </p:extLst>
-  </p:cSld>
-  <p:clrMapOvr>
-    <a:masterClrMapping/>
-  </p:clrMapOvr>
-  <p:transition/>
-  <p:timing>
-    <p:tnLst>
-      <p:par>
-        <p:cTn id="1" dur="indefinite" restart="never" nodeType="tmRoot">
-          <p:childTnLst>
-            <p:seq concurrent="1" nextAc="seek">
-              <p:cTn id="2" dur="indefinite" nodeType="mainSeq">
-                <p:childTnLst>
-                  <p:par>
-                    <p:cTn id="3" fill="hold">
-                      <p:stCondLst>
-                        <p:cond delay="indefinite"/>
-                      </p:stCondLst>
-                      <p:childTnLst>
-                        <p:par>
-                          <p:cTn id="4" fill="hold">
-                            <p:stCondLst>
-                              <p:cond delay="0"/>
-                            </p:stCondLst>
-                            <p:childTnLst>
-                              <p:par>
-                                <p:cTn id="5" presetID="42" presetClass="entr" presetSubtype="0" fill="hold" nodeType="clickEffect">
-                                  <p:stCondLst>
-                                    <p:cond delay="0"/>
-                                  </p:stCondLst>
-                                  <p:childTnLst>
-                                    <p:set>
-                                      <p:cBhvr>
-                                        <p:cTn id="6" dur="1" fill="hold">
-                                          <p:stCondLst>
-                                            <p:cond delay="0"/>
-                                          </p:stCondLst>
-                                        </p:cTn>
-                                        <p:tgtEl>
-                                          <p:spTgt spid="3"/>
-                                        </p:tgtEl>
-                                        <p:attrNameLst>
-                                          <p:attrName>style.visibility</p:attrName>
-                                        </p:attrNameLst>
-                                      </p:cBhvr>
-                                      <p:to>
-                                        <p:strVal val="visible"/>
-                                      </p:to>
-                                    </p:set>
-                                    <p:animEffect transition="in" filter="fade">
-                                      <p:cBhvr>
-                                        <p:cTn id="7" dur="1000"/>
-                                        <p:tgtEl>
-                                          <p:spTgt spid="3"/>
-                                        </p:tgtEl>
-                                      </p:cBhvr>
-                                    </p:animEffect>
-                                    <p:anim calcmode="lin" valueType="num">
-                                      <p:cBhvr>
-                                        <p:cTn id="8" dur="1000" fill="hold"/>
-                                        <p:tgtEl>
-                                          <p:spTgt spid="3"/>
-                                        </p:tgtEl>
-                                        <p:attrNameLst>
-                                          <p:attrName>ppt_x</p:attrName>
-                                        </p:attrNameLst>
-                                      </p:cBhvr>
-                                      <p:tavLst>
-                                        <p:tav tm="0">
-                                          <p:val>
-                                            <p:strVal val="#ppt_x"/>
-                                          </p:val>
-                                        </p:tav>
-                                        <p:tav tm="100000">
-                                          <p:val>
-                                            <p:strVal val="#ppt_x"/>
-                                          </p:val>
-                                        </p:tav>
-                                      </p:tavLst>
-                                    </p:anim>
-                                    <p:anim calcmode="lin" valueType="num">
-                                      <p:cBhvr>
-                                        <p:cTn id="9" dur="1000" fill="hold"/>
-                                        <p:tgtEl>
-                                          <p:spTgt spid="3"/>
-                                        </p:tgtEl>
-                                        <p:attrNameLst>
-                                          <p:attrName>ppt_y</p:attrName>
-                                        </p:attrNameLst>
-                                      </p:cBhvr>
-                                      <p:tavLst>
-                                        <p:tav tm="0">
-                                          <p:val>
-                                            <p:strVal val="#ppt_y+.1"/>
-                                          </p:val>
-                                        </p:tav>
-                                        <p:tav tm="100000">
-                                          <p:val>
-                                            <p:strVal val="#ppt_y"/>
-                                          </p:val>
-                                        </p:tav>
-                                      </p:tavLst>
-                                    </p:anim>
-                                  </p:childTnLst>
-                                </p:cTn>
-                              </p:par>
-                            </p:childTnLst>
-                          </p:cTn>
-                        </p:par>
-                      </p:childTnLst>
-                    </p:cTn>
-                  </p:par>
-                </p:childTnLst>
-              </p:cTn>
-              <p:prevCondLst>
-                <p:cond evt="onPrev" delay="0">
-                  <p:tgtEl>
-                    <p:sldTgt/>
-                  </p:tgtEl>
-                </p:cond>
-              </p:prevCondLst>
-              <p:nextCondLst>
-                <p:cond evt="onNext" delay="0">
-                  <p:tgtEl>
-                    <p:sldTgt/>
-                  </p:tgtEl>
-                </p:cond>
-              </p:nextCondLst>
-            </p:seq>
-          </p:childTnLst>
-        </p:cTn>
-      </p:par>
-    </p:tnLst>
-  </p:timing>
-</p:sld>
-</file>
-
-<file path=ppt/slides/slide12.xml><?xml version="1.0" encoding="utf-8"?>
-<p:sld xmlns:a="http://schemas.openxmlformats.org/drawingml/2006/main" xmlns:r="http://schemas.openxmlformats.org/officeDocument/2006/relationships" xmlns:p="http://schemas.openxmlformats.org/presentationml/2006/main">
-  <p:cSld>
-    <p:spTree>
-      <p:nvGrpSpPr>
-        <p:cNvPr id="1" name=""/>
-        <p:cNvGrpSpPr/>
-        <p:nvPr/>
-      </p:nvGrpSpPr>
-      <p:grpSpPr>
-        <a:xfrm>
-          <a:off x="0" y="0"/>
-          <a:ext cx="0" cy="0"/>
-          <a:chOff x="0" y="0"/>
-          <a:chExt cx="0" cy="0"/>
-        </a:xfrm>
-      </p:grpSpPr>
-      <p:graphicFrame>
-        <p:nvGraphicFramePr>
-          <p:cNvPr id="3" name="图示 2"/>
-          <p:cNvGraphicFramePr/>
-          <p:nvPr>
-            <p:extLst>
-              <p:ext uri="{D42A27DB-BD31-4B8C-83A1-F6EECF244321}">
-                <p14:modId xmlns:p14="http://schemas.microsoft.com/office/powerpoint/2010/main" val="1011427966"/>
-              </p:ext>
-            </p:extLst>
-          </p:nvPr>
-        </p:nvGraphicFramePr>
-        <p:xfrm>
-          <a:off x="609600" y="304800"/>
-          <a:ext cx="7772400" cy="4062651"/>
-        </p:xfrm>
-        <a:graphic>
-          <a:graphicData uri="http://schemas.openxmlformats.org/drawingml/2006/diagram">
-            <dgm:relIds xmlns:dgm="http://schemas.openxmlformats.org/drawingml/2006/diagram" xmlns:r="http://schemas.openxmlformats.org/officeDocument/2006/relationships" r:dm="rId3" r:lo="rId4" r:qs="rId5" r:cs="rId6"/>
-          </a:graphicData>
-        </a:graphic>
-      </p:graphicFrame>
-    </p:spTree>
-    <p:extLst>
-      <p:ext uri="{BB962C8B-B14F-4D97-AF65-F5344CB8AC3E}">
-        <p14:creationId xmlns:p14="http://schemas.microsoft.com/office/powerpoint/2010/main" val="4072774200"/>
-      </p:ext>
-    </p:extLst>
-  </p:cSld>
-  <p:clrMapOvr>
-    <a:masterClrMapping/>
-  </p:clrMapOvr>
-  <p:transition/>
-  <p:timing>
-    <p:tnLst>
-      <p:par>
-        <p:cTn id="1" dur="indefinite" restart="never" nodeType="tmRoot"/>
-      </p:par>
-    </p:tnLst>
-  </p:timing>
-</p:sld>
-</file>
-
-<file path=ppt/slides/slide13.xml><?xml version="1.0" encoding="utf-8"?>
-<p:sld xmlns:a="http://schemas.openxmlformats.org/drawingml/2006/main" xmlns:r="http://schemas.openxmlformats.org/officeDocument/2006/relationships" xmlns:p="http://schemas.openxmlformats.org/presentationml/2006/main">
-  <p:cSld>
-    <p:spTree>
-      <p:nvGrpSpPr>
-        <p:cNvPr id="1" name=""/>
-        <p:cNvGrpSpPr/>
-        <p:nvPr/>
-      </p:nvGrpSpPr>
-      <p:grpSpPr>
-        <a:xfrm>
-          <a:off x="0" y="0"/>
-          <a:ext cx="0" cy="0"/>
-          <a:chOff x="0" y="0"/>
-          <a:chExt cx="0" cy="0"/>
-        </a:xfrm>
-      </p:grpSpPr>
-      <p:pic>
-        <p:nvPicPr>
-          <p:cNvPr id="3" name="Picture 2" descr="E:\16.培训PPT\图片\122411_2gqn_175925.jpg"/>
-          <p:cNvPicPr>
-            <a:picLocks noChangeAspect="1" noChangeArrowheads="1"/>
-          </p:cNvPicPr>
-          <p:nvPr/>
-        </p:nvPicPr>
-        <p:blipFill>
-          <a:blip r:embed="rId3">
-            <a:extLst>
-              <a:ext uri="{28A0092B-C50C-407E-A947-70E740481C1C}">
-                <a14:useLocalDpi xmlns:a14="http://schemas.microsoft.com/office/drawing/2010/main" val="0"/>
-              </a:ext>
-            </a:extLst>
-          </a:blip>
-          <a:srcRect/>
-          <a:stretch>
-            <a:fillRect/>
-          </a:stretch>
-        </p:blipFill>
-        <p:spPr bwMode="auto">
-          <a:xfrm>
-            <a:off x="1143000" y="1524000"/>
-            <a:ext cx="7048500" cy="3057525"/>
-          </a:xfrm>
-          <a:prstGeom prst="rect">
-            <a:avLst/>
-          </a:prstGeom>
-          <a:noFill/>
-          <a:ln>
-            <a:solidFill>
-              <a:schemeClr val="tx1">
-                <a:lumMod val="95000"/>
-                <a:lumOff val="5000"/>
-              </a:schemeClr>
-            </a:solidFill>
-          </a:ln>
-          <a:extLst>
-            <a:ext uri="{909E8E84-426E-40DD-AFC4-6F175D3DCCD1}">
-              <a14:hiddenFill xmlns:a14="http://schemas.microsoft.com/office/drawing/2010/main">
-                <a:solidFill>
-                  <a:srgbClr val="FFFFFF"/>
-                </a:solidFill>
-              </a14:hiddenFill>
-            </a:ext>
-          </a:extLst>
-        </p:spPr>
-      </p:pic>
-      <p:sp>
-        <p:nvSpPr>
-          <p:cNvPr id="6" name="标题 1"/>
-          <p:cNvSpPr>
-            <a:spLocks noGrp="1"/>
-          </p:cNvSpPr>
-          <p:nvPr>
-            <p:ph type="title"/>
-          </p:nvPr>
-        </p:nvSpPr>
-        <p:spPr>
-          <a:xfrm>
-            <a:off x="457200" y="274638"/>
-            <a:ext cx="8229600" cy="715962"/>
-          </a:xfrm>
-        </p:spPr>
-        <p:txBody>
-          <a:bodyPr/>
-          <a:lstStyle/>
-          <a:p>
-            <a:r>
-              <a:rPr lang="zh-CN" altLang="en-US" sz="3600" dirty="0">
-                <a:solidFill>
-                  <a:srgbClr val="E46C0A"/>
-                </a:solidFill>
-                <a:latin typeface="微软雅黑" panose="020B0503020204020204" pitchFamily="34" charset="-122"/>
-                <a:ea typeface="微软雅黑" panose="020B0503020204020204" pitchFamily="34" charset="-122"/>
-              </a:rPr>
-              <a:t>回顾</a:t>
-            </a:r>
-          </a:p>
-        </p:txBody>
-      </p:sp>
-    </p:spTree>
-    <p:extLst>
-      <p:ext uri="{BB962C8B-B14F-4D97-AF65-F5344CB8AC3E}">
-        <p14:creationId xmlns:p14="http://schemas.microsoft.com/office/powerpoint/2010/main" val="1584662295"/>
-      </p:ext>
-    </p:extLst>
-  </p:cSld>
-  <p:clrMapOvr>
-    <a:masterClrMapping/>
-  </p:clrMapOvr>
-  <p:transition/>
-  <p:timing>
-    <p:tnLst>
-      <p:par>
-        <p:cTn id="1" dur="indefinite" restart="never" nodeType="tmRoot"/>
-      </p:par>
-    </p:tnLst>
-  </p:timing>
-</p:sld>
-</file>
-
-<file path=ppt/slides/slide14.xml><?xml version="1.0" encoding="utf-8"?>
-<p:sld xmlns:a="http://schemas.openxmlformats.org/drawingml/2006/main" xmlns:r="http://schemas.openxmlformats.org/officeDocument/2006/relationships" xmlns:p="http://schemas.openxmlformats.org/presentationml/2006/main">
-  <p:cSld>
-    <p:spTree>
-      <p:nvGrpSpPr>
-        <p:cNvPr id="1" name=""/>
-        <p:cNvGrpSpPr/>
-        <p:nvPr/>
-      </p:nvGrpSpPr>
-      <p:grpSpPr>
-        <a:xfrm>
-          <a:off x="0" y="0"/>
-          <a:ext cx="0" cy="0"/>
-          <a:chOff x="0" y="0"/>
-          <a:chExt cx="0" cy="0"/>
-        </a:xfrm>
-      </p:grpSpPr>
-      <p:pic>
-        <p:nvPicPr>
-          <p:cNvPr id="1026" name="Picture 2"/>
-          <p:cNvPicPr>
-            <a:picLocks noChangeAspect="1" noChangeArrowheads="1"/>
-          </p:cNvPicPr>
-          <p:nvPr/>
-        </p:nvPicPr>
-        <p:blipFill>
-          <a:blip r:embed="rId2">
-            <a:extLst>
-              <a:ext uri="{28A0092B-C50C-407E-A947-70E740481C1C}">
-                <a14:useLocalDpi xmlns:a14="http://schemas.microsoft.com/office/drawing/2010/main" val="0"/>
-              </a:ext>
-            </a:extLst>
-          </a:blip>
-          <a:srcRect/>
-          <a:stretch>
-            <a:fillRect/>
-          </a:stretch>
-        </p:blipFill>
-        <p:spPr bwMode="auto">
-          <a:xfrm>
-            <a:off x="1600200" y="1905000"/>
-            <a:ext cx="6134100" cy="1485900"/>
-          </a:xfrm>
-          <a:prstGeom prst="rect">
-            <a:avLst/>
-          </a:prstGeom>
-          <a:noFill/>
-          <a:ln w="9525">
-            <a:solidFill>
-              <a:schemeClr val="tx1"/>
-            </a:solidFill>
-            <a:miter lim="800000"/>
-            <a:headEnd/>
-            <a:tailEnd/>
-          </a:ln>
-          <a:effectLst/>
-          <a:extLst>
-            <a:ext uri="{909E8E84-426E-40DD-AFC4-6F175D3DCCD1}">
-              <a14:hiddenFill xmlns:a14="http://schemas.microsoft.com/office/drawing/2010/main">
-                <a:solidFill>
-                  <a:schemeClr val="accent1"/>
-                </a:solidFill>
-              </a14:hiddenFill>
-            </a:ext>
-            <a:ext uri="{AF507438-7753-43E0-B8FC-AC1667EBCBE1}">
-              <a14:hiddenEffects xmlns:a14="http://schemas.microsoft.com/office/drawing/2010/main">
-                <a:effectLst>
-                  <a:outerShdw dist="35921" dir="2700000" algn="ctr" rotWithShape="0">
-                    <a:schemeClr val="bg2"/>
-                  </a:outerShdw>
-                </a:effectLst>
-              </a14:hiddenEffects>
-            </a:ext>
-          </a:extLst>
-        </p:spPr>
-      </p:pic>
-      <p:sp>
-        <p:nvSpPr>
-          <p:cNvPr id="3" name="标题 1"/>
-          <p:cNvSpPr>
-            <a:spLocks noGrp="1"/>
-          </p:cNvSpPr>
-          <p:nvPr>
-            <p:ph type="title"/>
-          </p:nvPr>
-        </p:nvSpPr>
-        <p:spPr>
-          <a:xfrm>
-            <a:off x="457200" y="274638"/>
-            <a:ext cx="8229600" cy="715962"/>
-          </a:xfrm>
-        </p:spPr>
-        <p:txBody>
-          <a:bodyPr/>
-          <a:lstStyle/>
-          <a:p>
-            <a:r>
-              <a:rPr lang="zh-CN" altLang="en-US" sz="3600" dirty="0" smtClean="0">
-                <a:solidFill>
-                  <a:srgbClr val="E46C0A"/>
-                </a:solidFill>
-                <a:latin typeface="微软雅黑" panose="020B0503020204020204" pitchFamily="34" charset="-122"/>
-                <a:ea typeface="微软雅黑" panose="020B0503020204020204" pitchFamily="34" charset="-122"/>
-              </a:rPr>
-              <a:t>敏捷是一种思想</a:t>
-            </a:r>
-            <a:endParaRPr lang="zh-CN" altLang="en-US" sz="3600" dirty="0">
-              <a:solidFill>
-                <a:srgbClr val="E46C0A"/>
-              </a:solidFill>
-              <a:latin typeface="微软雅黑" panose="020B0503020204020204" pitchFamily="34" charset="-122"/>
-              <a:ea typeface="微软雅黑" panose="020B0503020204020204" pitchFamily="34" charset="-122"/>
-            </a:endParaRPr>
-          </a:p>
-        </p:txBody>
-      </p:sp>
-    </p:spTree>
-    <p:extLst>
-      <p:ext uri="{BB962C8B-B14F-4D97-AF65-F5344CB8AC3E}">
-        <p14:creationId xmlns:p14="http://schemas.microsoft.com/office/powerpoint/2010/main" val="1623504350"/>
-      </p:ext>
-    </p:extLst>
-  </p:cSld>
-  <p:clrMapOvr>
-    <a:masterClrMapping/>
-  </p:clrMapOvr>
-  <p:transition/>
-  <p:timing>
-    <p:tnLst>
-      <p:par>
-        <p:cTn id="1" dur="indefinite" restart="never" nodeType="tmRoot"/>
-      </p:par>
-    </p:tnLst>
-  </p:timing>
-</p:sld>
-</file>
-
-<file path=ppt/slides/slide15.xml><?xml version="1.0" encoding="utf-8"?>
+<file path=ppt/slides/slide20.xml><?xml version="1.0" encoding="utf-8"?>
 <p:sld xmlns:a="http://schemas.openxmlformats.org/drawingml/2006/main" xmlns:r="http://schemas.openxmlformats.org/officeDocument/2006/relationships" xmlns:p="http://schemas.openxmlformats.org/presentationml/2006/main">
   <p:cSld>
     <p:spTree>
@@ -15908,7 +17953,7 @@
 </p:sld>
 </file>
 
-<file path=ppt/slides/slide2.xml><?xml version="1.0" encoding="utf-8"?>
+<file path=ppt/slides/slide3.xml><?xml version="1.0" encoding="utf-8"?>
 <p:sld xmlns:a="http://schemas.openxmlformats.org/drawingml/2006/main" xmlns:r="http://schemas.openxmlformats.org/officeDocument/2006/relationships" xmlns:p="http://schemas.openxmlformats.org/presentationml/2006/main">
   <p:cSld>
     <p:spTree>
@@ -15945,26 +17990,6 @@
           <a:bodyPr/>
           <a:lstStyle/>
           <a:p>
-            <a:r>
-              <a:rPr lang="zh-CN" altLang="en-US" sz="3600" dirty="0" smtClean="0">
-                <a:solidFill>
-                  <a:srgbClr val="E46C0A"/>
-                </a:solidFill>
-                <a:latin typeface="微软雅黑" panose="020B0503020204020204" pitchFamily="34" charset="-122"/>
-                <a:ea typeface="微软雅黑" panose="020B0503020204020204" pitchFamily="34" charset="-122"/>
-              </a:rPr>
-              <a:t>开发流程</a:t>
-            </a:r>
-            <a:r>
-              <a:rPr lang="en-US" altLang="zh-CN" sz="3600" dirty="0" smtClean="0">
-                <a:solidFill>
-                  <a:srgbClr val="E46C0A"/>
-                </a:solidFill>
-                <a:latin typeface="微软雅黑" panose="020B0503020204020204" pitchFamily="34" charset="-122"/>
-                <a:ea typeface="微软雅黑" panose="020B0503020204020204" pitchFamily="34" charset="-122"/>
-              </a:rPr>
-              <a:t>-</a:t>
-            </a:r>
             <a:r>
               <a:rPr lang="zh-CN" altLang="en-US" sz="3600" dirty="0" smtClean="0">
                 <a:solidFill>
@@ -16595,7 +18620,7 @@
 </p:sld>
 </file>
 
-<file path=ppt/slides/slide3.xml><?xml version="1.0" encoding="utf-8"?>
+<file path=ppt/slides/slide4.xml><?xml version="1.0" encoding="utf-8"?>
 <p:sld xmlns:a="http://schemas.openxmlformats.org/drawingml/2006/main" xmlns:r="http://schemas.openxmlformats.org/officeDocument/2006/relationships" xmlns:p="http://schemas.openxmlformats.org/presentationml/2006/main">
   <p:cSld>
     <p:spTree>
@@ -16832,7 +18857,7 @@
         <p:spPr>
           <a:xfrm>
             <a:off x="4191000" y="1295400"/>
-            <a:ext cx="4359965" cy="1200329"/>
+            <a:ext cx="4359965" cy="923330"/>
           </a:xfrm>
           <a:prstGeom prst="rect">
             <a:avLst/>
@@ -16890,27 +18915,14 @@
                 <a:latin typeface="微软雅黑" panose="020B0503020204020204" pitchFamily="34" charset="-122"/>
                 <a:ea typeface="微软雅黑" panose="020B0503020204020204" pitchFamily="34" charset="-122"/>
               </a:rPr>
-              <a:t>、产生很多文档，便于后期更改维护</a:t>
-            </a:r>
-            <a:endParaRPr lang="en-US" altLang="zh-CN" dirty="0" smtClean="0">
-              <a:latin typeface="微软雅黑" panose="020B0503020204020204" pitchFamily="34" charset="-122"/>
-              <a:ea typeface="微软雅黑" panose="020B0503020204020204" pitchFamily="34" charset="-122"/>
-            </a:endParaRPr>
-          </a:p>
-          <a:p>
-            <a:r>
-              <a:rPr lang="en-US" altLang="zh-CN" dirty="0" smtClean="0">
-                <a:latin typeface="微软雅黑" panose="020B0503020204020204" pitchFamily="34" charset="-122"/>
-                <a:ea typeface="微软雅黑" panose="020B0503020204020204" pitchFamily="34" charset="-122"/>
-              </a:rPr>
-              <a:t>3</a:t>
+              <a:t>、产生很多文档，便于后期更改</a:t>
             </a:r>
             <a:r>
               <a:rPr lang="zh-CN" altLang="en-US" dirty="0" smtClean="0">
                 <a:latin typeface="微软雅黑" panose="020B0503020204020204" pitchFamily="34" charset="-122"/>
                 <a:ea typeface="微软雅黑" panose="020B0503020204020204" pitchFamily="34" charset="-122"/>
               </a:rPr>
-              <a:t>、标准的流程可以帮助规避一些风险</a:t>
+              <a:t>维护</a:t>
             </a:r>
             <a:endParaRPr lang="en-US" altLang="zh-CN" dirty="0" smtClean="0">
               <a:latin typeface="微软雅黑" panose="020B0503020204020204" pitchFamily="34" charset="-122"/>
@@ -16927,7 +18939,7 @@
         </p:nvSpPr>
         <p:spPr>
           <a:xfrm>
-            <a:off x="4194313" y="2484209"/>
+            <a:off x="4194313" y="2133600"/>
             <a:ext cx="4572000" cy="646331"/>
           </a:xfrm>
           <a:prstGeom prst="rect">
@@ -16941,33 +18953,37 @@
           <a:lstStyle/>
           <a:p>
             <a:r>
-              <a:rPr lang="en-US" altLang="zh-CN" dirty="0">
+              <a:rPr lang="en-US" altLang="zh-CN" dirty="0" smtClean="0">
                 <a:latin typeface="微软雅黑" panose="020B0503020204020204" pitchFamily="34" charset="-122"/>
                 <a:ea typeface="微软雅黑" panose="020B0503020204020204" pitchFamily="34" charset="-122"/>
               </a:rPr>
-              <a:t>4</a:t>
+              <a:t>3</a:t>
+            </a:r>
+            <a:r>
+              <a:rPr lang="zh-CN" altLang="en-US" dirty="0" smtClean="0">
+                <a:latin typeface="微软雅黑" panose="020B0503020204020204" pitchFamily="34" charset="-122"/>
+                <a:ea typeface="微软雅黑" panose="020B0503020204020204" pitchFamily="34" charset="-122"/>
+              </a:rPr>
+              <a:t>、</a:t>
             </a:r>
             <a:r>
               <a:rPr lang="zh-CN" altLang="en-US" dirty="0">
                 <a:latin typeface="微软雅黑" panose="020B0503020204020204" pitchFamily="34" charset="-122"/>
                 <a:ea typeface="微软雅黑" panose="020B0503020204020204" pitchFamily="34" charset="-122"/>
               </a:rPr>
-              <a:t>、已经有成熟的过程改进体系辅助提升质量，降低成本（</a:t>
-            </a:r>
-            <a:r>
-              <a:rPr lang="en-US" altLang="zh-CN" dirty="0">
+              <a:t>已经有成熟的过程改进体系辅助提升质量，</a:t>
+            </a:r>
+            <a:r>
+              <a:rPr lang="zh-CN" altLang="en-US" dirty="0" smtClean="0">
                 <a:latin typeface="微软雅黑" panose="020B0503020204020204" pitchFamily="34" charset="-122"/>
                 <a:ea typeface="微软雅黑" panose="020B0503020204020204" pitchFamily="34" charset="-122"/>
               </a:rPr>
-              <a:t>CMMI</a:t>
-            </a:r>
-            <a:r>
-              <a:rPr lang="zh-CN" altLang="en-US" dirty="0">
-                <a:latin typeface="微软雅黑" panose="020B0503020204020204" pitchFamily="34" charset="-122"/>
-                <a:ea typeface="微软雅黑" panose="020B0503020204020204" pitchFamily="34" charset="-122"/>
-              </a:rPr>
-              <a:t>）</a:t>
-            </a:r>
+              <a:t>降低成本</a:t>
+            </a:r>
+            <a:endParaRPr lang="zh-CN" altLang="en-US" dirty="0">
+              <a:latin typeface="微软雅黑" panose="020B0503020204020204" pitchFamily="34" charset="-122"/>
+              <a:ea typeface="微软雅黑" panose="020B0503020204020204" pitchFamily="34" charset="-122"/>
+            </a:endParaRPr>
           </a:p>
         </p:txBody>
       </p:sp>
@@ -17148,24 +19164,15 @@
                                   </p:childTnLst>
                                 </p:cTn>
                               </p:par>
-                            </p:childTnLst>
-                          </p:cTn>
-                        </p:par>
-                        <p:par>
-                          <p:cTn id="13" fill="hold">
-                            <p:stCondLst>
-                              <p:cond delay="500"/>
-                            </p:stCondLst>
-                            <p:childTnLst>
                               <p:par>
-                                <p:cTn id="14" presetID="2" presetClass="entr" presetSubtype="4" fill="hold" nodeType="afterEffect">
+                                <p:cTn id="13" presetID="2" presetClass="entr" presetSubtype="4" fill="hold" nodeType="withEffect">
                                   <p:stCondLst>
                                     <p:cond delay="0"/>
                                   </p:stCondLst>
                                   <p:childTnLst>
                                     <p:set>
                                       <p:cBhvr>
-                                        <p:cTn id="15" dur="1" fill="hold">
+                                        <p:cTn id="14" dur="1" fill="hold">
                                           <p:stCondLst>
                                             <p:cond delay="0"/>
                                           </p:stCondLst>
@@ -17187,7 +19194,7 @@
                                     </p:set>
                                     <p:anim calcmode="lin" valueType="num">
                                       <p:cBhvr additive="base">
-                                        <p:cTn id="16" dur="500" fill="hold"/>
+                                        <p:cTn id="15" dur="500" fill="hold"/>
                                         <p:tgtEl>
                                           <p:spTgt spid="2">
                                             <p:txEl>
@@ -17214,7 +19221,7 @@
                                     </p:anim>
                                     <p:anim calcmode="lin" valueType="num">
                                       <p:cBhvr additive="base">
-                                        <p:cTn id="17" dur="500" fill="hold"/>
+                                        <p:cTn id="16" dur="500" fill="hold"/>
                                         <p:tgtEl>
                                           <p:spTgt spid="2">
                                             <p:txEl>
@@ -17243,14 +19250,14 @@
                                 </p:cTn>
                               </p:par>
                               <p:par>
-                                <p:cTn id="18" presetID="2" presetClass="entr" presetSubtype="4" fill="hold" nodeType="withEffect">
+                                <p:cTn id="17" presetID="2" presetClass="entr" presetSubtype="4" fill="hold" nodeType="withEffect">
                                   <p:stCondLst>
                                     <p:cond delay="0"/>
                                   </p:stCondLst>
                                   <p:childTnLst>
                                     <p:set>
                                       <p:cBhvr>
-                                        <p:cTn id="19" dur="1" fill="hold">
+                                        <p:cTn id="18" dur="1" fill="hold">
                                           <p:stCondLst>
                                             <p:cond delay="0"/>
                                           </p:stCondLst>
@@ -17272,7 +19279,7 @@
                                     </p:set>
                                     <p:anim calcmode="lin" valueType="num">
                                       <p:cBhvr additive="base">
-                                        <p:cTn id="20" dur="500" fill="hold"/>
+                                        <p:cTn id="19" dur="500" fill="hold"/>
                                         <p:tgtEl>
                                           <p:spTgt spid="2">
                                             <p:txEl>
@@ -17299,7 +19306,7 @@
                                     </p:anim>
                                     <p:anim calcmode="lin" valueType="num">
                                       <p:cBhvr additive="base">
-                                        <p:cTn id="21" dur="500" fill="hold"/>
+                                        <p:cTn id="20" dur="500" fill="hold"/>
                                         <p:tgtEl>
                                           <p:spTgt spid="2">
                                             <p:txEl>
@@ -17328,14 +19335,14 @@
                                 </p:cTn>
                               </p:par>
                               <p:par>
-                                <p:cTn id="22" presetID="2" presetClass="entr" presetSubtype="4" fill="hold" nodeType="withEffect">
+                                <p:cTn id="21" presetID="2" presetClass="entr" presetSubtype="4" fill="hold" nodeType="withEffect">
                                   <p:stCondLst>
                                     <p:cond delay="0"/>
                                   </p:stCondLst>
                                   <p:childTnLst>
                                     <p:set>
                                       <p:cBhvr>
-                                        <p:cTn id="23" dur="1" fill="hold">
+                                        <p:cTn id="22" dur="1" fill="hold">
                                           <p:stCondLst>
                                             <p:cond delay="0"/>
                                           </p:stCondLst>
@@ -17357,7 +19364,7 @@
                                     </p:set>
                                     <p:anim calcmode="lin" valueType="num">
                                       <p:cBhvr additive="base">
-                                        <p:cTn id="24" dur="500" fill="hold"/>
+                                        <p:cTn id="23" dur="500" fill="hold"/>
                                         <p:tgtEl>
                                           <p:spTgt spid="2">
                                             <p:txEl>
@@ -17384,96 +19391,11 @@
                                     </p:anim>
                                     <p:anim calcmode="lin" valueType="num">
                                       <p:cBhvr additive="base">
-                                        <p:cTn id="25" dur="500" fill="hold"/>
+                                        <p:cTn id="24" dur="500" fill="hold"/>
                                         <p:tgtEl>
                                           <p:spTgt spid="2">
                                             <p:txEl>
                                               <p:pRg st="2" end="2"/>
-                                            </p:txEl>
-                                          </p:spTgt>
-                                        </p:tgtEl>
-                                        <p:attrNameLst>
-                                          <p:attrName>ppt_y</p:attrName>
-                                        </p:attrNameLst>
-                                      </p:cBhvr>
-                                      <p:tavLst>
-                                        <p:tav tm="0">
-                                          <p:val>
-                                            <p:strVal val="1+#ppt_h/2"/>
-                                          </p:val>
-                                        </p:tav>
-                                        <p:tav tm="100000">
-                                          <p:val>
-                                            <p:strVal val="#ppt_y"/>
-                                          </p:val>
-                                        </p:tav>
-                                      </p:tavLst>
-                                    </p:anim>
-                                  </p:childTnLst>
-                                </p:cTn>
-                              </p:par>
-                              <p:par>
-                                <p:cTn id="26" presetID="2" presetClass="entr" presetSubtype="4" fill="hold" nodeType="withEffect">
-                                  <p:stCondLst>
-                                    <p:cond delay="0"/>
-                                  </p:stCondLst>
-                                  <p:childTnLst>
-                                    <p:set>
-                                      <p:cBhvr>
-                                        <p:cTn id="27" dur="1" fill="hold">
-                                          <p:stCondLst>
-                                            <p:cond delay="0"/>
-                                          </p:stCondLst>
-                                        </p:cTn>
-                                        <p:tgtEl>
-                                          <p:spTgt spid="2">
-                                            <p:txEl>
-                                              <p:pRg st="3" end="3"/>
-                                            </p:txEl>
-                                          </p:spTgt>
-                                        </p:tgtEl>
-                                        <p:attrNameLst>
-                                          <p:attrName>style.visibility</p:attrName>
-                                        </p:attrNameLst>
-                                      </p:cBhvr>
-                                      <p:to>
-                                        <p:strVal val="visible"/>
-                                      </p:to>
-                                    </p:set>
-                                    <p:anim calcmode="lin" valueType="num">
-                                      <p:cBhvr additive="base">
-                                        <p:cTn id="28" dur="500" fill="hold"/>
-                                        <p:tgtEl>
-                                          <p:spTgt spid="2">
-                                            <p:txEl>
-                                              <p:pRg st="3" end="3"/>
-                                            </p:txEl>
-                                          </p:spTgt>
-                                        </p:tgtEl>
-                                        <p:attrNameLst>
-                                          <p:attrName>ppt_x</p:attrName>
-                                        </p:attrNameLst>
-                                      </p:cBhvr>
-                                      <p:tavLst>
-                                        <p:tav tm="0">
-                                          <p:val>
-                                            <p:strVal val="#ppt_x"/>
-                                          </p:val>
-                                        </p:tav>
-                                        <p:tav tm="100000">
-                                          <p:val>
-                                            <p:strVal val="#ppt_x"/>
-                                          </p:val>
-                                        </p:tav>
-                                      </p:tavLst>
-                                    </p:anim>
-                                    <p:anim calcmode="lin" valueType="num">
-                                      <p:cBhvr additive="base">
-                                        <p:cTn id="29" dur="500" fill="hold"/>
-                                        <p:tgtEl>
-                                          <p:spTgt spid="2">
-                                            <p:txEl>
-                                              <p:pRg st="3" end="3"/>
                                             </p:txEl>
                                           </p:spTgt>
                                         </p:tgtEl>
@@ -17504,26 +19426,26 @@
                     </p:cTn>
                   </p:par>
                   <p:par>
-                    <p:cTn id="30" fill="hold">
+                    <p:cTn id="25" fill="hold">
                       <p:stCondLst>
                         <p:cond delay="indefinite"/>
                       </p:stCondLst>
                       <p:childTnLst>
                         <p:par>
-                          <p:cTn id="31" fill="hold">
+                          <p:cTn id="26" fill="hold">
                             <p:stCondLst>
                               <p:cond delay="0"/>
                             </p:stCondLst>
                             <p:childTnLst>
                               <p:par>
-                                <p:cTn id="32" presetID="2" presetClass="entr" presetSubtype="4" fill="hold" grpId="0" nodeType="clickEffect">
+                                <p:cTn id="27" presetID="2" presetClass="entr" presetSubtype="4" fill="hold" grpId="0" nodeType="clickEffect">
                                   <p:stCondLst>
                                     <p:cond delay="0"/>
                                   </p:stCondLst>
                                   <p:childTnLst>
                                     <p:set>
                                       <p:cBhvr>
-                                        <p:cTn id="33" dur="1" fill="hold">
+                                        <p:cTn id="28" dur="1" fill="hold">
                                           <p:stCondLst>
                                             <p:cond delay="0"/>
                                           </p:stCondLst>
@@ -17541,7 +19463,7 @@
                                     </p:set>
                                     <p:anim calcmode="lin" valueType="num">
                                       <p:cBhvr additive="base">
-                                        <p:cTn id="34" dur="500" fill="hold"/>
+                                        <p:cTn id="29" dur="500" fill="hold"/>
                                         <p:tgtEl>
                                           <p:spTgt spid="4"/>
                                         </p:tgtEl>
@@ -17564,7 +19486,7 @@
                                     </p:anim>
                                     <p:anim calcmode="lin" valueType="num">
                                       <p:cBhvr additive="base">
-                                        <p:cTn id="35" dur="500" fill="hold"/>
+                                        <p:cTn id="30" dur="500" fill="hold"/>
                                         <p:tgtEl>
                                           <p:spTgt spid="4"/>
                                         </p:tgtEl>
@@ -17623,7 +19545,556 @@
 </p:sld>
 </file>
 
-<file path=ppt/slides/slide4.xml><?xml version="1.0" encoding="utf-8"?>
+<file path=ppt/slides/slide5.xml><?xml version="1.0" encoding="utf-8"?>
+<p:sld xmlns:a="http://schemas.openxmlformats.org/drawingml/2006/main" xmlns:r="http://schemas.openxmlformats.org/officeDocument/2006/relationships" xmlns:p="http://schemas.openxmlformats.org/presentationml/2006/main">
+  <p:cSld>
+    <p:bg>
+      <p:bgPr>
+        <a:solidFill>
+          <a:schemeClr val="bg1"/>
+        </a:solidFill>
+        <a:effectLst/>
+      </p:bgPr>
+    </p:bg>
+    <p:spTree>
+      <p:nvGrpSpPr>
+        <p:cNvPr id="1" name=""/>
+        <p:cNvGrpSpPr/>
+        <p:nvPr/>
+      </p:nvGrpSpPr>
+      <p:grpSpPr>
+        <a:xfrm>
+          <a:off x="0" y="0"/>
+          <a:ext cx="0" cy="0"/>
+          <a:chOff x="0" y="0"/>
+          <a:chExt cx="0" cy="0"/>
+        </a:xfrm>
+      </p:grpSpPr>
+      <p:pic>
+        <p:nvPicPr>
+          <p:cNvPr id="4" name="Picture 3"/>
+          <p:cNvPicPr>
+            <a:picLocks noChangeAspect="1" noChangeArrowheads="1"/>
+          </p:cNvPicPr>
+          <p:nvPr/>
+        </p:nvPicPr>
+        <p:blipFill>
+          <a:blip r:embed="rId3">
+            <a:extLst>
+              <a:ext uri="{28A0092B-C50C-407E-A947-70E740481C1C}">
+                <a14:useLocalDpi xmlns:a14="http://schemas.microsoft.com/office/drawing/2010/main" val="0"/>
+              </a:ext>
+            </a:extLst>
+          </a:blip>
+          <a:srcRect/>
+          <a:stretch>
+            <a:fillRect/>
+          </a:stretch>
+        </p:blipFill>
+        <p:spPr bwMode="auto">
+          <a:xfrm>
+            <a:off x="1752600" y="0"/>
+            <a:ext cx="5795962" cy="6616725"/>
+          </a:xfrm>
+          <a:prstGeom prst="rect">
+            <a:avLst/>
+          </a:prstGeom>
+          <a:noFill/>
+          <a:ln w="9525">
+            <a:solidFill>
+              <a:schemeClr val="tx1"/>
+            </a:solidFill>
+            <a:miter lim="800000"/>
+            <a:headEnd/>
+            <a:tailEnd/>
+          </a:ln>
+          <a:effectLst/>
+          <a:extLst>
+            <a:ext uri="{909E8E84-426E-40DD-AFC4-6F175D3DCCD1}">
+              <a14:hiddenFill xmlns:a14="http://schemas.microsoft.com/office/drawing/2010/main">
+                <a:solidFill>
+                  <a:schemeClr val="accent1"/>
+                </a:solidFill>
+              </a14:hiddenFill>
+            </a:ext>
+            <a:ext uri="{AF507438-7753-43E0-B8FC-AC1667EBCBE1}">
+              <a14:hiddenEffects xmlns:a14="http://schemas.microsoft.com/office/drawing/2010/main">
+                <a:effectLst>
+                  <a:outerShdw dist="35921" dir="2700000" algn="ctr" rotWithShape="0">
+                    <a:schemeClr val="bg2"/>
+                  </a:outerShdw>
+                </a:effectLst>
+              </a14:hiddenEffects>
+            </a:ext>
+          </a:extLst>
+        </p:spPr>
+      </p:pic>
+    </p:spTree>
+    <p:extLst>
+      <p:ext uri="{BB962C8B-B14F-4D97-AF65-F5344CB8AC3E}">
+        <p14:creationId xmlns:p14="http://schemas.microsoft.com/office/powerpoint/2010/main" val="2739783056"/>
+      </p:ext>
+    </p:extLst>
+  </p:cSld>
+  <p:clrMapOvr>
+    <a:masterClrMapping/>
+  </p:clrMapOvr>
+  <p:transition/>
+  <p:timing>
+    <p:tnLst>
+      <p:par>
+        <p:cTn id="1" dur="indefinite" restart="never" nodeType="tmRoot">
+          <p:childTnLst>
+            <p:seq concurrent="1" nextAc="seek">
+              <p:cTn id="2" dur="indefinite" nodeType="mainSeq">
+                <p:childTnLst>
+                  <p:par>
+                    <p:cTn id="3" fill="hold">
+                      <p:stCondLst>
+                        <p:cond delay="indefinite"/>
+                        <p:cond evt="onBegin" delay="0">
+                          <p:tn val="2"/>
+                        </p:cond>
+                      </p:stCondLst>
+                      <p:childTnLst>
+                        <p:par>
+                          <p:cTn id="4" fill="hold">
+                            <p:stCondLst>
+                              <p:cond delay="0"/>
+                            </p:stCondLst>
+                            <p:childTnLst>
+                              <p:par>
+                                <p:cTn id="5" presetID="2" presetClass="entr" presetSubtype="4" fill="hold" nodeType="withEffect">
+                                  <p:stCondLst>
+                                    <p:cond delay="0"/>
+                                  </p:stCondLst>
+                                  <p:childTnLst>
+                                    <p:set>
+                                      <p:cBhvr>
+                                        <p:cTn id="6" dur="1" fill="hold">
+                                          <p:stCondLst>
+                                            <p:cond delay="0"/>
+                                          </p:stCondLst>
+                                        </p:cTn>
+                                        <p:tgtEl>
+                                          <p:spTgt spid="4"/>
+                                        </p:tgtEl>
+                                        <p:attrNameLst>
+                                          <p:attrName>style.visibility</p:attrName>
+                                        </p:attrNameLst>
+                                      </p:cBhvr>
+                                      <p:to>
+                                        <p:strVal val="visible"/>
+                                      </p:to>
+                                    </p:set>
+                                    <p:anim calcmode="lin" valueType="num">
+                                      <p:cBhvr additive="base">
+                                        <p:cTn id="7" dur="500" fill="hold"/>
+                                        <p:tgtEl>
+                                          <p:spTgt spid="4"/>
+                                        </p:tgtEl>
+                                        <p:attrNameLst>
+                                          <p:attrName>ppt_x</p:attrName>
+                                        </p:attrNameLst>
+                                      </p:cBhvr>
+                                      <p:tavLst>
+                                        <p:tav tm="0">
+                                          <p:val>
+                                            <p:strVal val="#ppt_x"/>
+                                          </p:val>
+                                        </p:tav>
+                                        <p:tav tm="100000">
+                                          <p:val>
+                                            <p:strVal val="#ppt_x"/>
+                                          </p:val>
+                                        </p:tav>
+                                      </p:tavLst>
+                                    </p:anim>
+                                    <p:anim calcmode="lin" valueType="num">
+                                      <p:cBhvr additive="base">
+                                        <p:cTn id="8" dur="500" fill="hold"/>
+                                        <p:tgtEl>
+                                          <p:spTgt spid="4"/>
+                                        </p:tgtEl>
+                                        <p:attrNameLst>
+                                          <p:attrName>ppt_y</p:attrName>
+                                        </p:attrNameLst>
+                                      </p:cBhvr>
+                                      <p:tavLst>
+                                        <p:tav tm="0">
+                                          <p:val>
+                                            <p:strVal val="1+#ppt_h/2"/>
+                                          </p:val>
+                                        </p:tav>
+                                        <p:tav tm="100000">
+                                          <p:val>
+                                            <p:strVal val="#ppt_y"/>
+                                          </p:val>
+                                        </p:tav>
+                                      </p:tavLst>
+                                    </p:anim>
+                                  </p:childTnLst>
+                                </p:cTn>
+                              </p:par>
+                            </p:childTnLst>
+                          </p:cTn>
+                        </p:par>
+                      </p:childTnLst>
+                    </p:cTn>
+                  </p:par>
+                </p:childTnLst>
+              </p:cTn>
+              <p:prevCondLst>
+                <p:cond evt="onPrev" delay="0">
+                  <p:tgtEl>
+                    <p:sldTgt/>
+                  </p:tgtEl>
+                </p:cond>
+              </p:prevCondLst>
+              <p:nextCondLst>
+                <p:cond evt="onNext" delay="0">
+                  <p:tgtEl>
+                    <p:sldTgt/>
+                  </p:tgtEl>
+                </p:cond>
+              </p:nextCondLst>
+            </p:seq>
+          </p:childTnLst>
+        </p:cTn>
+      </p:par>
+    </p:tnLst>
+  </p:timing>
+</p:sld>
+</file>
+
+<file path=ppt/slides/slide6.xml><?xml version="1.0" encoding="utf-8"?>
+<p:sld xmlns:a="http://schemas.openxmlformats.org/drawingml/2006/main" xmlns:r="http://schemas.openxmlformats.org/officeDocument/2006/relationships" xmlns:p="http://schemas.openxmlformats.org/presentationml/2006/main">
+  <p:cSld>
+    <p:bg>
+      <p:bgPr>
+        <a:solidFill>
+          <a:schemeClr val="bg1"/>
+        </a:solidFill>
+        <a:effectLst/>
+      </p:bgPr>
+    </p:bg>
+    <p:spTree>
+      <p:nvGrpSpPr>
+        <p:cNvPr id="1" name=""/>
+        <p:cNvGrpSpPr/>
+        <p:nvPr/>
+      </p:nvGrpSpPr>
+      <p:grpSpPr>
+        <a:xfrm>
+          <a:off x="0" y="0"/>
+          <a:ext cx="0" cy="0"/>
+          <a:chOff x="0" y="0"/>
+          <a:chExt cx="0" cy="0"/>
+        </a:xfrm>
+      </p:grpSpPr>
+      <p:pic>
+        <p:nvPicPr>
+          <p:cNvPr id="6" name="Picture 2"/>
+          <p:cNvPicPr>
+            <a:picLocks noChangeAspect="1" noChangeArrowheads="1"/>
+          </p:cNvPicPr>
+          <p:nvPr/>
+        </p:nvPicPr>
+        <p:blipFill>
+          <a:blip r:embed="rId3">
+            <a:extLst>
+              <a:ext uri="{28A0092B-C50C-407E-A947-70E740481C1C}">
+                <a14:useLocalDpi xmlns:a14="http://schemas.microsoft.com/office/drawing/2010/main" val="0"/>
+              </a:ext>
+            </a:extLst>
+          </a:blip>
+          <a:srcRect/>
+          <a:stretch>
+            <a:fillRect/>
+          </a:stretch>
+        </p:blipFill>
+        <p:spPr bwMode="auto">
+          <a:xfrm>
+            <a:off x="1752600" y="-2"/>
+            <a:ext cx="5943600" cy="6729963"/>
+          </a:xfrm>
+          <a:prstGeom prst="rect">
+            <a:avLst/>
+          </a:prstGeom>
+          <a:noFill/>
+          <a:ln w="9525">
+            <a:solidFill>
+              <a:schemeClr val="tx1"/>
+            </a:solidFill>
+            <a:miter lim="800000"/>
+            <a:headEnd/>
+            <a:tailEnd/>
+          </a:ln>
+          <a:effectLst/>
+          <a:extLst>
+            <a:ext uri="{909E8E84-426E-40DD-AFC4-6F175D3DCCD1}">
+              <a14:hiddenFill xmlns:a14="http://schemas.microsoft.com/office/drawing/2010/main">
+                <a:solidFill>
+                  <a:schemeClr val="accent1"/>
+                </a:solidFill>
+              </a14:hiddenFill>
+            </a:ext>
+            <a:ext uri="{AF507438-7753-43E0-B8FC-AC1667EBCBE1}">
+              <a14:hiddenEffects xmlns:a14="http://schemas.microsoft.com/office/drawing/2010/main">
+                <a:effectLst>
+                  <a:outerShdw dist="35921" dir="2700000" algn="ctr" rotWithShape="0">
+                    <a:schemeClr val="bg2"/>
+                  </a:outerShdw>
+                </a:effectLst>
+              </a14:hiddenEffects>
+            </a:ext>
+          </a:extLst>
+        </p:spPr>
+      </p:pic>
+    </p:spTree>
+    <p:extLst>
+      <p:ext uri="{BB962C8B-B14F-4D97-AF65-F5344CB8AC3E}">
+        <p14:creationId xmlns:p14="http://schemas.microsoft.com/office/powerpoint/2010/main" val="2951223995"/>
+      </p:ext>
+    </p:extLst>
+  </p:cSld>
+  <p:clrMapOvr>
+    <a:masterClrMapping/>
+  </p:clrMapOvr>
+  <p:transition/>
+  <p:timing>
+    <p:tnLst>
+      <p:par>
+        <p:cTn id="1" dur="indefinite" restart="never" nodeType="tmRoot">
+          <p:childTnLst>
+            <p:seq concurrent="1" nextAc="seek">
+              <p:cTn id="2" dur="indefinite" nodeType="mainSeq">
+                <p:childTnLst>
+                  <p:par>
+                    <p:cTn id="3" fill="hold">
+                      <p:stCondLst>
+                        <p:cond delay="indefinite"/>
+                        <p:cond evt="onBegin" delay="0">
+                          <p:tn val="2"/>
+                        </p:cond>
+                      </p:stCondLst>
+                      <p:childTnLst>
+                        <p:par>
+                          <p:cTn id="4" fill="hold">
+                            <p:stCondLst>
+                              <p:cond delay="0"/>
+                            </p:stCondLst>
+                            <p:childTnLst>
+                              <p:par>
+                                <p:cTn id="5" presetID="2" presetClass="entr" presetSubtype="4" fill="hold" nodeType="withEffect">
+                                  <p:stCondLst>
+                                    <p:cond delay="0"/>
+                                  </p:stCondLst>
+                                  <p:childTnLst>
+                                    <p:set>
+                                      <p:cBhvr>
+                                        <p:cTn id="6" dur="1" fill="hold">
+                                          <p:stCondLst>
+                                            <p:cond delay="0"/>
+                                          </p:stCondLst>
+                                        </p:cTn>
+                                        <p:tgtEl>
+                                          <p:spTgt spid="6"/>
+                                        </p:tgtEl>
+                                        <p:attrNameLst>
+                                          <p:attrName>style.visibility</p:attrName>
+                                        </p:attrNameLst>
+                                      </p:cBhvr>
+                                      <p:to>
+                                        <p:strVal val="visible"/>
+                                      </p:to>
+                                    </p:set>
+                                    <p:anim calcmode="lin" valueType="num">
+                                      <p:cBhvr additive="base">
+                                        <p:cTn id="7" dur="500" fill="hold"/>
+                                        <p:tgtEl>
+                                          <p:spTgt spid="6"/>
+                                        </p:tgtEl>
+                                        <p:attrNameLst>
+                                          <p:attrName>ppt_x</p:attrName>
+                                        </p:attrNameLst>
+                                      </p:cBhvr>
+                                      <p:tavLst>
+                                        <p:tav tm="0">
+                                          <p:val>
+                                            <p:strVal val="#ppt_x"/>
+                                          </p:val>
+                                        </p:tav>
+                                        <p:tav tm="100000">
+                                          <p:val>
+                                            <p:strVal val="#ppt_x"/>
+                                          </p:val>
+                                        </p:tav>
+                                      </p:tavLst>
+                                    </p:anim>
+                                    <p:anim calcmode="lin" valueType="num">
+                                      <p:cBhvr additive="base">
+                                        <p:cTn id="8" dur="500" fill="hold"/>
+                                        <p:tgtEl>
+                                          <p:spTgt spid="6"/>
+                                        </p:tgtEl>
+                                        <p:attrNameLst>
+                                          <p:attrName>ppt_y</p:attrName>
+                                        </p:attrNameLst>
+                                      </p:cBhvr>
+                                      <p:tavLst>
+                                        <p:tav tm="0">
+                                          <p:val>
+                                            <p:strVal val="1+#ppt_h/2"/>
+                                          </p:val>
+                                        </p:tav>
+                                        <p:tav tm="100000">
+                                          <p:val>
+                                            <p:strVal val="#ppt_y"/>
+                                          </p:val>
+                                        </p:tav>
+                                      </p:tavLst>
+                                    </p:anim>
+                                  </p:childTnLst>
+                                </p:cTn>
+                              </p:par>
+                            </p:childTnLst>
+                          </p:cTn>
+                        </p:par>
+                      </p:childTnLst>
+                    </p:cTn>
+                  </p:par>
+                </p:childTnLst>
+              </p:cTn>
+              <p:prevCondLst>
+                <p:cond evt="onPrev" delay="0">
+                  <p:tgtEl>
+                    <p:sldTgt/>
+                  </p:tgtEl>
+                </p:cond>
+              </p:prevCondLst>
+              <p:nextCondLst>
+                <p:cond evt="onNext" delay="0">
+                  <p:tgtEl>
+                    <p:sldTgt/>
+                  </p:tgtEl>
+                </p:cond>
+              </p:nextCondLst>
+            </p:seq>
+          </p:childTnLst>
+        </p:cTn>
+      </p:par>
+    </p:tnLst>
+  </p:timing>
+</p:sld>
+</file>
+
+<file path=ppt/slides/slide7.xml><?xml version="1.0" encoding="utf-8"?>
+<p:sld xmlns:a="http://schemas.openxmlformats.org/drawingml/2006/main" xmlns:r="http://schemas.openxmlformats.org/officeDocument/2006/relationships" xmlns:p="http://schemas.openxmlformats.org/presentationml/2006/main">
+  <p:cSld>
+    <p:bg>
+      <p:bgPr>
+        <a:solidFill>
+          <a:schemeClr val="bg1"/>
+        </a:solidFill>
+        <a:effectLst/>
+      </p:bgPr>
+    </p:bg>
+    <p:spTree>
+      <p:nvGrpSpPr>
+        <p:cNvPr id="1" name=""/>
+        <p:cNvGrpSpPr/>
+        <p:nvPr/>
+      </p:nvGrpSpPr>
+      <p:grpSpPr>
+        <a:xfrm>
+          <a:off x="0" y="0"/>
+          <a:ext cx="0" cy="0"/>
+          <a:chOff x="0" y="0"/>
+          <a:chExt cx="0" cy="0"/>
+        </a:xfrm>
+      </p:grpSpPr>
+      <p:pic>
+        <p:nvPicPr>
+          <p:cNvPr id="3074" name="Picture 2"/>
+          <p:cNvPicPr>
+            <a:picLocks noChangeAspect="1" noChangeArrowheads="1"/>
+          </p:cNvPicPr>
+          <p:nvPr/>
+        </p:nvPicPr>
+        <p:blipFill>
+          <a:blip r:embed="rId3">
+            <a:extLst>
+              <a:ext uri="{28A0092B-C50C-407E-A947-70E740481C1C}">
+                <a14:useLocalDpi xmlns:a14="http://schemas.microsoft.com/office/drawing/2010/main" val="0"/>
+              </a:ext>
+            </a:extLst>
+          </a:blip>
+          <a:srcRect/>
+          <a:stretch>
+            <a:fillRect/>
+          </a:stretch>
+        </p:blipFill>
+        <p:spPr bwMode="auto">
+          <a:xfrm>
+            <a:off x="1752600" y="0"/>
+            <a:ext cx="6038850" cy="6677418"/>
+          </a:xfrm>
+          <a:prstGeom prst="rect">
+            <a:avLst/>
+          </a:prstGeom>
+          <a:noFill/>
+          <a:ln w="9525">
+            <a:solidFill>
+              <a:schemeClr val="tx1"/>
+            </a:solidFill>
+            <a:miter lim="800000"/>
+            <a:headEnd/>
+            <a:tailEnd/>
+          </a:ln>
+          <a:effectLst/>
+          <a:extLst>
+            <a:ext uri="{909E8E84-426E-40DD-AFC4-6F175D3DCCD1}">
+              <a14:hiddenFill xmlns:a14="http://schemas.microsoft.com/office/drawing/2010/main">
+                <a:solidFill>
+                  <a:schemeClr val="accent1"/>
+                </a:solidFill>
+              </a14:hiddenFill>
+            </a:ext>
+            <a:ext uri="{AF507438-7753-43E0-B8FC-AC1667EBCBE1}">
+              <a14:hiddenEffects xmlns:a14="http://schemas.microsoft.com/office/drawing/2010/main">
+                <a:effectLst>
+                  <a:outerShdw dist="35921" dir="2700000" algn="ctr" rotWithShape="0">
+                    <a:schemeClr val="bg2"/>
+                  </a:outerShdw>
+                </a:effectLst>
+              </a14:hiddenEffects>
+            </a:ext>
+          </a:extLst>
+        </p:spPr>
+      </p:pic>
+    </p:spTree>
+    <p:extLst>
+      <p:ext uri="{BB962C8B-B14F-4D97-AF65-F5344CB8AC3E}">
+        <p14:creationId xmlns:p14="http://schemas.microsoft.com/office/powerpoint/2010/main" val="1456193660"/>
+      </p:ext>
+    </p:extLst>
+  </p:cSld>
+  <p:clrMapOvr>
+    <a:masterClrMapping/>
+  </p:clrMapOvr>
+  <p:transition/>
+  <p:timing>
+    <p:tnLst>
+      <p:par>
+        <p:cTn id="1" dur="indefinite" restart="never" nodeType="tmRoot"/>
+      </p:par>
+    </p:tnLst>
+  </p:timing>
+</p:sld>
+</file>
+
+<file path=ppt/slides/slide8.xml><?xml version="1.0" encoding="utf-8"?>
 <p:sld xmlns:a="http://schemas.openxmlformats.org/drawingml/2006/main" xmlns:r="http://schemas.openxmlformats.org/officeDocument/2006/relationships" xmlns:p="http://schemas.openxmlformats.org/presentationml/2006/main">
   <p:cSld>
     <p:spTree>
@@ -19138,1459 +21609,6 @@
 </p:sld>
 </file>
 
-<file path=ppt/slides/slide5.xml><?xml version="1.0" encoding="utf-8"?>
-<p:sld xmlns:a="http://schemas.openxmlformats.org/drawingml/2006/main" xmlns:r="http://schemas.openxmlformats.org/officeDocument/2006/relationships" xmlns:p="http://schemas.openxmlformats.org/presentationml/2006/main">
-  <p:cSld>
-    <p:spTree>
-      <p:nvGrpSpPr>
-        <p:cNvPr id="1" name=""/>
-        <p:cNvGrpSpPr/>
-        <p:nvPr/>
-      </p:nvGrpSpPr>
-      <p:grpSpPr>
-        <a:xfrm>
-          <a:off x="0" y="0"/>
-          <a:ext cx="0" cy="0"/>
-          <a:chOff x="0" y="0"/>
-          <a:chExt cx="0" cy="0"/>
-        </a:xfrm>
-      </p:grpSpPr>
-      <p:sp>
-        <p:nvSpPr>
-          <p:cNvPr id="3" name="标题 1"/>
-          <p:cNvSpPr>
-            <a:spLocks noGrp="1"/>
-          </p:cNvSpPr>
-          <p:nvPr>
-            <p:ph type="title"/>
-          </p:nvPr>
-        </p:nvSpPr>
-        <p:spPr>
-          <a:xfrm>
-            <a:off x="457200" y="274638"/>
-            <a:ext cx="8229600" cy="715962"/>
-          </a:xfrm>
-        </p:spPr>
-        <p:txBody>
-          <a:bodyPr/>
-          <a:lstStyle/>
-          <a:p>
-            <a:r>
-              <a:rPr lang="zh-CN" altLang="en-US" sz="3600" dirty="0" smtClean="0">
-                <a:solidFill>
-                  <a:srgbClr val="E46C0A"/>
-                </a:solidFill>
-                <a:latin typeface="微软雅黑" panose="020B0503020204020204" pitchFamily="34" charset="-122"/>
-                <a:ea typeface="微软雅黑" panose="020B0503020204020204" pitchFamily="34" charset="-122"/>
-              </a:rPr>
-              <a:t>案例：最好的交通工具</a:t>
-            </a:r>
-            <a:endParaRPr lang="zh-CN" altLang="en-US" sz="3600" dirty="0">
-              <a:solidFill>
-                <a:srgbClr val="E46C0A"/>
-              </a:solidFill>
-              <a:latin typeface="微软雅黑" panose="020B0503020204020204" pitchFamily="34" charset="-122"/>
-              <a:ea typeface="微软雅黑" panose="020B0503020204020204" pitchFamily="34" charset="-122"/>
-            </a:endParaRPr>
-          </a:p>
-        </p:txBody>
-      </p:sp>
-      <p:sp>
-        <p:nvSpPr>
-          <p:cNvPr id="2" name="矩形 1"/>
-          <p:cNvSpPr/>
-          <p:nvPr/>
-        </p:nvSpPr>
-        <p:spPr>
-          <a:xfrm>
-            <a:off x="838200" y="1219200"/>
-            <a:ext cx="7696200" cy="923330"/>
-          </a:xfrm>
-          <a:prstGeom prst="rect">
-            <a:avLst/>
-          </a:prstGeom>
-        </p:spPr>
-        <p:txBody>
-          <a:bodyPr wrap="square">
-            <a:spAutoFit/>
-          </a:bodyPr>
-          <a:lstStyle/>
-          <a:p>
-            <a:r>
-              <a:rPr lang="en-US" altLang="zh-CN" dirty="0" smtClean="0">
-                <a:latin typeface="微软雅黑" panose="020B0503020204020204" pitchFamily="34" charset="-122"/>
-                <a:ea typeface="微软雅黑" panose="020B0503020204020204" pitchFamily="34" charset="-122"/>
-              </a:rPr>
-              <a:t>	</a:t>
-            </a:r>
-            <a:r>
-              <a:rPr lang="zh-CN" altLang="en-US" dirty="0" smtClean="0">
-                <a:latin typeface="微软雅黑" panose="020B0503020204020204" pitchFamily="34" charset="-122"/>
-                <a:ea typeface="微软雅黑" panose="020B0503020204020204" pitchFamily="34" charset="-122"/>
-              </a:rPr>
-              <a:t>福特</a:t>
-            </a:r>
-            <a:r>
-              <a:rPr lang="zh-CN" altLang="en-US" dirty="0">
-                <a:latin typeface="微软雅黑" panose="020B0503020204020204" pitchFamily="34" charset="-122"/>
-                <a:ea typeface="微软雅黑" panose="020B0503020204020204" pitchFamily="34" charset="-122"/>
-              </a:rPr>
-              <a:t>公司的</a:t>
-            </a:r>
-            <a:r>
-              <a:rPr lang="zh-CN" altLang="en-US" dirty="0" smtClean="0">
-                <a:latin typeface="微软雅黑" panose="020B0503020204020204" pitchFamily="34" charset="-122"/>
-                <a:ea typeface="微软雅黑" panose="020B0503020204020204" pitchFamily="34" charset="-122"/>
-              </a:rPr>
-              <a:t>创始人</a:t>
-            </a:r>
-            <a:r>
-              <a:rPr lang="en-US" altLang="zh-CN" dirty="0" smtClean="0">
-                <a:latin typeface="微软雅黑" panose="020B0503020204020204" pitchFamily="34" charset="-122"/>
-                <a:ea typeface="微软雅黑" panose="020B0503020204020204" pitchFamily="34" charset="-122"/>
-              </a:rPr>
-              <a:t>Henry Ford</a:t>
-            </a:r>
-            <a:r>
-              <a:rPr lang="zh-CN" altLang="en-US" dirty="0" smtClean="0">
-                <a:latin typeface="微软雅黑" panose="020B0503020204020204" pitchFamily="34" charset="-122"/>
-                <a:ea typeface="微软雅黑" panose="020B0503020204020204" pitchFamily="34" charset="-122"/>
-              </a:rPr>
-              <a:t>先生</a:t>
-            </a:r>
-            <a:r>
-              <a:rPr lang="zh-CN" altLang="en-US" dirty="0">
-                <a:latin typeface="微软雅黑" panose="020B0503020204020204" pitchFamily="34" charset="-122"/>
-                <a:ea typeface="微软雅黑" panose="020B0503020204020204" pitchFamily="34" charset="-122"/>
-              </a:rPr>
-              <a:t>到处跑去问客户：“您需要一个什么样的更好的交通工具？”几乎所有人的答案都是：“我要一匹更快的马”。</a:t>
-            </a:r>
-          </a:p>
-        </p:txBody>
-      </p:sp>
-    </p:spTree>
-    <p:extLst>
-      <p:ext uri="{BB962C8B-B14F-4D97-AF65-F5344CB8AC3E}">
-        <p14:creationId xmlns:p14="http://schemas.microsoft.com/office/powerpoint/2010/main" val="795236271"/>
-      </p:ext>
-    </p:extLst>
-  </p:cSld>
-  <p:clrMapOvr>
-    <a:masterClrMapping/>
-  </p:clrMapOvr>
-  <p:transition/>
-  <p:timing>
-    <p:tnLst>
-      <p:par>
-        <p:cTn id="1" dur="indefinite" restart="never" nodeType="tmRoot"/>
-      </p:par>
-    </p:tnLst>
-  </p:timing>
-</p:sld>
-</file>
-
-<file path=ppt/slides/slide6.xml><?xml version="1.0" encoding="utf-8"?>
-<p:sld xmlns:a="http://schemas.openxmlformats.org/drawingml/2006/main" xmlns:r="http://schemas.openxmlformats.org/officeDocument/2006/relationships" xmlns:p="http://schemas.openxmlformats.org/presentationml/2006/main">
-  <p:cSld>
-    <p:spTree>
-      <p:nvGrpSpPr>
-        <p:cNvPr id="1" name=""/>
-        <p:cNvGrpSpPr/>
-        <p:nvPr/>
-      </p:nvGrpSpPr>
-      <p:grpSpPr>
-        <a:xfrm>
-          <a:off x="0" y="0"/>
-          <a:ext cx="0" cy="0"/>
-          <a:chOff x="0" y="0"/>
-          <a:chExt cx="0" cy="0"/>
-        </a:xfrm>
-      </p:grpSpPr>
-      <p:sp>
-        <p:nvSpPr>
-          <p:cNvPr id="3" name="标题 1"/>
-          <p:cNvSpPr>
-            <a:spLocks noGrp="1"/>
-          </p:cNvSpPr>
-          <p:nvPr>
-            <p:ph type="title"/>
-          </p:nvPr>
-        </p:nvSpPr>
-        <p:spPr>
-          <a:xfrm>
-            <a:off x="457200" y="274638"/>
-            <a:ext cx="8229600" cy="715962"/>
-          </a:xfrm>
-        </p:spPr>
-        <p:txBody>
-          <a:bodyPr/>
-          <a:lstStyle/>
-          <a:p>
-            <a:r>
-              <a:rPr lang="zh-CN" altLang="en-US" sz="3600" dirty="0" smtClean="0">
-                <a:solidFill>
-                  <a:srgbClr val="E46C0A"/>
-                </a:solidFill>
-                <a:latin typeface="微软雅黑" panose="020B0503020204020204" pitchFamily="34" charset="-122"/>
-                <a:ea typeface="微软雅黑" panose="020B0503020204020204" pitchFamily="34" charset="-122"/>
-              </a:rPr>
-              <a:t>总结</a:t>
-            </a:r>
-            <a:endParaRPr lang="zh-CN" altLang="en-US" sz="3600" dirty="0">
-              <a:solidFill>
-                <a:srgbClr val="E46C0A"/>
-              </a:solidFill>
-              <a:latin typeface="微软雅黑" panose="020B0503020204020204" pitchFamily="34" charset="-122"/>
-              <a:ea typeface="微软雅黑" panose="020B0503020204020204" pitchFamily="34" charset="-122"/>
-            </a:endParaRPr>
-          </a:p>
-        </p:txBody>
-      </p:sp>
-      <p:graphicFrame>
-        <p:nvGraphicFramePr>
-          <p:cNvPr id="2" name="表格 1"/>
-          <p:cNvGraphicFramePr>
-            <a:graphicFrameLocks noGrp="1"/>
-          </p:cNvGraphicFramePr>
-          <p:nvPr>
-            <p:extLst>
-              <p:ext uri="{D42A27DB-BD31-4B8C-83A1-F6EECF244321}">
-                <p14:modId xmlns:p14="http://schemas.microsoft.com/office/powerpoint/2010/main" val="940138828"/>
-              </p:ext>
-            </p:extLst>
-          </p:nvPr>
-        </p:nvGraphicFramePr>
-        <p:xfrm>
-          <a:off x="152400" y="1415627"/>
-          <a:ext cx="8686800" cy="2834640"/>
-        </p:xfrm>
-        <a:graphic>
-          <a:graphicData uri="http://schemas.openxmlformats.org/drawingml/2006/table">
-            <a:tbl>
-              <a:tblPr firstRow="1" bandRow="1">
-                <a:tableStyleId>{5C22544A-7EE6-4342-B048-85BDC9FD1C3A}</a:tableStyleId>
-              </a:tblPr>
-              <a:tblGrid>
-                <a:gridCol w="2057400"/>
-                <a:gridCol w="3402874"/>
-                <a:gridCol w="3226526"/>
-              </a:tblGrid>
-              <a:tr h="0">
-                <a:tc>
-                  <a:txBody>
-                    <a:bodyPr/>
-                    <a:lstStyle/>
-                    <a:p>
-                      <a:pPr algn="ctr"/>
-                      <a:r>
-                        <a:rPr lang="zh-CN" altLang="en-US" dirty="0" smtClean="0"/>
-                        <a:t>特点</a:t>
-                      </a:r>
-                      <a:endParaRPr lang="zh-CN" altLang="en-US" dirty="0"/>
-                    </a:p>
-                  </a:txBody>
-                  <a:tcPr/>
-                </a:tc>
-                <a:tc>
-                  <a:txBody>
-                    <a:bodyPr/>
-                    <a:lstStyle/>
-                    <a:p>
-                      <a:pPr algn="ctr"/>
-                      <a:r>
-                        <a:rPr lang="zh-CN" altLang="en-US" dirty="0" smtClean="0"/>
-                        <a:t>优点</a:t>
-                      </a:r>
-                      <a:endParaRPr lang="zh-CN" altLang="en-US" dirty="0"/>
-                    </a:p>
-                  </a:txBody>
-                  <a:tcPr/>
-                </a:tc>
-                <a:tc>
-                  <a:txBody>
-                    <a:bodyPr/>
-                    <a:lstStyle/>
-                    <a:p>
-                      <a:pPr algn="ctr"/>
-                      <a:r>
-                        <a:rPr lang="zh-CN" altLang="en-US" dirty="0" smtClean="0"/>
-                        <a:t>不足</a:t>
-                      </a:r>
-                      <a:endParaRPr lang="zh-CN" altLang="en-US" dirty="0"/>
-                    </a:p>
-                  </a:txBody>
-                  <a:tcPr/>
-                </a:tc>
-              </a:tr>
-              <a:tr h="465667">
-                <a:tc>
-                  <a:txBody>
-                    <a:bodyPr/>
-                    <a:lstStyle/>
-                    <a:p>
-                      <a:r>
-                        <a:rPr lang="zh-CN" altLang="en-US" dirty="0" smtClean="0"/>
-                        <a:t>重视文档</a:t>
-                      </a:r>
-                      <a:endParaRPr lang="zh-CN" altLang="en-US" dirty="0"/>
-                    </a:p>
-                  </a:txBody>
-                  <a:tcPr/>
-                </a:tc>
-                <a:tc>
-                  <a:txBody>
-                    <a:bodyPr/>
-                    <a:lstStyle/>
-                    <a:p>
-                      <a:r>
-                        <a:rPr lang="zh-CN" altLang="en-US" dirty="0" smtClean="0"/>
-                        <a:t>便于后续维护</a:t>
-                      </a:r>
-                      <a:endParaRPr lang="zh-CN" altLang="en-US" dirty="0"/>
-                    </a:p>
-                  </a:txBody>
-                  <a:tcPr/>
-                </a:tc>
-                <a:tc>
-                  <a:txBody>
-                    <a:bodyPr/>
-                    <a:lstStyle/>
-                    <a:p>
-                      <a:r>
-                        <a:rPr lang="zh-CN" altLang="en-US" dirty="0" smtClean="0"/>
-                        <a:t>更改软件，意味着文档也要随着更新，带来时间成本上的消耗。</a:t>
-                      </a:r>
-                      <a:endParaRPr lang="zh-CN" altLang="en-US" dirty="0"/>
-                    </a:p>
-                  </a:txBody>
-                  <a:tcPr/>
-                </a:tc>
-              </a:tr>
-              <a:tr h="465667">
-                <a:tc>
-                  <a:txBody>
-                    <a:bodyPr/>
-                    <a:lstStyle/>
-                    <a:p>
-                      <a:pPr marL="0" marR="0" indent="0" algn="l" defTabSz="457200" rtl="0" eaLnBrk="1" fontAlgn="auto" latinLnBrk="0" hangingPunct="1">
-                        <a:lnSpc>
-                          <a:spcPct val="100000"/>
-                        </a:lnSpc>
-                        <a:spcBef>
-                          <a:spcPts val="0"/>
-                        </a:spcBef>
-                        <a:spcAft>
-                          <a:spcPts val="0"/>
-                        </a:spcAft>
-                        <a:buClrTx/>
-                        <a:buSzTx/>
-                        <a:buFontTx/>
-                        <a:buNone/>
-                        <a:tabLst/>
-                        <a:defRPr/>
-                      </a:pPr>
-                      <a:r>
-                        <a:rPr lang="zh-CN" altLang="en-US" dirty="0" smtClean="0"/>
-                        <a:t>规范，清晰的流程</a:t>
-                      </a:r>
-                    </a:p>
-                  </a:txBody>
-                  <a:tcPr/>
-                </a:tc>
-                <a:tc>
-                  <a:txBody>
-                    <a:bodyPr/>
-                    <a:lstStyle/>
-                    <a:p>
-                      <a:r>
-                        <a:rPr lang="zh-CN" altLang="en-US" dirty="0" smtClean="0"/>
-                        <a:t>角色分工明确，便于管理</a:t>
-                      </a:r>
-                      <a:endParaRPr lang="zh-CN" altLang="en-US" dirty="0"/>
-                    </a:p>
-                  </a:txBody>
-                  <a:tcPr/>
-                </a:tc>
-                <a:tc>
-                  <a:txBody>
-                    <a:bodyPr/>
-                    <a:lstStyle/>
-                    <a:p>
-                      <a:r>
-                        <a:rPr lang="zh-CN" altLang="en-US" dirty="0" smtClean="0"/>
-                        <a:t>积极主动性不高，各自完成自己的部分。</a:t>
-                      </a:r>
-                      <a:endParaRPr lang="zh-CN" altLang="en-US" dirty="0"/>
-                    </a:p>
-                  </a:txBody>
-                  <a:tcPr/>
-                </a:tc>
-              </a:tr>
-              <a:tr h="465667">
-                <a:tc>
-                  <a:txBody>
-                    <a:bodyPr/>
-                    <a:lstStyle/>
-                    <a:p>
-                      <a:pPr marL="0" marR="0" indent="0" algn="l" defTabSz="457200" rtl="0" eaLnBrk="1" fontAlgn="auto" latinLnBrk="0" hangingPunct="1">
-                        <a:lnSpc>
-                          <a:spcPct val="100000"/>
-                        </a:lnSpc>
-                        <a:spcBef>
-                          <a:spcPts val="0"/>
-                        </a:spcBef>
-                        <a:spcAft>
-                          <a:spcPts val="0"/>
-                        </a:spcAft>
-                        <a:buClrTx/>
-                        <a:buSzTx/>
-                        <a:buFontTx/>
-                        <a:buNone/>
-                        <a:tabLst/>
-                        <a:defRPr/>
-                      </a:pPr>
-                      <a:endParaRPr lang="zh-CN" altLang="en-US" dirty="0" smtClean="0"/>
-                    </a:p>
-                  </a:txBody>
-                  <a:tcPr/>
-                </a:tc>
-                <a:tc>
-                  <a:txBody>
-                    <a:bodyPr/>
-                    <a:lstStyle/>
-                    <a:p>
-                      <a:r>
-                        <a:rPr lang="zh-CN" altLang="en-US" dirty="0" smtClean="0"/>
-                        <a:t>设计，需求稳定时就像一台有条不紊运行的机器，效率，质量都非常高</a:t>
-                      </a:r>
-                      <a:endParaRPr lang="zh-CN" altLang="en-US" dirty="0"/>
-                    </a:p>
-                  </a:txBody>
-                  <a:tcPr/>
-                </a:tc>
-                <a:tc>
-                  <a:txBody>
-                    <a:bodyPr/>
-                    <a:lstStyle/>
-                    <a:p>
-                      <a:r>
-                        <a:rPr lang="zh-CN" altLang="en-US" dirty="0" smtClean="0"/>
-                        <a:t>由于其不可回溯特点，很难应付需求的变更，对设计者的要求较高。</a:t>
-                      </a:r>
-                      <a:endParaRPr lang="zh-CN" altLang="en-US" dirty="0"/>
-                    </a:p>
-                  </a:txBody>
-                  <a:tcPr/>
-                </a:tc>
-              </a:tr>
-            </a:tbl>
-          </a:graphicData>
-        </a:graphic>
-      </p:graphicFrame>
-    </p:spTree>
-    <p:extLst>
-      <p:ext uri="{BB962C8B-B14F-4D97-AF65-F5344CB8AC3E}">
-        <p14:creationId xmlns:p14="http://schemas.microsoft.com/office/powerpoint/2010/main" val="2694905177"/>
-      </p:ext>
-    </p:extLst>
-  </p:cSld>
-  <p:clrMapOvr>
-    <a:masterClrMapping/>
-  </p:clrMapOvr>
-  <p:transition/>
-  <p:timing>
-    <p:tnLst>
-      <p:par>
-        <p:cTn id="1" dur="indefinite" restart="never" nodeType="tmRoot"/>
-      </p:par>
-    </p:tnLst>
-  </p:timing>
-</p:sld>
-</file>
-
-<file path=ppt/slides/slide7.xml><?xml version="1.0" encoding="utf-8"?>
-<p:sld xmlns:a="http://schemas.openxmlformats.org/drawingml/2006/main" xmlns:r="http://schemas.openxmlformats.org/officeDocument/2006/relationships" xmlns:p="http://schemas.openxmlformats.org/presentationml/2006/main">
-  <p:cSld>
-    <p:spTree>
-      <p:nvGrpSpPr>
-        <p:cNvPr id="1" name=""/>
-        <p:cNvGrpSpPr/>
-        <p:nvPr/>
-      </p:nvGrpSpPr>
-      <p:grpSpPr>
-        <a:xfrm>
-          <a:off x="0" y="0"/>
-          <a:ext cx="0" cy="0"/>
-          <a:chOff x="0" y="0"/>
-          <a:chExt cx="0" cy="0"/>
-        </a:xfrm>
-      </p:grpSpPr>
-      <p:sp>
-        <p:nvSpPr>
-          <p:cNvPr id="3" name="标题 1"/>
-          <p:cNvSpPr>
-            <a:spLocks noGrp="1"/>
-          </p:cNvSpPr>
-          <p:nvPr>
-            <p:ph type="title"/>
-          </p:nvPr>
-        </p:nvSpPr>
-        <p:spPr>
-          <a:xfrm>
-            <a:off x="457200" y="274638"/>
-            <a:ext cx="8229600" cy="715962"/>
-          </a:xfrm>
-        </p:spPr>
-        <p:txBody>
-          <a:bodyPr/>
-          <a:lstStyle/>
-          <a:p>
-            <a:r>
-              <a:rPr lang="zh-CN" altLang="en-US" sz="3600" dirty="0" smtClean="0">
-                <a:solidFill>
-                  <a:srgbClr val="E46C0A"/>
-                </a:solidFill>
-                <a:latin typeface="微软雅黑" panose="020B0503020204020204" pitchFamily="34" charset="-122"/>
-                <a:ea typeface="微软雅黑" panose="020B0503020204020204" pitchFamily="34" charset="-122"/>
-              </a:rPr>
-              <a:t>总结</a:t>
-            </a:r>
-            <a:endParaRPr lang="zh-CN" altLang="en-US" sz="3600" dirty="0">
-              <a:solidFill>
-                <a:srgbClr val="E46C0A"/>
-              </a:solidFill>
-              <a:latin typeface="微软雅黑" panose="020B0503020204020204" pitchFamily="34" charset="-122"/>
-              <a:ea typeface="微软雅黑" panose="020B0503020204020204" pitchFamily="34" charset="-122"/>
-            </a:endParaRPr>
-          </a:p>
-        </p:txBody>
-      </p:sp>
-      <p:graphicFrame>
-        <p:nvGraphicFramePr>
-          <p:cNvPr id="2" name="表格 1"/>
-          <p:cNvGraphicFramePr>
-            <a:graphicFrameLocks noGrp="1"/>
-          </p:cNvGraphicFramePr>
-          <p:nvPr>
-            <p:extLst>
-              <p:ext uri="{D42A27DB-BD31-4B8C-83A1-F6EECF244321}">
-                <p14:modId xmlns:p14="http://schemas.microsoft.com/office/powerpoint/2010/main" val="1199547275"/>
-              </p:ext>
-            </p:extLst>
-          </p:nvPr>
-        </p:nvGraphicFramePr>
-        <p:xfrm>
-          <a:off x="152400" y="1415627"/>
-          <a:ext cx="8686800" cy="2834640"/>
-        </p:xfrm>
-        <a:graphic>
-          <a:graphicData uri="http://schemas.openxmlformats.org/drawingml/2006/table">
-            <a:tbl>
-              <a:tblPr firstRow="1" bandRow="1">
-                <a:tableStyleId>{5C22544A-7EE6-4342-B048-85BDC9FD1C3A}</a:tableStyleId>
-              </a:tblPr>
-              <a:tblGrid>
-                <a:gridCol w="2057400"/>
-                <a:gridCol w="3402874"/>
-                <a:gridCol w="3226526"/>
-              </a:tblGrid>
-              <a:tr h="0">
-                <a:tc>
-                  <a:txBody>
-                    <a:bodyPr/>
-                    <a:lstStyle/>
-                    <a:p>
-                      <a:pPr algn="ctr"/>
-                      <a:r>
-                        <a:rPr lang="zh-CN" altLang="en-US" dirty="0" smtClean="0"/>
-                        <a:t>特点</a:t>
-                      </a:r>
-                      <a:endParaRPr lang="zh-CN" altLang="en-US" dirty="0"/>
-                    </a:p>
-                  </a:txBody>
-                  <a:tcPr/>
-                </a:tc>
-                <a:tc>
-                  <a:txBody>
-                    <a:bodyPr/>
-                    <a:lstStyle/>
-                    <a:p>
-                      <a:pPr algn="ctr"/>
-                      <a:r>
-                        <a:rPr lang="zh-CN" altLang="en-US" dirty="0" smtClean="0"/>
-                        <a:t>优点</a:t>
-                      </a:r>
-                      <a:endParaRPr lang="zh-CN" altLang="en-US" dirty="0"/>
-                    </a:p>
-                  </a:txBody>
-                  <a:tcPr/>
-                </a:tc>
-                <a:tc>
-                  <a:txBody>
-                    <a:bodyPr/>
-                    <a:lstStyle/>
-                    <a:p>
-                      <a:pPr algn="ctr"/>
-                      <a:r>
-                        <a:rPr lang="zh-CN" altLang="en-US" dirty="0" smtClean="0"/>
-                        <a:t>不足</a:t>
-                      </a:r>
-                      <a:endParaRPr lang="zh-CN" altLang="en-US" dirty="0"/>
-                    </a:p>
-                  </a:txBody>
-                  <a:tcPr/>
-                </a:tc>
-              </a:tr>
-              <a:tr h="465667">
-                <a:tc>
-                  <a:txBody>
-                    <a:bodyPr/>
-                    <a:lstStyle/>
-                    <a:p>
-                      <a:r>
-                        <a:rPr lang="zh-CN" altLang="en-US" dirty="0" smtClean="0"/>
-                        <a:t>重视文档</a:t>
-                      </a:r>
-                      <a:endParaRPr lang="zh-CN" altLang="en-US" dirty="0"/>
-                    </a:p>
-                  </a:txBody>
-                  <a:tcPr/>
-                </a:tc>
-                <a:tc>
-                  <a:txBody>
-                    <a:bodyPr/>
-                    <a:lstStyle/>
-                    <a:p>
-                      <a:r>
-                        <a:rPr lang="zh-CN" altLang="en-US" dirty="0" smtClean="0"/>
-                        <a:t>便于后续维护</a:t>
-                      </a:r>
-                      <a:endParaRPr lang="zh-CN" altLang="en-US" dirty="0"/>
-                    </a:p>
-                  </a:txBody>
-                  <a:tcPr/>
-                </a:tc>
-                <a:tc>
-                  <a:txBody>
-                    <a:bodyPr/>
-                    <a:lstStyle/>
-                    <a:p>
-                      <a:r>
-                        <a:rPr lang="zh-CN" altLang="en-US" dirty="0" smtClean="0"/>
-                        <a:t>更改软件，意味着文档也要随着更新，带来时间成本上的消耗。</a:t>
-                      </a:r>
-                      <a:endParaRPr lang="zh-CN" altLang="en-US" dirty="0"/>
-                    </a:p>
-                  </a:txBody>
-                  <a:tcPr/>
-                </a:tc>
-              </a:tr>
-              <a:tr h="465667">
-                <a:tc>
-                  <a:txBody>
-                    <a:bodyPr/>
-                    <a:lstStyle/>
-                    <a:p>
-                      <a:pPr marL="0" marR="0" indent="0" algn="l" defTabSz="457200" rtl="0" eaLnBrk="1" fontAlgn="auto" latinLnBrk="0" hangingPunct="1">
-                        <a:lnSpc>
-                          <a:spcPct val="100000"/>
-                        </a:lnSpc>
-                        <a:spcBef>
-                          <a:spcPts val="0"/>
-                        </a:spcBef>
-                        <a:spcAft>
-                          <a:spcPts val="0"/>
-                        </a:spcAft>
-                        <a:buClrTx/>
-                        <a:buSzTx/>
-                        <a:buFontTx/>
-                        <a:buNone/>
-                        <a:tabLst/>
-                        <a:defRPr/>
-                      </a:pPr>
-                      <a:r>
-                        <a:rPr lang="zh-CN" altLang="en-US" dirty="0" smtClean="0"/>
-                        <a:t>规范，清晰的流程</a:t>
-                      </a:r>
-                    </a:p>
-                  </a:txBody>
-                  <a:tcPr/>
-                </a:tc>
-                <a:tc>
-                  <a:txBody>
-                    <a:bodyPr/>
-                    <a:lstStyle/>
-                    <a:p>
-                      <a:r>
-                        <a:rPr lang="zh-CN" altLang="en-US" dirty="0" smtClean="0"/>
-                        <a:t>角色分工明确，便于管理</a:t>
-                      </a:r>
-                      <a:endParaRPr lang="zh-CN" altLang="en-US" dirty="0"/>
-                    </a:p>
-                  </a:txBody>
-                  <a:tcPr/>
-                </a:tc>
-                <a:tc>
-                  <a:txBody>
-                    <a:bodyPr/>
-                    <a:lstStyle/>
-                    <a:p>
-                      <a:r>
-                        <a:rPr lang="zh-CN" altLang="en-US" dirty="0" smtClean="0"/>
-                        <a:t>积极主动性不高，各自完成自己的部分。</a:t>
-                      </a:r>
-                      <a:endParaRPr lang="zh-CN" altLang="en-US" dirty="0"/>
-                    </a:p>
-                  </a:txBody>
-                  <a:tcPr/>
-                </a:tc>
-              </a:tr>
-              <a:tr h="465667">
-                <a:tc>
-                  <a:txBody>
-                    <a:bodyPr/>
-                    <a:lstStyle/>
-                    <a:p>
-                      <a:pPr marL="0" marR="0" indent="0" algn="l" defTabSz="457200" rtl="0" eaLnBrk="1" fontAlgn="auto" latinLnBrk="0" hangingPunct="1">
-                        <a:lnSpc>
-                          <a:spcPct val="100000"/>
-                        </a:lnSpc>
-                        <a:spcBef>
-                          <a:spcPts val="0"/>
-                        </a:spcBef>
-                        <a:spcAft>
-                          <a:spcPts val="0"/>
-                        </a:spcAft>
-                        <a:buClrTx/>
-                        <a:buSzTx/>
-                        <a:buFontTx/>
-                        <a:buNone/>
-                        <a:tabLst/>
-                        <a:defRPr/>
-                      </a:pPr>
-                      <a:endParaRPr lang="zh-CN" altLang="en-US" dirty="0" smtClean="0"/>
-                    </a:p>
-                  </a:txBody>
-                  <a:tcPr/>
-                </a:tc>
-                <a:tc>
-                  <a:txBody>
-                    <a:bodyPr/>
-                    <a:lstStyle/>
-                    <a:p>
-                      <a:r>
-                        <a:rPr lang="zh-CN" altLang="en-US" b="0" dirty="0" smtClean="0">
-                          <a:solidFill>
-                            <a:srgbClr val="C00000"/>
-                          </a:solidFill>
-                        </a:rPr>
-                        <a:t>设计，需求稳定时就像一台有条不紊运行的机器，效率，质量都非常高</a:t>
-                      </a:r>
-                      <a:endParaRPr lang="zh-CN" altLang="en-US" b="0" dirty="0">
-                        <a:solidFill>
-                          <a:srgbClr val="C00000"/>
-                        </a:solidFill>
-                      </a:endParaRPr>
-                    </a:p>
-                  </a:txBody>
-                  <a:tcPr/>
-                </a:tc>
-                <a:tc>
-                  <a:txBody>
-                    <a:bodyPr/>
-                    <a:lstStyle/>
-                    <a:p>
-                      <a:r>
-                        <a:rPr lang="zh-CN" altLang="en-US" dirty="0" smtClean="0"/>
-                        <a:t>由于其不可回溯特点，很难应付需求的变更，对设计者的要求较高。</a:t>
-                      </a:r>
-                      <a:endParaRPr lang="zh-CN" altLang="en-US" dirty="0"/>
-                    </a:p>
-                  </a:txBody>
-                  <a:tcPr/>
-                </a:tc>
-              </a:tr>
-            </a:tbl>
-          </a:graphicData>
-        </a:graphic>
-      </p:graphicFrame>
-    </p:spTree>
-    <p:extLst>
-      <p:ext uri="{BB962C8B-B14F-4D97-AF65-F5344CB8AC3E}">
-        <p14:creationId xmlns:p14="http://schemas.microsoft.com/office/powerpoint/2010/main" val="985163904"/>
-      </p:ext>
-    </p:extLst>
-  </p:cSld>
-  <p:clrMapOvr>
-    <a:masterClrMapping/>
-  </p:clrMapOvr>
-  <p:transition/>
-  <p:timing>
-    <p:tnLst>
-      <p:par>
-        <p:cTn id="1" dur="indefinite" restart="never" nodeType="tmRoot"/>
-      </p:par>
-    </p:tnLst>
-  </p:timing>
-</p:sld>
-</file>
-
-<file path=ppt/slides/slide8.xml><?xml version="1.0" encoding="utf-8"?>
-<p:sld xmlns:a="http://schemas.openxmlformats.org/drawingml/2006/main" xmlns:r="http://schemas.openxmlformats.org/officeDocument/2006/relationships" xmlns:p="http://schemas.openxmlformats.org/presentationml/2006/main">
-  <p:cSld>
-    <p:spTree>
-      <p:nvGrpSpPr>
-        <p:cNvPr id="1" name=""/>
-        <p:cNvGrpSpPr/>
-        <p:nvPr/>
-      </p:nvGrpSpPr>
-      <p:grpSpPr>
-        <a:xfrm>
-          <a:off x="0" y="0"/>
-          <a:ext cx="0" cy="0"/>
-          <a:chOff x="0" y="0"/>
-          <a:chExt cx="0" cy="0"/>
-        </a:xfrm>
-      </p:grpSpPr>
-      <p:sp>
-        <p:nvSpPr>
-          <p:cNvPr id="3" name="标题 1"/>
-          <p:cNvSpPr>
-            <a:spLocks noGrp="1"/>
-          </p:cNvSpPr>
-          <p:nvPr>
-            <p:ph type="title"/>
-          </p:nvPr>
-        </p:nvSpPr>
-        <p:spPr>
-          <a:xfrm>
-            <a:off x="457200" y="274638"/>
-            <a:ext cx="8229600" cy="715962"/>
-          </a:xfrm>
-        </p:spPr>
-        <p:txBody>
-          <a:bodyPr/>
-          <a:lstStyle/>
-          <a:p>
-            <a:r>
-              <a:rPr lang="zh-CN" altLang="en-US" sz="3600" dirty="0" smtClean="0">
-                <a:solidFill>
-                  <a:srgbClr val="E46C0A"/>
-                </a:solidFill>
-                <a:latin typeface="微软雅黑" panose="020B0503020204020204" pitchFamily="34" charset="-122"/>
-                <a:ea typeface="微软雅黑" panose="020B0503020204020204" pitchFamily="34" charset="-122"/>
-              </a:rPr>
-              <a:t>敏捷开发方法</a:t>
-            </a:r>
-            <a:endParaRPr lang="zh-CN" altLang="en-US" sz="3600" dirty="0">
-              <a:solidFill>
-                <a:srgbClr val="E46C0A"/>
-              </a:solidFill>
-              <a:latin typeface="微软雅黑" panose="020B0503020204020204" pitchFamily="34" charset="-122"/>
-              <a:ea typeface="微软雅黑" panose="020B0503020204020204" pitchFamily="34" charset="-122"/>
-            </a:endParaRPr>
-          </a:p>
-        </p:txBody>
-      </p:sp>
-      <p:sp>
-        <p:nvSpPr>
-          <p:cNvPr id="4" name="TextBox 3"/>
-          <p:cNvSpPr txBox="1"/>
-          <p:nvPr/>
-        </p:nvSpPr>
-        <p:spPr>
-          <a:xfrm>
-            <a:off x="457200" y="1295400"/>
-            <a:ext cx="3276600" cy="892552"/>
-          </a:xfrm>
-          <a:prstGeom prst="rect">
-            <a:avLst/>
-          </a:prstGeom>
-          <a:noFill/>
-        </p:spPr>
-        <p:txBody>
-          <a:bodyPr wrap="square" rtlCol="0">
-            <a:spAutoFit/>
-          </a:bodyPr>
-          <a:lstStyle/>
-          <a:p>
-            <a:r>
-              <a:rPr lang="zh-CN" altLang="en-US" b="1" dirty="0" smtClean="0">
-                <a:latin typeface="微软雅黑" panose="020B0503020204020204" pitchFamily="34" charset="-122"/>
-                <a:ea typeface="微软雅黑" panose="020B0503020204020204" pitchFamily="34" charset="-122"/>
-              </a:rPr>
-              <a:t>倡导：</a:t>
-            </a:r>
-            <a:r>
-              <a:rPr lang="zh-CN" altLang="en-US" sz="1600" dirty="0" smtClean="0">
-                <a:latin typeface="微软雅黑" panose="020B0503020204020204" pitchFamily="34" charset="-122"/>
-                <a:ea typeface="微软雅黑" panose="020B0503020204020204" pitchFamily="34" charset="-122"/>
-              </a:rPr>
-              <a:t>拥抱变化</a:t>
-            </a:r>
-            <a:endParaRPr lang="en-US" altLang="zh-CN" sz="1600" dirty="0" smtClean="0">
-              <a:latin typeface="微软雅黑" panose="020B0503020204020204" pitchFamily="34" charset="-122"/>
-              <a:ea typeface="微软雅黑" panose="020B0503020204020204" pitchFamily="34" charset="-122"/>
-            </a:endParaRPr>
-          </a:p>
-          <a:p>
-            <a:endParaRPr lang="en-US" altLang="zh-CN" sz="1600" dirty="0">
-              <a:latin typeface="微软雅黑" panose="020B0503020204020204" pitchFamily="34" charset="-122"/>
-              <a:ea typeface="微软雅黑" panose="020B0503020204020204" pitchFamily="34" charset="-122"/>
-            </a:endParaRPr>
-          </a:p>
-          <a:p>
-            <a:r>
-              <a:rPr lang="zh-CN" altLang="en-US" b="1" dirty="0" smtClean="0">
-                <a:latin typeface="微软雅黑" panose="020B0503020204020204" pitchFamily="34" charset="-122"/>
-                <a:ea typeface="微软雅黑" panose="020B0503020204020204" pitchFamily="34" charset="-122"/>
-              </a:rPr>
-              <a:t>敏捷宣言：</a:t>
-            </a:r>
-            <a:endParaRPr lang="zh-CN" altLang="en-US" b="1" dirty="0">
-              <a:latin typeface="微软雅黑" panose="020B0503020204020204" pitchFamily="34" charset="-122"/>
-              <a:ea typeface="微软雅黑" panose="020B0503020204020204" pitchFamily="34" charset="-122"/>
-            </a:endParaRPr>
-          </a:p>
-        </p:txBody>
-      </p:sp>
-      <p:sp>
-        <p:nvSpPr>
-          <p:cNvPr id="6" name="圆角矩形 5"/>
-          <p:cNvSpPr/>
-          <p:nvPr/>
-        </p:nvSpPr>
-        <p:spPr bwMode="auto">
-          <a:xfrm>
-            <a:off x="1447800" y="2414351"/>
-            <a:ext cx="1905000" cy="510778"/>
-          </a:xfrm>
-          <a:prstGeom prst="roundRect">
-            <a:avLst/>
-          </a:prstGeom>
-          <a:ln/>
-        </p:spPr>
-        <p:style>
-          <a:lnRef idx="2">
-            <a:schemeClr val="accent6">
-              <a:shade val="50000"/>
-            </a:schemeClr>
-          </a:lnRef>
-          <a:fillRef idx="1">
-            <a:schemeClr val="accent6"/>
-          </a:fillRef>
-          <a:effectRef idx="0">
-            <a:schemeClr val="accent6"/>
-          </a:effectRef>
-          <a:fontRef idx="minor">
-            <a:schemeClr val="lt1"/>
-          </a:fontRef>
-        </p:style>
-        <p:txBody>
-          <a:bodyPr wrap="square" rtlCol="0" anchor="ctr">
-            <a:spAutoFit/>
-          </a:bodyPr>
-          <a:lstStyle/>
-          <a:p>
-            <a:pPr algn="ctr">
-              <a:lnSpc>
-                <a:spcPct val="150000"/>
-              </a:lnSpc>
-            </a:pPr>
-            <a:r>
-              <a:rPr lang="zh-CN" altLang="en-US" sz="1600" dirty="0" smtClean="0">
-                <a:latin typeface="微软雅黑" pitchFamily="34" charset="-122"/>
-                <a:ea typeface="微软雅黑" pitchFamily="34" charset="-122"/>
-              </a:rPr>
-              <a:t>人与交互</a:t>
-            </a:r>
-          </a:p>
-        </p:txBody>
-      </p:sp>
-      <p:sp>
-        <p:nvSpPr>
-          <p:cNvPr id="7" name="圆角矩形 6"/>
-          <p:cNvSpPr/>
-          <p:nvPr/>
-        </p:nvSpPr>
-        <p:spPr bwMode="auto">
-          <a:xfrm>
-            <a:off x="1447800" y="3124200"/>
-            <a:ext cx="1905000" cy="462680"/>
-          </a:xfrm>
-          <a:prstGeom prst="roundRect">
-            <a:avLst/>
-          </a:prstGeom>
-          <a:ln/>
-        </p:spPr>
-        <p:style>
-          <a:lnRef idx="2">
-            <a:schemeClr val="accent6">
-              <a:shade val="50000"/>
-            </a:schemeClr>
-          </a:lnRef>
-          <a:fillRef idx="1">
-            <a:schemeClr val="accent6"/>
-          </a:fillRef>
-          <a:effectRef idx="0">
-            <a:schemeClr val="accent6"/>
-          </a:effectRef>
-          <a:fontRef idx="minor">
-            <a:schemeClr val="lt1"/>
-          </a:fontRef>
-        </p:style>
-        <p:txBody>
-          <a:bodyPr wrap="square" rtlCol="0" anchor="ctr">
-            <a:spAutoFit/>
-          </a:bodyPr>
-          <a:lstStyle/>
-          <a:p>
-            <a:pPr algn="ctr">
-              <a:lnSpc>
-                <a:spcPct val="150000"/>
-              </a:lnSpc>
-            </a:pPr>
-            <a:r>
-              <a:rPr lang="zh-CN" altLang="en-US" sz="1600" dirty="0" smtClean="0">
-                <a:latin typeface="微软雅黑" pitchFamily="34" charset="-122"/>
-                <a:ea typeface="微软雅黑" pitchFamily="34" charset="-122"/>
-              </a:rPr>
-              <a:t>可工作的软件</a:t>
-            </a:r>
-          </a:p>
-        </p:txBody>
-      </p:sp>
-      <p:sp>
-        <p:nvSpPr>
-          <p:cNvPr id="8" name="圆角矩形 7"/>
-          <p:cNvSpPr/>
-          <p:nvPr/>
-        </p:nvSpPr>
-        <p:spPr bwMode="auto">
-          <a:xfrm>
-            <a:off x="1447800" y="3810000"/>
-            <a:ext cx="1905000" cy="462680"/>
-          </a:xfrm>
-          <a:prstGeom prst="roundRect">
-            <a:avLst/>
-          </a:prstGeom>
-          <a:ln/>
-        </p:spPr>
-        <p:style>
-          <a:lnRef idx="2">
-            <a:schemeClr val="accent6">
-              <a:shade val="50000"/>
-            </a:schemeClr>
-          </a:lnRef>
-          <a:fillRef idx="1">
-            <a:schemeClr val="accent6"/>
-          </a:fillRef>
-          <a:effectRef idx="0">
-            <a:schemeClr val="accent6"/>
-          </a:effectRef>
-          <a:fontRef idx="minor">
-            <a:schemeClr val="lt1"/>
-          </a:fontRef>
-        </p:style>
-        <p:txBody>
-          <a:bodyPr wrap="square" rtlCol="0" anchor="ctr">
-            <a:spAutoFit/>
-          </a:bodyPr>
-          <a:lstStyle/>
-          <a:p>
-            <a:pPr algn="ctr">
-              <a:lnSpc>
-                <a:spcPct val="150000"/>
-              </a:lnSpc>
-            </a:pPr>
-            <a:r>
-              <a:rPr lang="zh-CN" altLang="en-US" sz="1600" dirty="0" smtClean="0">
-                <a:latin typeface="微软雅黑" pitchFamily="34" charset="-122"/>
-                <a:ea typeface="微软雅黑" pitchFamily="34" charset="-122"/>
-              </a:rPr>
-              <a:t>客户协作</a:t>
-            </a:r>
-          </a:p>
-        </p:txBody>
-      </p:sp>
-      <p:sp>
-        <p:nvSpPr>
-          <p:cNvPr id="9" name="圆角矩形 8"/>
-          <p:cNvSpPr/>
-          <p:nvPr/>
-        </p:nvSpPr>
-        <p:spPr bwMode="auto">
-          <a:xfrm>
-            <a:off x="1447800" y="4495800"/>
-            <a:ext cx="1905000" cy="462680"/>
-          </a:xfrm>
-          <a:prstGeom prst="roundRect">
-            <a:avLst/>
-          </a:prstGeom>
-          <a:ln/>
-        </p:spPr>
-        <p:style>
-          <a:lnRef idx="2">
-            <a:schemeClr val="accent6">
-              <a:shade val="50000"/>
-            </a:schemeClr>
-          </a:lnRef>
-          <a:fillRef idx="1">
-            <a:schemeClr val="accent6"/>
-          </a:fillRef>
-          <a:effectRef idx="0">
-            <a:schemeClr val="accent6"/>
-          </a:effectRef>
-          <a:fontRef idx="minor">
-            <a:schemeClr val="lt1"/>
-          </a:fontRef>
-        </p:style>
-        <p:txBody>
-          <a:bodyPr wrap="square" rtlCol="0" anchor="ctr">
-            <a:spAutoFit/>
-          </a:bodyPr>
-          <a:lstStyle/>
-          <a:p>
-            <a:pPr algn="ctr">
-              <a:lnSpc>
-                <a:spcPct val="150000"/>
-              </a:lnSpc>
-            </a:pPr>
-            <a:r>
-              <a:rPr lang="zh-CN" altLang="en-US" sz="1600" dirty="0" smtClean="0">
-                <a:latin typeface="微软雅黑" pitchFamily="34" charset="-122"/>
-                <a:ea typeface="微软雅黑" pitchFamily="34" charset="-122"/>
-              </a:rPr>
-              <a:t>相应变化</a:t>
-            </a:r>
-          </a:p>
-        </p:txBody>
-      </p:sp>
-      <p:sp>
-        <p:nvSpPr>
-          <p:cNvPr id="10" name="右箭头 9"/>
-          <p:cNvSpPr/>
-          <p:nvPr/>
-        </p:nvSpPr>
-        <p:spPr bwMode="auto">
-          <a:xfrm>
-            <a:off x="3810000" y="3352800"/>
-            <a:ext cx="914400" cy="762000"/>
-          </a:xfrm>
-          <a:prstGeom prst="rightArrow">
-            <a:avLst>
-              <a:gd name="adj1" fmla="val 50000"/>
-              <a:gd name="adj2" fmla="val 53913"/>
-            </a:avLst>
-          </a:prstGeom>
-          <a:ln/>
-        </p:spPr>
-        <p:style>
-          <a:lnRef idx="2">
-            <a:schemeClr val="accent6">
-              <a:shade val="50000"/>
-            </a:schemeClr>
-          </a:lnRef>
-          <a:fillRef idx="1">
-            <a:schemeClr val="accent6"/>
-          </a:fillRef>
-          <a:effectRef idx="0">
-            <a:schemeClr val="accent6"/>
-          </a:effectRef>
-          <a:fontRef idx="minor">
-            <a:schemeClr val="lt1"/>
-          </a:fontRef>
-        </p:style>
-        <p:txBody>
-          <a:bodyPr wrap="square" rtlCol="0" anchor="ctr">
-            <a:spAutoFit/>
-          </a:bodyPr>
-          <a:lstStyle/>
-          <a:p>
-            <a:pPr algn="ctr">
-              <a:lnSpc>
-                <a:spcPct val="150000"/>
-              </a:lnSpc>
-              <a:buFont typeface="Wingdings" pitchFamily="2" charset="2"/>
-              <a:buBlip>
-                <a:blip r:embed="rId3"/>
-              </a:buBlip>
-            </a:pPr>
-            <a:endParaRPr lang="zh-CN" altLang="en-US" dirty="0" smtClean="0">
-              <a:latin typeface="微软雅黑" pitchFamily="34" charset="-122"/>
-              <a:ea typeface="微软雅黑" pitchFamily="34" charset="-122"/>
-            </a:endParaRPr>
-          </a:p>
-        </p:txBody>
-      </p:sp>
-      <p:sp>
-        <p:nvSpPr>
-          <p:cNvPr id="11" name="TextBox 10"/>
-          <p:cNvSpPr txBox="1"/>
-          <p:nvPr/>
-        </p:nvSpPr>
-        <p:spPr>
-          <a:xfrm>
-            <a:off x="3886200" y="3581400"/>
-            <a:ext cx="685800" cy="338554"/>
-          </a:xfrm>
-          <a:prstGeom prst="rect">
-            <a:avLst/>
-          </a:prstGeom>
-          <a:noFill/>
-        </p:spPr>
-        <p:txBody>
-          <a:bodyPr wrap="square" rtlCol="0">
-            <a:spAutoFit/>
-          </a:bodyPr>
-          <a:lstStyle/>
-          <a:p>
-            <a:r>
-              <a:rPr lang="zh-CN" altLang="en-US" sz="1600" dirty="0">
-                <a:solidFill>
-                  <a:schemeClr val="bg1"/>
-                </a:solidFill>
-                <a:latin typeface="微软雅黑" panose="020B0503020204020204" pitchFamily="34" charset="-122"/>
-                <a:ea typeface="微软雅黑" panose="020B0503020204020204" pitchFamily="34" charset="-122"/>
-              </a:rPr>
-              <a:t>重于</a:t>
-            </a:r>
-          </a:p>
-        </p:txBody>
-      </p:sp>
-      <p:sp>
-        <p:nvSpPr>
-          <p:cNvPr id="13" name="圆角矩形 12"/>
-          <p:cNvSpPr/>
-          <p:nvPr/>
-        </p:nvSpPr>
-        <p:spPr bwMode="auto">
-          <a:xfrm>
-            <a:off x="5105400" y="2450794"/>
-            <a:ext cx="1905000" cy="462680"/>
-          </a:xfrm>
-          <a:prstGeom prst="roundRect">
-            <a:avLst/>
-          </a:prstGeom>
-          <a:ln/>
-        </p:spPr>
-        <p:style>
-          <a:lnRef idx="2">
-            <a:schemeClr val="accent1">
-              <a:shade val="50000"/>
-            </a:schemeClr>
-          </a:lnRef>
-          <a:fillRef idx="1">
-            <a:schemeClr val="accent1"/>
-          </a:fillRef>
-          <a:effectRef idx="0">
-            <a:schemeClr val="accent1"/>
-          </a:effectRef>
-          <a:fontRef idx="minor">
-            <a:schemeClr val="lt1"/>
-          </a:fontRef>
-        </p:style>
-        <p:txBody>
-          <a:bodyPr wrap="square" rtlCol="0" anchor="ctr">
-            <a:spAutoFit/>
-          </a:bodyPr>
-          <a:lstStyle/>
-          <a:p>
-            <a:pPr algn="ctr">
-              <a:lnSpc>
-                <a:spcPct val="150000"/>
-              </a:lnSpc>
-            </a:pPr>
-            <a:r>
-              <a:rPr lang="zh-CN" altLang="en-US" sz="1600" dirty="0" smtClean="0">
-                <a:latin typeface="微软雅黑" pitchFamily="34" charset="-122"/>
-                <a:ea typeface="微软雅黑" pitchFamily="34" charset="-122"/>
-              </a:rPr>
-              <a:t>过程与工具</a:t>
-            </a:r>
-          </a:p>
-        </p:txBody>
-      </p:sp>
-      <p:sp>
-        <p:nvSpPr>
-          <p:cNvPr id="14" name="圆角矩形 13"/>
-          <p:cNvSpPr/>
-          <p:nvPr/>
-        </p:nvSpPr>
-        <p:spPr bwMode="auto">
-          <a:xfrm>
-            <a:off x="5105400" y="3118720"/>
-            <a:ext cx="1905000" cy="462680"/>
-          </a:xfrm>
-          <a:prstGeom prst="roundRect">
-            <a:avLst/>
-          </a:prstGeom>
-          <a:ln/>
-        </p:spPr>
-        <p:style>
-          <a:lnRef idx="2">
-            <a:schemeClr val="accent1">
-              <a:shade val="50000"/>
-            </a:schemeClr>
-          </a:lnRef>
-          <a:fillRef idx="1">
-            <a:schemeClr val="accent1"/>
-          </a:fillRef>
-          <a:effectRef idx="0">
-            <a:schemeClr val="accent1"/>
-          </a:effectRef>
-          <a:fontRef idx="minor">
-            <a:schemeClr val="lt1"/>
-          </a:fontRef>
-        </p:style>
-        <p:txBody>
-          <a:bodyPr wrap="square" rtlCol="0" anchor="ctr">
-            <a:spAutoFit/>
-          </a:bodyPr>
-          <a:lstStyle/>
-          <a:p>
-            <a:pPr algn="ctr">
-              <a:lnSpc>
-                <a:spcPct val="150000"/>
-              </a:lnSpc>
-            </a:pPr>
-            <a:r>
-              <a:rPr lang="zh-CN" altLang="en-US" sz="1600" dirty="0" smtClean="0">
-                <a:latin typeface="微软雅黑" pitchFamily="34" charset="-122"/>
-                <a:ea typeface="微软雅黑" pitchFamily="34" charset="-122"/>
-              </a:rPr>
-              <a:t>全面的文档</a:t>
-            </a:r>
-          </a:p>
-        </p:txBody>
-      </p:sp>
-      <p:sp>
-        <p:nvSpPr>
-          <p:cNvPr id="15" name="圆角矩形 14"/>
-          <p:cNvSpPr/>
-          <p:nvPr/>
-        </p:nvSpPr>
-        <p:spPr bwMode="auto">
-          <a:xfrm>
-            <a:off x="5105400" y="3804520"/>
-            <a:ext cx="1905000" cy="462680"/>
-          </a:xfrm>
-          <a:prstGeom prst="roundRect">
-            <a:avLst/>
-          </a:prstGeom>
-          <a:ln/>
-        </p:spPr>
-        <p:style>
-          <a:lnRef idx="2">
-            <a:schemeClr val="accent1">
-              <a:shade val="50000"/>
-            </a:schemeClr>
-          </a:lnRef>
-          <a:fillRef idx="1">
-            <a:schemeClr val="accent1"/>
-          </a:fillRef>
-          <a:effectRef idx="0">
-            <a:schemeClr val="accent1"/>
-          </a:effectRef>
-          <a:fontRef idx="minor">
-            <a:schemeClr val="lt1"/>
-          </a:fontRef>
-        </p:style>
-        <p:txBody>
-          <a:bodyPr wrap="square" rtlCol="0" anchor="ctr">
-            <a:spAutoFit/>
-          </a:bodyPr>
-          <a:lstStyle/>
-          <a:p>
-            <a:pPr algn="ctr">
-              <a:lnSpc>
-                <a:spcPct val="150000"/>
-              </a:lnSpc>
-            </a:pPr>
-            <a:r>
-              <a:rPr lang="zh-CN" altLang="en-US" sz="1600" dirty="0" smtClean="0">
-                <a:latin typeface="微软雅黑" pitchFamily="34" charset="-122"/>
-                <a:ea typeface="微软雅黑" pitchFamily="34" charset="-122"/>
-              </a:rPr>
-              <a:t>合同谈判</a:t>
-            </a:r>
-          </a:p>
-        </p:txBody>
-      </p:sp>
-      <p:sp>
-        <p:nvSpPr>
-          <p:cNvPr id="16" name="圆角矩形 15"/>
-          <p:cNvSpPr/>
-          <p:nvPr/>
-        </p:nvSpPr>
-        <p:spPr bwMode="auto">
-          <a:xfrm>
-            <a:off x="5105400" y="4490320"/>
-            <a:ext cx="1905000" cy="462680"/>
-          </a:xfrm>
-          <a:prstGeom prst="roundRect">
-            <a:avLst/>
-          </a:prstGeom>
-          <a:ln/>
-        </p:spPr>
-        <p:style>
-          <a:lnRef idx="2">
-            <a:schemeClr val="accent1">
-              <a:shade val="50000"/>
-            </a:schemeClr>
-          </a:lnRef>
-          <a:fillRef idx="1">
-            <a:schemeClr val="accent1"/>
-          </a:fillRef>
-          <a:effectRef idx="0">
-            <a:schemeClr val="accent1"/>
-          </a:effectRef>
-          <a:fontRef idx="minor">
-            <a:schemeClr val="lt1"/>
-          </a:fontRef>
-        </p:style>
-        <p:txBody>
-          <a:bodyPr wrap="square" rtlCol="0" anchor="ctr">
-            <a:spAutoFit/>
-          </a:bodyPr>
-          <a:lstStyle/>
-          <a:p>
-            <a:pPr algn="ctr">
-              <a:lnSpc>
-                <a:spcPct val="150000"/>
-              </a:lnSpc>
-            </a:pPr>
-            <a:r>
-              <a:rPr lang="zh-CN" altLang="en-US" sz="1600" dirty="0" smtClean="0">
-                <a:latin typeface="微软雅黑" pitchFamily="34" charset="-122"/>
-                <a:ea typeface="微软雅黑" pitchFamily="34" charset="-122"/>
-              </a:rPr>
-              <a:t>遵循计划</a:t>
-            </a:r>
-          </a:p>
-        </p:txBody>
-      </p:sp>
-    </p:spTree>
-    <p:extLst>
-      <p:ext uri="{BB962C8B-B14F-4D97-AF65-F5344CB8AC3E}">
-        <p14:creationId xmlns:p14="http://schemas.microsoft.com/office/powerpoint/2010/main" val="3523283011"/>
-      </p:ext>
-    </p:extLst>
-  </p:cSld>
-  <p:clrMapOvr>
-    <a:masterClrMapping/>
-  </p:clrMapOvr>
-  <p:transition/>
-  <p:timing>
-    <p:tnLst>
-      <p:par>
-        <p:cTn id="1" dur="indefinite" restart="never" nodeType="tmRoot"/>
-      </p:par>
-    </p:tnLst>
-  </p:timing>
-</p:sld>
-</file>
-
 <file path=ppt/slides/slide9.xml><?xml version="1.0" encoding="utf-8"?>
 <p:sld xmlns:a="http://schemas.openxmlformats.org/drawingml/2006/main" xmlns:r="http://schemas.openxmlformats.org/officeDocument/2006/relationships" xmlns:p="http://schemas.openxmlformats.org/presentationml/2006/main">
   <p:cSld>
@@ -20629,16 +21647,6 @@
           <a:lstStyle/>
           <a:p>
             <a:r>
-              <a:rPr lang="en-US" altLang="zh-CN" sz="3600" dirty="0" smtClean="0">
-                <a:solidFill>
-                  <a:srgbClr val="E46C0A"/>
-                </a:solidFill>
-                <a:latin typeface="微软雅黑" panose="020B0503020204020204" pitchFamily="34" charset="-122"/>
-                <a:ea typeface="微软雅黑" panose="020B0503020204020204" pitchFamily="34" charset="-122"/>
-              </a:rPr>
-              <a:t>Scrum </a:t>
-            </a:r>
-            <a:r>
               <a:rPr lang="zh-CN" altLang="en-US" sz="3600" dirty="0" smtClean="0">
                 <a:solidFill>
                   <a:srgbClr val="E46C0A"/>
@@ -20646,7 +21654,7 @@
                 <a:latin typeface="微软雅黑" panose="020B0503020204020204" pitchFamily="34" charset="-122"/>
                 <a:ea typeface="微软雅黑" panose="020B0503020204020204" pitchFamily="34" charset="-122"/>
               </a:rPr>
-              <a:t>框架</a:t>
+              <a:t>案例：最好的交通工具</a:t>
             </a:r>
             <a:endParaRPr lang="zh-CN" altLang="en-US" sz="3600" dirty="0">
               <a:solidFill>
@@ -20660,106 +21668,81 @@
       </p:sp>
       <p:sp>
         <p:nvSpPr>
-          <p:cNvPr id="17" name="TextBox 16"/>
-          <p:cNvSpPr txBox="1"/>
+          <p:cNvPr id="2" name="矩形 1"/>
+          <p:cNvSpPr/>
           <p:nvPr/>
         </p:nvSpPr>
         <p:spPr>
           <a:xfrm>
-            <a:off x="457200" y="1295400"/>
-            <a:ext cx="8153400" cy="584775"/>
+            <a:off x="838200" y="1219200"/>
+            <a:ext cx="7696200" cy="923330"/>
           </a:xfrm>
           <a:prstGeom prst="rect">
             <a:avLst/>
           </a:prstGeom>
-          <a:noFill/>
         </p:spPr>
         <p:txBody>
-          <a:bodyPr wrap="square" rtlCol="0">
+          <a:bodyPr wrap="square">
             <a:spAutoFit/>
           </a:bodyPr>
           <a:lstStyle/>
           <a:p>
             <a:r>
-              <a:rPr lang="zh-CN" altLang="en-US" sz="1600" b="1" dirty="0" smtClean="0">
+              <a:rPr lang="en-US" altLang="zh-CN" dirty="0" smtClean="0">
                 <a:latin typeface="微软雅黑" panose="020B0503020204020204" pitchFamily="34" charset="-122"/>
                 <a:ea typeface="微软雅黑" panose="020B0503020204020204" pitchFamily="34" charset="-122"/>
               </a:rPr>
-              <a:t>简介：</a:t>
-            </a:r>
-            <a:r>
-              <a:rPr lang="zh-CN" altLang="en-US" sz="1600" dirty="0" smtClean="0">
+              <a:t>	</a:t>
+            </a:r>
+            <a:r>
+              <a:rPr lang="zh-CN" altLang="en-US" dirty="0" smtClean="0">
                 <a:latin typeface="微软雅黑" panose="020B0503020204020204" pitchFamily="34" charset="-122"/>
                 <a:ea typeface="微软雅黑" panose="020B0503020204020204" pitchFamily="34" charset="-122"/>
               </a:rPr>
-              <a:t>目前比较流行的一种敏捷思想的实践框架，简单易用</a:t>
-            </a:r>
-            <a:endParaRPr lang="en-US" altLang="zh-CN" sz="1600" dirty="0" smtClean="0">
-              <a:latin typeface="微软雅黑" panose="020B0503020204020204" pitchFamily="34" charset="-122"/>
-              <a:ea typeface="微软雅黑" panose="020B0503020204020204" pitchFamily="34" charset="-122"/>
-            </a:endParaRPr>
-          </a:p>
-          <a:p>
-            <a:endParaRPr lang="en-US" altLang="zh-CN" sz="1600" dirty="0">
-              <a:latin typeface="微软雅黑" panose="020B0503020204020204" pitchFamily="34" charset="-122"/>
-              <a:ea typeface="微软雅黑" panose="020B0503020204020204" pitchFamily="34" charset="-122"/>
-            </a:endParaRPr>
+              <a:t>福特</a:t>
+            </a:r>
+            <a:r>
+              <a:rPr lang="zh-CN" altLang="en-US" dirty="0">
+                <a:latin typeface="微软雅黑" panose="020B0503020204020204" pitchFamily="34" charset="-122"/>
+                <a:ea typeface="微软雅黑" panose="020B0503020204020204" pitchFamily="34" charset="-122"/>
+              </a:rPr>
+              <a:t>公司的</a:t>
+            </a:r>
+            <a:r>
+              <a:rPr lang="zh-CN" altLang="en-US" dirty="0" smtClean="0">
+                <a:latin typeface="微软雅黑" panose="020B0503020204020204" pitchFamily="34" charset="-122"/>
+                <a:ea typeface="微软雅黑" panose="020B0503020204020204" pitchFamily="34" charset="-122"/>
+              </a:rPr>
+              <a:t>创始人</a:t>
+            </a:r>
+            <a:r>
+              <a:rPr lang="en-US" altLang="zh-CN" dirty="0" smtClean="0">
+                <a:latin typeface="微软雅黑" panose="020B0503020204020204" pitchFamily="34" charset="-122"/>
+                <a:ea typeface="微软雅黑" panose="020B0503020204020204" pitchFamily="34" charset="-122"/>
+              </a:rPr>
+              <a:t>Henry Ford</a:t>
+            </a:r>
+            <a:r>
+              <a:rPr lang="zh-CN" altLang="en-US" dirty="0" smtClean="0">
+                <a:latin typeface="微软雅黑" panose="020B0503020204020204" pitchFamily="34" charset="-122"/>
+                <a:ea typeface="微软雅黑" panose="020B0503020204020204" pitchFamily="34" charset="-122"/>
+              </a:rPr>
+              <a:t>先生</a:t>
+            </a:r>
+            <a:r>
+              <a:rPr lang="zh-CN" altLang="en-US" dirty="0">
+                <a:latin typeface="微软雅黑" panose="020B0503020204020204" pitchFamily="34" charset="-122"/>
+                <a:ea typeface="微软雅黑" panose="020B0503020204020204" pitchFamily="34" charset="-122"/>
+              </a:rPr>
+              <a:t>到处跑去问客户：“您需要一个什么样的更好的交通工具？”几乎所有人的答案都是：“我要一匹更快的马”。</a:t>
+            </a:r>
           </a:p>
         </p:txBody>
       </p:sp>
-      <p:pic>
-        <p:nvPicPr>
-          <p:cNvPr id="1026" name="Picture 2" descr="E:\16.培训PPT\图片\122411_2gqn_175925.jpg"/>
-          <p:cNvPicPr>
-            <a:picLocks noChangeAspect="1" noChangeArrowheads="1"/>
-          </p:cNvPicPr>
-          <p:nvPr/>
-        </p:nvPicPr>
-        <p:blipFill>
-          <a:blip r:embed="rId3">
-            <a:extLst>
-              <a:ext uri="{28A0092B-C50C-407E-A947-70E740481C1C}">
-                <a14:useLocalDpi xmlns:a14="http://schemas.microsoft.com/office/drawing/2010/main" val="0"/>
-              </a:ext>
-            </a:extLst>
-          </a:blip>
-          <a:srcRect/>
-          <a:stretch>
-            <a:fillRect/>
-          </a:stretch>
-        </p:blipFill>
-        <p:spPr bwMode="auto">
-          <a:xfrm>
-            <a:off x="1143000" y="1971675"/>
-            <a:ext cx="7048500" cy="3057525"/>
-          </a:xfrm>
-          <a:prstGeom prst="rect">
-            <a:avLst/>
-          </a:prstGeom>
-          <a:noFill/>
-          <a:ln>
-            <a:solidFill>
-              <a:schemeClr val="tx1">
-                <a:lumMod val="95000"/>
-                <a:lumOff val="5000"/>
-              </a:schemeClr>
-            </a:solidFill>
-          </a:ln>
-          <a:extLst>
-            <a:ext uri="{909E8E84-426E-40DD-AFC4-6F175D3DCCD1}">
-              <a14:hiddenFill xmlns:a14="http://schemas.microsoft.com/office/drawing/2010/main">
-                <a:solidFill>
-                  <a:srgbClr val="FFFFFF"/>
-                </a:solidFill>
-              </a14:hiddenFill>
-            </a:ext>
-          </a:extLst>
-        </p:spPr>
-      </p:pic>
     </p:spTree>
     <p:extLst>
       <p:ext uri="{BB962C8B-B14F-4D97-AF65-F5344CB8AC3E}">
-        <p14:creationId xmlns:p14="http://schemas.microsoft.com/office/powerpoint/2010/main" val="4155299180"/>
+        <p14:creationId xmlns:p14="http://schemas.microsoft.com/office/powerpoint/2010/main" val="795236271"/>
       </p:ext>
     </p:extLst>
   </p:cSld>

--- a/上大培训：scrum和vs2012 部分.pptx
+++ b/上大培训：scrum和vs2012 部分.pptx
@@ -5,32 +5,33 @@
     <p:sldMasterId id="2147483648" r:id="rId1"/>
   </p:sldMasterIdLst>
   <p:notesMasterIdLst>
-    <p:notesMasterId r:id="rId22"/>
+    <p:notesMasterId r:id="rId23"/>
   </p:notesMasterIdLst>
   <p:handoutMasterIdLst>
-    <p:handoutMasterId r:id="rId23"/>
+    <p:handoutMasterId r:id="rId24"/>
   </p:handoutMasterIdLst>
   <p:sldIdLst>
     <p:sldId id="527" r:id="rId2"/>
-    <p:sldId id="513" r:id="rId3"/>
-    <p:sldId id="515" r:id="rId4"/>
-    <p:sldId id="517" r:id="rId5"/>
-    <p:sldId id="529" r:id="rId6"/>
-    <p:sldId id="530" r:id="rId7"/>
-    <p:sldId id="531" r:id="rId8"/>
-    <p:sldId id="516" r:id="rId9"/>
-    <p:sldId id="521" r:id="rId10"/>
-    <p:sldId id="518" r:id="rId11"/>
+    <p:sldId id="533" r:id="rId3"/>
+    <p:sldId id="513" r:id="rId4"/>
+    <p:sldId id="515" r:id="rId5"/>
+    <p:sldId id="517" r:id="rId6"/>
+    <p:sldId id="529" r:id="rId7"/>
+    <p:sldId id="530" r:id="rId8"/>
+    <p:sldId id="531" r:id="rId9"/>
+    <p:sldId id="516" r:id="rId10"/>
+    <p:sldId id="521" r:id="rId11"/>
     <p:sldId id="519" r:id="rId12"/>
-    <p:sldId id="520" r:id="rId13"/>
-    <p:sldId id="522" r:id="rId14"/>
-    <p:sldId id="514" r:id="rId15"/>
-    <p:sldId id="524" r:id="rId16"/>
-    <p:sldId id="525" r:id="rId17"/>
-    <p:sldId id="526" r:id="rId18"/>
-    <p:sldId id="532" r:id="rId19"/>
-    <p:sldId id="523" r:id="rId20"/>
-    <p:sldId id="503" r:id="rId21"/>
+    <p:sldId id="518" r:id="rId13"/>
+    <p:sldId id="520" r:id="rId14"/>
+    <p:sldId id="522" r:id="rId15"/>
+    <p:sldId id="514" r:id="rId16"/>
+    <p:sldId id="524" r:id="rId17"/>
+    <p:sldId id="525" r:id="rId18"/>
+    <p:sldId id="526" r:id="rId19"/>
+    <p:sldId id="532" r:id="rId20"/>
+    <p:sldId id="523" r:id="rId21"/>
+    <p:sldId id="503" r:id="rId22"/>
   </p:sldIdLst>
   <p:sldSz cx="9144000" cy="6858000" type="screen4x3"/>
   <p:notesSz cx="6858000" cy="9144000"/>
@@ -285,11 +286,11 @@
           <c:showPercent val="0"/>
           <c:showBubbleSize val="0"/>
         </c:dLbls>
-        <c:axId val="8444160"/>
-        <c:axId val="8445312"/>
+        <c:axId val="51779456"/>
+        <c:axId val="52311168"/>
       </c:scatterChart>
       <c:valAx>
-        <c:axId val="8444160"/>
+        <c:axId val="51779456"/>
         <c:scaling>
           <c:orientation val="minMax"/>
         </c:scaling>
@@ -299,12 +300,12 @@
         <c:majorTickMark val="in"/>
         <c:minorTickMark val="none"/>
         <c:tickLblPos val="none"/>
-        <c:crossAx val="8445312"/>
+        <c:crossAx val="52311168"/>
         <c:crosses val="autoZero"/>
         <c:crossBetween val="midCat"/>
       </c:valAx>
       <c:valAx>
-        <c:axId val="8445312"/>
+        <c:axId val="52311168"/>
         <c:scaling>
           <c:orientation val="minMax"/>
         </c:scaling>
@@ -315,7 +316,7 @@
         <c:majorTickMark val="in"/>
         <c:minorTickMark val="none"/>
         <c:tickLblPos val="none"/>
-        <c:crossAx val="8444160"/>
+        <c:crossAx val="51779456"/>
         <c:crosses val="autoZero"/>
         <c:crossBetween val="midCat"/>
       </c:valAx>
@@ -3706,9 +3707,9 @@
     <dgm:cxn modelId="{A4DE9BF5-29C5-4AF3-BCB8-EDED232AAA69}" srcId="{62C930CF-1192-4760-AC39-867A5EFBB010}" destId="{ED91EC43-CF56-4EC9-82CF-334019FD544F}" srcOrd="1" destOrd="0" parTransId="{5CF05329-A702-48D8-8009-0213E92E3F7B}" sibTransId="{10C8343B-50A3-4612-9518-474D1D6F5419}"/>
     <dgm:cxn modelId="{62F0B5AD-51A6-4806-B0C6-1E6B8E9BC9EB}" type="presOf" srcId="{5BC6A234-78DF-48CC-9473-1DB2B9D19FE2}" destId="{CFCAE085-31A4-4F9E-AE57-D34F0AA7AB17}" srcOrd="0" destOrd="4" presId="urn:microsoft.com/office/officeart/2005/8/layout/vList2"/>
     <dgm:cxn modelId="{69427BD0-353B-4B85-841F-9A2680584E6B}" srcId="{83CB12BE-77D0-43A4-9309-AF09C9F3E2F1}" destId="{62C930CF-1192-4760-AC39-867A5EFBB010}" srcOrd="2" destOrd="0" parTransId="{F353CD17-29EC-4E7D-BBEB-7D6C686B368E}" sibTransId="{3FEF2155-CB90-4D58-8D3E-2DA1083C17F7}"/>
+    <dgm:cxn modelId="{3A40A2B0-7638-4AE2-B66D-24996ECBDEB2}" srcId="{618BBBE3-9E60-4517-ACDE-148D3FD93753}" destId="{3C43E2E6-6137-464E-A2AC-B21F07C7717A}" srcOrd="0" destOrd="0" parTransId="{5F4055EB-0DA1-4CA0-91F3-30359B8C175E}" sibTransId="{8FA97814-6A9E-4C40-BFE7-69CE390790EA}"/>
+    <dgm:cxn modelId="{0BCCA28F-A247-4385-AD86-5C4D254FA2A2}" srcId="{83CB12BE-77D0-43A4-9309-AF09C9F3E2F1}" destId="{0014ADDE-2E3C-4694-BC18-34D399029FAA}" srcOrd="0" destOrd="0" parTransId="{5C936429-97DD-4B0F-BB27-E5DDCF49FE58}" sibTransId="{54C433B9-01DE-43E1-A72A-DB8BBE9AF1DE}"/>
     <dgm:cxn modelId="{47164A0E-A453-48E8-B45D-372E2E1ACA30}" type="presOf" srcId="{ED91EC43-CF56-4EC9-82CF-334019FD544F}" destId="{CFCAE085-31A4-4F9E-AE57-D34F0AA7AB17}" srcOrd="0" destOrd="8" presId="urn:microsoft.com/office/officeart/2005/8/layout/vList2"/>
-    <dgm:cxn modelId="{0BCCA28F-A247-4385-AD86-5C4D254FA2A2}" srcId="{83CB12BE-77D0-43A4-9309-AF09C9F3E2F1}" destId="{0014ADDE-2E3C-4694-BC18-34D399029FAA}" srcOrd="0" destOrd="0" parTransId="{5C936429-97DD-4B0F-BB27-E5DDCF49FE58}" sibTransId="{54C433B9-01DE-43E1-A72A-DB8BBE9AF1DE}"/>
-    <dgm:cxn modelId="{3A40A2B0-7638-4AE2-B66D-24996ECBDEB2}" srcId="{618BBBE3-9E60-4517-ACDE-148D3FD93753}" destId="{3C43E2E6-6137-464E-A2AC-B21F07C7717A}" srcOrd="0" destOrd="0" parTransId="{5F4055EB-0DA1-4CA0-91F3-30359B8C175E}" sibTransId="{8FA97814-6A9E-4C40-BFE7-69CE390790EA}"/>
     <dgm:cxn modelId="{944A2BBD-9478-43AF-8029-FC774C03A4E3}" type="presOf" srcId="{EC82B3CE-3723-4100-BA2E-8865EDDA0F20}" destId="{CFCAE085-31A4-4F9E-AE57-D34F0AA7AB17}" srcOrd="0" destOrd="1" presId="urn:microsoft.com/office/officeart/2005/8/layout/vList2"/>
     <dgm:cxn modelId="{7FD42E23-BC3F-478D-918E-67DFEB038880}" srcId="{0014ADDE-2E3C-4694-BC18-34D399029FAA}" destId="{EC82B3CE-3723-4100-BA2E-8865EDDA0F20}" srcOrd="0" destOrd="0" parTransId="{092FA16D-E482-4789-B57F-B62F118FA169}" sibTransId="{5B8867DC-08E2-41D4-9D5B-72F09DD7E36C}"/>
     <dgm:cxn modelId="{376F71AA-3B27-4F85-A9BA-C2A5F6F6C5DC}" srcId="{62C930CF-1192-4760-AC39-867A5EFBB010}" destId="{C92608F4-2465-4DD8-951F-AAD169F85267}" srcOrd="2" destOrd="0" parTransId="{1D229681-BB90-48FE-B132-E7243999C47D}" sibTransId="{B2EB1F89-2013-4B04-8A41-4B488E339EC3}"/>
@@ -3716,8 +3717,8 @@
     <dgm:cxn modelId="{DC0AB7BC-392A-4181-98C1-B721AD79EDAB}" srcId="{8A63C6D0-F473-4D0A-9FA4-2EA7E37B987D}" destId="{83CB12BE-77D0-43A4-9309-AF09C9F3E2F1}" srcOrd="0" destOrd="0" parTransId="{F3864630-D720-4FEB-992E-BB6F73326637}" sibTransId="{4124ABD0-3C54-4B9D-AF7F-12A948128025}"/>
     <dgm:cxn modelId="{7B95D7A7-4C32-4F37-B80E-D38688343B1A}" type="presOf" srcId="{3C43E2E6-6137-464E-A2AC-B21F07C7717A}" destId="{CFCAE085-31A4-4F9E-AE57-D34F0AA7AB17}" srcOrd="0" destOrd="11" presId="urn:microsoft.com/office/officeart/2005/8/layout/vList2"/>
     <dgm:cxn modelId="{FB864236-0CD2-4FC7-8D4B-0413B82A5ED8}" srcId="{83CB12BE-77D0-43A4-9309-AF09C9F3E2F1}" destId="{8BB829D9-B0B4-4800-B110-F849A71E23C5}" srcOrd="1" destOrd="0" parTransId="{808E5169-575C-418A-9A86-6452A535C8C6}" sibTransId="{2477F82D-EB62-40D5-BCA5-BBE97FD0F508}"/>
+    <dgm:cxn modelId="{8188D0AB-61E8-4BD4-8796-4BA4ECDE2A99}" type="presOf" srcId="{0014ADDE-2E3C-4694-BC18-34D399029FAA}" destId="{CFCAE085-31A4-4F9E-AE57-D34F0AA7AB17}" srcOrd="0" destOrd="0" presId="urn:microsoft.com/office/officeart/2005/8/layout/vList2"/>
     <dgm:cxn modelId="{01476FCA-6342-4979-9F05-3B91B4DB7A61}" type="presOf" srcId="{C92608F4-2465-4DD8-951F-AAD169F85267}" destId="{CFCAE085-31A4-4F9E-AE57-D34F0AA7AB17}" srcOrd="0" destOrd="9" presId="urn:microsoft.com/office/officeart/2005/8/layout/vList2"/>
-    <dgm:cxn modelId="{8188D0AB-61E8-4BD4-8796-4BA4ECDE2A99}" type="presOf" srcId="{0014ADDE-2E3C-4694-BC18-34D399029FAA}" destId="{CFCAE085-31A4-4F9E-AE57-D34F0AA7AB17}" srcOrd="0" destOrd="0" presId="urn:microsoft.com/office/officeart/2005/8/layout/vList2"/>
     <dgm:cxn modelId="{C9C2BA32-1086-45B4-A25F-A7396923FB18}" type="presParOf" srcId="{21D8F7A8-2AA5-4DE5-A3C6-0E8C7AF08142}" destId="{AE2C0C01-084F-48BF-A7DE-522EC85C547D}" srcOrd="0" destOrd="0" presId="urn:microsoft.com/office/officeart/2005/8/layout/vList2"/>
     <dgm:cxn modelId="{C8F4950F-52AF-4DC1-9478-24053ACC9800}" type="presParOf" srcId="{21D8F7A8-2AA5-4DE5-A3C6-0E8C7AF08142}" destId="{CFCAE085-31A4-4F9E-AE57-D34F0AA7AB17}" srcOrd="1" destOrd="0" presId="urn:microsoft.com/office/officeart/2005/8/layout/vList2"/>
   </dgm:cxnLst>
@@ -4411,8 +4412,8 @@
     <dgm:cxn modelId="{1F1D41C3-BD5D-4BA9-89FB-C93C96D8612F}" srcId="{6C7771B5-7E4C-4D81-BF50-8CDE598F59C5}" destId="{AD1D13D1-86E1-410D-A10F-B671DB82DCDE}" srcOrd="1" destOrd="0" parTransId="{5367220C-0BEB-4D96-AE99-C21B6C283638}" sibTransId="{6B815FA5-962B-4142-9556-B6B3393E865A}"/>
     <dgm:cxn modelId="{3782B023-0C7F-4284-9BC5-BCF1D3C3F739}" srcId="{D1DE6548-7EC7-4662-A12C-A13E0DF16AB3}" destId="{59F2E7FE-CCD9-4885-813B-2FE442DBB5B2}" srcOrd="2" destOrd="0" parTransId="{7C9EC238-E01C-4E11-A123-530636CAE869}" sibTransId="{2BBC689E-530A-423E-8F94-ECF6B238F1E2}"/>
     <dgm:cxn modelId="{EE9492FA-A1A9-41AC-B1BE-B7FB54379F83}" srcId="{F8B14AC4-2270-4B40-8512-C6BE73CA72D4}" destId="{D2651AD4-8805-4A59-BC5E-56192B2975FB}" srcOrd="0" destOrd="0" parTransId="{B96394ED-FB01-4ED5-AD4C-B3A11FA6DF85}" sibTransId="{28C69A18-A003-4F2A-8EFF-1332C51188AA}"/>
+    <dgm:cxn modelId="{CE435F01-B56B-4A57-A020-5BADB80D0C2F}" type="presOf" srcId="{C4AC354C-D1C7-47DB-B456-74D649B8B930}" destId="{A660F71A-5F27-4F18-B0AC-E320F847C26A}" srcOrd="0" destOrd="7" presId="urn:microsoft.com/office/officeart/2005/8/layout/vList2"/>
     <dgm:cxn modelId="{430C0860-AE38-43EC-818A-613913115DD3}" srcId="{D1DE6548-7EC7-4662-A12C-A13E0DF16AB3}" destId="{AC531724-388E-4F19-BAE7-4EA8D22D7BA5}" srcOrd="1" destOrd="0" parTransId="{A0DDF586-3433-4D75-9235-12F5B95C7929}" sibTransId="{EA56C1FE-C4B1-4177-A438-D6388F79F5D3}"/>
-    <dgm:cxn modelId="{CE435F01-B56B-4A57-A020-5BADB80D0C2F}" type="presOf" srcId="{C4AC354C-D1C7-47DB-B456-74D649B8B930}" destId="{A660F71A-5F27-4F18-B0AC-E320F847C26A}" srcOrd="0" destOrd="7" presId="urn:microsoft.com/office/officeart/2005/8/layout/vList2"/>
     <dgm:cxn modelId="{E721255E-E7B9-4B59-9E70-8D3A4AD07523}" type="presOf" srcId="{8632C060-5FB5-4565-A56F-262D0E402AC2}" destId="{A660F71A-5F27-4F18-B0AC-E320F847C26A}" srcOrd="0" destOrd="12" presId="urn:microsoft.com/office/officeart/2005/8/layout/vList2"/>
     <dgm:cxn modelId="{267E9F38-F794-4D24-BD0F-90C8FF127569}" srcId="{59F2E7FE-CCD9-4885-813B-2FE442DBB5B2}" destId="{F8B14AC4-2270-4B40-8512-C6BE73CA72D4}" srcOrd="0" destOrd="0" parTransId="{839957D7-EECB-41D4-AFF6-45975E8FDF20}" sibTransId="{AB47DC82-F327-4647-9058-92A3F7097A33}"/>
     <dgm:cxn modelId="{639FA9AF-6915-4A75-8DE1-88322945B58D}" type="presOf" srcId="{02C62F1B-A025-4918-8931-19737B77BCDE}" destId="{B2A35462-3CE8-41B4-8EDF-C5C1FEA6B9B7}" srcOrd="0" destOrd="0" presId="urn:microsoft.com/office/officeart/2005/8/layout/vList2"/>
@@ -4424,13 +4425,13 @@
     <dgm:cxn modelId="{87467046-004A-4CAC-B6C9-807DD8247B1A}" type="presOf" srcId="{0948A92F-3D0E-4BC8-9EFA-FA87E7F3A993}" destId="{A660F71A-5F27-4F18-B0AC-E320F847C26A}" srcOrd="0" destOrd="2" presId="urn:microsoft.com/office/officeart/2005/8/layout/vList2"/>
     <dgm:cxn modelId="{2BD5FA73-32CE-4B76-B574-91015FCF08F4}" type="presOf" srcId="{AD1D13D1-86E1-410D-A10F-B671DB82DCDE}" destId="{A660F71A-5F27-4F18-B0AC-E320F847C26A}" srcOrd="0" destOrd="8" presId="urn:microsoft.com/office/officeart/2005/8/layout/vList2"/>
     <dgm:cxn modelId="{911BC56E-9BF5-4A79-9AB7-993261030848}" srcId="{6C7771B5-7E4C-4D81-BF50-8CDE598F59C5}" destId="{C4AC354C-D1C7-47DB-B456-74D649B8B930}" srcOrd="0" destOrd="0" parTransId="{791FA6DE-2869-46D7-AA2B-A23F0F2B9FE3}" sibTransId="{56892E70-2C9E-4569-8997-1AFD13756DF2}"/>
+    <dgm:cxn modelId="{9B76D9FD-59C1-4A31-BA1B-D0B28D4EC80D}" type="presOf" srcId="{08603CA6-6D07-4CEE-AA68-187B73FA8EC4}" destId="{A660F71A-5F27-4F18-B0AC-E320F847C26A}" srcOrd="0" destOrd="13" presId="urn:microsoft.com/office/officeart/2005/8/layout/vList2"/>
+    <dgm:cxn modelId="{49CF9E45-F4F7-47B6-B954-26F04627CBF8}" srcId="{F8B14AC4-2270-4B40-8512-C6BE73CA72D4}" destId="{8632C060-5FB5-4565-A56F-262D0E402AC2}" srcOrd="1" destOrd="0" parTransId="{7E25BD5E-9948-4235-BD94-CF2F727A834D}" sibTransId="{4D9C2EF0-301D-4F9A-B063-FCBB81B271E6}"/>
     <dgm:cxn modelId="{E5DEC4AC-C462-46DE-806E-86A778C9828D}" srcId="{86CABE63-EEEE-494B-B0AE-5ED644AB8BEB}" destId="{71B9800D-E43D-4D2D-B66C-1BF04766D97C}" srcOrd="2" destOrd="0" parTransId="{4F2F15B8-4118-42A2-97AA-B7D45CAC1003}" sibTransId="{E7F7E1E9-77AA-4D59-A94D-15E5286AD758}"/>
-    <dgm:cxn modelId="{49CF9E45-F4F7-47B6-B954-26F04627CBF8}" srcId="{F8B14AC4-2270-4B40-8512-C6BE73CA72D4}" destId="{8632C060-5FB5-4565-A56F-262D0E402AC2}" srcOrd="1" destOrd="0" parTransId="{7E25BD5E-9948-4235-BD94-CF2F727A834D}" sibTransId="{4D9C2EF0-301D-4F9A-B063-FCBB81B271E6}"/>
-    <dgm:cxn modelId="{9B76D9FD-59C1-4A31-BA1B-D0B28D4EC80D}" type="presOf" srcId="{08603CA6-6D07-4CEE-AA68-187B73FA8EC4}" destId="{A660F71A-5F27-4F18-B0AC-E320F847C26A}" srcOrd="0" destOrd="13" presId="urn:microsoft.com/office/officeart/2005/8/layout/vList2"/>
     <dgm:cxn modelId="{CD2BEAAB-8B97-47D3-B9AC-F408737A7076}" srcId="{86CABE63-EEEE-494B-B0AE-5ED644AB8BEB}" destId="{0948A92F-3D0E-4BC8-9EFA-FA87E7F3A993}" srcOrd="0" destOrd="0" parTransId="{17079C52-2289-4238-85C4-372BEFF56C0C}" sibTransId="{CBC0C721-5911-43E6-B3B7-16E98576F2C3}"/>
+    <dgm:cxn modelId="{6A7BDD16-46BD-47C7-878C-CAEF466AF819}" type="presOf" srcId="{6C7771B5-7E4C-4D81-BF50-8CDE598F59C5}" destId="{A660F71A-5F27-4F18-B0AC-E320F847C26A}" srcOrd="0" destOrd="6" presId="urn:microsoft.com/office/officeart/2005/8/layout/vList2"/>
+    <dgm:cxn modelId="{60ADB5DD-B4D5-4811-91B3-D1420B6129F7}" type="presOf" srcId="{71B9800D-E43D-4D2D-B66C-1BF04766D97C}" destId="{A660F71A-5F27-4F18-B0AC-E320F847C26A}" srcOrd="0" destOrd="4" presId="urn:microsoft.com/office/officeart/2005/8/layout/vList2"/>
     <dgm:cxn modelId="{617BC49E-E46F-4D77-9DA2-A981CEAA25D8}" type="presOf" srcId="{D1DE6548-7EC7-4662-A12C-A13E0DF16AB3}" destId="{77462533-3D04-4899-BC15-9C87FD5B0CA1}" srcOrd="0" destOrd="0" presId="urn:microsoft.com/office/officeart/2005/8/layout/vList2"/>
-    <dgm:cxn modelId="{60ADB5DD-B4D5-4811-91B3-D1420B6129F7}" type="presOf" srcId="{71B9800D-E43D-4D2D-B66C-1BF04766D97C}" destId="{A660F71A-5F27-4F18-B0AC-E320F847C26A}" srcOrd="0" destOrd="4" presId="urn:microsoft.com/office/officeart/2005/8/layout/vList2"/>
-    <dgm:cxn modelId="{6A7BDD16-46BD-47C7-878C-CAEF466AF819}" type="presOf" srcId="{6C7771B5-7E4C-4D81-BF50-8CDE598F59C5}" destId="{A660F71A-5F27-4F18-B0AC-E320F847C26A}" srcOrd="0" destOrd="6" presId="urn:microsoft.com/office/officeart/2005/8/layout/vList2"/>
     <dgm:cxn modelId="{DBDE58CC-9A2F-4D6A-B0AD-4D51405D6406}" type="presParOf" srcId="{B2A35462-3CE8-41B4-8EDF-C5C1FEA6B9B7}" destId="{77462533-3D04-4899-BC15-9C87FD5B0CA1}" srcOrd="0" destOrd="0" presId="urn:microsoft.com/office/officeart/2005/8/layout/vList2"/>
     <dgm:cxn modelId="{D9529118-D370-4CD0-A0F3-DBADF2053C7F}" type="presParOf" srcId="{B2A35462-3CE8-41B4-8EDF-C5C1FEA6B9B7}" destId="{A660F71A-5F27-4F18-B0AC-E320F847C26A}" srcOrd="1" destOrd="0" presId="urn:microsoft.com/office/officeart/2005/8/layout/vList2"/>
   </dgm:cxnLst>
@@ -9413,7 +9414,7 @@
               <a:pPr>
                 <a:defRPr/>
               </a:pPr>
-              <a:t>2014/6/11</a:t>
+              <a:t>2014/6/12</a:t>
             </a:fld>
             <a:endParaRPr lang="zh-CN" altLang="en-US"/>
           </a:p>
@@ -9601,7 +9602,7 @@
               <a:pPr>
                 <a:defRPr/>
               </a:pPr>
-              <a:t>2014/6/11</a:t>
+              <a:t>2014/6/12</a:t>
             </a:fld>
             <a:endParaRPr lang="zh-CN" altLang="en-US"/>
           </a:p>
@@ -9963,128 +9964,65 @@
           <a:lstStyle/>
           <a:p>
             <a:r>
-              <a:rPr lang="en-US" altLang="zh-CN" dirty="0" smtClean="0"/>
-              <a:t>Web developer: </a:t>
-            </a:r>
-            <a:r>
-              <a:rPr lang="zh-CN" altLang="en-US" dirty="0" smtClean="0"/>
-              <a:t>关注</a:t>
-            </a:r>
-            <a:r>
-              <a:rPr lang="en-US" altLang="zh-CN" dirty="0" smtClean="0"/>
-              <a:t>web</a:t>
-            </a:r>
-            <a:r>
-              <a:rPr lang="zh-CN" altLang="en-US" dirty="0" smtClean="0"/>
-              <a:t>可行性研究，提高用户体验</a:t>
-            </a:r>
-            <a:endParaRPr lang="en-US" altLang="zh-CN" dirty="0" smtClean="0"/>
-          </a:p>
-          <a:p>
-            <a:endParaRPr lang="en-US" altLang="zh-CN" dirty="0" smtClean="0"/>
-          </a:p>
-          <a:p>
-            <a:r>
-              <a:rPr lang="en-US" altLang="zh-CN" dirty="0" smtClean="0"/>
-              <a:t>Project</a:t>
-            </a:r>
-            <a:r>
-              <a:rPr lang="en-US" altLang="zh-CN" baseline="0" dirty="0" smtClean="0"/>
-              <a:t> Manager</a:t>
-            </a:r>
-            <a:r>
-              <a:rPr lang="zh-CN" altLang="en-US" baseline="0" dirty="0" smtClean="0"/>
-              <a:t>：了解软件工程对于项目的重要性</a:t>
-            </a:r>
-            <a:endParaRPr lang="en-US" altLang="zh-CN" baseline="0" dirty="0" smtClean="0"/>
-          </a:p>
-          <a:p>
-            <a:endParaRPr lang="en-US" altLang="zh-CN" baseline="0" dirty="0" smtClean="0"/>
-          </a:p>
-          <a:p>
-            <a:r>
-              <a:rPr lang="en-US" altLang="zh-CN" baseline="0" dirty="0" smtClean="0"/>
-              <a:t>Scrum Master</a:t>
-            </a:r>
-            <a:r>
-              <a:rPr lang="zh-CN" altLang="en-US" baseline="0" dirty="0" smtClean="0"/>
-              <a:t>：</a:t>
-            </a:r>
-            <a:endParaRPr lang="en-US" altLang="zh-CN" baseline="0" dirty="0" smtClean="0"/>
-          </a:p>
-          <a:p>
-            <a:endParaRPr lang="en-US" altLang="zh-CN" baseline="0" dirty="0" smtClean="0"/>
-          </a:p>
-          <a:p>
-            <a:r>
-              <a:rPr lang="en-US" altLang="zh-CN" baseline="0" dirty="0" smtClean="0"/>
-              <a:t>Trainer</a:t>
-            </a:r>
-            <a:r>
-              <a:rPr lang="zh-CN" altLang="en-US" baseline="0" dirty="0" smtClean="0"/>
-              <a:t>：程序员 除了写代码，其实还有更有趣的事情可以做。</a:t>
-            </a:r>
-            <a:endParaRPr lang="en-US" altLang="zh-CN" dirty="0" smtClean="0"/>
-          </a:p>
-          <a:p>
-            <a:endParaRPr lang="en-US" altLang="zh-CN" dirty="0" smtClean="0"/>
-          </a:p>
-          <a:p>
-            <a:endParaRPr lang="en-US" altLang="zh-CN" dirty="0" smtClean="0"/>
-          </a:p>
-          <a:p>
-            <a:r>
-              <a:rPr lang="zh-CN" altLang="en-US" b="1" dirty="0" smtClean="0"/>
-              <a:t>一天的课程介绍：两位讲师</a:t>
-            </a:r>
-            <a:r>
-              <a:rPr lang="zh-CN" altLang="en-US" b="1" baseline="0" dirty="0" smtClean="0"/>
-              <a:t> 两天课程，上午概念，下午实践</a:t>
-            </a:r>
-            <a:endParaRPr lang="en-US" altLang="zh-CN" b="1" dirty="0" smtClean="0"/>
-          </a:p>
-          <a:p>
-            <a:endParaRPr lang="en-US" altLang="zh-CN" dirty="0" smtClean="0"/>
-          </a:p>
-          <a:p>
-            <a:endParaRPr lang="en-US" altLang="zh-CN" dirty="0" smtClean="0"/>
-          </a:p>
-          <a:p>
-            <a:r>
-              <a:rPr lang="en-US" altLang="zh-CN" dirty="0" smtClean="0"/>
-              <a:t>Ben </a:t>
-            </a:r>
-            <a:r>
-              <a:rPr lang="zh-CN" altLang="en-US" dirty="0" smtClean="0"/>
-              <a:t>部分过度：</a:t>
-            </a:r>
-            <a:endParaRPr lang="en-US" altLang="zh-CN" dirty="0" smtClean="0"/>
-          </a:p>
-          <a:p>
-            <a:r>
-              <a:rPr lang="en-US" altLang="zh-CN" baseline="0" dirty="0" smtClean="0"/>
-              <a:t>scrum</a:t>
-            </a:r>
-            <a:r>
-              <a:rPr lang="zh-CN" altLang="en-US" baseline="0" dirty="0" smtClean="0"/>
-              <a:t>在企业中的实践，</a:t>
-            </a:r>
-            <a:r>
-              <a:rPr lang="en-US" altLang="zh-CN" baseline="0" dirty="0" smtClean="0"/>
+              <a:rPr lang="en-US" altLang="zh-CN" sz="2400" b="1" dirty="0" smtClean="0">
+                <a:latin typeface="+mn-ea"/>
+                <a:ea typeface="+mn-ea"/>
+              </a:rPr>
+              <a:t>13</a:t>
+            </a:r>
+            <a:r>
+              <a:rPr lang="zh-CN" altLang="en-US" sz="2400" b="1" dirty="0" smtClean="0">
+                <a:latin typeface="+mn-ea"/>
+                <a:ea typeface="+mn-ea"/>
+              </a:rPr>
+              <a:t>届</a:t>
+            </a:r>
+            <a:r>
+              <a:rPr lang="zh-CN" altLang="en-US" sz="3200" b="1" dirty="0" smtClean="0">
+                <a:latin typeface="+mn-ea"/>
+                <a:ea typeface="+mn-ea"/>
+              </a:rPr>
+              <a:t>，</a:t>
+            </a:r>
+            <a:r>
+              <a:rPr lang="en-US" altLang="zh-CN" sz="3200" b="1" dirty="0" smtClean="0">
+                <a:latin typeface="+mn-ea"/>
+                <a:ea typeface="+mn-ea"/>
+              </a:rPr>
+              <a:t>14</a:t>
+            </a:r>
+            <a:r>
+              <a:rPr lang="zh-CN" altLang="en-US" sz="3200" b="1" dirty="0" smtClean="0">
+                <a:latin typeface="+mn-ea"/>
+                <a:ea typeface="+mn-ea"/>
+              </a:rPr>
+              <a:t>届。</a:t>
+            </a:r>
+            <a:r>
+              <a:rPr lang="zh-CN" altLang="en-US" sz="3200" b="1" baseline="0" dirty="0" smtClean="0">
+                <a:latin typeface="+mn-ea"/>
+                <a:ea typeface="+mn-ea"/>
+              </a:rPr>
               <a:t> </a:t>
             </a:r>
             <a:r>
-              <a:rPr lang="zh-CN" altLang="en-US" baseline="0" dirty="0" smtClean="0"/>
-              <a:t>不得不提 传统软件开发流程。</a:t>
-            </a:r>
-            <a:endParaRPr lang="en-US" altLang="zh-CN" baseline="0" dirty="0" smtClean="0"/>
+              <a:rPr lang="zh-CN" altLang="en-US" sz="2400" b="1" baseline="0" dirty="0" smtClean="0">
+                <a:latin typeface="+mn-ea"/>
+                <a:ea typeface="+mn-ea"/>
+              </a:rPr>
+              <a:t>都有同学在我们公司</a:t>
+            </a:r>
+            <a:endParaRPr lang="zh-CN" altLang="en-US" sz="2400" b="1" dirty="0">
+              <a:latin typeface="+mn-ea"/>
+              <a:ea typeface="+mn-ea"/>
+            </a:endParaRPr>
           </a:p>
         </p:txBody>
       </p:sp>
     </p:spTree>
     <p:extLst>
       <p:ext uri="{BB962C8B-B14F-4D97-AF65-F5344CB8AC3E}">
-        <p14:creationId xmlns:p14="http://schemas.microsoft.com/office/powerpoint/2010/main" val="4021866038"/>
+        <p14:creationId xmlns:p14="http://schemas.microsoft.com/office/powerpoint/2010/main" val="4175765479"/>
       </p:ext>
     </p:extLst>
   </p:cSld>
@@ -10138,6 +10076,28 @@
           <a:bodyPr/>
           <a:lstStyle/>
           <a:p>
+            <a:r>
+              <a:rPr lang="zh-CN" altLang="en-US" dirty="0" smtClean="0"/>
+              <a:t>这是</a:t>
+            </a:r>
+            <a:r>
+              <a:rPr lang="en-US" altLang="zh-CN" dirty="0" smtClean="0"/>
+              <a:t>100</a:t>
+            </a:r>
+            <a:r>
+              <a:rPr lang="zh-CN" altLang="en-US" dirty="0" smtClean="0"/>
+              <a:t>年前的故事了，和互联网在当下的处境很像。</a:t>
+            </a:r>
+            <a:endParaRPr lang="en-US" altLang="zh-CN" dirty="0" smtClean="0"/>
+          </a:p>
+          <a:p>
+            <a:endParaRPr lang="en-US" altLang="zh-CN" dirty="0" smtClean="0"/>
+          </a:p>
+          <a:p>
+            <a:r>
+              <a:rPr lang="zh-CN" altLang="en-US" dirty="0" smtClean="0"/>
+              <a:t>这些模型，方法论，可以脱离软件，扩散到生活去</a:t>
+            </a:r>
             <a:endParaRPr lang="zh-CN" altLang="en-US" dirty="0"/>
           </a:p>
         </p:txBody>
@@ -10199,75 +10159,7 @@
           <a:bodyPr/>
           <a:lstStyle/>
           <a:p>
-            <a:r>
-              <a:rPr lang="zh-CN" altLang="en-US" dirty="0" smtClean="0"/>
-              <a:t>我们前面说了瀑布流程，是一台有条不紊</a:t>
-            </a:r>
-            <a:r>
-              <a:rPr lang="zh-CN" altLang="en-US" baseline="0" dirty="0" smtClean="0"/>
-              <a:t> 但沉重拖沓的机器，在需求稳定的时候，工作质量很好。</a:t>
-            </a:r>
-            <a:endParaRPr lang="en-US" altLang="zh-CN" baseline="0" dirty="0" smtClean="0"/>
-          </a:p>
-          <a:p>
-            <a:endParaRPr lang="en-US" altLang="zh-CN" baseline="0" dirty="0" smtClean="0"/>
-          </a:p>
-          <a:p>
-            <a:r>
-              <a:rPr lang="zh-CN" altLang="en-US" baseline="0" dirty="0" smtClean="0"/>
-              <a:t>但是现在需求复杂的环境</a:t>
-            </a:r>
-            <a:endParaRPr lang="en-US" altLang="zh-CN" baseline="0" dirty="0" smtClean="0"/>
-          </a:p>
-          <a:p>
-            <a:endParaRPr lang="en-US" altLang="zh-CN" baseline="0" dirty="0" smtClean="0"/>
-          </a:p>
-          <a:p>
-            <a:r>
-              <a:rPr lang="zh-CN" altLang="en-US" baseline="0" dirty="0" smtClean="0"/>
-              <a:t>那么敏捷就是</a:t>
-            </a:r>
-            <a:endParaRPr lang="en-US" altLang="zh-CN" dirty="0" smtClean="0"/>
-          </a:p>
-          <a:p>
-            <a:endParaRPr lang="en-US" altLang="zh-CN" dirty="0" smtClean="0"/>
-          </a:p>
-          <a:p>
-            <a:r>
-              <a:rPr lang="zh-CN" altLang="en-US" dirty="0" smtClean="0"/>
-              <a:t>主张倡导</a:t>
-            </a:r>
-            <a:r>
-              <a:rPr lang="zh-CN" altLang="en-US" baseline="0" dirty="0" smtClean="0"/>
-              <a:t> 拥抱变化</a:t>
-            </a:r>
-            <a:r>
-              <a:rPr lang="en-US" altLang="zh-CN" baseline="0" dirty="0" smtClean="0"/>
-              <a:t>.</a:t>
-            </a:r>
-          </a:p>
-          <a:p>
-            <a:r>
-              <a:rPr lang="en-US" altLang="zh-CN" baseline="0" dirty="0" smtClean="0"/>
-              <a:t>===================================</a:t>
-            </a:r>
-          </a:p>
-          <a:p>
-            <a:r>
-              <a:rPr lang="zh-CN" altLang="en-US" dirty="0" smtClean="0"/>
-              <a:t>对人的要求会比较高。</a:t>
-            </a:r>
-            <a:endParaRPr lang="en-US" altLang="zh-CN" dirty="0" smtClean="0"/>
-          </a:p>
-          <a:p>
-            <a:r>
-              <a:rPr lang="zh-CN" altLang="en-US" dirty="0" smtClean="0"/>
-              <a:t>尽可能早的交付一个软件</a:t>
-            </a:r>
-            <a:endParaRPr lang="en-US" altLang="zh-CN" dirty="0" smtClean="0"/>
-          </a:p>
-          <a:p>
-            <a:endParaRPr lang="en-US" altLang="zh-CN" dirty="0" smtClean="0"/>
+            <a:endParaRPr lang="zh-CN" altLang="en-US" dirty="0"/>
           </a:p>
         </p:txBody>
       </p:sp>
@@ -10329,173 +10221,10 @@
           <a:lstStyle/>
           <a:p>
             <a:r>
-              <a:rPr lang="en-US" altLang="zh-CN" dirty="0" smtClean="0"/>
-              <a:t>Scrum </a:t>
-            </a:r>
-            <a:r>
               <a:rPr lang="zh-CN" altLang="en-US" dirty="0" smtClean="0"/>
-              <a:t>实施的重点是团队领导和需求管理，强调对客户需求的快速反应以及团队的共同协作和自我管理。</a:t>
-            </a:r>
-          </a:p>
-          <a:p>
-            <a:endParaRPr lang="zh-CN" altLang="en-US" dirty="0" smtClean="0"/>
-          </a:p>
-          <a:p>
-            <a:r>
-              <a:rPr lang="en-US" altLang="zh-CN" dirty="0" smtClean="0"/>
-              <a:t>Scrum </a:t>
-            </a:r>
-            <a:r>
-              <a:rPr lang="zh-CN" altLang="en-US" dirty="0" smtClean="0"/>
-              <a:t>方法通过将整个开发过程划分为若干个固定时间长度的 </a:t>
-            </a:r>
-            <a:r>
-              <a:rPr lang="en-US" altLang="zh-CN" dirty="0" smtClean="0"/>
-              <a:t>Sprint</a:t>
-            </a:r>
-            <a:r>
-              <a:rPr lang="zh-CN" altLang="en-US" dirty="0" smtClean="0"/>
-              <a:t>，</a:t>
-            </a:r>
-          </a:p>
-          <a:p>
-            <a:endParaRPr lang="zh-CN" altLang="en-US" dirty="0" smtClean="0"/>
-          </a:p>
-          <a:p>
-            <a:r>
-              <a:rPr lang="zh-CN" altLang="en-US" dirty="0" smtClean="0"/>
-              <a:t>在每个 </a:t>
-            </a:r>
-            <a:r>
-              <a:rPr lang="en-US" altLang="zh-CN" dirty="0" smtClean="0"/>
-              <a:t>Sprint </a:t>
-            </a:r>
-            <a:r>
-              <a:rPr lang="zh-CN" altLang="en-US" dirty="0" smtClean="0"/>
-              <a:t>结束时得到一个可以执行并演示的产品的</a:t>
-            </a:r>
-            <a:r>
-              <a:rPr lang="zh-CN" altLang="en-US" dirty="0" smtClean="0"/>
-              <a:t>增量版本，来推动产品的不断演进，直到最终发布。 </a:t>
-            </a:r>
-            <a:endParaRPr lang="en-US" altLang="zh-CN" dirty="0" smtClean="0"/>
-          </a:p>
-          <a:p>
-            <a:endParaRPr lang="en-US" altLang="zh-CN" dirty="0" smtClean="0"/>
-          </a:p>
-          <a:p>
-            <a:endParaRPr lang="en-US" altLang="zh-CN" dirty="0" smtClean="0"/>
-          </a:p>
-          <a:p>
-            <a:pPr lvl="0" rtl="0"/>
-            <a:r>
-              <a:rPr lang="en-US" altLang="zh-CN" dirty="0" smtClean="0"/>
-              <a:t>Sprint</a:t>
-            </a:r>
-            <a:r>
-              <a:rPr lang="zh-CN" altLang="zh-CN" i="1" dirty="0" smtClean="0">
-                <a:solidFill>
-                  <a:schemeClr val="bg1">
-                    <a:lumMod val="50000"/>
-                  </a:schemeClr>
-                </a:solidFill>
-              </a:rPr>
-              <a:t>（迭代，</a:t>
-            </a:r>
-            <a:r>
-              <a:rPr lang="en-US" altLang="zh-CN" i="1" dirty="0" smtClean="0">
-                <a:solidFill>
-                  <a:schemeClr val="bg1">
-                    <a:lumMod val="50000"/>
-                  </a:schemeClr>
-                </a:solidFill>
-              </a:rPr>
-              <a:t>scrum</a:t>
-            </a:r>
-            <a:r>
-              <a:rPr lang="zh-CN" altLang="zh-CN" i="1" dirty="0" smtClean="0">
-                <a:solidFill>
-                  <a:schemeClr val="bg1">
-                    <a:lumMod val="50000"/>
-                  </a:schemeClr>
-                </a:solidFill>
-              </a:rPr>
-              <a:t>的基本运行单位）</a:t>
-            </a:r>
-          </a:p>
-          <a:p>
-            <a:pPr lvl="0" rtl="0"/>
-            <a:r>
-              <a:rPr lang="en-US" altLang="zh-CN" dirty="0" smtClean="0"/>
-              <a:t>PB</a:t>
-            </a:r>
-            <a:r>
-              <a:rPr lang="zh-CN" altLang="zh-CN" i="1" dirty="0" smtClean="0">
-                <a:solidFill>
-                  <a:schemeClr val="bg1">
-                    <a:lumMod val="50000"/>
-                  </a:schemeClr>
-                </a:solidFill>
-              </a:rPr>
-              <a:t>（</a:t>
-            </a:r>
-            <a:r>
-              <a:rPr lang="en-US" altLang="zh-CN" i="1" dirty="0" smtClean="0">
-                <a:solidFill>
-                  <a:schemeClr val="bg1">
-                    <a:lumMod val="50000"/>
-                  </a:schemeClr>
-                </a:solidFill>
-              </a:rPr>
-              <a:t>Product Backlog</a:t>
-            </a:r>
-            <a:r>
-              <a:rPr lang="zh-CN" altLang="zh-CN" i="1" dirty="0" smtClean="0">
-                <a:solidFill>
-                  <a:schemeClr val="bg1">
-                    <a:lumMod val="50000"/>
-                  </a:schemeClr>
-                </a:solidFill>
-              </a:rPr>
-              <a:t>，待完成产品）</a:t>
-            </a:r>
-          </a:p>
-          <a:p>
-            <a:pPr lvl="0" rtl="0"/>
-            <a:r>
-              <a:rPr lang="en-US" altLang="zh-CN" dirty="0" smtClean="0"/>
-              <a:t>Story Point</a:t>
-            </a:r>
-            <a:r>
-              <a:rPr lang="zh-CN" altLang="zh-CN" i="1" dirty="0" smtClean="0">
-                <a:solidFill>
-                  <a:schemeClr val="bg1">
-                    <a:lumMod val="50000"/>
-                  </a:schemeClr>
-                </a:solidFill>
-              </a:rPr>
-              <a:t>（故事点，一个估算基本单位）</a:t>
-            </a:r>
-          </a:p>
-          <a:p>
-            <a:pPr lvl="0" rtl="0"/>
-            <a:r>
-              <a:rPr lang="en-US" altLang="zh-CN" dirty="0" smtClean="0"/>
-              <a:t>Burn-Down Chat</a:t>
-            </a:r>
-            <a:r>
-              <a:rPr lang="zh-CN" altLang="zh-CN" i="1" dirty="0" smtClean="0">
-                <a:solidFill>
-                  <a:schemeClr val="bg1">
-                    <a:lumMod val="50000"/>
-                  </a:schemeClr>
-                </a:solidFill>
-              </a:rPr>
-              <a:t>（燃尽图，统计任务完成情况）</a:t>
-            </a:r>
-          </a:p>
-          <a:p>
-            <a:endParaRPr lang="en-US" altLang="zh-CN" dirty="0" smtClean="0"/>
+              <a:t>重视文档，需求说明书，设计书，测试书等等</a:t>
+            </a:r>
+            <a:endParaRPr lang="zh-CN" altLang="en-US" dirty="0"/>
           </a:p>
         </p:txBody>
       </p:sp>
@@ -10556,6 +10285,359 @@
           <a:bodyPr/>
           <a:lstStyle/>
           <a:p>
+            <a:r>
+              <a:rPr lang="zh-CN" altLang="en-US" dirty="0" smtClean="0"/>
+              <a:t>我们前面说了瀑布流程，是一台有条不紊</a:t>
+            </a:r>
+            <a:r>
+              <a:rPr lang="zh-CN" altLang="en-US" baseline="0" dirty="0" smtClean="0"/>
+              <a:t> 但沉重拖沓的机器，在需求稳定的时候，工作质量很好。</a:t>
+            </a:r>
+            <a:endParaRPr lang="en-US" altLang="zh-CN" baseline="0" dirty="0" smtClean="0"/>
+          </a:p>
+          <a:p>
+            <a:endParaRPr lang="en-US" altLang="zh-CN" baseline="0" dirty="0" smtClean="0"/>
+          </a:p>
+          <a:p>
+            <a:r>
+              <a:rPr lang="zh-CN" altLang="en-US" baseline="0" dirty="0" smtClean="0"/>
+              <a:t>但是现在需求复杂的环境</a:t>
+            </a:r>
+            <a:endParaRPr lang="en-US" altLang="zh-CN" baseline="0" dirty="0" smtClean="0"/>
+          </a:p>
+          <a:p>
+            <a:endParaRPr lang="en-US" altLang="zh-CN" baseline="0" dirty="0" smtClean="0"/>
+          </a:p>
+          <a:p>
+            <a:r>
+              <a:rPr lang="zh-CN" altLang="en-US" baseline="0" dirty="0" smtClean="0"/>
+              <a:t>那么敏捷就是</a:t>
+            </a:r>
+            <a:endParaRPr lang="en-US" altLang="zh-CN" dirty="0" smtClean="0"/>
+          </a:p>
+          <a:p>
+            <a:endParaRPr lang="en-US" altLang="zh-CN" dirty="0" smtClean="0"/>
+          </a:p>
+          <a:p>
+            <a:r>
+              <a:rPr lang="zh-CN" altLang="en-US" dirty="0" smtClean="0"/>
+              <a:t>主张倡导</a:t>
+            </a:r>
+            <a:r>
+              <a:rPr lang="zh-CN" altLang="en-US" baseline="0" dirty="0" smtClean="0"/>
+              <a:t> 拥抱变化</a:t>
+            </a:r>
+            <a:r>
+              <a:rPr lang="en-US" altLang="zh-CN" baseline="0" dirty="0" smtClean="0"/>
+              <a:t>.</a:t>
+            </a:r>
+          </a:p>
+          <a:p>
+            <a:r>
+              <a:rPr lang="en-US" altLang="zh-CN" baseline="0" dirty="0" smtClean="0"/>
+              <a:t>===================================</a:t>
+            </a:r>
+          </a:p>
+          <a:p>
+            <a:r>
+              <a:rPr lang="zh-CN" altLang="en-US" dirty="0" smtClean="0"/>
+              <a:t>对人的要求会比较高。</a:t>
+            </a:r>
+            <a:endParaRPr lang="en-US" altLang="zh-CN" dirty="0" smtClean="0"/>
+          </a:p>
+          <a:p>
+            <a:r>
+              <a:rPr lang="zh-CN" altLang="en-US" dirty="0" smtClean="0"/>
+              <a:t>尽可能早的交付一个软件</a:t>
+            </a:r>
+            <a:endParaRPr lang="en-US" altLang="zh-CN" dirty="0" smtClean="0"/>
+          </a:p>
+          <a:p>
+            <a:endParaRPr lang="en-US" altLang="zh-CN" dirty="0" smtClean="0"/>
+          </a:p>
+        </p:txBody>
+      </p:sp>
+    </p:spTree>
+    <p:extLst>
+      <p:ext uri="{BB962C8B-B14F-4D97-AF65-F5344CB8AC3E}">
+        <p14:creationId xmlns:p14="http://schemas.microsoft.com/office/powerpoint/2010/main" val="2634176535"/>
+      </p:ext>
+    </p:extLst>
+  </p:cSld>
+  <p:clrMapOvr>
+    <a:masterClrMapping/>
+  </p:clrMapOvr>
+</p:notes>
+</file>
+
+<file path=ppt/notesSlides/notesSlide14.xml><?xml version="1.0" encoding="utf-8"?>
+<p:notes xmlns:a="http://schemas.openxmlformats.org/drawingml/2006/main" xmlns:r="http://schemas.openxmlformats.org/officeDocument/2006/relationships" xmlns:p="http://schemas.openxmlformats.org/presentationml/2006/main">
+  <p:cSld>
+    <p:spTree>
+      <p:nvGrpSpPr>
+        <p:cNvPr id="1" name=""/>
+        <p:cNvGrpSpPr/>
+        <p:nvPr/>
+      </p:nvGrpSpPr>
+      <p:grpSpPr>
+        <a:xfrm>
+          <a:off x="0" y="0"/>
+          <a:ext cx="0" cy="0"/>
+          <a:chOff x="0" y="0"/>
+          <a:chExt cx="0" cy="0"/>
+        </a:xfrm>
+      </p:grpSpPr>
+      <p:sp>
+        <p:nvSpPr>
+          <p:cNvPr id="2" name="幻灯片图像占位符 1"/>
+          <p:cNvSpPr>
+            <a:spLocks noGrp="1" noRot="1" noChangeAspect="1"/>
+          </p:cNvSpPr>
+          <p:nvPr>
+            <p:ph type="sldImg"/>
+          </p:nvPr>
+        </p:nvSpPr>
+        <p:spPr/>
+      </p:sp>
+      <p:sp>
+        <p:nvSpPr>
+          <p:cNvPr id="3" name="备注占位符 2"/>
+          <p:cNvSpPr>
+            <a:spLocks noGrp="1"/>
+          </p:cNvSpPr>
+          <p:nvPr>
+            <p:ph type="body" idx="1"/>
+          </p:nvPr>
+        </p:nvSpPr>
+        <p:spPr/>
+        <p:txBody>
+          <a:bodyPr/>
+          <a:lstStyle/>
+          <a:p>
+            <a:r>
+              <a:rPr lang="en-US" altLang="zh-CN" dirty="0" smtClean="0"/>
+              <a:t>Scrum </a:t>
+            </a:r>
+            <a:r>
+              <a:rPr lang="zh-CN" altLang="en-US" dirty="0" smtClean="0"/>
+              <a:t>实施的重点是团队领导和需求管理，强调对客户需求的快速反应以及团队的共同协作和自我管理。</a:t>
+            </a:r>
+          </a:p>
+          <a:p>
+            <a:endParaRPr lang="zh-CN" altLang="en-US" dirty="0" smtClean="0"/>
+          </a:p>
+          <a:p>
+            <a:r>
+              <a:rPr lang="en-US" altLang="zh-CN" dirty="0" smtClean="0"/>
+              <a:t>Scrum </a:t>
+            </a:r>
+            <a:r>
+              <a:rPr lang="zh-CN" altLang="en-US" dirty="0" smtClean="0"/>
+              <a:t>方法通过将整个开发过程划分为若干个固定时间长度的 </a:t>
+            </a:r>
+            <a:r>
+              <a:rPr lang="en-US" altLang="zh-CN" dirty="0" smtClean="0"/>
+              <a:t>Sprint</a:t>
+            </a:r>
+            <a:r>
+              <a:rPr lang="zh-CN" altLang="en-US" dirty="0" smtClean="0"/>
+              <a:t>，</a:t>
+            </a:r>
+          </a:p>
+          <a:p>
+            <a:endParaRPr lang="zh-CN" altLang="en-US" dirty="0" smtClean="0"/>
+          </a:p>
+          <a:p>
+            <a:r>
+              <a:rPr lang="zh-CN" altLang="en-US" dirty="0" smtClean="0"/>
+              <a:t>在每个 </a:t>
+            </a:r>
+            <a:r>
+              <a:rPr lang="en-US" altLang="zh-CN" dirty="0" smtClean="0"/>
+              <a:t>Sprint </a:t>
+            </a:r>
+            <a:r>
+              <a:rPr lang="zh-CN" altLang="en-US" dirty="0" smtClean="0"/>
+              <a:t>结束时得到一个可以执行并演示的产品的增量版本，来推动产品的不断演进，直到最终发布。 </a:t>
+            </a:r>
+            <a:endParaRPr lang="en-US" altLang="zh-CN" dirty="0" smtClean="0"/>
+          </a:p>
+          <a:p>
+            <a:endParaRPr lang="en-US" altLang="zh-CN" dirty="0" smtClean="0"/>
+          </a:p>
+          <a:p>
+            <a:endParaRPr lang="en-US" altLang="zh-CN" dirty="0" smtClean="0"/>
+          </a:p>
+          <a:p>
+            <a:pPr lvl="0" rtl="0"/>
+            <a:r>
+              <a:rPr lang="en-US" altLang="zh-CN" dirty="0" smtClean="0"/>
+              <a:t>Sprint</a:t>
+            </a:r>
+            <a:r>
+              <a:rPr lang="zh-CN" altLang="zh-CN" i="1" dirty="0" smtClean="0">
+                <a:solidFill>
+                  <a:schemeClr val="bg1">
+                    <a:lumMod val="50000"/>
+                  </a:schemeClr>
+                </a:solidFill>
+              </a:rPr>
+              <a:t>（迭代，</a:t>
+            </a:r>
+            <a:r>
+              <a:rPr lang="en-US" altLang="zh-CN" i="1" dirty="0" smtClean="0">
+                <a:solidFill>
+                  <a:schemeClr val="bg1">
+                    <a:lumMod val="50000"/>
+                  </a:schemeClr>
+                </a:solidFill>
+              </a:rPr>
+              <a:t>scrum</a:t>
+            </a:r>
+            <a:r>
+              <a:rPr lang="zh-CN" altLang="zh-CN" i="1" dirty="0" smtClean="0">
+                <a:solidFill>
+                  <a:schemeClr val="bg1">
+                    <a:lumMod val="50000"/>
+                  </a:schemeClr>
+                </a:solidFill>
+              </a:rPr>
+              <a:t>的基本运行单位）</a:t>
+            </a:r>
+          </a:p>
+          <a:p>
+            <a:pPr lvl="0" rtl="0"/>
+            <a:r>
+              <a:rPr lang="en-US" altLang="zh-CN" dirty="0" smtClean="0"/>
+              <a:t>PB</a:t>
+            </a:r>
+            <a:r>
+              <a:rPr lang="zh-CN" altLang="zh-CN" i="1" dirty="0" smtClean="0">
+                <a:solidFill>
+                  <a:schemeClr val="bg1">
+                    <a:lumMod val="50000"/>
+                  </a:schemeClr>
+                </a:solidFill>
+              </a:rPr>
+              <a:t>（</a:t>
+            </a:r>
+            <a:r>
+              <a:rPr lang="en-US" altLang="zh-CN" i="1" dirty="0" smtClean="0">
+                <a:solidFill>
+                  <a:schemeClr val="bg1">
+                    <a:lumMod val="50000"/>
+                  </a:schemeClr>
+                </a:solidFill>
+              </a:rPr>
+              <a:t>Product Backlog</a:t>
+            </a:r>
+            <a:r>
+              <a:rPr lang="zh-CN" altLang="zh-CN" i="1" dirty="0" smtClean="0">
+                <a:solidFill>
+                  <a:schemeClr val="bg1">
+                    <a:lumMod val="50000"/>
+                  </a:schemeClr>
+                </a:solidFill>
+              </a:rPr>
+              <a:t>，待完成产品）</a:t>
+            </a:r>
+          </a:p>
+          <a:p>
+            <a:pPr lvl="0" rtl="0"/>
+            <a:r>
+              <a:rPr lang="en-US" altLang="zh-CN" dirty="0" smtClean="0"/>
+              <a:t>Story Point</a:t>
+            </a:r>
+            <a:r>
+              <a:rPr lang="zh-CN" altLang="zh-CN" i="1" dirty="0" smtClean="0">
+                <a:solidFill>
+                  <a:schemeClr val="bg1">
+                    <a:lumMod val="50000"/>
+                  </a:schemeClr>
+                </a:solidFill>
+              </a:rPr>
+              <a:t>（故事点，一个估算基本单位）</a:t>
+            </a:r>
+          </a:p>
+          <a:p>
+            <a:pPr lvl="0" rtl="0"/>
+            <a:r>
+              <a:rPr lang="en-US" altLang="zh-CN" dirty="0" smtClean="0"/>
+              <a:t>Burn-Down Chat</a:t>
+            </a:r>
+            <a:r>
+              <a:rPr lang="zh-CN" altLang="zh-CN" i="1" dirty="0" smtClean="0">
+                <a:solidFill>
+                  <a:schemeClr val="bg1">
+                    <a:lumMod val="50000"/>
+                  </a:schemeClr>
+                </a:solidFill>
+              </a:rPr>
+              <a:t>（燃尽图，统计任务完成情况）</a:t>
+            </a:r>
+          </a:p>
+          <a:p>
+            <a:endParaRPr lang="en-US" altLang="zh-CN" dirty="0" smtClean="0"/>
+          </a:p>
+        </p:txBody>
+      </p:sp>
+    </p:spTree>
+    <p:extLst>
+      <p:ext uri="{BB962C8B-B14F-4D97-AF65-F5344CB8AC3E}">
+        <p14:creationId xmlns:p14="http://schemas.microsoft.com/office/powerpoint/2010/main" val="2634176535"/>
+      </p:ext>
+    </p:extLst>
+  </p:cSld>
+  <p:clrMapOvr>
+    <a:masterClrMapping/>
+  </p:clrMapOvr>
+</p:notes>
+</file>
+
+<file path=ppt/notesSlides/notesSlide15.xml><?xml version="1.0" encoding="utf-8"?>
+<p:notes xmlns:a="http://schemas.openxmlformats.org/drawingml/2006/main" xmlns:r="http://schemas.openxmlformats.org/officeDocument/2006/relationships" xmlns:p="http://schemas.openxmlformats.org/presentationml/2006/main">
+  <p:cSld>
+    <p:spTree>
+      <p:nvGrpSpPr>
+        <p:cNvPr id="1" name=""/>
+        <p:cNvGrpSpPr/>
+        <p:nvPr/>
+      </p:nvGrpSpPr>
+      <p:grpSpPr>
+        <a:xfrm>
+          <a:off x="0" y="0"/>
+          <a:ext cx="0" cy="0"/>
+          <a:chOff x="0" y="0"/>
+          <a:chExt cx="0" cy="0"/>
+        </a:xfrm>
+      </p:grpSpPr>
+      <p:sp>
+        <p:nvSpPr>
+          <p:cNvPr id="2" name="幻灯片图像占位符 1"/>
+          <p:cNvSpPr>
+            <a:spLocks noGrp="1" noRot="1" noChangeAspect="1"/>
+          </p:cNvSpPr>
+          <p:nvPr>
+            <p:ph type="sldImg"/>
+          </p:nvPr>
+        </p:nvSpPr>
+        <p:spPr/>
+      </p:sp>
+      <p:sp>
+        <p:nvSpPr>
+          <p:cNvPr id="3" name="备注占位符 2"/>
+          <p:cNvSpPr>
+            <a:spLocks noGrp="1"/>
+          </p:cNvSpPr>
+          <p:nvPr>
+            <p:ph type="body" idx="1"/>
+          </p:nvPr>
+        </p:nvSpPr>
+        <p:spPr/>
+        <p:txBody>
+          <a:bodyPr/>
+          <a:lstStyle/>
+          <a:p>
             <a:pPr marL="0" marR="0" indent="0" algn="l" defTabSz="914400" rtl="0" eaLnBrk="0" fontAlgn="base" latinLnBrk="0" hangingPunct="0">
               <a:lnSpc>
                 <a:spcPct val="100000"/>
@@ -11050,7 +11132,7 @@
 </p:notes>
 </file>
 
-<file path=ppt/notesSlides/notesSlide14.xml><?xml version="1.0" encoding="utf-8"?>
+<file path=ppt/notesSlides/notesSlide16.xml><?xml version="1.0" encoding="utf-8"?>
 <p:notes xmlns:a="http://schemas.openxmlformats.org/drawingml/2006/main" xmlns:r="http://schemas.openxmlformats.org/officeDocument/2006/relationships" xmlns:p="http://schemas.openxmlformats.org/presentationml/2006/main">
   <p:cSld>
     <p:spTree>
@@ -11258,7 +11340,7 @@
 </p:notes>
 </file>
 
-<file path=ppt/notesSlides/notesSlide15.xml><?xml version="1.0" encoding="utf-8"?>
+<file path=ppt/notesSlides/notesSlide17.xml><?xml version="1.0" encoding="utf-8"?>
 <p:notes xmlns:a="http://schemas.openxmlformats.org/drawingml/2006/main" xmlns:r="http://schemas.openxmlformats.org/officeDocument/2006/relationships" xmlns:p="http://schemas.openxmlformats.org/presentationml/2006/main">
   <p:cSld>
     <p:spTree>
@@ -11402,7 +11484,7 @@
 </p:notes>
 </file>
 
-<file path=ppt/notesSlides/notesSlide16.xml><?xml version="1.0" encoding="utf-8"?>
+<file path=ppt/notesSlides/notesSlide18.xml><?xml version="1.0" encoding="utf-8"?>
 <p:notes xmlns:a="http://schemas.openxmlformats.org/drawingml/2006/main" xmlns:r="http://schemas.openxmlformats.org/officeDocument/2006/relationships" xmlns:p="http://schemas.openxmlformats.org/presentationml/2006/main">
   <p:cSld>
     <p:spTree>
@@ -11546,7 +11628,7 @@
 </p:notes>
 </file>
 
-<file path=ppt/notesSlides/notesSlide17.xml><?xml version="1.0" encoding="utf-8"?>
+<file path=ppt/notesSlides/notesSlide19.xml><?xml version="1.0" encoding="utf-8"?>
 <p:notes xmlns:a="http://schemas.openxmlformats.org/drawingml/2006/main" xmlns:r="http://schemas.openxmlformats.org/officeDocument/2006/relationships" xmlns:p="http://schemas.openxmlformats.org/presentationml/2006/main">
   <p:cSld>
     <p:spTree>
@@ -11665,77 +11747,65 @@
           <a:lstStyle/>
           <a:p>
             <a:r>
-              <a:rPr lang="zh-CN" altLang="en-US" b="1" dirty="0" smtClean="0"/>
-              <a:t>业内目前有两个非常火的大阵营：传统和敏捷。</a:t>
-            </a:r>
-            <a:endParaRPr lang="en-US" altLang="zh-CN" b="1" dirty="0" smtClean="0"/>
-          </a:p>
-          <a:p>
-            <a:endParaRPr lang="en-US" altLang="zh-CN" b="1" dirty="0" smtClean="0"/>
-          </a:p>
-          <a:p>
-            <a:r>
-              <a:rPr lang="zh-CN" altLang="en-US" b="1" dirty="0" smtClean="0"/>
-              <a:t>瀑布模型（传统）</a:t>
-            </a:r>
-            <a:endParaRPr lang="en-US" altLang="zh-CN" b="1" dirty="0" smtClean="0"/>
-          </a:p>
-          <a:p>
-            <a:endParaRPr lang="en-US" altLang="zh-CN" dirty="0" smtClean="0"/>
-          </a:p>
-          <a:p>
-            <a:pPr marL="0" marR="0" indent="0" algn="l" defTabSz="914400" rtl="0" eaLnBrk="0" fontAlgn="base" latinLnBrk="0" hangingPunct="0">
-              <a:lnSpc>
-                <a:spcPct val="100000"/>
-              </a:lnSpc>
-              <a:spcBef>
-                <a:spcPct val="30000"/>
-              </a:spcBef>
-              <a:spcAft>
-                <a:spcPct val="0"/>
-              </a:spcAft>
-              <a:buClrTx/>
-              <a:buSzTx/>
-              <a:buFontTx/>
-              <a:buNone/>
-              <a:tabLst/>
-              <a:defRPr/>
-            </a:pPr>
-            <a:r>
-              <a:rPr lang="zh-CN" altLang="en-US" baseline="0" dirty="0" smtClean="0"/>
-              <a:t>为什么是瀑布：</a:t>
-            </a:r>
-            <a:r>
-              <a:rPr lang="zh-CN" altLang="en-US" sz="1200" b="0" i="0" kern="1200" dirty="0" smtClean="0">
-                <a:solidFill>
-                  <a:schemeClr val="tx1"/>
-                </a:solidFill>
-                <a:effectLst/>
-                <a:latin typeface="+mn-lt"/>
-                <a:ea typeface="宋体" pitchFamily="2" charset="-122"/>
-                <a:cs typeface="+mn-cs"/>
+              <a:rPr lang="en-US" altLang="zh-CN" sz="2400" b="1" dirty="0" smtClean="0">
+                <a:latin typeface="+mn-ea"/>
+                <a:ea typeface="+mn-ea"/>
               </a:rPr>
-              <a:t>传统的 软件开发流程是一个文档驱动的流程，它将整个软件开发过程划分为顺序相接的几个阶段，每个阶段都必需完成全部规定的任务（文档）后才能够进入下一个阶段</a:t>
-            </a:r>
-            <a:endParaRPr lang="en-US" altLang="zh-CN" sz="1200" b="0" i="0" kern="1200" dirty="0" smtClean="0">
-              <a:solidFill>
-                <a:schemeClr val="tx1"/>
-              </a:solidFill>
-              <a:effectLst/>
-              <a:latin typeface="+mn-lt"/>
-              <a:ea typeface="宋体" pitchFamily="2" charset="-122"/>
-              <a:cs typeface="+mn-cs"/>
+              <a:t>13</a:t>
+            </a:r>
+            <a:r>
+              <a:rPr lang="zh-CN" altLang="en-US" sz="2400" b="1" dirty="0" smtClean="0">
+                <a:latin typeface="+mn-ea"/>
+                <a:ea typeface="+mn-ea"/>
+              </a:rPr>
+              <a:t>届</a:t>
+            </a:r>
+            <a:r>
+              <a:rPr lang="zh-CN" altLang="en-US" sz="3200" b="1" dirty="0" smtClean="0">
+                <a:latin typeface="+mn-ea"/>
+                <a:ea typeface="+mn-ea"/>
+              </a:rPr>
+              <a:t>，</a:t>
+            </a:r>
+            <a:r>
+              <a:rPr lang="en-US" altLang="zh-CN" sz="3200" b="1" dirty="0" smtClean="0">
+                <a:latin typeface="+mn-ea"/>
+                <a:ea typeface="+mn-ea"/>
+              </a:rPr>
+              <a:t>14</a:t>
+            </a:r>
+            <a:r>
+              <a:rPr lang="zh-CN" altLang="en-US" sz="3200" b="1" dirty="0" smtClean="0">
+                <a:latin typeface="+mn-ea"/>
+                <a:ea typeface="+mn-ea"/>
+              </a:rPr>
+              <a:t>届。</a:t>
+            </a:r>
+            <a:r>
+              <a:rPr lang="zh-CN" altLang="en-US" sz="3200" b="1" baseline="0" dirty="0" smtClean="0">
+                <a:latin typeface="+mn-ea"/>
+                <a:ea typeface="+mn-ea"/>
+              </a:rPr>
+              <a:t> </a:t>
+            </a:r>
+            <a:r>
+              <a:rPr lang="zh-CN" altLang="en-US" sz="2400" b="1" baseline="0" dirty="0" smtClean="0">
+                <a:latin typeface="+mn-ea"/>
+                <a:ea typeface="+mn-ea"/>
+              </a:rPr>
+              <a:t>都有同学在我们公司</a:t>
+            </a:r>
+            <a:endParaRPr lang="zh-CN" altLang="en-US" sz="2400" b="1" dirty="0">
+              <a:latin typeface="+mn-ea"/>
+              <a:ea typeface="+mn-ea"/>
             </a:endParaRPr>
-          </a:p>
-          <a:p>
-            <a:endParaRPr lang="en-US" altLang="zh-CN" baseline="0" dirty="0" smtClean="0"/>
           </a:p>
         </p:txBody>
       </p:sp>
     </p:spTree>
     <p:extLst>
       <p:ext uri="{BB962C8B-B14F-4D97-AF65-F5344CB8AC3E}">
-        <p14:creationId xmlns:p14="http://schemas.microsoft.com/office/powerpoint/2010/main" val="2634176535"/>
+        <p14:creationId xmlns:p14="http://schemas.microsoft.com/office/powerpoint/2010/main" val="4175765479"/>
       </p:ext>
     </p:extLst>
   </p:cSld>
@@ -11789,103 +11859,122 @@
           <a:bodyPr/>
           <a:lstStyle/>
           <a:p>
+            <a:r>
+              <a:rPr lang="en-US" altLang="zh-CN" dirty="0" smtClean="0"/>
+              <a:t>Web developer: </a:t>
+            </a:r>
+            <a:r>
+              <a:rPr lang="zh-CN" altLang="en-US" dirty="0" smtClean="0"/>
+              <a:t>关注</a:t>
+            </a:r>
+            <a:r>
+              <a:rPr lang="en-US" altLang="zh-CN" dirty="0" smtClean="0"/>
+              <a:t>web</a:t>
+            </a:r>
+            <a:r>
+              <a:rPr lang="zh-CN" altLang="en-US" dirty="0" smtClean="0"/>
+              <a:t>可行性研究，提高用户体验</a:t>
+            </a:r>
             <a:endParaRPr lang="en-US" altLang="zh-CN" dirty="0" smtClean="0"/>
           </a:p>
           <a:p>
-            <a:r>
-              <a:rPr lang="en-US" altLang="zh-CN" b="1" dirty="0" smtClean="0"/>
-              <a:t>CMMI</a:t>
-            </a:r>
-            <a:r>
-              <a:rPr lang="en-US" altLang="zh-CN" b="1" baseline="0" dirty="0" smtClean="0"/>
-              <a:t> </a:t>
-            </a:r>
-            <a:r>
-              <a:rPr lang="zh-CN" altLang="en-US" b="1" baseline="0" dirty="0" smtClean="0"/>
-              <a:t>介入</a:t>
+            <a:endParaRPr lang="en-US" altLang="zh-CN" dirty="0" smtClean="0"/>
+          </a:p>
+          <a:p>
+            <a:r>
+              <a:rPr lang="en-US" altLang="zh-CN" dirty="0" smtClean="0"/>
+              <a:t>Project</a:t>
+            </a:r>
+            <a:r>
+              <a:rPr lang="en-US" altLang="zh-CN" baseline="0" dirty="0" smtClean="0"/>
+              <a:t> Manager</a:t>
             </a:r>
             <a:r>
               <a:rPr lang="zh-CN" altLang="en-US" baseline="0" dirty="0" smtClean="0"/>
-              <a:t>：</a:t>
-            </a:r>
-            <a:r>
-              <a:rPr lang="en-US" altLang="zh-CN" baseline="0" dirty="0" smtClean="0"/>
-              <a:t>CMMI</a:t>
-            </a:r>
-            <a:r>
-              <a:rPr lang="zh-CN" altLang="en-US" baseline="0" dirty="0" smtClean="0"/>
-              <a:t> 在每个阶段 都会有一些数据分析，举个例子：同样复杂程度的项目，我们之前平均的需求问题数是</a:t>
-            </a:r>
-            <a:r>
-              <a:rPr lang="en-US" altLang="zh-CN" baseline="0" dirty="0" smtClean="0"/>
-              <a:t>8</a:t>
-            </a:r>
-            <a:r>
-              <a:rPr lang="zh-CN" altLang="en-US" baseline="0" dirty="0" smtClean="0"/>
-              <a:t>个，但这个项目就有</a:t>
-            </a:r>
-            <a:r>
-              <a:rPr lang="en-US" altLang="zh-CN" baseline="0" dirty="0" smtClean="0"/>
-              <a:t>20</a:t>
-            </a:r>
-            <a:r>
-              <a:rPr lang="zh-CN" altLang="en-US" baseline="0" dirty="0" smtClean="0"/>
-              <a:t>个。可能我们就需要寻找问题了</a:t>
+              <a:t>：了解软件工程对于项目的重要性</a:t>
             </a:r>
             <a:endParaRPr lang="en-US" altLang="zh-CN" baseline="0" dirty="0" smtClean="0"/>
           </a:p>
           <a:p>
+            <a:endParaRPr lang="en-US" altLang="zh-CN" baseline="0" dirty="0" smtClean="0"/>
+          </a:p>
+          <a:p>
+            <a:r>
+              <a:rPr lang="en-US" altLang="zh-CN" baseline="0" dirty="0" smtClean="0"/>
+              <a:t>Scrum Master</a:t>
+            </a:r>
             <a:r>
               <a:rPr lang="zh-CN" altLang="en-US" baseline="0" dirty="0" smtClean="0"/>
-              <a:t>（</a:t>
-            </a:r>
+              <a:t>：</a:t>
+            </a:r>
+            <a:endParaRPr lang="en-US" altLang="zh-CN" baseline="0" dirty="0" smtClean="0"/>
+          </a:p>
+          <a:p>
+            <a:endParaRPr lang="en-US" altLang="zh-CN" baseline="0" dirty="0" smtClean="0"/>
+          </a:p>
+          <a:p>
             <a:r>
               <a:rPr lang="en-US" altLang="zh-CN" baseline="0" dirty="0" smtClean="0"/>
-              <a:t>CMMI </a:t>
+              <a:t>Trainer</a:t>
             </a:r>
             <a:r>
               <a:rPr lang="zh-CN" altLang="en-US" baseline="0" dirty="0" smtClean="0"/>
-              <a:t>最高</a:t>
-            </a:r>
-            <a:r>
-              <a:rPr lang="en-US" altLang="zh-CN" baseline="0" dirty="0" smtClean="0"/>
-              <a:t>2</a:t>
-            </a:r>
-            <a:r>
-              <a:rPr lang="zh-CN" altLang="en-US" baseline="0" dirty="0" smtClean="0"/>
-              <a:t>五级，军工国防，</a:t>
-            </a:r>
-            <a:r>
-              <a:rPr lang="en-US" altLang="zh-CN" baseline="0" dirty="0" smtClean="0"/>
-              <a:t>Newegg </a:t>
-            </a:r>
-            <a:r>
-              <a:rPr lang="zh-CN" altLang="en-US" baseline="0" dirty="0" smtClean="0"/>
-              <a:t>在</a:t>
-            </a:r>
-            <a:r>
-              <a:rPr lang="en-US" altLang="zh-CN" baseline="0" dirty="0" smtClean="0"/>
-              <a:t>10</a:t>
-            </a:r>
-            <a:r>
-              <a:rPr lang="zh-CN" altLang="en-US" baseline="0" dirty="0" smtClean="0"/>
-              <a:t>年达到了</a:t>
-            </a:r>
-            <a:r>
-              <a:rPr lang="en-US" altLang="zh-CN" baseline="0" dirty="0" smtClean="0"/>
-              <a:t>Level 4</a:t>
-            </a:r>
-            <a:r>
-              <a:rPr lang="zh-CN" altLang="en-US" baseline="0" dirty="0" smtClean="0"/>
-              <a:t>）</a:t>
-            </a:r>
-            <a:endParaRPr lang="en-US" altLang="zh-CN" baseline="0" dirty="0" smtClean="0"/>
+              <a:t>：程序员 除了写代码，其实还有更有趣的事情可以做。</a:t>
+            </a:r>
+            <a:endParaRPr lang="en-US" altLang="zh-CN" dirty="0" smtClean="0"/>
           </a:p>
           <a:p>
             <a:endParaRPr lang="en-US" altLang="zh-CN" dirty="0" smtClean="0"/>
           </a:p>
           <a:p>
             <a:endParaRPr lang="en-US" altLang="zh-CN" dirty="0" smtClean="0"/>
+          </a:p>
+          <a:p>
+            <a:r>
+              <a:rPr lang="zh-CN" altLang="en-US" b="1" dirty="0" smtClean="0"/>
+              <a:t>一天的课程介绍：两位讲师</a:t>
+            </a:r>
+            <a:r>
+              <a:rPr lang="zh-CN" altLang="en-US" b="1" baseline="0" dirty="0" smtClean="0"/>
+              <a:t> 两天课程，上午概念，下午实践</a:t>
+            </a:r>
+            <a:endParaRPr lang="en-US" altLang="zh-CN" b="1" dirty="0" smtClean="0"/>
+          </a:p>
+          <a:p>
+            <a:endParaRPr lang="en-US" altLang="zh-CN" dirty="0" smtClean="0"/>
+          </a:p>
+          <a:p>
+            <a:endParaRPr lang="en-US" altLang="zh-CN" dirty="0" smtClean="0"/>
+          </a:p>
+          <a:p>
+            <a:r>
+              <a:rPr lang="en-US" altLang="zh-CN" dirty="0" smtClean="0"/>
+              <a:t>Ben </a:t>
+            </a:r>
+            <a:r>
+              <a:rPr lang="zh-CN" altLang="en-US" dirty="0" smtClean="0"/>
+              <a:t>部分过度：</a:t>
+            </a:r>
+            <a:endParaRPr lang="en-US" altLang="zh-CN" dirty="0" smtClean="0"/>
+          </a:p>
+          <a:p>
+            <a:r>
+              <a:rPr lang="en-US" altLang="zh-CN" baseline="0" dirty="0" smtClean="0"/>
+              <a:t>scrum</a:t>
+            </a:r>
+            <a:r>
+              <a:rPr lang="zh-CN" altLang="en-US" baseline="0" dirty="0" smtClean="0"/>
+              <a:t>在企业中的实践，</a:t>
+            </a:r>
+            <a:r>
+              <a:rPr lang="en-US" altLang="zh-CN" baseline="0" dirty="0" smtClean="0"/>
+              <a:t> </a:t>
+            </a:r>
+            <a:r>
+              <a:rPr lang="zh-CN" altLang="en-US" baseline="0" dirty="0" smtClean="0"/>
+              <a:t>不得不提 传统软件开发流程。</a:t>
+            </a:r>
+            <a:endParaRPr lang="en-US" altLang="zh-CN" baseline="0" dirty="0" smtClean="0"/>
           </a:p>
         </p:txBody>
       </p:sp>
@@ -11947,17 +12036,77 @@
           <a:lstStyle/>
           <a:p>
             <a:r>
-              <a:rPr lang="zh-CN" altLang="en-US" dirty="0" smtClean="0"/>
-              <a:t>设计流程图</a:t>
-            </a:r>
-            <a:endParaRPr lang="zh-CN" altLang="en-US" dirty="0"/>
+              <a:rPr lang="zh-CN" altLang="en-US" b="1" dirty="0" smtClean="0"/>
+              <a:t>业内目前有两个非常火的大阵营：传统和敏捷。</a:t>
+            </a:r>
+            <a:endParaRPr lang="en-US" altLang="zh-CN" b="1" dirty="0" smtClean="0"/>
+          </a:p>
+          <a:p>
+            <a:endParaRPr lang="en-US" altLang="zh-CN" b="1" dirty="0" smtClean="0"/>
+          </a:p>
+          <a:p>
+            <a:r>
+              <a:rPr lang="zh-CN" altLang="en-US" b="1" dirty="0" smtClean="0"/>
+              <a:t>瀑布模型（传统）</a:t>
+            </a:r>
+            <a:endParaRPr lang="en-US" altLang="zh-CN" b="1" dirty="0" smtClean="0"/>
+          </a:p>
+          <a:p>
+            <a:endParaRPr lang="en-US" altLang="zh-CN" dirty="0" smtClean="0"/>
+          </a:p>
+          <a:p>
+            <a:pPr marL="0" marR="0" indent="0" algn="l" defTabSz="914400" rtl="0" eaLnBrk="0" fontAlgn="base" latinLnBrk="0" hangingPunct="0">
+              <a:lnSpc>
+                <a:spcPct val="100000"/>
+              </a:lnSpc>
+              <a:spcBef>
+                <a:spcPct val="30000"/>
+              </a:spcBef>
+              <a:spcAft>
+                <a:spcPct val="0"/>
+              </a:spcAft>
+              <a:buClrTx/>
+              <a:buSzTx/>
+              <a:buFontTx/>
+              <a:buNone/>
+              <a:tabLst/>
+              <a:defRPr/>
+            </a:pPr>
+            <a:r>
+              <a:rPr lang="zh-CN" altLang="en-US" baseline="0" dirty="0" smtClean="0"/>
+              <a:t>为什么是瀑布：</a:t>
+            </a:r>
+            <a:r>
+              <a:rPr lang="zh-CN" altLang="en-US" sz="1200" b="0" i="0" kern="1200" dirty="0" smtClean="0">
+                <a:solidFill>
+                  <a:schemeClr val="tx1"/>
+                </a:solidFill>
+                <a:effectLst/>
+                <a:latin typeface="+mn-lt"/>
+                <a:ea typeface="宋体" pitchFamily="2" charset="-122"/>
+                <a:cs typeface="+mn-cs"/>
+              </a:rPr>
+              <a:t>传统的 软件开发流程是一个文档驱动的流程，它将整个软件开发过程划分为顺序相接的几个阶段，每个阶段都必需完成全部规定的任务（文档）后才能够进入下一个阶段</a:t>
+            </a:r>
+            <a:endParaRPr lang="en-US" altLang="zh-CN" sz="1200" b="0" i="0" kern="1200" dirty="0" smtClean="0">
+              <a:solidFill>
+                <a:schemeClr val="tx1"/>
+              </a:solidFill>
+              <a:effectLst/>
+              <a:latin typeface="+mn-lt"/>
+              <a:ea typeface="宋体" pitchFamily="2" charset="-122"/>
+              <a:cs typeface="+mn-cs"/>
+            </a:endParaRPr>
+          </a:p>
+          <a:p>
+            <a:endParaRPr lang="en-US" altLang="zh-CN" baseline="0" dirty="0" smtClean="0"/>
           </a:p>
         </p:txBody>
       </p:sp>
     </p:spTree>
     <p:extLst>
       <p:ext uri="{BB962C8B-B14F-4D97-AF65-F5344CB8AC3E}">
-        <p14:creationId xmlns:p14="http://schemas.microsoft.com/office/powerpoint/2010/main" val="3169414503"/>
+        <p14:creationId xmlns:p14="http://schemas.microsoft.com/office/powerpoint/2010/main" val="2634176535"/>
       </p:ext>
     </p:extLst>
   </p:cSld>
@@ -12011,18 +12160,110 @@
           <a:bodyPr/>
           <a:lstStyle/>
           <a:p>
-            <a:r>
-              <a:rPr lang="zh-CN" altLang="en-US" dirty="0" smtClean="0"/>
-              <a:t>编码流程图</a:t>
-            </a:r>
-            <a:endParaRPr lang="zh-CN" altLang="en-US" dirty="0"/>
+            <a:endParaRPr lang="en-US" altLang="zh-CN" dirty="0" smtClean="0"/>
+          </a:p>
+          <a:p>
+            <a:r>
+              <a:rPr lang="en-US" altLang="zh-CN" b="1" dirty="0" smtClean="0"/>
+              <a:t>CMMI</a:t>
+            </a:r>
+            <a:r>
+              <a:rPr lang="en-US" altLang="zh-CN" b="1" baseline="0" dirty="0" smtClean="0"/>
+              <a:t> </a:t>
+            </a:r>
+            <a:r>
+              <a:rPr lang="zh-CN" altLang="en-US" b="1" baseline="0" dirty="0" smtClean="0"/>
+              <a:t>介入</a:t>
+            </a:r>
+            <a:r>
+              <a:rPr lang="zh-CN" altLang="en-US" baseline="0" dirty="0" smtClean="0"/>
+              <a:t>：</a:t>
+            </a:r>
+            <a:r>
+              <a:rPr lang="en-US" altLang="zh-CN" baseline="0" dirty="0" smtClean="0"/>
+              <a:t>CMMI</a:t>
+            </a:r>
+            <a:r>
+              <a:rPr lang="zh-CN" altLang="en-US" baseline="0" dirty="0" smtClean="0"/>
+              <a:t> 在每个阶段 都会有一些数据分析，举个例子：同样复杂程度的项目，我们之前平均的需求问题数是</a:t>
+            </a:r>
+            <a:r>
+              <a:rPr lang="en-US" altLang="zh-CN" baseline="0" dirty="0" smtClean="0"/>
+              <a:t>8</a:t>
+            </a:r>
+            <a:r>
+              <a:rPr lang="zh-CN" altLang="en-US" baseline="0" dirty="0" smtClean="0"/>
+              <a:t>个，但这个项目就有</a:t>
+            </a:r>
+            <a:r>
+              <a:rPr lang="en-US" altLang="zh-CN" baseline="0" dirty="0" smtClean="0"/>
+              <a:t>20</a:t>
+            </a:r>
+            <a:r>
+              <a:rPr lang="zh-CN" altLang="en-US" baseline="0" dirty="0" smtClean="0"/>
+              <a:t>个。可能我们就需要寻找问题了</a:t>
+            </a:r>
+            <a:endParaRPr lang="en-US" altLang="zh-CN" baseline="0" dirty="0" smtClean="0"/>
+          </a:p>
+          <a:p>
+            <a:r>
+              <a:rPr lang="zh-CN" altLang="en-US" baseline="0" dirty="0" smtClean="0"/>
+              <a:t>（</a:t>
+            </a:r>
+            <a:r>
+              <a:rPr lang="en-US" altLang="zh-CN" baseline="0" dirty="0" smtClean="0"/>
+              <a:t>CMMI </a:t>
+            </a:r>
+            <a:r>
+              <a:rPr lang="zh-CN" altLang="en-US" baseline="0" dirty="0" smtClean="0"/>
+              <a:t>最高</a:t>
+            </a:r>
+            <a:r>
+              <a:rPr lang="en-US" altLang="zh-CN" baseline="0" dirty="0" smtClean="0"/>
+              <a:t>2</a:t>
+            </a:r>
+            <a:r>
+              <a:rPr lang="zh-CN" altLang="en-US" baseline="0" dirty="0" smtClean="0"/>
+              <a:t>五级，军工国防，</a:t>
+            </a:r>
+            <a:r>
+              <a:rPr lang="en-US" altLang="zh-CN" baseline="0" dirty="0" smtClean="0"/>
+              <a:t>Newegg </a:t>
+            </a:r>
+            <a:r>
+              <a:rPr lang="zh-CN" altLang="en-US" baseline="0" dirty="0" smtClean="0"/>
+              <a:t>在</a:t>
+            </a:r>
+            <a:r>
+              <a:rPr lang="en-US" altLang="zh-CN" baseline="0" dirty="0" smtClean="0"/>
+              <a:t>10</a:t>
+            </a:r>
+            <a:r>
+              <a:rPr lang="zh-CN" altLang="en-US" baseline="0" dirty="0" smtClean="0"/>
+              <a:t>年达到了</a:t>
+            </a:r>
+            <a:r>
+              <a:rPr lang="en-US" altLang="zh-CN" baseline="0" dirty="0" smtClean="0"/>
+              <a:t>Level 4</a:t>
+            </a:r>
+            <a:r>
+              <a:rPr lang="zh-CN" altLang="en-US" baseline="0" dirty="0" smtClean="0"/>
+              <a:t>）</a:t>
+            </a:r>
+            <a:endParaRPr lang="en-US" altLang="zh-CN" baseline="0" dirty="0" smtClean="0"/>
+          </a:p>
+          <a:p>
+            <a:endParaRPr lang="en-US" altLang="zh-CN" dirty="0" smtClean="0"/>
+          </a:p>
+          <a:p>
+            <a:endParaRPr lang="en-US" altLang="zh-CN" dirty="0" smtClean="0"/>
           </a:p>
         </p:txBody>
       </p:sp>
     </p:spTree>
     <p:extLst>
       <p:ext uri="{BB962C8B-B14F-4D97-AF65-F5344CB8AC3E}">
-        <p14:creationId xmlns:p14="http://schemas.microsoft.com/office/powerpoint/2010/main" val="3397358649"/>
+        <p14:creationId xmlns:p14="http://schemas.microsoft.com/office/powerpoint/2010/main" val="4021866038"/>
       </p:ext>
     </p:extLst>
   </p:cSld>
@@ -12078,7 +12319,7 @@
           <a:p>
             <a:r>
               <a:rPr lang="zh-CN" altLang="en-US" dirty="0" smtClean="0"/>
-              <a:t>测试流程图</a:t>
+              <a:t>设计流程图</a:t>
             </a:r>
             <a:endParaRPr lang="zh-CN" altLang="en-US" dirty="0"/>
           </a:p>
@@ -12087,7 +12328,7 @@
     </p:spTree>
     <p:extLst>
       <p:ext uri="{BB962C8B-B14F-4D97-AF65-F5344CB8AC3E}">
-        <p14:creationId xmlns:p14="http://schemas.microsoft.com/office/powerpoint/2010/main" val="3397358649"/>
+        <p14:creationId xmlns:p14="http://schemas.microsoft.com/office/powerpoint/2010/main" val="3169414503"/>
       </p:ext>
     </p:extLst>
   </p:cSld>
@@ -12141,6 +12382,10 @@
           <a:bodyPr/>
           <a:lstStyle/>
           <a:p>
+            <a:r>
+              <a:rPr lang="zh-CN" altLang="en-US" dirty="0" smtClean="0"/>
+              <a:t>编码流程图</a:t>
+            </a:r>
             <a:endParaRPr lang="zh-CN" altLang="en-US" dirty="0"/>
           </a:p>
         </p:txBody>
@@ -12148,7 +12393,7 @@
     </p:spTree>
     <p:extLst>
       <p:ext uri="{BB962C8B-B14F-4D97-AF65-F5344CB8AC3E}">
-        <p14:creationId xmlns:p14="http://schemas.microsoft.com/office/powerpoint/2010/main" val="2634176535"/>
+        <p14:creationId xmlns:p14="http://schemas.microsoft.com/office/powerpoint/2010/main" val="3397358649"/>
       </p:ext>
     </p:extLst>
   </p:cSld>
@@ -12204,25 +12449,7 @@
           <a:p>
             <a:r>
               <a:rPr lang="zh-CN" altLang="en-US" dirty="0" smtClean="0"/>
-              <a:t>这是</a:t>
-            </a:r>
-            <a:r>
-              <a:rPr lang="en-US" altLang="zh-CN" dirty="0" smtClean="0"/>
-              <a:t>100</a:t>
-            </a:r>
-            <a:r>
-              <a:rPr lang="zh-CN" altLang="en-US" dirty="0" smtClean="0"/>
-              <a:t>年前的故事了，和互联网在当下的处境很像。</a:t>
-            </a:r>
-            <a:endParaRPr lang="en-US" altLang="zh-CN" dirty="0" smtClean="0"/>
-          </a:p>
-          <a:p>
-            <a:endParaRPr lang="en-US" altLang="zh-CN" dirty="0" smtClean="0"/>
-          </a:p>
-          <a:p>
-            <a:r>
-              <a:rPr lang="zh-CN" altLang="en-US" dirty="0" smtClean="0"/>
-              <a:t>这些模型，方法论，可以脱离软件，扩散到生活去</a:t>
+              <a:t>测试流程图</a:t>
             </a:r>
             <a:endParaRPr lang="zh-CN" altLang="en-US" dirty="0"/>
           </a:p>
@@ -12231,7 +12458,7 @@
     </p:spTree>
     <p:extLst>
       <p:ext uri="{BB962C8B-B14F-4D97-AF65-F5344CB8AC3E}">
-        <p14:creationId xmlns:p14="http://schemas.microsoft.com/office/powerpoint/2010/main" val="2634176535"/>
+        <p14:creationId xmlns:p14="http://schemas.microsoft.com/office/powerpoint/2010/main" val="3397358649"/>
       </p:ext>
     </p:extLst>
   </p:cSld>
@@ -12285,10 +12512,6 @@
           <a:bodyPr/>
           <a:lstStyle/>
           <a:p>
-            <a:r>
-              <a:rPr lang="zh-CN" altLang="en-US" dirty="0" smtClean="0"/>
-              <a:t>重视文档，需求说明书，设计书，测试书等等</a:t>
-            </a:r>
             <a:endParaRPr lang="zh-CN" altLang="en-US" dirty="0"/>
           </a:p>
         </p:txBody>
@@ -12509,7 +12732,7 @@
               <a:pPr>
                 <a:defRPr/>
               </a:pPr>
-              <a:t>2014/6/11</a:t>
+              <a:t>2014/6/12</a:t>
             </a:fld>
             <a:endParaRPr lang="en-US" altLang="zh-CN"/>
           </a:p>
@@ -12658,7 +12881,7 @@
               <a:pPr>
                 <a:defRPr/>
               </a:pPr>
-              <a:t>2014/6/11</a:t>
+              <a:t>2014/6/12</a:t>
             </a:fld>
             <a:endParaRPr lang="en-US" altLang="zh-CN"/>
           </a:p>
@@ -12878,7 +13101,7 @@
               <a:pPr>
                 <a:defRPr/>
               </a:pPr>
-              <a:t>2014/6/11</a:t>
+              <a:t>2014/6/12</a:t>
             </a:fld>
             <a:endParaRPr lang="en-US" altLang="zh-CN"/>
           </a:p>
@@ -13140,7 +13363,7 @@
               <a:pPr>
                 <a:defRPr/>
               </a:pPr>
-              <a:t>2014/6/11</a:t>
+              <a:t>2014/6/12</a:t>
             </a:fld>
             <a:endParaRPr lang="en-US" altLang="zh-CN"/>
           </a:p>
@@ -13536,7 +13759,7 @@
               <a:pPr>
                 <a:defRPr/>
               </a:pPr>
-              <a:t>2014/6/11</a:t>
+              <a:t>2014/6/12</a:t>
             </a:fld>
             <a:endParaRPr lang="en-US" altLang="zh-CN"/>
           </a:p>
@@ -13609,7 +13832,7 @@
               <a:pPr>
                 <a:defRPr/>
               </a:pPr>
-              <a:t>2014/6/11</a:t>
+              <a:t>2014/6/12</a:t>
             </a:fld>
             <a:endParaRPr lang="en-US" altLang="zh-CN"/>
           </a:p>
@@ -13860,7 +14083,7 @@
               <a:pPr>
                 <a:defRPr/>
               </a:pPr>
-              <a:t>2014/6/11</a:t>
+              <a:t>2014/6/12</a:t>
             </a:fld>
             <a:endParaRPr lang="en-US" altLang="zh-CN"/>
           </a:p>
@@ -14090,7 +14313,7 @@
               <a:pPr>
                 <a:defRPr/>
               </a:pPr>
-              <a:t>2014/6/11</a:t>
+              <a:t>2014/6/12</a:t>
             </a:fld>
             <a:endParaRPr lang="en-US" altLang="zh-CN"/>
           </a:p>
@@ -14327,7 +14550,7 @@
               <a:pPr>
                 <a:defRPr/>
               </a:pPr>
-              <a:t>2014/6/11</a:t>
+              <a:t>2014/6/12</a:t>
             </a:fld>
             <a:endParaRPr lang="en-US" altLang="zh-CN"/>
           </a:p>
@@ -14775,8 +14998,8 @@
         </p:nvSpPr>
         <p:spPr>
           <a:xfrm>
-            <a:off x="457200" y="274638"/>
-            <a:ext cx="8229600" cy="715962"/>
+            <a:off x="457200" y="1874838"/>
+            <a:ext cx="8229600" cy="1706562"/>
           </a:xfrm>
         </p:spPr>
         <p:txBody>
@@ -14784,16 +15007,149 @@
           <a:lstStyle/>
           <a:p>
             <a:r>
-              <a:rPr lang="zh-CN" altLang="en-US" sz="3600" dirty="0" smtClean="0">
+              <a:rPr lang="en-US" altLang="zh-CN" sz="1200" dirty="0">
                 <a:solidFill>
                   <a:srgbClr val="E46C0A"/>
                 </a:solidFill>
                 <a:latin typeface="微软雅黑" panose="020B0503020204020204" pitchFamily="34" charset="-122"/>
                 <a:ea typeface="微软雅黑" panose="020B0503020204020204" pitchFamily="34" charset="-122"/>
               </a:rPr>
-              <a:t>首页</a:t>
-            </a:r>
-            <a:endParaRPr lang="zh-CN" altLang="en-US" sz="3600" dirty="0">
+              <a:t>http://www.ituring.com.cn/article/71341</a:t>
+            </a:r>
+            <a:br>
+              <a:rPr lang="en-US" altLang="zh-CN" sz="1200" dirty="0">
+                <a:solidFill>
+                  <a:srgbClr val="E46C0A"/>
+                </a:solidFill>
+                <a:latin typeface="微软雅黑" panose="020B0503020204020204" pitchFamily="34" charset="-122"/>
+                <a:ea typeface="微软雅黑" panose="020B0503020204020204" pitchFamily="34" charset="-122"/>
+              </a:rPr>
+            </a:br>
+            <a:r>
+              <a:rPr lang="en-US" altLang="zh-CN" sz="1200" dirty="0">
+                <a:solidFill>
+                  <a:srgbClr val="E46C0A"/>
+                </a:solidFill>
+                <a:latin typeface="微软雅黑" panose="020B0503020204020204" pitchFamily="34" charset="-122"/>
+                <a:ea typeface="微软雅黑" panose="020B0503020204020204" pitchFamily="34" charset="-122"/>
+              </a:rPr>
+              <a:t>http://www.infoq.com/cn/news/2012/10/pm-scrum-master</a:t>
+            </a:r>
+            <a:br>
+              <a:rPr lang="en-US" altLang="zh-CN" sz="1200" dirty="0">
+                <a:solidFill>
+                  <a:srgbClr val="E46C0A"/>
+                </a:solidFill>
+                <a:latin typeface="微软雅黑" panose="020B0503020204020204" pitchFamily="34" charset="-122"/>
+                <a:ea typeface="微软雅黑" panose="020B0503020204020204" pitchFamily="34" charset="-122"/>
+              </a:rPr>
+            </a:br>
+            <a:r>
+              <a:rPr lang="en-US" altLang="zh-CN" sz="1200" dirty="0">
+                <a:solidFill>
+                  <a:srgbClr val="E46C0A"/>
+                </a:solidFill>
+                <a:latin typeface="微软雅黑" panose="020B0503020204020204" pitchFamily="34" charset="-122"/>
+                <a:ea typeface="微软雅黑" panose="020B0503020204020204" pitchFamily="34" charset="-122"/>
+              </a:rPr>
+              <a:t>http://www.scrumalliance.org/community/articles/2012/august/a-scrum-master-is-not-a-project-manager-by-another</a:t>
+            </a:r>
+            <a:br>
+              <a:rPr lang="en-US" altLang="zh-CN" sz="1200" dirty="0">
+                <a:solidFill>
+                  <a:srgbClr val="E46C0A"/>
+                </a:solidFill>
+                <a:latin typeface="微软雅黑" panose="020B0503020204020204" pitchFamily="34" charset="-122"/>
+                <a:ea typeface="微软雅黑" panose="020B0503020204020204" pitchFamily="34" charset="-122"/>
+              </a:rPr>
+            </a:br>
+            <a:r>
+              <a:rPr lang="en-US" altLang="zh-CN" sz="1200" dirty="0">
+                <a:solidFill>
+                  <a:srgbClr val="E46C0A"/>
+                </a:solidFill>
+                <a:latin typeface="微软雅黑" panose="020B0503020204020204" pitchFamily="34" charset="-122"/>
+                <a:ea typeface="微软雅黑" panose="020B0503020204020204" pitchFamily="34" charset="-122"/>
+              </a:rPr>
+              <a:t>http://book.2cto.com/201305/21599.html</a:t>
+            </a:r>
+            <a:br>
+              <a:rPr lang="en-US" altLang="zh-CN" sz="1200" dirty="0">
+                <a:solidFill>
+                  <a:srgbClr val="E46C0A"/>
+                </a:solidFill>
+                <a:latin typeface="微软雅黑" panose="020B0503020204020204" pitchFamily="34" charset="-122"/>
+                <a:ea typeface="微软雅黑" panose="020B0503020204020204" pitchFamily="34" charset="-122"/>
+              </a:rPr>
+            </a:br>
+            <a:r>
+              <a:rPr lang="en-US" altLang="zh-CN" sz="1200" dirty="0">
+                <a:solidFill>
+                  <a:srgbClr val="E46C0A"/>
+                </a:solidFill>
+                <a:latin typeface="微软雅黑" panose="020B0503020204020204" pitchFamily="34" charset="-122"/>
+                <a:ea typeface="微软雅黑" panose="020B0503020204020204" pitchFamily="34" charset="-122"/>
+              </a:rPr>
+              <a:t>http://blog.csdn.net/dengjin2hotmail/article/details/6648685</a:t>
+            </a:r>
+            <a:br>
+              <a:rPr lang="en-US" altLang="zh-CN" sz="1200" dirty="0">
+                <a:solidFill>
+                  <a:srgbClr val="E46C0A"/>
+                </a:solidFill>
+                <a:latin typeface="微软雅黑" panose="020B0503020204020204" pitchFamily="34" charset="-122"/>
+                <a:ea typeface="微软雅黑" panose="020B0503020204020204" pitchFamily="34" charset="-122"/>
+              </a:rPr>
+            </a:br>
+            <a:r>
+              <a:rPr lang="en-US" altLang="zh-CN" sz="1200" dirty="0">
+                <a:solidFill>
+                  <a:srgbClr val="E46C0A"/>
+                </a:solidFill>
+                <a:latin typeface="微软雅黑" panose="020B0503020204020204" pitchFamily="34" charset="-122"/>
+                <a:ea typeface="微软雅黑" panose="020B0503020204020204" pitchFamily="34" charset="-122"/>
+              </a:rPr>
+              <a:t>http://www.360doc.com/content/10/0313/18/532901_18630280.shtml</a:t>
+            </a:r>
+            <a:br>
+              <a:rPr lang="en-US" altLang="zh-CN" sz="1200" dirty="0">
+                <a:solidFill>
+                  <a:srgbClr val="E46C0A"/>
+                </a:solidFill>
+                <a:latin typeface="微软雅黑" panose="020B0503020204020204" pitchFamily="34" charset="-122"/>
+                <a:ea typeface="微软雅黑" panose="020B0503020204020204" pitchFamily="34" charset="-122"/>
+              </a:rPr>
+            </a:br>
+            <a:r>
+              <a:rPr lang="en-US" altLang="zh-CN" sz="1200" dirty="0">
+                <a:solidFill>
+                  <a:srgbClr val="E46C0A"/>
+                </a:solidFill>
+                <a:latin typeface="微软雅黑" panose="020B0503020204020204" pitchFamily="34" charset="-122"/>
+                <a:ea typeface="微软雅黑" panose="020B0503020204020204" pitchFamily="34" charset="-122"/>
+              </a:rPr>
+              <a:t>http://www.infoq.com/cn/interviews/jeff-sutherland-scrum-rules-cn</a:t>
+            </a:r>
+            <a:br>
+              <a:rPr lang="en-US" altLang="zh-CN" sz="1200" dirty="0">
+                <a:solidFill>
+                  <a:srgbClr val="E46C0A"/>
+                </a:solidFill>
+                <a:latin typeface="微软雅黑" panose="020B0503020204020204" pitchFamily="34" charset="-122"/>
+                <a:ea typeface="微软雅黑" panose="020B0503020204020204" pitchFamily="34" charset="-122"/>
+              </a:rPr>
+            </a:br>
+            <a:r>
+              <a:rPr lang="en-US" altLang="zh-CN" sz="1200" dirty="0">
+                <a:solidFill>
+                  <a:srgbClr val="E46C0A"/>
+                </a:solidFill>
+                <a:latin typeface="微软雅黑" panose="020B0503020204020204" pitchFamily="34" charset="-122"/>
+                <a:ea typeface="微软雅黑" panose="020B0503020204020204" pitchFamily="34" charset="-122"/>
+              </a:rPr>
+              <a:t>http://www.ituring.com.cn/article/66289</a:t>
+            </a:r>
+            <a:endParaRPr lang="zh-CN" altLang="en-US" sz="1200" dirty="0">
               <a:solidFill>
                 <a:srgbClr val="E46C0A"/>
               </a:solidFill>
@@ -14869,7 +15225,7 @@
                 <a:latin typeface="微软雅黑" panose="020B0503020204020204" pitchFamily="34" charset="-122"/>
                 <a:ea typeface="微软雅黑" panose="020B0503020204020204" pitchFamily="34" charset="-122"/>
               </a:rPr>
-              <a:t>总结</a:t>
+              <a:t>案例：最好的交通工具</a:t>
             </a:r>
             <a:endParaRPr lang="zh-CN" altLang="en-US" sz="3600" dirty="0">
               <a:solidFill>
@@ -14881,251 +15237,100 @@
           </a:p>
         </p:txBody>
       </p:sp>
-      <p:graphicFrame>
-        <p:nvGraphicFramePr>
-          <p:cNvPr id="2" name="表格 1"/>
-          <p:cNvGraphicFramePr>
-            <a:graphicFrameLocks noGrp="1"/>
-          </p:cNvGraphicFramePr>
-          <p:nvPr>
-            <p:extLst>
-              <p:ext uri="{D42A27DB-BD31-4B8C-83A1-F6EECF244321}">
-                <p14:modId xmlns:p14="http://schemas.microsoft.com/office/powerpoint/2010/main" val="940138828"/>
-              </p:ext>
-            </p:extLst>
-          </p:nvPr>
-        </p:nvGraphicFramePr>
-        <p:xfrm>
-          <a:off x="152400" y="1415627"/>
-          <a:ext cx="8686800" cy="2834640"/>
-        </p:xfrm>
-        <a:graphic>
-          <a:graphicData uri="http://schemas.openxmlformats.org/drawingml/2006/table">
-            <a:tbl>
-              <a:tblPr firstRow="1" bandRow="1">
-                <a:tableStyleId>{5C22544A-7EE6-4342-B048-85BDC9FD1C3A}</a:tableStyleId>
-              </a:tblPr>
-              <a:tblGrid>
-                <a:gridCol w="2057400"/>
-                <a:gridCol w="3402874"/>
-                <a:gridCol w="3226526"/>
-              </a:tblGrid>
-              <a:tr h="0">
-                <a:tc>
-                  <a:txBody>
-                    <a:bodyPr/>
-                    <a:lstStyle/>
-                    <a:p>
-                      <a:pPr algn="ctr"/>
-                      <a:r>
-                        <a:rPr lang="zh-CN" altLang="en-US" dirty="0" smtClean="0"/>
-                        <a:t>特点</a:t>
-                      </a:r>
-                      <a:endParaRPr lang="zh-CN" altLang="en-US" dirty="0"/>
-                    </a:p>
-                  </a:txBody>
-                  <a:tcPr/>
-                </a:tc>
-                <a:tc>
-                  <a:txBody>
-                    <a:bodyPr/>
-                    <a:lstStyle/>
-                    <a:p>
-                      <a:pPr algn="ctr"/>
-                      <a:r>
-                        <a:rPr lang="zh-CN" altLang="en-US" dirty="0" smtClean="0"/>
-                        <a:t>优点</a:t>
-                      </a:r>
-                      <a:endParaRPr lang="zh-CN" altLang="en-US" dirty="0"/>
-                    </a:p>
-                  </a:txBody>
-                  <a:tcPr/>
-                </a:tc>
-                <a:tc>
-                  <a:txBody>
-                    <a:bodyPr/>
-                    <a:lstStyle/>
-                    <a:p>
-                      <a:pPr algn="ctr"/>
-                      <a:r>
-                        <a:rPr lang="zh-CN" altLang="en-US" dirty="0" smtClean="0"/>
-                        <a:t>不足</a:t>
-                      </a:r>
-                      <a:endParaRPr lang="zh-CN" altLang="en-US" dirty="0"/>
-                    </a:p>
-                  </a:txBody>
-                  <a:tcPr/>
-                </a:tc>
-              </a:tr>
-              <a:tr h="465667">
-                <a:tc>
-                  <a:txBody>
-                    <a:bodyPr/>
-                    <a:lstStyle/>
-                    <a:p>
-                      <a:r>
-                        <a:rPr lang="zh-CN" altLang="en-US" dirty="0" smtClean="0"/>
-                        <a:t>重视文档</a:t>
-                      </a:r>
-                      <a:endParaRPr lang="zh-CN" altLang="en-US" dirty="0"/>
-                    </a:p>
-                  </a:txBody>
-                  <a:tcPr/>
-                </a:tc>
-                <a:tc>
-                  <a:txBody>
-                    <a:bodyPr/>
-                    <a:lstStyle/>
-                    <a:p>
-                      <a:r>
-                        <a:rPr lang="zh-CN" altLang="en-US" dirty="0" smtClean="0"/>
-                        <a:t>便于后续维护</a:t>
-                      </a:r>
-                      <a:endParaRPr lang="zh-CN" altLang="en-US" dirty="0"/>
-                    </a:p>
-                  </a:txBody>
-                  <a:tcPr/>
-                </a:tc>
-                <a:tc>
-                  <a:txBody>
-                    <a:bodyPr/>
-                    <a:lstStyle/>
-                    <a:p>
-                      <a:r>
-                        <a:rPr lang="zh-CN" altLang="en-US" dirty="0" smtClean="0"/>
-                        <a:t>更改软件，意味着文档也要随着更新，带来时间成本上的消耗。</a:t>
-                      </a:r>
-                      <a:endParaRPr lang="zh-CN" altLang="en-US" dirty="0"/>
-                    </a:p>
-                  </a:txBody>
-                  <a:tcPr/>
-                </a:tc>
-              </a:tr>
-              <a:tr h="465667">
-                <a:tc>
-                  <a:txBody>
-                    <a:bodyPr/>
-                    <a:lstStyle/>
-                    <a:p>
-                      <a:pPr marL="0" marR="0" indent="0" algn="l" defTabSz="457200" rtl="0" eaLnBrk="1" fontAlgn="auto" latinLnBrk="0" hangingPunct="1">
-                        <a:lnSpc>
-                          <a:spcPct val="100000"/>
-                        </a:lnSpc>
-                        <a:spcBef>
-                          <a:spcPts val="0"/>
-                        </a:spcBef>
-                        <a:spcAft>
-                          <a:spcPts val="0"/>
-                        </a:spcAft>
-                        <a:buClrTx/>
-                        <a:buSzTx/>
-                        <a:buFontTx/>
-                        <a:buNone/>
-                        <a:tabLst/>
-                        <a:defRPr/>
-                      </a:pPr>
-                      <a:r>
-                        <a:rPr lang="zh-CN" altLang="en-US" dirty="0" smtClean="0"/>
-                        <a:t>规范，清晰的流程</a:t>
-                      </a:r>
-                    </a:p>
-                  </a:txBody>
-                  <a:tcPr/>
-                </a:tc>
-                <a:tc>
-                  <a:txBody>
-                    <a:bodyPr/>
-                    <a:lstStyle/>
-                    <a:p>
-                      <a:r>
-                        <a:rPr lang="zh-CN" altLang="en-US" dirty="0" smtClean="0"/>
-                        <a:t>角色分工明确，便于管理</a:t>
-                      </a:r>
-                      <a:endParaRPr lang="zh-CN" altLang="en-US" dirty="0"/>
-                    </a:p>
-                  </a:txBody>
-                  <a:tcPr/>
-                </a:tc>
-                <a:tc>
-                  <a:txBody>
-                    <a:bodyPr/>
-                    <a:lstStyle/>
-                    <a:p>
-                      <a:r>
-                        <a:rPr lang="zh-CN" altLang="en-US" dirty="0" smtClean="0"/>
-                        <a:t>积极主动性不高，各自完成自己的部分。</a:t>
-                      </a:r>
-                      <a:endParaRPr lang="zh-CN" altLang="en-US" dirty="0"/>
-                    </a:p>
-                  </a:txBody>
-                  <a:tcPr/>
-                </a:tc>
-              </a:tr>
-              <a:tr h="465667">
-                <a:tc>
-                  <a:txBody>
-                    <a:bodyPr/>
-                    <a:lstStyle/>
-                    <a:p>
-                      <a:pPr marL="0" marR="0" indent="0" algn="l" defTabSz="457200" rtl="0" eaLnBrk="1" fontAlgn="auto" latinLnBrk="0" hangingPunct="1">
-                        <a:lnSpc>
-                          <a:spcPct val="100000"/>
-                        </a:lnSpc>
-                        <a:spcBef>
-                          <a:spcPts val="0"/>
-                        </a:spcBef>
-                        <a:spcAft>
-                          <a:spcPts val="0"/>
-                        </a:spcAft>
-                        <a:buClrTx/>
-                        <a:buSzTx/>
-                        <a:buFontTx/>
-                        <a:buNone/>
-                        <a:tabLst/>
-                        <a:defRPr/>
-                      </a:pPr>
-                      <a:endParaRPr lang="zh-CN" altLang="en-US" dirty="0" smtClean="0"/>
-                    </a:p>
-                  </a:txBody>
-                  <a:tcPr/>
-                </a:tc>
-                <a:tc>
-                  <a:txBody>
-                    <a:bodyPr/>
-                    <a:lstStyle/>
-                    <a:p>
-                      <a:r>
-                        <a:rPr lang="zh-CN" altLang="en-US" dirty="0" smtClean="0"/>
-                        <a:t>设计，需求稳定时就像一台有条不紊运行的机器，效率，质量都非常高</a:t>
-                      </a:r>
-                      <a:endParaRPr lang="zh-CN" altLang="en-US" dirty="0"/>
-                    </a:p>
-                  </a:txBody>
-                  <a:tcPr/>
-                </a:tc>
-                <a:tc>
-                  <a:txBody>
-                    <a:bodyPr/>
-                    <a:lstStyle/>
-                    <a:p>
-                      <a:r>
-                        <a:rPr lang="zh-CN" altLang="en-US" dirty="0" smtClean="0"/>
-                        <a:t>由于其不可回溯特点，很难应付需求的变更，对设计者的要求较高。</a:t>
-                      </a:r>
-                      <a:endParaRPr lang="zh-CN" altLang="en-US" dirty="0"/>
-                    </a:p>
-                  </a:txBody>
-                  <a:tcPr/>
-                </a:tc>
-              </a:tr>
-            </a:tbl>
-          </a:graphicData>
-        </a:graphic>
-      </p:graphicFrame>
+      <p:sp>
+        <p:nvSpPr>
+          <p:cNvPr id="2" name="矩形 1"/>
+          <p:cNvSpPr/>
+          <p:nvPr/>
+        </p:nvSpPr>
+        <p:spPr>
+          <a:xfrm>
+            <a:off x="838200" y="1219200"/>
+            <a:ext cx="7696200" cy="2062103"/>
+          </a:xfrm>
+          <a:prstGeom prst="rect">
+            <a:avLst/>
+          </a:prstGeom>
+        </p:spPr>
+        <p:txBody>
+          <a:bodyPr wrap="square">
+            <a:spAutoFit/>
+          </a:bodyPr>
+          <a:lstStyle/>
+          <a:p>
+            <a:r>
+              <a:rPr lang="en-US" altLang="zh-CN" dirty="0" smtClean="0">
+                <a:latin typeface="微软雅黑" panose="020B0503020204020204" pitchFamily="34" charset="-122"/>
+                <a:ea typeface="微软雅黑" panose="020B0503020204020204" pitchFamily="34" charset="-122"/>
+              </a:rPr>
+              <a:t>	</a:t>
+            </a:r>
+            <a:r>
+              <a:rPr lang="zh-CN" altLang="en-US" sz="3200" dirty="0" smtClean="0">
+                <a:latin typeface="微软雅黑" panose="020B0503020204020204" pitchFamily="34" charset="-122"/>
+                <a:ea typeface="微软雅黑" panose="020B0503020204020204" pitchFamily="34" charset="-122"/>
+              </a:rPr>
+              <a:t>福特</a:t>
+            </a:r>
+            <a:r>
+              <a:rPr lang="zh-CN" altLang="en-US" sz="3200" dirty="0">
+                <a:latin typeface="微软雅黑" panose="020B0503020204020204" pitchFamily="34" charset="-122"/>
+                <a:ea typeface="微软雅黑" panose="020B0503020204020204" pitchFamily="34" charset="-122"/>
+              </a:rPr>
+              <a:t>公司的</a:t>
+            </a:r>
+            <a:r>
+              <a:rPr lang="zh-CN" altLang="en-US" sz="3200" dirty="0" smtClean="0">
+                <a:latin typeface="微软雅黑" panose="020B0503020204020204" pitchFamily="34" charset="-122"/>
+                <a:ea typeface="微软雅黑" panose="020B0503020204020204" pitchFamily="34" charset="-122"/>
+              </a:rPr>
+              <a:t>创始人</a:t>
+            </a:r>
+            <a:r>
+              <a:rPr lang="en-US" altLang="zh-CN" sz="3200" dirty="0" smtClean="0">
+                <a:latin typeface="微软雅黑" panose="020B0503020204020204" pitchFamily="34" charset="-122"/>
+                <a:ea typeface="微软雅黑" panose="020B0503020204020204" pitchFamily="34" charset="-122"/>
+              </a:rPr>
+              <a:t>Henry Ford</a:t>
+            </a:r>
+            <a:r>
+              <a:rPr lang="zh-CN" altLang="en-US" sz="3200" dirty="0" smtClean="0">
+                <a:latin typeface="微软雅黑" panose="020B0503020204020204" pitchFamily="34" charset="-122"/>
+                <a:ea typeface="微软雅黑" panose="020B0503020204020204" pitchFamily="34" charset="-122"/>
+              </a:rPr>
+              <a:t>先生</a:t>
+            </a:r>
+            <a:r>
+              <a:rPr lang="zh-CN" altLang="en-US" sz="3200" dirty="0">
+                <a:latin typeface="微软雅黑" panose="020B0503020204020204" pitchFamily="34" charset="-122"/>
+                <a:ea typeface="微软雅黑" panose="020B0503020204020204" pitchFamily="34" charset="-122"/>
+              </a:rPr>
+              <a:t>到处跑去问客户：“您需要一个什么样的更好的交通工具？”几乎所有人的答案都是：“</a:t>
+            </a:r>
+            <a:r>
+              <a:rPr lang="zh-CN" altLang="en-US" sz="3200" u="sng" dirty="0">
+                <a:solidFill>
+                  <a:srgbClr val="C00000"/>
+                </a:solidFill>
+                <a:latin typeface="微软雅黑" panose="020B0503020204020204" pitchFamily="34" charset="-122"/>
+                <a:ea typeface="微软雅黑" panose="020B0503020204020204" pitchFamily="34" charset="-122"/>
+              </a:rPr>
+              <a:t>我要一匹更快的马”</a:t>
+            </a:r>
+            <a:r>
+              <a:rPr lang="zh-CN" altLang="en-US" sz="3200" dirty="0">
+                <a:latin typeface="微软雅黑" panose="020B0503020204020204" pitchFamily="34" charset="-122"/>
+                <a:ea typeface="微软雅黑" panose="020B0503020204020204" pitchFamily="34" charset="-122"/>
+              </a:rPr>
+              <a:t>。</a:t>
+            </a:r>
+          </a:p>
+        </p:txBody>
+      </p:sp>
     </p:spTree>
     <p:extLst>
       <p:ext uri="{BB962C8B-B14F-4D97-AF65-F5344CB8AC3E}">
-        <p14:creationId xmlns:p14="http://schemas.microsoft.com/office/powerpoint/2010/main" val="2694905177"/>
+        <p14:creationId xmlns:p14="http://schemas.microsoft.com/office/powerpoint/2010/main" val="795236271"/>
       </p:ext>
     </p:extLst>
   </p:cSld>
@@ -15202,21 +15407,21 @@
       </p:sp>
       <p:graphicFrame>
         <p:nvGraphicFramePr>
-          <p:cNvPr id="2" name="表格 1"/>
+          <p:cNvPr id="4" name="表格 3"/>
           <p:cNvGraphicFramePr>
             <a:graphicFrameLocks noGrp="1"/>
           </p:cNvGraphicFramePr>
           <p:nvPr>
             <p:extLst>
               <p:ext uri="{D42A27DB-BD31-4B8C-83A1-F6EECF244321}">
-                <p14:modId xmlns:p14="http://schemas.microsoft.com/office/powerpoint/2010/main" val="1199547275"/>
+                <p14:modId xmlns:p14="http://schemas.microsoft.com/office/powerpoint/2010/main" val="3547932505"/>
               </p:ext>
             </p:extLst>
           </p:nvPr>
         </p:nvGraphicFramePr>
         <p:xfrm>
-          <a:off x="152400" y="1415627"/>
-          <a:ext cx="8686800" cy="2834640"/>
+          <a:off x="152400" y="990600"/>
+          <a:ext cx="8686800" cy="4023360"/>
         </p:xfrm>
         <a:graphic>
           <a:graphicData uri="http://schemas.openxmlformats.org/drawingml/2006/table">
@@ -15237,10 +15442,10 @@
                     <a:p>
                       <a:pPr algn="ctr"/>
                       <a:r>
-                        <a:rPr lang="zh-CN" altLang="en-US" dirty="0" smtClean="0"/>
+                        <a:rPr lang="zh-CN" altLang="en-US" sz="2400" dirty="0" smtClean="0"/>
                         <a:t>特点</a:t>
                       </a:r>
-                      <a:endParaRPr lang="zh-CN" altLang="en-US" dirty="0"/>
+                      <a:endParaRPr lang="zh-CN" altLang="en-US" sz="2400" dirty="0"/>
                     </a:p>
                   </a:txBody>
                   <a:tcPr/>
@@ -15252,10 +15457,10 @@
                     <a:p>
                       <a:pPr algn="ctr"/>
                       <a:r>
-                        <a:rPr lang="zh-CN" altLang="en-US" dirty="0" smtClean="0"/>
+                        <a:rPr lang="zh-CN" altLang="en-US" sz="2400" dirty="0" smtClean="0"/>
                         <a:t>优点</a:t>
                       </a:r>
-                      <a:endParaRPr lang="zh-CN" altLang="en-US" dirty="0"/>
+                      <a:endParaRPr lang="zh-CN" altLang="en-US" sz="2400" dirty="0"/>
                     </a:p>
                   </a:txBody>
                   <a:tcPr/>
@@ -15267,10 +15472,10 @@
                     <a:p>
                       <a:pPr algn="ctr"/>
                       <a:r>
-                        <a:rPr lang="zh-CN" altLang="en-US" dirty="0" smtClean="0"/>
+                        <a:rPr lang="zh-CN" altLang="en-US" sz="2400" dirty="0" smtClean="0"/>
                         <a:t>不足</a:t>
                       </a:r>
-                      <a:endParaRPr lang="zh-CN" altLang="en-US" dirty="0"/>
+                      <a:endParaRPr lang="zh-CN" altLang="en-US" sz="2400" dirty="0"/>
                     </a:p>
                   </a:txBody>
                   <a:tcPr/>
@@ -15283,10 +15488,10 @@
                     <a:lstStyle/>
                     <a:p>
                       <a:r>
-                        <a:rPr lang="zh-CN" altLang="en-US" dirty="0" smtClean="0"/>
+                        <a:rPr lang="zh-CN" altLang="en-US" sz="2400" dirty="0" smtClean="0"/>
                         <a:t>重视文档</a:t>
                       </a:r>
-                      <a:endParaRPr lang="zh-CN" altLang="en-US" dirty="0"/>
+                      <a:endParaRPr lang="zh-CN" altLang="en-US" sz="2400" dirty="0"/>
                     </a:p>
                   </a:txBody>
                   <a:tcPr/>
@@ -15297,10 +15502,10 @@
                     <a:lstStyle/>
                     <a:p>
                       <a:r>
-                        <a:rPr lang="zh-CN" altLang="en-US" dirty="0" smtClean="0"/>
+                        <a:rPr lang="zh-CN" altLang="en-US" sz="2400" dirty="0" smtClean="0"/>
                         <a:t>便于后续维护</a:t>
                       </a:r>
-                      <a:endParaRPr lang="zh-CN" altLang="en-US" dirty="0"/>
+                      <a:endParaRPr lang="zh-CN" altLang="en-US" sz="2400" dirty="0"/>
                     </a:p>
                   </a:txBody>
                   <a:tcPr/>
@@ -15311,10 +15516,10 @@
                     <a:lstStyle/>
                     <a:p>
                       <a:r>
-                        <a:rPr lang="zh-CN" altLang="en-US" dirty="0" smtClean="0"/>
+                        <a:rPr lang="zh-CN" altLang="en-US" sz="2400" dirty="0" smtClean="0"/>
                         <a:t>更改软件，意味着文档也要随着更新，带来时间成本上的消耗。</a:t>
                       </a:r>
-                      <a:endParaRPr lang="zh-CN" altLang="en-US" dirty="0"/>
+                      <a:endParaRPr lang="zh-CN" altLang="en-US" sz="2400" dirty="0"/>
                     </a:p>
                   </a:txBody>
                   <a:tcPr/>
@@ -15344,7 +15549,7 @@
                         <a:defRPr/>
                       </a:pPr>
                       <a:r>
-                        <a:rPr lang="zh-CN" altLang="en-US" dirty="0" smtClean="0"/>
+                        <a:rPr lang="zh-CN" altLang="en-US" sz="2400" dirty="0" smtClean="0"/>
                         <a:t>规范，清晰的流程</a:t>
                       </a:r>
                     </a:p>
@@ -15357,10 +15562,10 @@
                     <a:lstStyle/>
                     <a:p>
                       <a:r>
-                        <a:rPr lang="zh-CN" altLang="en-US" dirty="0" smtClean="0"/>
+                        <a:rPr lang="zh-CN" altLang="en-US" sz="2400" dirty="0" smtClean="0"/>
                         <a:t>角色分工明确，便于管理</a:t>
                       </a:r>
-                      <a:endParaRPr lang="zh-CN" altLang="en-US" dirty="0"/>
+                      <a:endParaRPr lang="zh-CN" altLang="en-US" sz="2400" dirty="0"/>
                     </a:p>
                   </a:txBody>
                   <a:tcPr/>
@@ -15371,10 +15576,10 @@
                     <a:lstStyle/>
                     <a:p>
                       <a:r>
-                        <a:rPr lang="zh-CN" altLang="en-US" dirty="0" smtClean="0"/>
+                        <a:rPr lang="zh-CN" altLang="en-US" sz="2400" dirty="0" smtClean="0"/>
                         <a:t>积极主动性不高，各自完成自己的部分。</a:t>
                       </a:r>
-                      <a:endParaRPr lang="zh-CN" altLang="en-US" dirty="0"/>
+                      <a:endParaRPr lang="zh-CN" altLang="en-US" sz="2400" dirty="0"/>
                     </a:p>
                   </a:txBody>
                   <a:tcPr/>
@@ -15403,7 +15608,7 @@
                         <a:tabLst/>
                         <a:defRPr/>
                       </a:pPr>
-                      <a:endParaRPr lang="zh-CN" altLang="en-US" dirty="0" smtClean="0"/>
+                      <a:endParaRPr lang="zh-CN" altLang="en-US" sz="2400" dirty="0" smtClean="0"/>
                     </a:p>
                   </a:txBody>
                   <a:tcPr/>
@@ -15414,18 +15619,10 @@
                     <a:lstStyle/>
                     <a:p>
                       <a:r>
-                        <a:rPr lang="zh-CN" altLang="en-US" b="0" dirty="0" smtClean="0">
-                          <a:solidFill>
-                            <a:srgbClr val="C00000"/>
-                          </a:solidFill>
-                        </a:rPr>
+                        <a:rPr lang="zh-CN" altLang="en-US" sz="2400" dirty="0" smtClean="0"/>
                         <a:t>设计，需求稳定时就像一台有条不紊运行的机器，效率，质量都非常高</a:t>
                       </a:r>
-                      <a:endParaRPr lang="zh-CN" altLang="en-US" b="0" dirty="0">
-                        <a:solidFill>
-                          <a:srgbClr val="C00000"/>
-                        </a:solidFill>
-                      </a:endParaRPr>
+                      <a:endParaRPr lang="zh-CN" altLang="en-US" sz="2400" dirty="0"/>
                     </a:p>
                   </a:txBody>
                   <a:tcPr/>
@@ -15436,10 +15633,10 @@
                     <a:lstStyle/>
                     <a:p>
                       <a:r>
-                        <a:rPr lang="zh-CN" altLang="en-US" dirty="0" smtClean="0"/>
+                        <a:rPr lang="zh-CN" altLang="en-US" sz="2400" dirty="0" smtClean="0"/>
                         <a:t>由于其不可回溯特点，很难应付需求的变更，对设计者的要求较高。</a:t>
                       </a:r>
-                      <a:endParaRPr lang="zh-CN" altLang="en-US" dirty="0"/>
+                      <a:endParaRPr lang="zh-CN" altLang="en-US" sz="2400" dirty="0"/>
                     </a:p>
                   </a:txBody>
                   <a:tcPr/>
@@ -15515,6 +15712,333 @@
                 <a:latin typeface="微软雅黑" panose="020B0503020204020204" pitchFamily="34" charset="-122"/>
                 <a:ea typeface="微软雅黑" panose="020B0503020204020204" pitchFamily="34" charset="-122"/>
               </a:rPr>
+              <a:t>总结</a:t>
+            </a:r>
+            <a:endParaRPr lang="zh-CN" altLang="en-US" sz="3600" dirty="0">
+              <a:solidFill>
+                <a:srgbClr val="E46C0A"/>
+              </a:solidFill>
+              <a:latin typeface="微软雅黑" panose="020B0503020204020204" pitchFamily="34" charset="-122"/>
+              <a:ea typeface="微软雅黑" panose="020B0503020204020204" pitchFamily="34" charset="-122"/>
+            </a:endParaRPr>
+          </a:p>
+        </p:txBody>
+      </p:sp>
+      <p:graphicFrame>
+        <p:nvGraphicFramePr>
+          <p:cNvPr id="2" name="表格 1"/>
+          <p:cNvGraphicFramePr>
+            <a:graphicFrameLocks noGrp="1"/>
+          </p:cNvGraphicFramePr>
+          <p:nvPr>
+            <p:extLst>
+              <p:ext uri="{D42A27DB-BD31-4B8C-83A1-F6EECF244321}">
+                <p14:modId xmlns:p14="http://schemas.microsoft.com/office/powerpoint/2010/main" val="172703566"/>
+              </p:ext>
+            </p:extLst>
+          </p:nvPr>
+        </p:nvGraphicFramePr>
+        <p:xfrm>
+          <a:off x="152400" y="990600"/>
+          <a:ext cx="8686800" cy="4023360"/>
+        </p:xfrm>
+        <a:graphic>
+          <a:graphicData uri="http://schemas.openxmlformats.org/drawingml/2006/table">
+            <a:tbl>
+              <a:tblPr firstRow="1" bandRow="1">
+                <a:tableStyleId>{5C22544A-7EE6-4342-B048-85BDC9FD1C3A}</a:tableStyleId>
+              </a:tblPr>
+              <a:tblGrid>
+                <a:gridCol w="2057400"/>
+                <a:gridCol w="3402874"/>
+                <a:gridCol w="3226526"/>
+              </a:tblGrid>
+              <a:tr h="0">
+                <a:tc>
+                  <a:txBody>
+                    <a:bodyPr/>
+                    <a:lstStyle/>
+                    <a:p>
+                      <a:pPr algn="ctr"/>
+                      <a:r>
+                        <a:rPr lang="zh-CN" altLang="en-US" sz="2400" dirty="0" smtClean="0"/>
+                        <a:t>特点</a:t>
+                      </a:r>
+                      <a:endParaRPr lang="zh-CN" altLang="en-US" sz="2400" dirty="0"/>
+                    </a:p>
+                  </a:txBody>
+                  <a:tcPr/>
+                </a:tc>
+                <a:tc>
+                  <a:txBody>
+                    <a:bodyPr/>
+                    <a:lstStyle/>
+                    <a:p>
+                      <a:pPr algn="ctr"/>
+                      <a:r>
+                        <a:rPr lang="zh-CN" altLang="en-US" sz="2400" dirty="0" smtClean="0"/>
+                        <a:t>优点</a:t>
+                      </a:r>
+                      <a:endParaRPr lang="zh-CN" altLang="en-US" sz="2400" dirty="0"/>
+                    </a:p>
+                  </a:txBody>
+                  <a:tcPr/>
+                </a:tc>
+                <a:tc>
+                  <a:txBody>
+                    <a:bodyPr/>
+                    <a:lstStyle/>
+                    <a:p>
+                      <a:pPr algn="ctr"/>
+                      <a:r>
+                        <a:rPr lang="zh-CN" altLang="en-US" sz="2400" dirty="0" smtClean="0"/>
+                        <a:t>不足</a:t>
+                      </a:r>
+                      <a:endParaRPr lang="zh-CN" altLang="en-US" sz="2400" dirty="0"/>
+                    </a:p>
+                  </a:txBody>
+                  <a:tcPr/>
+                </a:tc>
+              </a:tr>
+              <a:tr h="465667">
+                <a:tc>
+                  <a:txBody>
+                    <a:bodyPr/>
+                    <a:lstStyle/>
+                    <a:p>
+                      <a:r>
+                        <a:rPr lang="zh-CN" altLang="en-US" sz="2400" dirty="0" smtClean="0"/>
+                        <a:t>重视文档</a:t>
+                      </a:r>
+                      <a:endParaRPr lang="zh-CN" altLang="en-US" sz="2400" dirty="0"/>
+                    </a:p>
+                  </a:txBody>
+                  <a:tcPr/>
+                </a:tc>
+                <a:tc>
+                  <a:txBody>
+                    <a:bodyPr/>
+                    <a:lstStyle/>
+                    <a:p>
+                      <a:r>
+                        <a:rPr lang="zh-CN" altLang="en-US" sz="2400" dirty="0" smtClean="0"/>
+                        <a:t>便于后续维护</a:t>
+                      </a:r>
+                      <a:endParaRPr lang="zh-CN" altLang="en-US" sz="2400" dirty="0"/>
+                    </a:p>
+                  </a:txBody>
+                  <a:tcPr/>
+                </a:tc>
+                <a:tc>
+                  <a:txBody>
+                    <a:bodyPr/>
+                    <a:lstStyle/>
+                    <a:p>
+                      <a:r>
+                        <a:rPr lang="zh-CN" altLang="en-US" sz="2400" dirty="0" smtClean="0"/>
+                        <a:t>更改软件，意味着文档也要随着更新，带来时间成本上的消耗。</a:t>
+                      </a:r>
+                      <a:endParaRPr lang="zh-CN" altLang="en-US" sz="2400" dirty="0"/>
+                    </a:p>
+                  </a:txBody>
+                  <a:tcPr/>
+                </a:tc>
+              </a:tr>
+              <a:tr h="465667">
+                <a:tc>
+                  <a:txBody>
+                    <a:bodyPr/>
+                    <a:lstStyle/>
+                    <a:p>
+                      <a:pPr marL="0" marR="0" indent="0" algn="l" defTabSz="457200" rtl="0" eaLnBrk="1" fontAlgn="auto" latinLnBrk="0" hangingPunct="1">
+                        <a:lnSpc>
+                          <a:spcPct val="100000"/>
+                        </a:lnSpc>
+                        <a:spcBef>
+                          <a:spcPts val="0"/>
+                        </a:spcBef>
+                        <a:spcAft>
+                          <a:spcPts val="0"/>
+                        </a:spcAft>
+                        <a:buClrTx/>
+                        <a:buSzTx/>
+                        <a:buFontTx/>
+                        <a:buNone/>
+                        <a:tabLst/>
+                        <a:defRPr/>
+                      </a:pPr>
+                      <a:r>
+                        <a:rPr lang="zh-CN" altLang="en-US" sz="2400" dirty="0" smtClean="0"/>
+                        <a:t>规范，清晰的流程</a:t>
+                      </a:r>
+                    </a:p>
+                  </a:txBody>
+                  <a:tcPr/>
+                </a:tc>
+                <a:tc>
+                  <a:txBody>
+                    <a:bodyPr/>
+                    <a:lstStyle/>
+                    <a:p>
+                      <a:r>
+                        <a:rPr lang="zh-CN" altLang="en-US" sz="2400" dirty="0" smtClean="0"/>
+                        <a:t>角色分工明确，便于管理</a:t>
+                      </a:r>
+                      <a:endParaRPr lang="zh-CN" altLang="en-US" sz="2400" dirty="0"/>
+                    </a:p>
+                  </a:txBody>
+                  <a:tcPr/>
+                </a:tc>
+                <a:tc>
+                  <a:txBody>
+                    <a:bodyPr/>
+                    <a:lstStyle/>
+                    <a:p>
+                      <a:r>
+                        <a:rPr lang="zh-CN" altLang="en-US" sz="2400" dirty="0" smtClean="0"/>
+                        <a:t>积极主动性不高，各自完成自己的部分。</a:t>
+                      </a:r>
+                      <a:endParaRPr lang="zh-CN" altLang="en-US" sz="2400" dirty="0"/>
+                    </a:p>
+                  </a:txBody>
+                  <a:tcPr/>
+                </a:tc>
+              </a:tr>
+              <a:tr h="465667">
+                <a:tc>
+                  <a:txBody>
+                    <a:bodyPr/>
+                    <a:lstStyle/>
+                    <a:p>
+                      <a:pPr marL="0" marR="0" indent="0" algn="l" defTabSz="457200" rtl="0" eaLnBrk="1" fontAlgn="auto" latinLnBrk="0" hangingPunct="1">
+                        <a:lnSpc>
+                          <a:spcPct val="100000"/>
+                        </a:lnSpc>
+                        <a:spcBef>
+                          <a:spcPts val="0"/>
+                        </a:spcBef>
+                        <a:spcAft>
+                          <a:spcPts val="0"/>
+                        </a:spcAft>
+                        <a:buClrTx/>
+                        <a:buSzTx/>
+                        <a:buFontTx/>
+                        <a:buNone/>
+                        <a:tabLst/>
+                        <a:defRPr/>
+                      </a:pPr>
+                      <a:endParaRPr lang="zh-CN" altLang="en-US" sz="2400" dirty="0" smtClean="0"/>
+                    </a:p>
+                  </a:txBody>
+                  <a:tcPr/>
+                </a:tc>
+                <a:tc>
+                  <a:txBody>
+                    <a:bodyPr/>
+                    <a:lstStyle/>
+                    <a:p>
+                      <a:r>
+                        <a:rPr lang="zh-CN" altLang="en-US" sz="2400" b="1" dirty="0" smtClean="0">
+                          <a:solidFill>
+                            <a:srgbClr val="C00000"/>
+                          </a:solidFill>
+                        </a:rPr>
+                        <a:t>设计，需求稳定时就像一台有条不紊运行的机器，效率，质量都非常高</a:t>
+                      </a:r>
+                      <a:endParaRPr lang="zh-CN" altLang="en-US" sz="2400" b="1" dirty="0">
+                        <a:solidFill>
+                          <a:srgbClr val="C00000"/>
+                        </a:solidFill>
+                      </a:endParaRPr>
+                    </a:p>
+                  </a:txBody>
+                  <a:tcPr/>
+                </a:tc>
+                <a:tc>
+                  <a:txBody>
+                    <a:bodyPr/>
+                    <a:lstStyle/>
+                    <a:p>
+                      <a:r>
+                        <a:rPr lang="zh-CN" altLang="en-US" sz="2400" dirty="0" smtClean="0"/>
+                        <a:t>由于其不可回溯特点，很难应付需求的变更，对设计者的要求较高。</a:t>
+                      </a:r>
+                      <a:endParaRPr lang="zh-CN" altLang="en-US" sz="2400" dirty="0"/>
+                    </a:p>
+                  </a:txBody>
+                  <a:tcPr/>
+                </a:tc>
+              </a:tr>
+            </a:tbl>
+          </a:graphicData>
+        </a:graphic>
+      </p:graphicFrame>
+    </p:spTree>
+    <p:extLst>
+      <p:ext uri="{BB962C8B-B14F-4D97-AF65-F5344CB8AC3E}">
+        <p14:creationId xmlns:p14="http://schemas.microsoft.com/office/powerpoint/2010/main" val="2694905177"/>
+      </p:ext>
+    </p:extLst>
+  </p:cSld>
+  <p:clrMapOvr>
+    <a:masterClrMapping/>
+  </p:clrMapOvr>
+  <p:transition/>
+  <p:timing>
+    <p:tnLst>
+      <p:par>
+        <p:cTn id="1" dur="indefinite" restart="never" nodeType="tmRoot"/>
+      </p:par>
+    </p:tnLst>
+  </p:timing>
+</p:sld>
+</file>
+
+<file path=ppt/slides/slide13.xml><?xml version="1.0" encoding="utf-8"?>
+<p:sld xmlns:a="http://schemas.openxmlformats.org/drawingml/2006/main" xmlns:r="http://schemas.openxmlformats.org/officeDocument/2006/relationships" xmlns:p="http://schemas.openxmlformats.org/presentationml/2006/main">
+  <p:cSld>
+    <p:spTree>
+      <p:nvGrpSpPr>
+        <p:cNvPr id="1" name=""/>
+        <p:cNvGrpSpPr/>
+        <p:nvPr/>
+      </p:nvGrpSpPr>
+      <p:grpSpPr>
+        <a:xfrm>
+          <a:off x="0" y="0"/>
+          <a:ext cx="0" cy="0"/>
+          <a:chOff x="0" y="0"/>
+          <a:chExt cx="0" cy="0"/>
+        </a:xfrm>
+      </p:grpSpPr>
+      <p:sp>
+        <p:nvSpPr>
+          <p:cNvPr id="3" name="标题 1"/>
+          <p:cNvSpPr>
+            <a:spLocks noGrp="1"/>
+          </p:cNvSpPr>
+          <p:nvPr>
+            <p:ph type="title"/>
+          </p:nvPr>
+        </p:nvSpPr>
+        <p:spPr>
+          <a:xfrm>
+            <a:off x="457200" y="274638"/>
+            <a:ext cx="8229600" cy="715962"/>
+          </a:xfrm>
+        </p:spPr>
+        <p:txBody>
+          <a:bodyPr/>
+          <a:lstStyle/>
+          <a:p>
+            <a:r>
+              <a:rPr lang="zh-CN" altLang="en-US" sz="3600" dirty="0" smtClean="0">
+                <a:solidFill>
+                  <a:srgbClr val="E46C0A"/>
+                </a:solidFill>
+                <a:latin typeface="微软雅黑" panose="020B0503020204020204" pitchFamily="34" charset="-122"/>
+                <a:ea typeface="微软雅黑" panose="020B0503020204020204" pitchFamily="34" charset="-122"/>
+              </a:rPr>
               <a:t>敏捷开发方法</a:t>
             </a:r>
             <a:endParaRPr lang="zh-CN" altLang="en-US" sz="3600" dirty="0">
@@ -15805,10 +16329,6 @@
               </a:rPr>
               <a:t>变化</a:t>
             </a:r>
-            <a:endParaRPr lang="zh-CN" altLang="en-US" sz="1600" dirty="0" smtClean="0">
-              <a:latin typeface="微软雅黑" pitchFamily="34" charset="-122"/>
-              <a:ea typeface="微软雅黑" pitchFamily="34" charset="-122"/>
-            </a:endParaRPr>
           </a:p>
         </p:txBody>
       </p:sp>
@@ -16137,7 +16657,7 @@
 </p:sld>
 </file>
 
-<file path=ppt/slides/slide13.xml><?xml version="1.0" encoding="utf-8"?>
+<file path=ppt/slides/slide14.xml><?xml version="1.0" encoding="utf-8"?>
 <p:sld xmlns:a="http://schemas.openxmlformats.org/drawingml/2006/main" xmlns:r="http://schemas.openxmlformats.org/officeDocument/2006/relationships" xmlns:p="http://schemas.openxmlformats.org/presentationml/2006/main">
   <p:cSld>
     <p:spTree>
@@ -16323,7 +16843,7 @@
 </p:sld>
 </file>
 
-<file path=ppt/slides/slide14.xml><?xml version="1.0" encoding="utf-8"?>
+<file path=ppt/slides/slide15.xml><?xml version="1.0" encoding="utf-8"?>
 <p:sld xmlns:a="http://schemas.openxmlformats.org/drawingml/2006/main" xmlns:r="http://schemas.openxmlformats.org/officeDocument/2006/relationships" xmlns:p="http://schemas.openxmlformats.org/presentationml/2006/main">
   <p:cSld>
     <p:spTree>
@@ -16383,7 +16903,7 @@
 </p:sld>
 </file>
 
-<file path=ppt/slides/slide15.xml><?xml version="1.0" encoding="utf-8"?>
+<file path=ppt/slides/slide16.xml><?xml version="1.0" encoding="utf-8"?>
 <p:sld xmlns:a="http://schemas.openxmlformats.org/drawingml/2006/main" xmlns:r="http://schemas.openxmlformats.org/officeDocument/2006/relationships" xmlns:p="http://schemas.openxmlformats.org/presentationml/2006/main">
   <p:cSld>
     <p:spTree>
@@ -16614,7 +17134,7 @@
 </p:sld>
 </file>
 
-<file path=ppt/slides/slide16.xml><?xml version="1.0" encoding="utf-8"?>
+<file path=ppt/slides/slide17.xml><?xml version="1.0" encoding="utf-8"?>
 <p:sld xmlns:a="http://schemas.openxmlformats.org/drawingml/2006/main" xmlns:r="http://schemas.openxmlformats.org/officeDocument/2006/relationships" xmlns:p="http://schemas.openxmlformats.org/presentationml/2006/main">
   <p:cSld>
     <p:spTree>
@@ -16657,126 +17177,6 @@
     <p:extLst>
       <p:ext uri="{BB962C8B-B14F-4D97-AF65-F5344CB8AC3E}">
         <p14:creationId xmlns:p14="http://schemas.microsoft.com/office/powerpoint/2010/main" val="4072774200"/>
-      </p:ext>
-    </p:extLst>
-  </p:cSld>
-  <p:clrMapOvr>
-    <a:masterClrMapping/>
-  </p:clrMapOvr>
-  <p:transition/>
-  <p:timing>
-    <p:tnLst>
-      <p:par>
-        <p:cTn id="1" dur="indefinite" restart="never" nodeType="tmRoot"/>
-      </p:par>
-    </p:tnLst>
-  </p:timing>
-</p:sld>
-</file>
-
-<file path=ppt/slides/slide17.xml><?xml version="1.0" encoding="utf-8"?>
-<p:sld xmlns:a="http://schemas.openxmlformats.org/drawingml/2006/main" xmlns:r="http://schemas.openxmlformats.org/officeDocument/2006/relationships" xmlns:p="http://schemas.openxmlformats.org/presentationml/2006/main">
-  <p:cSld>
-    <p:spTree>
-      <p:nvGrpSpPr>
-        <p:cNvPr id="1" name=""/>
-        <p:cNvGrpSpPr/>
-        <p:nvPr/>
-      </p:nvGrpSpPr>
-      <p:grpSpPr>
-        <a:xfrm>
-          <a:off x="0" y="0"/>
-          <a:ext cx="0" cy="0"/>
-          <a:chOff x="0" y="0"/>
-          <a:chExt cx="0" cy="0"/>
-        </a:xfrm>
-      </p:grpSpPr>
-      <p:pic>
-        <p:nvPicPr>
-          <p:cNvPr id="3" name="Picture 2" descr="E:\16.培训PPT\图片\122411_2gqn_175925.jpg"/>
-          <p:cNvPicPr>
-            <a:picLocks noChangeAspect="1" noChangeArrowheads="1"/>
-          </p:cNvPicPr>
-          <p:nvPr/>
-        </p:nvPicPr>
-        <p:blipFill>
-          <a:blip r:embed="rId3">
-            <a:extLst>
-              <a:ext uri="{28A0092B-C50C-407E-A947-70E740481C1C}">
-                <a14:useLocalDpi xmlns:a14="http://schemas.microsoft.com/office/drawing/2010/main" val="0"/>
-              </a:ext>
-            </a:extLst>
-          </a:blip>
-          <a:srcRect/>
-          <a:stretch>
-            <a:fillRect/>
-          </a:stretch>
-        </p:blipFill>
-        <p:spPr bwMode="auto">
-          <a:xfrm>
-            <a:off x="1143000" y="1524000"/>
-            <a:ext cx="7048500" cy="3057525"/>
-          </a:xfrm>
-          <a:prstGeom prst="rect">
-            <a:avLst/>
-          </a:prstGeom>
-          <a:noFill/>
-          <a:ln>
-            <a:solidFill>
-              <a:schemeClr val="tx1">
-                <a:lumMod val="95000"/>
-                <a:lumOff val="5000"/>
-              </a:schemeClr>
-            </a:solidFill>
-          </a:ln>
-          <a:extLst>
-            <a:ext uri="{909E8E84-426E-40DD-AFC4-6F175D3DCCD1}">
-              <a14:hiddenFill xmlns:a14="http://schemas.microsoft.com/office/drawing/2010/main">
-                <a:solidFill>
-                  <a:srgbClr val="FFFFFF"/>
-                </a:solidFill>
-              </a14:hiddenFill>
-            </a:ext>
-          </a:extLst>
-        </p:spPr>
-      </p:pic>
-      <p:sp>
-        <p:nvSpPr>
-          <p:cNvPr id="6" name="标题 1"/>
-          <p:cNvSpPr>
-            <a:spLocks noGrp="1"/>
-          </p:cNvSpPr>
-          <p:nvPr>
-            <p:ph type="title"/>
-          </p:nvPr>
-        </p:nvSpPr>
-        <p:spPr>
-          <a:xfrm>
-            <a:off x="457200" y="274638"/>
-            <a:ext cx="8229600" cy="715962"/>
-          </a:xfrm>
-        </p:spPr>
-        <p:txBody>
-          <a:bodyPr/>
-          <a:lstStyle/>
-          <a:p>
-            <a:r>
-              <a:rPr lang="zh-CN" altLang="en-US" sz="3600" dirty="0">
-                <a:solidFill>
-                  <a:srgbClr val="E46C0A"/>
-                </a:solidFill>
-                <a:latin typeface="微软雅黑" panose="020B0503020204020204" pitchFamily="34" charset="-122"/>
-                <a:ea typeface="微软雅黑" panose="020B0503020204020204" pitchFamily="34" charset="-122"/>
-              </a:rPr>
-              <a:t>回顾</a:t>
-            </a:r>
-          </a:p>
-        </p:txBody>
-      </p:sp>
-    </p:spTree>
-    <p:extLst>
-      <p:ext uri="{BB962C8B-B14F-4D97-AF65-F5344CB8AC3E}">
-        <p14:creationId xmlns:p14="http://schemas.microsoft.com/office/powerpoint/2010/main" val="1584662295"/>
       </p:ext>
     </p:extLst>
   </p:cSld>
@@ -16896,6 +17296,126 @@
     </p:spTree>
     <p:extLst>
       <p:ext uri="{BB962C8B-B14F-4D97-AF65-F5344CB8AC3E}">
+        <p14:creationId xmlns:p14="http://schemas.microsoft.com/office/powerpoint/2010/main" val="1584662295"/>
+      </p:ext>
+    </p:extLst>
+  </p:cSld>
+  <p:clrMapOvr>
+    <a:masterClrMapping/>
+  </p:clrMapOvr>
+  <p:transition/>
+  <p:timing>
+    <p:tnLst>
+      <p:par>
+        <p:cTn id="1" dur="indefinite" restart="never" nodeType="tmRoot"/>
+      </p:par>
+    </p:tnLst>
+  </p:timing>
+</p:sld>
+</file>
+
+<file path=ppt/slides/slide19.xml><?xml version="1.0" encoding="utf-8"?>
+<p:sld xmlns:a="http://schemas.openxmlformats.org/drawingml/2006/main" xmlns:r="http://schemas.openxmlformats.org/officeDocument/2006/relationships" xmlns:p="http://schemas.openxmlformats.org/presentationml/2006/main">
+  <p:cSld>
+    <p:spTree>
+      <p:nvGrpSpPr>
+        <p:cNvPr id="1" name=""/>
+        <p:cNvGrpSpPr/>
+        <p:nvPr/>
+      </p:nvGrpSpPr>
+      <p:grpSpPr>
+        <a:xfrm>
+          <a:off x="0" y="0"/>
+          <a:ext cx="0" cy="0"/>
+          <a:chOff x="0" y="0"/>
+          <a:chExt cx="0" cy="0"/>
+        </a:xfrm>
+      </p:grpSpPr>
+      <p:pic>
+        <p:nvPicPr>
+          <p:cNvPr id="3" name="Picture 2" descr="E:\16.培训PPT\图片\122411_2gqn_175925.jpg"/>
+          <p:cNvPicPr>
+            <a:picLocks noChangeAspect="1" noChangeArrowheads="1"/>
+          </p:cNvPicPr>
+          <p:nvPr/>
+        </p:nvPicPr>
+        <p:blipFill>
+          <a:blip r:embed="rId3">
+            <a:extLst>
+              <a:ext uri="{28A0092B-C50C-407E-A947-70E740481C1C}">
+                <a14:useLocalDpi xmlns:a14="http://schemas.microsoft.com/office/drawing/2010/main" val="0"/>
+              </a:ext>
+            </a:extLst>
+          </a:blip>
+          <a:srcRect/>
+          <a:stretch>
+            <a:fillRect/>
+          </a:stretch>
+        </p:blipFill>
+        <p:spPr bwMode="auto">
+          <a:xfrm>
+            <a:off x="1143000" y="1524000"/>
+            <a:ext cx="7048500" cy="3057525"/>
+          </a:xfrm>
+          <a:prstGeom prst="rect">
+            <a:avLst/>
+          </a:prstGeom>
+          <a:noFill/>
+          <a:ln>
+            <a:solidFill>
+              <a:schemeClr val="tx1">
+                <a:lumMod val="95000"/>
+                <a:lumOff val="5000"/>
+              </a:schemeClr>
+            </a:solidFill>
+          </a:ln>
+          <a:extLst>
+            <a:ext uri="{909E8E84-426E-40DD-AFC4-6F175D3DCCD1}">
+              <a14:hiddenFill xmlns:a14="http://schemas.microsoft.com/office/drawing/2010/main">
+                <a:solidFill>
+                  <a:srgbClr val="FFFFFF"/>
+                </a:solidFill>
+              </a14:hiddenFill>
+            </a:ext>
+          </a:extLst>
+        </p:spPr>
+      </p:pic>
+      <p:sp>
+        <p:nvSpPr>
+          <p:cNvPr id="6" name="标题 1"/>
+          <p:cNvSpPr>
+            <a:spLocks noGrp="1"/>
+          </p:cNvSpPr>
+          <p:nvPr>
+            <p:ph type="title"/>
+          </p:nvPr>
+        </p:nvSpPr>
+        <p:spPr>
+          <a:xfrm>
+            <a:off x="457200" y="274638"/>
+            <a:ext cx="8229600" cy="715962"/>
+          </a:xfrm>
+        </p:spPr>
+        <p:txBody>
+          <a:bodyPr/>
+          <a:lstStyle/>
+          <a:p>
+            <a:r>
+              <a:rPr lang="zh-CN" altLang="en-US" sz="3600" dirty="0">
+                <a:solidFill>
+                  <a:srgbClr val="E46C0A"/>
+                </a:solidFill>
+                <a:latin typeface="微软雅黑" panose="020B0503020204020204" pitchFamily="34" charset="-122"/>
+                <a:ea typeface="微软雅黑" panose="020B0503020204020204" pitchFamily="34" charset="-122"/>
+              </a:rPr>
+              <a:t>回顾</a:t>
+            </a:r>
+          </a:p>
+        </p:txBody>
+      </p:sp>
+    </p:spTree>
+    <p:extLst>
+      <p:ext uri="{BB962C8B-B14F-4D97-AF65-F5344CB8AC3E}">
         <p14:creationId xmlns:p14="http://schemas.microsoft.com/office/powerpoint/2010/main" val="3152901969"/>
       </p:ext>
     </p:extLst>
@@ -16914,7 +17434,95 @@
 </p:sld>
 </file>
 
-<file path=ppt/slides/slide19.xml><?xml version="1.0" encoding="utf-8"?>
+<file path=ppt/slides/slide2.xml><?xml version="1.0" encoding="utf-8"?>
+<p:sld xmlns:a="http://schemas.openxmlformats.org/drawingml/2006/main" xmlns:r="http://schemas.openxmlformats.org/officeDocument/2006/relationships" xmlns:p="http://schemas.openxmlformats.org/presentationml/2006/main">
+  <p:cSld>
+    <p:spTree>
+      <p:nvGrpSpPr>
+        <p:cNvPr id="1" name=""/>
+        <p:cNvGrpSpPr/>
+        <p:nvPr/>
+      </p:nvGrpSpPr>
+      <p:grpSpPr>
+        <a:xfrm>
+          <a:off x="0" y="0"/>
+          <a:ext cx="0" cy="0"/>
+          <a:chOff x="0" y="0"/>
+          <a:chExt cx="0" cy="0"/>
+        </a:xfrm>
+      </p:grpSpPr>
+      <p:sp>
+        <p:nvSpPr>
+          <p:cNvPr id="5" name="标题 1"/>
+          <p:cNvSpPr>
+            <a:spLocks noGrp="1"/>
+          </p:cNvSpPr>
+          <p:nvPr>
+            <p:ph type="title"/>
+          </p:nvPr>
+        </p:nvSpPr>
+        <p:spPr>
+          <a:xfrm>
+            <a:off x="457200" y="1874838"/>
+            <a:ext cx="8229600" cy="715962"/>
+          </a:xfrm>
+        </p:spPr>
+        <p:txBody>
+          <a:bodyPr/>
+          <a:lstStyle/>
+          <a:p>
+            <a:r>
+              <a:rPr lang="en-US" altLang="zh-CN" sz="3600" dirty="0" smtClean="0">
+                <a:solidFill>
+                  <a:srgbClr val="E46C0A"/>
+                </a:solidFill>
+                <a:latin typeface="微软雅黑" panose="020B0503020204020204" pitchFamily="34" charset="-122"/>
+                <a:ea typeface="微软雅黑" panose="020B0503020204020204" pitchFamily="34" charset="-122"/>
+              </a:rPr>
+              <a:t>Scrum</a:t>
+            </a:r>
+            <a:r>
+              <a:rPr lang="zh-CN" altLang="en-US" sz="3600" dirty="0" smtClean="0">
+                <a:solidFill>
+                  <a:srgbClr val="E46C0A"/>
+                </a:solidFill>
+                <a:latin typeface="微软雅黑" panose="020B0503020204020204" pitchFamily="34" charset="-122"/>
+                <a:ea typeface="微软雅黑" panose="020B0503020204020204" pitchFamily="34" charset="-122"/>
+              </a:rPr>
+              <a:t>在企业中的实践介绍</a:t>
+            </a:r>
+            <a:endParaRPr lang="zh-CN" altLang="en-US" sz="3600" dirty="0">
+              <a:solidFill>
+                <a:srgbClr val="E46C0A"/>
+              </a:solidFill>
+              <a:latin typeface="微软雅黑" panose="020B0503020204020204" pitchFamily="34" charset="-122"/>
+              <a:ea typeface="微软雅黑" panose="020B0503020204020204" pitchFamily="34" charset="-122"/>
+            </a:endParaRPr>
+          </a:p>
+        </p:txBody>
+      </p:sp>
+    </p:spTree>
+    <p:extLst>
+      <p:ext uri="{BB962C8B-B14F-4D97-AF65-F5344CB8AC3E}">
+        <p14:creationId xmlns:p14="http://schemas.microsoft.com/office/powerpoint/2010/main" val="649342712"/>
+      </p:ext>
+    </p:extLst>
+  </p:cSld>
+  <p:clrMapOvr>
+    <a:masterClrMapping/>
+  </p:clrMapOvr>
+  <p:transition/>
+  <p:timing>
+    <p:tnLst>
+      <p:par>
+        <p:cTn id="1" dur="indefinite" restart="never" nodeType="tmRoot"/>
+      </p:par>
+    </p:tnLst>
+  </p:timing>
+</p:sld>
+</file>
+
+<file path=ppt/slides/slide20.xml><?xml version="1.0" encoding="utf-8"?>
 <p:sld xmlns:a="http://schemas.openxmlformats.org/drawingml/2006/main" xmlns:r="http://schemas.openxmlformats.org/officeDocument/2006/relationships" xmlns:p="http://schemas.openxmlformats.org/presentationml/2006/main">
   <p:cSld>
     <p:spTree>
@@ -17051,7 +17659,90 @@
 </p:sld>
 </file>
 
-<file path=ppt/slides/slide2.xml><?xml version="1.0" encoding="utf-8"?>
+<file path=ppt/slides/slide21.xml><?xml version="1.0" encoding="utf-8"?>
+<p:sld xmlns:a="http://schemas.openxmlformats.org/drawingml/2006/main" xmlns:r="http://schemas.openxmlformats.org/officeDocument/2006/relationships" xmlns:p="http://schemas.openxmlformats.org/presentationml/2006/main">
+  <p:cSld>
+    <p:spTree>
+      <p:nvGrpSpPr>
+        <p:cNvPr id="1" name=""/>
+        <p:cNvGrpSpPr/>
+        <p:nvPr/>
+      </p:nvGrpSpPr>
+      <p:grpSpPr>
+        <a:xfrm>
+          <a:off x="0" y="0"/>
+          <a:ext cx="0" cy="0"/>
+          <a:chOff x="0" y="0"/>
+          <a:chExt cx="0" cy="0"/>
+        </a:xfrm>
+      </p:grpSpPr>
+      <p:sp>
+        <p:nvSpPr>
+          <p:cNvPr id="6" name="TextBox 5"/>
+          <p:cNvSpPr txBox="1"/>
+          <p:nvPr/>
+        </p:nvSpPr>
+        <p:spPr>
+          <a:xfrm>
+            <a:off x="2209800" y="2286000"/>
+            <a:ext cx="4800600" cy="707886"/>
+          </a:xfrm>
+          <a:prstGeom prst="rect">
+            <a:avLst/>
+          </a:prstGeom>
+          <a:noFill/>
+        </p:spPr>
+        <p:txBody>
+          <a:bodyPr wrap="square" rtlCol="0">
+            <a:spAutoFit/>
+          </a:bodyPr>
+          <a:lstStyle/>
+          <a:p>
+            <a:pPr algn="ctr"/>
+            <a:r>
+              <a:rPr lang="en-US" altLang="zh-CN" sz="4000" dirty="0" smtClean="0">
+                <a:solidFill>
+                  <a:srgbClr val="FF6600"/>
+                </a:solidFill>
+                <a:latin typeface="微软雅黑" pitchFamily="34" charset="-122"/>
+                <a:ea typeface="微软雅黑" pitchFamily="34" charset="-122"/>
+              </a:rPr>
+              <a:t>Thank you</a:t>
+            </a:r>
+            <a:endParaRPr lang="zh-CN" altLang="en-US" sz="4000" dirty="0">
+              <a:solidFill>
+                <a:srgbClr val="FF6600"/>
+              </a:solidFill>
+              <a:latin typeface="微软雅黑" pitchFamily="34" charset="-122"/>
+              <a:ea typeface="微软雅黑" pitchFamily="34" charset="-122"/>
+            </a:endParaRPr>
+          </a:p>
+        </p:txBody>
+      </p:sp>
+    </p:spTree>
+    <p:extLst>
+      <p:ext uri="{BB962C8B-B14F-4D97-AF65-F5344CB8AC3E}">
+        <p14:creationId xmlns:p14="http://schemas.microsoft.com/office/powerpoint/2010/main" val="1050486630"/>
+      </p:ext>
+    </p:extLst>
+  </p:cSld>
+  <p:clrMapOvr>
+    <a:masterClrMapping/>
+  </p:clrMapOvr>
+  <p:transition spd="slow">
+    <p:wipe/>
+  </p:transition>
+  <p:timing>
+    <p:tnLst>
+      <p:par>
+        <p:cTn id="1" dur="indefinite" restart="never" nodeType="tmRoot"/>
+      </p:par>
+    </p:tnLst>
+  </p:timing>
+</p:sld>
+</file>
+
+<file path=ppt/slides/slide3.xml><?xml version="1.0" encoding="utf-8"?>
 <p:sld xmlns:a="http://schemas.openxmlformats.org/drawingml/2006/main" xmlns:r="http://schemas.openxmlformats.org/officeDocument/2006/relationships" xmlns:p="http://schemas.openxmlformats.org/presentationml/2006/main">
   <p:cSld>
     <p:spTree>
@@ -17870,90 +18561,7 @@
 </p:sld>
 </file>
 
-<file path=ppt/slides/slide20.xml><?xml version="1.0" encoding="utf-8"?>
-<p:sld xmlns:a="http://schemas.openxmlformats.org/drawingml/2006/main" xmlns:r="http://schemas.openxmlformats.org/officeDocument/2006/relationships" xmlns:p="http://schemas.openxmlformats.org/presentationml/2006/main">
-  <p:cSld>
-    <p:spTree>
-      <p:nvGrpSpPr>
-        <p:cNvPr id="1" name=""/>
-        <p:cNvGrpSpPr/>
-        <p:nvPr/>
-      </p:nvGrpSpPr>
-      <p:grpSpPr>
-        <a:xfrm>
-          <a:off x="0" y="0"/>
-          <a:ext cx="0" cy="0"/>
-          <a:chOff x="0" y="0"/>
-          <a:chExt cx="0" cy="0"/>
-        </a:xfrm>
-      </p:grpSpPr>
-      <p:sp>
-        <p:nvSpPr>
-          <p:cNvPr id="6" name="TextBox 5"/>
-          <p:cNvSpPr txBox="1"/>
-          <p:nvPr/>
-        </p:nvSpPr>
-        <p:spPr>
-          <a:xfrm>
-            <a:off x="2209800" y="2286000"/>
-            <a:ext cx="4800600" cy="707886"/>
-          </a:xfrm>
-          <a:prstGeom prst="rect">
-            <a:avLst/>
-          </a:prstGeom>
-          <a:noFill/>
-        </p:spPr>
-        <p:txBody>
-          <a:bodyPr wrap="square" rtlCol="0">
-            <a:spAutoFit/>
-          </a:bodyPr>
-          <a:lstStyle/>
-          <a:p>
-            <a:pPr algn="ctr"/>
-            <a:r>
-              <a:rPr lang="en-US" altLang="zh-CN" sz="4000" dirty="0" smtClean="0">
-                <a:solidFill>
-                  <a:srgbClr val="FF6600"/>
-                </a:solidFill>
-                <a:latin typeface="微软雅黑" pitchFamily="34" charset="-122"/>
-                <a:ea typeface="微软雅黑" pitchFamily="34" charset="-122"/>
-              </a:rPr>
-              <a:t>Thank you</a:t>
-            </a:r>
-            <a:endParaRPr lang="zh-CN" altLang="en-US" sz="4000" dirty="0">
-              <a:solidFill>
-                <a:srgbClr val="FF6600"/>
-              </a:solidFill>
-              <a:latin typeface="微软雅黑" pitchFamily="34" charset="-122"/>
-              <a:ea typeface="微软雅黑" pitchFamily="34" charset="-122"/>
-            </a:endParaRPr>
-          </a:p>
-        </p:txBody>
-      </p:sp>
-    </p:spTree>
-    <p:extLst>
-      <p:ext uri="{BB962C8B-B14F-4D97-AF65-F5344CB8AC3E}">
-        <p14:creationId xmlns:p14="http://schemas.microsoft.com/office/powerpoint/2010/main" val="1050486630"/>
-      </p:ext>
-    </p:extLst>
-  </p:cSld>
-  <p:clrMapOvr>
-    <a:masterClrMapping/>
-  </p:clrMapOvr>
-  <p:transition spd="slow">
-    <p:wipe/>
-  </p:transition>
-  <p:timing>
-    <p:tnLst>
-      <p:par>
-        <p:cTn id="1" dur="indefinite" restart="never" nodeType="tmRoot"/>
-      </p:par>
-    </p:tnLst>
-  </p:timing>
-</p:sld>
-</file>
-
-<file path=ppt/slides/slide3.xml><?xml version="1.0" encoding="utf-8"?>
+<file path=ppt/slides/slide4.xml><?xml version="1.0" encoding="utf-8"?>
 <p:sld xmlns:a="http://schemas.openxmlformats.org/drawingml/2006/main" xmlns:r="http://schemas.openxmlformats.org/officeDocument/2006/relationships" xmlns:p="http://schemas.openxmlformats.org/presentationml/2006/main">
   <p:cSld>
     <p:spTree>
@@ -18620,7 +19228,7 @@
 </p:sld>
 </file>
 
-<file path=ppt/slides/slide4.xml><?xml version="1.0" encoding="utf-8"?>
+<file path=ppt/slides/slide5.xml><?xml version="1.0" encoding="utf-8"?>
 <p:sld xmlns:a="http://schemas.openxmlformats.org/drawingml/2006/main" xmlns:r="http://schemas.openxmlformats.org/officeDocument/2006/relationships" xmlns:p="http://schemas.openxmlformats.org/presentationml/2006/main">
   <p:cSld>
     <p:spTree>
@@ -18915,14 +19523,7 @@
                 <a:latin typeface="微软雅黑" panose="020B0503020204020204" pitchFamily="34" charset="-122"/>
                 <a:ea typeface="微软雅黑" panose="020B0503020204020204" pitchFamily="34" charset="-122"/>
               </a:rPr>
-              <a:t>、产生很多文档，便于后期更改</a:t>
-            </a:r>
-            <a:r>
-              <a:rPr lang="zh-CN" altLang="en-US" dirty="0" smtClean="0">
-                <a:latin typeface="微软雅黑" panose="020B0503020204020204" pitchFamily="34" charset="-122"/>
-                <a:ea typeface="微软雅黑" panose="020B0503020204020204" pitchFamily="34" charset="-122"/>
-              </a:rPr>
-              <a:t>维护</a:t>
+              <a:t>、产生很多文档，便于后期更改维护</a:t>
             </a:r>
             <a:endParaRPr lang="en-US" altLang="zh-CN" dirty="0" smtClean="0">
               <a:latin typeface="微软雅黑" panose="020B0503020204020204" pitchFamily="34" charset="-122"/>
@@ -19545,7 +20146,7 @@
 </p:sld>
 </file>
 
-<file path=ppt/slides/slide5.xml><?xml version="1.0" encoding="utf-8"?>
+<file path=ppt/slides/slide6.xml><?xml version="1.0" encoding="utf-8"?>
 <p:sld xmlns:a="http://schemas.openxmlformats.org/drawingml/2006/main" xmlns:r="http://schemas.openxmlformats.org/officeDocument/2006/relationships" xmlns:p="http://schemas.openxmlformats.org/presentationml/2006/main">
   <p:cSld>
     <p:bg>
@@ -19767,7 +20368,7 @@
 </p:sld>
 </file>
 
-<file path=ppt/slides/slide6.xml><?xml version="1.0" encoding="utf-8"?>
+<file path=ppt/slides/slide7.xml><?xml version="1.0" encoding="utf-8"?>
 <p:sld xmlns:a="http://schemas.openxmlformats.org/drawingml/2006/main" xmlns:r="http://schemas.openxmlformats.org/officeDocument/2006/relationships" xmlns:p="http://schemas.openxmlformats.org/presentationml/2006/main">
   <p:cSld>
     <p:bg>
@@ -19989,7 +20590,7 @@
 </p:sld>
 </file>
 
-<file path=ppt/slides/slide7.xml><?xml version="1.0" encoding="utf-8"?>
+<file path=ppt/slides/slide8.xml><?xml version="1.0" encoding="utf-8"?>
 <p:sld xmlns:a="http://schemas.openxmlformats.org/drawingml/2006/main" xmlns:r="http://schemas.openxmlformats.org/officeDocument/2006/relationships" xmlns:p="http://schemas.openxmlformats.org/presentationml/2006/main">
   <p:cSld>
     <p:bg>
@@ -20094,7 +20695,7 @@
 </p:sld>
 </file>
 
-<file path=ppt/slides/slide8.xml><?xml version="1.0" encoding="utf-8"?>
+<file path=ppt/slides/slide9.xml><?xml version="1.0" encoding="utf-8"?>
 <p:sld xmlns:a="http://schemas.openxmlformats.org/drawingml/2006/main" xmlns:r="http://schemas.openxmlformats.org/officeDocument/2006/relationships" xmlns:p="http://schemas.openxmlformats.org/presentationml/2006/main">
   <p:cSld>
     <p:spTree>
@@ -21605,157 +22206,6 @@
       <p:bldP spid="16" grpId="0"/>
       <p:bldP spid="19" grpId="0"/>
     </p:bldLst>
-  </p:timing>
-</p:sld>
-</file>
-
-<file path=ppt/slides/slide9.xml><?xml version="1.0" encoding="utf-8"?>
-<p:sld xmlns:a="http://schemas.openxmlformats.org/drawingml/2006/main" xmlns:r="http://schemas.openxmlformats.org/officeDocument/2006/relationships" xmlns:p="http://schemas.openxmlformats.org/presentationml/2006/main">
-  <p:cSld>
-    <p:spTree>
-      <p:nvGrpSpPr>
-        <p:cNvPr id="1" name=""/>
-        <p:cNvGrpSpPr/>
-        <p:nvPr/>
-      </p:nvGrpSpPr>
-      <p:grpSpPr>
-        <a:xfrm>
-          <a:off x="0" y="0"/>
-          <a:ext cx="0" cy="0"/>
-          <a:chOff x="0" y="0"/>
-          <a:chExt cx="0" cy="0"/>
-        </a:xfrm>
-      </p:grpSpPr>
-      <p:sp>
-        <p:nvSpPr>
-          <p:cNvPr id="3" name="标题 1"/>
-          <p:cNvSpPr>
-            <a:spLocks noGrp="1"/>
-          </p:cNvSpPr>
-          <p:nvPr>
-            <p:ph type="title"/>
-          </p:nvPr>
-        </p:nvSpPr>
-        <p:spPr>
-          <a:xfrm>
-            <a:off x="457200" y="274638"/>
-            <a:ext cx="8229600" cy="715962"/>
-          </a:xfrm>
-        </p:spPr>
-        <p:txBody>
-          <a:bodyPr/>
-          <a:lstStyle/>
-          <a:p>
-            <a:r>
-              <a:rPr lang="zh-CN" altLang="en-US" sz="3600" dirty="0" smtClean="0">
-                <a:solidFill>
-                  <a:srgbClr val="E46C0A"/>
-                </a:solidFill>
-                <a:latin typeface="微软雅黑" panose="020B0503020204020204" pitchFamily="34" charset="-122"/>
-                <a:ea typeface="微软雅黑" panose="020B0503020204020204" pitchFamily="34" charset="-122"/>
-              </a:rPr>
-              <a:t>案例：最好的交通工具</a:t>
-            </a:r>
-            <a:endParaRPr lang="zh-CN" altLang="en-US" sz="3600" dirty="0">
-              <a:solidFill>
-                <a:srgbClr val="E46C0A"/>
-              </a:solidFill>
-              <a:latin typeface="微软雅黑" panose="020B0503020204020204" pitchFamily="34" charset="-122"/>
-              <a:ea typeface="微软雅黑" panose="020B0503020204020204" pitchFamily="34" charset="-122"/>
-            </a:endParaRPr>
-          </a:p>
-        </p:txBody>
-      </p:sp>
-      <p:sp>
-        <p:nvSpPr>
-          <p:cNvPr id="2" name="矩形 1"/>
-          <p:cNvSpPr/>
-          <p:nvPr/>
-        </p:nvSpPr>
-        <p:spPr>
-          <a:xfrm>
-            <a:off x="838200" y="1219200"/>
-            <a:ext cx="7696200" cy="923330"/>
-          </a:xfrm>
-          <a:prstGeom prst="rect">
-            <a:avLst/>
-          </a:prstGeom>
-        </p:spPr>
-        <p:txBody>
-          <a:bodyPr wrap="square">
-            <a:spAutoFit/>
-          </a:bodyPr>
-          <a:lstStyle/>
-          <a:p>
-            <a:r>
-              <a:rPr lang="en-US" altLang="zh-CN" dirty="0" smtClean="0">
-                <a:latin typeface="微软雅黑" panose="020B0503020204020204" pitchFamily="34" charset="-122"/>
-                <a:ea typeface="微软雅黑" panose="020B0503020204020204" pitchFamily="34" charset="-122"/>
-              </a:rPr>
-              <a:t>	</a:t>
-            </a:r>
-            <a:r>
-              <a:rPr lang="zh-CN" altLang="en-US" dirty="0" smtClean="0">
-                <a:latin typeface="微软雅黑" panose="020B0503020204020204" pitchFamily="34" charset="-122"/>
-                <a:ea typeface="微软雅黑" panose="020B0503020204020204" pitchFamily="34" charset="-122"/>
-              </a:rPr>
-              <a:t>福特</a:t>
-            </a:r>
-            <a:r>
-              <a:rPr lang="zh-CN" altLang="en-US" dirty="0">
-                <a:latin typeface="微软雅黑" panose="020B0503020204020204" pitchFamily="34" charset="-122"/>
-                <a:ea typeface="微软雅黑" panose="020B0503020204020204" pitchFamily="34" charset="-122"/>
-              </a:rPr>
-              <a:t>公司的</a:t>
-            </a:r>
-            <a:r>
-              <a:rPr lang="zh-CN" altLang="en-US" dirty="0" smtClean="0">
-                <a:latin typeface="微软雅黑" panose="020B0503020204020204" pitchFamily="34" charset="-122"/>
-                <a:ea typeface="微软雅黑" panose="020B0503020204020204" pitchFamily="34" charset="-122"/>
-              </a:rPr>
-              <a:t>创始人</a:t>
-            </a:r>
-            <a:r>
-              <a:rPr lang="en-US" altLang="zh-CN" dirty="0" smtClean="0">
-                <a:latin typeface="微软雅黑" panose="020B0503020204020204" pitchFamily="34" charset="-122"/>
-                <a:ea typeface="微软雅黑" panose="020B0503020204020204" pitchFamily="34" charset="-122"/>
-              </a:rPr>
-              <a:t>Henry Ford</a:t>
-            </a:r>
-            <a:r>
-              <a:rPr lang="zh-CN" altLang="en-US" dirty="0" smtClean="0">
-                <a:latin typeface="微软雅黑" panose="020B0503020204020204" pitchFamily="34" charset="-122"/>
-                <a:ea typeface="微软雅黑" panose="020B0503020204020204" pitchFamily="34" charset="-122"/>
-              </a:rPr>
-              <a:t>先生</a:t>
-            </a:r>
-            <a:r>
-              <a:rPr lang="zh-CN" altLang="en-US" dirty="0">
-                <a:latin typeface="微软雅黑" panose="020B0503020204020204" pitchFamily="34" charset="-122"/>
-                <a:ea typeface="微软雅黑" panose="020B0503020204020204" pitchFamily="34" charset="-122"/>
-              </a:rPr>
-              <a:t>到处跑去问客户：“您需要一个什么样的更好的交通工具？”几乎所有人的答案都是：“我要一匹更快的马”。</a:t>
-            </a:r>
-          </a:p>
-        </p:txBody>
-      </p:sp>
-    </p:spTree>
-    <p:extLst>
-      <p:ext uri="{BB962C8B-B14F-4D97-AF65-F5344CB8AC3E}">
-        <p14:creationId xmlns:p14="http://schemas.microsoft.com/office/powerpoint/2010/main" val="795236271"/>
-      </p:ext>
-    </p:extLst>
-  </p:cSld>
-  <p:clrMapOvr>
-    <a:masterClrMapping/>
-  </p:clrMapOvr>
-  <p:transition/>
-  <p:timing>
-    <p:tnLst>
-      <p:par>
-        <p:cTn id="1" dur="indefinite" restart="never" nodeType="tmRoot"/>
-      </p:par>
-    </p:tnLst>
   </p:timing>
 </p:sld>
 </file>

--- a/上大培训：scrum和vs2012 部分.pptx
+++ b/上大培训：scrum和vs2012 部分.pptx
@@ -5,10 +5,10 @@
     <p:sldMasterId id="2147483648" r:id="rId1"/>
   </p:sldMasterIdLst>
   <p:notesMasterIdLst>
-    <p:notesMasterId r:id="rId23"/>
+    <p:notesMasterId r:id="rId24"/>
   </p:notesMasterIdLst>
   <p:handoutMasterIdLst>
-    <p:handoutMasterId r:id="rId24"/>
+    <p:handoutMasterId r:id="rId25"/>
   </p:handoutMasterIdLst>
   <p:sldIdLst>
     <p:sldId id="527" r:id="rId2"/>
@@ -23,15 +23,16 @@
     <p:sldId id="521" r:id="rId11"/>
     <p:sldId id="519" r:id="rId12"/>
     <p:sldId id="518" r:id="rId13"/>
-    <p:sldId id="520" r:id="rId14"/>
-    <p:sldId id="522" r:id="rId15"/>
-    <p:sldId id="514" r:id="rId16"/>
-    <p:sldId id="524" r:id="rId17"/>
-    <p:sldId id="525" r:id="rId18"/>
-    <p:sldId id="526" r:id="rId19"/>
-    <p:sldId id="532" r:id="rId20"/>
-    <p:sldId id="523" r:id="rId21"/>
-    <p:sldId id="503" r:id="rId22"/>
+    <p:sldId id="534" r:id="rId14"/>
+    <p:sldId id="520" r:id="rId15"/>
+    <p:sldId id="522" r:id="rId16"/>
+    <p:sldId id="514" r:id="rId17"/>
+    <p:sldId id="524" r:id="rId18"/>
+    <p:sldId id="525" r:id="rId19"/>
+    <p:sldId id="526" r:id="rId20"/>
+    <p:sldId id="532" r:id="rId21"/>
+    <p:sldId id="523" r:id="rId22"/>
+    <p:sldId id="503" r:id="rId23"/>
   </p:sldIdLst>
   <p:sldSz cx="9144000" cy="6858000" type="screen4x3"/>
   <p:notesSz cx="6858000" cy="9144000"/>
@@ -165,17 +166,8 @@
 
 <file path=ppt/charts/chart1.xml><?xml version="1.0" encoding="utf-8"?>
 <c:chartSpace xmlns:c="http://schemas.openxmlformats.org/drawingml/2006/chart" xmlns:a="http://schemas.openxmlformats.org/drawingml/2006/main" xmlns:r="http://schemas.openxmlformats.org/officeDocument/2006/relationships">
-  <c:date1904 val="0"/>
+  <c:date1904 val="1"/>
   <c:lang val="zh-CN"/>
-  <c:roundedCorners val="0"/>
-  <mc:AlternateContent xmlns:mc="http://schemas.openxmlformats.org/markup-compatibility/2006">
-    <mc:Choice xmlns:c14="http://schemas.microsoft.com/office/drawing/2007/8/2/chart" Requires="c14">
-      <c14:style val="102"/>
-    </mc:Choice>
-    <mc:Fallback>
-      <c:style val="2"/>
-    </mc:Fallback>
-  </mc:AlternateContent>
   <c:chart>
     <c:autoTitleDeleted val="1"/>
     <c:plotArea>
@@ -184,15 +176,14 @@
           <c:layoutTarget val="inner"/>
           <c:xMode val="edge"/>
           <c:yMode val="edge"/>
-          <c:x val="1.6975308641975308E-2"/>
-          <c:y val="3.4375000000000003E-2"/>
-          <c:w val="0.66820987654320985"/>
-          <c:h val="0.734375"/>
+          <c:x val="1.6975308641975315E-2"/>
+          <c:y val="3.437500000000001E-2"/>
+          <c:w val="0.6682098765432104"/>
+          <c:h val="0.73437500000000022"/>
         </c:manualLayout>
       </c:layout>
       <c:scatterChart>
         <c:scatterStyle val="smoothMarker"/>
-        <c:varyColors val="0"/>
         <c:ser>
           <c:idx val="0"/>
           <c:order val="0"/>
@@ -278,52 +269,39 @@
           </c:yVal>
           <c:smooth val="1"/>
         </c:ser>
-        <c:dLbls>
-          <c:showLegendKey val="0"/>
-          <c:showVal val="0"/>
-          <c:showCatName val="0"/>
-          <c:showSerName val="0"/>
-          <c:showPercent val="0"/>
-          <c:showBubbleSize val="0"/>
-        </c:dLbls>
-        <c:axId val="51779456"/>
-        <c:axId val="52311168"/>
+        <c:axId val="101192064"/>
+        <c:axId val="101193600"/>
       </c:scatterChart>
       <c:valAx>
-        <c:axId val="51779456"/>
+        <c:axId val="101192064"/>
         <c:scaling>
           <c:orientation val="minMax"/>
         </c:scaling>
-        <c:delete val="0"/>
         <c:axPos val="b"/>
         <c:numFmt formatCode="General" sourceLinked="1"/>
         <c:majorTickMark val="in"/>
-        <c:minorTickMark val="none"/>
         <c:tickLblPos val="none"/>
-        <c:crossAx val="52311168"/>
+        <c:crossAx val="101193600"/>
         <c:crosses val="autoZero"/>
         <c:crossBetween val="midCat"/>
       </c:valAx>
       <c:valAx>
-        <c:axId val="52311168"/>
+        <c:axId val="101193600"/>
         <c:scaling>
           <c:orientation val="minMax"/>
         </c:scaling>
-        <c:delete val="0"/>
         <c:axPos val="l"/>
         <c:majorGridlines/>
         <c:numFmt formatCode="General" sourceLinked="1"/>
         <c:majorTickMark val="in"/>
-        <c:minorTickMark val="none"/>
         <c:tickLblPos val="none"/>
-        <c:crossAx val="51779456"/>
+        <c:crossAx val="101192064"/>
         <c:crosses val="autoZero"/>
         <c:crossBetween val="midCat"/>
       </c:valAx>
     </c:plotArea>
     <c:plotVisOnly val="1"/>
     <c:dispBlanksAs val="gap"/>
-    <c:showDLblsOverMax val="0"/>
   </c:chart>
   <c:txPr>
     <a:bodyPr/>
@@ -335,9 +313,7 @@
       <a:endParaRPr lang="zh-CN"/>
     </a:p>
   </c:txPr>
-  <c:externalData r:id="rId1">
-    <c:autoUpdate val="0"/>
-  </c:externalData>
+  <c:externalData r:id="rId1"/>
 </c:chartSpace>
 </file>
 
@@ -2939,17 +2915,17 @@
     </dgm:pt>
   </dgm:ptLst>
   <dgm:cxnLst>
+    <dgm:cxn modelId="{26B9597F-F212-4253-93E1-C71473FCA012}" srcId="{0ECCC152-E4AB-44BB-BF54-BC86C9CDCD27}" destId="{C00C331A-831B-415E-93E6-35120C21CAE5}" srcOrd="0" destOrd="0" parTransId="{A8F8A204-F69C-4FD3-B249-94702C565BAA}" sibTransId="{7542CAEC-CE61-4315-B7EA-9BA492E9F986}"/>
+    <dgm:cxn modelId="{010DAB80-636B-4A15-B1DA-8D59F34FC6DC}" type="presOf" srcId="{D43B6BC7-F537-4503-9254-BAF7669C6B30}" destId="{246A5B9A-5150-4DDE-B405-8985309D9C4D}" srcOrd="0" destOrd="0" presId="urn:microsoft.com/office/officeart/2005/8/layout/vList2"/>
+    <dgm:cxn modelId="{0D21FFE1-2ED8-4C02-93F1-6F7FE1CB9D98}" type="presOf" srcId="{0ECCC152-E4AB-44BB-BF54-BC86C9CDCD27}" destId="{C379841C-A586-4A83-BECE-EC6022DB52BD}" srcOrd="0" destOrd="0" presId="urn:microsoft.com/office/officeart/2005/8/layout/vList2"/>
+    <dgm:cxn modelId="{E92A18EA-1310-49D1-956E-7AC8EB768956}" type="presOf" srcId="{1C836B7B-C124-4C70-A42F-19F7A760B72B}" destId="{4A7E724E-3D6B-4461-8B08-C6219D51D2C1}" srcOrd="0" destOrd="2" presId="urn:microsoft.com/office/officeart/2005/8/layout/vList2"/>
+    <dgm:cxn modelId="{1D45B98E-9933-4C9A-A7D8-F95F79C2FAFB}" type="presOf" srcId="{C00C331A-831B-415E-93E6-35120C21CAE5}" destId="{4A7E724E-3D6B-4461-8B08-C6219D51D2C1}" srcOrd="0" destOrd="0" presId="urn:microsoft.com/office/officeart/2005/8/layout/vList2"/>
+    <dgm:cxn modelId="{21C84D65-40AA-4AF7-9DD3-3AA471CAEE21}" type="presOf" srcId="{74528F48-2744-436C-9707-701A35EC1A3D}" destId="{4A7E724E-3D6B-4461-8B08-C6219D51D2C1}" srcOrd="0" destOrd="1" presId="urn:microsoft.com/office/officeart/2005/8/layout/vList2"/>
+    <dgm:cxn modelId="{DDA76AA0-C884-40C8-9C2C-A83C82160C3F}" srcId="{0ECCC152-E4AB-44BB-BF54-BC86C9CDCD27}" destId="{74528F48-2744-436C-9707-701A35EC1A3D}" srcOrd="1" destOrd="0" parTransId="{B63D446B-C3E7-4CE7-98BE-86A77D27373B}" sibTransId="{D97553EF-43EE-441A-91C3-5B54F78B8CE1}"/>
+    <dgm:cxn modelId="{E7C6E7B4-A4EE-46E2-93D8-BD9CC64E3EF3}" srcId="{D43B6BC7-F537-4503-9254-BAF7669C6B30}" destId="{0ECCC152-E4AB-44BB-BF54-BC86C9CDCD27}" srcOrd="0" destOrd="0" parTransId="{0DEA5E15-994F-44E8-AF04-CE1D1914762B}" sibTransId="{A9FBCE29-BB73-4C58-AF7E-74C64E7C334D}"/>
     <dgm:cxn modelId="{F3C715FB-CD78-4188-BF63-EB019988651F}" srcId="{0ECCC152-E4AB-44BB-BF54-BC86C9CDCD27}" destId="{4E5B5701-6534-4C95-875B-F9D1E1D81B31}" srcOrd="3" destOrd="0" parTransId="{74EBE2D9-75A8-4182-8874-F02B5C54BC35}" sibTransId="{912F6E7D-AEA5-4142-B10F-BBA710BCBEAC}"/>
-    <dgm:cxn modelId="{0D21FFE1-2ED8-4C02-93F1-6F7FE1CB9D98}" type="presOf" srcId="{0ECCC152-E4AB-44BB-BF54-BC86C9CDCD27}" destId="{C379841C-A586-4A83-BECE-EC6022DB52BD}" srcOrd="0" destOrd="0" presId="urn:microsoft.com/office/officeart/2005/8/layout/vList2"/>
-    <dgm:cxn modelId="{21C84D65-40AA-4AF7-9DD3-3AA471CAEE21}" type="presOf" srcId="{74528F48-2744-436C-9707-701A35EC1A3D}" destId="{4A7E724E-3D6B-4461-8B08-C6219D51D2C1}" srcOrd="0" destOrd="1" presId="urn:microsoft.com/office/officeart/2005/8/layout/vList2"/>
-    <dgm:cxn modelId="{E7C6E7B4-A4EE-46E2-93D8-BD9CC64E3EF3}" srcId="{D43B6BC7-F537-4503-9254-BAF7669C6B30}" destId="{0ECCC152-E4AB-44BB-BF54-BC86C9CDCD27}" srcOrd="0" destOrd="0" parTransId="{0DEA5E15-994F-44E8-AF04-CE1D1914762B}" sibTransId="{A9FBCE29-BB73-4C58-AF7E-74C64E7C334D}"/>
-    <dgm:cxn modelId="{1D45B98E-9933-4C9A-A7D8-F95F79C2FAFB}" type="presOf" srcId="{C00C331A-831B-415E-93E6-35120C21CAE5}" destId="{4A7E724E-3D6B-4461-8B08-C6219D51D2C1}" srcOrd="0" destOrd="0" presId="urn:microsoft.com/office/officeart/2005/8/layout/vList2"/>
     <dgm:cxn modelId="{A6706A36-00C5-434F-B45B-27EAD2C1C174}" srcId="{0ECCC152-E4AB-44BB-BF54-BC86C9CDCD27}" destId="{1C836B7B-C124-4C70-A42F-19F7A760B72B}" srcOrd="2" destOrd="0" parTransId="{6BFD683C-CE8B-497E-B134-95B8C391DB5C}" sibTransId="{D572E595-7A53-484C-8F11-253422D402BF}"/>
-    <dgm:cxn modelId="{DDA76AA0-C884-40C8-9C2C-A83C82160C3F}" srcId="{0ECCC152-E4AB-44BB-BF54-BC86C9CDCD27}" destId="{74528F48-2744-436C-9707-701A35EC1A3D}" srcOrd="1" destOrd="0" parTransId="{B63D446B-C3E7-4CE7-98BE-86A77D27373B}" sibTransId="{D97553EF-43EE-441A-91C3-5B54F78B8CE1}"/>
-    <dgm:cxn modelId="{26B9597F-F212-4253-93E1-C71473FCA012}" srcId="{0ECCC152-E4AB-44BB-BF54-BC86C9CDCD27}" destId="{C00C331A-831B-415E-93E6-35120C21CAE5}" srcOrd="0" destOrd="0" parTransId="{A8F8A204-F69C-4FD3-B249-94702C565BAA}" sibTransId="{7542CAEC-CE61-4315-B7EA-9BA492E9F986}"/>
-    <dgm:cxn modelId="{E92A18EA-1310-49D1-956E-7AC8EB768956}" type="presOf" srcId="{1C836B7B-C124-4C70-A42F-19F7A760B72B}" destId="{4A7E724E-3D6B-4461-8B08-C6219D51D2C1}" srcOrd="0" destOrd="2" presId="urn:microsoft.com/office/officeart/2005/8/layout/vList2"/>
     <dgm:cxn modelId="{5E0EA0BD-BEEE-4CAE-9F88-4C16C4211E88}" type="presOf" srcId="{4E5B5701-6534-4C95-875B-F9D1E1D81B31}" destId="{4A7E724E-3D6B-4461-8B08-C6219D51D2C1}" srcOrd="0" destOrd="3" presId="urn:microsoft.com/office/officeart/2005/8/layout/vList2"/>
-    <dgm:cxn modelId="{010DAB80-636B-4A15-B1DA-8D59F34FC6DC}" type="presOf" srcId="{D43B6BC7-F537-4503-9254-BAF7669C6B30}" destId="{246A5B9A-5150-4DDE-B405-8985309D9C4D}" srcOrd="0" destOrd="0" presId="urn:microsoft.com/office/officeart/2005/8/layout/vList2"/>
     <dgm:cxn modelId="{413E6AE1-83FF-4172-B0AA-9FBA34456733}" type="presParOf" srcId="{246A5B9A-5150-4DDE-B405-8985309D9C4D}" destId="{C379841C-A586-4A83-BECE-EC6022DB52BD}" srcOrd="0" destOrd="0" presId="urn:microsoft.com/office/officeart/2005/8/layout/vList2"/>
     <dgm:cxn modelId="{50564996-9135-4270-A95F-73C9B7FF6D67}" type="presParOf" srcId="{246A5B9A-5150-4DDE-B405-8985309D9C4D}" destId="{4A7E724E-3D6B-4461-8B08-C6219D51D2C1}" srcOrd="1" destOrd="0" presId="urn:microsoft.com/office/officeart/2005/8/layout/vList2"/>
   </dgm:cxnLst>
@@ -2957,7 +2933,7 @@
   <dgm:whole/>
   <dgm:extLst>
     <a:ext uri="http://schemas.microsoft.com/office/drawing/2008/diagram">
-      <dsp:dataModelExt xmlns:dsp="http://schemas.microsoft.com/office/drawing/2008/diagram" relId="rId6" minVer="http://schemas.openxmlformats.org/drawingml/2006/diagram"/>
+      <dsp:dataModelExt xmlns="" xmlns:dsp="http://schemas.microsoft.com/office/drawing/2008/diagram" relId="rId6" minVer="http://schemas.openxmlformats.org/drawingml/2006/diagram"/>
     </a:ext>
   </dgm:extLst>
 </dgm:dataModel>
@@ -3692,33 +3668,33 @@
     </dgm:pt>
   </dgm:ptLst>
   <dgm:cxnLst>
+    <dgm:cxn modelId="{69427BD0-353B-4B85-841F-9A2680584E6B}" srcId="{83CB12BE-77D0-43A4-9309-AF09C9F3E2F1}" destId="{62C930CF-1192-4760-AC39-867A5EFBB010}" srcOrd="2" destOrd="0" parTransId="{F353CD17-29EC-4E7D-BBEB-7D6C686B368E}" sibTransId="{3FEF2155-CB90-4D58-8D3E-2DA1083C17F7}"/>
+    <dgm:cxn modelId="{393E18EC-A01C-4190-930B-3327D5ADE6EA}" srcId="{0014ADDE-2E3C-4694-BC18-34D399029FAA}" destId="{366607A0-5F82-4A07-A6EC-25E28371DC24}" srcOrd="1" destOrd="0" parTransId="{DD8AF2DC-5DF7-4EE2-84F8-BE351D8F2DA9}" sibTransId="{117AD01E-F24C-4F34-8C94-9FE401130B15}"/>
     <dgm:cxn modelId="{ED071F28-1361-47DB-9C70-386B57360D44}" srcId="{8BB829D9-B0B4-4800-B110-F849A71E23C5}" destId="{5BC6A234-78DF-48CC-9473-1DB2B9D19FE2}" srcOrd="0" destOrd="0" parTransId="{CA469F56-9091-4E68-AEE3-60C823282CBB}" sibTransId="{6D4EE6C1-BDD2-4F81-B807-AD2FAFA0B857}"/>
+    <dgm:cxn modelId="{F28F0DEA-6677-46A6-8CFB-013F71E12823}" type="presOf" srcId="{8BB829D9-B0B4-4800-B110-F849A71E23C5}" destId="{CFCAE085-31A4-4F9E-AE57-D34F0AA7AB17}" srcOrd="0" destOrd="3" presId="urn:microsoft.com/office/officeart/2005/8/layout/vList2"/>
+    <dgm:cxn modelId="{B1289D31-A1DA-45CB-B6DB-1115CF7E8D1D}" srcId="{8BB829D9-B0B4-4800-B110-F849A71E23C5}" destId="{7774AA9C-BDF6-4A1A-9545-CFBFEBE6A95F}" srcOrd="1" destOrd="0" parTransId="{05382456-03B3-4889-8E4F-1460685B6AE3}" sibTransId="{66A15475-6B9C-4282-B4FC-687A7F4CCB8E}"/>
+    <dgm:cxn modelId="{6ED052A0-9347-4B09-A785-70CBF08933C5}" type="presOf" srcId="{618BBBE3-9E60-4517-ACDE-148D3FD93753}" destId="{CFCAE085-31A4-4F9E-AE57-D34F0AA7AB17}" srcOrd="0" destOrd="10" presId="urn:microsoft.com/office/officeart/2005/8/layout/vList2"/>
+    <dgm:cxn modelId="{705487BE-C7CC-486A-AA2F-D46DD07B1A2F}" srcId="{83CB12BE-77D0-43A4-9309-AF09C9F3E2F1}" destId="{618BBBE3-9E60-4517-ACDE-148D3FD93753}" srcOrd="3" destOrd="0" parTransId="{04304890-BC1E-4F0C-B6D9-ECF1E73195AC}" sibTransId="{F7511902-7878-4B22-A623-B2568E76037B}"/>
+    <dgm:cxn modelId="{FB864236-0CD2-4FC7-8D4B-0413B82A5ED8}" srcId="{83CB12BE-77D0-43A4-9309-AF09C9F3E2F1}" destId="{8BB829D9-B0B4-4800-B110-F849A71E23C5}" srcOrd="1" destOrd="0" parTransId="{808E5169-575C-418A-9A86-6452A535C8C6}" sibTransId="{2477F82D-EB62-40D5-BCA5-BBE97FD0F508}"/>
+    <dgm:cxn modelId="{A4DE9BF5-29C5-4AF3-BCB8-EDED232AAA69}" srcId="{62C930CF-1192-4760-AC39-867A5EFBB010}" destId="{ED91EC43-CF56-4EC9-82CF-334019FD544F}" srcOrd="1" destOrd="0" parTransId="{5CF05329-A702-48D8-8009-0213E92E3F7B}" sibTransId="{10C8343B-50A3-4612-9518-474D1D6F5419}"/>
+    <dgm:cxn modelId="{913427DB-837B-4704-8718-6F196B454A86}" srcId="{62C930CF-1192-4760-AC39-867A5EFBB010}" destId="{047BB815-F806-42EA-8BF7-1644A0F7C4B0}" srcOrd="0" destOrd="0" parTransId="{FCF3FA7D-3AB5-4335-A396-D2260D47FCCB}" sibTransId="{92842E0C-C91A-4E92-AA86-65E65D289760}"/>
+    <dgm:cxn modelId="{944A2BBD-9478-43AF-8029-FC774C03A4E3}" type="presOf" srcId="{EC82B3CE-3723-4100-BA2E-8865EDDA0F20}" destId="{CFCAE085-31A4-4F9E-AE57-D34F0AA7AB17}" srcOrd="0" destOrd="1" presId="urn:microsoft.com/office/officeart/2005/8/layout/vList2"/>
+    <dgm:cxn modelId="{DC0AB7BC-392A-4181-98C1-B721AD79EDAB}" srcId="{8A63C6D0-F473-4D0A-9FA4-2EA7E37B987D}" destId="{83CB12BE-77D0-43A4-9309-AF09C9F3E2F1}" srcOrd="0" destOrd="0" parTransId="{F3864630-D720-4FEB-992E-BB6F73326637}" sibTransId="{4124ABD0-3C54-4B9D-AF7F-12A948128025}"/>
+    <dgm:cxn modelId="{F4D0C295-16E7-40CD-B4E6-93EAAA9D0CCB}" type="presOf" srcId="{047BB815-F806-42EA-8BF7-1644A0F7C4B0}" destId="{CFCAE085-31A4-4F9E-AE57-D34F0AA7AB17}" srcOrd="0" destOrd="7" presId="urn:microsoft.com/office/officeart/2005/8/layout/vList2"/>
+    <dgm:cxn modelId="{5E5DD17C-0A53-4947-ABD2-6C7D20ACE9D9}" type="presOf" srcId="{83CB12BE-77D0-43A4-9309-AF09C9F3E2F1}" destId="{AE2C0C01-084F-48BF-A7DE-522EC85C547D}" srcOrd="0" destOrd="0" presId="urn:microsoft.com/office/officeart/2005/8/layout/vList2"/>
+    <dgm:cxn modelId="{CE9DCC65-76DE-4749-AF1A-B4741474FCCD}" type="presOf" srcId="{366607A0-5F82-4A07-A6EC-25E28371DC24}" destId="{CFCAE085-31A4-4F9E-AE57-D34F0AA7AB17}" srcOrd="0" destOrd="2" presId="urn:microsoft.com/office/officeart/2005/8/layout/vList2"/>
+    <dgm:cxn modelId="{3A40A2B0-7638-4AE2-B66D-24996ECBDEB2}" srcId="{618BBBE3-9E60-4517-ACDE-148D3FD93753}" destId="{3C43E2E6-6137-464E-A2AC-B21F07C7717A}" srcOrd="0" destOrd="0" parTransId="{5F4055EB-0DA1-4CA0-91F3-30359B8C175E}" sibTransId="{8FA97814-6A9E-4C40-BFE7-69CE390790EA}"/>
+    <dgm:cxn modelId="{01476FCA-6342-4979-9F05-3B91B4DB7A61}" type="presOf" srcId="{C92608F4-2465-4DD8-951F-AAD169F85267}" destId="{CFCAE085-31A4-4F9E-AE57-D34F0AA7AB17}" srcOrd="0" destOrd="9" presId="urn:microsoft.com/office/officeart/2005/8/layout/vList2"/>
+    <dgm:cxn modelId="{7FD42E23-BC3F-478D-918E-67DFEB038880}" srcId="{0014ADDE-2E3C-4694-BC18-34D399029FAA}" destId="{EC82B3CE-3723-4100-BA2E-8865EDDA0F20}" srcOrd="0" destOrd="0" parTransId="{092FA16D-E482-4789-B57F-B62F118FA169}" sibTransId="{5B8867DC-08E2-41D4-9D5B-72F09DD7E36C}"/>
+    <dgm:cxn modelId="{47164A0E-A453-48E8-B45D-372E2E1ACA30}" type="presOf" srcId="{ED91EC43-CF56-4EC9-82CF-334019FD544F}" destId="{CFCAE085-31A4-4F9E-AE57-D34F0AA7AB17}" srcOrd="0" destOrd="8" presId="urn:microsoft.com/office/officeart/2005/8/layout/vList2"/>
+    <dgm:cxn modelId="{85609A32-EA99-4ECD-BB07-724982EF630F}" type="presOf" srcId="{8A63C6D0-F473-4D0A-9FA4-2EA7E37B987D}" destId="{21D8F7A8-2AA5-4DE5-A3C6-0E8C7AF08142}" srcOrd="0" destOrd="0" presId="urn:microsoft.com/office/officeart/2005/8/layout/vList2"/>
+    <dgm:cxn modelId="{0BCCA28F-A247-4385-AD86-5C4D254FA2A2}" srcId="{83CB12BE-77D0-43A4-9309-AF09C9F3E2F1}" destId="{0014ADDE-2E3C-4694-BC18-34D399029FAA}" srcOrd="0" destOrd="0" parTransId="{5C936429-97DD-4B0F-BB27-E5DDCF49FE58}" sibTransId="{54C433B9-01DE-43E1-A72A-DB8BBE9AF1DE}"/>
+    <dgm:cxn modelId="{5F2134E6-7E16-4308-B5E1-E2F7E274B98E}" type="presOf" srcId="{62C930CF-1192-4760-AC39-867A5EFBB010}" destId="{CFCAE085-31A4-4F9E-AE57-D34F0AA7AB17}" srcOrd="0" destOrd="6" presId="urn:microsoft.com/office/officeart/2005/8/layout/vList2"/>
     <dgm:cxn modelId="{4AADB430-508C-42CC-B2C3-762F6B50FF5D}" type="presOf" srcId="{7774AA9C-BDF6-4A1A-9545-CFBFEBE6A95F}" destId="{CFCAE085-31A4-4F9E-AE57-D34F0AA7AB17}" srcOrd="0" destOrd="5" presId="urn:microsoft.com/office/officeart/2005/8/layout/vList2"/>
-    <dgm:cxn modelId="{F28F0DEA-6677-46A6-8CFB-013F71E12823}" type="presOf" srcId="{8BB829D9-B0B4-4800-B110-F849A71E23C5}" destId="{CFCAE085-31A4-4F9E-AE57-D34F0AA7AB17}" srcOrd="0" destOrd="3" presId="urn:microsoft.com/office/officeart/2005/8/layout/vList2"/>
-    <dgm:cxn modelId="{705487BE-C7CC-486A-AA2F-D46DD07B1A2F}" srcId="{83CB12BE-77D0-43A4-9309-AF09C9F3E2F1}" destId="{618BBBE3-9E60-4517-ACDE-148D3FD93753}" srcOrd="3" destOrd="0" parTransId="{04304890-BC1E-4F0C-B6D9-ECF1E73195AC}" sibTransId="{F7511902-7878-4B22-A623-B2568E76037B}"/>
-    <dgm:cxn modelId="{913427DB-837B-4704-8718-6F196B454A86}" srcId="{62C930CF-1192-4760-AC39-867A5EFBB010}" destId="{047BB815-F806-42EA-8BF7-1644A0F7C4B0}" srcOrd="0" destOrd="0" parTransId="{FCF3FA7D-3AB5-4335-A396-D2260D47FCCB}" sibTransId="{92842E0C-C91A-4E92-AA86-65E65D289760}"/>
-    <dgm:cxn modelId="{CE9DCC65-76DE-4749-AF1A-B4741474FCCD}" type="presOf" srcId="{366607A0-5F82-4A07-A6EC-25E28371DC24}" destId="{CFCAE085-31A4-4F9E-AE57-D34F0AA7AB17}" srcOrd="0" destOrd="2" presId="urn:microsoft.com/office/officeart/2005/8/layout/vList2"/>
-    <dgm:cxn modelId="{85609A32-EA99-4ECD-BB07-724982EF630F}" type="presOf" srcId="{8A63C6D0-F473-4D0A-9FA4-2EA7E37B987D}" destId="{21D8F7A8-2AA5-4DE5-A3C6-0E8C7AF08142}" srcOrd="0" destOrd="0" presId="urn:microsoft.com/office/officeart/2005/8/layout/vList2"/>
-    <dgm:cxn modelId="{5E5DD17C-0A53-4947-ABD2-6C7D20ACE9D9}" type="presOf" srcId="{83CB12BE-77D0-43A4-9309-AF09C9F3E2F1}" destId="{AE2C0C01-084F-48BF-A7DE-522EC85C547D}" srcOrd="0" destOrd="0" presId="urn:microsoft.com/office/officeart/2005/8/layout/vList2"/>
-    <dgm:cxn modelId="{5F2134E6-7E16-4308-B5E1-E2F7E274B98E}" type="presOf" srcId="{62C930CF-1192-4760-AC39-867A5EFBB010}" destId="{CFCAE085-31A4-4F9E-AE57-D34F0AA7AB17}" srcOrd="0" destOrd="6" presId="urn:microsoft.com/office/officeart/2005/8/layout/vList2"/>
-    <dgm:cxn modelId="{F4D0C295-16E7-40CD-B4E6-93EAAA9D0CCB}" type="presOf" srcId="{047BB815-F806-42EA-8BF7-1644A0F7C4B0}" destId="{CFCAE085-31A4-4F9E-AE57-D34F0AA7AB17}" srcOrd="0" destOrd="7" presId="urn:microsoft.com/office/officeart/2005/8/layout/vList2"/>
-    <dgm:cxn modelId="{393E18EC-A01C-4190-930B-3327D5ADE6EA}" srcId="{0014ADDE-2E3C-4694-BC18-34D399029FAA}" destId="{366607A0-5F82-4A07-A6EC-25E28371DC24}" srcOrd="1" destOrd="0" parTransId="{DD8AF2DC-5DF7-4EE2-84F8-BE351D8F2DA9}" sibTransId="{117AD01E-F24C-4F34-8C94-9FE401130B15}"/>
-    <dgm:cxn modelId="{B1289D31-A1DA-45CB-B6DB-1115CF7E8D1D}" srcId="{8BB829D9-B0B4-4800-B110-F849A71E23C5}" destId="{7774AA9C-BDF6-4A1A-9545-CFBFEBE6A95F}" srcOrd="1" destOrd="0" parTransId="{05382456-03B3-4889-8E4F-1460685B6AE3}" sibTransId="{66A15475-6B9C-4282-B4FC-687A7F4CCB8E}"/>
-    <dgm:cxn modelId="{A4DE9BF5-29C5-4AF3-BCB8-EDED232AAA69}" srcId="{62C930CF-1192-4760-AC39-867A5EFBB010}" destId="{ED91EC43-CF56-4EC9-82CF-334019FD544F}" srcOrd="1" destOrd="0" parTransId="{5CF05329-A702-48D8-8009-0213E92E3F7B}" sibTransId="{10C8343B-50A3-4612-9518-474D1D6F5419}"/>
+    <dgm:cxn modelId="{376F71AA-3B27-4F85-A9BA-C2A5F6F6C5DC}" srcId="{62C930CF-1192-4760-AC39-867A5EFBB010}" destId="{C92608F4-2465-4DD8-951F-AAD169F85267}" srcOrd="2" destOrd="0" parTransId="{1D229681-BB90-48FE-B132-E7243999C47D}" sibTransId="{B2EB1F89-2013-4B04-8A41-4B488E339EC3}"/>
+    <dgm:cxn modelId="{7B95D7A7-4C32-4F37-B80E-D38688343B1A}" type="presOf" srcId="{3C43E2E6-6137-464E-A2AC-B21F07C7717A}" destId="{CFCAE085-31A4-4F9E-AE57-D34F0AA7AB17}" srcOrd="0" destOrd="11" presId="urn:microsoft.com/office/officeart/2005/8/layout/vList2"/>
+    <dgm:cxn modelId="{8188D0AB-61E8-4BD4-8796-4BA4ECDE2A99}" type="presOf" srcId="{0014ADDE-2E3C-4694-BC18-34D399029FAA}" destId="{CFCAE085-31A4-4F9E-AE57-D34F0AA7AB17}" srcOrd="0" destOrd="0" presId="urn:microsoft.com/office/officeart/2005/8/layout/vList2"/>
     <dgm:cxn modelId="{62F0B5AD-51A6-4806-B0C6-1E6B8E9BC9EB}" type="presOf" srcId="{5BC6A234-78DF-48CC-9473-1DB2B9D19FE2}" destId="{CFCAE085-31A4-4F9E-AE57-D34F0AA7AB17}" srcOrd="0" destOrd="4" presId="urn:microsoft.com/office/officeart/2005/8/layout/vList2"/>
-    <dgm:cxn modelId="{69427BD0-353B-4B85-841F-9A2680584E6B}" srcId="{83CB12BE-77D0-43A4-9309-AF09C9F3E2F1}" destId="{62C930CF-1192-4760-AC39-867A5EFBB010}" srcOrd="2" destOrd="0" parTransId="{F353CD17-29EC-4E7D-BBEB-7D6C686B368E}" sibTransId="{3FEF2155-CB90-4D58-8D3E-2DA1083C17F7}"/>
-    <dgm:cxn modelId="{3A40A2B0-7638-4AE2-B66D-24996ECBDEB2}" srcId="{618BBBE3-9E60-4517-ACDE-148D3FD93753}" destId="{3C43E2E6-6137-464E-A2AC-B21F07C7717A}" srcOrd="0" destOrd="0" parTransId="{5F4055EB-0DA1-4CA0-91F3-30359B8C175E}" sibTransId="{8FA97814-6A9E-4C40-BFE7-69CE390790EA}"/>
-    <dgm:cxn modelId="{0BCCA28F-A247-4385-AD86-5C4D254FA2A2}" srcId="{83CB12BE-77D0-43A4-9309-AF09C9F3E2F1}" destId="{0014ADDE-2E3C-4694-BC18-34D399029FAA}" srcOrd="0" destOrd="0" parTransId="{5C936429-97DD-4B0F-BB27-E5DDCF49FE58}" sibTransId="{54C433B9-01DE-43E1-A72A-DB8BBE9AF1DE}"/>
-    <dgm:cxn modelId="{47164A0E-A453-48E8-B45D-372E2E1ACA30}" type="presOf" srcId="{ED91EC43-CF56-4EC9-82CF-334019FD544F}" destId="{CFCAE085-31A4-4F9E-AE57-D34F0AA7AB17}" srcOrd="0" destOrd="8" presId="urn:microsoft.com/office/officeart/2005/8/layout/vList2"/>
-    <dgm:cxn modelId="{944A2BBD-9478-43AF-8029-FC774C03A4E3}" type="presOf" srcId="{EC82B3CE-3723-4100-BA2E-8865EDDA0F20}" destId="{CFCAE085-31A4-4F9E-AE57-D34F0AA7AB17}" srcOrd="0" destOrd="1" presId="urn:microsoft.com/office/officeart/2005/8/layout/vList2"/>
-    <dgm:cxn modelId="{7FD42E23-BC3F-478D-918E-67DFEB038880}" srcId="{0014ADDE-2E3C-4694-BC18-34D399029FAA}" destId="{EC82B3CE-3723-4100-BA2E-8865EDDA0F20}" srcOrd="0" destOrd="0" parTransId="{092FA16D-E482-4789-B57F-B62F118FA169}" sibTransId="{5B8867DC-08E2-41D4-9D5B-72F09DD7E36C}"/>
-    <dgm:cxn modelId="{376F71AA-3B27-4F85-A9BA-C2A5F6F6C5DC}" srcId="{62C930CF-1192-4760-AC39-867A5EFBB010}" destId="{C92608F4-2465-4DD8-951F-AAD169F85267}" srcOrd="2" destOrd="0" parTransId="{1D229681-BB90-48FE-B132-E7243999C47D}" sibTransId="{B2EB1F89-2013-4B04-8A41-4B488E339EC3}"/>
-    <dgm:cxn modelId="{6ED052A0-9347-4B09-A785-70CBF08933C5}" type="presOf" srcId="{618BBBE3-9E60-4517-ACDE-148D3FD93753}" destId="{CFCAE085-31A4-4F9E-AE57-D34F0AA7AB17}" srcOrd="0" destOrd="10" presId="urn:microsoft.com/office/officeart/2005/8/layout/vList2"/>
-    <dgm:cxn modelId="{DC0AB7BC-392A-4181-98C1-B721AD79EDAB}" srcId="{8A63C6D0-F473-4D0A-9FA4-2EA7E37B987D}" destId="{83CB12BE-77D0-43A4-9309-AF09C9F3E2F1}" srcOrd="0" destOrd="0" parTransId="{F3864630-D720-4FEB-992E-BB6F73326637}" sibTransId="{4124ABD0-3C54-4B9D-AF7F-12A948128025}"/>
-    <dgm:cxn modelId="{7B95D7A7-4C32-4F37-B80E-D38688343B1A}" type="presOf" srcId="{3C43E2E6-6137-464E-A2AC-B21F07C7717A}" destId="{CFCAE085-31A4-4F9E-AE57-D34F0AA7AB17}" srcOrd="0" destOrd="11" presId="urn:microsoft.com/office/officeart/2005/8/layout/vList2"/>
-    <dgm:cxn modelId="{FB864236-0CD2-4FC7-8D4B-0413B82A5ED8}" srcId="{83CB12BE-77D0-43A4-9309-AF09C9F3E2F1}" destId="{8BB829D9-B0B4-4800-B110-F849A71E23C5}" srcOrd="1" destOrd="0" parTransId="{808E5169-575C-418A-9A86-6452A535C8C6}" sibTransId="{2477F82D-EB62-40D5-BCA5-BBE97FD0F508}"/>
-    <dgm:cxn modelId="{8188D0AB-61E8-4BD4-8796-4BA4ECDE2A99}" type="presOf" srcId="{0014ADDE-2E3C-4694-BC18-34D399029FAA}" destId="{CFCAE085-31A4-4F9E-AE57-D34F0AA7AB17}" srcOrd="0" destOrd="0" presId="urn:microsoft.com/office/officeart/2005/8/layout/vList2"/>
-    <dgm:cxn modelId="{01476FCA-6342-4979-9F05-3B91B4DB7A61}" type="presOf" srcId="{C92608F4-2465-4DD8-951F-AAD169F85267}" destId="{CFCAE085-31A4-4F9E-AE57-D34F0AA7AB17}" srcOrd="0" destOrd="9" presId="urn:microsoft.com/office/officeart/2005/8/layout/vList2"/>
     <dgm:cxn modelId="{C9C2BA32-1086-45B4-A25F-A7396923FB18}" type="presParOf" srcId="{21D8F7A8-2AA5-4DE5-A3C6-0E8C7AF08142}" destId="{AE2C0C01-084F-48BF-A7DE-522EC85C547D}" srcOrd="0" destOrd="0" presId="urn:microsoft.com/office/officeart/2005/8/layout/vList2"/>
     <dgm:cxn modelId="{C8F4950F-52AF-4DC1-9478-24053ACC9800}" type="presParOf" srcId="{21D8F7A8-2AA5-4DE5-A3C6-0E8C7AF08142}" destId="{CFCAE085-31A4-4F9E-AE57-D34F0AA7AB17}" srcOrd="1" destOrd="0" presId="urn:microsoft.com/office/officeart/2005/8/layout/vList2"/>
   </dgm:cxnLst>
@@ -3726,7 +3702,7 @@
   <dgm:whole/>
   <dgm:extLst>
     <a:ext uri="http://schemas.microsoft.com/office/drawing/2008/diagram">
-      <dsp:dataModelExt xmlns:dsp="http://schemas.microsoft.com/office/drawing/2008/diagram" relId="rId7" minVer="http://schemas.openxmlformats.org/drawingml/2006/diagram"/>
+      <dsp:dataModelExt xmlns="" xmlns:dsp="http://schemas.microsoft.com/office/drawing/2008/diagram" relId="rId7" minVer="http://schemas.openxmlformats.org/drawingml/2006/diagram"/>
     </a:ext>
   </dgm:extLst>
 </dgm:dataModel>
@@ -4401,37 +4377,37 @@
     </dgm:pt>
   </dgm:ptLst>
   <dgm:cxnLst>
+    <dgm:cxn modelId="{CE435F01-B56B-4A57-A020-5BADB80D0C2F}" type="presOf" srcId="{C4AC354C-D1C7-47DB-B456-74D649B8B930}" destId="{A660F71A-5F27-4F18-B0AC-E320F847C26A}" srcOrd="0" destOrd="7" presId="urn:microsoft.com/office/officeart/2005/8/layout/vList2"/>
+    <dgm:cxn modelId="{4340B4F0-485B-46F9-89D4-B390F24B4F75}" srcId="{02C62F1B-A025-4918-8931-19737B77BCDE}" destId="{D1DE6548-7EC7-4662-A12C-A13E0DF16AB3}" srcOrd="0" destOrd="0" parTransId="{AD859CF8-D190-4E8F-848D-7EB780B4C15A}" sibTransId="{8E63660C-C8DA-41AC-92EB-D7B138102252}"/>
+    <dgm:cxn modelId="{2BD5FA73-32CE-4B76-B574-91015FCF08F4}" type="presOf" srcId="{AD1D13D1-86E1-410D-A10F-B671DB82DCDE}" destId="{A660F71A-5F27-4F18-B0AC-E320F847C26A}" srcOrd="0" destOrd="8" presId="urn:microsoft.com/office/officeart/2005/8/layout/vList2"/>
+    <dgm:cxn modelId="{CD2BEAAB-8B97-47D3-B9AC-F408737A7076}" srcId="{86CABE63-EEEE-494B-B0AE-5ED644AB8BEB}" destId="{0948A92F-3D0E-4BC8-9EFA-FA87E7F3A993}" srcOrd="0" destOrd="0" parTransId="{17079C52-2289-4238-85C4-372BEFF56C0C}" sibTransId="{CBC0C721-5911-43E6-B3B7-16E98576F2C3}"/>
     <dgm:cxn modelId="{5760856A-73A1-4AF2-AE5F-BB70D7A5E7EF}" type="presOf" srcId="{86CABE63-EEEE-494B-B0AE-5ED644AB8BEB}" destId="{A660F71A-5F27-4F18-B0AC-E320F847C26A}" srcOrd="0" destOrd="1" presId="urn:microsoft.com/office/officeart/2005/8/layout/vList2"/>
+    <dgm:cxn modelId="{911BC56E-9BF5-4A79-9AB7-993261030848}" srcId="{6C7771B5-7E4C-4D81-BF50-8CDE598F59C5}" destId="{C4AC354C-D1C7-47DB-B456-74D649B8B930}" srcOrd="0" destOrd="0" parTransId="{791FA6DE-2869-46D7-AA2B-A23F0F2B9FE3}" sibTransId="{56892E70-2C9E-4569-8997-1AFD13756DF2}"/>
+    <dgm:cxn modelId="{D8DF9C29-A205-432E-8C8E-B1F13A07D7B8}" type="presOf" srcId="{59F2E7FE-CCD9-4885-813B-2FE442DBB5B2}" destId="{A660F71A-5F27-4F18-B0AC-E320F847C26A}" srcOrd="0" destOrd="9" presId="urn:microsoft.com/office/officeart/2005/8/layout/vList2"/>
+    <dgm:cxn modelId="{267E9F38-F794-4D24-BD0F-90C8FF127569}" srcId="{59F2E7FE-CCD9-4885-813B-2FE442DBB5B2}" destId="{F8B14AC4-2270-4B40-8512-C6BE73CA72D4}" srcOrd="0" destOrd="0" parTransId="{839957D7-EECB-41D4-AFF6-45975E8FDF20}" sibTransId="{AB47DC82-F327-4647-9058-92A3F7097A33}"/>
+    <dgm:cxn modelId="{3782B023-0C7F-4284-9BC5-BCF1D3C3F739}" srcId="{D1DE6548-7EC7-4662-A12C-A13E0DF16AB3}" destId="{59F2E7FE-CCD9-4885-813B-2FE442DBB5B2}" srcOrd="2" destOrd="0" parTransId="{7C9EC238-E01C-4E11-A123-530636CAE869}" sibTransId="{2BBC689E-530A-423E-8F94-ECF6B238F1E2}"/>
     <dgm:cxn modelId="{7D344244-7B59-4778-B0CE-358F6C05D57C}" type="presOf" srcId="{08C32BC8-60AF-4F6C-99E5-E65B9F56E45B}" destId="{A660F71A-5F27-4F18-B0AC-E320F847C26A}" srcOrd="0" destOrd="0" presId="urn:microsoft.com/office/officeart/2005/8/layout/vList2"/>
+    <dgm:cxn modelId="{7C219038-23EA-4C65-ADBD-37FED65C1DB6}" srcId="{AC531724-388E-4F19-BAE7-4EA8D22D7BA5}" destId="{6C7771B5-7E4C-4D81-BF50-8CDE598F59C5}" srcOrd="0" destOrd="0" parTransId="{75312164-1077-4624-942C-A8851CDBF2E5}" sibTransId="{7A303FC8-7982-4422-8911-DFDBFBCBC7E9}"/>
+    <dgm:cxn modelId="{9B76D9FD-59C1-4A31-BA1B-D0B28D4EC80D}" type="presOf" srcId="{08603CA6-6D07-4CEE-AA68-187B73FA8EC4}" destId="{A660F71A-5F27-4F18-B0AC-E320F847C26A}" srcOrd="0" destOrd="13" presId="urn:microsoft.com/office/officeart/2005/8/layout/vList2"/>
+    <dgm:cxn modelId="{6FD6EDB1-E39A-4FCE-9428-6E3785ED1EDE}" type="presOf" srcId="{AC531724-388E-4F19-BAE7-4EA8D22D7BA5}" destId="{A660F71A-5F27-4F18-B0AC-E320F847C26A}" srcOrd="0" destOrd="5" presId="urn:microsoft.com/office/officeart/2005/8/layout/vList2"/>
+    <dgm:cxn modelId="{93AF9CD4-DEE9-4959-BDB1-7CB123459999}" type="presOf" srcId="{F8B14AC4-2270-4B40-8512-C6BE73CA72D4}" destId="{A660F71A-5F27-4F18-B0AC-E320F847C26A}" srcOrd="0" destOrd="10" presId="urn:microsoft.com/office/officeart/2005/8/layout/vList2"/>
+    <dgm:cxn modelId="{87467046-004A-4CAC-B6C9-807DD8247B1A}" type="presOf" srcId="{0948A92F-3D0E-4BC8-9EFA-FA87E7F3A993}" destId="{A660F71A-5F27-4F18-B0AC-E320F847C26A}" srcOrd="0" destOrd="2" presId="urn:microsoft.com/office/officeart/2005/8/layout/vList2"/>
+    <dgm:cxn modelId="{1F1D41C3-BD5D-4BA9-89FB-C93C96D8612F}" srcId="{6C7771B5-7E4C-4D81-BF50-8CDE598F59C5}" destId="{AD1D13D1-86E1-410D-A10F-B671DB82DCDE}" srcOrd="1" destOrd="0" parTransId="{5367220C-0BEB-4D96-AE99-C21B6C283638}" sibTransId="{6B815FA5-962B-4142-9556-B6B3393E865A}"/>
+    <dgm:cxn modelId="{617BC49E-E46F-4D77-9DA2-A981CEAA25D8}" type="presOf" srcId="{D1DE6548-7EC7-4662-A12C-A13E0DF16AB3}" destId="{77462533-3D04-4899-BC15-9C87FD5B0CA1}" srcOrd="0" destOrd="0" presId="urn:microsoft.com/office/officeart/2005/8/layout/vList2"/>
+    <dgm:cxn modelId="{EE9492FA-A1A9-41AC-B1BE-B7FB54379F83}" srcId="{F8B14AC4-2270-4B40-8512-C6BE73CA72D4}" destId="{D2651AD4-8805-4A59-BC5E-56192B2975FB}" srcOrd="0" destOrd="0" parTransId="{B96394ED-FB01-4ED5-AD4C-B3A11FA6DF85}" sibTransId="{28C69A18-A003-4F2A-8EFF-1332C51188AA}"/>
+    <dgm:cxn modelId="{49CF9E45-F4F7-47B6-B954-26F04627CBF8}" srcId="{F8B14AC4-2270-4B40-8512-C6BE73CA72D4}" destId="{8632C060-5FB5-4565-A56F-262D0E402AC2}" srcOrd="1" destOrd="0" parTransId="{7E25BD5E-9948-4235-BD94-CF2F727A834D}" sibTransId="{4D9C2EF0-301D-4F9A-B063-FCBB81B271E6}"/>
+    <dgm:cxn modelId="{7237EC39-EFFB-4326-9DA9-81771140D798}" srcId="{08C32BC8-60AF-4F6C-99E5-E65B9F56E45B}" destId="{86CABE63-EEEE-494B-B0AE-5ED644AB8BEB}" srcOrd="0" destOrd="0" parTransId="{7F3B1BCE-98EE-4564-9D98-FC7393AC3FB0}" sibTransId="{01209F0E-F54B-4FF7-A14F-6737507DA769}"/>
+    <dgm:cxn modelId="{430C0860-AE38-43EC-818A-613913115DD3}" srcId="{D1DE6548-7EC7-4662-A12C-A13E0DF16AB3}" destId="{AC531724-388E-4F19-BAE7-4EA8D22D7BA5}" srcOrd="1" destOrd="0" parTransId="{A0DDF586-3433-4D75-9235-12F5B95C7929}" sibTransId="{EA56C1FE-C4B1-4177-A438-D6388F79F5D3}"/>
     <dgm:cxn modelId="{EA316A04-28FF-42ED-9E8C-74DBF023C01F}" type="presOf" srcId="{1D7B056A-EAFC-4900-B304-6AC1C695FEBB}" destId="{A660F71A-5F27-4F18-B0AC-E320F847C26A}" srcOrd="0" destOrd="3" presId="urn:microsoft.com/office/officeart/2005/8/layout/vList2"/>
-    <dgm:cxn modelId="{7237EC39-EFFB-4326-9DA9-81771140D798}" srcId="{08C32BC8-60AF-4F6C-99E5-E65B9F56E45B}" destId="{86CABE63-EEEE-494B-B0AE-5ED644AB8BEB}" srcOrd="0" destOrd="0" parTransId="{7F3B1BCE-98EE-4564-9D98-FC7393AC3FB0}" sibTransId="{01209F0E-F54B-4FF7-A14F-6737507DA769}"/>
-    <dgm:cxn modelId="{D8DF9C29-A205-432E-8C8E-B1F13A07D7B8}" type="presOf" srcId="{59F2E7FE-CCD9-4885-813B-2FE442DBB5B2}" destId="{A660F71A-5F27-4F18-B0AC-E320F847C26A}" srcOrd="0" destOrd="9" presId="urn:microsoft.com/office/officeart/2005/8/layout/vList2"/>
+    <dgm:cxn modelId="{6A7BDD16-46BD-47C7-878C-CAEF466AF819}" type="presOf" srcId="{6C7771B5-7E4C-4D81-BF50-8CDE598F59C5}" destId="{A660F71A-5F27-4F18-B0AC-E320F847C26A}" srcOrd="0" destOrd="6" presId="urn:microsoft.com/office/officeart/2005/8/layout/vList2"/>
+    <dgm:cxn modelId="{E5DEC4AC-C462-46DE-806E-86A778C9828D}" srcId="{86CABE63-EEEE-494B-B0AE-5ED644AB8BEB}" destId="{71B9800D-E43D-4D2D-B66C-1BF04766D97C}" srcOrd="2" destOrd="0" parTransId="{4F2F15B8-4118-42A2-97AA-B7D45CAC1003}" sibTransId="{E7F7E1E9-77AA-4D59-A94D-15E5286AD758}"/>
+    <dgm:cxn modelId="{A3FCBD67-0E0A-4F06-816B-05E2BF5D457E}" type="presOf" srcId="{D2651AD4-8805-4A59-BC5E-56192B2975FB}" destId="{A660F71A-5F27-4F18-B0AC-E320F847C26A}" srcOrd="0" destOrd="11" presId="urn:microsoft.com/office/officeart/2005/8/layout/vList2"/>
+    <dgm:cxn modelId="{98FD563D-F955-4E00-AB4F-B0E47C53C2A4}" srcId="{86CABE63-EEEE-494B-B0AE-5ED644AB8BEB}" destId="{1D7B056A-EAFC-4900-B304-6AC1C695FEBB}" srcOrd="1" destOrd="0" parTransId="{217034C4-134A-486A-82C7-B6592CAD779E}" sibTransId="{66AF6EA7-CA04-4D3B-B436-B0A8983F6CD3}"/>
+    <dgm:cxn modelId="{639FA9AF-6915-4A75-8DE1-88322945B58D}" type="presOf" srcId="{02C62F1B-A025-4918-8931-19737B77BCDE}" destId="{B2A35462-3CE8-41B4-8EDF-C5C1FEA6B9B7}" srcOrd="0" destOrd="0" presId="urn:microsoft.com/office/officeart/2005/8/layout/vList2"/>
+    <dgm:cxn modelId="{2B182AB3-A460-425B-AB3E-F0C8516A9EB1}" srcId="{D1DE6548-7EC7-4662-A12C-A13E0DF16AB3}" destId="{08C32BC8-60AF-4F6C-99E5-E65B9F56E45B}" srcOrd="0" destOrd="0" parTransId="{30331026-A630-4CB3-B363-2240A042AD76}" sibTransId="{E0497876-8108-40C3-A745-EB96A68C5A2A}"/>
+    <dgm:cxn modelId="{E721255E-E7B9-4B59-9E70-8D3A4AD07523}" type="presOf" srcId="{8632C060-5FB5-4565-A56F-262D0E402AC2}" destId="{A660F71A-5F27-4F18-B0AC-E320F847C26A}" srcOrd="0" destOrd="12" presId="urn:microsoft.com/office/officeart/2005/8/layout/vList2"/>
+    <dgm:cxn modelId="{60ADB5DD-B4D5-4811-91B3-D1420B6129F7}" type="presOf" srcId="{71B9800D-E43D-4D2D-B66C-1BF04766D97C}" destId="{A660F71A-5F27-4F18-B0AC-E320F847C26A}" srcOrd="0" destOrd="4" presId="urn:microsoft.com/office/officeart/2005/8/layout/vList2"/>
     <dgm:cxn modelId="{DF378A58-B1C4-4513-AB09-BB42270CF2AE}" srcId="{F8B14AC4-2270-4B40-8512-C6BE73CA72D4}" destId="{08603CA6-6D07-4CEE-AA68-187B73FA8EC4}" srcOrd="2" destOrd="0" parTransId="{73F53695-C141-4DD9-96D6-1AEA30D15A8B}" sibTransId="{E7DD66F2-2D8E-4A66-ABA3-D3C027220972}"/>
-    <dgm:cxn modelId="{6FD6EDB1-E39A-4FCE-9428-6E3785ED1EDE}" type="presOf" srcId="{AC531724-388E-4F19-BAE7-4EA8D22D7BA5}" destId="{A660F71A-5F27-4F18-B0AC-E320F847C26A}" srcOrd="0" destOrd="5" presId="urn:microsoft.com/office/officeart/2005/8/layout/vList2"/>
-    <dgm:cxn modelId="{2B182AB3-A460-425B-AB3E-F0C8516A9EB1}" srcId="{D1DE6548-7EC7-4662-A12C-A13E0DF16AB3}" destId="{08C32BC8-60AF-4F6C-99E5-E65B9F56E45B}" srcOrd="0" destOrd="0" parTransId="{30331026-A630-4CB3-B363-2240A042AD76}" sibTransId="{E0497876-8108-40C3-A745-EB96A68C5A2A}"/>
-    <dgm:cxn modelId="{1F1D41C3-BD5D-4BA9-89FB-C93C96D8612F}" srcId="{6C7771B5-7E4C-4D81-BF50-8CDE598F59C5}" destId="{AD1D13D1-86E1-410D-A10F-B671DB82DCDE}" srcOrd="1" destOrd="0" parTransId="{5367220C-0BEB-4D96-AE99-C21B6C283638}" sibTransId="{6B815FA5-962B-4142-9556-B6B3393E865A}"/>
-    <dgm:cxn modelId="{3782B023-0C7F-4284-9BC5-BCF1D3C3F739}" srcId="{D1DE6548-7EC7-4662-A12C-A13E0DF16AB3}" destId="{59F2E7FE-CCD9-4885-813B-2FE442DBB5B2}" srcOrd="2" destOrd="0" parTransId="{7C9EC238-E01C-4E11-A123-530636CAE869}" sibTransId="{2BBC689E-530A-423E-8F94-ECF6B238F1E2}"/>
-    <dgm:cxn modelId="{EE9492FA-A1A9-41AC-B1BE-B7FB54379F83}" srcId="{F8B14AC4-2270-4B40-8512-C6BE73CA72D4}" destId="{D2651AD4-8805-4A59-BC5E-56192B2975FB}" srcOrd="0" destOrd="0" parTransId="{B96394ED-FB01-4ED5-AD4C-B3A11FA6DF85}" sibTransId="{28C69A18-A003-4F2A-8EFF-1332C51188AA}"/>
-    <dgm:cxn modelId="{CE435F01-B56B-4A57-A020-5BADB80D0C2F}" type="presOf" srcId="{C4AC354C-D1C7-47DB-B456-74D649B8B930}" destId="{A660F71A-5F27-4F18-B0AC-E320F847C26A}" srcOrd="0" destOrd="7" presId="urn:microsoft.com/office/officeart/2005/8/layout/vList2"/>
-    <dgm:cxn modelId="{430C0860-AE38-43EC-818A-613913115DD3}" srcId="{D1DE6548-7EC7-4662-A12C-A13E0DF16AB3}" destId="{AC531724-388E-4F19-BAE7-4EA8D22D7BA5}" srcOrd="1" destOrd="0" parTransId="{A0DDF586-3433-4D75-9235-12F5B95C7929}" sibTransId="{EA56C1FE-C4B1-4177-A438-D6388F79F5D3}"/>
-    <dgm:cxn modelId="{E721255E-E7B9-4B59-9E70-8D3A4AD07523}" type="presOf" srcId="{8632C060-5FB5-4565-A56F-262D0E402AC2}" destId="{A660F71A-5F27-4F18-B0AC-E320F847C26A}" srcOrd="0" destOrd="12" presId="urn:microsoft.com/office/officeart/2005/8/layout/vList2"/>
-    <dgm:cxn modelId="{267E9F38-F794-4D24-BD0F-90C8FF127569}" srcId="{59F2E7FE-CCD9-4885-813B-2FE442DBB5B2}" destId="{F8B14AC4-2270-4B40-8512-C6BE73CA72D4}" srcOrd="0" destOrd="0" parTransId="{839957D7-EECB-41D4-AFF6-45975E8FDF20}" sibTransId="{AB47DC82-F327-4647-9058-92A3F7097A33}"/>
-    <dgm:cxn modelId="{639FA9AF-6915-4A75-8DE1-88322945B58D}" type="presOf" srcId="{02C62F1B-A025-4918-8931-19737B77BCDE}" destId="{B2A35462-3CE8-41B4-8EDF-C5C1FEA6B9B7}" srcOrd="0" destOrd="0" presId="urn:microsoft.com/office/officeart/2005/8/layout/vList2"/>
-    <dgm:cxn modelId="{7C219038-23EA-4C65-ADBD-37FED65C1DB6}" srcId="{AC531724-388E-4F19-BAE7-4EA8D22D7BA5}" destId="{6C7771B5-7E4C-4D81-BF50-8CDE598F59C5}" srcOrd="0" destOrd="0" parTransId="{75312164-1077-4624-942C-A8851CDBF2E5}" sibTransId="{7A303FC8-7982-4422-8911-DFDBFBCBC7E9}"/>
-    <dgm:cxn modelId="{93AF9CD4-DEE9-4959-BDB1-7CB123459999}" type="presOf" srcId="{F8B14AC4-2270-4B40-8512-C6BE73CA72D4}" destId="{A660F71A-5F27-4F18-B0AC-E320F847C26A}" srcOrd="0" destOrd="10" presId="urn:microsoft.com/office/officeart/2005/8/layout/vList2"/>
-    <dgm:cxn modelId="{98FD563D-F955-4E00-AB4F-B0E47C53C2A4}" srcId="{86CABE63-EEEE-494B-B0AE-5ED644AB8BEB}" destId="{1D7B056A-EAFC-4900-B304-6AC1C695FEBB}" srcOrd="1" destOrd="0" parTransId="{217034C4-134A-486A-82C7-B6592CAD779E}" sibTransId="{66AF6EA7-CA04-4D3B-B436-B0A8983F6CD3}"/>
-    <dgm:cxn modelId="{4340B4F0-485B-46F9-89D4-B390F24B4F75}" srcId="{02C62F1B-A025-4918-8931-19737B77BCDE}" destId="{D1DE6548-7EC7-4662-A12C-A13E0DF16AB3}" srcOrd="0" destOrd="0" parTransId="{AD859CF8-D190-4E8F-848D-7EB780B4C15A}" sibTransId="{8E63660C-C8DA-41AC-92EB-D7B138102252}"/>
-    <dgm:cxn modelId="{A3FCBD67-0E0A-4F06-816B-05E2BF5D457E}" type="presOf" srcId="{D2651AD4-8805-4A59-BC5E-56192B2975FB}" destId="{A660F71A-5F27-4F18-B0AC-E320F847C26A}" srcOrd="0" destOrd="11" presId="urn:microsoft.com/office/officeart/2005/8/layout/vList2"/>
-    <dgm:cxn modelId="{87467046-004A-4CAC-B6C9-807DD8247B1A}" type="presOf" srcId="{0948A92F-3D0E-4BC8-9EFA-FA87E7F3A993}" destId="{A660F71A-5F27-4F18-B0AC-E320F847C26A}" srcOrd="0" destOrd="2" presId="urn:microsoft.com/office/officeart/2005/8/layout/vList2"/>
-    <dgm:cxn modelId="{2BD5FA73-32CE-4B76-B574-91015FCF08F4}" type="presOf" srcId="{AD1D13D1-86E1-410D-A10F-B671DB82DCDE}" destId="{A660F71A-5F27-4F18-B0AC-E320F847C26A}" srcOrd="0" destOrd="8" presId="urn:microsoft.com/office/officeart/2005/8/layout/vList2"/>
-    <dgm:cxn modelId="{911BC56E-9BF5-4A79-9AB7-993261030848}" srcId="{6C7771B5-7E4C-4D81-BF50-8CDE598F59C5}" destId="{C4AC354C-D1C7-47DB-B456-74D649B8B930}" srcOrd="0" destOrd="0" parTransId="{791FA6DE-2869-46D7-AA2B-A23F0F2B9FE3}" sibTransId="{56892E70-2C9E-4569-8997-1AFD13756DF2}"/>
-    <dgm:cxn modelId="{9B76D9FD-59C1-4A31-BA1B-D0B28D4EC80D}" type="presOf" srcId="{08603CA6-6D07-4CEE-AA68-187B73FA8EC4}" destId="{A660F71A-5F27-4F18-B0AC-E320F847C26A}" srcOrd="0" destOrd="13" presId="urn:microsoft.com/office/officeart/2005/8/layout/vList2"/>
-    <dgm:cxn modelId="{49CF9E45-F4F7-47B6-B954-26F04627CBF8}" srcId="{F8B14AC4-2270-4B40-8512-C6BE73CA72D4}" destId="{8632C060-5FB5-4565-A56F-262D0E402AC2}" srcOrd="1" destOrd="0" parTransId="{7E25BD5E-9948-4235-BD94-CF2F727A834D}" sibTransId="{4D9C2EF0-301D-4F9A-B063-FCBB81B271E6}"/>
-    <dgm:cxn modelId="{E5DEC4AC-C462-46DE-806E-86A778C9828D}" srcId="{86CABE63-EEEE-494B-B0AE-5ED644AB8BEB}" destId="{71B9800D-E43D-4D2D-B66C-1BF04766D97C}" srcOrd="2" destOrd="0" parTransId="{4F2F15B8-4118-42A2-97AA-B7D45CAC1003}" sibTransId="{E7F7E1E9-77AA-4D59-A94D-15E5286AD758}"/>
-    <dgm:cxn modelId="{CD2BEAAB-8B97-47D3-B9AC-F408737A7076}" srcId="{86CABE63-EEEE-494B-B0AE-5ED644AB8BEB}" destId="{0948A92F-3D0E-4BC8-9EFA-FA87E7F3A993}" srcOrd="0" destOrd="0" parTransId="{17079C52-2289-4238-85C4-372BEFF56C0C}" sibTransId="{CBC0C721-5911-43E6-B3B7-16E98576F2C3}"/>
-    <dgm:cxn modelId="{6A7BDD16-46BD-47C7-878C-CAEF466AF819}" type="presOf" srcId="{6C7771B5-7E4C-4D81-BF50-8CDE598F59C5}" destId="{A660F71A-5F27-4F18-B0AC-E320F847C26A}" srcOrd="0" destOrd="6" presId="urn:microsoft.com/office/officeart/2005/8/layout/vList2"/>
-    <dgm:cxn modelId="{60ADB5DD-B4D5-4811-91B3-D1420B6129F7}" type="presOf" srcId="{71B9800D-E43D-4D2D-B66C-1BF04766D97C}" destId="{A660F71A-5F27-4F18-B0AC-E320F847C26A}" srcOrd="0" destOrd="4" presId="urn:microsoft.com/office/officeart/2005/8/layout/vList2"/>
-    <dgm:cxn modelId="{617BC49E-E46F-4D77-9DA2-A981CEAA25D8}" type="presOf" srcId="{D1DE6548-7EC7-4662-A12C-A13E0DF16AB3}" destId="{77462533-3D04-4899-BC15-9C87FD5B0CA1}" srcOrd="0" destOrd="0" presId="urn:microsoft.com/office/officeart/2005/8/layout/vList2"/>
     <dgm:cxn modelId="{DBDE58CC-9A2F-4D6A-B0AD-4D51405D6406}" type="presParOf" srcId="{B2A35462-3CE8-41B4-8EDF-C5C1FEA6B9B7}" destId="{77462533-3D04-4899-BC15-9C87FD5B0CA1}" srcOrd="0" destOrd="0" presId="urn:microsoft.com/office/officeart/2005/8/layout/vList2"/>
     <dgm:cxn modelId="{D9529118-D370-4CD0-A0F3-DBADF2053C7F}" type="presParOf" srcId="{B2A35462-3CE8-41B4-8EDF-C5C1FEA6B9B7}" destId="{A660F71A-5F27-4F18-B0AC-E320F847C26A}" srcOrd="1" destOrd="0" presId="urn:microsoft.com/office/officeart/2005/8/layout/vList2"/>
   </dgm:cxnLst>
@@ -4439,7 +4415,7 @@
   <dgm:whole/>
   <dgm:extLst>
     <a:ext uri="http://schemas.microsoft.com/office/drawing/2008/diagram">
-      <dsp:dataModelExt xmlns:dsp="http://schemas.microsoft.com/office/drawing/2008/diagram" relId="rId7" minVer="http://schemas.openxmlformats.org/drawingml/2006/diagram"/>
+      <dsp:dataModelExt xmlns="" xmlns:dsp="http://schemas.microsoft.com/office/drawing/2008/diagram" relId="rId7" minVer="http://schemas.openxmlformats.org/drawingml/2006/diagram"/>
     </a:ext>
   </dgm:extLst>
 </dgm:dataModel>
@@ -9414,7 +9390,7 @@
               <a:pPr>
                 <a:defRPr/>
               </a:pPr>
-              <a:t>2014/6/12</a:t>
+              <a:t>2014/6/14</a:t>
             </a:fld>
             <a:endParaRPr lang="zh-CN" altLang="en-US"/>
           </a:p>
@@ -9498,7 +9474,7 @@
     </p:spTree>
     <p:extLst>
       <p:ext uri="{BB962C8B-B14F-4D97-AF65-F5344CB8AC3E}">
-        <p14:creationId xmlns:p14="http://schemas.microsoft.com/office/powerpoint/2010/main" val="2997540866"/>
+        <p14:creationId xmlns="" xmlns:p14="http://schemas.microsoft.com/office/powerpoint/2010/main" val="2997540866"/>
       </p:ext>
     </p:extLst>
   </p:cSld>
@@ -9602,7 +9578,7 @@
               <a:pPr>
                 <a:defRPr/>
               </a:pPr>
-              <a:t>2014/6/12</a:t>
+              <a:t>2014/6/14</a:t>
             </a:fld>
             <a:endParaRPr lang="zh-CN" altLang="en-US"/>
           </a:p>
@@ -9788,7 +9764,7 @@
     </p:spTree>
     <p:extLst>
       <p:ext uri="{BB962C8B-B14F-4D97-AF65-F5344CB8AC3E}">
-        <p14:creationId xmlns:p14="http://schemas.microsoft.com/office/powerpoint/2010/main" val="250044942"/>
+        <p14:creationId xmlns="" xmlns:p14="http://schemas.microsoft.com/office/powerpoint/2010/main" val="250044942"/>
       </p:ext>
     </p:extLst>
   </p:cSld>
@@ -10022,7 +9998,7 @@
     </p:spTree>
     <p:extLst>
       <p:ext uri="{BB962C8B-B14F-4D97-AF65-F5344CB8AC3E}">
-        <p14:creationId xmlns:p14="http://schemas.microsoft.com/office/powerpoint/2010/main" val="4175765479"/>
+        <p14:creationId xmlns="" xmlns:p14="http://schemas.microsoft.com/office/powerpoint/2010/main" val="4175765479"/>
       </p:ext>
     </p:extLst>
   </p:cSld>
@@ -10105,7 +10081,7 @@
     </p:spTree>
     <p:extLst>
       <p:ext uri="{BB962C8B-B14F-4D97-AF65-F5344CB8AC3E}">
-        <p14:creationId xmlns:p14="http://schemas.microsoft.com/office/powerpoint/2010/main" val="2634176535"/>
+        <p14:creationId xmlns="" xmlns:p14="http://schemas.microsoft.com/office/powerpoint/2010/main" val="2634176535"/>
       </p:ext>
     </p:extLst>
   </p:cSld>
@@ -10166,7 +10142,7 @@
     </p:spTree>
     <p:extLst>
       <p:ext uri="{BB962C8B-B14F-4D97-AF65-F5344CB8AC3E}">
-        <p14:creationId xmlns:p14="http://schemas.microsoft.com/office/powerpoint/2010/main" val="2634176535"/>
+        <p14:creationId xmlns="" xmlns:p14="http://schemas.microsoft.com/office/powerpoint/2010/main" val="2634176535"/>
       </p:ext>
     </p:extLst>
   </p:cSld>
@@ -10231,7 +10207,7 @@
     </p:spTree>
     <p:extLst>
       <p:ext uri="{BB962C8B-B14F-4D97-AF65-F5344CB8AC3E}">
-        <p14:creationId xmlns:p14="http://schemas.microsoft.com/office/powerpoint/2010/main" val="2634176535"/>
+        <p14:creationId xmlns="" xmlns:p14="http://schemas.microsoft.com/office/powerpoint/2010/main" val="2634176535"/>
       </p:ext>
     </p:extLst>
   </p:cSld>
@@ -10282,87 +10258,16 @@
         </p:nvSpPr>
         <p:spPr/>
         <p:txBody>
-          <a:bodyPr/>
+          <a:bodyPr>
+            <a:normAutofit/>
+          </a:bodyPr>
           <a:lstStyle/>
           <a:p>
-            <a:r>
-              <a:rPr lang="zh-CN" altLang="en-US" dirty="0" smtClean="0"/>
-              <a:t>我们前面说了瀑布流程，是一台有条不紊</a:t>
-            </a:r>
-            <a:r>
-              <a:rPr lang="zh-CN" altLang="en-US" baseline="0" dirty="0" smtClean="0"/>
-              <a:t> 但沉重拖沓的机器，在需求稳定的时候，工作质量很好。</a:t>
-            </a:r>
-            <a:endParaRPr lang="en-US" altLang="zh-CN" baseline="0" dirty="0" smtClean="0"/>
-          </a:p>
-          <a:p>
-            <a:endParaRPr lang="en-US" altLang="zh-CN" baseline="0" dirty="0" smtClean="0"/>
-          </a:p>
-          <a:p>
-            <a:r>
-              <a:rPr lang="zh-CN" altLang="en-US" baseline="0" dirty="0" smtClean="0"/>
-              <a:t>但是现在需求复杂的环境</a:t>
-            </a:r>
-            <a:endParaRPr lang="en-US" altLang="zh-CN" baseline="0" dirty="0" smtClean="0"/>
-          </a:p>
-          <a:p>
-            <a:endParaRPr lang="en-US" altLang="zh-CN" baseline="0" dirty="0" smtClean="0"/>
-          </a:p>
-          <a:p>
-            <a:r>
-              <a:rPr lang="zh-CN" altLang="en-US" baseline="0" dirty="0" smtClean="0"/>
-              <a:t>那么敏捷就是</a:t>
-            </a:r>
-            <a:endParaRPr lang="en-US" altLang="zh-CN" dirty="0" smtClean="0"/>
-          </a:p>
-          <a:p>
-            <a:endParaRPr lang="en-US" altLang="zh-CN" dirty="0" smtClean="0"/>
-          </a:p>
-          <a:p>
-            <a:r>
-              <a:rPr lang="zh-CN" altLang="en-US" dirty="0" smtClean="0"/>
-              <a:t>主张倡导</a:t>
-            </a:r>
-            <a:r>
-              <a:rPr lang="zh-CN" altLang="en-US" baseline="0" dirty="0" smtClean="0"/>
-              <a:t> 拥抱变化</a:t>
-            </a:r>
-            <a:r>
-              <a:rPr lang="en-US" altLang="zh-CN" baseline="0" dirty="0" smtClean="0"/>
-              <a:t>.</a:t>
-            </a:r>
-          </a:p>
-          <a:p>
-            <a:r>
-              <a:rPr lang="en-US" altLang="zh-CN" baseline="0" dirty="0" smtClean="0"/>
-              <a:t>===================================</a:t>
-            </a:r>
-          </a:p>
-          <a:p>
-            <a:r>
-              <a:rPr lang="zh-CN" altLang="en-US" dirty="0" smtClean="0"/>
-              <a:t>对人的要求会比较高。</a:t>
-            </a:r>
-            <a:endParaRPr lang="en-US" altLang="zh-CN" dirty="0" smtClean="0"/>
-          </a:p>
-          <a:p>
-            <a:r>
-              <a:rPr lang="zh-CN" altLang="en-US" dirty="0" smtClean="0"/>
-              <a:t>尽可能早的交付一个软件</a:t>
-            </a:r>
-            <a:endParaRPr lang="en-US" altLang="zh-CN" dirty="0" smtClean="0"/>
-          </a:p>
-          <a:p>
-            <a:endParaRPr lang="en-US" altLang="zh-CN" dirty="0" smtClean="0"/>
+            <a:endParaRPr lang="zh-CN" altLang="en-US" dirty="0"/>
           </a:p>
         </p:txBody>
       </p:sp>
     </p:spTree>
-    <p:extLst>
-      <p:ext uri="{BB962C8B-B14F-4D97-AF65-F5344CB8AC3E}">
-        <p14:creationId xmlns:p14="http://schemas.microsoft.com/office/powerpoint/2010/main" val="2634176535"/>
-      </p:ext>
-    </p:extLst>
   </p:cSld>
   <p:clrMapOvr>
     <a:masterClrMapping/>
@@ -10415,166 +10320,71 @@
           <a:lstStyle/>
           <a:p>
             <a:r>
-              <a:rPr lang="en-US" altLang="zh-CN" dirty="0" smtClean="0"/>
-              <a:t>Scrum </a:t>
-            </a:r>
-            <a:r>
               <a:rPr lang="zh-CN" altLang="en-US" dirty="0" smtClean="0"/>
-              <a:t>实施的重点是团队领导和需求管理，强调对客户需求的快速反应以及团队的共同协作和自我管理。</a:t>
-            </a:r>
-          </a:p>
-          <a:p>
-            <a:endParaRPr lang="zh-CN" altLang="en-US" dirty="0" smtClean="0"/>
-          </a:p>
-          <a:p>
-            <a:r>
-              <a:rPr lang="en-US" altLang="zh-CN" dirty="0" smtClean="0"/>
-              <a:t>Scrum </a:t>
-            </a:r>
+              <a:t>我们前面说了瀑布流程，是一台有条不紊</a:t>
+            </a:r>
+            <a:r>
+              <a:rPr lang="zh-CN" altLang="en-US" baseline="0" dirty="0" smtClean="0"/>
+              <a:t> 但沉重拖沓的机器，在需求稳定的时候，工作质量很好。</a:t>
+            </a:r>
+            <a:endParaRPr lang="en-US" altLang="zh-CN" baseline="0" dirty="0" smtClean="0"/>
+          </a:p>
+          <a:p>
+            <a:endParaRPr lang="en-US" altLang="zh-CN" baseline="0" dirty="0" smtClean="0"/>
+          </a:p>
+          <a:p>
+            <a:r>
+              <a:rPr lang="zh-CN" altLang="en-US" baseline="0" dirty="0" smtClean="0"/>
+              <a:t>但是现在需求复杂的环境</a:t>
+            </a:r>
+            <a:endParaRPr lang="en-US" altLang="zh-CN" baseline="0" dirty="0" smtClean="0"/>
+          </a:p>
+          <a:p>
+            <a:endParaRPr lang="en-US" altLang="zh-CN" baseline="0" dirty="0" smtClean="0"/>
+          </a:p>
+          <a:p>
+            <a:r>
+              <a:rPr lang="zh-CN" altLang="en-US" baseline="0" dirty="0" smtClean="0"/>
+              <a:t>那么敏捷就是</a:t>
+            </a:r>
+            <a:endParaRPr lang="en-US" altLang="zh-CN" dirty="0" smtClean="0"/>
+          </a:p>
+          <a:p>
+            <a:endParaRPr lang="en-US" altLang="zh-CN" dirty="0" smtClean="0"/>
+          </a:p>
+          <a:p>
             <a:r>
               <a:rPr lang="zh-CN" altLang="en-US" dirty="0" smtClean="0"/>
-              <a:t>方法通过将整个开发过程划分为若干个固定时间长度的 </a:t>
-            </a:r>
-            <a:r>
-              <a:rPr lang="en-US" altLang="zh-CN" dirty="0" smtClean="0"/>
-              <a:t>Sprint</a:t>
-            </a:r>
+              <a:t>主张倡导</a:t>
+            </a:r>
+            <a:r>
+              <a:rPr lang="zh-CN" altLang="en-US" baseline="0" dirty="0" smtClean="0"/>
+              <a:t> 拥抱变化</a:t>
+            </a:r>
+            <a:r>
+              <a:rPr lang="en-US" altLang="zh-CN" baseline="0" dirty="0" smtClean="0"/>
+              <a:t>.</a:t>
+            </a:r>
+          </a:p>
+          <a:p>
+            <a:r>
+              <a:rPr lang="en-US" altLang="zh-CN" baseline="0" dirty="0" smtClean="0"/>
+              <a:t>===================================</a:t>
+            </a:r>
+          </a:p>
+          <a:p>
             <a:r>
               <a:rPr lang="zh-CN" altLang="en-US" dirty="0" smtClean="0"/>
-              <a:t>，</a:t>
-            </a:r>
-          </a:p>
-          <a:p>
-            <a:endParaRPr lang="zh-CN" altLang="en-US" dirty="0" smtClean="0"/>
+              <a:t>对人的要求会比较高。</a:t>
+            </a:r>
+            <a:endParaRPr lang="en-US" altLang="zh-CN" dirty="0" smtClean="0"/>
           </a:p>
           <a:p>
             <a:r>
               <a:rPr lang="zh-CN" altLang="en-US" dirty="0" smtClean="0"/>
-              <a:t>在每个 </a:t>
-            </a:r>
-            <a:r>
-              <a:rPr lang="en-US" altLang="zh-CN" dirty="0" smtClean="0"/>
-              <a:t>Sprint </a:t>
-            </a:r>
-            <a:r>
-              <a:rPr lang="zh-CN" altLang="en-US" dirty="0" smtClean="0"/>
-              <a:t>结束时得到一个可以执行并演示的产品的增量版本，来推动产品的不断演进，直到最终发布。 </a:t>
+              <a:t>尽可能早的交付一个软件</a:t>
             </a:r>
             <a:endParaRPr lang="en-US" altLang="zh-CN" dirty="0" smtClean="0"/>
-          </a:p>
-          <a:p>
-            <a:endParaRPr lang="en-US" altLang="zh-CN" dirty="0" smtClean="0"/>
-          </a:p>
-          <a:p>
-            <a:endParaRPr lang="en-US" altLang="zh-CN" dirty="0" smtClean="0"/>
-          </a:p>
-          <a:p>
-            <a:pPr lvl="0" rtl="0"/>
-            <a:r>
-              <a:rPr lang="en-US" altLang="zh-CN" dirty="0" smtClean="0"/>
-              <a:t>Sprint</a:t>
-            </a:r>
-            <a:r>
-              <a:rPr lang="zh-CN" altLang="zh-CN" i="1" dirty="0" smtClean="0">
-                <a:solidFill>
-                  <a:schemeClr val="bg1">
-                    <a:lumMod val="50000"/>
-                  </a:schemeClr>
-                </a:solidFill>
-              </a:rPr>
-              <a:t>（迭代，</a:t>
-            </a:r>
-            <a:r>
-              <a:rPr lang="en-US" altLang="zh-CN" i="1" dirty="0" smtClean="0">
-                <a:solidFill>
-                  <a:schemeClr val="bg1">
-                    <a:lumMod val="50000"/>
-                  </a:schemeClr>
-                </a:solidFill>
-              </a:rPr>
-              <a:t>scrum</a:t>
-            </a:r>
-            <a:r>
-              <a:rPr lang="zh-CN" altLang="zh-CN" i="1" dirty="0" smtClean="0">
-                <a:solidFill>
-                  <a:schemeClr val="bg1">
-                    <a:lumMod val="50000"/>
-                  </a:schemeClr>
-                </a:solidFill>
-              </a:rPr>
-              <a:t>的基本运行单位）</a:t>
-            </a:r>
-          </a:p>
-          <a:p>
-            <a:pPr lvl="0" rtl="0"/>
-            <a:r>
-              <a:rPr lang="en-US" altLang="zh-CN" dirty="0" smtClean="0"/>
-              <a:t>PB</a:t>
-            </a:r>
-            <a:r>
-              <a:rPr lang="zh-CN" altLang="zh-CN" i="1" dirty="0" smtClean="0">
-                <a:solidFill>
-                  <a:schemeClr val="bg1">
-                    <a:lumMod val="50000"/>
-                  </a:schemeClr>
-                </a:solidFill>
-              </a:rPr>
-              <a:t>（</a:t>
-            </a:r>
-            <a:r>
-              <a:rPr lang="en-US" altLang="zh-CN" i="1" dirty="0" smtClean="0">
-                <a:solidFill>
-                  <a:schemeClr val="bg1">
-                    <a:lumMod val="50000"/>
-                  </a:schemeClr>
-                </a:solidFill>
-              </a:rPr>
-              <a:t>Product Backlog</a:t>
-            </a:r>
-            <a:r>
-              <a:rPr lang="zh-CN" altLang="zh-CN" i="1" dirty="0" smtClean="0">
-                <a:solidFill>
-                  <a:schemeClr val="bg1">
-                    <a:lumMod val="50000"/>
-                  </a:schemeClr>
-                </a:solidFill>
-              </a:rPr>
-              <a:t>，待完成产品）</a:t>
-            </a:r>
-          </a:p>
-          <a:p>
-            <a:pPr lvl="0" rtl="0"/>
-            <a:r>
-              <a:rPr lang="en-US" altLang="zh-CN" dirty="0" smtClean="0"/>
-              <a:t>Story Point</a:t>
-            </a:r>
-            <a:r>
-              <a:rPr lang="zh-CN" altLang="zh-CN" i="1" dirty="0" smtClean="0">
-                <a:solidFill>
-                  <a:schemeClr val="bg1">
-                    <a:lumMod val="50000"/>
-                  </a:schemeClr>
-                </a:solidFill>
-              </a:rPr>
-              <a:t>（故事点，一个估算基本单位）</a:t>
-            </a:r>
-          </a:p>
-          <a:p>
-            <a:pPr lvl="0" rtl="0"/>
-            <a:r>
-              <a:rPr lang="en-US" altLang="zh-CN" dirty="0" smtClean="0"/>
-              <a:t>Burn-Down Chat</a:t>
-            </a:r>
-            <a:r>
-              <a:rPr lang="zh-CN" altLang="zh-CN" i="1" dirty="0" smtClean="0">
-                <a:solidFill>
-                  <a:schemeClr val="bg1">
-                    <a:lumMod val="50000"/>
-                  </a:schemeClr>
-                </a:solidFill>
-              </a:rPr>
-              <a:t>（燃尽图，统计任务完成情况）</a:t>
-            </a:r>
           </a:p>
           <a:p>
             <a:endParaRPr lang="en-US" altLang="zh-CN" dirty="0" smtClean="0"/>
@@ -10584,7 +10394,7 @@
     </p:spTree>
     <p:extLst>
       <p:ext uri="{BB962C8B-B14F-4D97-AF65-F5344CB8AC3E}">
-        <p14:creationId xmlns:p14="http://schemas.microsoft.com/office/powerpoint/2010/main" val="2634176535"/>
+        <p14:creationId xmlns="" xmlns:p14="http://schemas.microsoft.com/office/powerpoint/2010/main" val="2634176535"/>
       </p:ext>
     </p:extLst>
   </p:cSld>
@@ -10638,491 +10448,177 @@
           <a:bodyPr/>
           <a:lstStyle/>
           <a:p>
-            <a:pPr marL="0" marR="0" indent="0" algn="l" defTabSz="914400" rtl="0" eaLnBrk="0" fontAlgn="base" latinLnBrk="0" hangingPunct="0">
-              <a:lnSpc>
-                <a:spcPct val="100000"/>
-              </a:lnSpc>
-              <a:spcBef>
-                <a:spcPct val="30000"/>
-              </a:spcBef>
-              <a:spcAft>
-                <a:spcPct val="0"/>
-              </a:spcAft>
-              <a:buClrTx/>
-              <a:buSzTx/>
-              <a:buFontTx/>
-              <a:buNone/>
-              <a:tabLst/>
-              <a:defRPr/>
-            </a:pPr>
-            <a:r>
-              <a:rPr lang="zh-CN" altLang="en-US" sz="1200" dirty="0" smtClean="0">
-                <a:latin typeface="微软雅黑" panose="020B0503020204020204" pitchFamily="34" charset="-122"/>
-                <a:ea typeface="微软雅黑" panose="020B0503020204020204" pitchFamily="34" charset="-122"/>
+            <a:r>
+              <a:rPr lang="en-US" altLang="zh-CN" dirty="0" smtClean="0"/>
+              <a:t>Scrum </a:t>
+            </a:r>
+            <a:r>
+              <a:rPr lang="zh-CN" altLang="en-US" dirty="0" smtClean="0"/>
+              <a:t>实施的重点是团队领导和需求管理，强调对客户需求的快速反应以及团队的共同协作和自我管理。</a:t>
+            </a:r>
+          </a:p>
+          <a:p>
+            <a:endParaRPr lang="zh-CN" altLang="en-US" dirty="0" smtClean="0"/>
+          </a:p>
+          <a:p>
+            <a:r>
+              <a:rPr lang="en-US" altLang="zh-CN" dirty="0" smtClean="0"/>
+              <a:t>Scrum </a:t>
+            </a:r>
+            <a:r>
+              <a:rPr lang="zh-CN" altLang="en-US" dirty="0" smtClean="0"/>
+              <a:t>方法通过将整个开发过程划分为若干个固定时间长度的 </a:t>
+            </a:r>
+            <a:r>
+              <a:rPr lang="en-US" altLang="zh-CN" dirty="0" smtClean="0"/>
+              <a:t>Sprint</a:t>
+            </a:r>
+            <a:r>
+              <a:rPr lang="zh-CN" altLang="en-US" dirty="0" smtClean="0"/>
+              <a:t>，</a:t>
+            </a:r>
+          </a:p>
+          <a:p>
+            <a:endParaRPr lang="zh-CN" altLang="en-US" dirty="0" smtClean="0"/>
+          </a:p>
+          <a:p>
+            <a:r>
+              <a:rPr lang="zh-CN" altLang="en-US" dirty="0" smtClean="0"/>
+              <a:t>在每个 </a:t>
+            </a:r>
+            <a:r>
+              <a:rPr lang="en-US" altLang="zh-CN" dirty="0" smtClean="0"/>
+              <a:t>Sprint </a:t>
+            </a:r>
+            <a:r>
+              <a:rPr lang="zh-CN" altLang="en-US" dirty="0" smtClean="0"/>
+              <a:t>结束时得到一个可以执行并演示的产品的增量版本，来推动产品的不断演进，直到最终发布。 </a:t>
+            </a:r>
+            <a:endParaRPr lang="en-US" altLang="zh-CN" dirty="0" smtClean="0"/>
+          </a:p>
+          <a:p>
+            <a:endParaRPr lang="en-US" altLang="zh-CN" dirty="0" smtClean="0"/>
+          </a:p>
+          <a:p>
+            <a:endParaRPr lang="en-US" altLang="zh-CN" dirty="0" smtClean="0"/>
+          </a:p>
+          <a:p>
+            <a:pPr lvl="0" rtl="0"/>
+            <a:r>
+              <a:rPr lang="en-US" altLang="zh-CN" dirty="0" smtClean="0"/>
+              <a:t>Sprint</a:t>
+            </a:r>
+            <a:r>
+              <a:rPr lang="zh-CN" altLang="zh-CN" i="1" dirty="0" smtClean="0">
+                <a:solidFill>
+                  <a:schemeClr val="bg1">
+                    <a:lumMod val="50000"/>
+                  </a:schemeClr>
+                </a:solidFill>
               </a:rPr>
-              <a:t>细化当前迭代的开发计划</a:t>
-            </a:r>
-            <a:r>
-              <a:rPr lang="zh-CN" altLang="en-US" sz="1200" dirty="0" smtClean="0">
-                <a:latin typeface="+mn-lt"/>
-                <a:ea typeface="宋体" pitchFamily="2" charset="-122"/>
-              </a:rPr>
-              <a:t>（通过估算</a:t>
-            </a:r>
-            <a:r>
-              <a:rPr lang="en-US" altLang="zh-CN" sz="1200" dirty="0" smtClean="0">
-                <a:latin typeface="+mn-lt"/>
-                <a:ea typeface="宋体" pitchFamily="2" charset="-122"/>
-              </a:rPr>
-              <a:t>PB</a:t>
-            </a:r>
-            <a:r>
-              <a:rPr lang="en-US" altLang="zh-CN" sz="1200" baseline="0" dirty="0" smtClean="0">
-                <a:latin typeface="+mn-lt"/>
-                <a:ea typeface="宋体" pitchFamily="2" charset="-122"/>
-              </a:rPr>
-              <a:t> story point</a:t>
-            </a:r>
-            <a:r>
-              <a:rPr lang="zh-CN" altLang="en-US" sz="1200" baseline="0" dirty="0" smtClean="0">
-                <a:latin typeface="+mn-lt"/>
-                <a:ea typeface="宋体" pitchFamily="2" charset="-122"/>
-              </a:rPr>
-              <a:t>，来确认此次</a:t>
-            </a:r>
-            <a:r>
-              <a:rPr lang="en-US" altLang="zh-CN" sz="1200" baseline="0" dirty="0" smtClean="0">
-                <a:latin typeface="+mn-lt"/>
-                <a:ea typeface="宋体" pitchFamily="2" charset="-122"/>
-              </a:rPr>
-              <a:t>sprint </a:t>
-            </a:r>
-            <a:r>
-              <a:rPr lang="zh-CN" altLang="en-US" sz="1200" baseline="0" dirty="0" smtClean="0">
-                <a:latin typeface="+mn-lt"/>
-                <a:ea typeface="宋体" pitchFamily="2" charset="-122"/>
-              </a:rPr>
-              <a:t>能领取的任务</a:t>
-            </a:r>
-            <a:r>
-              <a:rPr lang="en-US" altLang="zh-CN" sz="1200" baseline="0" dirty="0" smtClean="0">
-                <a:latin typeface="微软雅黑" panose="020B0503020204020204" pitchFamily="34" charset="-122"/>
-                <a:ea typeface="微软雅黑" panose="020B0503020204020204" pitchFamily="34" charset="-122"/>
-              </a:rPr>
-              <a:t>)</a:t>
-            </a:r>
-          </a:p>
-          <a:p>
-            <a:pPr marL="0" marR="0" indent="0" algn="l" defTabSz="914400" rtl="0" eaLnBrk="0" fontAlgn="base" latinLnBrk="0" hangingPunct="0">
-              <a:lnSpc>
-                <a:spcPct val="100000"/>
-              </a:lnSpc>
-              <a:spcBef>
-                <a:spcPct val="30000"/>
-              </a:spcBef>
-              <a:spcAft>
-                <a:spcPct val="0"/>
-              </a:spcAft>
-              <a:buClrTx/>
-              <a:buSzTx/>
-              <a:buFontTx/>
-              <a:buNone/>
-              <a:tabLst/>
-              <a:defRPr/>
-            </a:pPr>
-            <a:endParaRPr lang="en-US" altLang="zh-CN" sz="1200" baseline="0" dirty="0" smtClean="0">
-              <a:latin typeface="+mn-lt"/>
-              <a:ea typeface="宋体" pitchFamily="2" charset="-122"/>
-            </a:endParaRPr>
-          </a:p>
-          <a:p>
-            <a:pPr marL="0" marR="0" indent="0" algn="l" defTabSz="914400" rtl="0" eaLnBrk="0" fontAlgn="base" latinLnBrk="0" hangingPunct="0">
-              <a:lnSpc>
-                <a:spcPct val="100000"/>
-              </a:lnSpc>
-              <a:spcBef>
-                <a:spcPct val="30000"/>
-              </a:spcBef>
-              <a:spcAft>
-                <a:spcPct val="0"/>
-              </a:spcAft>
-              <a:buClrTx/>
-              <a:buSzTx/>
-              <a:buFontTx/>
-              <a:buNone/>
-              <a:tabLst/>
-              <a:defRPr/>
-            </a:pPr>
-            <a:r>
-              <a:rPr lang="zh-CN" altLang="en-US" sz="1200" baseline="0" dirty="0" smtClean="0">
-                <a:latin typeface="+mn-lt"/>
-                <a:ea typeface="宋体" pitchFamily="2" charset="-122"/>
-              </a:rPr>
-              <a:t>四个会议贯穿着整个</a:t>
-            </a:r>
-            <a:r>
-              <a:rPr lang="en-US" altLang="zh-CN" sz="1200" baseline="0" dirty="0" smtClean="0">
-                <a:latin typeface="+mn-lt"/>
-                <a:ea typeface="宋体" pitchFamily="2" charset="-122"/>
+              <a:t>（迭代，</a:t>
+            </a:r>
+            <a:r>
+              <a:rPr lang="en-US" altLang="zh-CN" i="1" dirty="0" smtClean="0">
+                <a:solidFill>
+                  <a:schemeClr val="bg1">
+                    <a:lumMod val="50000"/>
+                  </a:schemeClr>
+                </a:solidFill>
               </a:rPr>
               <a:t>scrum</a:t>
             </a:r>
-          </a:p>
-          <a:p>
-            <a:pPr marL="0" marR="0" indent="0" algn="l" defTabSz="914400" rtl="0" eaLnBrk="0" fontAlgn="base" latinLnBrk="0" hangingPunct="0">
-              <a:lnSpc>
-                <a:spcPct val="100000"/>
-              </a:lnSpc>
-              <a:spcBef>
-                <a:spcPct val="30000"/>
-              </a:spcBef>
-              <a:spcAft>
-                <a:spcPct val="0"/>
-              </a:spcAft>
-              <a:buClrTx/>
-              <a:buSzTx/>
-              <a:buFontTx/>
-              <a:buNone/>
-              <a:tabLst/>
-              <a:defRPr/>
-            </a:pPr>
-            <a:endParaRPr lang="en-US" altLang="zh-CN" sz="1200" baseline="0" dirty="0" smtClean="0">
-              <a:latin typeface="+mn-lt"/>
-              <a:ea typeface="宋体" pitchFamily="2" charset="-122"/>
-            </a:endParaRPr>
-          </a:p>
-          <a:p>
-            <a:pPr marL="0" marR="0" indent="0" algn="l" defTabSz="914400" rtl="0" eaLnBrk="0" fontAlgn="base" latinLnBrk="0" hangingPunct="0">
-              <a:lnSpc>
-                <a:spcPct val="100000"/>
-              </a:lnSpc>
-              <a:spcBef>
-                <a:spcPct val="30000"/>
-              </a:spcBef>
-              <a:spcAft>
-                <a:spcPct val="0"/>
-              </a:spcAft>
-              <a:buClrTx/>
-              <a:buSzTx/>
-              <a:buFontTx/>
-              <a:buNone/>
-              <a:tabLst/>
-              <a:defRPr/>
-            </a:pPr>
-            <a:r>
-              <a:rPr lang="en-US" altLang="zh-CN" sz="1200" b="1" dirty="0" smtClean="0">
-                <a:latin typeface="微软雅黑" panose="020B0503020204020204" pitchFamily="34" charset="-122"/>
-                <a:ea typeface="微软雅黑" panose="020B0503020204020204" pitchFamily="34" charset="-122"/>
+            <a:r>
+              <a:rPr lang="zh-CN" altLang="zh-CN" i="1" dirty="0" smtClean="0">
+                <a:solidFill>
+                  <a:schemeClr val="bg1">
+                    <a:lumMod val="50000"/>
+                  </a:schemeClr>
+                </a:solidFill>
               </a:rPr>
-              <a:t>Daily Meeting</a:t>
-            </a:r>
-            <a:r>
-              <a:rPr lang="zh-CN" altLang="en-US" sz="1200" b="1" dirty="0" smtClean="0">
-                <a:latin typeface="微软雅黑" panose="020B0503020204020204" pitchFamily="34" charset="-122"/>
-                <a:ea typeface="微软雅黑" panose="020B0503020204020204" pitchFamily="34" charset="-122"/>
+              <a:t>的基本运行单位）</a:t>
+            </a:r>
+          </a:p>
+          <a:p>
+            <a:pPr lvl="0" rtl="0"/>
+            <a:r>
+              <a:rPr lang="en-US" altLang="zh-CN" dirty="0" smtClean="0"/>
+              <a:t>PB</a:t>
+            </a:r>
+            <a:r>
+              <a:rPr lang="zh-CN" altLang="zh-CN" i="1" dirty="0" smtClean="0">
+                <a:solidFill>
+                  <a:schemeClr val="bg1">
+                    <a:lumMod val="50000"/>
+                  </a:schemeClr>
+                </a:solidFill>
               </a:rPr>
-              <a:t>（每日站立会议）</a:t>
-            </a:r>
-            <a:endParaRPr lang="en-US" altLang="zh-CN" sz="1200" b="1" dirty="0" smtClean="0">
-              <a:latin typeface="微软雅黑" panose="020B0503020204020204" pitchFamily="34" charset="-122"/>
-              <a:ea typeface="微软雅黑" panose="020B0503020204020204" pitchFamily="34" charset="-122"/>
-            </a:endParaRPr>
-          </a:p>
-          <a:p>
-            <a:pPr marL="0" marR="0" indent="0" algn="l" defTabSz="914400" rtl="0" eaLnBrk="0" fontAlgn="base" latinLnBrk="0" hangingPunct="0">
-              <a:lnSpc>
-                <a:spcPct val="100000"/>
-              </a:lnSpc>
-              <a:spcBef>
-                <a:spcPct val="30000"/>
-              </a:spcBef>
-              <a:spcAft>
-                <a:spcPct val="0"/>
-              </a:spcAft>
-              <a:buClrTx/>
-              <a:buSzTx/>
-              <a:buFontTx/>
-              <a:buNone/>
-              <a:tabLst/>
-              <a:defRPr/>
-            </a:pPr>
-            <a:r>
-              <a:rPr lang="zh-CN" altLang="en-US" sz="1200" dirty="0" smtClean="0">
-                <a:latin typeface="微软雅黑" panose="020B0503020204020204" pitchFamily="34" charset="-122"/>
-                <a:ea typeface="微软雅黑" panose="020B0503020204020204" pitchFamily="34" charset="-122"/>
+              <a:t>（</a:t>
+            </a:r>
+            <a:r>
+              <a:rPr lang="en-US" altLang="zh-CN" i="1" dirty="0" smtClean="0">
+                <a:solidFill>
+                  <a:schemeClr val="bg1">
+                    <a:lumMod val="50000"/>
+                  </a:schemeClr>
+                </a:solidFill>
               </a:rPr>
-              <a:t>完成了什么工作，即将完成什么工作，有什么困难</a:t>
-            </a:r>
-            <a:endParaRPr lang="en-US" altLang="zh-CN" sz="1200" baseline="0" dirty="0" smtClean="0">
-              <a:latin typeface="+mn-lt"/>
-              <a:ea typeface="宋体" pitchFamily="2" charset="-122"/>
-            </a:endParaRPr>
-          </a:p>
-          <a:p>
-            <a:pPr marL="0" marR="0" indent="0" algn="l" defTabSz="914400" rtl="0" eaLnBrk="0" fontAlgn="base" latinLnBrk="0" hangingPunct="0">
-              <a:lnSpc>
-                <a:spcPct val="100000"/>
-              </a:lnSpc>
-              <a:spcBef>
-                <a:spcPct val="30000"/>
-              </a:spcBef>
-              <a:spcAft>
-                <a:spcPct val="0"/>
-              </a:spcAft>
-              <a:buClrTx/>
-              <a:buSzTx/>
-              <a:buFontTx/>
-              <a:buNone/>
-              <a:tabLst/>
-              <a:defRPr/>
-            </a:pPr>
-            <a:endParaRPr lang="en-US" altLang="zh-CN" sz="1200" baseline="0" dirty="0" smtClean="0">
-              <a:latin typeface="+mn-lt"/>
-              <a:ea typeface="宋体" pitchFamily="2" charset="-122"/>
-            </a:endParaRPr>
-          </a:p>
-          <a:p>
-            <a:pPr marL="0" marR="0" indent="0" algn="l" defTabSz="914400" rtl="0" eaLnBrk="0" fontAlgn="base" latinLnBrk="0" hangingPunct="0">
-              <a:lnSpc>
-                <a:spcPct val="100000"/>
-              </a:lnSpc>
-              <a:spcBef>
-                <a:spcPct val="30000"/>
-              </a:spcBef>
-              <a:spcAft>
-                <a:spcPct val="0"/>
-              </a:spcAft>
-              <a:buClrTx/>
-              <a:buSzTx/>
-              <a:buFontTx/>
-              <a:buNone/>
-              <a:tabLst/>
-              <a:defRPr/>
-            </a:pPr>
-            <a:r>
-              <a:rPr lang="en-US" altLang="zh-CN" sz="1200" b="1" dirty="0" smtClean="0">
-                <a:latin typeface="微软雅黑" panose="020B0503020204020204" pitchFamily="34" charset="-122"/>
-                <a:ea typeface="微软雅黑" panose="020B0503020204020204" pitchFamily="34" charset="-122"/>
+              <a:t>Product Backlog</a:t>
+            </a:r>
+            <a:r>
+              <a:rPr lang="zh-CN" altLang="zh-CN" i="1" dirty="0" smtClean="0">
+                <a:solidFill>
+                  <a:schemeClr val="bg1">
+                    <a:lumMod val="50000"/>
+                  </a:schemeClr>
+                </a:solidFill>
               </a:rPr>
-              <a:t>Review Meeting</a:t>
-            </a:r>
-            <a:r>
-              <a:rPr lang="zh-CN" altLang="en-US" sz="1200" b="1" dirty="0" smtClean="0">
-                <a:latin typeface="微软雅黑" panose="020B0503020204020204" pitchFamily="34" charset="-122"/>
-                <a:ea typeface="微软雅黑" panose="020B0503020204020204" pitchFamily="34" charset="-122"/>
+              <a:t>，待完成产品）</a:t>
+            </a:r>
+          </a:p>
+          <a:p>
+            <a:pPr lvl="0" rtl="0"/>
+            <a:r>
+              <a:rPr lang="en-US" altLang="zh-CN" dirty="0" smtClean="0"/>
+              <a:t>Story Point</a:t>
+            </a:r>
+            <a:r>
+              <a:rPr lang="zh-CN" altLang="zh-CN" i="1" dirty="0" smtClean="0">
+                <a:solidFill>
+                  <a:schemeClr val="bg1">
+                    <a:lumMod val="50000"/>
+                  </a:schemeClr>
+                </a:solidFill>
               </a:rPr>
-              <a:t>（评审会议）</a:t>
-            </a:r>
-            <a:endParaRPr lang="en-US" altLang="zh-CN" sz="1200" baseline="0" dirty="0" smtClean="0">
-              <a:latin typeface="+mn-lt"/>
-              <a:ea typeface="宋体" pitchFamily="2" charset="-122"/>
-            </a:endParaRPr>
-          </a:p>
-          <a:p>
-            <a:pPr marL="0" marR="0" indent="0" algn="l" defTabSz="914400" rtl="0" eaLnBrk="0" fontAlgn="base" latinLnBrk="0" hangingPunct="0">
-              <a:lnSpc>
-                <a:spcPct val="100000"/>
-              </a:lnSpc>
-              <a:spcBef>
-                <a:spcPct val="30000"/>
-              </a:spcBef>
-              <a:spcAft>
-                <a:spcPct val="0"/>
-              </a:spcAft>
-              <a:buClrTx/>
-              <a:buSzTx/>
-              <a:buFontTx/>
-              <a:buNone/>
-              <a:tabLst/>
-              <a:defRPr/>
-            </a:pPr>
-            <a:r>
-              <a:rPr lang="en-US" altLang="zh-CN" sz="1200" dirty="0" smtClean="0">
-                <a:latin typeface="微软雅黑" panose="020B0503020204020204" pitchFamily="34" charset="-122"/>
-                <a:ea typeface="微软雅黑" panose="020B0503020204020204" pitchFamily="34" charset="-122"/>
+              <a:t>（故事点，一个估算基本单位）</a:t>
+            </a:r>
+          </a:p>
+          <a:p>
+            <a:pPr lvl="0" rtl="0"/>
+            <a:r>
+              <a:rPr lang="en-US" altLang="zh-CN" dirty="0" smtClean="0"/>
+              <a:t>Burn-Down Chat</a:t>
+            </a:r>
+            <a:r>
+              <a:rPr lang="zh-CN" altLang="zh-CN" i="1" dirty="0" smtClean="0">
+                <a:solidFill>
+                  <a:schemeClr val="bg1">
+                    <a:lumMod val="50000"/>
+                  </a:schemeClr>
+                </a:solidFill>
               </a:rPr>
-              <a:t>1.</a:t>
-            </a:r>
-            <a:r>
-              <a:rPr lang="zh-CN" altLang="en-US" sz="1200" dirty="0" smtClean="0">
-                <a:latin typeface="微软雅黑" panose="020B0503020204020204" pitchFamily="34" charset="-122"/>
-                <a:ea typeface="微软雅黑" panose="020B0503020204020204" pitchFamily="34" charset="-122"/>
-              </a:rPr>
-              <a:t>由</a:t>
-            </a:r>
-            <a:r>
-              <a:rPr lang="en-US" altLang="zh-CN" sz="1200" dirty="0" smtClean="0">
-                <a:latin typeface="微软雅黑" panose="020B0503020204020204" pitchFamily="34" charset="-122"/>
-                <a:ea typeface="微软雅黑" panose="020B0503020204020204" pitchFamily="34" charset="-122"/>
-              </a:rPr>
-              <a:t>product</a:t>
-            </a:r>
-            <a:r>
-              <a:rPr lang="en-US" altLang="zh-CN" sz="1200" baseline="0" dirty="0" smtClean="0">
-                <a:latin typeface="微软雅黑" panose="020B0503020204020204" pitchFamily="34" charset="-122"/>
-                <a:ea typeface="微软雅黑" panose="020B0503020204020204" pitchFamily="34" charset="-122"/>
-              </a:rPr>
-              <a:t> owner </a:t>
-            </a:r>
-            <a:r>
-              <a:rPr lang="zh-CN" altLang="en-US" sz="1200" baseline="0" dirty="0" smtClean="0">
-                <a:latin typeface="微软雅黑" panose="020B0503020204020204" pitchFamily="34" charset="-122"/>
-                <a:ea typeface="微软雅黑" panose="020B0503020204020204" pitchFamily="34" charset="-122"/>
-              </a:rPr>
-              <a:t>邀请一些利益相关者。</a:t>
-            </a:r>
-            <a:endParaRPr lang="en-US" altLang="zh-CN" sz="1200" dirty="0" smtClean="0">
-              <a:latin typeface="微软雅黑" panose="020B0503020204020204" pitchFamily="34" charset="-122"/>
-              <a:ea typeface="微软雅黑" panose="020B0503020204020204" pitchFamily="34" charset="-122"/>
-            </a:endParaRPr>
-          </a:p>
-          <a:p>
-            <a:pPr marL="0" marR="0" indent="0" algn="l" defTabSz="914400" rtl="0" eaLnBrk="0" fontAlgn="base" latinLnBrk="0" hangingPunct="0">
-              <a:lnSpc>
-                <a:spcPct val="100000"/>
-              </a:lnSpc>
-              <a:spcBef>
-                <a:spcPct val="30000"/>
-              </a:spcBef>
-              <a:spcAft>
-                <a:spcPct val="0"/>
-              </a:spcAft>
-              <a:buClrTx/>
-              <a:buSzTx/>
-              <a:buFontTx/>
-              <a:buNone/>
-              <a:tabLst/>
-              <a:defRPr/>
-            </a:pPr>
-            <a:r>
-              <a:rPr lang="en-US" altLang="zh-CN" sz="1200" dirty="0" smtClean="0">
-                <a:latin typeface="微软雅黑" panose="020B0503020204020204" pitchFamily="34" charset="-122"/>
-                <a:ea typeface="微软雅黑" panose="020B0503020204020204" pitchFamily="34" charset="-122"/>
-              </a:rPr>
-              <a:t>1.</a:t>
-            </a:r>
-            <a:r>
-              <a:rPr lang="zh-CN" altLang="en-US" sz="1200" dirty="0" smtClean="0">
-                <a:latin typeface="微软雅黑" panose="020B0503020204020204" pitchFamily="34" charset="-122"/>
-                <a:ea typeface="微软雅黑" panose="020B0503020204020204" pitchFamily="34" charset="-122"/>
-              </a:rPr>
-              <a:t>确定哪些工作完成了，哪些工作没有完成</a:t>
-            </a:r>
-            <a:endParaRPr lang="en-US" altLang="zh-CN" sz="1200" dirty="0" smtClean="0">
-              <a:latin typeface="微软雅黑" panose="020B0503020204020204" pitchFamily="34" charset="-122"/>
-              <a:ea typeface="微软雅黑" panose="020B0503020204020204" pitchFamily="34" charset="-122"/>
-            </a:endParaRPr>
-          </a:p>
-          <a:p>
-            <a:pPr marL="0" marR="0" indent="0" algn="l" defTabSz="914400" rtl="0" eaLnBrk="0" fontAlgn="base" latinLnBrk="0" hangingPunct="0">
-              <a:lnSpc>
-                <a:spcPct val="100000"/>
-              </a:lnSpc>
-              <a:spcBef>
-                <a:spcPct val="30000"/>
-              </a:spcBef>
-              <a:spcAft>
-                <a:spcPct val="0"/>
-              </a:spcAft>
-              <a:buClrTx/>
-              <a:buSzTx/>
-              <a:buFontTx/>
-              <a:buNone/>
-              <a:tabLst/>
-              <a:defRPr/>
-            </a:pPr>
-            <a:endParaRPr lang="en-US" altLang="zh-CN" sz="1200" baseline="0" dirty="0" smtClean="0">
-              <a:latin typeface="+mn-lt"/>
-              <a:ea typeface="宋体" pitchFamily="2" charset="-122"/>
-            </a:endParaRPr>
-          </a:p>
-          <a:p>
-            <a:pPr marL="0" indent="0">
-              <a:buFont typeface="Wingdings" panose="05000000000000000000" pitchFamily="2" charset="2"/>
-              <a:buNone/>
-            </a:pPr>
-            <a:r>
-              <a:rPr lang="en-US" altLang="zh-CN" sz="1200" b="1" dirty="0" smtClean="0">
-                <a:latin typeface="微软雅黑" panose="020B0503020204020204" pitchFamily="34" charset="-122"/>
-                <a:ea typeface="微软雅黑" panose="020B0503020204020204" pitchFamily="34" charset="-122"/>
-              </a:rPr>
-              <a:t>Daily Meeting</a:t>
-            </a:r>
-            <a:r>
-              <a:rPr lang="zh-CN" altLang="en-US" sz="1200" b="1" dirty="0" smtClean="0">
-                <a:latin typeface="微软雅黑" panose="020B0503020204020204" pitchFamily="34" charset="-122"/>
-                <a:ea typeface="微软雅黑" panose="020B0503020204020204" pitchFamily="34" charset="-122"/>
-              </a:rPr>
-              <a:t>（回顾会议）</a:t>
-            </a:r>
-            <a:endParaRPr lang="en-US" altLang="zh-CN" sz="1200" b="1" dirty="0" smtClean="0">
-              <a:latin typeface="微软雅黑" panose="020B0503020204020204" pitchFamily="34" charset="-122"/>
-              <a:ea typeface="微软雅黑" panose="020B0503020204020204" pitchFamily="34" charset="-122"/>
-            </a:endParaRPr>
-          </a:p>
-          <a:p>
-            <a:r>
-              <a:rPr lang="zh-CN" altLang="en-US" sz="1200" dirty="0" smtClean="0">
-                <a:latin typeface="微软雅黑" panose="020B0503020204020204" pitchFamily="34" charset="-122"/>
-                <a:ea typeface="微软雅黑" panose="020B0503020204020204" pitchFamily="34" charset="-122"/>
-              </a:rPr>
-              <a:t>检验前一个</a:t>
-            </a:r>
-            <a:r>
-              <a:rPr lang="en-US" altLang="zh-CN" sz="1200" dirty="0" smtClean="0">
-                <a:latin typeface="微软雅黑" panose="020B0503020204020204" pitchFamily="34" charset="-122"/>
-                <a:ea typeface="微软雅黑" panose="020B0503020204020204" pitchFamily="34" charset="-122"/>
-              </a:rPr>
-              <a:t>sprint</a:t>
-            </a:r>
-            <a:r>
-              <a:rPr lang="en-US" altLang="zh-CN" sz="1200" baseline="0" dirty="0" smtClean="0">
-                <a:latin typeface="微软雅黑" panose="020B0503020204020204" pitchFamily="34" charset="-122"/>
-                <a:ea typeface="微软雅黑" panose="020B0503020204020204" pitchFamily="34" charset="-122"/>
-              </a:rPr>
-              <a:t> </a:t>
-            </a:r>
-            <a:r>
-              <a:rPr lang="zh-CN" altLang="en-US" sz="1200" baseline="0" dirty="0" smtClean="0">
-                <a:latin typeface="微软雅黑" panose="020B0503020204020204" pitchFamily="34" charset="-122"/>
-                <a:ea typeface="微软雅黑" panose="020B0503020204020204" pitchFamily="34" charset="-122"/>
-              </a:rPr>
-              <a:t>人，关系，过程</a:t>
-            </a:r>
-            <a:endParaRPr lang="en-US" altLang="zh-CN" sz="1200" dirty="0" smtClean="0">
-              <a:latin typeface="微软雅黑" panose="020B0503020204020204" pitchFamily="34" charset="-122"/>
-              <a:ea typeface="微软雅黑" panose="020B0503020204020204" pitchFamily="34" charset="-122"/>
-            </a:endParaRPr>
-          </a:p>
-          <a:p>
-            <a:pPr marL="0" marR="0" indent="0" algn="l" defTabSz="914400" rtl="0" eaLnBrk="0" fontAlgn="base" latinLnBrk="0" hangingPunct="0">
-              <a:lnSpc>
-                <a:spcPct val="100000"/>
-              </a:lnSpc>
-              <a:spcBef>
-                <a:spcPct val="30000"/>
-              </a:spcBef>
-              <a:spcAft>
-                <a:spcPct val="0"/>
-              </a:spcAft>
-              <a:buClrTx/>
-              <a:buSzTx/>
-              <a:buFontTx/>
-              <a:buNone/>
-              <a:tabLst/>
-              <a:defRPr/>
-            </a:pPr>
-            <a:endParaRPr lang="en-US" altLang="zh-CN" sz="1200" baseline="0" dirty="0" smtClean="0">
-              <a:latin typeface="+mn-lt"/>
-              <a:ea typeface="宋体" pitchFamily="2" charset="-122"/>
-            </a:endParaRPr>
+              <a:t>（燃尽图，统计任务完成情况）</a:t>
+            </a:r>
+          </a:p>
+          <a:p>
+            <a:endParaRPr lang="en-US" altLang="zh-CN" dirty="0" smtClean="0"/>
           </a:p>
         </p:txBody>
       </p:sp>
     </p:spTree>
     <p:extLst>
       <p:ext uri="{BB962C8B-B14F-4D97-AF65-F5344CB8AC3E}">
-        <p14:creationId xmlns:p14="http://schemas.microsoft.com/office/powerpoint/2010/main" val="3961045542"/>
+        <p14:creationId xmlns="" xmlns:p14="http://schemas.microsoft.com/office/powerpoint/2010/main" val="2634176535"/>
       </p:ext>
     </p:extLst>
   </p:cSld>
@@ -11176,9 +10672,6 @@
           <a:bodyPr/>
           <a:lstStyle/>
           <a:p>
-            <a:endParaRPr lang="en-US" altLang="zh-CN" dirty="0" smtClean="0"/>
-          </a:p>
-          <a:p>
             <a:pPr marL="0" marR="0" indent="0" algn="l" defTabSz="914400" rtl="0" eaLnBrk="0" fontAlgn="base" latinLnBrk="0" hangingPunct="0">
               <a:lnSpc>
                 <a:spcPct val="100000"/>
@@ -11197,140 +10690,473 @@
               <a:defRPr/>
             </a:pPr>
             <a:r>
+              <a:rPr lang="zh-CN" altLang="en-US" sz="1200" dirty="0" smtClean="0">
+                <a:latin typeface="微软雅黑" panose="020B0503020204020204" pitchFamily="34" charset="-122"/>
+                <a:ea typeface="微软雅黑" panose="020B0503020204020204" pitchFamily="34" charset="-122"/>
+              </a:rPr>
+              <a:t>细化当前迭代的开发计划</a:t>
+            </a:r>
+            <a:r>
+              <a:rPr lang="zh-CN" altLang="en-US" sz="1200" dirty="0" smtClean="0">
+                <a:latin typeface="+mn-lt"/>
+                <a:ea typeface="宋体" pitchFamily="2" charset="-122"/>
+              </a:rPr>
+              <a:t>（通过估算</a:t>
+            </a:r>
+            <a:r>
+              <a:rPr lang="en-US" altLang="zh-CN" sz="1200" dirty="0" smtClean="0">
+                <a:latin typeface="+mn-lt"/>
+                <a:ea typeface="宋体" pitchFamily="2" charset="-122"/>
+              </a:rPr>
+              <a:t>PB</a:t>
+            </a:r>
+            <a:r>
+              <a:rPr lang="en-US" altLang="zh-CN" sz="1200" baseline="0" dirty="0" smtClean="0">
+                <a:latin typeface="+mn-lt"/>
+                <a:ea typeface="宋体" pitchFamily="2" charset="-122"/>
+              </a:rPr>
+              <a:t> story point</a:t>
+            </a:r>
+            <a:r>
+              <a:rPr lang="zh-CN" altLang="en-US" sz="1200" baseline="0" dirty="0" smtClean="0">
+                <a:latin typeface="+mn-lt"/>
+                <a:ea typeface="宋体" pitchFamily="2" charset="-122"/>
+              </a:rPr>
+              <a:t>，来确认此次</a:t>
+            </a:r>
+            <a:r>
+              <a:rPr lang="en-US" altLang="zh-CN" sz="1200" baseline="0" dirty="0" smtClean="0">
+                <a:latin typeface="+mn-lt"/>
+                <a:ea typeface="宋体" pitchFamily="2" charset="-122"/>
+              </a:rPr>
+              <a:t>sprint </a:t>
+            </a:r>
+            <a:r>
+              <a:rPr lang="zh-CN" altLang="en-US" sz="1200" baseline="0" dirty="0" smtClean="0">
+                <a:latin typeface="+mn-lt"/>
+                <a:ea typeface="宋体" pitchFamily="2" charset="-122"/>
+              </a:rPr>
+              <a:t>能领取的任务</a:t>
+            </a:r>
+            <a:r>
+              <a:rPr lang="en-US" altLang="zh-CN" sz="1200" baseline="0" dirty="0" smtClean="0">
+                <a:latin typeface="微软雅黑" panose="020B0503020204020204" pitchFamily="34" charset="-122"/>
+                <a:ea typeface="微软雅黑" panose="020B0503020204020204" pitchFamily="34" charset="-122"/>
+              </a:rPr>
+              <a:t>)</a:t>
+            </a:r>
+          </a:p>
+          <a:p>
+            <a:pPr marL="0" marR="0" indent="0" algn="l" defTabSz="914400" rtl="0" eaLnBrk="0" fontAlgn="base" latinLnBrk="0" hangingPunct="0">
+              <a:lnSpc>
+                <a:spcPct val="100000"/>
+              </a:lnSpc>
+              <a:spcBef>
+                <a:spcPct val="30000"/>
+              </a:spcBef>
+              <a:spcAft>
+                <a:spcPct val="0"/>
+              </a:spcAft>
+              <a:buClrTx/>
+              <a:buSzTx/>
+              <a:buFontTx/>
+              <a:buNone/>
+              <a:tabLst/>
+              <a:defRPr/>
+            </a:pPr>
+            <a:endParaRPr lang="en-US" altLang="zh-CN" sz="1200" baseline="0" dirty="0" smtClean="0">
+              <a:latin typeface="+mn-lt"/>
+              <a:ea typeface="宋体" pitchFamily="2" charset="-122"/>
+            </a:endParaRPr>
+          </a:p>
+          <a:p>
+            <a:pPr marL="0" marR="0" indent="0" algn="l" defTabSz="914400" rtl="0" eaLnBrk="0" fontAlgn="base" latinLnBrk="0" hangingPunct="0">
+              <a:lnSpc>
+                <a:spcPct val="100000"/>
+              </a:lnSpc>
+              <a:spcBef>
+                <a:spcPct val="30000"/>
+              </a:spcBef>
+              <a:spcAft>
+                <a:spcPct val="0"/>
+              </a:spcAft>
+              <a:buClrTx/>
+              <a:buSzTx/>
+              <a:buFontTx/>
+              <a:buNone/>
+              <a:tabLst/>
+              <a:defRPr/>
+            </a:pPr>
+            <a:r>
+              <a:rPr lang="zh-CN" altLang="en-US" sz="1200" baseline="0" dirty="0" smtClean="0">
+                <a:latin typeface="+mn-lt"/>
+                <a:ea typeface="宋体" pitchFamily="2" charset="-122"/>
+              </a:rPr>
+              <a:t>四个会议贯穿着整个</a:t>
+            </a:r>
+            <a:r>
+              <a:rPr lang="en-US" altLang="zh-CN" sz="1200" baseline="0" dirty="0" smtClean="0">
+                <a:latin typeface="+mn-lt"/>
+                <a:ea typeface="宋体" pitchFamily="2" charset="-122"/>
+              </a:rPr>
+              <a:t>scrum</a:t>
+            </a:r>
+          </a:p>
+          <a:p>
+            <a:pPr marL="0" marR="0" indent="0" algn="l" defTabSz="914400" rtl="0" eaLnBrk="0" fontAlgn="base" latinLnBrk="0" hangingPunct="0">
+              <a:lnSpc>
+                <a:spcPct val="100000"/>
+              </a:lnSpc>
+              <a:spcBef>
+                <a:spcPct val="30000"/>
+              </a:spcBef>
+              <a:spcAft>
+                <a:spcPct val="0"/>
+              </a:spcAft>
+              <a:buClrTx/>
+              <a:buSzTx/>
+              <a:buFontTx/>
+              <a:buNone/>
+              <a:tabLst/>
+              <a:defRPr/>
+            </a:pPr>
+            <a:endParaRPr lang="en-US" altLang="zh-CN" sz="1200" baseline="0" dirty="0" smtClean="0">
+              <a:latin typeface="+mn-lt"/>
+              <a:ea typeface="宋体" pitchFamily="2" charset="-122"/>
+            </a:endParaRPr>
+          </a:p>
+          <a:p>
+            <a:pPr marL="0" marR="0" indent="0" algn="l" defTabSz="914400" rtl="0" eaLnBrk="0" fontAlgn="base" latinLnBrk="0" hangingPunct="0">
+              <a:lnSpc>
+                <a:spcPct val="100000"/>
+              </a:lnSpc>
+              <a:spcBef>
+                <a:spcPct val="30000"/>
+              </a:spcBef>
+              <a:spcAft>
+                <a:spcPct val="0"/>
+              </a:spcAft>
+              <a:buClrTx/>
+              <a:buSzTx/>
+              <a:buFontTx/>
+              <a:buNone/>
+              <a:tabLst/>
+              <a:defRPr/>
+            </a:pPr>
+            <a:r>
               <a:rPr lang="en-US" altLang="zh-CN" sz="1200" b="1" dirty="0" smtClean="0">
                 <a:latin typeface="微软雅黑" panose="020B0503020204020204" pitchFamily="34" charset="-122"/>
                 <a:ea typeface="微软雅黑" panose="020B0503020204020204" pitchFamily="34" charset="-122"/>
               </a:rPr>
-              <a:t>Scrum Master</a:t>
+              <a:t>Daily Meeting</a:t>
             </a:r>
             <a:r>
               <a:rPr lang="zh-CN" altLang="en-US" sz="1200" b="1" dirty="0" smtClean="0">
                 <a:latin typeface="微软雅黑" panose="020B0503020204020204" pitchFamily="34" charset="-122"/>
                 <a:ea typeface="微软雅黑" panose="020B0503020204020204" pitchFamily="34" charset="-122"/>
               </a:rPr>
-              <a:t>：教队员如何合理地使用技术，工具。而非代替</a:t>
-            </a:r>
-            <a:endParaRPr lang="en-US" altLang="zh-CN" dirty="0" smtClean="0"/>
-          </a:p>
-          <a:p>
-            <a:r>
-              <a:rPr lang="en-US" altLang="zh-CN" dirty="0" smtClean="0"/>
-              <a:t>1.Scrum master</a:t>
-            </a:r>
-            <a:r>
-              <a:rPr lang="zh-CN" altLang="en-US" dirty="0" smtClean="0"/>
-              <a:t>作为</a:t>
-            </a:r>
-            <a:r>
-              <a:rPr lang="en-US" altLang="zh-CN" dirty="0" smtClean="0"/>
-              <a:t>team</a:t>
-            </a:r>
-            <a:r>
-              <a:rPr lang="zh-CN" altLang="en-US" dirty="0" smtClean="0"/>
-              <a:t>的精神领袖</a:t>
-            </a:r>
-            <a:r>
-              <a:rPr lang="zh-CN" altLang="en-US" baseline="0" dirty="0" smtClean="0"/>
-              <a:t> 和</a:t>
-            </a:r>
-            <a:r>
-              <a:rPr lang="en-US" altLang="zh-CN" baseline="0" dirty="0" smtClean="0"/>
-              <a:t>product owner </a:t>
-            </a:r>
-            <a:r>
-              <a:rPr lang="zh-CN" altLang="en-US" baseline="0" dirty="0" smtClean="0"/>
-              <a:t>紧密工作在一起，他们可以及时为团队成员提供帮助。</a:t>
-            </a:r>
-            <a:endParaRPr lang="en-US" altLang="zh-CN" baseline="0" dirty="0" smtClean="0"/>
-          </a:p>
-          <a:p>
-            <a:r>
-              <a:rPr lang="en-US" altLang="zh-CN" baseline="0" dirty="0" smtClean="0"/>
-              <a:t>2.</a:t>
-            </a:r>
-            <a:r>
-              <a:rPr lang="zh-CN" altLang="en-US" baseline="0" dirty="0" smtClean="0"/>
-              <a:t>主持</a:t>
-            </a:r>
-            <a:r>
-              <a:rPr lang="en-US" altLang="zh-CN" baseline="0" dirty="0" smtClean="0"/>
-              <a:t>scrum </a:t>
-            </a:r>
-            <a:r>
-              <a:rPr lang="zh-CN" altLang="en-US" baseline="0" dirty="0" smtClean="0"/>
-              <a:t>三个会议</a:t>
-            </a:r>
-            <a:endParaRPr lang="en-US" altLang="zh-CN" baseline="0" dirty="0" smtClean="0"/>
-          </a:p>
-          <a:p>
-            <a:r>
-              <a:rPr lang="en-US" altLang="zh-CN" baseline="0" dirty="0" smtClean="0"/>
-              <a:t>3.</a:t>
-            </a:r>
-            <a:r>
-              <a:rPr lang="zh-CN" altLang="en-US" baseline="0" dirty="0" smtClean="0"/>
-              <a:t>需要关注</a:t>
-            </a:r>
-            <a:r>
-              <a:rPr lang="en-US" altLang="zh-CN" baseline="0" dirty="0" smtClean="0"/>
-              <a:t>scrum</a:t>
-            </a:r>
-            <a:r>
-              <a:rPr lang="zh-CN" altLang="en-US" baseline="0" dirty="0" smtClean="0"/>
-              <a:t>，哪些任务开始了，哪些完成了，哪些发生了变化。 </a:t>
-            </a:r>
-            <a:endParaRPr lang="en-US" altLang="zh-CN" baseline="0" dirty="0" smtClean="0"/>
-          </a:p>
-          <a:p>
-            <a:r>
-              <a:rPr lang="en-US" altLang="zh-CN" baseline="0" dirty="0" smtClean="0"/>
-              <a:t>4.Burn down</a:t>
-            </a:r>
-            <a:r>
-              <a:rPr lang="zh-CN" altLang="en-US" baseline="0" dirty="0" smtClean="0"/>
-              <a:t>图需要</a:t>
-            </a:r>
-            <a:r>
-              <a:rPr lang="en-US" altLang="zh-CN" baseline="0" dirty="0" smtClean="0"/>
-              <a:t>master </a:t>
-            </a:r>
-          </a:p>
-          <a:p>
-            <a:r>
-              <a:rPr lang="en-US" altLang="zh-CN" baseline="0" dirty="0" smtClean="0"/>
-              <a:t>5.</a:t>
-            </a:r>
-            <a:r>
-              <a:rPr lang="zh-CN" altLang="en-US" baseline="0" dirty="0" smtClean="0"/>
-              <a:t>建立团队良好的机制（沟通，协作等等）</a:t>
-            </a:r>
-            <a:endParaRPr lang="en-US" altLang="zh-CN" baseline="0" dirty="0" smtClean="0"/>
-          </a:p>
-          <a:p>
-            <a:endParaRPr lang="en-US" altLang="zh-CN" dirty="0" smtClean="0"/>
-          </a:p>
-          <a:p>
-            <a:endParaRPr lang="en-US" altLang="zh-CN" dirty="0" smtClean="0"/>
-          </a:p>
-          <a:p>
-            <a:r>
-              <a:rPr lang="en-US" altLang="zh-CN" b="1" dirty="0" smtClean="0"/>
-              <a:t>Scrum Team</a:t>
-            </a:r>
-          </a:p>
-          <a:p>
-            <a:r>
-              <a:rPr lang="zh-CN" altLang="en-US" baseline="0" dirty="0" smtClean="0"/>
-              <a:t>自律</a:t>
-            </a:r>
-            <a:endParaRPr lang="zh-CN" altLang="en-US" b="1" dirty="0"/>
+              <a:t>（每日站立会议）</a:t>
+            </a:r>
+            <a:endParaRPr lang="en-US" altLang="zh-CN" sz="1200" b="1" dirty="0" smtClean="0">
+              <a:latin typeface="微软雅黑" panose="020B0503020204020204" pitchFamily="34" charset="-122"/>
+              <a:ea typeface="微软雅黑" panose="020B0503020204020204" pitchFamily="34" charset="-122"/>
+            </a:endParaRPr>
+          </a:p>
+          <a:p>
+            <a:pPr marL="0" marR="0" indent="0" algn="l" defTabSz="914400" rtl="0" eaLnBrk="0" fontAlgn="base" latinLnBrk="0" hangingPunct="0">
+              <a:lnSpc>
+                <a:spcPct val="100000"/>
+              </a:lnSpc>
+              <a:spcBef>
+                <a:spcPct val="30000"/>
+              </a:spcBef>
+              <a:spcAft>
+                <a:spcPct val="0"/>
+              </a:spcAft>
+              <a:buClrTx/>
+              <a:buSzTx/>
+              <a:buFontTx/>
+              <a:buNone/>
+              <a:tabLst/>
+              <a:defRPr/>
+            </a:pPr>
+            <a:r>
+              <a:rPr lang="zh-CN" altLang="en-US" sz="1200" dirty="0" smtClean="0">
+                <a:latin typeface="微软雅黑" panose="020B0503020204020204" pitchFamily="34" charset="-122"/>
+                <a:ea typeface="微软雅黑" panose="020B0503020204020204" pitchFamily="34" charset="-122"/>
+              </a:rPr>
+              <a:t>完成了什么工作，即将完成什么工作，有什么困难</a:t>
+            </a:r>
+            <a:endParaRPr lang="en-US" altLang="zh-CN" sz="1200" baseline="0" dirty="0" smtClean="0">
+              <a:latin typeface="+mn-lt"/>
+              <a:ea typeface="宋体" pitchFamily="2" charset="-122"/>
+            </a:endParaRPr>
+          </a:p>
+          <a:p>
+            <a:pPr marL="0" marR="0" indent="0" algn="l" defTabSz="914400" rtl="0" eaLnBrk="0" fontAlgn="base" latinLnBrk="0" hangingPunct="0">
+              <a:lnSpc>
+                <a:spcPct val="100000"/>
+              </a:lnSpc>
+              <a:spcBef>
+                <a:spcPct val="30000"/>
+              </a:spcBef>
+              <a:spcAft>
+                <a:spcPct val="0"/>
+              </a:spcAft>
+              <a:buClrTx/>
+              <a:buSzTx/>
+              <a:buFontTx/>
+              <a:buNone/>
+              <a:tabLst/>
+              <a:defRPr/>
+            </a:pPr>
+            <a:endParaRPr lang="en-US" altLang="zh-CN" sz="1200" baseline="0" dirty="0" smtClean="0">
+              <a:latin typeface="+mn-lt"/>
+              <a:ea typeface="宋体" pitchFamily="2" charset="-122"/>
+            </a:endParaRPr>
+          </a:p>
+          <a:p>
+            <a:pPr marL="0" marR="0" indent="0" algn="l" defTabSz="914400" rtl="0" eaLnBrk="0" fontAlgn="base" latinLnBrk="0" hangingPunct="0">
+              <a:lnSpc>
+                <a:spcPct val="100000"/>
+              </a:lnSpc>
+              <a:spcBef>
+                <a:spcPct val="30000"/>
+              </a:spcBef>
+              <a:spcAft>
+                <a:spcPct val="0"/>
+              </a:spcAft>
+              <a:buClrTx/>
+              <a:buSzTx/>
+              <a:buFontTx/>
+              <a:buNone/>
+              <a:tabLst/>
+              <a:defRPr/>
+            </a:pPr>
+            <a:r>
+              <a:rPr lang="en-US" altLang="zh-CN" sz="1200" b="1" dirty="0" smtClean="0">
+                <a:latin typeface="微软雅黑" panose="020B0503020204020204" pitchFamily="34" charset="-122"/>
+                <a:ea typeface="微软雅黑" panose="020B0503020204020204" pitchFamily="34" charset="-122"/>
+              </a:rPr>
+              <a:t>Review Meeting</a:t>
+            </a:r>
+            <a:r>
+              <a:rPr lang="zh-CN" altLang="en-US" sz="1200" b="1" dirty="0" smtClean="0">
+                <a:latin typeface="微软雅黑" panose="020B0503020204020204" pitchFamily="34" charset="-122"/>
+                <a:ea typeface="微软雅黑" panose="020B0503020204020204" pitchFamily="34" charset="-122"/>
+              </a:rPr>
+              <a:t>（评审会议）</a:t>
+            </a:r>
+            <a:endParaRPr lang="en-US" altLang="zh-CN" sz="1200" baseline="0" dirty="0" smtClean="0">
+              <a:latin typeface="+mn-lt"/>
+              <a:ea typeface="宋体" pitchFamily="2" charset="-122"/>
+            </a:endParaRPr>
+          </a:p>
+          <a:p>
+            <a:pPr marL="0" marR="0" indent="0" algn="l" defTabSz="914400" rtl="0" eaLnBrk="0" fontAlgn="base" latinLnBrk="0" hangingPunct="0">
+              <a:lnSpc>
+                <a:spcPct val="100000"/>
+              </a:lnSpc>
+              <a:spcBef>
+                <a:spcPct val="30000"/>
+              </a:spcBef>
+              <a:spcAft>
+                <a:spcPct val="0"/>
+              </a:spcAft>
+              <a:buClrTx/>
+              <a:buSzTx/>
+              <a:buFontTx/>
+              <a:buNone/>
+              <a:tabLst/>
+              <a:defRPr/>
+            </a:pPr>
+            <a:r>
+              <a:rPr lang="en-US" altLang="zh-CN" sz="1200" dirty="0" smtClean="0">
+                <a:latin typeface="微软雅黑" panose="020B0503020204020204" pitchFamily="34" charset="-122"/>
+                <a:ea typeface="微软雅黑" panose="020B0503020204020204" pitchFamily="34" charset="-122"/>
+              </a:rPr>
+              <a:t>1.</a:t>
+            </a:r>
+            <a:r>
+              <a:rPr lang="zh-CN" altLang="en-US" sz="1200" dirty="0" smtClean="0">
+                <a:latin typeface="微软雅黑" panose="020B0503020204020204" pitchFamily="34" charset="-122"/>
+                <a:ea typeface="微软雅黑" panose="020B0503020204020204" pitchFamily="34" charset="-122"/>
+              </a:rPr>
+              <a:t>由</a:t>
+            </a:r>
+            <a:r>
+              <a:rPr lang="en-US" altLang="zh-CN" sz="1200" dirty="0" smtClean="0">
+                <a:latin typeface="微软雅黑" panose="020B0503020204020204" pitchFamily="34" charset="-122"/>
+                <a:ea typeface="微软雅黑" panose="020B0503020204020204" pitchFamily="34" charset="-122"/>
+              </a:rPr>
+              <a:t>product</a:t>
+            </a:r>
+            <a:r>
+              <a:rPr lang="en-US" altLang="zh-CN" sz="1200" baseline="0" dirty="0" smtClean="0">
+                <a:latin typeface="微软雅黑" panose="020B0503020204020204" pitchFamily="34" charset="-122"/>
+                <a:ea typeface="微软雅黑" panose="020B0503020204020204" pitchFamily="34" charset="-122"/>
+              </a:rPr>
+              <a:t> owner </a:t>
+            </a:r>
+            <a:r>
+              <a:rPr lang="zh-CN" altLang="en-US" sz="1200" baseline="0" dirty="0" smtClean="0">
+                <a:latin typeface="微软雅黑" panose="020B0503020204020204" pitchFamily="34" charset="-122"/>
+                <a:ea typeface="微软雅黑" panose="020B0503020204020204" pitchFamily="34" charset="-122"/>
+              </a:rPr>
+              <a:t>邀请一些利益相关者。</a:t>
+            </a:r>
+            <a:endParaRPr lang="en-US" altLang="zh-CN" sz="1200" dirty="0" smtClean="0">
+              <a:latin typeface="微软雅黑" panose="020B0503020204020204" pitchFamily="34" charset="-122"/>
+              <a:ea typeface="微软雅黑" panose="020B0503020204020204" pitchFamily="34" charset="-122"/>
+            </a:endParaRPr>
+          </a:p>
+          <a:p>
+            <a:pPr marL="0" marR="0" indent="0" algn="l" defTabSz="914400" rtl="0" eaLnBrk="0" fontAlgn="base" latinLnBrk="0" hangingPunct="0">
+              <a:lnSpc>
+                <a:spcPct val="100000"/>
+              </a:lnSpc>
+              <a:spcBef>
+                <a:spcPct val="30000"/>
+              </a:spcBef>
+              <a:spcAft>
+                <a:spcPct val="0"/>
+              </a:spcAft>
+              <a:buClrTx/>
+              <a:buSzTx/>
+              <a:buFontTx/>
+              <a:buNone/>
+              <a:tabLst/>
+              <a:defRPr/>
+            </a:pPr>
+            <a:r>
+              <a:rPr lang="en-US" altLang="zh-CN" sz="1200" dirty="0" smtClean="0">
+                <a:latin typeface="微软雅黑" panose="020B0503020204020204" pitchFamily="34" charset="-122"/>
+                <a:ea typeface="微软雅黑" panose="020B0503020204020204" pitchFamily="34" charset="-122"/>
+              </a:rPr>
+              <a:t>1.</a:t>
+            </a:r>
+            <a:r>
+              <a:rPr lang="zh-CN" altLang="en-US" sz="1200" dirty="0" smtClean="0">
+                <a:latin typeface="微软雅黑" panose="020B0503020204020204" pitchFamily="34" charset="-122"/>
+                <a:ea typeface="微软雅黑" panose="020B0503020204020204" pitchFamily="34" charset="-122"/>
+              </a:rPr>
+              <a:t>确定哪些工作完成了，哪些工作没有完成</a:t>
+            </a:r>
+            <a:endParaRPr lang="en-US" altLang="zh-CN" sz="1200" dirty="0" smtClean="0">
+              <a:latin typeface="微软雅黑" panose="020B0503020204020204" pitchFamily="34" charset="-122"/>
+              <a:ea typeface="微软雅黑" panose="020B0503020204020204" pitchFamily="34" charset="-122"/>
+            </a:endParaRPr>
+          </a:p>
+          <a:p>
+            <a:pPr marL="0" marR="0" indent="0" algn="l" defTabSz="914400" rtl="0" eaLnBrk="0" fontAlgn="base" latinLnBrk="0" hangingPunct="0">
+              <a:lnSpc>
+                <a:spcPct val="100000"/>
+              </a:lnSpc>
+              <a:spcBef>
+                <a:spcPct val="30000"/>
+              </a:spcBef>
+              <a:spcAft>
+                <a:spcPct val="0"/>
+              </a:spcAft>
+              <a:buClrTx/>
+              <a:buSzTx/>
+              <a:buFontTx/>
+              <a:buNone/>
+              <a:tabLst/>
+              <a:defRPr/>
+            </a:pPr>
+            <a:endParaRPr lang="en-US" altLang="zh-CN" sz="1200" baseline="0" dirty="0" smtClean="0">
+              <a:latin typeface="+mn-lt"/>
+              <a:ea typeface="宋体" pitchFamily="2" charset="-122"/>
+            </a:endParaRPr>
+          </a:p>
+          <a:p>
+            <a:pPr marL="0" indent="0">
+              <a:buFont typeface="Wingdings" panose="05000000000000000000" pitchFamily="2" charset="2"/>
+              <a:buNone/>
+            </a:pPr>
+            <a:r>
+              <a:rPr lang="en-US" altLang="zh-CN" sz="1200" b="1" dirty="0" smtClean="0">
+                <a:latin typeface="微软雅黑" panose="020B0503020204020204" pitchFamily="34" charset="-122"/>
+                <a:ea typeface="微软雅黑" panose="020B0503020204020204" pitchFamily="34" charset="-122"/>
+              </a:rPr>
+              <a:t>Daily Meeting</a:t>
+            </a:r>
+            <a:r>
+              <a:rPr lang="zh-CN" altLang="en-US" sz="1200" b="1" dirty="0" smtClean="0">
+                <a:latin typeface="微软雅黑" panose="020B0503020204020204" pitchFamily="34" charset="-122"/>
+                <a:ea typeface="微软雅黑" panose="020B0503020204020204" pitchFamily="34" charset="-122"/>
+              </a:rPr>
+              <a:t>（回顾会议）</a:t>
+            </a:r>
+            <a:endParaRPr lang="en-US" altLang="zh-CN" sz="1200" b="1" dirty="0" smtClean="0">
+              <a:latin typeface="微软雅黑" panose="020B0503020204020204" pitchFamily="34" charset="-122"/>
+              <a:ea typeface="微软雅黑" panose="020B0503020204020204" pitchFamily="34" charset="-122"/>
+            </a:endParaRPr>
+          </a:p>
+          <a:p>
+            <a:r>
+              <a:rPr lang="zh-CN" altLang="en-US" sz="1200" dirty="0" smtClean="0">
+                <a:latin typeface="微软雅黑" panose="020B0503020204020204" pitchFamily="34" charset="-122"/>
+                <a:ea typeface="微软雅黑" panose="020B0503020204020204" pitchFamily="34" charset="-122"/>
+              </a:rPr>
+              <a:t>检验前一个</a:t>
+            </a:r>
+            <a:r>
+              <a:rPr lang="en-US" altLang="zh-CN" sz="1200" dirty="0" smtClean="0">
+                <a:latin typeface="微软雅黑" panose="020B0503020204020204" pitchFamily="34" charset="-122"/>
+                <a:ea typeface="微软雅黑" panose="020B0503020204020204" pitchFamily="34" charset="-122"/>
+              </a:rPr>
+              <a:t>sprint</a:t>
+            </a:r>
+            <a:r>
+              <a:rPr lang="en-US" altLang="zh-CN" sz="1200" baseline="0" dirty="0" smtClean="0">
+                <a:latin typeface="微软雅黑" panose="020B0503020204020204" pitchFamily="34" charset="-122"/>
+                <a:ea typeface="微软雅黑" panose="020B0503020204020204" pitchFamily="34" charset="-122"/>
+              </a:rPr>
+              <a:t> </a:t>
+            </a:r>
+            <a:r>
+              <a:rPr lang="zh-CN" altLang="en-US" sz="1200" baseline="0" dirty="0" smtClean="0">
+                <a:latin typeface="微软雅黑" panose="020B0503020204020204" pitchFamily="34" charset="-122"/>
+                <a:ea typeface="微软雅黑" panose="020B0503020204020204" pitchFamily="34" charset="-122"/>
+              </a:rPr>
+              <a:t>人，关系，过程</a:t>
+            </a:r>
+            <a:endParaRPr lang="en-US" altLang="zh-CN" sz="1200" dirty="0" smtClean="0">
+              <a:latin typeface="微软雅黑" panose="020B0503020204020204" pitchFamily="34" charset="-122"/>
+              <a:ea typeface="微软雅黑" panose="020B0503020204020204" pitchFamily="34" charset="-122"/>
+            </a:endParaRPr>
+          </a:p>
+          <a:p>
+            <a:pPr marL="0" marR="0" indent="0" algn="l" defTabSz="914400" rtl="0" eaLnBrk="0" fontAlgn="base" latinLnBrk="0" hangingPunct="0">
+              <a:lnSpc>
+                <a:spcPct val="100000"/>
+              </a:lnSpc>
+              <a:spcBef>
+                <a:spcPct val="30000"/>
+              </a:spcBef>
+              <a:spcAft>
+                <a:spcPct val="0"/>
+              </a:spcAft>
+              <a:buClrTx/>
+              <a:buSzTx/>
+              <a:buFontTx/>
+              <a:buNone/>
+              <a:tabLst/>
+              <a:defRPr/>
+            </a:pPr>
+            <a:endParaRPr lang="en-US" altLang="zh-CN" sz="1200" baseline="0" dirty="0" smtClean="0">
+              <a:latin typeface="+mn-lt"/>
+              <a:ea typeface="宋体" pitchFamily="2" charset="-122"/>
+            </a:endParaRPr>
           </a:p>
         </p:txBody>
       </p:sp>
     </p:spTree>
     <p:extLst>
       <p:ext uri="{BB962C8B-B14F-4D97-AF65-F5344CB8AC3E}">
-        <p14:creationId xmlns:p14="http://schemas.microsoft.com/office/powerpoint/2010/main" val="3189190967"/>
+        <p14:creationId xmlns="" xmlns:p14="http://schemas.microsoft.com/office/powerpoint/2010/main" val="3961045542"/>
       </p:ext>
     </p:extLst>
   </p:cSld>
@@ -11384,73 +11210,135 @@
           <a:bodyPr/>
           <a:lstStyle/>
           <a:p>
+            <a:endParaRPr lang="en-US" altLang="zh-CN" dirty="0" smtClean="0"/>
+          </a:p>
+          <a:p>
+            <a:pPr marL="0" marR="0" indent="0" algn="l" defTabSz="914400" rtl="0" eaLnBrk="0" fontAlgn="base" latinLnBrk="0" hangingPunct="0">
+              <a:lnSpc>
+                <a:spcPct val="100000"/>
+              </a:lnSpc>
+              <a:spcBef>
+                <a:spcPct val="30000"/>
+              </a:spcBef>
+              <a:spcAft>
+                <a:spcPct val="0"/>
+              </a:spcAft>
+              <a:buClrTx/>
+              <a:buSzTx/>
+              <a:buFontTx/>
+              <a:buNone/>
+              <a:tabLst/>
+              <a:defRPr/>
+            </a:pPr>
+            <a:r>
+              <a:rPr lang="en-US" altLang="zh-CN" sz="1200" b="1" dirty="0" smtClean="0">
+                <a:latin typeface="微软雅黑" panose="020B0503020204020204" pitchFamily="34" charset="-122"/>
+                <a:ea typeface="微软雅黑" panose="020B0503020204020204" pitchFamily="34" charset="-122"/>
+              </a:rPr>
+              <a:t>Scrum Master</a:t>
+            </a:r>
+            <a:r>
+              <a:rPr lang="zh-CN" altLang="en-US" sz="1200" b="1" dirty="0" smtClean="0">
+                <a:latin typeface="微软雅黑" panose="020B0503020204020204" pitchFamily="34" charset="-122"/>
+                <a:ea typeface="微软雅黑" panose="020B0503020204020204" pitchFamily="34" charset="-122"/>
+              </a:rPr>
+              <a:t>：教队员如何合理地使用技术，工具。而非代替</a:t>
+            </a:r>
+            <a:endParaRPr lang="en-US" altLang="zh-CN" dirty="0" smtClean="0"/>
+          </a:p>
+          <a:p>
+            <a:r>
+              <a:rPr lang="en-US" altLang="zh-CN" dirty="0" smtClean="0"/>
+              <a:t>1.Scrum master</a:t>
+            </a:r>
             <a:r>
               <a:rPr lang="zh-CN" altLang="en-US" dirty="0" smtClean="0"/>
-              <a:t>不断完善，不断改进</a:t>
-            </a:r>
-            <a:endParaRPr lang="en-US" altLang="zh-CN" dirty="0" smtClean="0"/>
-          </a:p>
-          <a:p>
-            <a:endParaRPr lang="en-US" altLang="zh-CN" dirty="0" smtClean="0"/>
-          </a:p>
-          <a:p>
+              <a:t>作为</a:t>
+            </a:r>
             <a:r>
               <a:rPr lang="en-US" altLang="zh-CN" dirty="0" smtClean="0"/>
-              <a:t>1.</a:t>
+              <a:t>team</a:t>
             </a:r>
             <a:r>
               <a:rPr lang="zh-CN" altLang="en-US" dirty="0" smtClean="0"/>
-              <a:t>在迭代过程中，</a:t>
-            </a:r>
-            <a:r>
-              <a:rPr lang="en-US" altLang="zh-CN" dirty="0" smtClean="0"/>
-              <a:t>scrum</a:t>
+              <a:t>的精神领袖</a:t>
             </a:r>
             <a:r>
               <a:rPr lang="zh-CN" altLang="en-US" baseline="0" dirty="0" smtClean="0"/>
-              <a:t> </a:t>
+              <a:t> 和</a:t>
             </a:r>
             <a:r>
               <a:rPr lang="en-US" altLang="zh-CN" baseline="0" dirty="0" smtClean="0"/>
-              <a:t>team </a:t>
+              <a:t>product owner </a:t>
             </a:r>
             <a:r>
               <a:rPr lang="zh-CN" altLang="en-US" baseline="0" dirty="0" smtClean="0"/>
-              <a:t>一直是核心。（没有领导，</a:t>
-            </a:r>
+              <a:t>紧密工作在一起，他们可以及时为团队成员提供帮助。</a:t>
+            </a:r>
+            <a:endParaRPr lang="en-US" altLang="zh-CN" baseline="0" dirty="0" smtClean="0"/>
+          </a:p>
+          <a:p>
             <a:r>
               <a:rPr lang="en-US" altLang="zh-CN" baseline="0" dirty="0" smtClean="0"/>
-              <a:t>PO</a:t>
+              <a:t>2.</a:t>
             </a:r>
             <a:r>
               <a:rPr lang="zh-CN" altLang="en-US" baseline="0" dirty="0" smtClean="0"/>
-              <a:t>也不会关注的太细）</a:t>
-            </a:r>
-            <a:endParaRPr lang="en-US" altLang="zh-CN" dirty="0" smtClean="0"/>
-          </a:p>
-          <a:p>
-            <a:r>
-              <a:rPr lang="en-US" altLang="zh-CN" dirty="0" smtClean="0"/>
-              <a:t>2.Scrum</a:t>
+              <a:t>主持</a:t>
             </a:r>
             <a:r>
               <a:rPr lang="en-US" altLang="zh-CN" baseline="0" dirty="0" smtClean="0"/>
-              <a:t> master </a:t>
+              <a:t>scrum </a:t>
             </a:r>
             <a:r>
               <a:rPr lang="zh-CN" altLang="en-US" baseline="0" dirty="0" smtClean="0"/>
-              <a:t>游离在外，又时时刻刻关注着</a:t>
+              <a:t>三个会议</a:t>
+            </a:r>
+            <a:endParaRPr lang="en-US" altLang="zh-CN" baseline="0" dirty="0" smtClean="0"/>
+          </a:p>
+          <a:p>
+            <a:r>
+              <a:rPr lang="en-US" altLang="zh-CN" baseline="0" dirty="0" smtClean="0"/>
+              <a:t>3.</a:t>
+            </a:r>
+            <a:r>
+              <a:rPr lang="zh-CN" altLang="en-US" baseline="0" dirty="0" smtClean="0"/>
+              <a:t>需要关注</a:t>
             </a:r>
             <a:r>
               <a:rPr lang="en-US" altLang="zh-CN" baseline="0" dirty="0" smtClean="0"/>
               <a:t>scrum</a:t>
             </a:r>
+            <a:r>
+              <a:rPr lang="zh-CN" altLang="en-US" baseline="0" dirty="0" smtClean="0"/>
+              <a:t>，哪些任务开始了，哪些完成了，哪些发生了变化。 </a:t>
+            </a:r>
+            <a:endParaRPr lang="en-US" altLang="zh-CN" baseline="0" dirty="0" smtClean="0"/>
           </a:p>
           <a:p>
             <a:r>
               <a:rPr lang="en-US" altLang="zh-CN" baseline="0" dirty="0" smtClean="0"/>
-              <a:t>3.</a:t>
-            </a:r>
+              <a:t>4.Burn down</a:t>
+            </a:r>
+            <a:r>
+              <a:rPr lang="zh-CN" altLang="en-US" baseline="0" dirty="0" smtClean="0"/>
+              <a:t>图需要</a:t>
+            </a:r>
+            <a:r>
+              <a:rPr lang="en-US" altLang="zh-CN" baseline="0" dirty="0" smtClean="0"/>
+              <a:t>master </a:t>
+            </a:r>
+          </a:p>
+          <a:p>
+            <a:r>
+              <a:rPr lang="en-US" altLang="zh-CN" baseline="0" dirty="0" smtClean="0"/>
+              <a:t>5.</a:t>
+            </a:r>
+            <a:r>
+              <a:rPr lang="zh-CN" altLang="en-US" baseline="0" dirty="0" smtClean="0"/>
+              <a:t>建立团队良好的机制（沟通，协作等等）</a:t>
+            </a:r>
+            <a:endParaRPr lang="en-US" altLang="zh-CN" baseline="0" dirty="0" smtClean="0"/>
           </a:p>
           <a:p>
             <a:endParaRPr lang="en-US" altLang="zh-CN" dirty="0" smtClean="0"/>
@@ -11460,21 +11348,23 @@
           </a:p>
           <a:p>
             <a:r>
-              <a:rPr lang="zh-CN" altLang="en-US" dirty="0" smtClean="0"/>
-              <a:t>敏捷是</a:t>
-            </a:r>
-            <a:r>
-              <a:rPr lang="zh-CN" altLang="en-US" smtClean="0"/>
-              <a:t>一种</a:t>
-            </a:r>
-            <a:endParaRPr lang="en-US" altLang="zh-CN" dirty="0" smtClean="0"/>
+              <a:rPr lang="en-US" altLang="zh-CN" b="1" dirty="0" smtClean="0"/>
+              <a:t>Scrum Team</a:t>
+            </a:r>
+          </a:p>
+          <a:p>
+            <a:r>
+              <a:rPr lang="zh-CN" altLang="en-US" baseline="0" dirty="0" smtClean="0"/>
+              <a:t>自律</a:t>
+            </a:r>
+            <a:endParaRPr lang="zh-CN" altLang="en-US" b="1" dirty="0"/>
           </a:p>
         </p:txBody>
       </p:sp>
     </p:spTree>
     <p:extLst>
       <p:ext uri="{BB962C8B-B14F-4D97-AF65-F5344CB8AC3E}">
-        <p14:creationId xmlns:p14="http://schemas.microsoft.com/office/powerpoint/2010/main" val="2669294562"/>
+        <p14:creationId xmlns="" xmlns:p14="http://schemas.microsoft.com/office/powerpoint/2010/main" val="3189190967"/>
       </p:ext>
     </p:extLst>
   </p:cSld>
@@ -11618,7 +11508,7 @@
     </p:spTree>
     <p:extLst>
       <p:ext uri="{BB962C8B-B14F-4D97-AF65-F5344CB8AC3E}">
-        <p14:creationId xmlns:p14="http://schemas.microsoft.com/office/powerpoint/2010/main" val="2669294562"/>
+        <p14:creationId xmlns="" xmlns:p14="http://schemas.microsoft.com/office/powerpoint/2010/main" val="2669294562"/>
       </p:ext>
     </p:extLst>
   </p:cSld>
@@ -11672,27 +11562,97 @@
           <a:bodyPr/>
           <a:lstStyle/>
           <a:p>
-            <a:pPr lvl="1" eaLnBrk="1" hangingPunct="1">
-              <a:lnSpc>
-                <a:spcPct val="120000"/>
-              </a:lnSpc>
-              <a:buFontTx/>
-              <a:buBlip>
-                <a:blip r:embed="rId3"/>
-              </a:buBlip>
-              <a:defRPr/>
-            </a:pPr>
-            <a:endParaRPr lang="en-US" altLang="zh-CN" sz="2000" dirty="0">
-              <a:ea typeface="微软雅黑" pitchFamily="34" charset="-122"/>
-              <a:cs typeface="Tahoma" pitchFamily="34" charset="0"/>
-            </a:endParaRPr>
+            <a:r>
+              <a:rPr lang="zh-CN" altLang="en-US" dirty="0" smtClean="0"/>
+              <a:t>不断完善，不断改进</a:t>
+            </a:r>
+            <a:endParaRPr lang="en-US" altLang="zh-CN" dirty="0" smtClean="0"/>
+          </a:p>
+          <a:p>
+            <a:endParaRPr lang="en-US" altLang="zh-CN" dirty="0" smtClean="0"/>
+          </a:p>
+          <a:p>
+            <a:r>
+              <a:rPr lang="en-US" altLang="zh-CN" dirty="0" smtClean="0"/>
+              <a:t>1.</a:t>
+            </a:r>
+            <a:r>
+              <a:rPr lang="zh-CN" altLang="en-US" dirty="0" smtClean="0"/>
+              <a:t>在迭代过程中，</a:t>
+            </a:r>
+            <a:r>
+              <a:rPr lang="en-US" altLang="zh-CN" dirty="0" smtClean="0"/>
+              <a:t>scrum</a:t>
+            </a:r>
+            <a:r>
+              <a:rPr lang="zh-CN" altLang="en-US" baseline="0" dirty="0" smtClean="0"/>
+              <a:t> </a:t>
+            </a:r>
+            <a:r>
+              <a:rPr lang="en-US" altLang="zh-CN" baseline="0" dirty="0" smtClean="0"/>
+              <a:t>team </a:t>
+            </a:r>
+            <a:r>
+              <a:rPr lang="zh-CN" altLang="en-US" baseline="0" dirty="0" smtClean="0"/>
+              <a:t>一直是核心。（没有领导，</a:t>
+            </a:r>
+            <a:r>
+              <a:rPr lang="en-US" altLang="zh-CN" baseline="0" dirty="0" smtClean="0"/>
+              <a:t>PO</a:t>
+            </a:r>
+            <a:r>
+              <a:rPr lang="zh-CN" altLang="en-US" baseline="0" dirty="0" smtClean="0"/>
+              <a:t>也不会关注的太细）</a:t>
+            </a:r>
+            <a:endParaRPr lang="en-US" altLang="zh-CN" dirty="0" smtClean="0"/>
+          </a:p>
+          <a:p>
+            <a:r>
+              <a:rPr lang="en-US" altLang="zh-CN" dirty="0" smtClean="0"/>
+              <a:t>2.Scrum</a:t>
+            </a:r>
+            <a:r>
+              <a:rPr lang="en-US" altLang="zh-CN" baseline="0" dirty="0" smtClean="0"/>
+              <a:t> master </a:t>
+            </a:r>
+            <a:r>
+              <a:rPr lang="zh-CN" altLang="en-US" baseline="0" dirty="0" smtClean="0"/>
+              <a:t>游离在外，又时时刻刻关注着</a:t>
+            </a:r>
+            <a:r>
+              <a:rPr lang="en-US" altLang="zh-CN" baseline="0" dirty="0" smtClean="0"/>
+              <a:t>scrum</a:t>
+            </a:r>
+          </a:p>
+          <a:p>
+            <a:r>
+              <a:rPr lang="en-US" altLang="zh-CN" baseline="0" dirty="0" smtClean="0"/>
+              <a:t>3.</a:t>
+            </a:r>
+          </a:p>
+          <a:p>
+            <a:endParaRPr lang="en-US" altLang="zh-CN" dirty="0" smtClean="0"/>
+          </a:p>
+          <a:p>
+            <a:endParaRPr lang="en-US" altLang="zh-CN" dirty="0" smtClean="0"/>
+          </a:p>
+          <a:p>
+            <a:r>
+              <a:rPr lang="zh-CN" altLang="en-US" dirty="0" smtClean="0"/>
+              <a:t>敏捷是</a:t>
+            </a:r>
+            <a:r>
+              <a:rPr lang="zh-CN" altLang="en-US" smtClean="0"/>
+              <a:t>一种</a:t>
+            </a:r>
+            <a:endParaRPr lang="en-US" altLang="zh-CN" dirty="0" smtClean="0"/>
           </a:p>
         </p:txBody>
       </p:sp>
     </p:spTree>
     <p:extLst>
       <p:ext uri="{BB962C8B-B14F-4D97-AF65-F5344CB8AC3E}">
-        <p14:creationId xmlns:p14="http://schemas.microsoft.com/office/powerpoint/2010/main" val="1874906411"/>
+        <p14:creationId xmlns="" xmlns:p14="http://schemas.microsoft.com/office/powerpoint/2010/main" val="2669294562"/>
       </p:ext>
     </p:extLst>
   </p:cSld>
@@ -11805,7 +11765,81 @@
     </p:spTree>
     <p:extLst>
       <p:ext uri="{BB962C8B-B14F-4D97-AF65-F5344CB8AC3E}">
-        <p14:creationId xmlns:p14="http://schemas.microsoft.com/office/powerpoint/2010/main" val="4175765479"/>
+        <p14:creationId xmlns="" xmlns:p14="http://schemas.microsoft.com/office/powerpoint/2010/main" val="4175765479"/>
+      </p:ext>
+    </p:extLst>
+  </p:cSld>
+  <p:clrMapOvr>
+    <a:masterClrMapping/>
+  </p:clrMapOvr>
+</p:notes>
+</file>
+
+<file path=ppt/notesSlides/notesSlide20.xml><?xml version="1.0" encoding="utf-8"?>
+<p:notes xmlns:a="http://schemas.openxmlformats.org/drawingml/2006/main" xmlns:r="http://schemas.openxmlformats.org/officeDocument/2006/relationships" xmlns:p="http://schemas.openxmlformats.org/presentationml/2006/main">
+  <p:cSld>
+    <p:spTree>
+      <p:nvGrpSpPr>
+        <p:cNvPr id="1" name=""/>
+        <p:cNvGrpSpPr/>
+        <p:nvPr/>
+      </p:nvGrpSpPr>
+      <p:grpSpPr>
+        <a:xfrm>
+          <a:off x="0" y="0"/>
+          <a:ext cx="0" cy="0"/>
+          <a:chOff x="0" y="0"/>
+          <a:chExt cx="0" cy="0"/>
+        </a:xfrm>
+      </p:grpSpPr>
+      <p:sp>
+        <p:nvSpPr>
+          <p:cNvPr id="2" name="幻灯片图像占位符 1"/>
+          <p:cNvSpPr>
+            <a:spLocks noGrp="1" noRot="1" noChangeAspect="1"/>
+          </p:cNvSpPr>
+          <p:nvPr>
+            <p:ph type="sldImg"/>
+          </p:nvPr>
+        </p:nvSpPr>
+        <p:spPr/>
+      </p:sp>
+      <p:sp>
+        <p:nvSpPr>
+          <p:cNvPr id="3" name="备注占位符 2"/>
+          <p:cNvSpPr>
+            <a:spLocks noGrp="1"/>
+          </p:cNvSpPr>
+          <p:nvPr>
+            <p:ph type="body" idx="1"/>
+          </p:nvPr>
+        </p:nvSpPr>
+        <p:spPr/>
+        <p:txBody>
+          <a:bodyPr/>
+          <a:lstStyle/>
+          <a:p>
+            <a:pPr lvl="1" eaLnBrk="1" hangingPunct="1">
+              <a:lnSpc>
+                <a:spcPct val="120000"/>
+              </a:lnSpc>
+              <a:buFontTx/>
+              <a:buBlip>
+                <a:blip r:embed="rId3"/>
+              </a:buBlip>
+              <a:defRPr/>
+            </a:pPr>
+            <a:endParaRPr lang="en-US" altLang="zh-CN" sz="2000" dirty="0">
+              <a:ea typeface="微软雅黑" pitchFamily="34" charset="-122"/>
+              <a:cs typeface="Tahoma" pitchFamily="34" charset="0"/>
+            </a:endParaRPr>
+          </a:p>
+        </p:txBody>
+      </p:sp>
+    </p:spTree>
+    <p:extLst>
+      <p:ext uri="{BB962C8B-B14F-4D97-AF65-F5344CB8AC3E}">
+        <p14:creationId xmlns="" xmlns:p14="http://schemas.microsoft.com/office/powerpoint/2010/main" val="1874906411"/>
       </p:ext>
     </p:extLst>
   </p:cSld>
@@ -11981,7 +12015,7 @@
     </p:spTree>
     <p:extLst>
       <p:ext uri="{BB962C8B-B14F-4D97-AF65-F5344CB8AC3E}">
-        <p14:creationId xmlns:p14="http://schemas.microsoft.com/office/powerpoint/2010/main" val="4021866038"/>
+        <p14:creationId xmlns="" xmlns:p14="http://schemas.microsoft.com/office/powerpoint/2010/main" val="4021866038"/>
       </p:ext>
     </p:extLst>
   </p:cSld>
@@ -12036,23 +12070,23 @@
           <a:lstStyle/>
           <a:p>
             <a:r>
-              <a:rPr lang="zh-CN" altLang="en-US" b="1" dirty="0" smtClean="0"/>
+              <a:rPr lang="zh-CN" altLang="en-US" sz="1800" b="1" dirty="0" smtClean="0"/>
               <a:t>业内目前有两个非常火的大阵营：传统和敏捷。</a:t>
             </a:r>
-            <a:endParaRPr lang="en-US" altLang="zh-CN" b="1" dirty="0" smtClean="0"/>
-          </a:p>
-          <a:p>
-            <a:endParaRPr lang="en-US" altLang="zh-CN" b="1" dirty="0" smtClean="0"/>
-          </a:p>
-          <a:p>
-            <a:r>
-              <a:rPr lang="zh-CN" altLang="en-US" b="1" dirty="0" smtClean="0"/>
+            <a:endParaRPr lang="en-US" altLang="zh-CN" sz="1800" b="1" dirty="0" smtClean="0"/>
+          </a:p>
+          <a:p>
+            <a:endParaRPr lang="en-US" altLang="zh-CN" sz="1800" b="1" dirty="0" smtClean="0"/>
+          </a:p>
+          <a:p>
+            <a:r>
+              <a:rPr lang="zh-CN" altLang="en-US" sz="1800" b="1" dirty="0" smtClean="0"/>
               <a:t>瀑布模型（传统）</a:t>
             </a:r>
-            <a:endParaRPr lang="en-US" altLang="zh-CN" b="1" dirty="0" smtClean="0"/>
-          </a:p>
-          <a:p>
-            <a:endParaRPr lang="en-US" altLang="zh-CN" dirty="0" smtClean="0"/>
+            <a:endParaRPr lang="en-US" altLang="zh-CN" sz="1800" b="1" dirty="0" smtClean="0"/>
+          </a:p>
+          <a:p>
+            <a:endParaRPr lang="en-US" altLang="zh-CN" sz="1800" dirty="0" smtClean="0"/>
           </a:p>
           <a:p>
             <a:pPr marL="0" marR="0" indent="0" algn="l" defTabSz="914400" rtl="0" eaLnBrk="0" fontAlgn="base" latinLnBrk="0" hangingPunct="0">
@@ -12073,11 +12107,11 @@
               <a:defRPr/>
             </a:pPr>
             <a:r>
-              <a:rPr lang="zh-CN" altLang="en-US" baseline="0" dirty="0" smtClean="0"/>
+              <a:rPr lang="zh-CN" altLang="en-US" sz="1800" baseline="0" dirty="0" smtClean="0"/>
               <a:t>为什么是瀑布：</a:t>
             </a:r>
             <a:r>
-              <a:rPr lang="zh-CN" altLang="en-US" sz="1200" b="0" i="0" kern="1200" dirty="0" smtClean="0">
+              <a:rPr lang="zh-CN" altLang="en-US" sz="1800" b="0" i="0" kern="1200" dirty="0" smtClean="0">
                 <a:solidFill>
                   <a:schemeClr val="tx1"/>
                 </a:solidFill>
@@ -12088,7 +12122,7 @@
               </a:rPr>
               <a:t>传统的 软件开发流程是一个文档驱动的流程，它将整个软件开发过程划分为顺序相接的几个阶段，每个阶段都必需完成全部规定的任务（文档）后才能够进入下一个阶段</a:t>
             </a:r>
-            <a:endParaRPr lang="en-US" altLang="zh-CN" sz="1200" b="0" i="0" kern="1200" dirty="0" smtClean="0">
+            <a:endParaRPr lang="en-US" altLang="zh-CN" sz="1800" b="0" i="0" kern="1200" dirty="0" smtClean="0">
               <a:solidFill>
                 <a:schemeClr val="tx1"/>
               </a:solidFill>
@@ -12106,7 +12140,7 @@
     </p:spTree>
     <p:extLst>
       <p:ext uri="{BB962C8B-B14F-4D97-AF65-F5344CB8AC3E}">
-        <p14:creationId xmlns:p14="http://schemas.microsoft.com/office/powerpoint/2010/main" val="2634176535"/>
+        <p14:creationId xmlns="" xmlns:p14="http://schemas.microsoft.com/office/powerpoint/2010/main" val="2634176535"/>
       </p:ext>
     </p:extLst>
   </p:cSld>
@@ -12263,7 +12297,7 @@
     </p:spTree>
     <p:extLst>
       <p:ext uri="{BB962C8B-B14F-4D97-AF65-F5344CB8AC3E}">
-        <p14:creationId xmlns:p14="http://schemas.microsoft.com/office/powerpoint/2010/main" val="4021866038"/>
+        <p14:creationId xmlns="" xmlns:p14="http://schemas.microsoft.com/office/powerpoint/2010/main" val="4021866038"/>
       </p:ext>
     </p:extLst>
   </p:cSld>
@@ -12328,7 +12362,7 @@
     </p:spTree>
     <p:extLst>
       <p:ext uri="{BB962C8B-B14F-4D97-AF65-F5344CB8AC3E}">
-        <p14:creationId xmlns:p14="http://schemas.microsoft.com/office/powerpoint/2010/main" val="3169414503"/>
+        <p14:creationId xmlns="" xmlns:p14="http://schemas.microsoft.com/office/powerpoint/2010/main" val="3169414503"/>
       </p:ext>
     </p:extLst>
   </p:cSld>
@@ -12393,7 +12427,7 @@
     </p:spTree>
     <p:extLst>
       <p:ext uri="{BB962C8B-B14F-4D97-AF65-F5344CB8AC3E}">
-        <p14:creationId xmlns:p14="http://schemas.microsoft.com/office/powerpoint/2010/main" val="3397358649"/>
+        <p14:creationId xmlns="" xmlns:p14="http://schemas.microsoft.com/office/powerpoint/2010/main" val="3397358649"/>
       </p:ext>
     </p:extLst>
   </p:cSld>
@@ -12458,7 +12492,7 @@
     </p:spTree>
     <p:extLst>
       <p:ext uri="{BB962C8B-B14F-4D97-AF65-F5344CB8AC3E}">
-        <p14:creationId xmlns:p14="http://schemas.microsoft.com/office/powerpoint/2010/main" val="3397358649"/>
+        <p14:creationId xmlns="" xmlns:p14="http://schemas.microsoft.com/office/powerpoint/2010/main" val="3397358649"/>
       </p:ext>
     </p:extLst>
   </p:cSld>
@@ -12519,7 +12553,7 @@
     </p:spTree>
     <p:extLst>
       <p:ext uri="{BB962C8B-B14F-4D97-AF65-F5344CB8AC3E}">
-        <p14:creationId xmlns:p14="http://schemas.microsoft.com/office/powerpoint/2010/main" val="2634176535"/>
+        <p14:creationId xmlns="" xmlns:p14="http://schemas.microsoft.com/office/powerpoint/2010/main" val="2634176535"/>
       </p:ext>
     </p:extLst>
   </p:cSld>
@@ -12732,7 +12766,7 @@
               <a:pPr>
                 <a:defRPr/>
               </a:pPr>
-              <a:t>2014/6/12</a:t>
+              <a:t>2014/6/14</a:t>
             </a:fld>
             <a:endParaRPr lang="en-US" altLang="zh-CN"/>
           </a:p>
@@ -12741,7 +12775,7 @@
     </p:spTree>
     <p:extLst>
       <p:ext uri="{BB962C8B-B14F-4D97-AF65-F5344CB8AC3E}">
-        <p14:creationId xmlns:p14="http://schemas.microsoft.com/office/powerpoint/2010/main" val="1147707585"/>
+        <p14:creationId xmlns="" xmlns:p14="http://schemas.microsoft.com/office/powerpoint/2010/main" val="1147707585"/>
       </p:ext>
     </p:extLst>
   </p:cSld>
@@ -12881,7 +12915,7 @@
               <a:pPr>
                 <a:defRPr/>
               </a:pPr>
-              <a:t>2014/6/12</a:t>
+              <a:t>2014/6/14</a:t>
             </a:fld>
             <a:endParaRPr lang="en-US" altLang="zh-CN"/>
           </a:p>
@@ -12890,7 +12924,7 @@
     </p:spTree>
     <p:extLst>
       <p:ext uri="{BB962C8B-B14F-4D97-AF65-F5344CB8AC3E}">
-        <p14:creationId xmlns:p14="http://schemas.microsoft.com/office/powerpoint/2010/main" val="2085208870"/>
+        <p14:creationId xmlns="" xmlns:p14="http://schemas.microsoft.com/office/powerpoint/2010/main" val="2085208870"/>
       </p:ext>
     </p:extLst>
   </p:cSld>
@@ -13101,7 +13135,7 @@
               <a:pPr>
                 <a:defRPr/>
               </a:pPr>
-              <a:t>2014/6/12</a:t>
+              <a:t>2014/6/14</a:t>
             </a:fld>
             <a:endParaRPr lang="en-US" altLang="zh-CN"/>
           </a:p>
@@ -13110,7 +13144,7 @@
     </p:spTree>
     <p:extLst>
       <p:ext uri="{BB962C8B-B14F-4D97-AF65-F5344CB8AC3E}">
-        <p14:creationId xmlns:p14="http://schemas.microsoft.com/office/powerpoint/2010/main" val="1296063410"/>
+        <p14:creationId xmlns="" xmlns:p14="http://schemas.microsoft.com/office/powerpoint/2010/main" val="1296063410"/>
       </p:ext>
     </p:extLst>
   </p:cSld>
@@ -13363,7 +13397,7 @@
               <a:pPr>
                 <a:defRPr/>
               </a:pPr>
-              <a:t>2014/6/12</a:t>
+              <a:t>2014/6/14</a:t>
             </a:fld>
             <a:endParaRPr lang="en-US" altLang="zh-CN"/>
           </a:p>
@@ -13372,7 +13406,7 @@
     </p:spTree>
     <p:extLst>
       <p:ext uri="{BB962C8B-B14F-4D97-AF65-F5344CB8AC3E}">
-        <p14:creationId xmlns:p14="http://schemas.microsoft.com/office/powerpoint/2010/main" val="2778239967"/>
+        <p14:creationId xmlns="" xmlns:p14="http://schemas.microsoft.com/office/powerpoint/2010/main" val="2778239967"/>
       </p:ext>
     </p:extLst>
   </p:cSld>
@@ -13759,7 +13793,7 @@
               <a:pPr>
                 <a:defRPr/>
               </a:pPr>
-              <a:t>2014/6/12</a:t>
+              <a:t>2014/6/14</a:t>
             </a:fld>
             <a:endParaRPr lang="en-US" altLang="zh-CN"/>
           </a:p>
@@ -13768,7 +13802,7 @@
     </p:spTree>
     <p:extLst>
       <p:ext uri="{BB962C8B-B14F-4D97-AF65-F5344CB8AC3E}">
-        <p14:creationId xmlns:p14="http://schemas.microsoft.com/office/powerpoint/2010/main" val="934277449"/>
+        <p14:creationId xmlns="" xmlns:p14="http://schemas.microsoft.com/office/powerpoint/2010/main" val="934277449"/>
       </p:ext>
     </p:extLst>
   </p:cSld>
@@ -13832,7 +13866,7 @@
               <a:pPr>
                 <a:defRPr/>
               </a:pPr>
-              <a:t>2014/6/12</a:t>
+              <a:t>2014/6/14</a:t>
             </a:fld>
             <a:endParaRPr lang="en-US" altLang="zh-CN"/>
           </a:p>
@@ -13841,7 +13875,7 @@
     </p:spTree>
     <p:extLst>
       <p:ext uri="{BB962C8B-B14F-4D97-AF65-F5344CB8AC3E}">
-        <p14:creationId xmlns:p14="http://schemas.microsoft.com/office/powerpoint/2010/main" val="1630908849"/>
+        <p14:creationId xmlns="" xmlns:p14="http://schemas.microsoft.com/office/powerpoint/2010/main" val="1630908849"/>
       </p:ext>
     </p:extLst>
   </p:cSld>
@@ -14083,7 +14117,7 @@
               <a:pPr>
                 <a:defRPr/>
               </a:pPr>
-              <a:t>2014/6/12</a:t>
+              <a:t>2014/6/14</a:t>
             </a:fld>
             <a:endParaRPr lang="en-US" altLang="zh-CN"/>
           </a:p>
@@ -14092,7 +14126,7 @@
     </p:spTree>
     <p:extLst>
       <p:ext uri="{BB962C8B-B14F-4D97-AF65-F5344CB8AC3E}">
-        <p14:creationId xmlns:p14="http://schemas.microsoft.com/office/powerpoint/2010/main" val="315280762"/>
+        <p14:creationId xmlns="" xmlns:p14="http://schemas.microsoft.com/office/powerpoint/2010/main" val="315280762"/>
       </p:ext>
     </p:extLst>
   </p:cSld>
@@ -14313,7 +14347,7 @@
               <a:pPr>
                 <a:defRPr/>
               </a:pPr>
-              <a:t>2014/6/12</a:t>
+              <a:t>2014/6/14</a:t>
             </a:fld>
             <a:endParaRPr lang="en-US" altLang="zh-CN"/>
           </a:p>
@@ -14322,7 +14356,7 @@
     </p:spTree>
     <p:extLst>
       <p:ext uri="{BB962C8B-B14F-4D97-AF65-F5344CB8AC3E}">
-        <p14:creationId xmlns:p14="http://schemas.microsoft.com/office/powerpoint/2010/main" val="721431815"/>
+        <p14:creationId xmlns="" xmlns:p14="http://schemas.microsoft.com/office/powerpoint/2010/main" val="721431815"/>
       </p:ext>
     </p:extLst>
   </p:cSld>
@@ -14386,14 +14420,14 @@
           </a:ln>
           <a:extLst>
             <a:ext uri="{909E8E84-426E-40DD-AFC4-6F175D3DCCD1}">
-              <a14:hiddenFill xmlns:a14="http://schemas.microsoft.com/office/drawing/2010/main">
+              <a14:hiddenFill xmlns="" xmlns:a14="http://schemas.microsoft.com/office/drawing/2010/main">
                 <a:solidFill>
                   <a:srgbClr val="FFFFFF"/>
                 </a:solidFill>
               </a14:hiddenFill>
             </a:ext>
             <a:ext uri="{91240B29-F687-4F45-9708-019B960494DF}">
-              <a14:hiddenLine xmlns:a14="http://schemas.microsoft.com/office/drawing/2010/main" w="9525">
+              <a14:hiddenLine xmlns="" xmlns:a14="http://schemas.microsoft.com/office/drawing/2010/main" w="9525">
                 <a:solidFill>
                   <a:srgbClr val="000000"/>
                 </a:solidFill>
@@ -14444,14 +14478,14 @@
           </a:ln>
           <a:extLst>
             <a:ext uri="{909E8E84-426E-40DD-AFC4-6F175D3DCCD1}">
-              <a14:hiddenFill xmlns:a14="http://schemas.microsoft.com/office/drawing/2010/main">
+              <a14:hiddenFill xmlns="" xmlns:a14="http://schemas.microsoft.com/office/drawing/2010/main">
                 <a:solidFill>
                   <a:srgbClr val="FFFFFF"/>
                 </a:solidFill>
               </a14:hiddenFill>
             </a:ext>
             <a:ext uri="{91240B29-F687-4F45-9708-019B960494DF}">
-              <a14:hiddenLine xmlns:a14="http://schemas.microsoft.com/office/drawing/2010/main" w="9525">
+              <a14:hiddenLine xmlns="" xmlns:a14="http://schemas.microsoft.com/office/drawing/2010/main" w="9525">
                 <a:solidFill>
                   <a:srgbClr val="000000"/>
                 </a:solidFill>
@@ -14550,7 +14584,7 @@
               <a:pPr>
                 <a:defRPr/>
               </a:pPr>
-              <a:t>2014/6/12</a:t>
+              <a:t>2014/6/14</a:t>
             </a:fld>
             <a:endParaRPr lang="en-US" altLang="zh-CN"/>
           </a:p>
@@ -15162,7 +15196,7 @@
     </p:spTree>
     <p:extLst>
       <p:ext uri="{BB962C8B-B14F-4D97-AF65-F5344CB8AC3E}">
-        <p14:creationId xmlns:p14="http://schemas.microsoft.com/office/powerpoint/2010/main" val="2913046131"/>
+        <p14:creationId xmlns="" xmlns:p14="http://schemas.microsoft.com/office/powerpoint/2010/main" val="2913046131"/>
       </p:ext>
     </p:extLst>
   </p:cSld>
@@ -15218,6 +15252,16 @@
           <a:lstStyle/>
           <a:p>
             <a:r>
+              <a:rPr lang="zh-CN" altLang="en-US" sz="3600" smtClean="0">
+                <a:solidFill>
+                  <a:srgbClr val="E46C0A"/>
+                </a:solidFill>
+                <a:latin typeface="微软雅黑" panose="020B0503020204020204" pitchFamily="34" charset="-122"/>
+                <a:ea typeface="微软雅黑" panose="020B0503020204020204" pitchFamily="34" charset="-122"/>
+              </a:rPr>
+              <a:t>故事：</a:t>
+            </a:r>
+            <a:r>
               <a:rPr lang="zh-CN" altLang="en-US" sz="3600" dirty="0" smtClean="0">
                 <a:solidFill>
                   <a:srgbClr val="E46C0A"/>
@@ -15225,7 +15269,7 @@
                 <a:latin typeface="微软雅黑" panose="020B0503020204020204" pitchFamily="34" charset="-122"/>
                 <a:ea typeface="微软雅黑" panose="020B0503020204020204" pitchFamily="34" charset="-122"/>
               </a:rPr>
-              <a:t>案例：最好的交通工具</a:t>
+              <a:t>最好的交通工具</a:t>
             </a:r>
             <a:endParaRPr lang="zh-CN" altLang="en-US" sz="3600" dirty="0">
               <a:solidFill>
@@ -15330,7 +15374,7 @@
     </p:spTree>
     <p:extLst>
       <p:ext uri="{BB962C8B-B14F-4D97-AF65-F5344CB8AC3E}">
-        <p14:creationId xmlns:p14="http://schemas.microsoft.com/office/powerpoint/2010/main" val="795236271"/>
+        <p14:creationId xmlns="" xmlns:p14="http://schemas.microsoft.com/office/powerpoint/2010/main" val="795236271"/>
       </p:ext>
     </p:extLst>
   </p:cSld>
@@ -15414,7 +15458,7 @@
           <p:nvPr>
             <p:extLst>
               <p:ext uri="{D42A27DB-BD31-4B8C-83A1-F6EECF244321}">
-                <p14:modId xmlns:p14="http://schemas.microsoft.com/office/powerpoint/2010/main" val="3547932505"/>
+                <p14:modId xmlns="" xmlns:p14="http://schemas.microsoft.com/office/powerpoint/2010/main" val="3547932505"/>
               </p:ext>
             </p:extLst>
           </p:nvPr>
@@ -15649,7 +15693,7 @@
     </p:spTree>
     <p:extLst>
       <p:ext uri="{BB962C8B-B14F-4D97-AF65-F5344CB8AC3E}">
-        <p14:creationId xmlns:p14="http://schemas.microsoft.com/office/powerpoint/2010/main" val="985163904"/>
+        <p14:creationId xmlns="" xmlns:p14="http://schemas.microsoft.com/office/powerpoint/2010/main" val="985163904"/>
       </p:ext>
     </p:extLst>
   </p:cSld>
@@ -15733,7 +15777,7 @@
           <p:nvPr>
             <p:extLst>
               <p:ext uri="{D42A27DB-BD31-4B8C-83A1-F6EECF244321}">
-                <p14:modId xmlns:p14="http://schemas.microsoft.com/office/powerpoint/2010/main" val="172703566"/>
+                <p14:modId xmlns="" xmlns:p14="http://schemas.microsoft.com/office/powerpoint/2010/main" val="172703566"/>
               </p:ext>
             </p:extLst>
           </p:nvPr>
@@ -15976,7 +16020,7 @@
     </p:spTree>
     <p:extLst>
       <p:ext uri="{BB962C8B-B14F-4D97-AF65-F5344CB8AC3E}">
-        <p14:creationId xmlns:p14="http://schemas.microsoft.com/office/powerpoint/2010/main" val="2694905177"/>
+        <p14:creationId xmlns="" xmlns:p14="http://schemas.microsoft.com/office/powerpoint/2010/main" val="2694905177"/>
       </p:ext>
     </p:extLst>
   </p:cSld>
@@ -16013,6 +16057,72 @@
       </p:grpSpPr>
       <p:sp>
         <p:nvSpPr>
+          <p:cNvPr id="4" name="标题 1"/>
+          <p:cNvSpPr>
+            <a:spLocks noGrp="1"/>
+          </p:cNvSpPr>
+          <p:nvPr>
+            <p:ph type="title"/>
+          </p:nvPr>
+        </p:nvSpPr>
+        <p:spPr>
+          <a:xfrm>
+            <a:off x="457200" y="274638"/>
+            <a:ext cx="8229600" cy="715962"/>
+          </a:xfrm>
+        </p:spPr>
+        <p:txBody>
+          <a:bodyPr/>
+          <a:lstStyle/>
+          <a:p>
+            <a:r>
+              <a:rPr lang="zh-CN" altLang="en-US" sz="3600" dirty="0" smtClean="0">
+                <a:solidFill>
+                  <a:srgbClr val="E46C0A"/>
+                </a:solidFill>
+                <a:latin typeface="微软雅黑" panose="020B0503020204020204" pitchFamily="34" charset="-122"/>
+                <a:ea typeface="微软雅黑" panose="020B0503020204020204" pitchFamily="34" charset="-122"/>
+              </a:rPr>
+              <a:t>敏捷开发方法</a:t>
+            </a:r>
+            <a:endParaRPr lang="zh-CN" altLang="en-US" sz="3600" dirty="0">
+              <a:solidFill>
+                <a:srgbClr val="E46C0A"/>
+              </a:solidFill>
+              <a:latin typeface="微软雅黑" panose="020B0503020204020204" pitchFamily="34" charset="-122"/>
+              <a:ea typeface="微软雅黑" panose="020B0503020204020204" pitchFamily="34" charset="-122"/>
+            </a:endParaRPr>
+          </a:p>
+        </p:txBody>
+      </p:sp>
+    </p:spTree>
+  </p:cSld>
+  <p:clrMapOvr>
+    <a:masterClrMapping/>
+  </p:clrMapOvr>
+  <p:transition/>
+</p:sld>
+</file>
+
+<file path=ppt/slides/slide14.xml><?xml version="1.0" encoding="utf-8"?>
+<p:sld xmlns:a="http://schemas.openxmlformats.org/drawingml/2006/main" xmlns:r="http://schemas.openxmlformats.org/officeDocument/2006/relationships" xmlns:p="http://schemas.openxmlformats.org/presentationml/2006/main">
+  <p:cSld>
+    <p:spTree>
+      <p:nvGrpSpPr>
+        <p:cNvPr id="1" name=""/>
+        <p:cNvGrpSpPr/>
+        <p:nvPr/>
+      </p:nvGrpSpPr>
+      <p:grpSpPr>
+        <a:xfrm>
+          <a:off x="0" y="0"/>
+          <a:ext cx="0" cy="0"/>
+          <a:chOff x="0" y="0"/>
+          <a:chExt cx="0" cy="0"/>
+        </a:xfrm>
+      </p:grpSpPr>
+      <p:sp>
+        <p:nvSpPr>
           <p:cNvPr id="3" name="标题 1"/>
           <p:cNvSpPr>
             <a:spLocks noGrp="1"/>
@@ -16039,7 +16149,7 @@
                 <a:latin typeface="微软雅黑" panose="020B0503020204020204" pitchFamily="34" charset="-122"/>
                 <a:ea typeface="微软雅黑" panose="020B0503020204020204" pitchFamily="34" charset="-122"/>
               </a:rPr>
-              <a:t>敏捷开发方法</a:t>
+              <a:t>敏捷思想</a:t>
             </a:r>
             <a:endParaRPr lang="zh-CN" altLang="en-US" sz="3600" dirty="0">
               <a:solidFill>
@@ -16639,7 +16749,7 @@
     </p:spTree>
     <p:extLst>
       <p:ext uri="{BB962C8B-B14F-4D97-AF65-F5344CB8AC3E}">
-        <p14:creationId xmlns:p14="http://schemas.microsoft.com/office/powerpoint/2010/main" val="3523283011"/>
+        <p14:creationId xmlns="" xmlns:p14="http://schemas.microsoft.com/office/powerpoint/2010/main" val="3523283011"/>
       </p:ext>
     </p:extLst>
   </p:cSld>
@@ -16657,7 +16767,7 @@
 </p:sld>
 </file>
 
-<file path=ppt/slides/slide14.xml><?xml version="1.0" encoding="utf-8"?>
+<file path=ppt/slides/slide15.xml><?xml version="1.0" encoding="utf-8"?>
 <p:sld xmlns:a="http://schemas.openxmlformats.org/drawingml/2006/main" xmlns:r="http://schemas.openxmlformats.org/officeDocument/2006/relationships" xmlns:p="http://schemas.openxmlformats.org/presentationml/2006/main">
   <p:cSld>
     <p:spTree>
@@ -16785,7 +16895,7 @@
           <a:blip r:embed="rId3">
             <a:extLst>
               <a:ext uri="{28A0092B-C50C-407E-A947-70E740481C1C}">
-                <a14:useLocalDpi xmlns:a14="http://schemas.microsoft.com/office/drawing/2010/main" val="0"/>
+                <a14:useLocalDpi xmlns="" xmlns:a14="http://schemas.microsoft.com/office/drawing/2010/main" val="0"/>
               </a:ext>
             </a:extLst>
           </a:blip>
@@ -16813,7 +16923,7 @@
           </a:ln>
           <a:extLst>
             <a:ext uri="{909E8E84-426E-40DD-AFC4-6F175D3DCCD1}">
-              <a14:hiddenFill xmlns:a14="http://schemas.microsoft.com/office/drawing/2010/main">
+              <a14:hiddenFill xmlns="" xmlns:a14="http://schemas.microsoft.com/office/drawing/2010/main">
                 <a:solidFill>
                   <a:srgbClr val="FFFFFF"/>
                 </a:solidFill>
@@ -16825,67 +16935,7 @@
     </p:spTree>
     <p:extLst>
       <p:ext uri="{BB962C8B-B14F-4D97-AF65-F5344CB8AC3E}">
-        <p14:creationId xmlns:p14="http://schemas.microsoft.com/office/powerpoint/2010/main" val="4155299180"/>
-      </p:ext>
-    </p:extLst>
-  </p:cSld>
-  <p:clrMapOvr>
-    <a:masterClrMapping/>
-  </p:clrMapOvr>
-  <p:transition/>
-  <p:timing>
-    <p:tnLst>
-      <p:par>
-        <p:cTn id="1" dur="indefinite" restart="never" nodeType="tmRoot"/>
-      </p:par>
-    </p:tnLst>
-  </p:timing>
-</p:sld>
-</file>
-
-<file path=ppt/slides/slide15.xml><?xml version="1.0" encoding="utf-8"?>
-<p:sld xmlns:a="http://schemas.openxmlformats.org/drawingml/2006/main" xmlns:r="http://schemas.openxmlformats.org/officeDocument/2006/relationships" xmlns:p="http://schemas.openxmlformats.org/presentationml/2006/main">
-  <p:cSld>
-    <p:spTree>
-      <p:nvGrpSpPr>
-        <p:cNvPr id="1" name=""/>
-        <p:cNvGrpSpPr/>
-        <p:nvPr/>
-      </p:nvGrpSpPr>
-      <p:grpSpPr>
-        <a:xfrm>
-          <a:off x="0" y="0"/>
-          <a:ext cx="0" cy="0"/>
-          <a:chOff x="0" y="0"/>
-          <a:chExt cx="0" cy="0"/>
-        </a:xfrm>
-      </p:grpSpPr>
-      <p:graphicFrame>
-        <p:nvGraphicFramePr>
-          <p:cNvPr id="3" name="图示 2"/>
-          <p:cNvGraphicFramePr/>
-          <p:nvPr>
-            <p:extLst>
-              <p:ext uri="{D42A27DB-BD31-4B8C-83A1-F6EECF244321}">
-                <p14:modId xmlns:p14="http://schemas.microsoft.com/office/powerpoint/2010/main" val="1298662506"/>
-              </p:ext>
-            </p:extLst>
-          </p:nvPr>
-        </p:nvGraphicFramePr>
-        <p:xfrm>
-          <a:off x="609600" y="304800"/>
-          <a:ext cx="7772400" cy="1600438"/>
-        </p:xfrm>
-        <a:graphic>
-          <a:graphicData uri="http://schemas.openxmlformats.org/drawingml/2006/diagram">
-            <dgm:relIds xmlns:dgm="http://schemas.openxmlformats.org/drawingml/2006/diagram" xmlns:r="http://schemas.openxmlformats.org/officeDocument/2006/relationships" r:dm="rId2" r:lo="rId3" r:qs="rId4" r:cs="rId5"/>
-          </a:graphicData>
-        </a:graphic>
-      </p:graphicFrame>
-    </p:spTree>
-    <p:extLst>
-      <p:ext uri="{BB962C8B-B14F-4D97-AF65-F5344CB8AC3E}">
-        <p14:creationId xmlns:p14="http://schemas.microsoft.com/office/powerpoint/2010/main" val="268147641"/>
+        <p14:creationId xmlns="" xmlns:p14="http://schemas.microsoft.com/office/powerpoint/2010/main" val="4155299180"/>
       </p:ext>
     </p:extLst>
   </p:cSld>
@@ -16922,12 +16972,72 @@
       </p:grpSpPr>
       <p:graphicFrame>
         <p:nvGraphicFramePr>
+          <p:cNvPr id="3" name="图示 2"/>
+          <p:cNvGraphicFramePr/>
+          <p:nvPr>
+            <p:extLst>
+              <p:ext uri="{D42A27DB-BD31-4B8C-83A1-F6EECF244321}">
+                <p14:modId xmlns="" xmlns:p14="http://schemas.microsoft.com/office/powerpoint/2010/main" val="1298662506"/>
+              </p:ext>
+            </p:extLst>
+          </p:nvPr>
+        </p:nvGraphicFramePr>
+        <p:xfrm>
+          <a:off x="609600" y="304800"/>
+          <a:ext cx="7772400" cy="1600438"/>
+        </p:xfrm>
+        <a:graphic>
+          <a:graphicData uri="http://schemas.openxmlformats.org/drawingml/2006/diagram">
+            <dgm:relIds xmlns:dgm="http://schemas.openxmlformats.org/drawingml/2006/diagram" xmlns:r="http://schemas.openxmlformats.org/officeDocument/2006/relationships" r:dm="rId2" r:lo="rId3" r:qs="rId4" r:cs="rId5"/>
+          </a:graphicData>
+        </a:graphic>
+      </p:graphicFrame>
+    </p:spTree>
+    <p:extLst>
+      <p:ext uri="{BB962C8B-B14F-4D97-AF65-F5344CB8AC3E}">
+        <p14:creationId xmlns="" xmlns:p14="http://schemas.microsoft.com/office/powerpoint/2010/main" val="268147641"/>
+      </p:ext>
+    </p:extLst>
+  </p:cSld>
+  <p:clrMapOvr>
+    <a:masterClrMapping/>
+  </p:clrMapOvr>
+  <p:transition/>
+  <p:timing>
+    <p:tnLst>
+      <p:par>
+        <p:cTn id="1" dur="indefinite" restart="never" nodeType="tmRoot"/>
+      </p:par>
+    </p:tnLst>
+  </p:timing>
+</p:sld>
+</file>
+
+<file path=ppt/slides/slide17.xml><?xml version="1.0" encoding="utf-8"?>
+<p:sld xmlns:a="http://schemas.openxmlformats.org/drawingml/2006/main" xmlns:r="http://schemas.openxmlformats.org/officeDocument/2006/relationships" xmlns:p="http://schemas.openxmlformats.org/presentationml/2006/main">
+  <p:cSld>
+    <p:spTree>
+      <p:nvGrpSpPr>
+        <p:cNvPr id="1" name=""/>
+        <p:cNvGrpSpPr/>
+        <p:nvPr/>
+      </p:nvGrpSpPr>
+      <p:grpSpPr>
+        <a:xfrm>
+          <a:off x="0" y="0"/>
+          <a:ext cx="0" cy="0"/>
+          <a:chOff x="0" y="0"/>
+          <a:chExt cx="0" cy="0"/>
+        </a:xfrm>
+      </p:grpSpPr>
+      <p:graphicFrame>
+        <p:nvGraphicFramePr>
           <p:cNvPr id="5" name="图示 4"/>
           <p:cNvGraphicFramePr/>
           <p:nvPr>
             <p:extLst>
               <p:ext uri="{D42A27DB-BD31-4B8C-83A1-F6EECF244321}">
-                <p14:modId xmlns:p14="http://schemas.microsoft.com/office/powerpoint/2010/main" val="111665507"/>
+                <p14:modId xmlns="" xmlns:p14="http://schemas.microsoft.com/office/powerpoint/2010/main" val="111665507"/>
               </p:ext>
             </p:extLst>
           </p:nvPr>
@@ -16951,10 +17061,10 @@
           <p:nvPr/>
         </p:nvPicPr>
         <p:blipFill>
-          <a:blip r:embed="rId8">
+          <a:blip r:embed="rId7">
             <a:extLst>
               <a:ext uri="{28A0092B-C50C-407E-A947-70E740481C1C}">
-                <a14:useLocalDpi xmlns:a14="http://schemas.microsoft.com/office/drawing/2010/main" val="0"/>
+                <a14:useLocalDpi xmlns="" xmlns:a14="http://schemas.microsoft.com/office/drawing/2010/main" val="0"/>
               </a:ext>
             </a:extLst>
           </a:blip>
@@ -16982,7 +17092,7 @@
           </a:ln>
           <a:extLst>
             <a:ext uri="{909E8E84-426E-40DD-AFC4-6F175D3DCCD1}">
-              <a14:hiddenFill xmlns:a14="http://schemas.microsoft.com/office/drawing/2010/main">
+              <a14:hiddenFill xmlns="" xmlns:a14="http://schemas.microsoft.com/office/drawing/2010/main">
                 <a:solidFill>
                   <a:srgbClr val="FFFFFF"/>
                 </a:solidFill>
@@ -16994,7 +17104,7 @@
     </p:spTree>
     <p:extLst>
       <p:ext uri="{BB962C8B-B14F-4D97-AF65-F5344CB8AC3E}">
-        <p14:creationId xmlns:p14="http://schemas.microsoft.com/office/powerpoint/2010/main" val="4072774200"/>
+        <p14:creationId xmlns="" xmlns:p14="http://schemas.microsoft.com/office/powerpoint/2010/main" val="4072774200"/>
       </p:ext>
     </p:extLst>
   </p:cSld>
@@ -17134,7 +17244,7 @@
 </p:sld>
 </file>
 
-<file path=ppt/slides/slide17.xml><?xml version="1.0" encoding="utf-8"?>
+<file path=ppt/slides/slide18.xml><?xml version="1.0" encoding="utf-8"?>
 <p:sld xmlns:a="http://schemas.openxmlformats.org/drawingml/2006/main" xmlns:r="http://schemas.openxmlformats.org/officeDocument/2006/relationships" xmlns:p="http://schemas.openxmlformats.org/presentationml/2006/main">
   <p:cSld>
     <p:spTree>
@@ -17158,7 +17268,7 @@
           <p:nvPr>
             <p:extLst>
               <p:ext uri="{D42A27DB-BD31-4B8C-83A1-F6EECF244321}">
-                <p14:modId xmlns:p14="http://schemas.microsoft.com/office/powerpoint/2010/main" val="1011427966"/>
+                <p14:modId xmlns="" xmlns:p14="http://schemas.microsoft.com/office/powerpoint/2010/main" val="1011427966"/>
               </p:ext>
             </p:extLst>
           </p:nvPr>
@@ -17176,127 +17286,7 @@
     </p:spTree>
     <p:extLst>
       <p:ext uri="{BB962C8B-B14F-4D97-AF65-F5344CB8AC3E}">
-        <p14:creationId xmlns:p14="http://schemas.microsoft.com/office/powerpoint/2010/main" val="4072774200"/>
-      </p:ext>
-    </p:extLst>
-  </p:cSld>
-  <p:clrMapOvr>
-    <a:masterClrMapping/>
-  </p:clrMapOvr>
-  <p:transition/>
-  <p:timing>
-    <p:tnLst>
-      <p:par>
-        <p:cTn id="1" dur="indefinite" restart="never" nodeType="tmRoot"/>
-      </p:par>
-    </p:tnLst>
-  </p:timing>
-</p:sld>
-</file>
-
-<file path=ppt/slides/slide18.xml><?xml version="1.0" encoding="utf-8"?>
-<p:sld xmlns:a="http://schemas.openxmlformats.org/drawingml/2006/main" xmlns:r="http://schemas.openxmlformats.org/officeDocument/2006/relationships" xmlns:p="http://schemas.openxmlformats.org/presentationml/2006/main">
-  <p:cSld>
-    <p:spTree>
-      <p:nvGrpSpPr>
-        <p:cNvPr id="1" name=""/>
-        <p:cNvGrpSpPr/>
-        <p:nvPr/>
-      </p:nvGrpSpPr>
-      <p:grpSpPr>
-        <a:xfrm>
-          <a:off x="0" y="0"/>
-          <a:ext cx="0" cy="0"/>
-          <a:chOff x="0" y="0"/>
-          <a:chExt cx="0" cy="0"/>
-        </a:xfrm>
-      </p:grpSpPr>
-      <p:pic>
-        <p:nvPicPr>
-          <p:cNvPr id="3" name="Picture 2" descr="E:\16.培训PPT\图片\122411_2gqn_175925.jpg"/>
-          <p:cNvPicPr>
-            <a:picLocks noChangeAspect="1" noChangeArrowheads="1"/>
-          </p:cNvPicPr>
-          <p:nvPr/>
-        </p:nvPicPr>
-        <p:blipFill>
-          <a:blip r:embed="rId3">
-            <a:extLst>
-              <a:ext uri="{28A0092B-C50C-407E-A947-70E740481C1C}">
-                <a14:useLocalDpi xmlns:a14="http://schemas.microsoft.com/office/drawing/2010/main" val="0"/>
-              </a:ext>
-            </a:extLst>
-          </a:blip>
-          <a:srcRect/>
-          <a:stretch>
-            <a:fillRect/>
-          </a:stretch>
-        </p:blipFill>
-        <p:spPr bwMode="auto">
-          <a:xfrm>
-            <a:off x="1143000" y="1524000"/>
-            <a:ext cx="7048500" cy="3057525"/>
-          </a:xfrm>
-          <a:prstGeom prst="rect">
-            <a:avLst/>
-          </a:prstGeom>
-          <a:noFill/>
-          <a:ln>
-            <a:solidFill>
-              <a:schemeClr val="tx1">
-                <a:lumMod val="95000"/>
-                <a:lumOff val="5000"/>
-              </a:schemeClr>
-            </a:solidFill>
-          </a:ln>
-          <a:extLst>
-            <a:ext uri="{909E8E84-426E-40DD-AFC4-6F175D3DCCD1}">
-              <a14:hiddenFill xmlns:a14="http://schemas.microsoft.com/office/drawing/2010/main">
-                <a:solidFill>
-                  <a:srgbClr val="FFFFFF"/>
-                </a:solidFill>
-              </a14:hiddenFill>
-            </a:ext>
-          </a:extLst>
-        </p:spPr>
-      </p:pic>
-      <p:sp>
-        <p:nvSpPr>
-          <p:cNvPr id="6" name="标题 1"/>
-          <p:cNvSpPr>
-            <a:spLocks noGrp="1"/>
-          </p:cNvSpPr>
-          <p:nvPr>
-            <p:ph type="title"/>
-          </p:nvPr>
-        </p:nvSpPr>
-        <p:spPr>
-          <a:xfrm>
-            <a:off x="457200" y="274638"/>
-            <a:ext cx="8229600" cy="715962"/>
-          </a:xfrm>
-        </p:spPr>
-        <p:txBody>
-          <a:bodyPr/>
-          <a:lstStyle/>
-          <a:p>
-            <a:r>
-              <a:rPr lang="zh-CN" altLang="en-US" sz="3600" dirty="0">
-                <a:solidFill>
-                  <a:srgbClr val="E46C0A"/>
-                </a:solidFill>
-                <a:latin typeface="微软雅黑" panose="020B0503020204020204" pitchFamily="34" charset="-122"/>
-                <a:ea typeface="微软雅黑" panose="020B0503020204020204" pitchFamily="34" charset="-122"/>
-              </a:rPr>
-              <a:t>回顾</a:t>
-            </a:r>
-          </a:p>
-        </p:txBody>
-      </p:sp>
-    </p:spTree>
-    <p:extLst>
-      <p:ext uri="{BB962C8B-B14F-4D97-AF65-F5344CB8AC3E}">
-        <p14:creationId xmlns:p14="http://schemas.microsoft.com/office/powerpoint/2010/main" val="1584662295"/>
+        <p14:creationId xmlns="" xmlns:p14="http://schemas.microsoft.com/office/powerpoint/2010/main" val="4072774200"/>
       </p:ext>
     </p:extLst>
   </p:cSld>
@@ -17343,7 +17333,7 @@
           <a:blip r:embed="rId3">
             <a:extLst>
               <a:ext uri="{28A0092B-C50C-407E-A947-70E740481C1C}">
-                <a14:useLocalDpi xmlns:a14="http://schemas.microsoft.com/office/drawing/2010/main" val="0"/>
+                <a14:useLocalDpi xmlns="" xmlns:a14="http://schemas.microsoft.com/office/drawing/2010/main" val="0"/>
               </a:ext>
             </a:extLst>
           </a:blip>
@@ -17371,7 +17361,7 @@
           </a:ln>
           <a:extLst>
             <a:ext uri="{909E8E84-426E-40DD-AFC4-6F175D3DCCD1}">
-              <a14:hiddenFill xmlns:a14="http://schemas.microsoft.com/office/drawing/2010/main">
+              <a14:hiddenFill xmlns="" xmlns:a14="http://schemas.microsoft.com/office/drawing/2010/main">
                 <a:solidFill>
                   <a:srgbClr val="FFFFFF"/>
                 </a:solidFill>
@@ -17416,7 +17406,7 @@
     </p:spTree>
     <p:extLst>
       <p:ext uri="{BB962C8B-B14F-4D97-AF65-F5344CB8AC3E}">
-        <p14:creationId xmlns:p14="http://schemas.microsoft.com/office/powerpoint/2010/main" val="3152901969"/>
+        <p14:creationId xmlns="" xmlns:p14="http://schemas.microsoft.com/office/powerpoint/2010/main" val="1584662295"/>
       </p:ext>
     </p:extLst>
   </p:cSld>
@@ -17504,7 +17494,7 @@
     </p:spTree>
     <p:extLst>
       <p:ext uri="{BB962C8B-B14F-4D97-AF65-F5344CB8AC3E}">
-        <p14:creationId xmlns:p14="http://schemas.microsoft.com/office/powerpoint/2010/main" val="649342712"/>
+        <p14:creationId xmlns="" xmlns:p14="http://schemas.microsoft.com/office/powerpoint/2010/main" val="649342712"/>
       </p:ext>
     </p:extLst>
   </p:cSld>
@@ -17541,6 +17531,126 @@
       </p:grpSpPr>
       <p:pic>
         <p:nvPicPr>
+          <p:cNvPr id="3" name="Picture 2" descr="E:\16.培训PPT\图片\122411_2gqn_175925.jpg"/>
+          <p:cNvPicPr>
+            <a:picLocks noChangeAspect="1" noChangeArrowheads="1"/>
+          </p:cNvPicPr>
+          <p:nvPr/>
+        </p:nvPicPr>
+        <p:blipFill>
+          <a:blip r:embed="rId3">
+            <a:extLst>
+              <a:ext uri="{28A0092B-C50C-407E-A947-70E740481C1C}">
+                <a14:useLocalDpi xmlns="" xmlns:a14="http://schemas.microsoft.com/office/drawing/2010/main" val="0"/>
+              </a:ext>
+            </a:extLst>
+          </a:blip>
+          <a:srcRect/>
+          <a:stretch>
+            <a:fillRect/>
+          </a:stretch>
+        </p:blipFill>
+        <p:spPr bwMode="auto">
+          <a:xfrm>
+            <a:off x="1143000" y="1524000"/>
+            <a:ext cx="7048500" cy="3057525"/>
+          </a:xfrm>
+          <a:prstGeom prst="rect">
+            <a:avLst/>
+          </a:prstGeom>
+          <a:noFill/>
+          <a:ln>
+            <a:solidFill>
+              <a:schemeClr val="tx1">
+                <a:lumMod val="95000"/>
+                <a:lumOff val="5000"/>
+              </a:schemeClr>
+            </a:solidFill>
+          </a:ln>
+          <a:extLst>
+            <a:ext uri="{909E8E84-426E-40DD-AFC4-6F175D3DCCD1}">
+              <a14:hiddenFill xmlns="" xmlns:a14="http://schemas.microsoft.com/office/drawing/2010/main">
+                <a:solidFill>
+                  <a:srgbClr val="FFFFFF"/>
+                </a:solidFill>
+              </a14:hiddenFill>
+            </a:ext>
+          </a:extLst>
+        </p:spPr>
+      </p:pic>
+      <p:sp>
+        <p:nvSpPr>
+          <p:cNvPr id="6" name="标题 1"/>
+          <p:cNvSpPr>
+            <a:spLocks noGrp="1"/>
+          </p:cNvSpPr>
+          <p:nvPr>
+            <p:ph type="title"/>
+          </p:nvPr>
+        </p:nvSpPr>
+        <p:spPr>
+          <a:xfrm>
+            <a:off x="457200" y="274638"/>
+            <a:ext cx="8229600" cy="715962"/>
+          </a:xfrm>
+        </p:spPr>
+        <p:txBody>
+          <a:bodyPr/>
+          <a:lstStyle/>
+          <a:p>
+            <a:r>
+              <a:rPr lang="zh-CN" altLang="en-US" sz="3600" dirty="0">
+                <a:solidFill>
+                  <a:srgbClr val="E46C0A"/>
+                </a:solidFill>
+                <a:latin typeface="微软雅黑" panose="020B0503020204020204" pitchFamily="34" charset="-122"/>
+                <a:ea typeface="微软雅黑" panose="020B0503020204020204" pitchFamily="34" charset="-122"/>
+              </a:rPr>
+              <a:t>回顾</a:t>
+            </a:r>
+          </a:p>
+        </p:txBody>
+      </p:sp>
+    </p:spTree>
+    <p:extLst>
+      <p:ext uri="{BB962C8B-B14F-4D97-AF65-F5344CB8AC3E}">
+        <p14:creationId xmlns="" xmlns:p14="http://schemas.microsoft.com/office/powerpoint/2010/main" val="3152901969"/>
+      </p:ext>
+    </p:extLst>
+  </p:cSld>
+  <p:clrMapOvr>
+    <a:masterClrMapping/>
+  </p:clrMapOvr>
+  <p:transition/>
+  <p:timing>
+    <p:tnLst>
+      <p:par>
+        <p:cTn id="1" dur="indefinite" restart="never" nodeType="tmRoot"/>
+      </p:par>
+    </p:tnLst>
+  </p:timing>
+</p:sld>
+</file>
+
+<file path=ppt/slides/slide21.xml><?xml version="1.0" encoding="utf-8"?>
+<p:sld xmlns:a="http://schemas.openxmlformats.org/drawingml/2006/main" xmlns:r="http://schemas.openxmlformats.org/officeDocument/2006/relationships" xmlns:p="http://schemas.openxmlformats.org/presentationml/2006/main">
+  <p:cSld>
+    <p:spTree>
+      <p:nvGrpSpPr>
+        <p:cNvPr id="1" name=""/>
+        <p:cNvGrpSpPr/>
+        <p:nvPr/>
+      </p:nvGrpSpPr>
+      <p:grpSpPr>
+        <a:xfrm>
+          <a:off x="0" y="0"/>
+          <a:ext cx="0" cy="0"/>
+          <a:chOff x="0" y="0"/>
+          <a:chExt cx="0" cy="0"/>
+        </a:xfrm>
+      </p:grpSpPr>
+      <p:pic>
+        <p:nvPicPr>
           <p:cNvPr id="1026" name="Picture 2"/>
           <p:cNvPicPr>
             <a:picLocks noChangeAspect="1" noChangeArrowheads="1"/>
@@ -17551,7 +17661,7 @@
           <a:blip r:embed="rId2">
             <a:extLst>
               <a:ext uri="{28A0092B-C50C-407E-A947-70E740481C1C}">
-                <a14:useLocalDpi xmlns:a14="http://schemas.microsoft.com/office/drawing/2010/main" val="0"/>
+                <a14:useLocalDpi xmlns="" xmlns:a14="http://schemas.microsoft.com/office/drawing/2010/main" val="0"/>
               </a:ext>
             </a:extLst>
           </a:blip>
@@ -17580,14 +17690,14 @@
           <a:effectLst/>
           <a:extLst>
             <a:ext uri="{909E8E84-426E-40DD-AFC4-6F175D3DCCD1}">
-              <a14:hiddenFill xmlns:a14="http://schemas.microsoft.com/office/drawing/2010/main">
+              <a14:hiddenFill xmlns="" xmlns:a14="http://schemas.microsoft.com/office/drawing/2010/main">
                 <a:solidFill>
                   <a:schemeClr val="accent1"/>
                 </a:solidFill>
               </a14:hiddenFill>
             </a:ext>
             <a:ext uri="{AF507438-7753-43E0-B8FC-AC1667EBCBE1}">
-              <a14:hiddenEffects xmlns:a14="http://schemas.microsoft.com/office/drawing/2010/main">
+              <a14:hiddenEffects xmlns="" xmlns:a14="http://schemas.microsoft.com/office/drawing/2010/main">
                 <a:effectLst>
                   <a:outerShdw dist="35921" dir="2700000" algn="ctr" rotWithShape="0">
                     <a:schemeClr val="bg2"/>
@@ -17641,7 +17751,7 @@
     </p:spTree>
     <p:extLst>
       <p:ext uri="{BB962C8B-B14F-4D97-AF65-F5344CB8AC3E}">
-        <p14:creationId xmlns:p14="http://schemas.microsoft.com/office/powerpoint/2010/main" val="1623504350"/>
+        <p14:creationId xmlns="" xmlns:p14="http://schemas.microsoft.com/office/powerpoint/2010/main" val="1623504350"/>
       </p:ext>
     </p:extLst>
   </p:cSld>
@@ -17659,7 +17769,7 @@
 </p:sld>
 </file>
 
-<file path=ppt/slides/slide21.xml><?xml version="1.0" encoding="utf-8"?>
+<file path=ppt/slides/slide22.xml><?xml version="1.0" encoding="utf-8"?>
 <p:sld xmlns:a="http://schemas.openxmlformats.org/drawingml/2006/main" xmlns:r="http://schemas.openxmlformats.org/officeDocument/2006/relationships" xmlns:p="http://schemas.openxmlformats.org/presentationml/2006/main">
   <p:cSld>
     <p:spTree>
@@ -17722,7 +17832,7 @@
     </p:spTree>
     <p:extLst>
       <p:ext uri="{BB962C8B-B14F-4D97-AF65-F5344CB8AC3E}">
-        <p14:creationId xmlns:p14="http://schemas.microsoft.com/office/powerpoint/2010/main" val="1050486630"/>
+        <p14:creationId xmlns="" xmlns:p14="http://schemas.microsoft.com/office/powerpoint/2010/main" val="1050486630"/>
       </p:ext>
     </p:extLst>
   </p:cSld>
@@ -17811,7 +17921,7 @@
           <a:blip r:embed="rId3">
             <a:extLst>
               <a:ext uri="{28A0092B-C50C-407E-A947-70E740481C1C}">
-                <a14:useLocalDpi xmlns:a14="http://schemas.microsoft.com/office/drawing/2010/main" val="0"/>
+                <a14:useLocalDpi xmlns="" xmlns:a14="http://schemas.microsoft.com/office/drawing/2010/main" val="0"/>
               </a:ext>
             </a:extLst>
           </a:blip>
@@ -17839,7 +17949,7 @@
           </a:ln>
           <a:extLst>
             <a:ext uri="{909E8E84-426E-40DD-AFC4-6F175D3DCCD1}">
-              <a14:hiddenFill xmlns:a14="http://schemas.microsoft.com/office/drawing/2010/main">
+              <a14:hiddenFill xmlns="" xmlns:a14="http://schemas.microsoft.com/office/drawing/2010/main">
                 <a:solidFill>
                   <a:srgbClr val="FFFFFF"/>
                 </a:solidFill>
@@ -18137,7 +18247,7 @@
     </p:spTree>
     <p:extLst>
       <p:ext uri="{BB962C8B-B14F-4D97-AF65-F5344CB8AC3E}">
-        <p14:creationId xmlns:p14="http://schemas.microsoft.com/office/powerpoint/2010/main" val="960867978"/>
+        <p14:creationId xmlns="" xmlns:p14="http://schemas.microsoft.com/office/powerpoint/2010/main" val="960867978"/>
       </p:ext>
     </p:extLst>
   </p:cSld>
@@ -18630,7 +18740,7 @@
           <a:blip r:embed="rId3">
             <a:extLst>
               <a:ext uri="{28A0092B-C50C-407E-A947-70E740481C1C}">
-                <a14:useLocalDpi xmlns:a14="http://schemas.microsoft.com/office/drawing/2010/main" val="0"/>
+                <a14:useLocalDpi xmlns="" xmlns:a14="http://schemas.microsoft.com/office/drawing/2010/main" val="0"/>
               </a:ext>
             </a:extLst>
           </a:blip>
@@ -18654,14 +18764,14 @@
           <a:effectLst/>
           <a:extLst>
             <a:ext uri="{909E8E84-426E-40DD-AFC4-6F175D3DCCD1}">
-              <a14:hiddenFill xmlns:a14="http://schemas.microsoft.com/office/drawing/2010/main">
+              <a14:hiddenFill xmlns="" xmlns:a14="http://schemas.microsoft.com/office/drawing/2010/main">
                 <a:solidFill>
                   <a:schemeClr val="accent1"/>
                 </a:solidFill>
               </a14:hiddenFill>
             </a:ext>
             <a:ext uri="{91240B29-F687-4F45-9708-019B960494DF}">
-              <a14:hiddenLine xmlns:a14="http://schemas.microsoft.com/office/drawing/2010/main" w="9525">
+              <a14:hiddenLine xmlns="" xmlns:a14="http://schemas.microsoft.com/office/drawing/2010/main" w="9525">
                 <a:solidFill>
                   <a:schemeClr val="tx1"/>
                 </a:solidFill>
@@ -18671,7 +18781,7 @@
               </a14:hiddenLine>
             </a:ext>
             <a:ext uri="{AF507438-7753-43E0-B8FC-AC1667EBCBE1}">
-              <a14:hiddenEffects xmlns:a14="http://schemas.microsoft.com/office/drawing/2010/main">
+              <a14:hiddenEffects xmlns="" xmlns:a14="http://schemas.microsoft.com/office/drawing/2010/main">
                 <a:effectLst>
                   <a:outerShdw dist="35921" dir="2700000" algn="ctr" rotWithShape="0">
                     <a:schemeClr val="bg2"/>
@@ -18694,7 +18804,7 @@
           <a:blip r:embed="rId4">
             <a:extLst>
               <a:ext uri="{28A0092B-C50C-407E-A947-70E740481C1C}">
-                <a14:useLocalDpi xmlns:a14="http://schemas.microsoft.com/office/drawing/2010/main" val="0"/>
+                <a14:useLocalDpi xmlns="" xmlns:a14="http://schemas.microsoft.com/office/drawing/2010/main" val="0"/>
               </a:ext>
             </a:extLst>
           </a:blip>
@@ -18718,14 +18828,14 @@
           <a:effectLst/>
           <a:extLst>
             <a:ext uri="{909E8E84-426E-40DD-AFC4-6F175D3DCCD1}">
-              <a14:hiddenFill xmlns:a14="http://schemas.microsoft.com/office/drawing/2010/main">
+              <a14:hiddenFill xmlns="" xmlns:a14="http://schemas.microsoft.com/office/drawing/2010/main">
                 <a:solidFill>
                   <a:schemeClr val="accent1"/>
                 </a:solidFill>
               </a14:hiddenFill>
             </a:ext>
             <a:ext uri="{91240B29-F687-4F45-9708-019B960494DF}">
-              <a14:hiddenLine xmlns:a14="http://schemas.microsoft.com/office/drawing/2010/main" w="9525">
+              <a14:hiddenLine xmlns="" xmlns:a14="http://schemas.microsoft.com/office/drawing/2010/main" w="9525">
                 <a:solidFill>
                   <a:schemeClr val="tx1"/>
                 </a:solidFill>
@@ -18735,7 +18845,7 @@
               </a14:hiddenLine>
             </a:ext>
             <a:ext uri="{AF507438-7753-43E0-B8FC-AC1667EBCBE1}">
-              <a14:hiddenEffects xmlns:a14="http://schemas.microsoft.com/office/drawing/2010/main">
+              <a14:hiddenEffects xmlns="" xmlns:a14="http://schemas.microsoft.com/office/drawing/2010/main">
                 <a:effectLst>
                   <a:outerShdw dist="35921" dir="2700000" algn="ctr" rotWithShape="0">
                     <a:schemeClr val="bg2"/>
@@ -18855,7 +18965,7 @@
     </p:spTree>
     <p:extLst>
       <p:ext uri="{BB962C8B-B14F-4D97-AF65-F5344CB8AC3E}">
-        <p14:creationId xmlns:p14="http://schemas.microsoft.com/office/powerpoint/2010/main" val="312173800"/>
+        <p14:creationId xmlns="" xmlns:p14="http://schemas.microsoft.com/office/powerpoint/2010/main" val="312173800"/>
       </p:ext>
     </p:extLst>
   </p:cSld>
@@ -19351,7 +19461,7 @@
           <a:blip r:embed="rId3">
             <a:extLst>
               <a:ext uri="{28A0092B-C50C-407E-A947-70E740481C1C}">
-                <a14:useLocalDpi xmlns:a14="http://schemas.microsoft.com/office/drawing/2010/main" val="0"/>
+                <a14:useLocalDpi xmlns="" xmlns:a14="http://schemas.microsoft.com/office/drawing/2010/main" val="0"/>
               </a:ext>
             </a:extLst>
           </a:blip>
@@ -19375,14 +19485,14 @@
           <a:effectLst/>
           <a:extLst>
             <a:ext uri="{909E8E84-426E-40DD-AFC4-6F175D3DCCD1}">
-              <a14:hiddenFill xmlns:a14="http://schemas.microsoft.com/office/drawing/2010/main">
+              <a14:hiddenFill xmlns="" xmlns:a14="http://schemas.microsoft.com/office/drawing/2010/main">
                 <a:solidFill>
                   <a:schemeClr val="accent1"/>
                 </a:solidFill>
               </a14:hiddenFill>
             </a:ext>
             <a:ext uri="{91240B29-F687-4F45-9708-019B960494DF}">
-              <a14:hiddenLine xmlns:a14="http://schemas.microsoft.com/office/drawing/2010/main" w="9525">
+              <a14:hiddenLine xmlns="" xmlns:a14="http://schemas.microsoft.com/office/drawing/2010/main" w="9525">
                 <a:solidFill>
                   <a:schemeClr val="tx1"/>
                 </a:solidFill>
@@ -19392,7 +19502,7 @@
               </a14:hiddenLine>
             </a:ext>
             <a:ext uri="{AF507438-7753-43E0-B8FC-AC1667EBCBE1}">
-              <a14:hiddenEffects xmlns:a14="http://schemas.microsoft.com/office/drawing/2010/main">
+              <a14:hiddenEffects xmlns="" xmlns:a14="http://schemas.microsoft.com/office/drawing/2010/main">
                 <a:effectLst>
                   <a:outerShdw dist="35921" dir="2700000" algn="ctr" rotWithShape="0">
                     <a:schemeClr val="bg2"/>
@@ -19591,7 +19701,7 @@
     </p:spTree>
     <p:extLst>
       <p:ext uri="{BB962C8B-B14F-4D97-AF65-F5344CB8AC3E}">
-        <p14:creationId xmlns:p14="http://schemas.microsoft.com/office/powerpoint/2010/main" val="467198683"/>
+        <p14:creationId xmlns="" xmlns:p14="http://schemas.microsoft.com/office/powerpoint/2010/main" val="467198683"/>
       </p:ext>
     </p:extLst>
   </p:cSld>
@@ -20183,7 +20293,7 @@
           <a:blip r:embed="rId3">
             <a:extLst>
               <a:ext uri="{28A0092B-C50C-407E-A947-70E740481C1C}">
-                <a14:useLocalDpi xmlns:a14="http://schemas.microsoft.com/office/drawing/2010/main" val="0"/>
+                <a14:useLocalDpi xmlns="" xmlns:a14="http://schemas.microsoft.com/office/drawing/2010/main" val="0"/>
               </a:ext>
             </a:extLst>
           </a:blip>
@@ -20212,14 +20322,14 @@
           <a:effectLst/>
           <a:extLst>
             <a:ext uri="{909E8E84-426E-40DD-AFC4-6F175D3DCCD1}">
-              <a14:hiddenFill xmlns:a14="http://schemas.microsoft.com/office/drawing/2010/main">
+              <a14:hiddenFill xmlns="" xmlns:a14="http://schemas.microsoft.com/office/drawing/2010/main">
                 <a:solidFill>
                   <a:schemeClr val="accent1"/>
                 </a:solidFill>
               </a14:hiddenFill>
             </a:ext>
             <a:ext uri="{AF507438-7753-43E0-B8FC-AC1667EBCBE1}">
-              <a14:hiddenEffects xmlns:a14="http://schemas.microsoft.com/office/drawing/2010/main">
+              <a14:hiddenEffects xmlns="" xmlns:a14="http://schemas.microsoft.com/office/drawing/2010/main">
                 <a:effectLst>
                   <a:outerShdw dist="35921" dir="2700000" algn="ctr" rotWithShape="0">
                     <a:schemeClr val="bg2"/>
@@ -20233,7 +20343,7 @@
     </p:spTree>
     <p:extLst>
       <p:ext uri="{BB962C8B-B14F-4D97-AF65-F5344CB8AC3E}">
-        <p14:creationId xmlns:p14="http://schemas.microsoft.com/office/powerpoint/2010/main" val="2739783056"/>
+        <p14:creationId xmlns="" xmlns:p14="http://schemas.microsoft.com/office/powerpoint/2010/main" val="2739783056"/>
       </p:ext>
     </p:extLst>
   </p:cSld>
@@ -20405,7 +20515,7 @@
           <a:blip r:embed="rId3">
             <a:extLst>
               <a:ext uri="{28A0092B-C50C-407E-A947-70E740481C1C}">
-                <a14:useLocalDpi xmlns:a14="http://schemas.microsoft.com/office/drawing/2010/main" val="0"/>
+                <a14:useLocalDpi xmlns="" xmlns:a14="http://schemas.microsoft.com/office/drawing/2010/main" val="0"/>
               </a:ext>
             </a:extLst>
           </a:blip>
@@ -20434,14 +20544,14 @@
           <a:effectLst/>
           <a:extLst>
             <a:ext uri="{909E8E84-426E-40DD-AFC4-6F175D3DCCD1}">
-              <a14:hiddenFill xmlns:a14="http://schemas.microsoft.com/office/drawing/2010/main">
+              <a14:hiddenFill xmlns="" xmlns:a14="http://schemas.microsoft.com/office/drawing/2010/main">
                 <a:solidFill>
                   <a:schemeClr val="accent1"/>
                 </a:solidFill>
               </a14:hiddenFill>
             </a:ext>
             <a:ext uri="{AF507438-7753-43E0-B8FC-AC1667EBCBE1}">
-              <a14:hiddenEffects xmlns:a14="http://schemas.microsoft.com/office/drawing/2010/main">
+              <a14:hiddenEffects xmlns="" xmlns:a14="http://schemas.microsoft.com/office/drawing/2010/main">
                 <a:effectLst>
                   <a:outerShdw dist="35921" dir="2700000" algn="ctr" rotWithShape="0">
                     <a:schemeClr val="bg2"/>
@@ -20455,7 +20565,7 @@
     </p:spTree>
     <p:extLst>
       <p:ext uri="{BB962C8B-B14F-4D97-AF65-F5344CB8AC3E}">
-        <p14:creationId xmlns:p14="http://schemas.microsoft.com/office/powerpoint/2010/main" val="2951223995"/>
+        <p14:creationId xmlns="" xmlns:p14="http://schemas.microsoft.com/office/powerpoint/2010/main" val="2951223995"/>
       </p:ext>
     </p:extLst>
   </p:cSld>
@@ -20627,7 +20737,7 @@
           <a:blip r:embed="rId3">
             <a:extLst>
               <a:ext uri="{28A0092B-C50C-407E-A947-70E740481C1C}">
-                <a14:useLocalDpi xmlns:a14="http://schemas.microsoft.com/office/drawing/2010/main" val="0"/>
+                <a14:useLocalDpi xmlns="" xmlns:a14="http://schemas.microsoft.com/office/drawing/2010/main" val="0"/>
               </a:ext>
             </a:extLst>
           </a:blip>
@@ -20656,14 +20766,14 @@
           <a:effectLst/>
           <a:extLst>
             <a:ext uri="{909E8E84-426E-40DD-AFC4-6F175D3DCCD1}">
-              <a14:hiddenFill xmlns:a14="http://schemas.microsoft.com/office/drawing/2010/main">
+              <a14:hiddenFill xmlns="" xmlns:a14="http://schemas.microsoft.com/office/drawing/2010/main">
                 <a:solidFill>
                   <a:schemeClr val="accent1"/>
                 </a:solidFill>
               </a14:hiddenFill>
             </a:ext>
             <a:ext uri="{AF507438-7753-43E0-B8FC-AC1667EBCBE1}">
-              <a14:hiddenEffects xmlns:a14="http://schemas.microsoft.com/office/drawing/2010/main">
+              <a14:hiddenEffects xmlns="" xmlns:a14="http://schemas.microsoft.com/office/drawing/2010/main">
                 <a:effectLst>
                   <a:outerShdw dist="35921" dir="2700000" algn="ctr" rotWithShape="0">
                     <a:schemeClr val="bg2"/>
@@ -20677,7 +20787,7 @@
     </p:spTree>
     <p:extLst>
       <p:ext uri="{BB962C8B-B14F-4D97-AF65-F5344CB8AC3E}">
-        <p14:creationId xmlns:p14="http://schemas.microsoft.com/office/powerpoint/2010/main" val="1456193660"/>
+        <p14:creationId xmlns="" xmlns:p14="http://schemas.microsoft.com/office/powerpoint/2010/main" val="1456193660"/>
       </p:ext>
     </p:extLst>
   </p:cSld>
@@ -20759,7 +20869,7 @@
           <p:nvPr>
             <p:extLst>
               <p:ext uri="{D42A27DB-BD31-4B8C-83A1-F6EECF244321}">
-                <p14:modId xmlns:p14="http://schemas.microsoft.com/office/powerpoint/2010/main" val="3486751499"/>
+                <p14:modId xmlns="" xmlns:p14="http://schemas.microsoft.com/office/powerpoint/2010/main" val="3486751499"/>
               </p:ext>
             </p:extLst>
           </p:nvPr>
@@ -21333,7 +21443,7 @@
     </p:spTree>
     <p:extLst>
       <p:ext uri="{BB962C8B-B14F-4D97-AF65-F5344CB8AC3E}">
-        <p14:creationId xmlns:p14="http://schemas.microsoft.com/office/powerpoint/2010/main" val="2953226590"/>
+        <p14:creationId xmlns="" xmlns:p14="http://schemas.microsoft.com/office/powerpoint/2010/main" val="2953226590"/>
       </p:ext>
     </p:extLst>
   </p:cSld>
